--- a/presentazioneCDAYS2014.pptx
+++ b/presentazioneCDAYS2014.pptx
@@ -5,10 +5,10 @@
     <p:sldMasterId id="2147483840" r:id="rId1"/>
   </p:sldMasterIdLst>
   <p:notesMasterIdLst>
-    <p:notesMasterId r:id="rId18"/>
+    <p:notesMasterId r:id="rId28"/>
   </p:notesMasterIdLst>
   <p:handoutMasterIdLst>
-    <p:handoutMasterId r:id="rId19"/>
+    <p:handoutMasterId r:id="rId29"/>
   </p:handoutMasterIdLst>
   <p:sldIdLst>
     <p:sldId id="256" r:id="rId2"/>
@@ -22,11 +22,21 @@
     <p:sldId id="269" r:id="rId10"/>
     <p:sldId id="271" r:id="rId11"/>
     <p:sldId id="270" r:id="rId12"/>
-    <p:sldId id="272" r:id="rId13"/>
-    <p:sldId id="273" r:id="rId14"/>
-    <p:sldId id="262" r:id="rId15"/>
-    <p:sldId id="264" r:id="rId16"/>
-    <p:sldId id="263" r:id="rId17"/>
+    <p:sldId id="274" r:id="rId13"/>
+    <p:sldId id="272" r:id="rId14"/>
+    <p:sldId id="273" r:id="rId15"/>
+    <p:sldId id="275" r:id="rId16"/>
+    <p:sldId id="277" r:id="rId17"/>
+    <p:sldId id="276" r:id="rId18"/>
+    <p:sldId id="278" r:id="rId19"/>
+    <p:sldId id="279" r:id="rId20"/>
+    <p:sldId id="280" r:id="rId21"/>
+    <p:sldId id="281" r:id="rId22"/>
+    <p:sldId id="282" r:id="rId23"/>
+    <p:sldId id="283" r:id="rId24"/>
+    <p:sldId id="262" r:id="rId25"/>
+    <p:sldId id="264" r:id="rId26"/>
+    <p:sldId id="263" r:id="rId27"/>
   </p:sldIdLst>
   <p:sldSz cx="12192000" cy="6858000"/>
   <p:notesSz cx="6858000" cy="9144000"/>
@@ -141,8 +151,18 @@
             <p14:sldId id="269"/>
             <p14:sldId id="271"/>
             <p14:sldId id="270"/>
+            <p14:sldId id="274"/>
             <p14:sldId id="272"/>
             <p14:sldId id="273"/>
+            <p14:sldId id="275"/>
+            <p14:sldId id="277"/>
+            <p14:sldId id="276"/>
+            <p14:sldId id="278"/>
+            <p14:sldId id="279"/>
+            <p14:sldId id="280"/>
+            <p14:sldId id="281"/>
+            <p14:sldId id="282"/>
+            <p14:sldId id="283"/>
             <p14:sldId id="262"/>
             <p14:sldId id="264"/>
             <p14:sldId id="263"/>
@@ -928,7 +948,7 @@
               <a:pPr>
                 <a:defRPr/>
               </a:pPr>
-              <a:t>14</a:t>
+              <a:t>24</a:t>
             </a:fld>
             <a:endParaRPr lang="it-IT"/>
           </a:p>
@@ -1021,7 +1041,7 @@
           <a:p>
             <a:fld id="{6B6C5E1B-63F6-4CD9-93BD-FBDB130EB2E4}" type="slidenum">
               <a:rPr lang="it-IT" smtClean="0"/>
-              <a:t>16</a:t>
+              <a:t>26</a:t>
             </a:fld>
             <a:endParaRPr lang="it-IT"/>
           </a:p>
@@ -5558,11 +5578,11 @@
   <p:clrMapOvr>
     <a:masterClrMapping/>
   </p:clrMapOvr>
-  <mc:AlternateContent xmlns:mc="http://schemas.openxmlformats.org/markup-compatibility/2006">
-    <mc:Choice xmlns:p14="http://schemas.microsoft.com/office/powerpoint/2010/main" Requires="p14">
+  <mc:AlternateContent xmlns:mc="http://schemas.openxmlformats.org/markup-compatibility/2006" xmlns:p14="http://schemas.microsoft.com/office/powerpoint/2010/main">
+    <mc:Choice Requires="p14">
       <p:transition spd="slow" p14:dur="2000"/>
     </mc:Choice>
-    <mc:Fallback>
+    <mc:Fallback xmlns="">
       <p:transition spd="slow"/>
     </mc:Fallback>
   </mc:AlternateContent>
@@ -5681,6 +5701,474 @@
   <p:clrMapOvr>
     <a:masterClrMapping/>
   </p:clrMapOvr>
+  <mc:AlternateContent xmlns:mc="http://schemas.openxmlformats.org/markup-compatibility/2006" xmlns:p14="http://schemas.microsoft.com/office/powerpoint/2010/main">
+    <mc:Choice Requires="p14">
+      <p:transition spd="slow" p14:dur="2000"/>
+    </mc:Choice>
+    <mc:Fallback xmlns="">
+      <p:transition spd="slow"/>
+    </mc:Fallback>
+  </mc:AlternateContent>
+  <p:timing>
+    <p:tnLst>
+      <p:par>
+        <p:cTn id="1" dur="indefinite" restart="never" nodeType="tmRoot"/>
+      </p:par>
+    </p:tnLst>
+  </p:timing>
+</p:sld>
+</file>
+
+<file path=ppt/slides/slide12.xml><?xml version="1.0" encoding="utf-8"?>
+<p:sld xmlns:a="http://schemas.openxmlformats.org/drawingml/2006/main" xmlns:r="http://schemas.openxmlformats.org/officeDocument/2006/relationships" xmlns:p="http://schemas.openxmlformats.org/presentationml/2006/main">
+  <p:cSld>
+    <p:spTree>
+      <p:nvGrpSpPr>
+        <p:cNvPr id="1" name=""/>
+        <p:cNvGrpSpPr/>
+        <p:nvPr/>
+      </p:nvGrpSpPr>
+      <p:grpSpPr>
+        <a:xfrm>
+          <a:off x="0" y="0"/>
+          <a:ext cx="0" cy="0"/>
+          <a:chOff x="0" y="0"/>
+          <a:chExt cx="0" cy="0"/>
+        </a:xfrm>
+      </p:grpSpPr>
+      <p:sp>
+        <p:nvSpPr>
+          <p:cNvPr id="2" name="Title 1"/>
+          <p:cNvSpPr>
+            <a:spLocks noGrp="1"/>
+          </p:cNvSpPr>
+          <p:nvPr>
+            <p:ph type="title"/>
+          </p:nvPr>
+        </p:nvSpPr>
+        <p:spPr/>
+        <p:txBody>
+          <a:bodyPr/>
+          <a:lstStyle/>
+          <a:p>
+            <a:r>
+              <a:rPr lang="en-US" dirty="0" smtClean="0"/>
+              <a:t>SDL – </a:t>
+            </a:r>
+            <a:r>
+              <a:rPr lang="en-US" dirty="0" smtClean="0"/>
+              <a:t>snippet</a:t>
+            </a:r>
+            <a:endParaRPr lang="it-IT" dirty="0"/>
+          </a:p>
+        </p:txBody>
+      </p:sp>
+      <p:sp>
+        <p:nvSpPr>
+          <p:cNvPr id="3" name="Content Placeholder 2"/>
+          <p:cNvSpPr>
+            <a:spLocks noGrp="1"/>
+          </p:cNvSpPr>
+          <p:nvPr>
+            <p:ph idx="1"/>
+          </p:nvPr>
+        </p:nvSpPr>
+        <p:spPr/>
+        <p:txBody>
+          <a:bodyPr>
+            <a:normAutofit fontScale="70000" lnSpcReduction="20000"/>
+          </a:bodyPr>
+          <a:lstStyle/>
+          <a:p>
+            <a:pPr lvl="0">
+              <a:buNone/>
+            </a:pPr>
+            <a:r>
+              <a:rPr lang="en-US" dirty="0">
+                <a:solidFill>
+                  <a:srgbClr val="0000FF"/>
+                </a:solidFill>
+                <a:latin typeface="Consolas" pitchFamily="33"/>
+                <a:cs typeface="Consolas" pitchFamily="33"/>
+              </a:rPr>
+              <a:t>void</a:t>
+            </a:r>
+            <a:r>
+              <a:rPr lang="en-US" dirty="0">
+                <a:latin typeface="Consolas" pitchFamily="33"/>
+                <a:cs typeface="Consolas" pitchFamily="33"/>
+              </a:rPr>
+              <a:t> func1()</a:t>
+            </a:r>
+          </a:p>
+          <a:p>
+            <a:pPr lvl="0">
+              <a:buNone/>
+            </a:pPr>
+            <a:r>
+              <a:rPr lang="en-US" dirty="0">
+                <a:latin typeface="Consolas" pitchFamily="33"/>
+                <a:cs typeface="Consolas" pitchFamily="33"/>
+              </a:rPr>
+              <a:t>{</a:t>
+            </a:r>
+          </a:p>
+          <a:p>
+            <a:pPr lvl="0">
+              <a:buNone/>
+            </a:pPr>
+            <a:r>
+              <a:rPr lang="en-US" dirty="0">
+                <a:latin typeface="Consolas" pitchFamily="33"/>
+                <a:cs typeface="Consolas" pitchFamily="33"/>
+              </a:rPr>
+              <a:t>}</a:t>
+            </a:r>
+          </a:p>
+          <a:p>
+            <a:pPr lvl="0">
+              <a:buNone/>
+            </a:pPr>
+            <a:r>
+              <a:rPr lang="en-US" dirty="0">
+                <a:solidFill>
+                  <a:srgbClr val="0000FF"/>
+                </a:solidFill>
+                <a:latin typeface="Consolas" pitchFamily="33"/>
+                <a:cs typeface="Consolas" pitchFamily="33"/>
+              </a:rPr>
+              <a:t>#pragma</a:t>
+            </a:r>
+            <a:r>
+              <a:rPr lang="en-US" dirty="0">
+                <a:latin typeface="Consolas" pitchFamily="33"/>
+                <a:cs typeface="Consolas" pitchFamily="33"/>
+              </a:rPr>
+              <a:t> </a:t>
+            </a:r>
+            <a:r>
+              <a:rPr lang="en-US" dirty="0">
+                <a:solidFill>
+                  <a:srgbClr val="0000FF"/>
+                </a:solidFill>
+                <a:latin typeface="Consolas" pitchFamily="33"/>
+                <a:cs typeface="Consolas" pitchFamily="33"/>
+              </a:rPr>
+              <a:t>deprecated</a:t>
+            </a:r>
+            <a:r>
+              <a:rPr lang="en-US" dirty="0">
+                <a:latin typeface="Consolas" pitchFamily="33"/>
+                <a:cs typeface="Consolas" pitchFamily="33"/>
+              </a:rPr>
+              <a:t> (func1)</a:t>
+            </a:r>
+          </a:p>
+          <a:p>
+            <a:pPr lvl="0">
+              <a:buNone/>
+            </a:pPr>
+            <a:r>
+              <a:rPr lang="en-US" dirty="0" err="1">
+                <a:solidFill>
+                  <a:srgbClr val="0000FF"/>
+                </a:solidFill>
+                <a:latin typeface="Consolas" pitchFamily="33"/>
+                <a:cs typeface="Consolas" pitchFamily="33"/>
+              </a:rPr>
+              <a:t>int</a:t>
+            </a:r>
+            <a:r>
+              <a:rPr lang="en-US" dirty="0">
+                <a:latin typeface="Consolas" pitchFamily="33"/>
+                <a:cs typeface="Consolas" pitchFamily="33"/>
+              </a:rPr>
+              <a:t> </a:t>
+            </a:r>
+            <a:r>
+              <a:rPr lang="en-US" dirty="0">
+                <a:solidFill>
+                  <a:srgbClr val="6F008A"/>
+                </a:solidFill>
+                <a:latin typeface="Consolas" pitchFamily="33"/>
+                <a:cs typeface="Consolas" pitchFamily="33"/>
+              </a:rPr>
+              <a:t>_</a:t>
+            </a:r>
+            <a:r>
+              <a:rPr lang="en-US" dirty="0" err="1">
+                <a:solidFill>
+                  <a:srgbClr val="6F008A"/>
+                </a:solidFill>
+                <a:latin typeface="Consolas" pitchFamily="33"/>
+                <a:cs typeface="Consolas" pitchFamily="33"/>
+              </a:rPr>
+              <a:t>tmain</a:t>
+            </a:r>
+            <a:r>
+              <a:rPr lang="en-US" dirty="0">
+                <a:latin typeface="Consolas" pitchFamily="33"/>
+                <a:cs typeface="Consolas" pitchFamily="33"/>
+              </a:rPr>
+              <a:t>(</a:t>
+            </a:r>
+            <a:r>
+              <a:rPr lang="en-US" dirty="0" err="1">
+                <a:solidFill>
+                  <a:srgbClr val="0000FF"/>
+                </a:solidFill>
+                <a:latin typeface="Consolas" pitchFamily="33"/>
+                <a:cs typeface="Consolas" pitchFamily="33"/>
+              </a:rPr>
+              <a:t>int</a:t>
+            </a:r>
+            <a:r>
+              <a:rPr lang="en-US" dirty="0">
+                <a:latin typeface="Consolas" pitchFamily="33"/>
+                <a:cs typeface="Consolas" pitchFamily="33"/>
+              </a:rPr>
+              <a:t> </a:t>
+            </a:r>
+            <a:r>
+              <a:rPr lang="en-US" dirty="0" err="1">
+                <a:solidFill>
+                  <a:srgbClr val="808080"/>
+                </a:solidFill>
+                <a:latin typeface="Consolas" pitchFamily="33"/>
+                <a:cs typeface="Consolas" pitchFamily="33"/>
+              </a:rPr>
+              <a:t>argc</a:t>
+            </a:r>
+            <a:r>
+              <a:rPr lang="en-US" dirty="0">
+                <a:latin typeface="Consolas" pitchFamily="33"/>
+                <a:cs typeface="Consolas" pitchFamily="33"/>
+              </a:rPr>
+              <a:t>, </a:t>
+            </a:r>
+            <a:r>
+              <a:rPr lang="en-US" dirty="0">
+                <a:solidFill>
+                  <a:srgbClr val="2B91AF"/>
+                </a:solidFill>
+                <a:latin typeface="Consolas" pitchFamily="33"/>
+                <a:cs typeface="Consolas" pitchFamily="33"/>
+              </a:rPr>
+              <a:t>_TCHAR</a:t>
+            </a:r>
+            <a:r>
+              <a:rPr lang="en-US" dirty="0">
+                <a:latin typeface="Consolas" pitchFamily="33"/>
+                <a:cs typeface="Consolas" pitchFamily="33"/>
+              </a:rPr>
+              <a:t>* </a:t>
+            </a:r>
+            <a:r>
+              <a:rPr lang="en-US" dirty="0" err="1">
+                <a:solidFill>
+                  <a:srgbClr val="808080"/>
+                </a:solidFill>
+                <a:latin typeface="Consolas" pitchFamily="33"/>
+                <a:cs typeface="Consolas" pitchFamily="33"/>
+              </a:rPr>
+              <a:t>argv</a:t>
+            </a:r>
+            <a:r>
+              <a:rPr lang="en-US" dirty="0">
+                <a:latin typeface="Consolas" pitchFamily="33"/>
+                <a:cs typeface="Consolas" pitchFamily="33"/>
+              </a:rPr>
+              <a:t>[])</a:t>
+            </a:r>
+          </a:p>
+          <a:p>
+            <a:pPr lvl="0">
+              <a:buNone/>
+            </a:pPr>
+            <a:r>
+              <a:rPr lang="en-US" dirty="0">
+                <a:latin typeface="Consolas" pitchFamily="33"/>
+                <a:cs typeface="Consolas" pitchFamily="33"/>
+              </a:rPr>
+              <a:t>{</a:t>
+            </a:r>
+          </a:p>
+          <a:p>
+            <a:pPr lvl="0">
+              <a:buNone/>
+            </a:pPr>
+            <a:r>
+              <a:rPr lang="en-US" dirty="0" err="1">
+                <a:solidFill>
+                  <a:srgbClr val="0000FF"/>
+                </a:solidFill>
+                <a:latin typeface="Consolas" pitchFamily="33"/>
+                <a:cs typeface="Consolas" pitchFamily="33"/>
+              </a:rPr>
+              <a:t>int</a:t>
+            </a:r>
+            <a:r>
+              <a:rPr lang="en-US" dirty="0">
+                <a:latin typeface="Consolas" pitchFamily="33"/>
+                <a:cs typeface="Consolas" pitchFamily="33"/>
+              </a:rPr>
+              <a:t> a;</a:t>
+            </a:r>
+          </a:p>
+          <a:p>
+            <a:pPr lvl="0">
+              <a:buNone/>
+            </a:pPr>
+            <a:r>
+              <a:rPr lang="en-US" dirty="0" err="1">
+                <a:solidFill>
+                  <a:srgbClr val="0000FF"/>
+                </a:solidFill>
+                <a:latin typeface="Consolas" pitchFamily="33"/>
+                <a:cs typeface="Consolas" pitchFamily="33"/>
+              </a:rPr>
+              <a:t>int</a:t>
+            </a:r>
+            <a:r>
+              <a:rPr lang="en-US" dirty="0">
+                <a:latin typeface="Consolas" pitchFamily="33"/>
+                <a:cs typeface="Consolas" pitchFamily="33"/>
+              </a:rPr>
+              <a:t> b=a*2; </a:t>
+            </a:r>
+            <a:r>
+              <a:rPr lang="en-US" dirty="0">
+                <a:solidFill>
+                  <a:srgbClr val="008000"/>
+                </a:solidFill>
+                <a:latin typeface="Consolas" pitchFamily="33"/>
+                <a:cs typeface="Consolas" pitchFamily="33"/>
+              </a:rPr>
+              <a:t>//C4700</a:t>
+            </a:r>
+          </a:p>
+          <a:p>
+            <a:pPr lvl="0">
+              <a:buNone/>
+            </a:pPr>
+            <a:r>
+              <a:rPr lang="en-US" dirty="0">
+                <a:latin typeface="Consolas" pitchFamily="33"/>
+                <a:cs typeface="Consolas" pitchFamily="33"/>
+              </a:rPr>
+              <a:t>func1(); </a:t>
+            </a:r>
+            <a:r>
+              <a:rPr lang="en-US" dirty="0">
+                <a:solidFill>
+                  <a:srgbClr val="008000"/>
+                </a:solidFill>
+                <a:latin typeface="Consolas" pitchFamily="33"/>
+                <a:cs typeface="Consolas" pitchFamily="33"/>
+              </a:rPr>
+              <a:t>//C4995</a:t>
+            </a:r>
+          </a:p>
+          <a:p>
+            <a:pPr lvl="0">
+              <a:buNone/>
+            </a:pPr>
+            <a:r>
+              <a:rPr lang="en-US" dirty="0">
+                <a:solidFill>
+                  <a:srgbClr val="0000FF"/>
+                </a:solidFill>
+                <a:latin typeface="Consolas" pitchFamily="33"/>
+                <a:cs typeface="Consolas" pitchFamily="33"/>
+              </a:rPr>
+              <a:t>unsigned</a:t>
+            </a:r>
+            <a:r>
+              <a:rPr lang="en-US" dirty="0">
+                <a:latin typeface="Consolas" pitchFamily="33"/>
+                <a:cs typeface="Consolas" pitchFamily="33"/>
+              </a:rPr>
+              <a:t> </a:t>
+            </a:r>
+            <a:r>
+              <a:rPr lang="en-US" dirty="0" err="1">
+                <a:solidFill>
+                  <a:srgbClr val="0000FF"/>
+                </a:solidFill>
+                <a:latin typeface="Consolas" pitchFamily="33"/>
+                <a:cs typeface="Consolas" pitchFamily="33"/>
+              </a:rPr>
+              <a:t>int</a:t>
+            </a:r>
+            <a:r>
+              <a:rPr lang="en-US" dirty="0">
+                <a:latin typeface="Consolas" pitchFamily="33"/>
+                <a:cs typeface="Consolas" pitchFamily="33"/>
+              </a:rPr>
+              <a:t> u = (-5 + 4U);  </a:t>
+            </a:r>
+            <a:r>
+              <a:rPr lang="en-US" dirty="0">
+                <a:solidFill>
+                  <a:srgbClr val="008000"/>
+                </a:solidFill>
+                <a:latin typeface="Consolas" pitchFamily="33"/>
+                <a:cs typeface="Consolas" pitchFamily="33"/>
+              </a:rPr>
+              <a:t>//C4308</a:t>
+            </a:r>
+          </a:p>
+          <a:p>
+            <a:pPr lvl="0">
+              <a:buNone/>
+            </a:pPr>
+            <a:r>
+              <a:rPr lang="en-US" dirty="0">
+                <a:solidFill>
+                  <a:srgbClr val="0000FF"/>
+                </a:solidFill>
+                <a:latin typeface="Consolas" pitchFamily="33"/>
+                <a:cs typeface="Consolas" pitchFamily="33"/>
+              </a:rPr>
+              <a:t>return</a:t>
+            </a:r>
+            <a:r>
+              <a:rPr lang="en-US" dirty="0">
+                <a:latin typeface="Consolas" pitchFamily="33"/>
+                <a:cs typeface="Consolas" pitchFamily="33"/>
+              </a:rPr>
+              <a:t> 0;</a:t>
+            </a:r>
+          </a:p>
+          <a:p>
+            <a:pPr lvl="0">
+              <a:buNone/>
+            </a:pPr>
+            <a:r>
+              <a:rPr lang="en-US" dirty="0">
+                <a:latin typeface="Consolas" pitchFamily="33"/>
+                <a:cs typeface="Consolas" pitchFamily="33"/>
+              </a:rPr>
+              <a:t>}</a:t>
+            </a:r>
+            <a:r>
+              <a:rPr lang="en-US" dirty="0" smtClean="0"/>
+              <a:t>  </a:t>
+            </a:r>
+            <a:endParaRPr lang="en-US" dirty="0" smtClean="0"/>
+          </a:p>
+        </p:txBody>
+      </p:sp>
+    </p:spTree>
+    <p:extLst>
+      <p:ext uri="{BB962C8B-B14F-4D97-AF65-F5344CB8AC3E}">
+        <p14:creationId xmlns:p14="http://schemas.microsoft.com/office/powerpoint/2010/main" val="3162084225"/>
+      </p:ext>
+    </p:extLst>
+  </p:cSld>
+  <p:clrMapOvr>
+    <a:masterClrMapping/>
+  </p:clrMapOvr>
   <mc:AlternateContent xmlns:mc="http://schemas.openxmlformats.org/markup-compatibility/2006">
     <mc:Choice xmlns:p14="http://schemas.microsoft.com/office/powerpoint/2010/main" Requires="p14">
       <p:transition spd="slow" p14:dur="2000"/>
@@ -5699,7 +6187,7 @@
 </p:sld>
 </file>
 
-<file path=ppt/slides/slide12.xml><?xml version="1.0" encoding="utf-8"?>
+<file path=ppt/slides/slide13.xml><?xml version="1.0" encoding="utf-8"?>
 <p:sld xmlns:a="http://schemas.openxmlformats.org/drawingml/2006/main" xmlns:r="http://schemas.openxmlformats.org/officeDocument/2006/relationships" xmlns:p="http://schemas.openxmlformats.org/presentationml/2006/main">
   <p:cSld>
     <p:spTree>
@@ -5901,11 +6389,11 @@
   <p:clrMapOvr>
     <a:masterClrMapping/>
   </p:clrMapOvr>
-  <mc:AlternateContent xmlns:mc="http://schemas.openxmlformats.org/markup-compatibility/2006">
-    <mc:Choice xmlns:p14="http://schemas.microsoft.com/office/powerpoint/2010/main" Requires="p14">
+  <mc:AlternateContent xmlns:mc="http://schemas.openxmlformats.org/markup-compatibility/2006" xmlns:p14="http://schemas.microsoft.com/office/powerpoint/2010/main">
+    <mc:Choice Requires="p14">
       <p:transition spd="slow" p14:dur="2000"/>
     </mc:Choice>
-    <mc:Fallback>
+    <mc:Fallback xmlns="">
       <p:transition spd="slow"/>
     </mc:Fallback>
   </mc:AlternateContent>
@@ -5919,7 +6407,7 @@
 </p:sld>
 </file>
 
-<file path=ppt/slides/slide13.xml><?xml version="1.0" encoding="utf-8"?>
+<file path=ppt/slides/slide14.xml><?xml version="1.0" encoding="utf-8"?>
 <p:sld xmlns:a="http://schemas.openxmlformats.org/drawingml/2006/main" xmlns:r="http://schemas.openxmlformats.org/officeDocument/2006/relationships" xmlns:p="http://schemas.openxmlformats.org/presentationml/2006/main">
   <p:cSld>
     <p:spTree>
@@ -6157,105 +6645,6 @@
   <p:clrMapOvr>
     <a:masterClrMapping/>
   </p:clrMapOvr>
-  <mc:AlternateContent xmlns:mc="http://schemas.openxmlformats.org/markup-compatibility/2006">
-    <mc:Choice xmlns:p14="http://schemas.microsoft.com/office/powerpoint/2010/main" Requires="p14">
-      <p:transition spd="slow" p14:dur="2000"/>
-    </mc:Choice>
-    <mc:Fallback>
-      <p:transition spd="slow"/>
-    </mc:Fallback>
-  </mc:AlternateContent>
-  <p:timing>
-    <p:tnLst>
-      <p:par>
-        <p:cTn id="1" dur="indefinite" restart="never" nodeType="tmRoot"/>
-      </p:par>
-    </p:tnLst>
-  </p:timing>
-</p:sld>
-</file>
-
-<file path=ppt/slides/slide14.xml><?xml version="1.0" encoding="utf-8"?>
-<p:sld xmlns:a="http://schemas.openxmlformats.org/drawingml/2006/main" xmlns:r="http://schemas.openxmlformats.org/officeDocument/2006/relationships" xmlns:p="http://schemas.openxmlformats.org/presentationml/2006/main">
-  <p:cSld>
-    <p:spTree>
-      <p:nvGrpSpPr>
-        <p:cNvPr id="1" name=""/>
-        <p:cNvGrpSpPr/>
-        <p:nvPr/>
-      </p:nvGrpSpPr>
-      <p:grpSpPr>
-        <a:xfrm>
-          <a:off x="0" y="0"/>
-          <a:ext cx="0" cy="0"/>
-          <a:chOff x="0" y="0"/>
-          <a:chExt cx="0" cy="0"/>
-        </a:xfrm>
-      </p:grpSpPr>
-      <p:sp>
-        <p:nvSpPr>
-          <p:cNvPr id="4" name="Title 3"/>
-          <p:cNvSpPr>
-            <a:spLocks noGrp="1"/>
-          </p:cNvSpPr>
-          <p:nvPr>
-            <p:ph type="title"/>
-          </p:nvPr>
-        </p:nvSpPr>
-        <p:spPr/>
-        <p:txBody>
-          <a:bodyPr/>
-          <a:lstStyle/>
-          <a:p>
-            <a:r>
-              <a:rPr lang="it-IT" dirty="0" smtClean="0"/>
-              <a:t>demo</a:t>
-            </a:r>
-            <a:endParaRPr lang="it-IT" dirty="0"/>
-          </a:p>
-        </p:txBody>
-      </p:sp>
-      <p:sp>
-        <p:nvSpPr>
-          <p:cNvPr id="5" name="Text Placeholder 4"/>
-          <p:cNvSpPr>
-            <a:spLocks noGrp="1"/>
-          </p:cNvSpPr>
-          <p:nvPr>
-            <p:ph type="body" idx="1"/>
-          </p:nvPr>
-        </p:nvSpPr>
-        <p:spPr/>
-        <p:txBody>
-          <a:bodyPr/>
-          <a:lstStyle/>
-          <a:p>
-            <a:r>
-              <a:rPr lang="fr-FR" dirty="0" err="1" smtClean="0"/>
-              <a:t>Titolo</a:t>
-            </a:r>
-            <a:r>
-              <a:rPr lang="fr-FR" dirty="0" smtClean="0"/>
-              <a:t> </a:t>
-            </a:r>
-            <a:r>
-              <a:rPr lang="fr-FR" dirty="0" err="1" smtClean="0"/>
-              <a:t>demo</a:t>
-            </a:r>
-            <a:endParaRPr lang="fr-FR" dirty="0"/>
-          </a:p>
-        </p:txBody>
-      </p:sp>
-    </p:spTree>
-    <p:extLst>
-      <p:ext uri="{BB962C8B-B14F-4D97-AF65-F5344CB8AC3E}">
-        <p14:creationId xmlns:p14="http://schemas.microsoft.com/office/powerpoint/2010/main" val="178878209"/>
-      </p:ext>
-    </p:extLst>
-  </p:cSld>
-  <p:clrMapOvr>
-    <a:masterClrMapping/>
-  </p:clrMapOvr>
   <mc:AlternateContent xmlns:mc="http://schemas.openxmlformats.org/markup-compatibility/2006" xmlns:p14="http://schemas.microsoft.com/office/powerpoint/2010/main">
     <mc:Choice Requires="p14">
       <p:transition spd="slow" p14:dur="2000"/>
@@ -6293,7 +6682,7 @@
       </p:grpSpPr>
       <p:sp>
         <p:nvSpPr>
-          <p:cNvPr id="4" name="Title 3"/>
+          <p:cNvPr id="2" name="Title 1"/>
           <p:cNvSpPr>
             <a:spLocks noGrp="1"/>
           </p:cNvSpPr>
@@ -6307,8 +6696,12 @@
           <a:lstStyle/>
           <a:p>
             <a:r>
-              <a:rPr lang="it-IT" dirty="0" err="1" smtClean="0"/>
-              <a:t>Recap</a:t>
+              <a:rPr lang="en-US" dirty="0" smtClean="0"/>
+              <a:t>Static Analysis </a:t>
+            </a:r>
+            <a:r>
+              <a:rPr lang="en-US" dirty="0" smtClean="0"/>
+              <a:t>- snippet</a:t>
             </a:r>
             <a:endParaRPr lang="it-IT" dirty="0"/>
           </a:p>
@@ -6316,7 +6709,7 @@
       </p:sp>
       <p:sp>
         <p:nvSpPr>
-          <p:cNvPr id="5" name="Content Placeholder 4"/>
+          <p:cNvPr id="3" name="Content Placeholder 2"/>
           <p:cNvSpPr>
             <a:spLocks noGrp="1"/>
           </p:cNvSpPr>
@@ -6326,33 +6719,255 @@
         </p:nvSpPr>
         <p:spPr/>
         <p:txBody>
-          <a:bodyPr/>
+          <a:bodyPr>
+            <a:normAutofit/>
+          </a:bodyPr>
           <a:lstStyle/>
           <a:p>
-            <a:r>
-              <a:rPr lang="it-IT" dirty="0" smtClean="0"/>
-              <a:t>Punto 1</a:t>
-            </a:r>
-          </a:p>
-          <a:p>
-            <a:r>
-              <a:rPr lang="it-IT" dirty="0" smtClean="0"/>
-              <a:t>Punto 2</a:t>
-            </a:r>
-            <a:endParaRPr lang="it-IT" dirty="0"/>
+            <a:pPr lvl="0">
+              <a:buNone/>
+            </a:pPr>
+            <a:r>
+              <a:rPr lang="en-US" dirty="0" err="1">
+                <a:latin typeface="Lucida Console" pitchFamily="49"/>
+              </a:rPr>
+              <a:t>int</a:t>
+            </a:r>
+            <a:r>
+              <a:rPr lang="en-US" dirty="0">
+                <a:latin typeface="Lucida Console" pitchFamily="49"/>
+              </a:rPr>
+              <a:t> *p = new </a:t>
+            </a:r>
+            <a:r>
+              <a:rPr lang="en-US" dirty="0" err="1">
+                <a:latin typeface="Lucida Console" pitchFamily="49"/>
+              </a:rPr>
+              <a:t>int</a:t>
+            </a:r>
+            <a:r>
+              <a:rPr lang="en-US" dirty="0">
+                <a:latin typeface="Lucida Console" pitchFamily="49"/>
+              </a:rPr>
+              <a:t>[10]; delete p; //  Warning C6283</a:t>
+            </a:r>
+          </a:p>
+          <a:p>
+            <a:pPr lvl="0">
+              <a:buNone/>
+            </a:pPr>
+            <a:r>
+              <a:rPr lang="en-US" dirty="0">
+                <a:latin typeface="Lucida Console" pitchFamily="49"/>
+              </a:rPr>
+              <a:t>P *p = </a:t>
+            </a:r>
+            <a:r>
+              <a:rPr lang="en-US" dirty="0" err="1">
+                <a:latin typeface="Lucida Console" pitchFamily="49"/>
+              </a:rPr>
+              <a:t>nullptr</a:t>
+            </a:r>
+            <a:r>
+              <a:rPr lang="en-US" dirty="0">
+                <a:latin typeface="Lucida Console" pitchFamily="49"/>
+              </a:rPr>
+              <a:t>; p-&gt;a = 1;  Warning C6011</a:t>
+            </a:r>
+          </a:p>
+          <a:p>
+            <a:pPr lvl="0">
+              <a:buNone/>
+            </a:pPr>
+            <a:r>
+              <a:rPr lang="en-US" dirty="0">
+                <a:latin typeface="Lucida Console" pitchFamily="49"/>
+              </a:rPr>
+              <a:t>{</a:t>
+            </a:r>
+            <a:br>
+              <a:rPr lang="en-US" dirty="0">
+                <a:latin typeface="Lucida Console" pitchFamily="49"/>
+              </a:rPr>
+            </a:br>
+            <a:r>
+              <a:rPr lang="en-US" dirty="0">
+                <a:latin typeface="Lucida Console" pitchFamily="49"/>
+              </a:rPr>
+              <a:t>  </a:t>
+            </a:r>
+            <a:r>
+              <a:rPr lang="en-US" dirty="0" err="1">
+                <a:latin typeface="Lucida Console" pitchFamily="49"/>
+              </a:rPr>
+              <a:t>int</a:t>
+            </a:r>
+            <a:r>
+              <a:rPr lang="en-US" dirty="0">
+                <a:latin typeface="Lucida Console" pitchFamily="49"/>
+              </a:rPr>
+              <a:t> </a:t>
+            </a:r>
+            <a:r>
+              <a:rPr lang="en-US" dirty="0" err="1">
+                <a:latin typeface="Lucida Console" pitchFamily="49"/>
+              </a:rPr>
+              <a:t>aa</a:t>
+            </a:r>
+            <a:r>
+              <a:rPr lang="en-US" dirty="0">
+                <a:latin typeface="Lucida Console" pitchFamily="49"/>
+              </a:rPr>
+              <a:t>;</a:t>
+            </a:r>
+            <a:br>
+              <a:rPr lang="en-US" dirty="0">
+                <a:latin typeface="Lucida Console" pitchFamily="49"/>
+              </a:rPr>
+            </a:br>
+            <a:r>
+              <a:rPr lang="en-US" dirty="0">
+                <a:latin typeface="Lucida Console" pitchFamily="49"/>
+              </a:rPr>
+              <a:t>	</a:t>
+            </a:r>
+            <a:r>
+              <a:rPr lang="en-US" dirty="0" err="1">
+                <a:latin typeface="Lucida Console" pitchFamily="49"/>
+              </a:rPr>
+              <a:t>aa</a:t>
+            </a:r>
+            <a:r>
+              <a:rPr lang="en-US" dirty="0">
+                <a:latin typeface="Lucida Console" pitchFamily="49"/>
+              </a:rPr>
+              <a:t> = 1; </a:t>
+            </a:r>
+            <a:r>
+              <a:rPr lang="en-US" dirty="0" err="1">
+                <a:latin typeface="Lucida Console" pitchFamily="49"/>
+              </a:rPr>
+              <a:t>aa</a:t>
+            </a:r>
+            <a:r>
+              <a:rPr lang="en-US" dirty="0">
+                <a:latin typeface="Lucida Console" pitchFamily="49"/>
+              </a:rPr>
+              <a:t>;</a:t>
+            </a:r>
+            <a:br>
+              <a:rPr lang="en-US" dirty="0">
+                <a:latin typeface="Lucida Console" pitchFamily="49"/>
+              </a:rPr>
+            </a:br>
+            <a:r>
+              <a:rPr lang="en-US" dirty="0">
+                <a:latin typeface="Lucida Console" pitchFamily="49"/>
+              </a:rPr>
+              <a:t>	{  </a:t>
+            </a:r>
+            <a:br>
+              <a:rPr lang="en-US" dirty="0">
+                <a:latin typeface="Lucida Console" pitchFamily="49"/>
+              </a:rPr>
+            </a:br>
+            <a:r>
+              <a:rPr lang="en-US" dirty="0">
+                <a:latin typeface="Lucida Console" pitchFamily="49"/>
+              </a:rPr>
+              <a:t>	   </a:t>
+            </a:r>
+            <a:r>
+              <a:rPr lang="en-US" dirty="0" err="1">
+                <a:latin typeface="Lucida Console" pitchFamily="49"/>
+              </a:rPr>
+              <a:t>int</a:t>
+            </a:r>
+            <a:r>
+              <a:rPr lang="en-US" dirty="0">
+                <a:latin typeface="Lucida Console" pitchFamily="49"/>
+              </a:rPr>
+              <a:t> </a:t>
+            </a:r>
+            <a:r>
+              <a:rPr lang="en-US" dirty="0" err="1">
+                <a:latin typeface="Lucida Console" pitchFamily="49"/>
+              </a:rPr>
+              <a:t>aa</a:t>
+            </a:r>
+            <a:r>
+              <a:rPr lang="en-US" dirty="0">
+                <a:latin typeface="Lucida Console" pitchFamily="49"/>
+              </a:rPr>
+              <a:t>;  Warning C6246</a:t>
+            </a:r>
+            <a:br>
+              <a:rPr lang="en-US" dirty="0">
+                <a:latin typeface="Lucida Console" pitchFamily="49"/>
+              </a:rPr>
+            </a:br>
+            <a:r>
+              <a:rPr lang="en-US" dirty="0">
+                <a:latin typeface="Lucida Console" pitchFamily="49"/>
+              </a:rPr>
+              <a:t>	    </a:t>
+            </a:r>
+            <a:r>
+              <a:rPr lang="en-US" dirty="0" err="1">
+                <a:latin typeface="Lucida Console" pitchFamily="49"/>
+              </a:rPr>
+              <a:t>aa</a:t>
+            </a:r>
+            <a:r>
+              <a:rPr lang="en-US" dirty="0">
+                <a:latin typeface="Lucida Console" pitchFamily="49"/>
+              </a:rPr>
+              <a:t> = 2; </a:t>
+            </a:r>
+            <a:br>
+              <a:rPr lang="en-US" dirty="0">
+                <a:latin typeface="Lucida Console" pitchFamily="49"/>
+              </a:rPr>
+            </a:br>
+            <a:r>
+              <a:rPr lang="en-US" dirty="0">
+                <a:latin typeface="Lucida Console" pitchFamily="49"/>
+              </a:rPr>
+              <a:t>	}</a:t>
+            </a:r>
+          </a:p>
+          <a:p>
+            <a:pPr lvl="0">
+              <a:buNone/>
+            </a:pPr>
+            <a:r>
+              <a:rPr lang="en-US" dirty="0">
+                <a:latin typeface="Lucida Console" pitchFamily="49"/>
+              </a:rPr>
+              <a:t>}</a:t>
+            </a:r>
+            <a:endParaRPr lang="en-US" dirty="0" smtClean="0"/>
           </a:p>
         </p:txBody>
       </p:sp>
     </p:spTree>
     <p:extLst>
       <p:ext uri="{BB962C8B-B14F-4D97-AF65-F5344CB8AC3E}">
-        <p14:creationId xmlns:p14="http://schemas.microsoft.com/office/powerpoint/2010/main" val="2553623974"/>
+        <p14:creationId xmlns:p14="http://schemas.microsoft.com/office/powerpoint/2010/main" val="2309766965"/>
       </p:ext>
     </p:extLst>
   </p:cSld>
   <p:clrMapOvr>
     <a:masterClrMapping/>
   </p:clrMapOvr>
+  <mc:AlternateContent xmlns:mc="http://schemas.openxmlformats.org/markup-compatibility/2006">
+    <mc:Choice xmlns:p14="http://schemas.microsoft.com/office/powerpoint/2010/main" Requires="p14">
+      <p:transition spd="slow" p14:dur="2000"/>
+    </mc:Choice>
+    <mc:Fallback>
+      <p:transition spd="slow"/>
+    </mc:Fallback>
+  </mc:AlternateContent>
   <p:timing>
     <p:tnLst>
       <p:par>
@@ -6382,7 +6997,7 @@
       </p:grpSpPr>
       <p:sp>
         <p:nvSpPr>
-          <p:cNvPr id="3" name="Title 2"/>
+          <p:cNvPr id="2" name="Title 1"/>
           <p:cNvSpPr>
             <a:spLocks noGrp="1"/>
           </p:cNvSpPr>
@@ -6396,8 +7011,8 @@
           <a:lstStyle/>
           <a:p>
             <a:r>
-              <a:rPr lang="it-IT" dirty="0" smtClean="0"/>
-              <a:t>Q&amp;A</a:t>
+              <a:rPr lang="en-US" dirty="0" smtClean="0"/>
+              <a:t>SAL e Warning Level</a:t>
             </a:r>
             <a:endParaRPr lang="it-IT" dirty="0"/>
           </a:p>
@@ -6405,7 +7020,7 @@
       </p:sp>
       <p:sp>
         <p:nvSpPr>
-          <p:cNvPr id="4" name="Content Placeholder 3"/>
+          <p:cNvPr id="3" name="Content Placeholder 2"/>
           <p:cNvSpPr>
             <a:spLocks noGrp="1"/>
           </p:cNvSpPr>
@@ -6416,153 +7031,418 @@
         <p:spPr/>
         <p:txBody>
           <a:bodyPr>
-            <a:normAutofit fontScale="92500" lnSpcReduction="20000"/>
+            <a:normAutofit lnSpcReduction="10000"/>
           </a:bodyPr>
           <a:lstStyle/>
           <a:p>
-            <a:pPr marL="0" indent="0">
+            <a:pPr lvl="0"/>
+            <a:r>
+              <a:rPr lang="en-US" dirty="0" smtClean="0"/>
+              <a:t>Source annotation language (SAL) </a:t>
+            </a:r>
+            <a:r>
+              <a:rPr lang="en-US" dirty="0" err="1" smtClean="0"/>
+              <a:t>permette</a:t>
+            </a:r>
+            <a:r>
+              <a:rPr lang="en-US" dirty="0" smtClean="0"/>
+              <a:t> di </a:t>
+            </a:r>
+            <a:r>
+              <a:rPr lang="en-US" dirty="0" err="1" smtClean="0"/>
+              <a:t>annotare</a:t>
+            </a:r>
+            <a:r>
+              <a:rPr lang="en-US" dirty="0" smtClean="0"/>
+              <a:t> le </a:t>
+            </a:r>
+            <a:r>
+              <a:rPr lang="en-US" dirty="0" err="1" smtClean="0"/>
+              <a:t>funzioni</a:t>
+            </a:r>
+            <a:r>
+              <a:rPr lang="en-US" dirty="0" smtClean="0"/>
+              <a:t> per </a:t>
+            </a:r>
+            <a:r>
+              <a:rPr lang="en-US" dirty="0" err="1" smtClean="0"/>
+              <a:t>ottenere</a:t>
+            </a:r>
+            <a:r>
+              <a:rPr lang="en-US" dirty="0" smtClean="0"/>
+              <a:t> </a:t>
+            </a:r>
+            <a:r>
+              <a:rPr lang="en-US" dirty="0" err="1" smtClean="0"/>
+              <a:t>controlli</a:t>
+            </a:r>
+            <a:r>
+              <a:rPr lang="en-US" dirty="0" smtClean="0"/>
+              <a:t> a compile time (</a:t>
+            </a:r>
+            <a:r>
+              <a:rPr lang="en-US" dirty="0" err="1" smtClean="0"/>
+              <a:t>attivabile</a:t>
+            </a:r>
+            <a:r>
+              <a:rPr lang="en-US" dirty="0" smtClean="0"/>
+              <a:t> con /analyze)</a:t>
+            </a:r>
+            <a:r>
+              <a:rPr lang="en-US" sz="1200" dirty="0">
+                <a:latin typeface="Lucida Console" pitchFamily="49"/>
+              </a:rPr>
+              <a:t/>
+            </a:r>
+            <a:br>
+              <a:rPr lang="en-US" sz="1200" dirty="0">
+                <a:latin typeface="Lucida Console" pitchFamily="49"/>
+              </a:rPr>
+            </a:br>
+            <a:endParaRPr lang="en-US" sz="1200" dirty="0">
+              <a:latin typeface="Lucida Console" pitchFamily="49"/>
+            </a:endParaRPr>
+          </a:p>
+          <a:p>
+            <a:pPr lvl="0">
               <a:buNone/>
             </a:pPr>
             <a:r>
-              <a:rPr lang="it-IT" dirty="0" smtClean="0"/>
-              <a:t>Tutto il </a:t>
-            </a:r>
-            <a:r>
-              <a:rPr lang="it-IT" dirty="0"/>
-              <a:t>m</a:t>
-            </a:r>
-            <a:r>
-              <a:rPr lang="it-IT" dirty="0" smtClean="0"/>
-              <a:t>ateriale di questa sessione su</a:t>
-            </a:r>
-          </a:p>
-          <a:p>
-            <a:pPr marL="0" indent="0">
+              <a:rPr lang="en-US" sz="1200" dirty="0">
+                <a:latin typeface="Lucida Console" pitchFamily="49"/>
+                <a:cs typeface="Consolas" pitchFamily="33"/>
+              </a:rPr>
+              <a:t>_</a:t>
+            </a:r>
+            <a:r>
+              <a:rPr lang="en-US" sz="1200" dirty="0" err="1">
+                <a:latin typeface="Lucida Console" pitchFamily="49"/>
+                <a:cs typeface="Consolas" pitchFamily="33"/>
+              </a:rPr>
+              <a:t>Check_return</a:t>
+            </a:r>
+            <a:r>
+              <a:rPr lang="en-US" sz="1200" dirty="0">
+                <a:latin typeface="Lucida Console" pitchFamily="49"/>
+                <a:cs typeface="Consolas" pitchFamily="33"/>
+              </a:rPr>
+              <a:t>_ </a:t>
+            </a:r>
+            <a:r>
+              <a:rPr lang="en-US" sz="1200" dirty="0" err="1">
+                <a:latin typeface="Lucida Console" pitchFamily="49"/>
+                <a:cs typeface="Consolas" pitchFamily="33"/>
+              </a:rPr>
+              <a:t>int</a:t>
+            </a:r>
+            <a:r>
+              <a:rPr lang="en-US" sz="1200" dirty="0">
+                <a:latin typeface="Lucida Console" pitchFamily="49"/>
+                <a:cs typeface="Consolas" pitchFamily="33"/>
+              </a:rPr>
+              <a:t> </a:t>
+            </a:r>
+            <a:r>
+              <a:rPr lang="en-US" sz="1200" dirty="0" err="1">
+                <a:latin typeface="Lucida Console" pitchFamily="49"/>
+                <a:cs typeface="Consolas" pitchFamily="33"/>
+              </a:rPr>
+              <a:t>func_range</a:t>
+            </a:r>
+            <a:r>
+              <a:rPr lang="en-US" sz="1200" dirty="0">
+                <a:latin typeface="Lucida Console" pitchFamily="49"/>
+                <a:cs typeface="Consolas" pitchFamily="33"/>
+              </a:rPr>
+              <a:t>(_</a:t>
+            </a:r>
+            <a:r>
+              <a:rPr lang="en-US" sz="1200" dirty="0" err="1">
+                <a:latin typeface="Lucida Console" pitchFamily="49"/>
+                <a:cs typeface="Consolas" pitchFamily="33"/>
+              </a:rPr>
+              <a:t>In_range</a:t>
+            </a:r>
+            <a:r>
+              <a:rPr lang="en-US" sz="1200" dirty="0">
+                <a:latin typeface="Lucida Console" pitchFamily="49"/>
+                <a:cs typeface="Consolas" pitchFamily="33"/>
+              </a:rPr>
+              <a:t>_(1, 3) </a:t>
+            </a:r>
+            <a:r>
+              <a:rPr lang="en-US" sz="1200" dirty="0" err="1">
+                <a:latin typeface="Lucida Console" pitchFamily="49"/>
+                <a:cs typeface="Consolas" pitchFamily="33"/>
+              </a:rPr>
+              <a:t>int</a:t>
+            </a:r>
+            <a:r>
+              <a:rPr lang="en-US" sz="1200" dirty="0">
+                <a:latin typeface="Lucida Console" pitchFamily="49"/>
+                <a:cs typeface="Consolas" pitchFamily="33"/>
+              </a:rPr>
+              <a:t> </a:t>
+            </a:r>
+            <a:r>
+              <a:rPr lang="en-US" sz="1200" dirty="0" err="1">
+                <a:latin typeface="Lucida Console" pitchFamily="49"/>
+                <a:cs typeface="Consolas" pitchFamily="33"/>
+              </a:rPr>
+              <a:t>val</a:t>
+            </a:r>
+            <a:r>
+              <a:rPr lang="en-US" sz="1200" dirty="0">
+                <a:latin typeface="Lucida Console" pitchFamily="49"/>
+                <a:cs typeface="Consolas" pitchFamily="33"/>
+              </a:rPr>
+              <a:t>) {return </a:t>
+            </a:r>
+            <a:r>
+              <a:rPr lang="en-US" sz="1200" dirty="0" err="1">
+                <a:latin typeface="Lucida Console" pitchFamily="49"/>
+                <a:cs typeface="Consolas" pitchFamily="33"/>
+              </a:rPr>
+              <a:t>val</a:t>
+            </a:r>
+            <a:r>
+              <a:rPr lang="en-US" sz="1200" dirty="0">
+                <a:latin typeface="Lucida Console" pitchFamily="49"/>
+                <a:cs typeface="Consolas" pitchFamily="33"/>
+              </a:rPr>
+              <a:t> *2 ;}</a:t>
+            </a:r>
+            <a:br>
+              <a:rPr lang="en-US" sz="1200" dirty="0">
+                <a:latin typeface="Lucida Console" pitchFamily="49"/>
+                <a:cs typeface="Consolas" pitchFamily="33"/>
+              </a:rPr>
+            </a:br>
+            <a:r>
+              <a:rPr lang="en-US" sz="1200" dirty="0">
+                <a:latin typeface="Lucida Console" pitchFamily="49"/>
+                <a:cs typeface="Consolas" pitchFamily="33"/>
+              </a:rPr>
+              <a:t/>
+            </a:r>
+            <a:br>
+              <a:rPr lang="en-US" sz="1200" dirty="0">
+                <a:latin typeface="Lucida Console" pitchFamily="49"/>
+                <a:cs typeface="Consolas" pitchFamily="33"/>
+              </a:rPr>
+            </a:br>
+            <a:r>
+              <a:rPr lang="en-US" sz="1200" dirty="0">
+                <a:latin typeface="Lucida Console" pitchFamily="49"/>
+                <a:cs typeface="Consolas" pitchFamily="33"/>
+              </a:rPr>
+              <a:t>if(</a:t>
+            </a:r>
+            <a:r>
+              <a:rPr lang="en-US" sz="1200" dirty="0" err="1">
+                <a:latin typeface="Lucida Console" pitchFamily="49"/>
+                <a:cs typeface="Consolas" pitchFamily="33"/>
+              </a:rPr>
+              <a:t>func_range</a:t>
+            </a:r>
+            <a:r>
+              <a:rPr lang="en-US" sz="1200" dirty="0">
+                <a:latin typeface="Lucida Console" pitchFamily="49"/>
+                <a:cs typeface="Consolas" pitchFamily="33"/>
+              </a:rPr>
+              <a:t>(4) &gt; 1</a:t>
+            </a:r>
+            <a:r>
+              <a:rPr lang="en-US" sz="1200" dirty="0" smtClean="0">
+                <a:latin typeface="Lucida Console" pitchFamily="49"/>
+                <a:cs typeface="Consolas" pitchFamily="33"/>
+              </a:rPr>
+              <a:t>) </a:t>
+            </a:r>
+            <a:r>
+              <a:rPr lang="en-US" sz="1200" dirty="0">
+                <a:latin typeface="Lucida Console" pitchFamily="49"/>
+                <a:cs typeface="Consolas" pitchFamily="33"/>
+              </a:rPr>
+              <a:t>{….} // Warning </a:t>
+            </a:r>
+            <a:r>
+              <a:rPr lang="en-US" sz="1200" dirty="0" smtClean="0">
+                <a:latin typeface="Lucida Console" pitchFamily="49"/>
+                <a:cs typeface="Consolas" pitchFamily="33"/>
+              </a:rPr>
+              <a:t>C2802</a:t>
+            </a:r>
+            <a:r>
+              <a:rPr lang="en-US" sz="1200" dirty="0" smtClean="0">
+                <a:latin typeface="Calibri" pitchFamily="34"/>
+                <a:cs typeface="Consolas" pitchFamily="33"/>
+              </a:rPr>
+              <a:t>0</a:t>
+            </a:r>
+          </a:p>
+          <a:p>
+            <a:pPr lvl="0">
               <a:buNone/>
             </a:pPr>
-            <a:r>
-              <a:rPr lang="it-IT" dirty="0" smtClean="0">
-                <a:hlinkClick r:id="rId3"/>
-              </a:rPr>
-              <a:t>http://www.communitydays.it/</a:t>
-            </a:r>
-            <a:r>
-              <a:rPr lang="it-IT" dirty="0" smtClean="0"/>
-              <a:t> </a:t>
-            </a:r>
-          </a:p>
-          <a:p>
-            <a:pPr marL="0" indent="0">
-              <a:buNone/>
-            </a:pPr>
-            <a:endParaRPr lang="it-IT" dirty="0"/>
-          </a:p>
-          <a:p>
-            <a:pPr marL="0" indent="0">
-              <a:buNone/>
-            </a:pPr>
-            <a:r>
-              <a:rPr lang="it-IT" dirty="0" smtClean="0"/>
-              <a:t>Lascia il feedback su questa sessione,</a:t>
-            </a:r>
-          </a:p>
-          <a:p>
-            <a:pPr marL="0" indent="0">
-              <a:buNone/>
-            </a:pPr>
-            <a:r>
-              <a:rPr lang="it-IT" dirty="0" smtClean="0"/>
-              <a:t>potrai essere estratto per i nostri premi!</a:t>
-            </a:r>
-          </a:p>
-          <a:p>
-            <a:pPr marL="0" indent="0">
-              <a:buNone/>
-            </a:pPr>
-            <a:endParaRPr lang="it-IT" dirty="0"/>
-          </a:p>
-          <a:p>
-            <a:pPr marL="0" indent="0">
-              <a:buNone/>
-            </a:pPr>
-            <a:r>
-              <a:rPr lang="it-IT" dirty="0" smtClean="0"/>
-              <a:t>Seguici su</a:t>
-            </a:r>
-          </a:p>
-          <a:p>
-            <a:pPr marL="0" indent="0">
-              <a:buNone/>
-            </a:pPr>
-            <a:r>
-              <a:rPr lang="it-IT" dirty="0"/>
-              <a:t>	</a:t>
-            </a:r>
-            <a:r>
-              <a:rPr lang="it-IT" dirty="0" err="1" smtClean="0"/>
-              <a:t>Twitter</a:t>
-            </a:r>
-            <a:r>
-              <a:rPr lang="it-IT" dirty="0" smtClean="0"/>
-              <a:t> @</a:t>
-            </a:r>
-            <a:r>
-              <a:rPr lang="it-IT" dirty="0" err="1" smtClean="0"/>
-              <a:t>CommunityDaysIT</a:t>
-            </a:r>
-            <a:endParaRPr lang="it-IT" dirty="0" smtClean="0"/>
-          </a:p>
-          <a:p>
-            <a:pPr marL="0" indent="0">
-              <a:buNone/>
-            </a:pPr>
-            <a:r>
-              <a:rPr lang="it-IT" dirty="0"/>
-              <a:t>	</a:t>
-            </a:r>
-            <a:r>
-              <a:rPr lang="it-IT" dirty="0" smtClean="0"/>
-              <a:t>Facebook http://facebook.com/cdaysit</a:t>
-            </a:r>
-          </a:p>
-          <a:p>
-            <a:pPr marL="0" indent="0">
-              <a:buNone/>
-            </a:pPr>
-            <a:r>
-              <a:rPr lang="it-IT" dirty="0" smtClean="0"/>
-              <a:t>	#CDays14</a:t>
-            </a:r>
-          </a:p>
-          <a:p>
-            <a:endParaRPr lang="it-IT" dirty="0"/>
+            <a:endParaRPr lang="en-US" sz="1200" dirty="0">
+              <a:latin typeface="Calibri" pitchFamily="34"/>
+              <a:cs typeface="Consolas" pitchFamily="33"/>
+            </a:endParaRPr>
+          </a:p>
+          <a:p>
+            <a:pPr lvl="0"/>
+            <a:r>
+              <a:rPr lang="en-US" dirty="0" smtClean="0"/>
+              <a:t>Warning level </a:t>
+            </a:r>
+            <a:r>
+              <a:rPr lang="en-US" dirty="0" err="1" smtClean="0"/>
+              <a:t>abilitabile</a:t>
+            </a:r>
+            <a:r>
+              <a:rPr lang="en-US" dirty="0" smtClean="0"/>
+              <a:t> sui </a:t>
+            </a:r>
+            <a:r>
+              <a:rPr lang="en-US" dirty="0" err="1" smtClean="0"/>
+              <a:t>progetti</a:t>
+            </a:r>
+            <a:r>
+              <a:rPr lang="en-US" dirty="0" smtClean="0"/>
+              <a:t> (4 + 1 </a:t>
+            </a:r>
+            <a:r>
+              <a:rPr lang="en-US" dirty="0" err="1" smtClean="0"/>
+              <a:t>livelli</a:t>
+            </a:r>
+            <a:r>
+              <a:rPr lang="en-US" dirty="0" smtClean="0"/>
+              <a:t>), con </a:t>
+            </a:r>
+            <a:r>
+              <a:rPr lang="en-US" dirty="0" err="1" smtClean="0"/>
+              <a:t>numerosi</a:t>
+            </a:r>
+            <a:r>
+              <a:rPr lang="en-US" dirty="0" smtClean="0"/>
+              <a:t> check </a:t>
+            </a:r>
+            <a:r>
+              <a:rPr lang="en-US" dirty="0" err="1" smtClean="0"/>
+              <a:t>che</a:t>
+            </a:r>
+            <a:r>
+              <a:rPr lang="en-US" dirty="0" smtClean="0"/>
+              <a:t> </a:t>
+            </a:r>
+            <a:r>
+              <a:rPr lang="en-US" dirty="0" err="1" smtClean="0"/>
+              <a:t>possono</a:t>
+            </a:r>
+            <a:r>
+              <a:rPr lang="en-US" dirty="0" smtClean="0"/>
+              <a:t> </a:t>
+            </a:r>
+            <a:r>
+              <a:rPr lang="en-US" dirty="0" err="1" smtClean="0"/>
+              <a:t>essere</a:t>
+            </a:r>
+            <a:r>
+              <a:rPr lang="en-US" dirty="0" smtClean="0"/>
+              <a:t> </a:t>
+            </a:r>
+            <a:r>
+              <a:rPr lang="en-US" dirty="0" err="1" smtClean="0"/>
+              <a:t>trattati</a:t>
+            </a:r>
+            <a:r>
+              <a:rPr lang="en-US" dirty="0" smtClean="0"/>
+              <a:t> come </a:t>
+            </a:r>
+            <a:r>
+              <a:rPr lang="en-US" dirty="0" err="1" smtClean="0"/>
+              <a:t>errori</a:t>
+            </a:r>
+            <a:r>
+              <a:rPr lang="en-US" dirty="0"/>
+              <a:t> </a:t>
+            </a:r>
+            <a:r>
+              <a:rPr lang="en-US" dirty="0" smtClean="0"/>
+              <a:t>a compile time. </a:t>
+            </a:r>
+            <a:r>
+              <a:rPr lang="en-US" dirty="0" err="1" smtClean="0"/>
+              <a:t>Purtroppo</a:t>
+            </a:r>
+            <a:r>
+              <a:rPr lang="en-US" dirty="0" smtClean="0"/>
+              <a:t> di default </a:t>
+            </a:r>
+            <a:r>
+              <a:rPr lang="en-US" dirty="0" err="1" smtClean="0"/>
+              <a:t>livello</a:t>
+            </a:r>
+            <a:r>
+              <a:rPr lang="en-US" dirty="0" smtClean="0"/>
+              <a:t> 3 e warnings </a:t>
+            </a:r>
+            <a:r>
+              <a:rPr lang="en-US" dirty="0" err="1" smtClean="0"/>
+              <a:t>trattati</a:t>
+            </a:r>
+            <a:r>
+              <a:rPr lang="en-US" dirty="0" smtClean="0"/>
+              <a:t> come warnings</a:t>
+            </a:r>
+            <a:endParaRPr lang="en-US" dirty="0"/>
+          </a:p>
+          <a:p>
+            <a:pPr lvl="0"/>
+            <a:endParaRPr lang="en-US" dirty="0" smtClean="0"/>
+          </a:p>
+          <a:p>
+            <a:pPr lvl="0"/>
+            <a:endParaRPr lang="en-US" dirty="0"/>
+          </a:p>
+          <a:p>
+            <a:pPr lvl="0"/>
+            <a:r>
+              <a:rPr lang="en-US" sz="900" dirty="0">
+                <a:latin typeface="Lucida Console" pitchFamily="49"/>
+              </a:rPr>
+              <a:t/>
+            </a:r>
+            <a:br>
+              <a:rPr lang="en-US" sz="900" dirty="0">
+                <a:latin typeface="Lucida Console" pitchFamily="49"/>
+              </a:rPr>
+            </a:br>
+            <a:endParaRPr lang="en-US" sz="900" dirty="0">
+              <a:latin typeface="Lucida Console" pitchFamily="49"/>
+            </a:endParaRPr>
           </a:p>
         </p:txBody>
       </p:sp>
       <p:pic>
         <p:nvPicPr>
-          <p:cNvPr id="2" name="Picture 1"/>
+          <p:cNvPr id="5" name="Picture 4"/>
           <p:cNvPicPr>
             <a:picLocks noChangeAspect="1"/>
           </p:cNvPicPr>
           <p:nvPr/>
         </p:nvPicPr>
         <p:blipFill>
-          <a:blip r:embed="rId4">
-            <a:extLst>
-              <a:ext uri="{28A0092B-C50C-407E-A947-70E740481C1C}">
-                <a14:useLocalDpi xmlns:a14="http://schemas.microsoft.com/office/drawing/2010/main" val="0"/>
-              </a:ext>
-            </a:extLst>
-          </a:blip>
+          <a:blip r:embed="rId2"/>
           <a:stretch>
             <a:fillRect/>
           </a:stretch>
         </p:blipFill>
         <p:spPr>
           <a:xfrm>
-            <a:off x="7908325" y="1942440"/>
-            <a:ext cx="2847862" cy="2847862"/>
+            <a:off x="1661509" y="4806569"/>
+            <a:ext cx="6267450" cy="619125"/>
           </a:xfrm>
           <a:prstGeom prst="rect">
             <a:avLst/>
@@ -6572,13 +7452,1495 @@
     </p:spTree>
     <p:extLst>
       <p:ext uri="{BB962C8B-B14F-4D97-AF65-F5344CB8AC3E}">
-        <p14:creationId xmlns:p14="http://schemas.microsoft.com/office/powerpoint/2010/main" val="2926518474"/>
+        <p14:creationId xmlns:p14="http://schemas.microsoft.com/office/powerpoint/2010/main" val="2015184613"/>
       </p:ext>
     </p:extLst>
   </p:cSld>
   <p:clrMapOvr>
     <a:masterClrMapping/>
   </p:clrMapOvr>
+  <mc:AlternateContent xmlns:mc="http://schemas.openxmlformats.org/markup-compatibility/2006">
+    <mc:Choice xmlns:p14="http://schemas.microsoft.com/office/powerpoint/2010/main" Requires="p14">
+      <p:transition spd="slow" p14:dur="2000"/>
+    </mc:Choice>
+    <mc:Fallback>
+      <p:transition spd="slow"/>
+    </mc:Fallback>
+  </mc:AlternateContent>
+  <p:timing>
+    <p:tnLst>
+      <p:par>
+        <p:cTn id="1" dur="indefinite" restart="never" nodeType="tmRoot"/>
+      </p:par>
+    </p:tnLst>
+  </p:timing>
+</p:sld>
+</file>
+
+<file path=ppt/slides/slide17.xml><?xml version="1.0" encoding="utf-8"?>
+<p:sld xmlns:a="http://schemas.openxmlformats.org/drawingml/2006/main" xmlns:r="http://schemas.openxmlformats.org/officeDocument/2006/relationships" xmlns:p="http://schemas.openxmlformats.org/presentationml/2006/main">
+  <p:cSld>
+    <p:spTree>
+      <p:nvGrpSpPr>
+        <p:cNvPr id="1" name=""/>
+        <p:cNvGrpSpPr/>
+        <p:nvPr/>
+      </p:nvGrpSpPr>
+      <p:grpSpPr>
+        <a:xfrm>
+          <a:off x="0" y="0"/>
+          <a:ext cx="0" cy="0"/>
+          <a:chOff x="0" y="0"/>
+          <a:chExt cx="0" cy="0"/>
+        </a:xfrm>
+      </p:grpSpPr>
+      <p:sp>
+        <p:nvSpPr>
+          <p:cNvPr id="2" name="Title 1"/>
+          <p:cNvSpPr>
+            <a:spLocks noGrp="1"/>
+          </p:cNvSpPr>
+          <p:nvPr>
+            <p:ph type="title"/>
+          </p:nvPr>
+        </p:nvSpPr>
+        <p:spPr/>
+        <p:txBody>
+          <a:bodyPr/>
+          <a:lstStyle/>
+          <a:p>
+            <a:r>
+              <a:rPr lang="en-US" dirty="0" smtClean="0"/>
+              <a:t>Performances - </a:t>
+            </a:r>
+            <a:r>
+              <a:rPr lang="en-US" dirty="0" err="1" smtClean="0"/>
+              <a:t>premessa</a:t>
+            </a:r>
+            <a:endParaRPr lang="it-IT" dirty="0"/>
+          </a:p>
+        </p:txBody>
+      </p:sp>
+      <p:sp>
+        <p:nvSpPr>
+          <p:cNvPr id="3" name="Content Placeholder 2"/>
+          <p:cNvSpPr>
+            <a:spLocks noGrp="1"/>
+          </p:cNvSpPr>
+          <p:nvPr>
+            <p:ph idx="1"/>
+          </p:nvPr>
+        </p:nvSpPr>
+        <p:spPr/>
+        <p:txBody>
+          <a:bodyPr>
+            <a:normAutofit/>
+          </a:bodyPr>
+          <a:lstStyle/>
+          <a:p>
+            <a:pPr lvl="0" algn="just"/>
+            <a:r>
+              <a:rPr lang="en-US" dirty="0" err="1"/>
+              <a:t>Frasi</a:t>
+            </a:r>
+            <a:r>
+              <a:rPr lang="en-US" dirty="0"/>
+              <a:t> </a:t>
+            </a:r>
+            <a:r>
+              <a:rPr lang="en-US" dirty="0" err="1"/>
+              <a:t>celebri</a:t>
+            </a:r>
+            <a:r>
+              <a:rPr lang="en-US" dirty="0"/>
+              <a:t> </a:t>
+            </a:r>
+            <a:r>
+              <a:rPr lang="en-US" dirty="0" err="1"/>
+              <a:t>sono</a:t>
+            </a:r>
+            <a:r>
+              <a:rPr lang="en-US" dirty="0"/>
+              <a:t> </a:t>
+            </a:r>
+            <a:r>
+              <a:rPr lang="en-US" dirty="0" err="1"/>
+              <a:t>quelle</a:t>
+            </a:r>
+            <a:r>
+              <a:rPr lang="en-US" dirty="0"/>
+              <a:t> </a:t>
+            </a:r>
+            <a:r>
+              <a:rPr lang="en-US" dirty="0" err="1"/>
+              <a:t>che</a:t>
+            </a:r>
+            <a:r>
+              <a:rPr lang="en-US" dirty="0"/>
+              <a:t> </a:t>
+            </a:r>
+            <a:r>
+              <a:rPr lang="en-US" dirty="0" err="1"/>
+              <a:t>vogliono</a:t>
+            </a:r>
+            <a:r>
+              <a:rPr lang="en-US" dirty="0"/>
+              <a:t> un </a:t>
+            </a:r>
+            <a:r>
+              <a:rPr lang="en-US" dirty="0" err="1"/>
+              <a:t>linguaggio</a:t>
+            </a:r>
+            <a:r>
+              <a:rPr lang="en-US" dirty="0"/>
+              <a:t> </a:t>
+            </a:r>
+            <a:r>
+              <a:rPr lang="en-US" dirty="0" err="1"/>
+              <a:t>nativo</a:t>
+            </a:r>
+            <a:r>
+              <a:rPr lang="en-US" dirty="0"/>
+              <a:t> </a:t>
+            </a:r>
+            <a:r>
+              <a:rPr lang="en-US" dirty="0" err="1"/>
+              <a:t>automaticamente</a:t>
+            </a:r>
+            <a:r>
+              <a:rPr lang="en-US" dirty="0"/>
+              <a:t> </a:t>
+            </a:r>
+            <a:r>
+              <a:rPr lang="en-US" dirty="0" err="1"/>
+              <a:t>performante</a:t>
+            </a:r>
+            <a:r>
+              <a:rPr lang="en-US" dirty="0"/>
+              <a:t>.</a:t>
+            </a:r>
+          </a:p>
+          <a:p>
+            <a:pPr lvl="0" algn="just"/>
+            <a:r>
+              <a:rPr lang="en-US" dirty="0" smtClean="0"/>
+              <a:t>La </a:t>
+            </a:r>
+            <a:r>
+              <a:rPr lang="en-US" dirty="0" err="1" smtClean="0"/>
+              <a:t>condizione</a:t>
+            </a:r>
+            <a:r>
+              <a:rPr lang="en-US" dirty="0" smtClean="0"/>
+              <a:t> non è </a:t>
+            </a:r>
+            <a:r>
+              <a:rPr lang="en-US" dirty="0" err="1" smtClean="0"/>
+              <a:t>sufficiente</a:t>
+            </a:r>
+            <a:r>
+              <a:rPr lang="en-US" dirty="0" smtClean="0"/>
+              <a:t>, </a:t>
+            </a:r>
+            <a:r>
+              <a:rPr lang="en-US" b="1" dirty="0" err="1" smtClean="0"/>
+              <a:t>forse</a:t>
+            </a:r>
+            <a:r>
+              <a:rPr lang="en-US" dirty="0" smtClean="0"/>
+              <a:t> </a:t>
+            </a:r>
+            <a:r>
+              <a:rPr lang="en-US" dirty="0" err="1" smtClean="0"/>
+              <a:t>possiamo</a:t>
+            </a:r>
+            <a:r>
+              <a:rPr lang="en-US" dirty="0" smtClean="0"/>
+              <a:t> dire </a:t>
+            </a:r>
+            <a:r>
+              <a:rPr lang="en-US" dirty="0" err="1" smtClean="0"/>
+              <a:t>sia</a:t>
+            </a:r>
+            <a:r>
+              <a:rPr lang="en-US" dirty="0" smtClean="0"/>
+              <a:t> </a:t>
+            </a:r>
+            <a:r>
+              <a:rPr lang="en-US" dirty="0" err="1" smtClean="0"/>
+              <a:t>necessaria</a:t>
+            </a:r>
+            <a:endParaRPr lang="en-US" dirty="0"/>
+          </a:p>
+          <a:p>
+            <a:pPr lvl="0" algn="just"/>
+            <a:r>
+              <a:rPr lang="en-US" dirty="0"/>
+              <a:t>E </a:t>
+            </a:r>
+            <a:r>
+              <a:rPr lang="en-US" dirty="0" smtClean="0"/>
+              <a:t>se </a:t>
+            </a:r>
+            <a:r>
+              <a:rPr lang="en-US" dirty="0" err="1" smtClean="0"/>
+              <a:t>invece</a:t>
+            </a:r>
+            <a:r>
+              <a:rPr lang="en-US" dirty="0" smtClean="0"/>
+              <a:t> </a:t>
+            </a:r>
+            <a:r>
+              <a:rPr lang="en-US" dirty="0" err="1" smtClean="0"/>
+              <a:t>il</a:t>
+            </a:r>
+            <a:r>
+              <a:rPr lang="en-US" dirty="0" smtClean="0"/>
+              <a:t> </a:t>
+            </a:r>
+            <a:r>
+              <a:rPr lang="en-US" dirty="0" err="1" smtClean="0"/>
+              <a:t>codice</a:t>
+            </a:r>
+            <a:r>
+              <a:rPr lang="en-US" dirty="0" smtClean="0"/>
+              <a:t> </a:t>
+            </a:r>
+            <a:r>
+              <a:rPr lang="en-US" dirty="0" err="1" smtClean="0"/>
+              <a:t>nativo</a:t>
+            </a:r>
+            <a:r>
+              <a:rPr lang="en-US" dirty="0" smtClean="0"/>
+              <a:t> </a:t>
+            </a:r>
+            <a:r>
+              <a:rPr lang="en-US" dirty="0" err="1" smtClean="0"/>
+              <a:t>viene</a:t>
+            </a:r>
+            <a:r>
+              <a:rPr lang="en-US" dirty="0" smtClean="0"/>
+              <a:t> </a:t>
+            </a:r>
+            <a:r>
+              <a:rPr lang="en-US" dirty="0" err="1" smtClean="0"/>
+              <a:t>autogenerato</a:t>
+            </a:r>
+            <a:r>
+              <a:rPr lang="en-US" dirty="0" smtClean="0"/>
+              <a:t>? </a:t>
+            </a:r>
+            <a:r>
+              <a:rPr lang="en-US" dirty="0" err="1" smtClean="0"/>
+              <a:t>Abbiamo</a:t>
+            </a:r>
+            <a:r>
+              <a:rPr lang="en-US" dirty="0" smtClean="0"/>
+              <a:t> la </a:t>
+            </a:r>
+            <a:r>
+              <a:rPr lang="en-US" dirty="0" err="1" smtClean="0"/>
+              <a:t>garanzia</a:t>
+            </a:r>
+            <a:r>
+              <a:rPr lang="en-US" dirty="0" smtClean="0"/>
+              <a:t> </a:t>
+            </a:r>
+            <a:r>
+              <a:rPr lang="en-US" dirty="0" err="1" smtClean="0"/>
+              <a:t>che</a:t>
+            </a:r>
+            <a:r>
+              <a:rPr lang="en-US" dirty="0" smtClean="0"/>
+              <a:t> </a:t>
+            </a:r>
+            <a:r>
+              <a:rPr lang="en-US" dirty="0" err="1" smtClean="0"/>
+              <a:t>sia</a:t>
+            </a:r>
+            <a:r>
+              <a:rPr lang="en-US" dirty="0" smtClean="0"/>
+              <a:t> </a:t>
+            </a:r>
+            <a:r>
+              <a:rPr lang="en-US" dirty="0" err="1" smtClean="0"/>
+              <a:t>performante</a:t>
+            </a:r>
+            <a:r>
+              <a:rPr lang="en-US" dirty="0" smtClean="0"/>
+              <a:t>? </a:t>
+            </a:r>
+            <a:r>
+              <a:rPr lang="en-US" dirty="0" err="1" smtClean="0"/>
+              <a:t>Ottimizzato</a:t>
+            </a:r>
+            <a:r>
+              <a:rPr lang="en-US" dirty="0" smtClean="0"/>
+              <a:t>? Thread safe?</a:t>
+            </a:r>
+          </a:p>
+          <a:p>
+            <a:pPr lvl="0" algn="just"/>
+            <a:r>
+              <a:rPr lang="en-US" dirty="0" smtClean="0"/>
+              <a:t>E se </a:t>
+            </a:r>
+            <a:r>
+              <a:rPr lang="en-US" dirty="0" err="1" smtClean="0"/>
+              <a:t>il</a:t>
+            </a:r>
+            <a:r>
+              <a:rPr lang="en-US" dirty="0" smtClean="0"/>
+              <a:t> </a:t>
+            </a:r>
+            <a:r>
+              <a:rPr lang="en-US" dirty="0" err="1" smtClean="0"/>
+              <a:t>codice</a:t>
+            </a:r>
+            <a:r>
+              <a:rPr lang="en-US" dirty="0" smtClean="0"/>
+              <a:t> </a:t>
+            </a:r>
+            <a:r>
+              <a:rPr lang="en-US" dirty="0" err="1" smtClean="0"/>
+              <a:t>nativo</a:t>
+            </a:r>
+            <a:r>
+              <a:rPr lang="en-US" dirty="0" smtClean="0"/>
+              <a:t> è </a:t>
+            </a:r>
+            <a:r>
+              <a:rPr lang="en-US" dirty="0" err="1" smtClean="0"/>
+              <a:t>scritto</a:t>
+            </a:r>
+            <a:r>
+              <a:rPr lang="en-US" dirty="0" smtClean="0"/>
+              <a:t> non </a:t>
+            </a:r>
+            <a:r>
+              <a:rPr lang="en-US" dirty="0" err="1" smtClean="0"/>
+              <a:t>tenendo</a:t>
+            </a:r>
+            <a:r>
+              <a:rPr lang="en-US" dirty="0" smtClean="0"/>
+              <a:t> in </a:t>
+            </a:r>
+            <a:r>
+              <a:rPr lang="en-US" dirty="0" err="1" smtClean="0"/>
+              <a:t>considerazione</a:t>
+            </a:r>
+            <a:r>
+              <a:rPr lang="en-US" dirty="0" smtClean="0"/>
+              <a:t> </a:t>
+            </a:r>
+            <a:r>
+              <a:rPr lang="en-US" dirty="0" err="1" smtClean="0"/>
+              <a:t>criteri</a:t>
+            </a:r>
+            <a:r>
+              <a:rPr lang="en-US" dirty="0" smtClean="0"/>
+              <a:t> </a:t>
+            </a:r>
+            <a:r>
+              <a:rPr lang="en-US" dirty="0" err="1" smtClean="0"/>
+              <a:t>banali</a:t>
+            </a:r>
+            <a:r>
+              <a:rPr lang="en-US" dirty="0" smtClean="0"/>
+              <a:t> </a:t>
+            </a:r>
+            <a:r>
+              <a:rPr lang="en-US" dirty="0" err="1" smtClean="0"/>
+              <a:t>quali</a:t>
+            </a:r>
+            <a:r>
+              <a:rPr lang="en-US" dirty="0" smtClean="0"/>
+              <a:t> </a:t>
+            </a:r>
+            <a:r>
+              <a:rPr lang="en-US" dirty="0" err="1" smtClean="0"/>
+              <a:t>il</a:t>
+            </a:r>
+            <a:r>
+              <a:rPr lang="en-US" dirty="0" smtClean="0"/>
+              <a:t> </a:t>
+            </a:r>
+            <a:r>
+              <a:rPr lang="en-US" dirty="0" err="1" smtClean="0"/>
+              <a:t>passaggio</a:t>
+            </a:r>
+            <a:r>
+              <a:rPr lang="en-US" dirty="0" smtClean="0"/>
+              <a:t> per </a:t>
+            </a:r>
+            <a:r>
+              <a:rPr lang="en-US" dirty="0" err="1" smtClean="0"/>
+              <a:t>copia</a:t>
+            </a:r>
+            <a:r>
+              <a:rPr lang="en-US" dirty="0" smtClean="0"/>
+              <a:t> o per </a:t>
+            </a:r>
+            <a:r>
+              <a:rPr lang="en-US" dirty="0" err="1" smtClean="0"/>
+              <a:t>riferimento</a:t>
+            </a:r>
+            <a:r>
+              <a:rPr lang="en-US" dirty="0" smtClean="0"/>
+              <a:t>? </a:t>
+            </a:r>
+            <a:endParaRPr lang="en-US" dirty="0"/>
+          </a:p>
+          <a:p>
+            <a:pPr lvl="0" algn="just"/>
+            <a:r>
+              <a:rPr lang="en-US" dirty="0" smtClean="0"/>
+              <a:t>I </a:t>
+            </a:r>
+            <a:r>
+              <a:rPr lang="en-US" dirty="0" err="1" smtClean="0"/>
+              <a:t>criteri</a:t>
+            </a:r>
+            <a:r>
+              <a:rPr lang="en-US" dirty="0" smtClean="0"/>
+              <a:t> </a:t>
+            </a:r>
+            <a:r>
+              <a:rPr lang="en-US" dirty="0" err="1" smtClean="0"/>
+              <a:t>sono</a:t>
+            </a:r>
+            <a:r>
+              <a:rPr lang="en-US" dirty="0" smtClean="0"/>
+              <a:t> </a:t>
+            </a:r>
+            <a:r>
+              <a:rPr lang="en-US" dirty="0" err="1" smtClean="0"/>
+              <a:t>molteplici</a:t>
+            </a:r>
+            <a:r>
+              <a:rPr lang="en-US" dirty="0" smtClean="0"/>
+              <a:t>, è molto utile </a:t>
+            </a:r>
+            <a:r>
+              <a:rPr lang="en-US" dirty="0" err="1" smtClean="0"/>
+              <a:t>quindi</a:t>
+            </a:r>
+            <a:r>
+              <a:rPr lang="en-US" dirty="0"/>
+              <a:t> </a:t>
+            </a:r>
+            <a:r>
+              <a:rPr lang="en-US" dirty="0" err="1" smtClean="0"/>
+              <a:t>poter</a:t>
+            </a:r>
+            <a:r>
+              <a:rPr lang="en-US" dirty="0" smtClean="0"/>
+              <a:t> fare </a:t>
+            </a:r>
+            <a:r>
+              <a:rPr lang="en-US" dirty="0" err="1" smtClean="0"/>
+              <a:t>affidamento</a:t>
+            </a:r>
+            <a:r>
+              <a:rPr lang="en-US" dirty="0" smtClean="0"/>
+              <a:t> </a:t>
+            </a:r>
+            <a:r>
+              <a:rPr lang="en-US" dirty="0" err="1" smtClean="0"/>
+              <a:t>su</a:t>
+            </a:r>
+            <a:r>
+              <a:rPr lang="en-US" dirty="0" smtClean="0"/>
+              <a:t> I tool di </a:t>
+            </a:r>
+            <a:r>
+              <a:rPr lang="en-US" dirty="0" err="1" smtClean="0"/>
+              <a:t>diagnostica</a:t>
+            </a:r>
+            <a:r>
+              <a:rPr lang="en-US" dirty="0" smtClean="0"/>
+              <a:t> </a:t>
+            </a:r>
+            <a:r>
+              <a:rPr lang="en-US" dirty="0" err="1" smtClean="0"/>
+              <a:t>delle</a:t>
+            </a:r>
+            <a:r>
+              <a:rPr lang="en-US" dirty="0" smtClean="0"/>
+              <a:t> performances </a:t>
+            </a:r>
+            <a:r>
+              <a:rPr lang="en-US" dirty="0" err="1" smtClean="0"/>
+              <a:t>offerti</a:t>
+            </a:r>
+            <a:r>
+              <a:rPr lang="en-US" dirty="0" smtClean="0"/>
+              <a:t> da VS2013</a:t>
+            </a:r>
+          </a:p>
+        </p:txBody>
+      </p:sp>
+    </p:spTree>
+    <p:extLst>
+      <p:ext uri="{BB962C8B-B14F-4D97-AF65-F5344CB8AC3E}">
+        <p14:creationId xmlns:p14="http://schemas.microsoft.com/office/powerpoint/2010/main" val="1060111416"/>
+      </p:ext>
+    </p:extLst>
+  </p:cSld>
+  <p:clrMapOvr>
+    <a:masterClrMapping/>
+  </p:clrMapOvr>
+  <mc:AlternateContent xmlns:mc="http://schemas.openxmlformats.org/markup-compatibility/2006">
+    <mc:Choice xmlns:p14="http://schemas.microsoft.com/office/powerpoint/2010/main" Requires="p14">
+      <p:transition spd="slow" p14:dur="2000"/>
+    </mc:Choice>
+    <mc:Fallback>
+      <p:transition spd="slow"/>
+    </mc:Fallback>
+  </mc:AlternateContent>
+  <p:timing>
+    <p:tnLst>
+      <p:par>
+        <p:cTn id="1" dur="indefinite" restart="never" nodeType="tmRoot"/>
+      </p:par>
+    </p:tnLst>
+  </p:timing>
+</p:sld>
+</file>
+
+<file path=ppt/slides/slide18.xml><?xml version="1.0" encoding="utf-8"?>
+<p:sld xmlns:a="http://schemas.openxmlformats.org/drawingml/2006/main" xmlns:r="http://schemas.openxmlformats.org/officeDocument/2006/relationships" xmlns:p="http://schemas.openxmlformats.org/presentationml/2006/main">
+  <p:cSld>
+    <p:spTree>
+      <p:nvGrpSpPr>
+        <p:cNvPr id="1" name=""/>
+        <p:cNvGrpSpPr/>
+        <p:nvPr/>
+      </p:nvGrpSpPr>
+      <p:grpSpPr>
+        <a:xfrm>
+          <a:off x="0" y="0"/>
+          <a:ext cx="0" cy="0"/>
+          <a:chOff x="0" y="0"/>
+          <a:chExt cx="0" cy="0"/>
+        </a:xfrm>
+      </p:grpSpPr>
+      <p:sp>
+        <p:nvSpPr>
+          <p:cNvPr id="2" name="Title 1"/>
+          <p:cNvSpPr>
+            <a:spLocks noGrp="1"/>
+          </p:cNvSpPr>
+          <p:nvPr>
+            <p:ph type="title"/>
+          </p:nvPr>
+        </p:nvSpPr>
+        <p:spPr/>
+        <p:txBody>
+          <a:bodyPr/>
+          <a:lstStyle/>
+          <a:p>
+            <a:r>
+              <a:rPr lang="en-US" dirty="0" smtClean="0"/>
+              <a:t>Performances - </a:t>
+            </a:r>
+            <a:r>
+              <a:rPr lang="en-US" dirty="0" err="1" smtClean="0"/>
+              <a:t>definizioni</a:t>
+            </a:r>
+            <a:endParaRPr lang="it-IT" dirty="0"/>
+          </a:p>
+        </p:txBody>
+      </p:sp>
+      <p:sp>
+        <p:nvSpPr>
+          <p:cNvPr id="3" name="Content Placeholder 2"/>
+          <p:cNvSpPr>
+            <a:spLocks noGrp="1"/>
+          </p:cNvSpPr>
+          <p:nvPr>
+            <p:ph idx="1"/>
+          </p:nvPr>
+        </p:nvSpPr>
+        <p:spPr/>
+        <p:txBody>
+          <a:bodyPr>
+            <a:normAutofit/>
+          </a:bodyPr>
+          <a:lstStyle/>
+          <a:p>
+            <a:pPr lvl="0" algn="just"/>
+            <a:r>
+              <a:rPr lang="en-US" dirty="0" err="1"/>
+              <a:t>L'indicazione</a:t>
+            </a:r>
+            <a:r>
+              <a:rPr lang="en-US" dirty="0"/>
+              <a:t> </a:t>
+            </a:r>
+            <a:r>
+              <a:rPr lang="en-US" dirty="0" err="1"/>
+              <a:t>della</a:t>
+            </a:r>
+            <a:r>
+              <a:rPr lang="en-US" dirty="0"/>
+              <a:t> performance </a:t>
+            </a:r>
+            <a:r>
+              <a:rPr lang="en-US" dirty="0" err="1"/>
+              <a:t>assoluta</a:t>
+            </a:r>
+            <a:r>
+              <a:rPr lang="en-US" dirty="0"/>
+              <a:t> è </a:t>
+            </a:r>
+            <a:r>
+              <a:rPr lang="en-US" dirty="0" err="1"/>
+              <a:t>chiaramente</a:t>
+            </a:r>
+            <a:r>
+              <a:rPr lang="en-US" dirty="0"/>
+              <a:t> </a:t>
+            </a:r>
+            <a:r>
+              <a:rPr lang="en-US" dirty="0" err="1"/>
+              <a:t>il</a:t>
+            </a:r>
+            <a:r>
+              <a:rPr lang="en-US" dirty="0"/>
+              <a:t> tempo </a:t>
+            </a:r>
+            <a:r>
+              <a:rPr lang="en-US" dirty="0" err="1"/>
+              <a:t>impiegato</a:t>
+            </a:r>
+            <a:r>
+              <a:rPr lang="en-US" dirty="0"/>
+              <a:t> da un </a:t>
+            </a:r>
+            <a:r>
+              <a:rPr lang="en-US" dirty="0" err="1"/>
+              <a:t>certo</a:t>
+            </a:r>
+            <a:r>
+              <a:rPr lang="en-US" dirty="0"/>
+              <a:t> </a:t>
+            </a:r>
+            <a:r>
+              <a:rPr lang="en-US" dirty="0" err="1"/>
+              <a:t>metodo</a:t>
+            </a:r>
+            <a:r>
+              <a:rPr lang="en-US" dirty="0"/>
+              <a:t> a </a:t>
+            </a:r>
+            <a:r>
+              <a:rPr lang="en-US" dirty="0" err="1"/>
+              <a:t>completare</a:t>
+            </a:r>
+            <a:r>
+              <a:rPr lang="en-US" dirty="0"/>
+              <a:t> </a:t>
+            </a:r>
+            <a:r>
+              <a:rPr lang="en-US" dirty="0" err="1"/>
+              <a:t>l'esecuzione</a:t>
+            </a:r>
+            <a:r>
+              <a:rPr lang="en-US" dirty="0"/>
+              <a:t>.</a:t>
+            </a:r>
+          </a:p>
+          <a:p>
+            <a:pPr lvl="0" algn="just"/>
+            <a:r>
+              <a:rPr lang="en-US" dirty="0"/>
+              <a:t>La performance </a:t>
+            </a:r>
+            <a:r>
+              <a:rPr lang="en-US" dirty="0" err="1"/>
+              <a:t>percepita</a:t>
+            </a:r>
+            <a:r>
+              <a:rPr lang="en-US" dirty="0"/>
+              <a:t> (o </a:t>
+            </a:r>
+            <a:r>
+              <a:rPr lang="en-US" dirty="0" err="1"/>
+              <a:t>relativa</a:t>
+            </a:r>
+            <a:r>
+              <a:rPr lang="en-US" dirty="0"/>
+              <a:t>) </a:t>
+            </a:r>
+            <a:r>
+              <a:rPr lang="en-US" dirty="0" err="1"/>
+              <a:t>invece</a:t>
+            </a:r>
+            <a:r>
+              <a:rPr lang="en-US" dirty="0"/>
+              <a:t> </a:t>
+            </a:r>
+            <a:r>
+              <a:rPr lang="en-US" dirty="0" err="1"/>
+              <a:t>potrebbe</a:t>
+            </a:r>
+            <a:r>
+              <a:rPr lang="en-US" dirty="0"/>
+              <a:t> </a:t>
+            </a:r>
+            <a:r>
+              <a:rPr lang="en-US" dirty="0" err="1"/>
+              <a:t>essere</a:t>
+            </a:r>
+            <a:r>
+              <a:rPr lang="en-US" dirty="0"/>
+              <a:t> </a:t>
+            </a:r>
+            <a:r>
+              <a:rPr lang="en-US" dirty="0" err="1"/>
+              <a:t>definita</a:t>
+            </a:r>
+            <a:r>
+              <a:rPr lang="en-US" dirty="0"/>
+              <a:t> come </a:t>
+            </a:r>
+            <a:r>
+              <a:rPr lang="en-US" dirty="0" err="1"/>
+              <a:t>il</a:t>
+            </a:r>
+            <a:r>
+              <a:rPr lang="en-US" dirty="0"/>
+              <a:t> tempo </a:t>
+            </a:r>
+            <a:r>
+              <a:rPr lang="en-US" dirty="0" err="1"/>
+              <a:t>che</a:t>
+            </a:r>
+            <a:r>
+              <a:rPr lang="en-US" dirty="0"/>
+              <a:t> </a:t>
+            </a:r>
+            <a:r>
+              <a:rPr lang="en-US" dirty="0" err="1"/>
+              <a:t>l'utente</a:t>
+            </a:r>
+            <a:r>
+              <a:rPr lang="en-US" dirty="0"/>
+              <a:t> </a:t>
+            </a:r>
+            <a:r>
+              <a:rPr lang="en-US" dirty="0" err="1"/>
+              <a:t>ritiene</a:t>
+            </a:r>
+            <a:r>
+              <a:rPr lang="en-US" dirty="0"/>
+              <a:t> </a:t>
+            </a:r>
+            <a:r>
+              <a:rPr lang="en-US" dirty="0" err="1"/>
+              <a:t>sia</a:t>
+            </a:r>
+            <a:r>
+              <a:rPr lang="en-US" dirty="0"/>
+              <a:t> “</a:t>
+            </a:r>
+            <a:r>
+              <a:rPr lang="en-US" dirty="0" err="1"/>
+              <a:t>accettabile</a:t>
+            </a:r>
+            <a:r>
+              <a:rPr lang="en-US" dirty="0"/>
+              <a:t>” come tempo di </a:t>
+            </a:r>
+            <a:r>
+              <a:rPr lang="en-US" dirty="0" err="1" smtClean="0"/>
+              <a:t>attesa</a:t>
+            </a:r>
+            <a:r>
+              <a:rPr lang="en-US" dirty="0" smtClean="0"/>
+              <a:t>; </a:t>
+            </a:r>
+            <a:r>
+              <a:rPr lang="en-US" dirty="0" err="1" smtClean="0"/>
+              <a:t>ovvero</a:t>
+            </a:r>
+            <a:r>
+              <a:rPr lang="en-US" dirty="0" smtClean="0"/>
+              <a:t> </a:t>
+            </a:r>
+            <a:r>
+              <a:rPr lang="en-US" dirty="0" err="1" smtClean="0"/>
+              <a:t>il</a:t>
+            </a:r>
+            <a:r>
+              <a:rPr lang="en-US" dirty="0" smtClean="0"/>
+              <a:t> </a:t>
+            </a:r>
+            <a:r>
+              <a:rPr lang="en-US" dirty="0"/>
+              <a:t>tempo </a:t>
+            </a:r>
+            <a:r>
+              <a:rPr lang="en-US" dirty="0" err="1"/>
+              <a:t>che</a:t>
+            </a:r>
+            <a:r>
+              <a:rPr lang="en-US" dirty="0"/>
+              <a:t> è </a:t>
+            </a:r>
+            <a:r>
+              <a:rPr lang="en-US" dirty="0" err="1"/>
+              <a:t>disposto</a:t>
+            </a:r>
+            <a:r>
+              <a:rPr lang="en-US" dirty="0"/>
+              <a:t> ad </a:t>
+            </a:r>
+            <a:r>
+              <a:rPr lang="en-US" dirty="0" err="1" smtClean="0"/>
+              <a:t>attendere</a:t>
+            </a:r>
+            <a:r>
+              <a:rPr lang="en-US" dirty="0" smtClean="0"/>
+              <a:t> per </a:t>
+            </a:r>
+            <a:r>
+              <a:rPr lang="en-US" dirty="0" err="1" smtClean="0"/>
+              <a:t>il</a:t>
+            </a:r>
+            <a:r>
+              <a:rPr lang="en-US" dirty="0" smtClean="0"/>
+              <a:t> </a:t>
+            </a:r>
+            <a:r>
+              <a:rPr lang="en-US" dirty="0" err="1" smtClean="0"/>
+              <a:t>completamento</a:t>
+            </a:r>
+            <a:r>
+              <a:rPr lang="en-US" dirty="0" smtClean="0"/>
+              <a:t> di </a:t>
+            </a:r>
+            <a:r>
+              <a:rPr lang="en-US" dirty="0" err="1" smtClean="0"/>
+              <a:t>una</a:t>
+            </a:r>
+            <a:r>
+              <a:rPr lang="en-US" dirty="0"/>
+              <a:t> </a:t>
+            </a:r>
+            <a:r>
+              <a:rPr lang="en-US" dirty="0" err="1" smtClean="0"/>
+              <a:t>richiesta</a:t>
+            </a:r>
+            <a:endParaRPr lang="en-US" dirty="0" smtClean="0"/>
+          </a:p>
+          <a:p>
+            <a:pPr lvl="0" algn="just"/>
+            <a:r>
+              <a:rPr lang="en-US" dirty="0"/>
+              <a:t>Fare performances è un </a:t>
+            </a:r>
+            <a:r>
+              <a:rPr lang="en-US" dirty="0" err="1"/>
+              <a:t>po</a:t>
+            </a:r>
+            <a:r>
+              <a:rPr lang="en-US" dirty="0"/>
+              <a:t>' </a:t>
+            </a:r>
+            <a:r>
+              <a:rPr lang="en-US" dirty="0" err="1"/>
+              <a:t>cercare</a:t>
+            </a:r>
+            <a:r>
+              <a:rPr lang="en-US" dirty="0"/>
+              <a:t> un </a:t>
+            </a:r>
+            <a:r>
+              <a:rPr lang="en-US" dirty="0" err="1"/>
+              <a:t>equilibrio</a:t>
+            </a:r>
+            <a:r>
+              <a:rPr lang="en-US" dirty="0"/>
+              <a:t> </a:t>
+            </a:r>
+            <a:r>
+              <a:rPr lang="en-US" dirty="0" err="1"/>
+              <a:t>fra</a:t>
+            </a:r>
+            <a:r>
+              <a:rPr lang="en-US" dirty="0"/>
+              <a:t> la </a:t>
+            </a:r>
+            <a:r>
+              <a:rPr lang="en-US" dirty="0" err="1"/>
+              <a:t>misura</a:t>
+            </a:r>
+            <a:r>
+              <a:rPr lang="en-US" dirty="0"/>
+              <a:t> </a:t>
+            </a:r>
+            <a:r>
+              <a:rPr lang="en-US" dirty="0" err="1"/>
+              <a:t>quantitativa</a:t>
+            </a:r>
+            <a:r>
+              <a:rPr lang="en-US" dirty="0"/>
+              <a:t> (la prima </a:t>
+            </a:r>
+            <a:r>
+              <a:rPr lang="en-US" dirty="0" err="1"/>
+              <a:t>misurazione</a:t>
+            </a:r>
+            <a:r>
+              <a:rPr lang="en-US" dirty="0"/>
+              <a:t>) e </a:t>
+            </a:r>
+            <a:r>
+              <a:rPr lang="en-US" dirty="0" err="1"/>
+              <a:t>una</a:t>
+            </a:r>
+            <a:r>
+              <a:rPr lang="en-US" dirty="0"/>
+              <a:t> </a:t>
+            </a:r>
+            <a:r>
+              <a:rPr lang="en-US" dirty="0" err="1"/>
+              <a:t>misura</a:t>
+            </a:r>
+            <a:r>
+              <a:rPr lang="en-US" dirty="0"/>
+              <a:t> </a:t>
+            </a:r>
+            <a:r>
+              <a:rPr lang="en-US" dirty="0" err="1"/>
+              <a:t>qualitativa</a:t>
+            </a:r>
+            <a:r>
+              <a:rPr lang="en-US" dirty="0"/>
+              <a:t>.</a:t>
+            </a:r>
+          </a:p>
+          <a:p>
+            <a:pPr lvl="0" algn="just"/>
+            <a:r>
+              <a:rPr lang="en-US" dirty="0"/>
+              <a:t>Le performances </a:t>
+            </a:r>
+            <a:r>
+              <a:rPr lang="en-US" dirty="0" err="1"/>
+              <a:t>si</a:t>
+            </a:r>
+            <a:r>
+              <a:rPr lang="en-US" dirty="0"/>
+              <a:t> </a:t>
+            </a:r>
+            <a:r>
+              <a:rPr lang="en-US" dirty="0" err="1"/>
+              <a:t>possono</a:t>
+            </a:r>
+            <a:r>
+              <a:rPr lang="en-US" dirty="0"/>
+              <a:t> </a:t>
+            </a:r>
+            <a:r>
+              <a:rPr lang="en-US" dirty="0" err="1"/>
+              <a:t>migliorare</a:t>
+            </a:r>
+            <a:r>
+              <a:rPr lang="en-US" dirty="0"/>
+              <a:t> </a:t>
+            </a:r>
+            <a:r>
+              <a:rPr lang="en-US" dirty="0" err="1"/>
+              <a:t>costantemente</a:t>
+            </a:r>
+            <a:r>
+              <a:rPr lang="en-US" dirty="0"/>
+              <a:t>, </a:t>
+            </a:r>
+            <a:r>
+              <a:rPr lang="en-US" dirty="0" err="1"/>
+              <a:t>ottimizzando</a:t>
+            </a:r>
+            <a:r>
+              <a:rPr lang="en-US" dirty="0"/>
+              <a:t> </a:t>
+            </a:r>
+            <a:r>
+              <a:rPr lang="en-US" dirty="0" err="1"/>
+              <a:t>il</a:t>
+            </a:r>
+            <a:r>
+              <a:rPr lang="en-US" dirty="0"/>
+              <a:t> </a:t>
+            </a:r>
+            <a:r>
+              <a:rPr lang="en-US" dirty="0" err="1"/>
+              <a:t>codice</a:t>
+            </a:r>
+            <a:r>
+              <a:rPr lang="en-US" dirty="0"/>
+              <a:t>, </a:t>
+            </a:r>
+            <a:r>
+              <a:rPr lang="en-US" dirty="0" err="1"/>
+              <a:t>scalando</a:t>
+            </a:r>
+            <a:r>
+              <a:rPr lang="en-US" dirty="0"/>
+              <a:t> </a:t>
+            </a:r>
+            <a:r>
+              <a:rPr lang="en-US" dirty="0" err="1"/>
+              <a:t>l'hardware</a:t>
+            </a:r>
+            <a:r>
+              <a:rPr lang="en-US" dirty="0"/>
+              <a:t>, ma da </a:t>
+            </a:r>
+            <a:r>
+              <a:rPr lang="en-US" dirty="0" err="1"/>
+              <a:t>esperienza</a:t>
+            </a:r>
+            <a:r>
+              <a:rPr lang="en-US" dirty="0"/>
+              <a:t> è </a:t>
+            </a:r>
+            <a:r>
+              <a:rPr lang="en-US" dirty="0" err="1"/>
+              <a:t>bene</a:t>
+            </a:r>
+            <a:r>
+              <a:rPr lang="en-US" dirty="0"/>
+              <a:t> </a:t>
+            </a:r>
+            <a:r>
+              <a:rPr lang="en-US" dirty="0" err="1"/>
+              <a:t>blianciare</a:t>
+            </a:r>
+            <a:r>
+              <a:rPr lang="en-US" dirty="0"/>
+              <a:t> lo </a:t>
+            </a:r>
+            <a:r>
+              <a:rPr lang="en-US" dirty="0" err="1"/>
+              <a:t>sforzo</a:t>
+            </a:r>
+            <a:r>
+              <a:rPr lang="en-US" dirty="0"/>
+              <a:t> </a:t>
+            </a:r>
+            <a:r>
+              <a:rPr lang="en-US" dirty="0" err="1"/>
+              <a:t>profuso</a:t>
+            </a:r>
+            <a:r>
+              <a:rPr lang="en-US" dirty="0"/>
+              <a:t> con </a:t>
+            </a:r>
+            <a:r>
+              <a:rPr lang="en-US" dirty="0" err="1"/>
+              <a:t>il</a:t>
+            </a:r>
+            <a:r>
+              <a:rPr lang="en-US" dirty="0"/>
+              <a:t> </a:t>
+            </a:r>
+            <a:r>
+              <a:rPr lang="en-US" dirty="0" err="1"/>
+              <a:t>guadagno</a:t>
+            </a:r>
+            <a:r>
+              <a:rPr lang="en-US" dirty="0"/>
+              <a:t> </a:t>
+            </a:r>
+            <a:r>
+              <a:rPr lang="en-US" dirty="0" err="1"/>
+              <a:t>ottenuto</a:t>
+            </a:r>
+            <a:r>
+              <a:rPr lang="en-US" dirty="0"/>
+              <a:t> e la </a:t>
+            </a:r>
+            <a:r>
+              <a:rPr lang="en-US" dirty="0" err="1"/>
+              <a:t>percezione</a:t>
+            </a:r>
+            <a:r>
+              <a:rPr lang="en-US" dirty="0"/>
+              <a:t> </a:t>
+            </a:r>
+            <a:r>
+              <a:rPr lang="en-US" dirty="0" err="1"/>
+              <a:t>dell'utilizzatore</a:t>
+            </a:r>
+            <a:r>
+              <a:rPr lang="en-US" dirty="0"/>
+              <a:t>.</a:t>
+            </a:r>
+          </a:p>
+          <a:p>
+            <a:pPr lvl="0" algn="just"/>
+            <a:endParaRPr lang="en-US" dirty="0"/>
+          </a:p>
+          <a:p>
+            <a:pPr lvl="0" algn="just"/>
+            <a:endParaRPr lang="en-US" dirty="0" smtClean="0"/>
+          </a:p>
+        </p:txBody>
+      </p:sp>
+    </p:spTree>
+    <p:extLst>
+      <p:ext uri="{BB962C8B-B14F-4D97-AF65-F5344CB8AC3E}">
+        <p14:creationId xmlns:p14="http://schemas.microsoft.com/office/powerpoint/2010/main" val="2816870995"/>
+      </p:ext>
+    </p:extLst>
+  </p:cSld>
+  <p:clrMapOvr>
+    <a:masterClrMapping/>
+  </p:clrMapOvr>
+  <mc:AlternateContent xmlns:mc="http://schemas.openxmlformats.org/markup-compatibility/2006">
+    <mc:Choice xmlns:p14="http://schemas.microsoft.com/office/powerpoint/2010/main" Requires="p14">
+      <p:transition spd="slow" p14:dur="2000"/>
+    </mc:Choice>
+    <mc:Fallback>
+      <p:transition spd="slow"/>
+    </mc:Fallback>
+  </mc:AlternateContent>
+  <p:timing>
+    <p:tnLst>
+      <p:par>
+        <p:cTn id="1" dur="indefinite" restart="never" nodeType="tmRoot"/>
+      </p:par>
+    </p:tnLst>
+  </p:timing>
+</p:sld>
+</file>
+
+<file path=ppt/slides/slide19.xml><?xml version="1.0" encoding="utf-8"?>
+<p:sld xmlns:a="http://schemas.openxmlformats.org/drawingml/2006/main" xmlns:r="http://schemas.openxmlformats.org/officeDocument/2006/relationships" xmlns:p="http://schemas.openxmlformats.org/presentationml/2006/main">
+  <p:cSld>
+    <p:spTree>
+      <p:nvGrpSpPr>
+        <p:cNvPr id="1" name=""/>
+        <p:cNvGrpSpPr/>
+        <p:nvPr/>
+      </p:nvGrpSpPr>
+      <p:grpSpPr>
+        <a:xfrm>
+          <a:off x="0" y="0"/>
+          <a:ext cx="0" cy="0"/>
+          <a:chOff x="0" y="0"/>
+          <a:chExt cx="0" cy="0"/>
+        </a:xfrm>
+      </p:grpSpPr>
+      <p:sp>
+        <p:nvSpPr>
+          <p:cNvPr id="2" name="Title 1"/>
+          <p:cNvSpPr>
+            <a:spLocks noGrp="1"/>
+          </p:cNvSpPr>
+          <p:nvPr>
+            <p:ph type="title"/>
+          </p:nvPr>
+        </p:nvSpPr>
+        <p:spPr/>
+        <p:txBody>
+          <a:bodyPr/>
+          <a:lstStyle/>
+          <a:p>
+            <a:r>
+              <a:rPr lang="en-US" dirty="0" smtClean="0"/>
+              <a:t>Profiler</a:t>
+            </a:r>
+            <a:endParaRPr lang="it-IT" dirty="0"/>
+          </a:p>
+        </p:txBody>
+      </p:sp>
+      <p:sp>
+        <p:nvSpPr>
+          <p:cNvPr id="3" name="Content Placeholder 2"/>
+          <p:cNvSpPr>
+            <a:spLocks noGrp="1"/>
+          </p:cNvSpPr>
+          <p:nvPr>
+            <p:ph idx="1"/>
+          </p:nvPr>
+        </p:nvSpPr>
+        <p:spPr/>
+        <p:txBody>
+          <a:bodyPr>
+            <a:normAutofit/>
+          </a:bodyPr>
+          <a:lstStyle/>
+          <a:p>
+            <a:pPr lvl="0" algn="just"/>
+            <a:r>
+              <a:rPr lang="en-US" dirty="0" smtClean="0"/>
+              <a:t>Visual Studio </a:t>
+            </a:r>
+            <a:r>
+              <a:rPr lang="en-US" dirty="0" err="1" smtClean="0"/>
+              <a:t>mette</a:t>
+            </a:r>
+            <a:r>
+              <a:rPr lang="en-US" dirty="0" smtClean="0"/>
+              <a:t> a </a:t>
+            </a:r>
+            <a:r>
+              <a:rPr lang="en-US" dirty="0" err="1" smtClean="0"/>
+              <a:t>disposizione</a:t>
+            </a:r>
+            <a:r>
+              <a:rPr lang="en-US" dirty="0" smtClean="0"/>
+              <a:t> un </a:t>
+            </a:r>
+            <a:r>
+              <a:rPr lang="en-US" dirty="0" err="1" smtClean="0"/>
+              <a:t>utilissimo</a:t>
+            </a:r>
+            <a:r>
+              <a:rPr lang="en-US" dirty="0" smtClean="0"/>
+              <a:t> tool per </a:t>
+            </a:r>
+            <a:r>
+              <a:rPr lang="en-US" dirty="0" err="1" smtClean="0"/>
+              <a:t>misurare</a:t>
+            </a:r>
+            <a:r>
+              <a:rPr lang="en-US" dirty="0" smtClean="0"/>
+              <a:t> le performances di </a:t>
+            </a:r>
+            <a:r>
+              <a:rPr lang="en-US" dirty="0" err="1" smtClean="0"/>
+              <a:t>un’applicazione</a:t>
+            </a:r>
+            <a:r>
+              <a:rPr lang="en-US" dirty="0" smtClean="0"/>
+              <a:t>, </a:t>
+            </a:r>
+            <a:r>
+              <a:rPr lang="en-US" dirty="0" err="1" smtClean="0"/>
+              <a:t>il</a:t>
+            </a:r>
+            <a:r>
+              <a:rPr lang="en-US" dirty="0" smtClean="0"/>
+              <a:t> Profiler</a:t>
+            </a:r>
+          </a:p>
+          <a:p>
+            <a:pPr algn="just"/>
+            <a:r>
+              <a:rPr lang="en-US" dirty="0" smtClean="0"/>
+              <a:t>Il profiler </a:t>
+            </a:r>
+            <a:r>
+              <a:rPr lang="en-US" dirty="0" err="1" smtClean="0"/>
+              <a:t>può</a:t>
+            </a:r>
+            <a:r>
+              <a:rPr lang="en-US" dirty="0" smtClean="0"/>
+              <a:t> </a:t>
+            </a:r>
+            <a:r>
+              <a:rPr lang="en-US" dirty="0" err="1" smtClean="0"/>
+              <a:t>essere</a:t>
+            </a:r>
+            <a:r>
+              <a:rPr lang="en-US" dirty="0" smtClean="0"/>
+              <a:t> </a:t>
+            </a:r>
+            <a:r>
+              <a:rPr lang="en-US" dirty="0" err="1" smtClean="0"/>
+              <a:t>utilizzato</a:t>
+            </a:r>
+            <a:r>
+              <a:rPr lang="en-US" dirty="0" smtClean="0"/>
+              <a:t> </a:t>
+            </a:r>
+            <a:r>
+              <a:rPr lang="en-US" dirty="0" err="1" smtClean="0"/>
+              <a:t>sia</a:t>
+            </a:r>
+            <a:r>
+              <a:rPr lang="en-US" dirty="0" smtClean="0"/>
+              <a:t> </a:t>
+            </a:r>
+            <a:r>
+              <a:rPr lang="en-US" dirty="0" err="1" smtClean="0"/>
+              <a:t>mediante</a:t>
+            </a:r>
+            <a:r>
+              <a:rPr lang="en-US" dirty="0"/>
+              <a:t> </a:t>
+            </a:r>
+            <a:r>
+              <a:rPr lang="en-US" dirty="0" smtClean="0"/>
+              <a:t>un wizard </a:t>
+            </a:r>
+            <a:r>
+              <a:rPr lang="en-US" dirty="0" err="1" smtClean="0"/>
+              <a:t>piuttosto</a:t>
+            </a:r>
+            <a:r>
+              <a:rPr lang="en-US" dirty="0" smtClean="0"/>
+              <a:t> </a:t>
+            </a:r>
+            <a:r>
+              <a:rPr lang="en-US" dirty="0" err="1" smtClean="0"/>
+              <a:t>semplice</a:t>
+            </a:r>
+            <a:r>
+              <a:rPr lang="en-US" dirty="0" smtClean="0"/>
+              <a:t> </a:t>
+            </a:r>
+            <a:r>
+              <a:rPr lang="en-US" dirty="0"/>
+              <a:t>(default </a:t>
+            </a:r>
+            <a:r>
+              <a:rPr lang="en-US" dirty="0" smtClean="0"/>
+              <a:t>ALT+F2) </a:t>
+            </a:r>
+            <a:r>
+              <a:rPr lang="en-US" dirty="0" err="1" smtClean="0"/>
+              <a:t>sia</a:t>
+            </a:r>
+            <a:r>
+              <a:rPr lang="en-US" dirty="0" smtClean="0"/>
+              <a:t> </a:t>
+            </a:r>
+            <a:r>
+              <a:rPr lang="en-US" dirty="0" err="1" smtClean="0"/>
+              <a:t>mediante</a:t>
+            </a:r>
+            <a:r>
+              <a:rPr lang="en-US" dirty="0" smtClean="0"/>
+              <a:t> la </a:t>
+            </a:r>
+            <a:r>
+              <a:rPr lang="en-US" dirty="0" err="1" smtClean="0"/>
+              <a:t>riga</a:t>
+            </a:r>
+            <a:r>
+              <a:rPr lang="en-US" dirty="0" smtClean="0"/>
+              <a:t> di </a:t>
+            </a:r>
+            <a:r>
+              <a:rPr lang="en-US" dirty="0" err="1" smtClean="0"/>
+              <a:t>comando</a:t>
+            </a:r>
+            <a:endParaRPr lang="en-US" dirty="0" smtClean="0"/>
+          </a:p>
+          <a:p>
+            <a:pPr lvl="0" algn="just"/>
+            <a:r>
+              <a:rPr lang="en-US" dirty="0" smtClean="0"/>
+              <a:t>Le </a:t>
+            </a:r>
+            <a:r>
+              <a:rPr lang="en-US" dirty="0" err="1" smtClean="0"/>
+              <a:t>modalità</a:t>
+            </a:r>
+            <a:r>
+              <a:rPr lang="en-US" dirty="0" smtClean="0"/>
+              <a:t> di </a:t>
+            </a:r>
+            <a:r>
+              <a:rPr lang="en-US" dirty="0" err="1" smtClean="0"/>
+              <a:t>funzionamento</a:t>
+            </a:r>
+            <a:r>
+              <a:rPr lang="en-US" dirty="0" smtClean="0"/>
+              <a:t> del tool </a:t>
+            </a:r>
+            <a:r>
+              <a:rPr lang="en-US" dirty="0" err="1" smtClean="0"/>
+              <a:t>prevedono</a:t>
+            </a:r>
+            <a:r>
+              <a:rPr lang="en-US" dirty="0" smtClean="0"/>
+              <a:t>:</a:t>
+            </a:r>
+          </a:p>
+          <a:p>
+            <a:pPr lvl="1" algn="just"/>
+            <a:endParaRPr lang="en-US" dirty="0"/>
+          </a:p>
+          <a:p>
+            <a:pPr lvl="1" algn="just"/>
+            <a:r>
+              <a:rPr lang="en-US" dirty="0" smtClean="0"/>
+              <a:t>Sampling</a:t>
+            </a:r>
+          </a:p>
+          <a:p>
+            <a:pPr lvl="1" algn="just"/>
+            <a:r>
+              <a:rPr lang="en-US" dirty="0" smtClean="0"/>
+              <a:t>Instrumentation</a:t>
+            </a:r>
+          </a:p>
+          <a:p>
+            <a:pPr lvl="1" algn="just"/>
+            <a:r>
+              <a:rPr lang="en-US" dirty="0" smtClean="0"/>
+              <a:t>Concurrency</a:t>
+            </a:r>
+          </a:p>
+          <a:p>
+            <a:pPr lvl="1" algn="just"/>
+            <a:r>
+              <a:rPr lang="en-US" dirty="0" smtClean="0"/>
+              <a:t>Tip</a:t>
+            </a:r>
+          </a:p>
+        </p:txBody>
+      </p:sp>
+      <p:pic>
+        <p:nvPicPr>
+          <p:cNvPr id="4" name="Picture 3"/>
+          <p:cNvPicPr>
+            <a:picLocks noChangeAspect="1"/>
+          </p:cNvPicPr>
+          <p:nvPr/>
+        </p:nvPicPr>
+        <p:blipFill>
+          <a:blip r:embed="rId2"/>
+          <a:stretch>
+            <a:fillRect/>
+          </a:stretch>
+        </p:blipFill>
+        <p:spPr>
+          <a:xfrm>
+            <a:off x="7401687" y="3363912"/>
+            <a:ext cx="3552825" cy="1857375"/>
+          </a:xfrm>
+          <a:prstGeom prst="rect">
+            <a:avLst/>
+          </a:prstGeom>
+        </p:spPr>
+      </p:pic>
+    </p:spTree>
+    <p:extLst>
+      <p:ext uri="{BB962C8B-B14F-4D97-AF65-F5344CB8AC3E}">
+        <p14:creationId xmlns:p14="http://schemas.microsoft.com/office/powerpoint/2010/main" val="1544315257"/>
+      </p:ext>
+    </p:extLst>
+  </p:cSld>
+  <p:clrMapOvr>
+    <a:masterClrMapping/>
+  </p:clrMapOvr>
+  <mc:AlternateContent xmlns:mc="http://schemas.openxmlformats.org/markup-compatibility/2006">
+    <mc:Choice xmlns:p14="http://schemas.microsoft.com/office/powerpoint/2010/main" Requires="p14">
+      <p:transition spd="slow" p14:dur="2000"/>
+    </mc:Choice>
+    <mc:Fallback>
+      <p:transition spd="slow"/>
+    </mc:Fallback>
+  </mc:AlternateContent>
   <p:timing>
     <p:tnLst>
       <p:par>
@@ -7849,6 +10211,2043 @@
 </p:sld>
 </file>
 
+<file path=ppt/slides/slide20.xml><?xml version="1.0" encoding="utf-8"?>
+<p:sld xmlns:a="http://schemas.openxmlformats.org/drawingml/2006/main" xmlns:r="http://schemas.openxmlformats.org/officeDocument/2006/relationships" xmlns:p="http://schemas.openxmlformats.org/presentationml/2006/main">
+  <p:cSld>
+    <p:spTree>
+      <p:nvGrpSpPr>
+        <p:cNvPr id="1" name=""/>
+        <p:cNvGrpSpPr/>
+        <p:nvPr/>
+      </p:nvGrpSpPr>
+      <p:grpSpPr>
+        <a:xfrm>
+          <a:off x="0" y="0"/>
+          <a:ext cx="0" cy="0"/>
+          <a:chOff x="0" y="0"/>
+          <a:chExt cx="0" cy="0"/>
+        </a:xfrm>
+      </p:grpSpPr>
+      <p:sp>
+        <p:nvSpPr>
+          <p:cNvPr id="2" name="Title 1"/>
+          <p:cNvSpPr>
+            <a:spLocks noGrp="1"/>
+          </p:cNvSpPr>
+          <p:nvPr>
+            <p:ph type="title"/>
+          </p:nvPr>
+        </p:nvSpPr>
+        <p:spPr/>
+        <p:txBody>
+          <a:bodyPr/>
+          <a:lstStyle/>
+          <a:p>
+            <a:r>
+              <a:rPr lang="en-US" dirty="0" smtClean="0"/>
+              <a:t>Sampling</a:t>
+            </a:r>
+            <a:endParaRPr lang="it-IT" dirty="0"/>
+          </a:p>
+        </p:txBody>
+      </p:sp>
+      <p:sp>
+        <p:nvSpPr>
+          <p:cNvPr id="3" name="Content Placeholder 2"/>
+          <p:cNvSpPr>
+            <a:spLocks noGrp="1"/>
+          </p:cNvSpPr>
+          <p:nvPr>
+            <p:ph idx="1"/>
+          </p:nvPr>
+        </p:nvSpPr>
+        <p:spPr/>
+        <p:txBody>
+          <a:bodyPr>
+            <a:normAutofit fontScale="92500"/>
+          </a:bodyPr>
+          <a:lstStyle/>
+          <a:p>
+            <a:pPr lvl="0" algn="just"/>
+            <a:r>
+              <a:rPr lang="en-US" dirty="0" err="1"/>
+              <a:t>Uso</a:t>
+            </a:r>
+            <a:r>
+              <a:rPr lang="en-US" dirty="0"/>
+              <a:t> </a:t>
+            </a:r>
+            <a:r>
+              <a:rPr lang="en-US" dirty="0" err="1"/>
+              <a:t>intuitivo</a:t>
+            </a:r>
+            <a:r>
+              <a:rPr lang="en-US" dirty="0"/>
+              <a:t>, </a:t>
+            </a:r>
+            <a:r>
+              <a:rPr lang="en-US" dirty="0" err="1"/>
+              <a:t>individua</a:t>
+            </a:r>
+            <a:r>
+              <a:rPr lang="en-US" dirty="0"/>
+              <a:t> </a:t>
+            </a:r>
+            <a:r>
+              <a:rPr lang="en-US" dirty="0" err="1"/>
+              <a:t>problemi</a:t>
+            </a:r>
+            <a:r>
+              <a:rPr lang="en-US" dirty="0"/>
+              <a:t> </a:t>
+            </a:r>
+            <a:r>
+              <a:rPr lang="en-US" dirty="0" err="1"/>
+              <a:t>legati</a:t>
+            </a:r>
+            <a:r>
+              <a:rPr lang="en-US" dirty="0"/>
+              <a:t> </a:t>
+            </a:r>
+            <a:r>
+              <a:rPr lang="en-US" dirty="0" err="1"/>
+              <a:t>all'utilizzo</a:t>
+            </a:r>
+            <a:r>
+              <a:rPr lang="en-US" dirty="0"/>
+              <a:t> </a:t>
+            </a:r>
+            <a:r>
+              <a:rPr lang="en-US" dirty="0" err="1"/>
+              <a:t>della</a:t>
+            </a:r>
+            <a:r>
+              <a:rPr lang="en-US" dirty="0"/>
+              <a:t> CPU</a:t>
+            </a:r>
+          </a:p>
+          <a:p>
+            <a:pPr lvl="0" algn="just"/>
+            <a:r>
+              <a:rPr lang="en-US" dirty="0"/>
+              <a:t>“</a:t>
+            </a:r>
+            <a:r>
+              <a:rPr lang="en-US" dirty="0" err="1"/>
+              <a:t>Ossserva</a:t>
+            </a:r>
+            <a:r>
+              <a:rPr lang="en-US" dirty="0"/>
+              <a:t>” ad un </a:t>
+            </a:r>
+            <a:r>
+              <a:rPr lang="en-US" dirty="0" err="1"/>
+              <a:t>intervallo</a:t>
+            </a:r>
+            <a:r>
+              <a:rPr lang="en-US" dirty="0"/>
+              <a:t> </a:t>
+            </a:r>
+            <a:r>
+              <a:rPr lang="en-US" dirty="0" err="1"/>
+              <a:t>configurabile</a:t>
+            </a:r>
+            <a:r>
+              <a:rPr lang="en-US" dirty="0"/>
+              <a:t> (non in Win8) </a:t>
+            </a:r>
+            <a:r>
+              <a:rPr lang="en-US" dirty="0" err="1"/>
+              <a:t>il</a:t>
+            </a:r>
+            <a:r>
+              <a:rPr lang="en-US" dirty="0"/>
+              <a:t> function call stack</a:t>
+            </a:r>
+          </a:p>
+          <a:p>
+            <a:pPr lvl="0" algn="just"/>
+            <a:r>
+              <a:rPr lang="en-US" dirty="0"/>
+              <a:t>Al tempo di </a:t>
+            </a:r>
+            <a:r>
+              <a:rPr lang="en-US" dirty="0" err="1"/>
+              <a:t>campionamento</a:t>
+            </a:r>
+            <a:r>
+              <a:rPr lang="en-US" dirty="0"/>
+              <a:t>, </a:t>
+            </a:r>
+            <a:r>
+              <a:rPr lang="en-US" dirty="0" err="1"/>
+              <a:t>incrementa</a:t>
+            </a:r>
+            <a:r>
+              <a:rPr lang="en-US" dirty="0"/>
+              <a:t> </a:t>
+            </a:r>
+            <a:r>
+              <a:rPr lang="en-US" dirty="0" err="1"/>
+              <a:t>il</a:t>
+            </a:r>
+            <a:r>
+              <a:rPr lang="en-US" dirty="0"/>
+              <a:t> </a:t>
+            </a:r>
+            <a:r>
+              <a:rPr lang="en-US" dirty="0" err="1"/>
+              <a:t>contatore</a:t>
+            </a:r>
+            <a:r>
+              <a:rPr lang="en-US" dirty="0"/>
+              <a:t> “</a:t>
+            </a:r>
+            <a:r>
+              <a:rPr lang="en-US" dirty="0" err="1"/>
+              <a:t>esclusivo</a:t>
+            </a:r>
+            <a:r>
+              <a:rPr lang="en-US" dirty="0"/>
+              <a:t>” per la </a:t>
+            </a:r>
+            <a:r>
+              <a:rPr lang="en-US" dirty="0" err="1"/>
+              <a:t>funzione</a:t>
+            </a:r>
+            <a:r>
+              <a:rPr lang="en-US" dirty="0"/>
+              <a:t> </a:t>
+            </a:r>
+            <a:r>
+              <a:rPr lang="en-US" dirty="0" err="1"/>
+              <a:t>che</a:t>
+            </a:r>
+            <a:r>
+              <a:rPr lang="en-US" dirty="0"/>
+              <a:t> </a:t>
+            </a:r>
+            <a:r>
+              <a:rPr lang="en-US" dirty="0" err="1"/>
+              <a:t>stava</a:t>
+            </a:r>
+            <a:r>
+              <a:rPr lang="en-US" dirty="0"/>
+              <a:t> </a:t>
+            </a:r>
+            <a:r>
+              <a:rPr lang="en-US" dirty="0" err="1"/>
+              <a:t>eseguendo</a:t>
+            </a:r>
+            <a:r>
+              <a:rPr lang="en-US" dirty="0"/>
+              <a:t>, e </a:t>
+            </a:r>
+            <a:r>
+              <a:rPr lang="en-US" dirty="0" err="1"/>
+              <a:t>incrementa</a:t>
+            </a:r>
+            <a:r>
+              <a:rPr lang="en-US" dirty="0"/>
+              <a:t> </a:t>
+            </a:r>
+            <a:r>
+              <a:rPr lang="en-US" dirty="0" err="1"/>
+              <a:t>anche</a:t>
+            </a:r>
+            <a:r>
+              <a:rPr lang="en-US" dirty="0"/>
+              <a:t> </a:t>
+            </a:r>
+            <a:r>
+              <a:rPr lang="en-US" dirty="0" err="1"/>
+              <a:t>quello</a:t>
+            </a:r>
+            <a:r>
+              <a:rPr lang="en-US" dirty="0"/>
+              <a:t> “</a:t>
+            </a:r>
+            <a:r>
+              <a:rPr lang="en-US" dirty="0" err="1"/>
+              <a:t>inclusivo</a:t>
+            </a:r>
+            <a:r>
+              <a:rPr lang="en-US" dirty="0"/>
+              <a:t>” per </a:t>
+            </a:r>
+            <a:r>
+              <a:rPr lang="en-US" dirty="0" err="1"/>
+              <a:t>tutto</a:t>
+            </a:r>
+            <a:r>
+              <a:rPr lang="en-US" dirty="0"/>
+              <a:t> </a:t>
+            </a:r>
+            <a:r>
+              <a:rPr lang="en-US" dirty="0" err="1"/>
+              <a:t>il</a:t>
+            </a:r>
+            <a:r>
+              <a:rPr lang="en-US" dirty="0"/>
+              <a:t> call stack</a:t>
+            </a:r>
+          </a:p>
+          <a:p>
+            <a:pPr marL="457200" lvl="0" indent="-457200" algn="just">
+              <a:buFont typeface="+mj-lt"/>
+              <a:buAutoNum type="arabicPeriod"/>
+            </a:pPr>
+            <a:r>
+              <a:rPr lang="en-US" dirty="0" smtClean="0"/>
+              <a:t>A – B – C  (inclusive A++, inclusive B++, inclusive C++, exclusive C ++)</a:t>
+            </a:r>
+          </a:p>
+          <a:p>
+            <a:pPr marL="457200" lvl="0" indent="-457200" algn="just">
+              <a:buFont typeface="+mj-lt"/>
+              <a:buAutoNum type="arabicPeriod"/>
+            </a:pPr>
+            <a:r>
+              <a:rPr lang="en-US" dirty="0" smtClean="0"/>
+              <a:t>A – B – C  (</a:t>
+            </a:r>
+            <a:r>
+              <a:rPr lang="en-US" dirty="0"/>
+              <a:t>inclusive A++, inclusive B++, inclusive C++, exclusive C ++)</a:t>
+            </a:r>
+            <a:endParaRPr lang="en-US" dirty="0" smtClean="0"/>
+          </a:p>
+          <a:p>
+            <a:pPr marL="457200" indent="-457200" algn="just">
+              <a:buFont typeface="+mj-lt"/>
+              <a:buAutoNum type="arabicPeriod"/>
+            </a:pPr>
+            <a:r>
+              <a:rPr lang="en-US" dirty="0" smtClean="0"/>
+              <a:t>A – B – C  (</a:t>
+            </a:r>
+            <a:r>
+              <a:rPr lang="en-US" dirty="0"/>
+              <a:t>inclusive A++, inclusive B++, inclusive C++, exclusive C </a:t>
+            </a:r>
+            <a:r>
+              <a:rPr lang="en-US" dirty="0" smtClean="0"/>
+              <a:t>++)</a:t>
+            </a:r>
+          </a:p>
+          <a:p>
+            <a:pPr marL="457200" indent="-457200" algn="just">
+              <a:buFont typeface="+mj-lt"/>
+              <a:buAutoNum type="arabicPeriod"/>
+            </a:pPr>
+            <a:r>
+              <a:rPr lang="en-US" dirty="0" smtClean="0"/>
+              <a:t>A – B  </a:t>
+            </a:r>
+            <a:r>
+              <a:rPr lang="en-US" dirty="0"/>
+              <a:t>(inclusive A++, inclusive B++, </a:t>
+            </a:r>
+            <a:r>
+              <a:rPr lang="en-US" dirty="0" smtClean="0"/>
+              <a:t>exclusive B ++)</a:t>
+            </a:r>
+          </a:p>
+          <a:p>
+            <a:pPr marL="457200" indent="-457200" algn="just">
+              <a:buFont typeface="+mj-lt"/>
+              <a:buAutoNum type="arabicPeriod"/>
+            </a:pPr>
+            <a:r>
+              <a:rPr lang="en-US" dirty="0" smtClean="0"/>
+              <a:t>A </a:t>
+            </a:r>
+            <a:r>
+              <a:rPr lang="en-US" dirty="0"/>
+              <a:t>(inclusive A++, </a:t>
+            </a:r>
+            <a:r>
+              <a:rPr lang="en-US" dirty="0" smtClean="0"/>
+              <a:t>exclusive A </a:t>
+            </a:r>
+            <a:r>
+              <a:rPr lang="en-US" dirty="0"/>
+              <a:t>++)</a:t>
+            </a:r>
+          </a:p>
+          <a:p>
+            <a:pPr marL="457200" lvl="0" indent="-457200" algn="just">
+              <a:buFont typeface="+mj-lt"/>
+              <a:buAutoNum type="arabicPeriod"/>
+            </a:pPr>
+            <a:endParaRPr lang="en-US" dirty="0" smtClean="0"/>
+          </a:p>
+          <a:p>
+            <a:pPr marL="457200" lvl="0" indent="-457200" algn="just">
+              <a:buFont typeface="+mj-lt"/>
+              <a:buAutoNum type="arabicPeriod"/>
+            </a:pPr>
+            <a:endParaRPr lang="en-US" dirty="0" smtClean="0"/>
+          </a:p>
+        </p:txBody>
+      </p:sp>
+    </p:spTree>
+    <p:extLst>
+      <p:ext uri="{BB962C8B-B14F-4D97-AF65-F5344CB8AC3E}">
+        <p14:creationId xmlns:p14="http://schemas.microsoft.com/office/powerpoint/2010/main" val="1839748231"/>
+      </p:ext>
+    </p:extLst>
+  </p:cSld>
+  <p:clrMapOvr>
+    <a:masterClrMapping/>
+  </p:clrMapOvr>
+  <mc:AlternateContent xmlns:mc="http://schemas.openxmlformats.org/markup-compatibility/2006">
+    <mc:Choice xmlns:p14="http://schemas.microsoft.com/office/powerpoint/2010/main" Requires="p14">
+      <p:transition spd="slow" p14:dur="2000"/>
+    </mc:Choice>
+    <mc:Fallback>
+      <p:transition spd="slow"/>
+    </mc:Fallback>
+  </mc:AlternateContent>
+  <p:timing>
+    <p:tnLst>
+      <p:par>
+        <p:cTn id="1" dur="indefinite" restart="never" nodeType="tmRoot"/>
+      </p:par>
+    </p:tnLst>
+  </p:timing>
+</p:sld>
+</file>
+
+<file path=ppt/slides/slide21.xml><?xml version="1.0" encoding="utf-8"?>
+<p:sld xmlns:a="http://schemas.openxmlformats.org/drawingml/2006/main" xmlns:r="http://schemas.openxmlformats.org/officeDocument/2006/relationships" xmlns:p="http://schemas.openxmlformats.org/presentationml/2006/main">
+  <p:cSld>
+    <p:spTree>
+      <p:nvGrpSpPr>
+        <p:cNvPr id="1" name=""/>
+        <p:cNvGrpSpPr/>
+        <p:nvPr/>
+      </p:nvGrpSpPr>
+      <p:grpSpPr>
+        <a:xfrm>
+          <a:off x="0" y="0"/>
+          <a:ext cx="0" cy="0"/>
+          <a:chOff x="0" y="0"/>
+          <a:chExt cx="0" cy="0"/>
+        </a:xfrm>
+      </p:grpSpPr>
+      <p:sp>
+        <p:nvSpPr>
+          <p:cNvPr id="2" name="Title 1"/>
+          <p:cNvSpPr>
+            <a:spLocks noGrp="1"/>
+          </p:cNvSpPr>
+          <p:nvPr>
+            <p:ph type="title"/>
+          </p:nvPr>
+        </p:nvSpPr>
+        <p:spPr/>
+        <p:txBody>
+          <a:bodyPr/>
+          <a:lstStyle/>
+          <a:p>
+            <a:r>
+              <a:rPr lang="en-US" dirty="0" smtClean="0"/>
+              <a:t>Sampling (2)</a:t>
+            </a:r>
+            <a:endParaRPr lang="it-IT" dirty="0"/>
+          </a:p>
+        </p:txBody>
+      </p:sp>
+      <p:sp>
+        <p:nvSpPr>
+          <p:cNvPr id="3" name="Content Placeholder 2"/>
+          <p:cNvSpPr>
+            <a:spLocks noGrp="1"/>
+          </p:cNvSpPr>
+          <p:nvPr>
+            <p:ph idx="1"/>
+          </p:nvPr>
+        </p:nvSpPr>
+        <p:spPr/>
+        <p:txBody>
+          <a:bodyPr>
+            <a:normAutofit/>
+          </a:bodyPr>
+          <a:lstStyle/>
+          <a:p>
+            <a:pPr lvl="0" algn="just"/>
+            <a:r>
+              <a:rPr lang="en-US" dirty="0" err="1"/>
+              <a:t>Osservando</a:t>
+            </a:r>
+            <a:r>
+              <a:rPr lang="en-US" dirty="0"/>
+              <a:t> le </a:t>
+            </a:r>
+            <a:r>
+              <a:rPr lang="en-US" dirty="0" err="1"/>
+              <a:t>percentuali</a:t>
+            </a:r>
+            <a:r>
+              <a:rPr lang="en-US" dirty="0"/>
+              <a:t> di </a:t>
+            </a:r>
+            <a:r>
+              <a:rPr lang="en-US" dirty="0" err="1"/>
+              <a:t>esecuzione</a:t>
+            </a:r>
+            <a:r>
+              <a:rPr lang="en-US" dirty="0"/>
+              <a:t>, </a:t>
+            </a:r>
+            <a:r>
+              <a:rPr lang="en-US" dirty="0" err="1"/>
+              <a:t>si</a:t>
+            </a:r>
+            <a:r>
+              <a:rPr lang="en-US" dirty="0"/>
+              <a:t> ha la </a:t>
+            </a:r>
+            <a:r>
+              <a:rPr lang="en-US" dirty="0" err="1"/>
+              <a:t>netta</a:t>
+            </a:r>
+            <a:r>
+              <a:rPr lang="en-US" dirty="0"/>
+              <a:t> </a:t>
+            </a:r>
+            <a:r>
+              <a:rPr lang="en-US" dirty="0" err="1"/>
+              <a:t>percezione</a:t>
+            </a:r>
+            <a:r>
+              <a:rPr lang="en-US" dirty="0"/>
+              <a:t> di quale </a:t>
+            </a:r>
+            <a:r>
+              <a:rPr lang="en-US" dirty="0" err="1"/>
+              <a:t>metodo</a:t>
+            </a:r>
+            <a:r>
+              <a:rPr lang="en-US" dirty="0"/>
+              <a:t> </a:t>
+            </a:r>
+            <a:r>
+              <a:rPr lang="en-US" dirty="0" err="1"/>
+              <a:t>richiede</a:t>
+            </a:r>
+            <a:r>
+              <a:rPr lang="en-US" dirty="0"/>
+              <a:t> “</a:t>
+            </a:r>
+            <a:r>
+              <a:rPr lang="en-US" dirty="0" err="1"/>
+              <a:t>il</a:t>
+            </a:r>
+            <a:r>
+              <a:rPr lang="en-US" dirty="0"/>
+              <a:t> </a:t>
+            </a:r>
+            <a:r>
+              <a:rPr lang="en-US" dirty="0" err="1"/>
+              <a:t>maggior</a:t>
+            </a:r>
+            <a:r>
+              <a:rPr lang="en-US" dirty="0"/>
+              <a:t> </a:t>
+            </a:r>
+            <a:r>
+              <a:rPr lang="en-US" dirty="0" err="1"/>
+              <a:t>numero</a:t>
+            </a:r>
+            <a:r>
+              <a:rPr lang="en-US" dirty="0"/>
+              <a:t> di </a:t>
+            </a:r>
+            <a:r>
+              <a:rPr lang="en-US" dirty="0" err="1"/>
+              <a:t>incrementi</a:t>
+            </a:r>
+            <a:r>
+              <a:rPr lang="en-US" dirty="0"/>
+              <a:t>”, </a:t>
+            </a:r>
+            <a:r>
+              <a:rPr lang="en-US" dirty="0" err="1"/>
+              <a:t>ovvero</a:t>
+            </a:r>
+            <a:r>
+              <a:rPr lang="en-US" dirty="0"/>
+              <a:t> quale </a:t>
+            </a:r>
+            <a:r>
+              <a:rPr lang="en-US" dirty="0" err="1"/>
+              <a:t>metodo</a:t>
+            </a:r>
+            <a:r>
+              <a:rPr lang="en-US" dirty="0"/>
+              <a:t> </a:t>
+            </a:r>
+            <a:r>
+              <a:rPr lang="en-US" dirty="0" err="1"/>
+              <a:t>risiedeva</a:t>
+            </a:r>
+            <a:r>
+              <a:rPr lang="en-US" dirty="0"/>
+              <a:t> in CPU per </a:t>
+            </a:r>
+            <a:r>
+              <a:rPr lang="en-US" dirty="0" err="1"/>
+              <a:t>il</a:t>
+            </a:r>
+            <a:r>
+              <a:rPr lang="en-US" dirty="0"/>
+              <a:t> </a:t>
+            </a:r>
+            <a:r>
+              <a:rPr lang="en-US" dirty="0" err="1"/>
+              <a:t>maggior</a:t>
+            </a:r>
+            <a:r>
+              <a:rPr lang="en-US" dirty="0"/>
+              <a:t> </a:t>
+            </a:r>
+            <a:r>
+              <a:rPr lang="en-US" dirty="0" err="1"/>
+              <a:t>numero</a:t>
+            </a:r>
+            <a:r>
+              <a:rPr lang="en-US" dirty="0"/>
+              <a:t> di </a:t>
+            </a:r>
+            <a:r>
+              <a:rPr lang="en-US" dirty="0" err="1"/>
+              <a:t>osservazioni</a:t>
+            </a:r>
+            <a:r>
+              <a:rPr lang="en-US" dirty="0"/>
+              <a:t>.</a:t>
+            </a:r>
+          </a:p>
+          <a:p>
+            <a:pPr lvl="0" algn="just"/>
+            <a:r>
+              <a:rPr lang="en-US" dirty="0" err="1"/>
+              <a:t>Espandendo</a:t>
+            </a:r>
+            <a:r>
+              <a:rPr lang="en-US" dirty="0"/>
+              <a:t> </a:t>
+            </a:r>
+            <a:r>
+              <a:rPr lang="en-US" dirty="0" err="1"/>
+              <a:t>l'albero</a:t>
+            </a:r>
+            <a:r>
+              <a:rPr lang="en-US" dirty="0"/>
+              <a:t>, è </a:t>
+            </a:r>
+            <a:r>
+              <a:rPr lang="en-US" dirty="0" err="1"/>
+              <a:t>immediato</a:t>
+            </a:r>
+            <a:r>
+              <a:rPr lang="en-US" dirty="0"/>
+              <a:t> </a:t>
+            </a:r>
+            <a:r>
+              <a:rPr lang="en-US" dirty="0" err="1"/>
+              <a:t>individuare</a:t>
+            </a:r>
+            <a:r>
+              <a:rPr lang="en-US" dirty="0"/>
+              <a:t> chi ha </a:t>
+            </a:r>
+            <a:r>
+              <a:rPr lang="en-US" dirty="0" err="1"/>
+              <a:t>monopolizzato</a:t>
+            </a:r>
+            <a:r>
+              <a:rPr lang="en-US" dirty="0"/>
+              <a:t> la </a:t>
+            </a:r>
+            <a:r>
+              <a:rPr lang="en-US" dirty="0" smtClean="0"/>
+              <a:t>CPU</a:t>
+            </a:r>
+          </a:p>
+          <a:p>
+            <a:pPr lvl="0" algn="just"/>
+            <a:r>
+              <a:rPr lang="en-US" dirty="0" smtClean="0"/>
+              <a:t>E’ </a:t>
+            </a:r>
+            <a:r>
+              <a:rPr lang="en-US" dirty="0" err="1" smtClean="0"/>
+              <a:t>possibile</a:t>
+            </a:r>
+            <a:r>
+              <a:rPr lang="en-US" dirty="0" smtClean="0"/>
+              <a:t> </a:t>
+            </a:r>
+            <a:r>
+              <a:rPr lang="en-US" dirty="0" err="1" smtClean="0"/>
+              <a:t>tracciare</a:t>
+            </a:r>
+            <a:r>
+              <a:rPr lang="en-US" dirty="0" smtClean="0"/>
+              <a:t> </a:t>
+            </a:r>
+            <a:r>
+              <a:rPr lang="en-US" dirty="0" err="1" smtClean="0"/>
+              <a:t>nel</a:t>
+            </a:r>
+            <a:r>
+              <a:rPr lang="en-US" dirty="0" smtClean="0"/>
+              <a:t> </a:t>
+            </a:r>
+            <a:r>
+              <a:rPr lang="en-US" dirty="0" err="1" smtClean="0"/>
+              <a:t>grafico</a:t>
+            </a:r>
+            <a:r>
+              <a:rPr lang="en-US" dirty="0" smtClean="0"/>
+              <a:t> </a:t>
+            </a:r>
+            <a:r>
+              <a:rPr lang="en-US" dirty="0" err="1" smtClean="0"/>
+              <a:t>immediatamente</a:t>
+            </a:r>
+            <a:r>
+              <a:rPr lang="en-US" dirty="0" smtClean="0"/>
+              <a:t> “</a:t>
+            </a:r>
+            <a:r>
+              <a:rPr lang="en-US" dirty="0" err="1" smtClean="0"/>
+              <a:t>l’Hot</a:t>
+            </a:r>
+            <a:r>
+              <a:rPr lang="en-US" dirty="0" smtClean="0"/>
+              <a:t> Path”, </a:t>
+            </a:r>
+            <a:r>
+              <a:rPr lang="en-US" dirty="0" err="1" smtClean="0"/>
+              <a:t>che</a:t>
+            </a:r>
+            <a:r>
+              <a:rPr lang="en-US" dirty="0" smtClean="0"/>
+              <a:t> </a:t>
+            </a:r>
+            <a:r>
+              <a:rPr lang="en-US" dirty="0" err="1" smtClean="0"/>
+              <a:t>mostra</a:t>
+            </a:r>
+            <a:r>
+              <a:rPr lang="en-US" dirty="0" smtClean="0"/>
+              <a:t> </a:t>
+            </a:r>
+            <a:r>
+              <a:rPr lang="en-US" dirty="0" err="1" smtClean="0"/>
+              <a:t>i</a:t>
+            </a:r>
+            <a:r>
+              <a:rPr lang="en-US" dirty="0" smtClean="0"/>
+              <a:t> </a:t>
+            </a:r>
+            <a:r>
+              <a:rPr lang="en-US" dirty="0" err="1" smtClean="0"/>
+              <a:t>punti</a:t>
+            </a:r>
+            <a:r>
+              <a:rPr lang="en-US" dirty="0" smtClean="0"/>
+              <a:t> </a:t>
+            </a:r>
+            <a:r>
+              <a:rPr lang="en-US" dirty="0" err="1" smtClean="0"/>
+              <a:t>critici</a:t>
+            </a:r>
+            <a:endParaRPr lang="en-US" dirty="0" smtClean="0"/>
+          </a:p>
+          <a:p>
+            <a:pPr lvl="0" algn="just"/>
+            <a:r>
+              <a:rPr lang="en-US" dirty="0" smtClean="0"/>
+              <a:t>E’ </a:t>
+            </a:r>
+            <a:r>
+              <a:rPr lang="en-US" dirty="0" err="1" smtClean="0"/>
+              <a:t>possibile</a:t>
+            </a:r>
+            <a:r>
+              <a:rPr lang="en-US" dirty="0" smtClean="0"/>
+              <a:t> </a:t>
+            </a:r>
+            <a:r>
+              <a:rPr lang="en-US" dirty="0" err="1" smtClean="0"/>
+              <a:t>configurare</a:t>
+            </a:r>
+            <a:r>
+              <a:rPr lang="en-US" dirty="0" smtClean="0"/>
+              <a:t> la </a:t>
+            </a:r>
+            <a:r>
+              <a:rPr lang="en-US" dirty="0" err="1" smtClean="0"/>
+              <a:t>visualizzazione</a:t>
+            </a:r>
+            <a:r>
+              <a:rPr lang="en-US" dirty="0" smtClean="0"/>
+              <a:t> </a:t>
+            </a:r>
+            <a:r>
+              <a:rPr lang="en-US" dirty="0" err="1" smtClean="0"/>
+              <a:t>dell’Hot</a:t>
+            </a:r>
+            <a:r>
+              <a:rPr lang="en-US" dirty="0" smtClean="0"/>
+              <a:t> Path, con </a:t>
+            </a:r>
+            <a:r>
+              <a:rPr lang="en-US" dirty="0" err="1" smtClean="0"/>
+              <a:t>il</a:t>
+            </a:r>
+            <a:r>
+              <a:rPr lang="en-US" dirty="0" smtClean="0"/>
+              <a:t> </a:t>
+            </a:r>
+            <a:r>
+              <a:rPr lang="en-US" dirty="0" err="1" smtClean="0"/>
+              <a:t>filtro</a:t>
+            </a:r>
+            <a:r>
+              <a:rPr lang="en-US" dirty="0" smtClean="0"/>
+              <a:t> di noise reduction, </a:t>
+            </a:r>
+            <a:r>
+              <a:rPr lang="en-US" dirty="0" err="1" smtClean="0"/>
+              <a:t>che</a:t>
+            </a:r>
+            <a:r>
+              <a:rPr lang="en-US" dirty="0" smtClean="0"/>
+              <a:t> </a:t>
+            </a:r>
+            <a:r>
+              <a:rPr lang="en-US" dirty="0" err="1" smtClean="0"/>
+              <a:t>abilita</a:t>
+            </a:r>
+            <a:r>
+              <a:rPr lang="en-US" dirty="0" smtClean="0"/>
+              <a:t> </a:t>
+            </a:r>
+            <a:r>
+              <a:rPr lang="en-US" dirty="0" err="1" smtClean="0"/>
+              <a:t>il</a:t>
+            </a:r>
+            <a:r>
+              <a:rPr lang="en-US" dirty="0" smtClean="0"/>
+              <a:t> trimming (</a:t>
+            </a:r>
+            <a:r>
+              <a:rPr lang="en-US" dirty="0" err="1" smtClean="0"/>
+              <a:t>esclude</a:t>
+            </a:r>
+            <a:r>
+              <a:rPr lang="en-US" dirty="0" smtClean="0"/>
+              <a:t> entry </a:t>
+            </a:r>
+            <a:r>
+              <a:rPr lang="en-US" dirty="0" err="1" smtClean="0"/>
+              <a:t>inferiori</a:t>
+            </a:r>
+            <a:r>
+              <a:rPr lang="en-US" dirty="0" smtClean="0"/>
+              <a:t> ad </a:t>
+            </a:r>
+            <a:r>
+              <a:rPr lang="en-US" dirty="0" err="1" smtClean="0"/>
+              <a:t>una</a:t>
+            </a:r>
+            <a:r>
+              <a:rPr lang="en-US" dirty="0" smtClean="0"/>
+              <a:t> </a:t>
+            </a:r>
+            <a:r>
+              <a:rPr lang="en-US" dirty="0" err="1" smtClean="0"/>
+              <a:t>certa</a:t>
+            </a:r>
+            <a:r>
+              <a:rPr lang="en-US" dirty="0" smtClean="0"/>
+              <a:t> </a:t>
+            </a:r>
+            <a:r>
+              <a:rPr lang="en-US" dirty="0" err="1" smtClean="0"/>
+              <a:t>soglia</a:t>
+            </a:r>
+            <a:r>
+              <a:rPr lang="en-US" dirty="0" smtClean="0"/>
+              <a:t> di inclusive sample) e </a:t>
+            </a:r>
+            <a:r>
+              <a:rPr lang="en-US" dirty="0" err="1" smtClean="0"/>
+              <a:t>il</a:t>
+            </a:r>
+            <a:r>
+              <a:rPr lang="en-US" dirty="0" smtClean="0"/>
+              <a:t> folding (</a:t>
+            </a:r>
+            <a:r>
+              <a:rPr lang="en-US" dirty="0" err="1" smtClean="0"/>
+              <a:t>accorpamento</a:t>
+            </a:r>
+            <a:r>
+              <a:rPr lang="en-US" dirty="0" smtClean="0"/>
+              <a:t> di </a:t>
+            </a:r>
+            <a:r>
+              <a:rPr lang="en-US" dirty="0" err="1" smtClean="0"/>
+              <a:t>funzioni</a:t>
+            </a:r>
+            <a:r>
+              <a:rPr lang="en-US" dirty="0" smtClean="0"/>
+              <a:t> la cui </a:t>
+            </a:r>
+            <a:r>
+              <a:rPr lang="en-US" dirty="0" err="1" smtClean="0"/>
+              <a:t>somma</a:t>
+            </a:r>
+            <a:r>
+              <a:rPr lang="en-US" dirty="0" smtClean="0"/>
+              <a:t> di % di inclusive sample è </a:t>
+            </a:r>
+            <a:r>
+              <a:rPr lang="en-US" dirty="0" err="1" smtClean="0"/>
+              <a:t>inferiore</a:t>
+            </a:r>
+            <a:r>
+              <a:rPr lang="en-US" dirty="0" smtClean="0"/>
+              <a:t> ad </a:t>
+            </a:r>
+            <a:r>
+              <a:rPr lang="en-US" dirty="0" err="1" smtClean="0"/>
+              <a:t>una</a:t>
+            </a:r>
+            <a:r>
+              <a:rPr lang="en-US" dirty="0" smtClean="0"/>
+              <a:t> </a:t>
+            </a:r>
+            <a:r>
+              <a:rPr lang="en-US" dirty="0" err="1" smtClean="0"/>
+              <a:t>certa</a:t>
+            </a:r>
+            <a:r>
+              <a:rPr lang="en-US" dirty="0" smtClean="0"/>
+              <a:t> </a:t>
+            </a:r>
+            <a:r>
+              <a:rPr lang="en-US" dirty="0" err="1" smtClean="0"/>
+              <a:t>soglia</a:t>
+            </a:r>
+            <a:endParaRPr lang="en-US" dirty="0" smtClean="0"/>
+          </a:p>
+          <a:p>
+            <a:pPr lvl="0" algn="just"/>
+            <a:endParaRPr lang="en-US" dirty="0"/>
+          </a:p>
+        </p:txBody>
+      </p:sp>
+    </p:spTree>
+    <p:extLst>
+      <p:ext uri="{BB962C8B-B14F-4D97-AF65-F5344CB8AC3E}">
+        <p14:creationId xmlns:p14="http://schemas.microsoft.com/office/powerpoint/2010/main" val="4005084147"/>
+      </p:ext>
+    </p:extLst>
+  </p:cSld>
+  <p:clrMapOvr>
+    <a:masterClrMapping/>
+  </p:clrMapOvr>
+  <mc:AlternateContent xmlns:mc="http://schemas.openxmlformats.org/markup-compatibility/2006">
+    <mc:Choice xmlns:p14="http://schemas.microsoft.com/office/powerpoint/2010/main" Requires="p14">
+      <p:transition spd="slow" p14:dur="2000"/>
+    </mc:Choice>
+    <mc:Fallback>
+      <p:transition spd="slow"/>
+    </mc:Fallback>
+  </mc:AlternateContent>
+  <p:timing>
+    <p:tnLst>
+      <p:par>
+        <p:cTn id="1" dur="indefinite" restart="never" nodeType="tmRoot"/>
+      </p:par>
+    </p:tnLst>
+  </p:timing>
+</p:sld>
+</file>
+
+<file path=ppt/slides/slide22.xml><?xml version="1.0" encoding="utf-8"?>
+<p:sld xmlns:a="http://schemas.openxmlformats.org/drawingml/2006/main" xmlns:r="http://schemas.openxmlformats.org/officeDocument/2006/relationships" xmlns:p="http://schemas.openxmlformats.org/presentationml/2006/main">
+  <p:cSld>
+    <p:spTree>
+      <p:nvGrpSpPr>
+        <p:cNvPr id="1" name=""/>
+        <p:cNvGrpSpPr/>
+        <p:nvPr/>
+      </p:nvGrpSpPr>
+      <p:grpSpPr>
+        <a:xfrm>
+          <a:off x="0" y="0"/>
+          <a:ext cx="0" cy="0"/>
+          <a:chOff x="0" y="0"/>
+          <a:chExt cx="0" cy="0"/>
+        </a:xfrm>
+      </p:grpSpPr>
+      <p:sp>
+        <p:nvSpPr>
+          <p:cNvPr id="2" name="Title 1"/>
+          <p:cNvSpPr>
+            <a:spLocks noGrp="1"/>
+          </p:cNvSpPr>
+          <p:nvPr>
+            <p:ph type="title"/>
+          </p:nvPr>
+        </p:nvSpPr>
+        <p:spPr/>
+        <p:txBody>
+          <a:bodyPr/>
+          <a:lstStyle/>
+          <a:p>
+            <a:r>
+              <a:rPr lang="en-US" dirty="0" smtClean="0"/>
+              <a:t>Sampling – </a:t>
+            </a:r>
+            <a:r>
+              <a:rPr lang="en-US" dirty="0" err="1" smtClean="0"/>
+              <a:t>interpretazione</a:t>
+            </a:r>
+            <a:r>
+              <a:rPr lang="en-US" dirty="0" smtClean="0"/>
+              <a:t> </a:t>
+            </a:r>
+            <a:r>
+              <a:rPr lang="en-US" dirty="0" err="1" smtClean="0"/>
+              <a:t>risultati</a:t>
+            </a:r>
+            <a:endParaRPr lang="it-IT" dirty="0"/>
+          </a:p>
+        </p:txBody>
+      </p:sp>
+      <p:sp>
+        <p:nvSpPr>
+          <p:cNvPr id="3" name="Content Placeholder 2"/>
+          <p:cNvSpPr>
+            <a:spLocks noGrp="1"/>
+          </p:cNvSpPr>
+          <p:nvPr>
+            <p:ph idx="1"/>
+          </p:nvPr>
+        </p:nvSpPr>
+        <p:spPr/>
+        <p:txBody>
+          <a:bodyPr>
+            <a:normAutofit/>
+          </a:bodyPr>
+          <a:lstStyle/>
+          <a:p>
+            <a:pPr lvl="0" algn="just"/>
+            <a:r>
+              <a:rPr lang="en-US" dirty="0" err="1" smtClean="0"/>
+              <a:t>Dall’albero</a:t>
+            </a:r>
+            <a:r>
+              <a:rPr lang="en-US" dirty="0" smtClean="0"/>
+              <a:t> </a:t>
+            </a:r>
+            <a:r>
+              <a:rPr lang="en-US" dirty="0" err="1" smtClean="0"/>
+              <a:t>si</a:t>
+            </a:r>
+            <a:r>
+              <a:rPr lang="en-US" dirty="0" smtClean="0"/>
+              <a:t> </a:t>
+            </a:r>
+            <a:r>
+              <a:rPr lang="en-US" dirty="0" err="1" smtClean="0"/>
+              <a:t>può</a:t>
+            </a:r>
+            <a:r>
+              <a:rPr lang="en-US" dirty="0" smtClean="0"/>
+              <a:t> </a:t>
+            </a:r>
+            <a:r>
+              <a:rPr lang="en-US" dirty="0" err="1" smtClean="0"/>
+              <a:t>vedere</a:t>
+            </a:r>
+            <a:r>
+              <a:rPr lang="en-US" dirty="0" smtClean="0"/>
+              <a:t> come </a:t>
+            </a:r>
+            <a:r>
+              <a:rPr lang="en-US" dirty="0" err="1" smtClean="0"/>
+              <a:t>sia</a:t>
+            </a:r>
+            <a:r>
+              <a:rPr lang="en-US" dirty="0" smtClean="0"/>
+              <a:t> </a:t>
+            </a:r>
+            <a:r>
+              <a:rPr lang="en-US" dirty="0" err="1" smtClean="0"/>
+              <a:t>significativa</a:t>
+            </a:r>
+            <a:r>
+              <a:rPr lang="en-US" dirty="0" smtClean="0"/>
+              <a:t> la </a:t>
+            </a:r>
+            <a:r>
+              <a:rPr lang="en-US" dirty="0" err="1" smtClean="0"/>
+              <a:t>percentuale</a:t>
+            </a:r>
+            <a:r>
+              <a:rPr lang="en-US" dirty="0" smtClean="0"/>
+              <a:t> di inclusive sample</a:t>
+            </a:r>
+          </a:p>
+          <a:p>
+            <a:pPr lvl="0" algn="just"/>
+            <a:r>
+              <a:rPr lang="en-US" dirty="0" err="1" smtClean="0"/>
+              <a:t>Una</a:t>
+            </a:r>
+            <a:r>
+              <a:rPr lang="en-US" dirty="0" smtClean="0"/>
+              <a:t> entry “Inclusive Samples” è per </a:t>
+            </a:r>
+            <a:r>
+              <a:rPr lang="en-US" dirty="0" err="1" smtClean="0"/>
+              <a:t>definizione</a:t>
+            </a:r>
+            <a:r>
+              <a:rPr lang="en-US" dirty="0" smtClean="0"/>
+              <a:t> la </a:t>
+            </a:r>
+            <a:r>
+              <a:rPr lang="en-US" dirty="0" err="1" smtClean="0"/>
+              <a:t>somma</a:t>
+            </a:r>
+            <a:r>
+              <a:rPr lang="en-US" dirty="0" smtClean="0"/>
+              <a:t> </a:t>
+            </a:r>
+            <a:r>
+              <a:rPr lang="en-US" dirty="0" err="1" smtClean="0"/>
+              <a:t>della</a:t>
+            </a:r>
+            <a:r>
+              <a:rPr lang="en-US" dirty="0" smtClean="0"/>
+              <a:t> </a:t>
+            </a:r>
+            <a:r>
+              <a:rPr lang="en-US" dirty="0" err="1" smtClean="0"/>
+              <a:t>precedente</a:t>
+            </a:r>
+            <a:r>
+              <a:rPr lang="en-US" dirty="0" smtClean="0"/>
+              <a:t> entry e </a:t>
+            </a:r>
+            <a:r>
+              <a:rPr lang="en-US" dirty="0" err="1" smtClean="0"/>
+              <a:t>della</a:t>
+            </a:r>
+            <a:r>
+              <a:rPr lang="en-US" dirty="0" smtClean="0"/>
+              <a:t> </a:t>
+            </a:r>
+            <a:r>
+              <a:rPr lang="en-US" dirty="0" err="1" smtClean="0"/>
+              <a:t>propria</a:t>
+            </a:r>
+            <a:r>
+              <a:rPr lang="en-US" dirty="0" smtClean="0"/>
+              <a:t> “Exclusive Samples”</a:t>
+            </a:r>
+          </a:p>
+          <a:p>
+            <a:pPr lvl="0" algn="just"/>
+            <a:endParaRPr lang="en-US" dirty="0" smtClean="0"/>
+          </a:p>
+          <a:p>
+            <a:pPr lvl="0" algn="just"/>
+            <a:endParaRPr lang="en-US" dirty="0"/>
+          </a:p>
+          <a:p>
+            <a:pPr lvl="0" algn="just"/>
+            <a:endParaRPr lang="en-US" dirty="0"/>
+          </a:p>
+        </p:txBody>
+      </p:sp>
+      <p:pic>
+        <p:nvPicPr>
+          <p:cNvPr id="5" name="Picture 4"/>
+          <p:cNvPicPr>
+            <a:picLocks noChangeAspect="1"/>
+          </p:cNvPicPr>
+          <p:nvPr/>
+        </p:nvPicPr>
+        <p:blipFill>
+          <a:blip r:embed="rId2"/>
+          <a:stretch>
+            <a:fillRect/>
+          </a:stretch>
+        </p:blipFill>
+        <p:spPr>
+          <a:xfrm>
+            <a:off x="1410049" y="3277412"/>
+            <a:ext cx="7110286" cy="3040203"/>
+          </a:xfrm>
+          <a:prstGeom prst="rect">
+            <a:avLst/>
+          </a:prstGeom>
+        </p:spPr>
+      </p:pic>
+    </p:spTree>
+    <p:extLst>
+      <p:ext uri="{BB962C8B-B14F-4D97-AF65-F5344CB8AC3E}">
+        <p14:creationId xmlns:p14="http://schemas.microsoft.com/office/powerpoint/2010/main" val="2943567147"/>
+      </p:ext>
+    </p:extLst>
+  </p:cSld>
+  <p:clrMapOvr>
+    <a:masterClrMapping/>
+  </p:clrMapOvr>
+  <mc:AlternateContent xmlns:mc="http://schemas.openxmlformats.org/markup-compatibility/2006">
+    <mc:Choice xmlns:p14="http://schemas.microsoft.com/office/powerpoint/2010/main" Requires="p14">
+      <p:transition spd="slow" p14:dur="2000"/>
+    </mc:Choice>
+    <mc:Fallback>
+      <p:transition spd="slow"/>
+    </mc:Fallback>
+  </mc:AlternateContent>
+  <p:timing>
+    <p:tnLst>
+      <p:par>
+        <p:cTn id="1" dur="indefinite" restart="never" nodeType="tmRoot"/>
+      </p:par>
+    </p:tnLst>
+  </p:timing>
+</p:sld>
+</file>
+
+<file path=ppt/slides/slide23.xml><?xml version="1.0" encoding="utf-8"?>
+<p:sld xmlns:a="http://schemas.openxmlformats.org/drawingml/2006/main" xmlns:r="http://schemas.openxmlformats.org/officeDocument/2006/relationships" xmlns:p="http://schemas.openxmlformats.org/presentationml/2006/main">
+  <p:cSld>
+    <p:spTree>
+      <p:nvGrpSpPr>
+        <p:cNvPr id="1" name=""/>
+        <p:cNvGrpSpPr/>
+        <p:nvPr/>
+      </p:nvGrpSpPr>
+      <p:grpSpPr>
+        <a:xfrm>
+          <a:off x="0" y="0"/>
+          <a:ext cx="0" cy="0"/>
+          <a:chOff x="0" y="0"/>
+          <a:chExt cx="0" cy="0"/>
+        </a:xfrm>
+      </p:grpSpPr>
+      <p:sp>
+        <p:nvSpPr>
+          <p:cNvPr id="2" name="Title 1"/>
+          <p:cNvSpPr>
+            <a:spLocks noGrp="1"/>
+          </p:cNvSpPr>
+          <p:nvPr>
+            <p:ph type="title"/>
+          </p:nvPr>
+        </p:nvSpPr>
+        <p:spPr/>
+        <p:txBody>
+          <a:bodyPr/>
+          <a:lstStyle/>
+          <a:p>
+            <a:r>
+              <a:rPr lang="en-US" dirty="0" smtClean="0"/>
+              <a:t>Instrumentation</a:t>
+            </a:r>
+            <a:endParaRPr lang="it-IT" dirty="0"/>
+          </a:p>
+        </p:txBody>
+      </p:sp>
+      <p:sp>
+        <p:nvSpPr>
+          <p:cNvPr id="3" name="Content Placeholder 2"/>
+          <p:cNvSpPr>
+            <a:spLocks noGrp="1"/>
+          </p:cNvSpPr>
+          <p:nvPr>
+            <p:ph idx="1"/>
+          </p:nvPr>
+        </p:nvSpPr>
+        <p:spPr/>
+        <p:txBody>
+          <a:bodyPr>
+            <a:normAutofit/>
+          </a:bodyPr>
+          <a:lstStyle/>
+          <a:p>
+            <a:pPr lvl="0" algn="just"/>
+            <a:r>
+              <a:rPr lang="en-US" dirty="0" err="1" smtClean="0"/>
+              <a:t>Questo</a:t>
+            </a:r>
+            <a:r>
+              <a:rPr lang="en-US" dirty="0" smtClean="0"/>
+              <a:t> </a:t>
+            </a:r>
+            <a:r>
+              <a:rPr lang="en-US" dirty="0" err="1" smtClean="0"/>
+              <a:t>tipo</a:t>
+            </a:r>
+            <a:r>
+              <a:rPr lang="en-US" dirty="0" smtClean="0"/>
+              <a:t> di </a:t>
+            </a:r>
+            <a:r>
+              <a:rPr lang="en-US" dirty="0" err="1" smtClean="0"/>
+              <a:t>profilazione</a:t>
+            </a:r>
+            <a:r>
+              <a:rPr lang="en-US" dirty="0" smtClean="0"/>
+              <a:t> è </a:t>
+            </a:r>
+            <a:r>
+              <a:rPr lang="en-US" dirty="0" err="1" smtClean="0"/>
+              <a:t>indicata</a:t>
+            </a:r>
+            <a:r>
+              <a:rPr lang="en-US" dirty="0" smtClean="0"/>
+              <a:t> per </a:t>
+            </a:r>
+            <a:r>
+              <a:rPr lang="en-US" dirty="0" err="1" smtClean="0"/>
+              <a:t>individuare</a:t>
+            </a:r>
+            <a:r>
+              <a:rPr lang="en-US" dirty="0" smtClean="0"/>
+              <a:t> </a:t>
+            </a:r>
+            <a:r>
+              <a:rPr lang="en-US" dirty="0" err="1" smtClean="0"/>
+              <a:t>colli</a:t>
+            </a:r>
+            <a:r>
+              <a:rPr lang="en-US" dirty="0" smtClean="0"/>
+              <a:t> di </a:t>
+            </a:r>
+            <a:r>
+              <a:rPr lang="en-US" dirty="0" err="1" smtClean="0"/>
+              <a:t>bottiglia</a:t>
+            </a:r>
+            <a:r>
+              <a:rPr lang="en-US" dirty="0" smtClean="0"/>
+              <a:t> </a:t>
+            </a:r>
+            <a:r>
+              <a:rPr lang="en-US" dirty="0" err="1" smtClean="0"/>
+              <a:t>legati</a:t>
+            </a:r>
+            <a:r>
+              <a:rPr lang="en-US" dirty="0" smtClean="0"/>
+              <a:t> all’ IO</a:t>
+            </a:r>
+          </a:p>
+          <a:p>
+            <a:pPr lvl="0" algn="just"/>
+            <a:r>
+              <a:rPr lang="en-US" dirty="0" err="1" smtClean="0"/>
+              <a:t>Diversamente</a:t>
+            </a:r>
+            <a:r>
+              <a:rPr lang="en-US" dirty="0" smtClean="0"/>
+              <a:t> dal Sampling (</a:t>
+            </a:r>
+            <a:r>
+              <a:rPr lang="en-US" dirty="0" err="1" smtClean="0"/>
+              <a:t>che</a:t>
+            </a:r>
+            <a:r>
+              <a:rPr lang="en-US" dirty="0" smtClean="0"/>
+              <a:t> </a:t>
+            </a:r>
+            <a:r>
+              <a:rPr lang="en-US" dirty="0" err="1" smtClean="0"/>
+              <a:t>lavorava</a:t>
+            </a:r>
+            <a:r>
+              <a:rPr lang="en-US" dirty="0" smtClean="0"/>
+              <a:t> </a:t>
+            </a:r>
+            <a:r>
+              <a:rPr lang="en-US" dirty="0" err="1" smtClean="0"/>
+              <a:t>mediante</a:t>
+            </a:r>
+            <a:r>
+              <a:rPr lang="en-US" dirty="0" smtClean="0"/>
+              <a:t> interrupt </a:t>
+            </a:r>
+            <a:r>
+              <a:rPr lang="en-US" dirty="0" err="1" smtClean="0"/>
+              <a:t>alla</a:t>
+            </a:r>
+            <a:r>
+              <a:rPr lang="en-US" dirty="0" smtClean="0"/>
+              <a:t> CPU), </a:t>
+            </a:r>
+            <a:r>
+              <a:rPr lang="en-US" dirty="0" err="1" smtClean="0"/>
+              <a:t>questa</a:t>
+            </a:r>
+            <a:r>
+              <a:rPr lang="en-US" dirty="0" smtClean="0"/>
+              <a:t> </a:t>
+            </a:r>
+            <a:r>
+              <a:rPr lang="en-US" dirty="0" err="1" smtClean="0"/>
+              <a:t>modalità</a:t>
+            </a:r>
+            <a:r>
+              <a:rPr lang="en-US" dirty="0" smtClean="0"/>
+              <a:t> </a:t>
+            </a:r>
+            <a:r>
+              <a:rPr lang="en-US" dirty="0" err="1" smtClean="0"/>
+              <a:t>prevede</a:t>
+            </a:r>
+            <a:r>
+              <a:rPr lang="en-US" dirty="0" smtClean="0"/>
+              <a:t> di </a:t>
+            </a:r>
+            <a:r>
+              <a:rPr lang="en-US" dirty="0" err="1" smtClean="0"/>
+              <a:t>iniettare</a:t>
+            </a:r>
+            <a:r>
+              <a:rPr lang="en-US" dirty="0" smtClean="0"/>
+              <a:t> </a:t>
+            </a:r>
+            <a:r>
+              <a:rPr lang="en-US" dirty="0" err="1" smtClean="0"/>
+              <a:t>nel</a:t>
+            </a:r>
+            <a:r>
+              <a:rPr lang="en-US" dirty="0" smtClean="0"/>
+              <a:t> </a:t>
+            </a:r>
+            <a:r>
+              <a:rPr lang="en-US" dirty="0" err="1" smtClean="0"/>
+              <a:t>codice</a:t>
+            </a:r>
+            <a:r>
+              <a:rPr lang="en-US" dirty="0" smtClean="0"/>
+              <a:t> </a:t>
+            </a:r>
+            <a:r>
+              <a:rPr lang="en-US" dirty="0" err="1" smtClean="0"/>
+              <a:t>delle</a:t>
+            </a:r>
+            <a:r>
+              <a:rPr lang="en-US" dirty="0" smtClean="0"/>
+              <a:t> </a:t>
+            </a:r>
+            <a:r>
+              <a:rPr lang="en-US" dirty="0" err="1" smtClean="0"/>
+              <a:t>funzionalità</a:t>
+            </a:r>
+            <a:r>
+              <a:rPr lang="en-US" dirty="0" smtClean="0"/>
+              <a:t> </a:t>
+            </a:r>
+            <a:r>
+              <a:rPr lang="en-US" dirty="0" err="1" smtClean="0"/>
+              <a:t>atte</a:t>
+            </a:r>
+            <a:r>
+              <a:rPr lang="en-US" dirty="0" smtClean="0"/>
+              <a:t> a </a:t>
+            </a:r>
+            <a:r>
+              <a:rPr lang="en-US" dirty="0" err="1" smtClean="0"/>
+              <a:t>recuperare</a:t>
+            </a:r>
+            <a:r>
+              <a:rPr lang="en-US" dirty="0" smtClean="0"/>
+              <a:t> </a:t>
+            </a:r>
+            <a:r>
+              <a:rPr lang="en-US" dirty="0" err="1" smtClean="0"/>
+              <a:t>degli</a:t>
+            </a:r>
+            <a:r>
+              <a:rPr lang="en-US" dirty="0" smtClean="0"/>
+              <a:t> </a:t>
+            </a:r>
+            <a:r>
+              <a:rPr lang="en-US" dirty="0" err="1" smtClean="0"/>
+              <a:t>indicatori</a:t>
+            </a:r>
+            <a:r>
+              <a:rPr lang="en-US" dirty="0" smtClean="0"/>
+              <a:t> di performances</a:t>
+            </a:r>
+          </a:p>
+          <a:p>
+            <a:pPr lvl="0" algn="just"/>
+            <a:r>
+              <a:rPr lang="en-US" dirty="0" smtClean="0"/>
+              <a:t>E’ </a:t>
+            </a:r>
+            <a:r>
+              <a:rPr lang="en-US" dirty="0" err="1" smtClean="0"/>
+              <a:t>pertanto</a:t>
+            </a:r>
+            <a:r>
+              <a:rPr lang="en-US" dirty="0" smtClean="0"/>
+              <a:t> </a:t>
+            </a:r>
+            <a:r>
+              <a:rPr lang="en-US" dirty="0" err="1" smtClean="0"/>
+              <a:t>una</a:t>
+            </a:r>
+            <a:r>
+              <a:rPr lang="en-US" dirty="0" smtClean="0"/>
+              <a:t> </a:t>
+            </a:r>
+            <a:r>
+              <a:rPr lang="en-US" dirty="0" err="1" smtClean="0"/>
+              <a:t>misurazione</a:t>
+            </a:r>
+            <a:r>
+              <a:rPr lang="en-US" dirty="0" smtClean="0"/>
+              <a:t> </a:t>
+            </a:r>
+            <a:r>
+              <a:rPr lang="en-US" dirty="0" err="1" smtClean="0"/>
+              <a:t>più</a:t>
+            </a:r>
+            <a:r>
+              <a:rPr lang="en-US" dirty="0" smtClean="0"/>
+              <a:t> </a:t>
+            </a:r>
+            <a:r>
+              <a:rPr lang="en-US" dirty="0" err="1" smtClean="0"/>
+              <a:t>invasiva</a:t>
+            </a:r>
+            <a:r>
+              <a:rPr lang="en-US" dirty="0" smtClean="0"/>
+              <a:t> </a:t>
+            </a:r>
+            <a:r>
+              <a:rPr lang="en-US" dirty="0" err="1" smtClean="0"/>
+              <a:t>della</a:t>
+            </a:r>
+            <a:r>
+              <a:rPr lang="en-US" dirty="0" smtClean="0"/>
+              <a:t> </a:t>
+            </a:r>
+            <a:r>
+              <a:rPr lang="en-US" dirty="0" err="1" smtClean="0"/>
+              <a:t>precedente</a:t>
+            </a:r>
+            <a:r>
+              <a:rPr lang="en-US" dirty="0" smtClean="0"/>
+              <a:t>, </a:t>
+            </a:r>
+            <a:r>
+              <a:rPr lang="en-US" dirty="0" err="1" smtClean="0"/>
+              <a:t>può</a:t>
+            </a:r>
+            <a:r>
+              <a:rPr lang="en-US" dirty="0" smtClean="0"/>
+              <a:t> </a:t>
+            </a:r>
+            <a:r>
+              <a:rPr lang="en-US" dirty="0" err="1" smtClean="0"/>
+              <a:t>essere</a:t>
+            </a:r>
+            <a:r>
+              <a:rPr lang="en-US" dirty="0" smtClean="0"/>
+              <a:t> </a:t>
+            </a:r>
+            <a:r>
+              <a:rPr lang="en-US" dirty="0" err="1" smtClean="0"/>
+              <a:t>soggetta</a:t>
+            </a:r>
+            <a:r>
+              <a:rPr lang="en-US" dirty="0" smtClean="0"/>
+              <a:t> a </a:t>
+            </a:r>
+            <a:r>
+              <a:rPr lang="en-US" dirty="0" err="1" smtClean="0"/>
+              <a:t>problematiche</a:t>
+            </a:r>
+            <a:r>
+              <a:rPr lang="en-US" dirty="0" smtClean="0"/>
+              <a:t> di security</a:t>
+            </a:r>
+          </a:p>
+          <a:p>
+            <a:pPr lvl="0" algn="just"/>
+            <a:endParaRPr lang="en-US" dirty="0" smtClean="0"/>
+          </a:p>
+          <a:p>
+            <a:pPr lvl="0" algn="just"/>
+            <a:endParaRPr lang="en-US" dirty="0"/>
+          </a:p>
+          <a:p>
+            <a:pPr lvl="0" algn="just"/>
+            <a:endParaRPr lang="en-US" dirty="0"/>
+          </a:p>
+        </p:txBody>
+      </p:sp>
+    </p:spTree>
+    <p:extLst>
+      <p:ext uri="{BB962C8B-B14F-4D97-AF65-F5344CB8AC3E}">
+        <p14:creationId xmlns:p14="http://schemas.microsoft.com/office/powerpoint/2010/main" val="2775193616"/>
+      </p:ext>
+    </p:extLst>
+  </p:cSld>
+  <p:clrMapOvr>
+    <a:masterClrMapping/>
+  </p:clrMapOvr>
+  <mc:AlternateContent xmlns:mc="http://schemas.openxmlformats.org/markup-compatibility/2006">
+    <mc:Choice xmlns:p14="http://schemas.microsoft.com/office/powerpoint/2010/main" Requires="p14">
+      <p:transition spd="slow" p14:dur="2000"/>
+    </mc:Choice>
+    <mc:Fallback>
+      <p:transition spd="slow"/>
+    </mc:Fallback>
+  </mc:AlternateContent>
+  <p:timing>
+    <p:tnLst>
+      <p:par>
+        <p:cTn id="1" dur="indefinite" restart="never" nodeType="tmRoot"/>
+      </p:par>
+    </p:tnLst>
+  </p:timing>
+</p:sld>
+</file>
+
+<file path=ppt/slides/slide24.xml><?xml version="1.0" encoding="utf-8"?>
+<p:sld xmlns:a="http://schemas.openxmlformats.org/drawingml/2006/main" xmlns:r="http://schemas.openxmlformats.org/officeDocument/2006/relationships" xmlns:p="http://schemas.openxmlformats.org/presentationml/2006/main">
+  <p:cSld>
+    <p:spTree>
+      <p:nvGrpSpPr>
+        <p:cNvPr id="1" name=""/>
+        <p:cNvGrpSpPr/>
+        <p:nvPr/>
+      </p:nvGrpSpPr>
+      <p:grpSpPr>
+        <a:xfrm>
+          <a:off x="0" y="0"/>
+          <a:ext cx="0" cy="0"/>
+          <a:chOff x="0" y="0"/>
+          <a:chExt cx="0" cy="0"/>
+        </a:xfrm>
+      </p:grpSpPr>
+      <p:sp>
+        <p:nvSpPr>
+          <p:cNvPr id="4" name="Title 3"/>
+          <p:cNvSpPr>
+            <a:spLocks noGrp="1"/>
+          </p:cNvSpPr>
+          <p:nvPr>
+            <p:ph type="title"/>
+          </p:nvPr>
+        </p:nvSpPr>
+        <p:spPr/>
+        <p:txBody>
+          <a:bodyPr/>
+          <a:lstStyle/>
+          <a:p>
+            <a:r>
+              <a:rPr lang="it-IT" dirty="0" smtClean="0"/>
+              <a:t>demo</a:t>
+            </a:r>
+            <a:endParaRPr lang="it-IT" dirty="0"/>
+          </a:p>
+        </p:txBody>
+      </p:sp>
+      <p:sp>
+        <p:nvSpPr>
+          <p:cNvPr id="5" name="Text Placeholder 4"/>
+          <p:cNvSpPr>
+            <a:spLocks noGrp="1"/>
+          </p:cNvSpPr>
+          <p:nvPr>
+            <p:ph type="body" idx="1"/>
+          </p:nvPr>
+        </p:nvSpPr>
+        <p:spPr/>
+        <p:txBody>
+          <a:bodyPr/>
+          <a:lstStyle/>
+          <a:p>
+            <a:r>
+              <a:rPr lang="fr-FR" dirty="0" err="1" smtClean="0"/>
+              <a:t>Titolo</a:t>
+            </a:r>
+            <a:r>
+              <a:rPr lang="fr-FR" dirty="0" smtClean="0"/>
+              <a:t> </a:t>
+            </a:r>
+            <a:r>
+              <a:rPr lang="fr-FR" dirty="0" err="1" smtClean="0"/>
+              <a:t>demo</a:t>
+            </a:r>
+            <a:endParaRPr lang="fr-FR" dirty="0"/>
+          </a:p>
+        </p:txBody>
+      </p:sp>
+    </p:spTree>
+    <p:extLst>
+      <p:ext uri="{BB962C8B-B14F-4D97-AF65-F5344CB8AC3E}">
+        <p14:creationId xmlns:p14="http://schemas.microsoft.com/office/powerpoint/2010/main" val="178878209"/>
+      </p:ext>
+    </p:extLst>
+  </p:cSld>
+  <p:clrMapOvr>
+    <a:masterClrMapping/>
+  </p:clrMapOvr>
+  <mc:AlternateContent xmlns:mc="http://schemas.openxmlformats.org/markup-compatibility/2006" xmlns:p14="http://schemas.microsoft.com/office/powerpoint/2010/main">
+    <mc:Choice Requires="p14">
+      <p:transition spd="slow" p14:dur="2000"/>
+    </mc:Choice>
+    <mc:Fallback xmlns="">
+      <p:transition spd="slow"/>
+    </mc:Fallback>
+  </mc:AlternateContent>
+  <p:timing>
+    <p:tnLst>
+      <p:par>
+        <p:cTn id="1" dur="indefinite" restart="never" nodeType="tmRoot"/>
+      </p:par>
+    </p:tnLst>
+  </p:timing>
+</p:sld>
+</file>
+
+<file path=ppt/slides/slide25.xml><?xml version="1.0" encoding="utf-8"?>
+<p:sld xmlns:a="http://schemas.openxmlformats.org/drawingml/2006/main" xmlns:r="http://schemas.openxmlformats.org/officeDocument/2006/relationships" xmlns:p="http://schemas.openxmlformats.org/presentationml/2006/main">
+  <p:cSld>
+    <p:spTree>
+      <p:nvGrpSpPr>
+        <p:cNvPr id="1" name=""/>
+        <p:cNvGrpSpPr/>
+        <p:nvPr/>
+      </p:nvGrpSpPr>
+      <p:grpSpPr>
+        <a:xfrm>
+          <a:off x="0" y="0"/>
+          <a:ext cx="0" cy="0"/>
+          <a:chOff x="0" y="0"/>
+          <a:chExt cx="0" cy="0"/>
+        </a:xfrm>
+      </p:grpSpPr>
+      <p:sp>
+        <p:nvSpPr>
+          <p:cNvPr id="4" name="Title 3"/>
+          <p:cNvSpPr>
+            <a:spLocks noGrp="1"/>
+          </p:cNvSpPr>
+          <p:nvPr>
+            <p:ph type="title"/>
+          </p:nvPr>
+        </p:nvSpPr>
+        <p:spPr/>
+        <p:txBody>
+          <a:bodyPr/>
+          <a:lstStyle/>
+          <a:p>
+            <a:r>
+              <a:rPr lang="it-IT" dirty="0" err="1" smtClean="0"/>
+              <a:t>Recap</a:t>
+            </a:r>
+            <a:endParaRPr lang="it-IT" dirty="0"/>
+          </a:p>
+        </p:txBody>
+      </p:sp>
+      <p:sp>
+        <p:nvSpPr>
+          <p:cNvPr id="5" name="Content Placeholder 4"/>
+          <p:cNvSpPr>
+            <a:spLocks noGrp="1"/>
+          </p:cNvSpPr>
+          <p:nvPr>
+            <p:ph idx="1"/>
+          </p:nvPr>
+        </p:nvSpPr>
+        <p:spPr/>
+        <p:txBody>
+          <a:bodyPr/>
+          <a:lstStyle/>
+          <a:p>
+            <a:r>
+              <a:rPr lang="it-IT" dirty="0" smtClean="0"/>
+              <a:t>Punto 1</a:t>
+            </a:r>
+          </a:p>
+          <a:p>
+            <a:r>
+              <a:rPr lang="it-IT" dirty="0" smtClean="0"/>
+              <a:t>Punto 2</a:t>
+            </a:r>
+            <a:endParaRPr lang="it-IT" dirty="0"/>
+          </a:p>
+        </p:txBody>
+      </p:sp>
+    </p:spTree>
+    <p:extLst>
+      <p:ext uri="{BB962C8B-B14F-4D97-AF65-F5344CB8AC3E}">
+        <p14:creationId xmlns:p14="http://schemas.microsoft.com/office/powerpoint/2010/main" val="2553623974"/>
+      </p:ext>
+    </p:extLst>
+  </p:cSld>
+  <p:clrMapOvr>
+    <a:masterClrMapping/>
+  </p:clrMapOvr>
+  <p:timing>
+    <p:tnLst>
+      <p:par>
+        <p:cTn id="1" dur="indefinite" restart="never" nodeType="tmRoot"/>
+      </p:par>
+    </p:tnLst>
+  </p:timing>
+</p:sld>
+</file>
+
+<file path=ppt/slides/slide26.xml><?xml version="1.0" encoding="utf-8"?>
+<p:sld xmlns:a="http://schemas.openxmlformats.org/drawingml/2006/main" xmlns:r="http://schemas.openxmlformats.org/officeDocument/2006/relationships" xmlns:p="http://schemas.openxmlformats.org/presentationml/2006/main">
+  <p:cSld>
+    <p:spTree>
+      <p:nvGrpSpPr>
+        <p:cNvPr id="1" name=""/>
+        <p:cNvGrpSpPr/>
+        <p:nvPr/>
+      </p:nvGrpSpPr>
+      <p:grpSpPr>
+        <a:xfrm>
+          <a:off x="0" y="0"/>
+          <a:ext cx="0" cy="0"/>
+          <a:chOff x="0" y="0"/>
+          <a:chExt cx="0" cy="0"/>
+        </a:xfrm>
+      </p:grpSpPr>
+      <p:sp>
+        <p:nvSpPr>
+          <p:cNvPr id="3" name="Title 2"/>
+          <p:cNvSpPr>
+            <a:spLocks noGrp="1"/>
+          </p:cNvSpPr>
+          <p:nvPr>
+            <p:ph type="title"/>
+          </p:nvPr>
+        </p:nvSpPr>
+        <p:spPr/>
+        <p:txBody>
+          <a:bodyPr/>
+          <a:lstStyle/>
+          <a:p>
+            <a:r>
+              <a:rPr lang="it-IT" dirty="0" smtClean="0"/>
+              <a:t>Q&amp;A</a:t>
+            </a:r>
+            <a:endParaRPr lang="it-IT" dirty="0"/>
+          </a:p>
+        </p:txBody>
+      </p:sp>
+      <p:sp>
+        <p:nvSpPr>
+          <p:cNvPr id="4" name="Content Placeholder 3"/>
+          <p:cNvSpPr>
+            <a:spLocks noGrp="1"/>
+          </p:cNvSpPr>
+          <p:nvPr>
+            <p:ph idx="1"/>
+          </p:nvPr>
+        </p:nvSpPr>
+        <p:spPr/>
+        <p:txBody>
+          <a:bodyPr>
+            <a:normAutofit fontScale="92500" lnSpcReduction="20000"/>
+          </a:bodyPr>
+          <a:lstStyle/>
+          <a:p>
+            <a:pPr marL="0" indent="0">
+              <a:buNone/>
+            </a:pPr>
+            <a:r>
+              <a:rPr lang="it-IT" dirty="0" smtClean="0"/>
+              <a:t>Tutto il </a:t>
+            </a:r>
+            <a:r>
+              <a:rPr lang="it-IT" dirty="0"/>
+              <a:t>m</a:t>
+            </a:r>
+            <a:r>
+              <a:rPr lang="it-IT" dirty="0" smtClean="0"/>
+              <a:t>ateriale di questa sessione su</a:t>
+            </a:r>
+          </a:p>
+          <a:p>
+            <a:pPr marL="0" indent="0">
+              <a:buNone/>
+            </a:pPr>
+            <a:r>
+              <a:rPr lang="it-IT" dirty="0" smtClean="0">
+                <a:hlinkClick r:id="rId3"/>
+              </a:rPr>
+              <a:t>http://www.communitydays.it/</a:t>
+            </a:r>
+            <a:r>
+              <a:rPr lang="it-IT" dirty="0" smtClean="0"/>
+              <a:t> </a:t>
+            </a:r>
+          </a:p>
+          <a:p>
+            <a:pPr marL="0" indent="0">
+              <a:buNone/>
+            </a:pPr>
+            <a:endParaRPr lang="it-IT" dirty="0"/>
+          </a:p>
+          <a:p>
+            <a:pPr marL="0" indent="0">
+              <a:buNone/>
+            </a:pPr>
+            <a:r>
+              <a:rPr lang="it-IT" dirty="0" smtClean="0"/>
+              <a:t>Lascia il feedback su questa sessione,</a:t>
+            </a:r>
+          </a:p>
+          <a:p>
+            <a:pPr marL="0" indent="0">
+              <a:buNone/>
+            </a:pPr>
+            <a:r>
+              <a:rPr lang="it-IT" dirty="0" smtClean="0"/>
+              <a:t>potrai essere estratto per i nostri premi!</a:t>
+            </a:r>
+          </a:p>
+          <a:p>
+            <a:pPr marL="0" indent="0">
+              <a:buNone/>
+            </a:pPr>
+            <a:endParaRPr lang="it-IT" dirty="0"/>
+          </a:p>
+          <a:p>
+            <a:pPr marL="0" indent="0">
+              <a:buNone/>
+            </a:pPr>
+            <a:r>
+              <a:rPr lang="it-IT" dirty="0" smtClean="0"/>
+              <a:t>Seguici su</a:t>
+            </a:r>
+          </a:p>
+          <a:p>
+            <a:pPr marL="0" indent="0">
+              <a:buNone/>
+            </a:pPr>
+            <a:r>
+              <a:rPr lang="it-IT" dirty="0"/>
+              <a:t>	</a:t>
+            </a:r>
+            <a:r>
+              <a:rPr lang="it-IT" dirty="0" err="1" smtClean="0"/>
+              <a:t>Twitter</a:t>
+            </a:r>
+            <a:r>
+              <a:rPr lang="it-IT" dirty="0" smtClean="0"/>
+              <a:t> @</a:t>
+            </a:r>
+            <a:r>
+              <a:rPr lang="it-IT" dirty="0" err="1" smtClean="0"/>
+              <a:t>CommunityDaysIT</a:t>
+            </a:r>
+            <a:endParaRPr lang="it-IT" dirty="0" smtClean="0"/>
+          </a:p>
+          <a:p>
+            <a:pPr marL="0" indent="0">
+              <a:buNone/>
+            </a:pPr>
+            <a:r>
+              <a:rPr lang="it-IT" dirty="0"/>
+              <a:t>	</a:t>
+            </a:r>
+            <a:r>
+              <a:rPr lang="it-IT" dirty="0" smtClean="0"/>
+              <a:t>Facebook http://facebook.com/cdaysit</a:t>
+            </a:r>
+          </a:p>
+          <a:p>
+            <a:pPr marL="0" indent="0">
+              <a:buNone/>
+            </a:pPr>
+            <a:r>
+              <a:rPr lang="it-IT" dirty="0" smtClean="0"/>
+              <a:t>	#CDays14</a:t>
+            </a:r>
+          </a:p>
+          <a:p>
+            <a:endParaRPr lang="it-IT" dirty="0"/>
+          </a:p>
+        </p:txBody>
+      </p:sp>
+      <p:pic>
+        <p:nvPicPr>
+          <p:cNvPr id="2" name="Picture 1"/>
+          <p:cNvPicPr>
+            <a:picLocks noChangeAspect="1"/>
+          </p:cNvPicPr>
+          <p:nvPr/>
+        </p:nvPicPr>
+        <p:blipFill>
+          <a:blip r:embed="rId4">
+            <a:extLst>
+              <a:ext uri="{28A0092B-C50C-407E-A947-70E740481C1C}">
+                <a14:useLocalDpi xmlns:a14="http://schemas.microsoft.com/office/drawing/2010/main" val="0"/>
+              </a:ext>
+            </a:extLst>
+          </a:blip>
+          <a:stretch>
+            <a:fillRect/>
+          </a:stretch>
+        </p:blipFill>
+        <p:spPr>
+          <a:xfrm>
+            <a:off x="7908325" y="1942440"/>
+            <a:ext cx="2847862" cy="2847862"/>
+          </a:xfrm>
+          <a:prstGeom prst="rect">
+            <a:avLst/>
+          </a:prstGeom>
+        </p:spPr>
+      </p:pic>
+    </p:spTree>
+    <p:extLst>
+      <p:ext uri="{BB962C8B-B14F-4D97-AF65-F5344CB8AC3E}">
+        <p14:creationId xmlns:p14="http://schemas.microsoft.com/office/powerpoint/2010/main" val="2926518474"/>
+      </p:ext>
+    </p:extLst>
+  </p:cSld>
+  <p:clrMapOvr>
+    <a:masterClrMapping/>
+  </p:clrMapOvr>
+  <p:timing>
+    <p:tnLst>
+      <p:par>
+        <p:cTn id="1" dur="indefinite" restart="never" nodeType="tmRoot"/>
+      </p:par>
+    </p:tnLst>
+  </p:timing>
+</p:sld>
+</file>
+
 <file path=ppt/slides/slide3.xml><?xml version="1.0" encoding="utf-8"?>
 <p:sld xmlns:a="http://schemas.openxmlformats.org/drawingml/2006/main" xmlns:r="http://schemas.openxmlformats.org/officeDocument/2006/relationships" xmlns:p="http://schemas.openxmlformats.org/presentationml/2006/main">
   <p:cSld>
@@ -9048,11 +13447,11 @@
   <p:clrMapOvr>
     <a:masterClrMapping/>
   </p:clrMapOvr>
-  <mc:AlternateContent xmlns:mc="http://schemas.openxmlformats.org/markup-compatibility/2006">
-    <mc:Choice xmlns:p14="http://schemas.microsoft.com/office/powerpoint/2010/main" Requires="p14">
+  <mc:AlternateContent xmlns:mc="http://schemas.openxmlformats.org/markup-compatibility/2006" xmlns:p14="http://schemas.microsoft.com/office/powerpoint/2010/main">
+    <mc:Choice Requires="p14">
       <p:transition spd="slow" p14:dur="2000"/>
     </mc:Choice>
-    <mc:Fallback>
+    <mc:Fallback xmlns="">
       <p:transition spd="slow"/>
     </mc:Fallback>
   </mc:AlternateContent>
@@ -9261,11 +13660,11 @@
   <p:clrMapOvr>
     <a:masterClrMapping/>
   </p:clrMapOvr>
-  <mc:AlternateContent xmlns:mc="http://schemas.openxmlformats.org/markup-compatibility/2006">
-    <mc:Choice xmlns:p14="http://schemas.microsoft.com/office/powerpoint/2010/main" Requires="p14">
+  <mc:AlternateContent xmlns:mc="http://schemas.openxmlformats.org/markup-compatibility/2006" xmlns:p14="http://schemas.microsoft.com/office/powerpoint/2010/main">
+    <mc:Choice Requires="p14">
       <p:transition spd="slow" p14:dur="2000"/>
     </mc:Choice>
-    <mc:Fallback>
+    <mc:Fallback xmlns="">
       <p:transition spd="slow"/>
     </mc:Fallback>
   </mc:AlternateContent>
@@ -9869,11 +14268,11 @@
   <p:clrMapOvr>
     <a:masterClrMapping/>
   </p:clrMapOvr>
-  <mc:AlternateContent xmlns:mc="http://schemas.openxmlformats.org/markup-compatibility/2006">
-    <mc:Choice xmlns:p14="http://schemas.microsoft.com/office/powerpoint/2010/main" Requires="p14">
+  <mc:AlternateContent xmlns:mc="http://schemas.openxmlformats.org/markup-compatibility/2006" xmlns:p14="http://schemas.microsoft.com/office/powerpoint/2010/main">
+    <mc:Choice Requires="p14">
       <p:transition spd="slow" p14:dur="2000"/>
     </mc:Choice>
-    <mc:Fallback>
+    <mc:Fallback xmlns="">
       <p:transition spd="slow"/>
     </mc:Fallback>
   </mc:AlternateContent>
@@ -10365,7 +14764,6 @@
               <a:rPr lang="en-US" dirty="0"/>
               <a:t>.</a:t>
             </a:r>
-            <a:endParaRPr lang="en-US" dirty="0"/>
           </a:p>
         </p:txBody>
       </p:sp>
@@ -10379,11 +14777,11 @@
   <p:clrMapOvr>
     <a:masterClrMapping/>
   </p:clrMapOvr>
-  <mc:AlternateContent xmlns:mc="http://schemas.openxmlformats.org/markup-compatibility/2006">
-    <mc:Choice xmlns:p14="http://schemas.microsoft.com/office/powerpoint/2010/main" Requires="p14">
+  <mc:AlternateContent xmlns:mc="http://schemas.openxmlformats.org/markup-compatibility/2006" xmlns:p14="http://schemas.microsoft.com/office/powerpoint/2010/main">
+    <mc:Choice Requires="p14">
       <p:transition spd="slow" p14:dur="2000"/>
     </mc:Choice>
-    <mc:Fallback>
+    <mc:Fallback xmlns="">
       <p:transition spd="slow"/>
     </mc:Fallback>
   </mc:AlternateContent>
@@ -10516,12 +14914,20 @@
               <a:t> </a:t>
             </a:r>
             <a:r>
-              <a:rPr lang="en-US" dirty="0" err="1" smtClean="0"/>
-              <a:t>pienamente</a:t>
-            </a:r>
-            <a:r>
-              <a:rPr lang="en-US" dirty="0" smtClean="0"/>
-              <a:t> le feature del C++11</a:t>
+              <a:rPr lang="en-US" dirty="0" smtClean="0"/>
+              <a:t>gran parte </a:t>
+            </a:r>
+            <a:r>
+              <a:rPr lang="en-US" dirty="0" err="1" smtClean="0"/>
+              <a:t>delle</a:t>
+            </a:r>
+            <a:r>
+              <a:rPr lang="en-US" dirty="0" smtClean="0"/>
+              <a:t> features </a:t>
+            </a:r>
+            <a:r>
+              <a:rPr lang="en-US" dirty="0" smtClean="0"/>
+              <a:t>del C++11</a:t>
             </a:r>
           </a:p>
           <a:p>
@@ -10782,11 +15188,11 @@
   <p:clrMapOvr>
     <a:masterClrMapping/>
   </p:clrMapOvr>
-  <mc:AlternateContent xmlns:mc="http://schemas.openxmlformats.org/markup-compatibility/2006">
-    <mc:Choice xmlns:p14="http://schemas.microsoft.com/office/powerpoint/2010/main" Requires="p14">
+  <mc:AlternateContent xmlns:mc="http://schemas.openxmlformats.org/markup-compatibility/2006" xmlns:p14="http://schemas.microsoft.com/office/powerpoint/2010/main">
+    <mc:Choice Requires="p14">
       <p:transition spd="slow" p14:dur="2000"/>
     </mc:Choice>
-    <mc:Fallback>
+    <mc:Fallback xmlns="">
       <p:transition spd="slow"/>
     </mc:Fallback>
   </mc:AlternateContent>

--- a/presentazioneCDAYS2014.pptx
+++ b/presentazioneCDAYS2014.pptx
@@ -5,10 +5,10 @@
     <p:sldMasterId id="2147483840" r:id="rId1"/>
   </p:sldMasterIdLst>
   <p:notesMasterIdLst>
-    <p:notesMasterId r:id="rId28"/>
+    <p:notesMasterId r:id="rId33"/>
   </p:notesMasterIdLst>
   <p:handoutMasterIdLst>
-    <p:handoutMasterId r:id="rId29"/>
+    <p:handoutMasterId r:id="rId34"/>
   </p:handoutMasterIdLst>
   <p:sldIdLst>
     <p:sldId id="256" r:id="rId2"/>
@@ -30,13 +30,18 @@
     <p:sldId id="276" r:id="rId18"/>
     <p:sldId id="278" r:id="rId19"/>
     <p:sldId id="279" r:id="rId20"/>
-    <p:sldId id="280" r:id="rId21"/>
-    <p:sldId id="281" r:id="rId22"/>
-    <p:sldId id="282" r:id="rId23"/>
-    <p:sldId id="283" r:id="rId24"/>
-    <p:sldId id="262" r:id="rId25"/>
-    <p:sldId id="264" r:id="rId26"/>
-    <p:sldId id="263" r:id="rId27"/>
+    <p:sldId id="284" r:id="rId21"/>
+    <p:sldId id="287" r:id="rId22"/>
+    <p:sldId id="280" r:id="rId23"/>
+    <p:sldId id="281" r:id="rId24"/>
+    <p:sldId id="282" r:id="rId25"/>
+    <p:sldId id="283" r:id="rId26"/>
+    <p:sldId id="285" r:id="rId27"/>
+    <p:sldId id="286" r:id="rId28"/>
+    <p:sldId id="288" r:id="rId29"/>
+    <p:sldId id="262" r:id="rId30"/>
+    <p:sldId id="264" r:id="rId31"/>
+    <p:sldId id="263" r:id="rId32"/>
   </p:sldIdLst>
   <p:sldSz cx="12192000" cy="6858000"/>
   <p:notesSz cx="6858000" cy="9144000"/>
@@ -159,10 +164,15 @@
             <p14:sldId id="276"/>
             <p14:sldId id="278"/>
             <p14:sldId id="279"/>
+            <p14:sldId id="284"/>
+            <p14:sldId id="287"/>
             <p14:sldId id="280"/>
             <p14:sldId id="281"/>
             <p14:sldId id="282"/>
             <p14:sldId id="283"/>
+            <p14:sldId id="285"/>
+            <p14:sldId id="286"/>
+            <p14:sldId id="288"/>
             <p14:sldId id="262"/>
             <p14:sldId id="264"/>
             <p14:sldId id="263"/>
@@ -178,6 +188,18 @@
     </p:ext>
   </p:extLst>
 </p:presentation>
+</file>
+
+<file path=ppt/commentAuthors.xml><?xml version="1.0" encoding="utf-8"?>
+<p:cmAuthorLst xmlns:a="http://schemas.openxmlformats.org/drawingml/2006/main" xmlns:r="http://schemas.openxmlformats.org/officeDocument/2006/relationships" xmlns:p="http://schemas.openxmlformats.org/presentationml/2006/main">
+  <p:cmAuthor id="1" name="guido" initials="g" lastIdx="2" clrIdx="0">
+    <p:extLst>
+      <p:ext uri="{19B8F6BF-5375-455C-9EA6-DF929625EA0E}">
+        <p15:presenceInfo xmlns:p15="http://schemas.microsoft.com/office/powerpoint/2012/main" userId="guido" providerId="None"/>
+      </p:ext>
+    </p:extLst>
+  </p:cmAuthor>
+</p:cmAuthorLst>
 </file>
 
 <file path=ppt/handoutMasters/handoutMaster1.xml><?xml version="1.0" encoding="utf-8"?>
@@ -262,7 +284,7 @@
           <a:p>
             <a:fld id="{7541E3AA-7BE5-4B59-82F5-30F2E5FF0CD3}" type="datetimeFigureOut">
               <a:rPr lang="it-IT" smtClean="0"/>
-              <a:t>04/02/2014</a:t>
+              <a:t>06/02/2014</a:t>
             </a:fld>
             <a:endParaRPr lang="it-IT"/>
           </a:p>
@@ -427,7 +449,7 @@
           <a:p>
             <a:fld id="{1634FCDD-F444-4746-A037-762098AD364A}" type="datetimeFigureOut">
               <a:rPr lang="it-IT" smtClean="0"/>
-              <a:t>04/02/2014</a:t>
+              <a:t>06/02/2014</a:t>
             </a:fld>
             <a:endParaRPr lang="it-IT"/>
           </a:p>
@@ -948,7 +970,7 @@
               <a:pPr>
                 <a:defRPr/>
               </a:pPr>
-              <a:t>24</a:t>
+              <a:t>29</a:t>
             </a:fld>
             <a:endParaRPr lang="it-IT"/>
           </a:p>
@@ -1041,7 +1063,7 @@
           <a:p>
             <a:fld id="{6B6C5E1B-63F6-4CD9-93BD-FBDB130EB2E4}" type="slidenum">
               <a:rPr lang="it-IT" smtClean="0"/>
-              <a:t>26</a:t>
+              <a:t>31</a:t>
             </a:fld>
             <a:endParaRPr lang="it-IT"/>
           </a:p>
@@ -1487,7 +1509,7 @@
           <a:p>
             <a:fld id="{06D8BB37-67E1-420F-B488-3DE93FA3DF1F}" type="datetimeFigureOut">
               <a:rPr lang="en-US" dirty="0"/>
-              <a:t>2/4/2014</a:t>
+              <a:t>2/6/2014</a:t>
             </a:fld>
             <a:endParaRPr lang="en-US" dirty="0"/>
           </a:p>
@@ -1691,7 +1713,7 @@
           <a:p>
             <a:fld id="{E4B96382-B15D-466F-9E7D-0603461872B7}" type="datetimeFigureOut">
               <a:rPr lang="en-US" dirty="0"/>
-              <a:t>2/4/2014</a:t>
+              <a:t>2/6/2014</a:t>
             </a:fld>
             <a:endParaRPr lang="en-US" dirty="0"/>
           </a:p>
@@ -1947,7 +1969,7 @@
           <a:p>
             <a:fld id="{218672AE-FC7B-40BA-8844-0693A2434617}" type="datetimeFigureOut">
               <a:rPr lang="en-US" dirty="0"/>
-              <a:t>2/4/2014</a:t>
+              <a:t>2/6/2014</a:t>
             </a:fld>
             <a:endParaRPr lang="en-US" dirty="0"/>
           </a:p>
@@ -2191,7 +2213,7 @@
           <a:p>
             <a:fld id="{3568EC8D-9508-4A2C-8FBC-4C089BA52EE5}" type="datetimeFigureOut">
               <a:rPr lang="en-US" dirty="0"/>
-              <a:t>2/4/2014</a:t>
+              <a:t>2/6/2014</a:t>
             </a:fld>
             <a:endParaRPr lang="en-US" dirty="0"/>
           </a:p>
@@ -2516,7 +2538,7 @@
           <a:p>
             <a:fld id="{DB7A1C89-C29A-4D79-B5A1-1F424905E9A1}" type="datetimeFigureOut">
               <a:rPr lang="en-US" dirty="0"/>
-              <a:t>2/4/2014</a:t>
+              <a:t>2/6/2014</a:t>
             </a:fld>
             <a:endParaRPr lang="en-US" dirty="0"/>
           </a:p>
@@ -2880,7 +2902,7 @@
           <a:p>
             <a:fld id="{57ECC248-0691-4AB1-BB8B-882D656FF160}" type="datetimeFigureOut">
               <a:rPr lang="en-US" dirty="0"/>
-              <a:t>2/4/2014</a:t>
+              <a:t>2/6/2014</a:t>
             </a:fld>
             <a:endParaRPr lang="en-US" dirty="0"/>
           </a:p>
@@ -3407,7 +3429,7 @@
           <a:p>
             <a:fld id="{D4E54B09-E178-460F-B46D-023FA9745608}" type="datetimeFigureOut">
               <a:rPr lang="en-US" dirty="0"/>
-              <a:t>2/4/2014</a:t>
+              <a:t>2/6/2014</a:t>
             </a:fld>
             <a:endParaRPr lang="en-US" dirty="0"/>
           </a:p>
@@ -3601,7 +3623,7 @@
           <a:p>
             <a:fld id="{6CD62E06-21B3-4A3D-A6C8-F0DFEB8AB04D}" type="datetimeFigureOut">
               <a:rPr lang="en-US" dirty="0"/>
-              <a:t>2/4/2014</a:t>
+              <a:t>2/6/2014</a:t>
             </a:fld>
             <a:endParaRPr lang="en-US" dirty="0"/>
           </a:p>
@@ -3762,7 +3784,7 @@
           <a:p>
             <a:fld id="{2CC7CC01-41FD-4607-B8B1-976991065B2D}" type="datetimeFigureOut">
               <a:rPr lang="en-US" dirty="0"/>
-              <a:t>2/4/2014</a:t>
+              <a:t>2/6/2014</a:t>
             </a:fld>
             <a:endParaRPr lang="en-US" dirty="0"/>
           </a:p>
@@ -4126,7 +4148,7 @@
           <a:p>
             <a:fld id="{6D6740A7-C153-476A-BA27-5BE657EA7C21}" type="datetimeFigureOut">
               <a:rPr lang="en-US" dirty="0"/>
-              <a:t>2/4/2014</a:t>
+              <a:t>2/6/2014</a:t>
             </a:fld>
             <a:endParaRPr lang="en-US" dirty="0"/>
           </a:p>
@@ -4392,7 +4414,7 @@
           <a:p>
             <a:fld id="{1C86C2EC-F3EA-4AFE-88D7-51A6BBFDBA8B}" type="datetimeFigureOut">
               <a:rPr lang="en-US" dirty="0"/>
-              <a:t>2/4/2014</a:t>
+              <a:t>2/6/2014</a:t>
             </a:fld>
             <a:endParaRPr lang="en-US" dirty="0"/>
           </a:p>
@@ -4786,7 +4808,7 @@
           <a:p>
             <a:fld id="{BF2EAB5F-78EB-45CA-9E26-D1BAA0AA6EEC}" type="datetimeFigureOut">
               <a:rPr lang="en-US" dirty="0"/>
-              <a:t>2/4/2014</a:t>
+              <a:t>2/6/2014</a:t>
             </a:fld>
             <a:endParaRPr lang="en-US" dirty="0"/>
           </a:p>
@@ -5753,11 +5775,7 @@
           <a:p>
             <a:r>
               <a:rPr lang="en-US" dirty="0" smtClean="0"/>
-              <a:t>SDL – </a:t>
-            </a:r>
-            <a:r>
-              <a:rPr lang="en-US" dirty="0" smtClean="0"/>
-              <a:t>snippet</a:t>
+              <a:t>SDL – snippet</a:t>
             </a:r>
             <a:endParaRPr lang="it-IT" dirty="0"/>
           </a:p>
@@ -6155,7 +6173,6 @@
               <a:rPr lang="en-US" dirty="0" smtClean="0"/>
               <a:t>  </a:t>
             </a:r>
-            <a:endParaRPr lang="en-US" dirty="0" smtClean="0"/>
           </a:p>
         </p:txBody>
       </p:sp>
@@ -6169,11 +6186,11 @@
   <p:clrMapOvr>
     <a:masterClrMapping/>
   </p:clrMapOvr>
-  <mc:AlternateContent xmlns:mc="http://schemas.openxmlformats.org/markup-compatibility/2006">
-    <mc:Choice xmlns:p14="http://schemas.microsoft.com/office/powerpoint/2010/main" Requires="p14">
+  <mc:AlternateContent xmlns:mc="http://schemas.openxmlformats.org/markup-compatibility/2006" xmlns:p14="http://schemas.microsoft.com/office/powerpoint/2010/main">
+    <mc:Choice Requires="p14">
       <p:transition spd="slow" p14:dur="2000"/>
     </mc:Choice>
-    <mc:Fallback>
+    <mc:Fallback xmlns="">
       <p:transition spd="slow"/>
     </mc:Fallback>
   </mc:AlternateContent>
@@ -6697,11 +6714,7 @@
           <a:p>
             <a:r>
               <a:rPr lang="en-US" dirty="0" smtClean="0"/>
-              <a:t>Static Analysis </a:t>
-            </a:r>
-            <a:r>
-              <a:rPr lang="en-US" dirty="0" smtClean="0"/>
-              <a:t>- snippet</a:t>
+              <a:t>Static Analysis - snippet</a:t>
             </a:r>
             <a:endParaRPr lang="it-IT" dirty="0"/>
           </a:p>
@@ -6960,11 +6973,11 @@
   <p:clrMapOvr>
     <a:masterClrMapping/>
   </p:clrMapOvr>
-  <mc:AlternateContent xmlns:mc="http://schemas.openxmlformats.org/markup-compatibility/2006">
-    <mc:Choice xmlns:p14="http://schemas.microsoft.com/office/powerpoint/2010/main" Requires="p14">
+  <mc:AlternateContent xmlns:mc="http://schemas.openxmlformats.org/markup-compatibility/2006" xmlns:p14="http://schemas.microsoft.com/office/powerpoint/2010/main">
+    <mc:Choice Requires="p14">
       <p:transition spd="slow" p14:dur="2000"/>
     </mc:Choice>
-    <mc:Fallback>
+    <mc:Fallback xmlns="">
       <p:transition spd="slow"/>
     </mc:Fallback>
   </mc:AlternateContent>
@@ -7459,11 +7472,11 @@
   <p:clrMapOvr>
     <a:masterClrMapping/>
   </p:clrMapOvr>
-  <mc:AlternateContent xmlns:mc="http://schemas.openxmlformats.org/markup-compatibility/2006">
-    <mc:Choice xmlns:p14="http://schemas.microsoft.com/office/powerpoint/2010/main" Requires="p14">
+  <mc:AlternateContent xmlns:mc="http://schemas.openxmlformats.org/markup-compatibility/2006" xmlns:p14="http://schemas.microsoft.com/office/powerpoint/2010/main">
+    <mc:Choice Requires="p14">
       <p:transition spd="slow" p14:dur="2000"/>
     </mc:Choice>
-    <mc:Fallback>
+    <mc:Fallback xmlns="">
       <p:transition spd="slow"/>
     </mc:Fallback>
   </mc:AlternateContent>
@@ -7990,11 +8003,11 @@
   <p:clrMapOvr>
     <a:masterClrMapping/>
   </p:clrMapOvr>
-  <mc:AlternateContent xmlns:mc="http://schemas.openxmlformats.org/markup-compatibility/2006">
-    <mc:Choice xmlns:p14="http://schemas.microsoft.com/office/powerpoint/2010/main" Requires="p14">
+  <mc:AlternateContent xmlns:mc="http://schemas.openxmlformats.org/markup-compatibility/2006" xmlns:p14="http://schemas.microsoft.com/office/powerpoint/2010/main">
+    <mc:Choice Requires="p14">
       <p:transition spd="slow" p14:dur="2000"/>
     </mc:Choice>
-    <mc:Fallback>
+    <mc:Fallback xmlns="">
       <p:transition spd="slow"/>
     </mc:Fallback>
   </mc:AlternateContent>
@@ -8601,11 +8614,11 @@
   <p:clrMapOvr>
     <a:masterClrMapping/>
   </p:clrMapOvr>
-  <mc:AlternateContent xmlns:mc="http://schemas.openxmlformats.org/markup-compatibility/2006">
-    <mc:Choice xmlns:p14="http://schemas.microsoft.com/office/powerpoint/2010/main" Requires="p14">
+  <mc:AlternateContent xmlns:mc="http://schemas.openxmlformats.org/markup-compatibility/2006" xmlns:p14="http://schemas.microsoft.com/office/powerpoint/2010/main">
+    <mc:Choice Requires="p14">
       <p:transition spd="slow" p14:dur="2000"/>
     </mc:Choice>
-    <mc:Fallback>
+    <mc:Fallback xmlns="">
       <p:transition spd="slow"/>
     </mc:Fallback>
   </mc:AlternateContent>
@@ -8933,11 +8946,11 @@
   <p:clrMapOvr>
     <a:masterClrMapping/>
   </p:clrMapOvr>
-  <mc:AlternateContent xmlns:mc="http://schemas.openxmlformats.org/markup-compatibility/2006">
-    <mc:Choice xmlns:p14="http://schemas.microsoft.com/office/powerpoint/2010/main" Requires="p14">
+  <mc:AlternateContent xmlns:mc="http://schemas.openxmlformats.org/markup-compatibility/2006" xmlns:p14="http://schemas.microsoft.com/office/powerpoint/2010/main">
+    <mc:Choice Requires="p14">
       <p:transition spd="slow" p14:dur="2000"/>
     </mc:Choice>
-    <mc:Fallback>
+    <mc:Fallback xmlns="">
       <p:transition spd="slow"/>
     </mc:Fallback>
   </mc:AlternateContent>
@@ -10245,7 +10258,19 @@
           <a:p>
             <a:r>
               <a:rPr lang="en-US" dirty="0" smtClean="0"/>
-              <a:t>Sampling</a:t>
+              <a:t>Profiler – </a:t>
+            </a:r>
+            <a:r>
+              <a:rPr lang="en-US" dirty="0" err="1" smtClean="0"/>
+              <a:t>configurazioni</a:t>
+            </a:r>
+            <a:r>
+              <a:rPr lang="en-US" dirty="0" smtClean="0"/>
+              <a:t> </a:t>
+            </a:r>
+            <a:r>
+              <a:rPr lang="en-US" dirty="0" err="1" smtClean="0"/>
+              <a:t>utili</a:t>
             </a:r>
             <a:endParaRPr lang="it-IT" dirty="0"/>
           </a:p>
@@ -10261,351 +10286,163 @@
             <p:ph idx="1"/>
           </p:nvPr>
         </p:nvSpPr>
-        <p:spPr/>
+        <p:spPr>
+          <a:xfrm>
+            <a:off x="2513897" y="2183916"/>
+            <a:ext cx="8595360" cy="4351337"/>
+          </a:xfrm>
+        </p:spPr>
         <p:txBody>
           <a:bodyPr>
-            <a:normAutofit fontScale="92500"/>
+            <a:normAutofit/>
           </a:bodyPr>
           <a:lstStyle/>
           <a:p>
-            <a:pPr lvl="0" algn="just"/>
-            <a:r>
-              <a:rPr lang="en-US" dirty="0" err="1"/>
-              <a:t>Uso</a:t>
-            </a:r>
-            <a:r>
-              <a:rPr lang="en-US" dirty="0"/>
-              <a:t> </a:t>
-            </a:r>
-            <a:r>
-              <a:rPr lang="en-US" dirty="0" err="1"/>
-              <a:t>intuitivo</a:t>
-            </a:r>
-            <a:r>
-              <a:rPr lang="en-US" dirty="0"/>
-              <a:t>, </a:t>
-            </a:r>
-            <a:r>
-              <a:rPr lang="en-US" dirty="0" err="1"/>
-              <a:t>individua</a:t>
-            </a:r>
-            <a:r>
-              <a:rPr lang="en-US" dirty="0"/>
-              <a:t> </a:t>
-            </a:r>
-            <a:r>
-              <a:rPr lang="en-US" dirty="0" err="1"/>
-              <a:t>problemi</a:t>
-            </a:r>
-            <a:r>
-              <a:rPr lang="en-US" dirty="0"/>
-              <a:t> </a:t>
-            </a:r>
-            <a:r>
-              <a:rPr lang="en-US" dirty="0" err="1"/>
-              <a:t>legati</a:t>
-            </a:r>
-            <a:r>
-              <a:rPr lang="en-US" dirty="0"/>
-              <a:t> </a:t>
-            </a:r>
-            <a:r>
-              <a:rPr lang="en-US" dirty="0" err="1"/>
-              <a:t>all'utilizzo</a:t>
-            </a:r>
-            <a:r>
-              <a:rPr lang="en-US" dirty="0"/>
-              <a:t> </a:t>
-            </a:r>
-            <a:r>
-              <a:rPr lang="en-US" dirty="0" err="1"/>
-              <a:t>della</a:t>
-            </a:r>
-            <a:r>
-              <a:rPr lang="en-US" dirty="0"/>
-              <a:t> CPU</a:t>
-            </a:r>
-          </a:p>
-          <a:p>
-            <a:pPr lvl="0" algn="just"/>
-            <a:r>
-              <a:rPr lang="en-US" dirty="0"/>
-              <a:t>“</a:t>
-            </a:r>
-            <a:r>
-              <a:rPr lang="en-US" dirty="0" err="1"/>
-              <a:t>Ossserva</a:t>
-            </a:r>
-            <a:r>
-              <a:rPr lang="en-US" dirty="0"/>
-              <a:t>” ad un </a:t>
-            </a:r>
-            <a:r>
-              <a:rPr lang="en-US" dirty="0" err="1"/>
-              <a:t>intervallo</a:t>
-            </a:r>
-            <a:r>
-              <a:rPr lang="en-US" dirty="0"/>
-              <a:t> </a:t>
-            </a:r>
-            <a:r>
-              <a:rPr lang="en-US" dirty="0" err="1"/>
-              <a:t>configurabile</a:t>
-            </a:r>
-            <a:r>
-              <a:rPr lang="en-US" dirty="0"/>
-              <a:t> (non in Win8) </a:t>
-            </a:r>
-            <a:r>
-              <a:rPr lang="en-US" dirty="0" err="1"/>
-              <a:t>il</a:t>
-            </a:r>
-            <a:r>
-              <a:rPr lang="en-US" dirty="0"/>
-              <a:t> function call stack</a:t>
-            </a:r>
-          </a:p>
-          <a:p>
-            <a:pPr lvl="0" algn="just"/>
-            <a:r>
-              <a:rPr lang="en-US" dirty="0"/>
-              <a:t>Al tempo di </a:t>
-            </a:r>
-            <a:r>
-              <a:rPr lang="en-US" dirty="0" err="1"/>
-              <a:t>campionamento</a:t>
-            </a:r>
-            <a:r>
-              <a:rPr lang="en-US" dirty="0"/>
-              <a:t>, </a:t>
-            </a:r>
-            <a:r>
-              <a:rPr lang="en-US" dirty="0" err="1"/>
-              <a:t>incrementa</a:t>
-            </a:r>
-            <a:r>
-              <a:rPr lang="en-US" dirty="0"/>
-              <a:t> </a:t>
-            </a:r>
-            <a:r>
-              <a:rPr lang="en-US" dirty="0" err="1"/>
-              <a:t>il</a:t>
-            </a:r>
-            <a:r>
-              <a:rPr lang="en-US" dirty="0"/>
-              <a:t> </a:t>
-            </a:r>
-            <a:r>
-              <a:rPr lang="en-US" dirty="0" err="1"/>
-              <a:t>contatore</a:t>
-            </a:r>
-            <a:r>
-              <a:rPr lang="en-US" dirty="0"/>
-              <a:t> “</a:t>
-            </a:r>
-            <a:r>
-              <a:rPr lang="en-US" dirty="0" err="1"/>
-              <a:t>esclusivo</a:t>
-            </a:r>
-            <a:r>
-              <a:rPr lang="en-US" dirty="0"/>
-              <a:t>” per la </a:t>
-            </a:r>
-            <a:r>
-              <a:rPr lang="en-US" dirty="0" err="1"/>
-              <a:t>funzione</a:t>
-            </a:r>
-            <a:r>
-              <a:rPr lang="en-US" dirty="0"/>
-              <a:t> </a:t>
-            </a:r>
-            <a:r>
-              <a:rPr lang="en-US" dirty="0" err="1"/>
-              <a:t>che</a:t>
-            </a:r>
-            <a:r>
-              <a:rPr lang="en-US" dirty="0"/>
-              <a:t> </a:t>
-            </a:r>
-            <a:r>
-              <a:rPr lang="en-US" dirty="0" err="1"/>
-              <a:t>stava</a:t>
-            </a:r>
-            <a:r>
-              <a:rPr lang="en-US" dirty="0"/>
-              <a:t> </a:t>
-            </a:r>
-            <a:r>
-              <a:rPr lang="en-US" dirty="0" err="1"/>
-              <a:t>eseguendo</a:t>
-            </a:r>
-            <a:r>
-              <a:rPr lang="en-US" dirty="0"/>
-              <a:t>, e </a:t>
-            </a:r>
-            <a:r>
-              <a:rPr lang="en-US" dirty="0" err="1"/>
-              <a:t>incrementa</a:t>
-            </a:r>
-            <a:r>
-              <a:rPr lang="en-US" dirty="0"/>
-              <a:t> </a:t>
-            </a:r>
-            <a:r>
-              <a:rPr lang="en-US" dirty="0" err="1"/>
-              <a:t>anche</a:t>
-            </a:r>
-            <a:r>
-              <a:rPr lang="en-US" dirty="0"/>
-              <a:t> </a:t>
-            </a:r>
-            <a:r>
-              <a:rPr lang="en-US" dirty="0" err="1"/>
-              <a:t>quello</a:t>
-            </a:r>
-            <a:r>
-              <a:rPr lang="en-US" dirty="0"/>
-              <a:t> “</a:t>
-            </a:r>
-            <a:r>
-              <a:rPr lang="en-US" dirty="0" err="1"/>
-              <a:t>inclusivo</a:t>
-            </a:r>
-            <a:r>
-              <a:rPr lang="en-US" dirty="0"/>
-              <a:t>” per </a:t>
-            </a:r>
-            <a:r>
-              <a:rPr lang="en-US" dirty="0" err="1"/>
-              <a:t>tutto</a:t>
-            </a:r>
-            <a:r>
-              <a:rPr lang="en-US" dirty="0"/>
-              <a:t> </a:t>
-            </a:r>
-            <a:r>
-              <a:rPr lang="en-US" dirty="0" err="1"/>
-              <a:t>il</a:t>
-            </a:r>
-            <a:r>
-              <a:rPr lang="en-US" dirty="0"/>
-              <a:t> call stack</a:t>
-            </a:r>
-          </a:p>
-          <a:p>
-            <a:pPr marL="457200" lvl="0" indent="-457200" algn="just">
-              <a:buFont typeface="+mj-lt"/>
-              <a:buAutoNum type="arabicPeriod"/>
+            <a:pPr marL="0" lvl="0" indent="0" algn="just">
+              <a:buNone/>
             </a:pPr>
             <a:r>
               <a:rPr lang="en-US" dirty="0" smtClean="0"/>
-              <a:t>A – B – C  (inclusive A++, inclusive B++, inclusive C++, exclusive C ++)</a:t>
-            </a:r>
-          </a:p>
-          <a:p>
-            <a:pPr marL="457200" lvl="0" indent="-457200" algn="just">
-              <a:buFont typeface="+mj-lt"/>
-              <a:buAutoNum type="arabicPeriod"/>
-            </a:pPr>
-            <a:r>
-              <a:rPr lang="en-US" dirty="0" smtClean="0"/>
-              <a:t>A – B – C  (</a:t>
-            </a:r>
-            <a:r>
-              <a:rPr lang="en-US" dirty="0"/>
-              <a:t>inclusive A++, inclusive B++, inclusive C++, exclusive C ++)</a:t>
-            </a:r>
-            <a:endParaRPr lang="en-US" dirty="0" smtClean="0"/>
-          </a:p>
-          <a:p>
-            <a:pPr marL="457200" indent="-457200" algn="just">
-              <a:buFont typeface="+mj-lt"/>
-              <a:buAutoNum type="arabicPeriod"/>
-            </a:pPr>
-            <a:r>
-              <a:rPr lang="en-US" dirty="0" smtClean="0"/>
-              <a:t>A – B – C  (</a:t>
-            </a:r>
-            <a:r>
-              <a:rPr lang="en-US" dirty="0"/>
-              <a:t>inclusive A++, inclusive B++, inclusive C++, exclusive C </a:t>
-            </a:r>
-            <a:r>
-              <a:rPr lang="en-US" dirty="0" smtClean="0"/>
-              <a:t>++)</a:t>
-            </a:r>
-          </a:p>
-          <a:p>
-            <a:pPr marL="457200" indent="-457200" algn="just">
-              <a:buFont typeface="+mj-lt"/>
-              <a:buAutoNum type="arabicPeriod"/>
-            </a:pPr>
-            <a:r>
-              <a:rPr lang="en-US" dirty="0" smtClean="0"/>
-              <a:t>A – B  </a:t>
-            </a:r>
-            <a:r>
-              <a:rPr lang="en-US" dirty="0"/>
-              <a:t>(inclusive A++, inclusive B++, </a:t>
-            </a:r>
-            <a:r>
-              <a:rPr lang="en-US" dirty="0" smtClean="0"/>
-              <a:t>exclusive B ++)</a:t>
-            </a:r>
-          </a:p>
-          <a:p>
-            <a:pPr marL="457200" indent="-457200" algn="just">
-              <a:buFont typeface="+mj-lt"/>
-              <a:buAutoNum type="arabicPeriod"/>
-            </a:pPr>
-            <a:r>
-              <a:rPr lang="en-US" dirty="0" smtClean="0"/>
-              <a:t>A </a:t>
-            </a:r>
-            <a:r>
-              <a:rPr lang="en-US" dirty="0"/>
-              <a:t>(inclusive A++, </a:t>
-            </a:r>
-            <a:r>
-              <a:rPr lang="en-US" dirty="0" smtClean="0"/>
-              <a:t>exclusive A </a:t>
-            </a:r>
-            <a:r>
-              <a:rPr lang="en-US" dirty="0"/>
-              <a:t>++)</a:t>
-            </a:r>
-          </a:p>
-          <a:p>
-            <a:pPr marL="457200" lvl="0" indent="-457200" algn="just">
-              <a:buFont typeface="+mj-lt"/>
-              <a:buAutoNum type="arabicPeriod"/>
-            </a:pPr>
-            <a:endParaRPr lang="en-US" dirty="0" smtClean="0"/>
-          </a:p>
-          <a:p>
-            <a:pPr marL="457200" lvl="0" indent="-457200" algn="just">
-              <a:buFont typeface="+mj-lt"/>
-              <a:buAutoNum type="arabicPeriod"/>
-            </a:pPr>
-            <a:endParaRPr lang="en-US" dirty="0" smtClean="0"/>
+              <a:t>\</a:t>
+            </a:r>
+          </a:p>
+        </p:txBody>
+      </p:sp>
+      <p:pic>
+        <p:nvPicPr>
+          <p:cNvPr id="7" name="Picture 6"/>
+          <p:cNvPicPr>
+            <a:picLocks noChangeAspect="1"/>
+          </p:cNvPicPr>
+          <p:nvPr/>
+        </p:nvPicPr>
+        <p:blipFill>
+          <a:blip r:embed="rId2"/>
+          <a:stretch>
+            <a:fillRect/>
+          </a:stretch>
+        </p:blipFill>
+        <p:spPr>
+          <a:xfrm>
+            <a:off x="1261870" y="4359585"/>
+            <a:ext cx="4095739" cy="1492669"/>
+          </a:xfrm>
+          <a:prstGeom prst="rect">
+            <a:avLst/>
+          </a:prstGeom>
+        </p:spPr>
+      </p:pic>
+      <p:pic>
+        <p:nvPicPr>
+          <p:cNvPr id="11" name="Picture 10"/>
+          <p:cNvPicPr>
+            <a:picLocks noChangeAspect="1"/>
+          </p:cNvPicPr>
+          <p:nvPr/>
+        </p:nvPicPr>
+        <p:blipFill>
+          <a:blip r:embed="rId3"/>
+          <a:stretch>
+            <a:fillRect/>
+          </a:stretch>
+        </p:blipFill>
+        <p:spPr>
+          <a:xfrm>
+            <a:off x="1261871" y="1828800"/>
+            <a:ext cx="4095739" cy="2202903"/>
+          </a:xfrm>
+          <a:prstGeom prst="rect">
+            <a:avLst/>
+          </a:prstGeom>
+        </p:spPr>
+      </p:pic>
+      <p:sp>
+        <p:nvSpPr>
+          <p:cNvPr id="13" name="TextBox 12"/>
+          <p:cNvSpPr txBox="1"/>
+          <p:nvPr/>
+        </p:nvSpPr>
+        <p:spPr>
+          <a:xfrm>
+            <a:off x="5514536" y="4378478"/>
+            <a:ext cx="5285232" cy="1477328"/>
+          </a:xfrm>
+          <a:prstGeom prst="rect">
+            <a:avLst/>
+          </a:prstGeom>
+          <a:noFill/>
+        </p:spPr>
+        <p:txBody>
+          <a:bodyPr wrap="square" rtlCol="0">
+            <a:spAutoFit/>
+          </a:bodyPr>
+          <a:lstStyle/>
+          <a:p>
+            <a:r>
+              <a:rPr lang="it-IT" dirty="0" smtClean="0">
+                <a:latin typeface="Segoe UI" panose="020B0502040204020203" pitchFamily="34" charset="0"/>
+                <a:cs typeface="Segoe UI" panose="020B0502040204020203" pitchFamily="34" charset="0"/>
+              </a:rPr>
+              <a:t>Controlliamo che sia spuntato il check «Automatically serialize symbol information» in modo che siano embeddati i simboli nel report generato, consentendo ad altri di visualizzarlo, senza necessariamente possedere i simboli stessi</a:t>
+            </a:r>
+            <a:endParaRPr lang="it-IT" dirty="0">
+              <a:latin typeface="Segoe UI" panose="020B0502040204020203" pitchFamily="34" charset="0"/>
+              <a:cs typeface="Segoe UI" panose="020B0502040204020203" pitchFamily="34" charset="0"/>
+            </a:endParaRPr>
+          </a:p>
+        </p:txBody>
+      </p:sp>
+      <p:sp>
+        <p:nvSpPr>
+          <p:cNvPr id="14" name="TextBox 13"/>
+          <p:cNvSpPr txBox="1"/>
+          <p:nvPr/>
+        </p:nvSpPr>
+        <p:spPr>
+          <a:xfrm>
+            <a:off x="5666936" y="1984624"/>
+            <a:ext cx="5285232" cy="1200329"/>
+          </a:xfrm>
+          <a:prstGeom prst="rect">
+            <a:avLst/>
+          </a:prstGeom>
+          <a:noFill/>
+        </p:spPr>
+        <p:txBody>
+          <a:bodyPr wrap="square" rtlCol="0">
+            <a:spAutoFit/>
+          </a:bodyPr>
+          <a:lstStyle/>
+          <a:p>
+            <a:r>
+              <a:rPr lang="it-IT" dirty="0" smtClean="0">
+                <a:latin typeface="Segoe UI" panose="020B0502040204020203" pitchFamily="34" charset="0"/>
+                <a:cs typeface="Segoe UI" panose="020B0502040204020203" pitchFamily="34" charset="0"/>
+              </a:rPr>
+              <a:t>Creiamo un folder C:\symbolcache e inseriamolo al percorso indicato. In questo modo ogni sessione successiva del profiler utilizzera i simboli scaricati</a:t>
+            </a:r>
+            <a:endParaRPr lang="it-IT" dirty="0">
+              <a:latin typeface="Segoe UI" panose="020B0502040204020203" pitchFamily="34" charset="0"/>
+              <a:cs typeface="Segoe UI" panose="020B0502040204020203" pitchFamily="34" charset="0"/>
+            </a:endParaRPr>
           </a:p>
         </p:txBody>
       </p:sp>
     </p:spTree>
     <p:extLst>
       <p:ext uri="{BB962C8B-B14F-4D97-AF65-F5344CB8AC3E}">
-        <p14:creationId xmlns:p14="http://schemas.microsoft.com/office/powerpoint/2010/main" val="1839748231"/>
+        <p14:creationId xmlns:p14="http://schemas.microsoft.com/office/powerpoint/2010/main" val="3548172794"/>
       </p:ext>
     </p:extLst>
   </p:cSld>
   <p:clrMapOvr>
     <a:masterClrMapping/>
   </p:clrMapOvr>
-  <mc:AlternateContent xmlns:mc="http://schemas.openxmlformats.org/markup-compatibility/2006">
-    <mc:Choice xmlns:p14="http://schemas.microsoft.com/office/powerpoint/2010/main" Requires="p14">
+  <mc:AlternateContent xmlns:mc="http://schemas.openxmlformats.org/markup-compatibility/2006" xmlns:p14="http://schemas.microsoft.com/office/powerpoint/2010/main">
+    <mc:Choice Requires="p14">
       <p:transition spd="slow" p14:dur="2000"/>
     </mc:Choice>
-    <mc:Fallback>
+    <mc:Fallback xmlns="">
       <p:transition spd="slow"/>
     </mc:Fallback>
   </mc:AlternateContent>
@@ -10653,7 +10490,19 @@
           <a:p>
             <a:r>
               <a:rPr lang="en-US" dirty="0" smtClean="0"/>
-              <a:t>Sampling (2)</a:t>
+              <a:t>Profiler – </a:t>
+            </a:r>
+            <a:r>
+              <a:rPr lang="en-US" dirty="0" err="1" smtClean="0"/>
+              <a:t>ruleset</a:t>
+            </a:r>
+            <a:r>
+              <a:rPr lang="en-US" dirty="0" smtClean="0"/>
+              <a:t> di </a:t>
+            </a:r>
+            <a:r>
+              <a:rPr lang="en-US" dirty="0" err="1" smtClean="0"/>
+              <a:t>diagnostica</a:t>
             </a:r>
             <a:endParaRPr lang="it-IT" dirty="0"/>
           </a:p>
@@ -10661,7 +10510,7 @@
       </p:sp>
       <p:sp>
         <p:nvSpPr>
-          <p:cNvPr id="3" name="Content Placeholder 2"/>
+          <p:cNvPr id="4" name="Content Placeholder 3"/>
           <p:cNvSpPr>
             <a:spLocks noGrp="1"/>
           </p:cNvSpPr>
@@ -10671,494 +10520,47 @@
         </p:nvSpPr>
         <p:spPr/>
         <p:txBody>
-          <a:bodyPr>
-            <a:normAutofit/>
-          </a:bodyPr>
+          <a:bodyPr/>
           <a:lstStyle/>
           <a:p>
-            <a:pPr lvl="0" algn="just"/>
-            <a:r>
-              <a:rPr lang="en-US" dirty="0" err="1"/>
-              <a:t>Osservando</a:t>
-            </a:r>
-            <a:r>
-              <a:rPr lang="en-US" dirty="0"/>
-              <a:t> le </a:t>
-            </a:r>
-            <a:r>
-              <a:rPr lang="en-US" dirty="0" err="1"/>
-              <a:t>percentuali</a:t>
-            </a:r>
-            <a:r>
-              <a:rPr lang="en-US" dirty="0"/>
-              <a:t> di </a:t>
-            </a:r>
-            <a:r>
-              <a:rPr lang="en-US" dirty="0" err="1"/>
-              <a:t>esecuzione</a:t>
-            </a:r>
-            <a:r>
-              <a:rPr lang="en-US" dirty="0"/>
-              <a:t>, </a:t>
-            </a:r>
-            <a:r>
-              <a:rPr lang="en-US" dirty="0" err="1"/>
-              <a:t>si</a:t>
-            </a:r>
-            <a:r>
-              <a:rPr lang="en-US" dirty="0"/>
-              <a:t> ha la </a:t>
-            </a:r>
-            <a:r>
-              <a:rPr lang="en-US" dirty="0" err="1"/>
-              <a:t>netta</a:t>
-            </a:r>
-            <a:r>
-              <a:rPr lang="en-US" dirty="0"/>
-              <a:t> </a:t>
-            </a:r>
-            <a:r>
-              <a:rPr lang="en-US" dirty="0" err="1"/>
-              <a:t>percezione</a:t>
-            </a:r>
-            <a:r>
-              <a:rPr lang="en-US" dirty="0"/>
-              <a:t> di quale </a:t>
-            </a:r>
-            <a:r>
-              <a:rPr lang="en-US" dirty="0" err="1"/>
-              <a:t>metodo</a:t>
-            </a:r>
-            <a:r>
-              <a:rPr lang="en-US" dirty="0"/>
-              <a:t> </a:t>
-            </a:r>
-            <a:r>
-              <a:rPr lang="en-US" dirty="0" err="1"/>
-              <a:t>richiede</a:t>
-            </a:r>
-            <a:r>
-              <a:rPr lang="en-US" dirty="0"/>
-              <a:t> “</a:t>
-            </a:r>
-            <a:r>
-              <a:rPr lang="en-US" dirty="0" err="1"/>
-              <a:t>il</a:t>
-            </a:r>
-            <a:r>
-              <a:rPr lang="en-US" dirty="0"/>
-              <a:t> </a:t>
-            </a:r>
-            <a:r>
-              <a:rPr lang="en-US" dirty="0" err="1"/>
-              <a:t>maggior</a:t>
-            </a:r>
-            <a:r>
-              <a:rPr lang="en-US" dirty="0"/>
-              <a:t> </a:t>
-            </a:r>
-            <a:r>
-              <a:rPr lang="en-US" dirty="0" err="1"/>
-              <a:t>numero</a:t>
-            </a:r>
-            <a:r>
-              <a:rPr lang="en-US" dirty="0"/>
-              <a:t> di </a:t>
-            </a:r>
-            <a:r>
-              <a:rPr lang="en-US" dirty="0" err="1"/>
-              <a:t>incrementi</a:t>
-            </a:r>
-            <a:r>
-              <a:rPr lang="en-US" dirty="0"/>
-              <a:t>”, </a:t>
-            </a:r>
-            <a:r>
-              <a:rPr lang="en-US" dirty="0" err="1"/>
-              <a:t>ovvero</a:t>
-            </a:r>
-            <a:r>
-              <a:rPr lang="en-US" dirty="0"/>
-              <a:t> quale </a:t>
-            </a:r>
-            <a:r>
-              <a:rPr lang="en-US" dirty="0" err="1"/>
-              <a:t>metodo</a:t>
-            </a:r>
-            <a:r>
-              <a:rPr lang="en-US" dirty="0"/>
-              <a:t> </a:t>
-            </a:r>
-            <a:r>
-              <a:rPr lang="en-US" dirty="0" err="1"/>
-              <a:t>risiedeva</a:t>
-            </a:r>
-            <a:r>
-              <a:rPr lang="en-US" dirty="0"/>
-              <a:t> in CPU per </a:t>
-            </a:r>
-            <a:r>
-              <a:rPr lang="en-US" dirty="0" err="1"/>
-              <a:t>il</a:t>
-            </a:r>
-            <a:r>
-              <a:rPr lang="en-US" dirty="0"/>
-              <a:t> </a:t>
-            </a:r>
-            <a:r>
-              <a:rPr lang="en-US" dirty="0" err="1"/>
-              <a:t>maggior</a:t>
-            </a:r>
-            <a:r>
-              <a:rPr lang="en-US" dirty="0"/>
-              <a:t> </a:t>
-            </a:r>
-            <a:r>
-              <a:rPr lang="en-US" dirty="0" err="1"/>
-              <a:t>numero</a:t>
-            </a:r>
-            <a:r>
-              <a:rPr lang="en-US" dirty="0"/>
-              <a:t> di </a:t>
-            </a:r>
-            <a:r>
-              <a:rPr lang="en-US" dirty="0" err="1"/>
-              <a:t>osservazioni</a:t>
-            </a:r>
-            <a:r>
-              <a:rPr lang="en-US" dirty="0"/>
-              <a:t>.</a:t>
-            </a:r>
-          </a:p>
-          <a:p>
-            <a:pPr lvl="0" algn="just"/>
-            <a:r>
-              <a:rPr lang="en-US" dirty="0" err="1"/>
-              <a:t>Espandendo</a:t>
-            </a:r>
-            <a:r>
-              <a:rPr lang="en-US" dirty="0"/>
-              <a:t> </a:t>
-            </a:r>
-            <a:r>
-              <a:rPr lang="en-US" dirty="0" err="1"/>
-              <a:t>l'albero</a:t>
-            </a:r>
-            <a:r>
-              <a:rPr lang="en-US" dirty="0"/>
-              <a:t>, è </a:t>
-            </a:r>
-            <a:r>
-              <a:rPr lang="en-US" dirty="0" err="1"/>
-              <a:t>immediato</a:t>
-            </a:r>
-            <a:r>
-              <a:rPr lang="en-US" dirty="0"/>
-              <a:t> </a:t>
-            </a:r>
-            <a:r>
-              <a:rPr lang="en-US" dirty="0" err="1"/>
-              <a:t>individuare</a:t>
-            </a:r>
-            <a:r>
-              <a:rPr lang="en-US" dirty="0"/>
-              <a:t> chi ha </a:t>
-            </a:r>
-            <a:r>
-              <a:rPr lang="en-US" dirty="0" err="1"/>
-              <a:t>monopolizzato</a:t>
-            </a:r>
-            <a:r>
-              <a:rPr lang="en-US" dirty="0"/>
-              <a:t> la </a:t>
-            </a:r>
-            <a:r>
-              <a:rPr lang="en-US" dirty="0" smtClean="0"/>
-              <a:t>CPU</a:t>
-            </a:r>
-          </a:p>
-          <a:p>
-            <a:pPr lvl="0" algn="just"/>
-            <a:r>
-              <a:rPr lang="en-US" dirty="0" smtClean="0"/>
-              <a:t>E’ </a:t>
-            </a:r>
-            <a:r>
-              <a:rPr lang="en-US" dirty="0" err="1" smtClean="0"/>
-              <a:t>possibile</a:t>
-            </a:r>
-            <a:r>
-              <a:rPr lang="en-US" dirty="0" smtClean="0"/>
-              <a:t> </a:t>
-            </a:r>
-            <a:r>
-              <a:rPr lang="en-US" dirty="0" err="1" smtClean="0"/>
-              <a:t>tracciare</a:t>
-            </a:r>
-            <a:r>
-              <a:rPr lang="en-US" dirty="0" smtClean="0"/>
-              <a:t> </a:t>
-            </a:r>
-            <a:r>
-              <a:rPr lang="en-US" dirty="0" err="1" smtClean="0"/>
-              <a:t>nel</a:t>
-            </a:r>
-            <a:r>
-              <a:rPr lang="en-US" dirty="0" smtClean="0"/>
-              <a:t> </a:t>
-            </a:r>
-            <a:r>
-              <a:rPr lang="en-US" dirty="0" err="1" smtClean="0"/>
-              <a:t>grafico</a:t>
-            </a:r>
-            <a:r>
-              <a:rPr lang="en-US" dirty="0" smtClean="0"/>
-              <a:t> </a:t>
-            </a:r>
-            <a:r>
-              <a:rPr lang="en-US" dirty="0" err="1" smtClean="0"/>
-              <a:t>immediatamente</a:t>
-            </a:r>
-            <a:r>
-              <a:rPr lang="en-US" dirty="0" smtClean="0"/>
-              <a:t> “</a:t>
-            </a:r>
-            <a:r>
-              <a:rPr lang="en-US" dirty="0" err="1" smtClean="0"/>
-              <a:t>l’Hot</a:t>
-            </a:r>
-            <a:r>
-              <a:rPr lang="en-US" dirty="0" smtClean="0"/>
-              <a:t> Path”, </a:t>
-            </a:r>
-            <a:r>
-              <a:rPr lang="en-US" dirty="0" err="1" smtClean="0"/>
-              <a:t>che</a:t>
-            </a:r>
-            <a:r>
-              <a:rPr lang="en-US" dirty="0" smtClean="0"/>
-              <a:t> </a:t>
-            </a:r>
-            <a:r>
-              <a:rPr lang="en-US" dirty="0" err="1" smtClean="0"/>
-              <a:t>mostra</a:t>
-            </a:r>
-            <a:r>
-              <a:rPr lang="en-US" dirty="0" smtClean="0"/>
-              <a:t> </a:t>
-            </a:r>
-            <a:r>
-              <a:rPr lang="en-US" dirty="0" err="1" smtClean="0"/>
-              <a:t>i</a:t>
-            </a:r>
-            <a:r>
-              <a:rPr lang="en-US" dirty="0" smtClean="0"/>
-              <a:t> </a:t>
-            </a:r>
-            <a:r>
-              <a:rPr lang="en-US" dirty="0" err="1" smtClean="0"/>
-              <a:t>punti</a:t>
-            </a:r>
-            <a:r>
-              <a:rPr lang="en-US" dirty="0" smtClean="0"/>
-              <a:t> </a:t>
-            </a:r>
-            <a:r>
-              <a:rPr lang="en-US" dirty="0" err="1" smtClean="0"/>
-              <a:t>critici</a:t>
-            </a:r>
-            <a:endParaRPr lang="en-US" dirty="0" smtClean="0"/>
-          </a:p>
-          <a:p>
-            <a:pPr lvl="0" algn="just"/>
-            <a:r>
-              <a:rPr lang="en-US" dirty="0" smtClean="0"/>
-              <a:t>E’ </a:t>
-            </a:r>
-            <a:r>
-              <a:rPr lang="en-US" dirty="0" err="1" smtClean="0"/>
-              <a:t>possibile</a:t>
-            </a:r>
-            <a:r>
-              <a:rPr lang="en-US" dirty="0" smtClean="0"/>
-              <a:t> </a:t>
-            </a:r>
-            <a:r>
-              <a:rPr lang="en-US" dirty="0" err="1" smtClean="0"/>
-              <a:t>configurare</a:t>
-            </a:r>
-            <a:r>
-              <a:rPr lang="en-US" dirty="0" smtClean="0"/>
-              <a:t> la </a:t>
-            </a:r>
-            <a:r>
-              <a:rPr lang="en-US" dirty="0" err="1" smtClean="0"/>
-              <a:t>visualizzazione</a:t>
-            </a:r>
-            <a:r>
-              <a:rPr lang="en-US" dirty="0" smtClean="0"/>
-              <a:t> </a:t>
-            </a:r>
-            <a:r>
-              <a:rPr lang="en-US" dirty="0" err="1" smtClean="0"/>
-              <a:t>dell’Hot</a:t>
-            </a:r>
-            <a:r>
-              <a:rPr lang="en-US" dirty="0" smtClean="0"/>
-              <a:t> Path, con </a:t>
-            </a:r>
-            <a:r>
-              <a:rPr lang="en-US" dirty="0" err="1" smtClean="0"/>
-              <a:t>il</a:t>
-            </a:r>
-            <a:r>
-              <a:rPr lang="en-US" dirty="0" smtClean="0"/>
-              <a:t> </a:t>
-            </a:r>
-            <a:r>
-              <a:rPr lang="en-US" dirty="0" err="1" smtClean="0"/>
-              <a:t>filtro</a:t>
-            </a:r>
-            <a:r>
-              <a:rPr lang="en-US" dirty="0" smtClean="0"/>
-              <a:t> di noise reduction, </a:t>
-            </a:r>
-            <a:r>
-              <a:rPr lang="en-US" dirty="0" err="1" smtClean="0"/>
-              <a:t>che</a:t>
-            </a:r>
-            <a:r>
-              <a:rPr lang="en-US" dirty="0" smtClean="0"/>
-              <a:t> </a:t>
-            </a:r>
-            <a:r>
-              <a:rPr lang="en-US" dirty="0" err="1" smtClean="0"/>
-              <a:t>abilita</a:t>
-            </a:r>
-            <a:r>
-              <a:rPr lang="en-US" dirty="0" smtClean="0"/>
-              <a:t> </a:t>
-            </a:r>
-            <a:r>
-              <a:rPr lang="en-US" dirty="0" err="1" smtClean="0"/>
-              <a:t>il</a:t>
-            </a:r>
-            <a:r>
-              <a:rPr lang="en-US" dirty="0" smtClean="0"/>
-              <a:t> trimming (</a:t>
-            </a:r>
-            <a:r>
-              <a:rPr lang="en-US" dirty="0" err="1" smtClean="0"/>
-              <a:t>esclude</a:t>
-            </a:r>
-            <a:r>
-              <a:rPr lang="en-US" dirty="0" smtClean="0"/>
-              <a:t> entry </a:t>
-            </a:r>
-            <a:r>
-              <a:rPr lang="en-US" dirty="0" err="1" smtClean="0"/>
-              <a:t>inferiori</a:t>
-            </a:r>
-            <a:r>
-              <a:rPr lang="en-US" dirty="0" smtClean="0"/>
-              <a:t> ad </a:t>
-            </a:r>
-            <a:r>
-              <a:rPr lang="en-US" dirty="0" err="1" smtClean="0"/>
-              <a:t>una</a:t>
-            </a:r>
-            <a:r>
-              <a:rPr lang="en-US" dirty="0" smtClean="0"/>
-              <a:t> </a:t>
-            </a:r>
-            <a:r>
-              <a:rPr lang="en-US" dirty="0" err="1" smtClean="0"/>
-              <a:t>certa</a:t>
-            </a:r>
-            <a:r>
-              <a:rPr lang="en-US" dirty="0" smtClean="0"/>
-              <a:t> </a:t>
-            </a:r>
-            <a:r>
-              <a:rPr lang="en-US" dirty="0" err="1" smtClean="0"/>
-              <a:t>soglia</a:t>
-            </a:r>
-            <a:r>
-              <a:rPr lang="en-US" dirty="0" smtClean="0"/>
-              <a:t> di inclusive sample) e </a:t>
-            </a:r>
-            <a:r>
-              <a:rPr lang="en-US" dirty="0" err="1" smtClean="0"/>
-              <a:t>il</a:t>
-            </a:r>
-            <a:r>
-              <a:rPr lang="en-US" dirty="0" smtClean="0"/>
-              <a:t> folding (</a:t>
-            </a:r>
-            <a:r>
-              <a:rPr lang="en-US" dirty="0" err="1" smtClean="0"/>
-              <a:t>accorpamento</a:t>
-            </a:r>
-            <a:r>
-              <a:rPr lang="en-US" dirty="0" smtClean="0"/>
-              <a:t> di </a:t>
-            </a:r>
-            <a:r>
-              <a:rPr lang="en-US" dirty="0" err="1" smtClean="0"/>
-              <a:t>funzioni</a:t>
-            </a:r>
-            <a:r>
-              <a:rPr lang="en-US" dirty="0" smtClean="0"/>
-              <a:t> la cui </a:t>
-            </a:r>
-            <a:r>
-              <a:rPr lang="en-US" dirty="0" err="1" smtClean="0"/>
-              <a:t>somma</a:t>
-            </a:r>
-            <a:r>
-              <a:rPr lang="en-US" dirty="0" smtClean="0"/>
-              <a:t> di % di inclusive sample è </a:t>
-            </a:r>
-            <a:r>
-              <a:rPr lang="en-US" dirty="0" err="1" smtClean="0"/>
-              <a:t>inferiore</a:t>
-            </a:r>
-            <a:r>
-              <a:rPr lang="en-US" dirty="0" smtClean="0"/>
-              <a:t> ad </a:t>
-            </a:r>
-            <a:r>
-              <a:rPr lang="en-US" dirty="0" err="1" smtClean="0"/>
-              <a:t>una</a:t>
-            </a:r>
-            <a:r>
-              <a:rPr lang="en-US" dirty="0" smtClean="0"/>
-              <a:t> </a:t>
-            </a:r>
-            <a:r>
-              <a:rPr lang="en-US" dirty="0" err="1" smtClean="0"/>
-              <a:t>certa</a:t>
-            </a:r>
-            <a:r>
-              <a:rPr lang="en-US" dirty="0" smtClean="0"/>
-              <a:t> </a:t>
-            </a:r>
-            <a:r>
-              <a:rPr lang="en-US" dirty="0" err="1" smtClean="0"/>
-              <a:t>soglia</a:t>
-            </a:r>
-            <a:endParaRPr lang="en-US" dirty="0" smtClean="0"/>
-          </a:p>
-          <a:p>
-            <a:pPr lvl="0" algn="just"/>
-            <a:endParaRPr lang="en-US" dirty="0"/>
+            <a:r>
+              <a:rPr lang="it-IT" dirty="0" smtClean="0"/>
+              <a:t>E’ possibile utilzzare un set di rules che determinano alcune diagnostiche sulla sessione di profiling. Tipicamente sono warning o informazioni (sono rari gli errori), ma può esssere configurata la severity. Riportate nella finestra di errori</a:t>
+            </a:r>
+          </a:p>
+          <a:p>
+            <a:endParaRPr lang="it-IT" dirty="0"/>
           </a:p>
         </p:txBody>
       </p:sp>
+      <p:pic>
+        <p:nvPicPr>
+          <p:cNvPr id="6" name="Picture 5"/>
+          <p:cNvPicPr>
+            <a:picLocks noChangeAspect="1"/>
+          </p:cNvPicPr>
+          <p:nvPr/>
+        </p:nvPicPr>
+        <p:blipFill>
+          <a:blip r:embed="rId2"/>
+          <a:stretch>
+            <a:fillRect/>
+          </a:stretch>
+        </p:blipFill>
+        <p:spPr>
+          <a:xfrm>
+            <a:off x="1261872" y="3299428"/>
+            <a:ext cx="6391033" cy="2880709"/>
+          </a:xfrm>
+          <a:prstGeom prst="rect">
+            <a:avLst/>
+          </a:prstGeom>
+        </p:spPr>
+      </p:pic>
     </p:spTree>
     <p:extLst>
       <p:ext uri="{BB962C8B-B14F-4D97-AF65-F5344CB8AC3E}">
-        <p14:creationId xmlns:p14="http://schemas.microsoft.com/office/powerpoint/2010/main" val="4005084147"/>
+        <p14:creationId xmlns:p14="http://schemas.microsoft.com/office/powerpoint/2010/main" val="2071862290"/>
       </p:ext>
     </p:extLst>
   </p:cSld>
@@ -11217,19 +10619,7 @@
           <a:p>
             <a:r>
               <a:rPr lang="en-US" dirty="0" smtClean="0"/>
-              <a:t>Sampling – </a:t>
-            </a:r>
-            <a:r>
-              <a:rPr lang="en-US" dirty="0" err="1" smtClean="0"/>
-              <a:t>interpretazione</a:t>
-            </a:r>
-            <a:r>
-              <a:rPr lang="en-US" dirty="0" smtClean="0"/>
-              <a:t> </a:t>
-            </a:r>
-            <a:r>
-              <a:rPr lang="en-US" dirty="0" err="1" smtClean="0"/>
-              <a:t>risultati</a:t>
+              <a:t>Sampling</a:t>
             </a:r>
             <a:endParaRPr lang="it-IT" dirty="0"/>
           </a:p>
@@ -11248,180 +10638,348 @@
         <p:spPr/>
         <p:txBody>
           <a:bodyPr>
-            <a:normAutofit/>
+            <a:normAutofit fontScale="92500"/>
           </a:bodyPr>
           <a:lstStyle/>
           <a:p>
             <a:pPr lvl="0" algn="just"/>
             <a:r>
-              <a:rPr lang="en-US" dirty="0" err="1" smtClean="0"/>
-              <a:t>Dall’albero</a:t>
-            </a:r>
-            <a:r>
-              <a:rPr lang="en-US" dirty="0" smtClean="0"/>
-              <a:t> </a:t>
-            </a:r>
-            <a:r>
-              <a:rPr lang="en-US" dirty="0" err="1" smtClean="0"/>
-              <a:t>si</a:t>
-            </a:r>
-            <a:r>
-              <a:rPr lang="en-US" dirty="0" smtClean="0"/>
-              <a:t> </a:t>
-            </a:r>
-            <a:r>
-              <a:rPr lang="en-US" dirty="0" err="1" smtClean="0"/>
-              <a:t>può</a:t>
-            </a:r>
-            <a:r>
-              <a:rPr lang="en-US" dirty="0" smtClean="0"/>
-              <a:t> </a:t>
-            </a:r>
-            <a:r>
-              <a:rPr lang="en-US" dirty="0" err="1" smtClean="0"/>
-              <a:t>vedere</a:t>
-            </a:r>
-            <a:r>
-              <a:rPr lang="en-US" dirty="0" smtClean="0"/>
-              <a:t> come </a:t>
-            </a:r>
-            <a:r>
-              <a:rPr lang="en-US" dirty="0" err="1" smtClean="0"/>
-              <a:t>sia</a:t>
-            </a:r>
-            <a:r>
-              <a:rPr lang="en-US" dirty="0" smtClean="0"/>
-              <a:t> </a:t>
-            </a:r>
-            <a:r>
-              <a:rPr lang="en-US" dirty="0" err="1" smtClean="0"/>
-              <a:t>significativa</a:t>
-            </a:r>
-            <a:r>
-              <a:rPr lang="en-US" dirty="0" smtClean="0"/>
-              <a:t> la </a:t>
-            </a:r>
-            <a:r>
-              <a:rPr lang="en-US" dirty="0" err="1" smtClean="0"/>
-              <a:t>percentuale</a:t>
-            </a:r>
-            <a:r>
-              <a:rPr lang="en-US" dirty="0" smtClean="0"/>
-              <a:t> di inclusive sample</a:t>
+              <a:rPr lang="en-US" dirty="0" err="1"/>
+              <a:t>Uso</a:t>
+            </a:r>
+            <a:r>
+              <a:rPr lang="en-US" dirty="0"/>
+              <a:t> </a:t>
+            </a:r>
+            <a:r>
+              <a:rPr lang="en-US" dirty="0" err="1"/>
+              <a:t>intuitivo</a:t>
+            </a:r>
+            <a:r>
+              <a:rPr lang="en-US" dirty="0"/>
+              <a:t>, </a:t>
+            </a:r>
+            <a:r>
+              <a:rPr lang="en-US" dirty="0" err="1"/>
+              <a:t>individua</a:t>
+            </a:r>
+            <a:r>
+              <a:rPr lang="en-US" dirty="0"/>
+              <a:t> </a:t>
+            </a:r>
+            <a:r>
+              <a:rPr lang="en-US" dirty="0" err="1"/>
+              <a:t>problemi</a:t>
+            </a:r>
+            <a:r>
+              <a:rPr lang="en-US" dirty="0"/>
+              <a:t> </a:t>
+            </a:r>
+            <a:r>
+              <a:rPr lang="en-US" dirty="0" err="1"/>
+              <a:t>legati</a:t>
+            </a:r>
+            <a:r>
+              <a:rPr lang="en-US" dirty="0"/>
+              <a:t> </a:t>
+            </a:r>
+            <a:r>
+              <a:rPr lang="en-US" dirty="0" err="1"/>
+              <a:t>all'utilizzo</a:t>
+            </a:r>
+            <a:r>
+              <a:rPr lang="en-US" dirty="0"/>
+              <a:t> </a:t>
+            </a:r>
+            <a:r>
+              <a:rPr lang="en-US" dirty="0" err="1"/>
+              <a:t>della</a:t>
+            </a:r>
+            <a:r>
+              <a:rPr lang="en-US" dirty="0"/>
+              <a:t> CPU</a:t>
             </a:r>
           </a:p>
           <a:p>
             <a:pPr lvl="0" algn="just"/>
             <a:r>
-              <a:rPr lang="en-US" dirty="0" err="1" smtClean="0"/>
-              <a:t>Una</a:t>
-            </a:r>
-            <a:r>
-              <a:rPr lang="en-US" dirty="0" smtClean="0"/>
-              <a:t> entry “Inclusive Samples” è per </a:t>
-            </a:r>
-            <a:r>
-              <a:rPr lang="en-US" dirty="0" err="1" smtClean="0"/>
-              <a:t>definizione</a:t>
-            </a:r>
-            <a:r>
-              <a:rPr lang="en-US" dirty="0" smtClean="0"/>
-              <a:t> la </a:t>
-            </a:r>
-            <a:r>
-              <a:rPr lang="en-US" dirty="0" err="1" smtClean="0"/>
-              <a:t>somma</a:t>
-            </a:r>
-            <a:r>
-              <a:rPr lang="en-US" dirty="0" smtClean="0"/>
-              <a:t> </a:t>
-            </a:r>
-            <a:r>
-              <a:rPr lang="en-US" dirty="0" err="1" smtClean="0"/>
-              <a:t>della</a:t>
-            </a:r>
-            <a:r>
-              <a:rPr lang="en-US" dirty="0" smtClean="0"/>
-              <a:t> </a:t>
-            </a:r>
-            <a:r>
-              <a:rPr lang="en-US" dirty="0" err="1" smtClean="0"/>
-              <a:t>precedente</a:t>
-            </a:r>
-            <a:r>
-              <a:rPr lang="en-US" dirty="0" smtClean="0"/>
-              <a:t> entry e </a:t>
-            </a:r>
-            <a:r>
-              <a:rPr lang="en-US" dirty="0" err="1" smtClean="0"/>
-              <a:t>della</a:t>
-            </a:r>
-            <a:r>
-              <a:rPr lang="en-US" dirty="0" smtClean="0"/>
-              <a:t> </a:t>
-            </a:r>
-            <a:r>
-              <a:rPr lang="en-US" dirty="0" err="1" smtClean="0"/>
-              <a:t>propria</a:t>
-            </a:r>
-            <a:r>
-              <a:rPr lang="en-US" dirty="0" smtClean="0"/>
-              <a:t> “Exclusive Samples”</a:t>
+              <a:rPr lang="en-US" dirty="0"/>
+              <a:t>“</a:t>
+            </a:r>
+            <a:r>
+              <a:rPr lang="en-US" dirty="0" err="1"/>
+              <a:t>Ossserva</a:t>
+            </a:r>
+            <a:r>
+              <a:rPr lang="en-US" dirty="0"/>
+              <a:t>” ad un </a:t>
+            </a:r>
+            <a:r>
+              <a:rPr lang="en-US" dirty="0" err="1"/>
+              <a:t>intervallo</a:t>
+            </a:r>
+            <a:r>
+              <a:rPr lang="en-US" dirty="0"/>
+              <a:t> </a:t>
+            </a:r>
+            <a:r>
+              <a:rPr lang="en-US" dirty="0" err="1"/>
+              <a:t>configurabile</a:t>
+            </a:r>
+            <a:r>
+              <a:rPr lang="en-US" dirty="0"/>
+              <a:t> (non in Win8) </a:t>
+            </a:r>
+            <a:r>
+              <a:rPr lang="en-US" dirty="0" err="1"/>
+              <a:t>il</a:t>
+            </a:r>
+            <a:r>
+              <a:rPr lang="en-US" dirty="0"/>
+              <a:t> function call stack</a:t>
             </a:r>
           </a:p>
           <a:p>
             <a:pPr lvl="0" algn="just"/>
+            <a:r>
+              <a:rPr lang="en-US" dirty="0"/>
+              <a:t>Al tempo di </a:t>
+            </a:r>
+            <a:r>
+              <a:rPr lang="en-US" dirty="0" err="1"/>
+              <a:t>campionamento</a:t>
+            </a:r>
+            <a:r>
+              <a:rPr lang="en-US" dirty="0"/>
+              <a:t>, </a:t>
+            </a:r>
+            <a:r>
+              <a:rPr lang="en-US" dirty="0" err="1"/>
+              <a:t>incrementa</a:t>
+            </a:r>
+            <a:r>
+              <a:rPr lang="en-US" dirty="0"/>
+              <a:t> </a:t>
+            </a:r>
+            <a:r>
+              <a:rPr lang="en-US" dirty="0" err="1"/>
+              <a:t>il</a:t>
+            </a:r>
+            <a:r>
+              <a:rPr lang="en-US" dirty="0"/>
+              <a:t> </a:t>
+            </a:r>
+            <a:r>
+              <a:rPr lang="en-US" dirty="0" err="1"/>
+              <a:t>contatore</a:t>
+            </a:r>
+            <a:r>
+              <a:rPr lang="en-US" dirty="0"/>
+              <a:t> “</a:t>
+            </a:r>
+            <a:r>
+              <a:rPr lang="en-US" dirty="0" err="1"/>
+              <a:t>esclusivo</a:t>
+            </a:r>
+            <a:r>
+              <a:rPr lang="en-US" dirty="0"/>
+              <a:t>” per la </a:t>
+            </a:r>
+            <a:r>
+              <a:rPr lang="en-US" dirty="0" err="1"/>
+              <a:t>funzione</a:t>
+            </a:r>
+            <a:r>
+              <a:rPr lang="en-US" dirty="0"/>
+              <a:t> </a:t>
+            </a:r>
+            <a:r>
+              <a:rPr lang="en-US" dirty="0" err="1"/>
+              <a:t>che</a:t>
+            </a:r>
+            <a:r>
+              <a:rPr lang="en-US" dirty="0"/>
+              <a:t> </a:t>
+            </a:r>
+            <a:r>
+              <a:rPr lang="en-US" dirty="0" err="1"/>
+              <a:t>stava</a:t>
+            </a:r>
+            <a:r>
+              <a:rPr lang="en-US" dirty="0"/>
+              <a:t> </a:t>
+            </a:r>
+            <a:r>
+              <a:rPr lang="en-US" dirty="0" err="1"/>
+              <a:t>eseguendo</a:t>
+            </a:r>
+            <a:r>
+              <a:rPr lang="en-US" dirty="0"/>
+              <a:t>, e </a:t>
+            </a:r>
+            <a:r>
+              <a:rPr lang="en-US" dirty="0" err="1"/>
+              <a:t>incrementa</a:t>
+            </a:r>
+            <a:r>
+              <a:rPr lang="en-US" dirty="0"/>
+              <a:t> </a:t>
+            </a:r>
+            <a:r>
+              <a:rPr lang="en-US" dirty="0" err="1"/>
+              <a:t>anche</a:t>
+            </a:r>
+            <a:r>
+              <a:rPr lang="en-US" dirty="0"/>
+              <a:t> </a:t>
+            </a:r>
+            <a:r>
+              <a:rPr lang="en-US" dirty="0" err="1"/>
+              <a:t>quello</a:t>
+            </a:r>
+            <a:r>
+              <a:rPr lang="en-US" dirty="0"/>
+              <a:t> “</a:t>
+            </a:r>
+            <a:r>
+              <a:rPr lang="en-US" dirty="0" err="1"/>
+              <a:t>inclusivo</a:t>
+            </a:r>
+            <a:r>
+              <a:rPr lang="en-US" dirty="0"/>
+              <a:t>” per </a:t>
+            </a:r>
+            <a:r>
+              <a:rPr lang="en-US" dirty="0" err="1"/>
+              <a:t>tutto</a:t>
+            </a:r>
+            <a:r>
+              <a:rPr lang="en-US" dirty="0"/>
+              <a:t> </a:t>
+            </a:r>
+            <a:r>
+              <a:rPr lang="en-US" dirty="0" err="1"/>
+              <a:t>il</a:t>
+            </a:r>
+            <a:r>
+              <a:rPr lang="en-US" dirty="0"/>
+              <a:t> call stack</a:t>
+            </a:r>
+          </a:p>
+          <a:p>
+            <a:pPr marL="457200" lvl="0" indent="-457200" algn="just">
+              <a:buFont typeface="+mj-lt"/>
+              <a:buAutoNum type="arabicPeriod"/>
+            </a:pPr>
+            <a:r>
+              <a:rPr lang="en-US" dirty="0" smtClean="0"/>
+              <a:t>A – B – C  (inclusive A++, inclusive B++, inclusive C++, exclusive C ++)</a:t>
+            </a:r>
+          </a:p>
+          <a:p>
+            <a:pPr marL="457200" lvl="0" indent="-457200" algn="just">
+              <a:buFont typeface="+mj-lt"/>
+              <a:buAutoNum type="arabicPeriod"/>
+            </a:pPr>
+            <a:r>
+              <a:rPr lang="en-US" dirty="0" smtClean="0"/>
+              <a:t>A – B – C  (</a:t>
+            </a:r>
+            <a:r>
+              <a:rPr lang="en-US" dirty="0"/>
+              <a:t>inclusive A++, inclusive B++, inclusive C++, exclusive C ++)</a:t>
+            </a:r>
             <a:endParaRPr lang="en-US" dirty="0" smtClean="0"/>
           </a:p>
           <a:p>
-            <a:pPr lvl="0" algn="just"/>
-            <a:endParaRPr lang="en-US" dirty="0"/>
-          </a:p>
-          <a:p>
-            <a:pPr lvl="0" algn="just"/>
-            <a:endParaRPr lang="en-US" dirty="0"/>
+            <a:pPr marL="457200" indent="-457200" algn="just">
+              <a:buFont typeface="+mj-lt"/>
+              <a:buAutoNum type="arabicPeriod"/>
+            </a:pPr>
+            <a:r>
+              <a:rPr lang="en-US" dirty="0" smtClean="0"/>
+              <a:t>A – B – C  (</a:t>
+            </a:r>
+            <a:r>
+              <a:rPr lang="en-US" dirty="0"/>
+              <a:t>inclusive A++, inclusive B++, inclusive C++, exclusive C </a:t>
+            </a:r>
+            <a:r>
+              <a:rPr lang="en-US" dirty="0" smtClean="0"/>
+              <a:t>++)</a:t>
+            </a:r>
+          </a:p>
+          <a:p>
+            <a:pPr marL="457200" indent="-457200" algn="just">
+              <a:buFont typeface="+mj-lt"/>
+              <a:buAutoNum type="arabicPeriod"/>
+            </a:pPr>
+            <a:r>
+              <a:rPr lang="en-US" dirty="0" smtClean="0"/>
+              <a:t>A – B  </a:t>
+            </a:r>
+            <a:r>
+              <a:rPr lang="en-US" dirty="0"/>
+              <a:t>(inclusive A++, inclusive B++, </a:t>
+            </a:r>
+            <a:r>
+              <a:rPr lang="en-US" dirty="0" smtClean="0"/>
+              <a:t>exclusive B ++)</a:t>
+            </a:r>
+          </a:p>
+          <a:p>
+            <a:pPr marL="457200" indent="-457200" algn="just">
+              <a:buFont typeface="+mj-lt"/>
+              <a:buAutoNum type="arabicPeriod"/>
+            </a:pPr>
+            <a:r>
+              <a:rPr lang="en-US" dirty="0" smtClean="0"/>
+              <a:t>A </a:t>
+            </a:r>
+            <a:r>
+              <a:rPr lang="en-US" dirty="0"/>
+              <a:t>(inclusive A++, </a:t>
+            </a:r>
+            <a:r>
+              <a:rPr lang="en-US" dirty="0" smtClean="0"/>
+              <a:t>exclusive A </a:t>
+            </a:r>
+            <a:r>
+              <a:rPr lang="en-US" dirty="0"/>
+              <a:t>++)</a:t>
+            </a:r>
+          </a:p>
+          <a:p>
+            <a:pPr marL="457200" lvl="0" indent="-457200" algn="just">
+              <a:buFont typeface="+mj-lt"/>
+              <a:buAutoNum type="arabicPeriod"/>
+            </a:pPr>
+            <a:endParaRPr lang="en-US" dirty="0" smtClean="0"/>
+          </a:p>
+          <a:p>
+            <a:pPr marL="457200" lvl="0" indent="-457200" algn="just">
+              <a:buFont typeface="+mj-lt"/>
+              <a:buAutoNum type="arabicPeriod"/>
+            </a:pPr>
+            <a:endParaRPr lang="en-US" dirty="0" smtClean="0"/>
           </a:p>
         </p:txBody>
       </p:sp>
-      <p:pic>
-        <p:nvPicPr>
-          <p:cNvPr id="5" name="Picture 4"/>
-          <p:cNvPicPr>
-            <a:picLocks noChangeAspect="1"/>
-          </p:cNvPicPr>
-          <p:nvPr/>
-        </p:nvPicPr>
-        <p:blipFill>
-          <a:blip r:embed="rId2"/>
-          <a:stretch>
-            <a:fillRect/>
-          </a:stretch>
-        </p:blipFill>
-        <p:spPr>
-          <a:xfrm>
-            <a:off x="1410049" y="3277412"/>
-            <a:ext cx="7110286" cy="3040203"/>
-          </a:xfrm>
-          <a:prstGeom prst="rect">
-            <a:avLst/>
-          </a:prstGeom>
-        </p:spPr>
-      </p:pic>
     </p:spTree>
     <p:extLst>
       <p:ext uri="{BB962C8B-B14F-4D97-AF65-F5344CB8AC3E}">
-        <p14:creationId xmlns:p14="http://schemas.microsoft.com/office/powerpoint/2010/main" val="2943567147"/>
+        <p14:creationId xmlns:p14="http://schemas.microsoft.com/office/powerpoint/2010/main" val="1839748231"/>
       </p:ext>
     </p:extLst>
   </p:cSld>
   <p:clrMapOvr>
     <a:masterClrMapping/>
   </p:clrMapOvr>
-  <mc:AlternateContent xmlns:mc="http://schemas.openxmlformats.org/markup-compatibility/2006">
-    <mc:Choice xmlns:p14="http://schemas.microsoft.com/office/powerpoint/2010/main" Requires="p14">
+  <mc:AlternateContent xmlns:mc="http://schemas.openxmlformats.org/markup-compatibility/2006" xmlns:p14="http://schemas.microsoft.com/office/powerpoint/2010/main">
+    <mc:Choice Requires="p14">
       <p:transition spd="slow" p14:dur="2000"/>
     </mc:Choice>
-    <mc:Fallback>
+    <mc:Fallback xmlns="">
       <p:transition spd="slow"/>
     </mc:Fallback>
   </mc:AlternateContent>
@@ -11469,7 +11027,7 @@
           <a:p>
             <a:r>
               <a:rPr lang="en-US" dirty="0" smtClean="0"/>
-              <a:t>Instrumentation</a:t>
+              <a:t>Sampling (2)</a:t>
             </a:r>
             <a:endParaRPr lang="it-IT" dirty="0"/>
           </a:p>
@@ -11494,48 +11052,426 @@
           <a:p>
             <a:pPr lvl="0" algn="just"/>
             <a:r>
-              <a:rPr lang="en-US" dirty="0" err="1" smtClean="0"/>
-              <a:t>Questo</a:t>
-            </a:r>
-            <a:r>
-              <a:rPr lang="en-US" dirty="0" smtClean="0"/>
-              <a:t> </a:t>
-            </a:r>
-            <a:r>
-              <a:rPr lang="en-US" dirty="0" err="1" smtClean="0"/>
-              <a:t>tipo</a:t>
-            </a:r>
-            <a:r>
-              <a:rPr lang="en-US" dirty="0" smtClean="0"/>
+              <a:rPr lang="en-US" dirty="0" err="1"/>
+              <a:t>Osservando</a:t>
+            </a:r>
+            <a:r>
+              <a:rPr lang="en-US" dirty="0"/>
+              <a:t> le </a:t>
+            </a:r>
+            <a:r>
+              <a:rPr lang="en-US" dirty="0" err="1"/>
+              <a:t>percentuali</a:t>
+            </a:r>
+            <a:r>
+              <a:rPr lang="en-US" dirty="0"/>
               <a:t> di </a:t>
             </a:r>
             <a:r>
-              <a:rPr lang="en-US" dirty="0" err="1" smtClean="0"/>
-              <a:t>profilazione</a:t>
-            </a:r>
-            <a:r>
-              <a:rPr lang="en-US" dirty="0" smtClean="0"/>
-              <a:t> è </a:t>
-            </a:r>
-            <a:r>
-              <a:rPr lang="en-US" dirty="0" err="1" smtClean="0"/>
-              <a:t>indicata</a:t>
-            </a:r>
-            <a:r>
-              <a:rPr lang="en-US" dirty="0" smtClean="0"/>
-              <a:t> per </a:t>
-            </a:r>
-            <a:r>
-              <a:rPr lang="en-US" dirty="0" err="1" smtClean="0"/>
+              <a:rPr lang="en-US" dirty="0" err="1"/>
+              <a:t>esecuzione</a:t>
+            </a:r>
+            <a:r>
+              <a:rPr lang="en-US" dirty="0"/>
+              <a:t>, </a:t>
+            </a:r>
+            <a:r>
+              <a:rPr lang="en-US" dirty="0" err="1"/>
+              <a:t>si</a:t>
+            </a:r>
+            <a:r>
+              <a:rPr lang="en-US" dirty="0"/>
+              <a:t> ha la </a:t>
+            </a:r>
+            <a:r>
+              <a:rPr lang="en-US" dirty="0" err="1"/>
+              <a:t>netta</a:t>
+            </a:r>
+            <a:r>
+              <a:rPr lang="en-US" dirty="0"/>
+              <a:t> </a:t>
+            </a:r>
+            <a:r>
+              <a:rPr lang="en-US" dirty="0" err="1"/>
+              <a:t>percezione</a:t>
+            </a:r>
+            <a:r>
+              <a:rPr lang="en-US" dirty="0"/>
+              <a:t> di quale </a:t>
+            </a:r>
+            <a:r>
+              <a:rPr lang="en-US" dirty="0" err="1"/>
+              <a:t>metodo</a:t>
+            </a:r>
+            <a:r>
+              <a:rPr lang="en-US" dirty="0"/>
+              <a:t> </a:t>
+            </a:r>
+            <a:r>
+              <a:rPr lang="en-US" dirty="0" err="1"/>
+              <a:t>richiede</a:t>
+            </a:r>
+            <a:r>
+              <a:rPr lang="en-US" dirty="0"/>
+              <a:t> “</a:t>
+            </a:r>
+            <a:r>
+              <a:rPr lang="en-US" dirty="0" err="1"/>
+              <a:t>il</a:t>
+            </a:r>
+            <a:r>
+              <a:rPr lang="en-US" dirty="0"/>
+              <a:t> </a:t>
+            </a:r>
+            <a:r>
+              <a:rPr lang="en-US" dirty="0" err="1"/>
+              <a:t>maggior</a:t>
+            </a:r>
+            <a:r>
+              <a:rPr lang="en-US" dirty="0"/>
+              <a:t> </a:t>
+            </a:r>
+            <a:r>
+              <a:rPr lang="en-US" dirty="0" err="1"/>
+              <a:t>numero</a:t>
+            </a:r>
+            <a:r>
+              <a:rPr lang="en-US" dirty="0"/>
+              <a:t> di </a:t>
+            </a:r>
+            <a:r>
+              <a:rPr lang="en-US" dirty="0" err="1"/>
+              <a:t>incrementi</a:t>
+            </a:r>
+            <a:r>
+              <a:rPr lang="en-US" dirty="0"/>
+              <a:t>”, </a:t>
+            </a:r>
+            <a:r>
+              <a:rPr lang="en-US" dirty="0" err="1"/>
+              <a:t>ovvero</a:t>
+            </a:r>
+            <a:r>
+              <a:rPr lang="en-US" dirty="0"/>
+              <a:t> quale </a:t>
+            </a:r>
+            <a:r>
+              <a:rPr lang="en-US" dirty="0" err="1"/>
+              <a:t>metodo</a:t>
+            </a:r>
+            <a:r>
+              <a:rPr lang="en-US" dirty="0"/>
+              <a:t> </a:t>
+            </a:r>
+            <a:r>
+              <a:rPr lang="en-US" dirty="0" err="1"/>
+              <a:t>risiedeva</a:t>
+            </a:r>
+            <a:r>
+              <a:rPr lang="en-US" dirty="0"/>
+              <a:t> in CPU per </a:t>
+            </a:r>
+            <a:r>
+              <a:rPr lang="en-US" dirty="0" err="1"/>
+              <a:t>il</a:t>
+            </a:r>
+            <a:r>
+              <a:rPr lang="en-US" dirty="0"/>
+              <a:t> </a:t>
+            </a:r>
+            <a:r>
+              <a:rPr lang="en-US" dirty="0" err="1"/>
+              <a:t>maggior</a:t>
+            </a:r>
+            <a:r>
+              <a:rPr lang="en-US" dirty="0"/>
+              <a:t> </a:t>
+            </a:r>
+            <a:r>
+              <a:rPr lang="en-US" dirty="0" err="1"/>
+              <a:t>numero</a:t>
+            </a:r>
+            <a:r>
+              <a:rPr lang="en-US" dirty="0"/>
+              <a:t> di </a:t>
+            </a:r>
+            <a:r>
+              <a:rPr lang="en-US" dirty="0" err="1"/>
+              <a:t>osservazioni</a:t>
+            </a:r>
+            <a:r>
+              <a:rPr lang="en-US" dirty="0"/>
+              <a:t>.</a:t>
+            </a:r>
+          </a:p>
+          <a:p>
+            <a:pPr lvl="0" algn="just"/>
+            <a:r>
+              <a:rPr lang="en-US" dirty="0" err="1"/>
+              <a:t>Espandendo</a:t>
+            </a:r>
+            <a:r>
+              <a:rPr lang="en-US" dirty="0"/>
+              <a:t> </a:t>
+            </a:r>
+            <a:r>
+              <a:rPr lang="en-US" dirty="0" err="1"/>
+              <a:t>l'albero</a:t>
+            </a:r>
+            <a:r>
+              <a:rPr lang="en-US" dirty="0"/>
+              <a:t>, è </a:t>
+            </a:r>
+            <a:r>
+              <a:rPr lang="en-US" dirty="0" err="1"/>
+              <a:t>immediato</a:t>
+            </a:r>
+            <a:r>
+              <a:rPr lang="en-US" dirty="0"/>
+              <a:t> </a:t>
+            </a:r>
+            <a:r>
+              <a:rPr lang="en-US" dirty="0" err="1"/>
               <a:t>individuare</a:t>
             </a:r>
             <a:r>
-              <a:rPr lang="en-US" dirty="0" smtClean="0"/>
-              <a:t> </a:t>
-            </a:r>
-            <a:r>
-              <a:rPr lang="en-US" dirty="0" err="1" smtClean="0"/>
-              <a:t>colli</a:t>
+              <a:rPr lang="en-US" dirty="0"/>
+              <a:t> chi ha </a:t>
+            </a:r>
+            <a:r>
+              <a:rPr lang="en-US" dirty="0" err="1"/>
+              <a:t>monopolizzato</a:t>
+            </a:r>
+            <a:r>
+              <a:rPr lang="en-US" dirty="0"/>
+              <a:t> la </a:t>
+            </a:r>
+            <a:r>
+              <a:rPr lang="en-US" dirty="0" smtClean="0"/>
+              <a:t>CPU</a:t>
+            </a:r>
+          </a:p>
+          <a:p>
+            <a:pPr lvl="0" algn="just"/>
+            <a:r>
+              <a:rPr lang="en-US" dirty="0" smtClean="0"/>
+              <a:t>E’ </a:t>
+            </a:r>
+            <a:r>
+              <a:rPr lang="en-US" dirty="0" err="1" smtClean="0"/>
+              <a:t>possibile</a:t>
+            </a:r>
+            <a:r>
+              <a:rPr lang="en-US" dirty="0" smtClean="0"/>
+              <a:t> </a:t>
+            </a:r>
+            <a:r>
+              <a:rPr lang="en-US" dirty="0" err="1" smtClean="0"/>
+              <a:t>tracciare</a:t>
+            </a:r>
+            <a:r>
+              <a:rPr lang="en-US" dirty="0" smtClean="0"/>
+              <a:t> </a:t>
+            </a:r>
+            <a:r>
+              <a:rPr lang="en-US" dirty="0" err="1" smtClean="0"/>
+              <a:t>nel</a:t>
+            </a:r>
+            <a:r>
+              <a:rPr lang="en-US" dirty="0" smtClean="0"/>
+              <a:t> </a:t>
+            </a:r>
+            <a:r>
+              <a:rPr lang="en-US" dirty="0" err="1" smtClean="0"/>
+              <a:t>grafico</a:t>
+            </a:r>
+            <a:r>
+              <a:rPr lang="en-US" dirty="0" smtClean="0"/>
+              <a:t> </a:t>
+            </a:r>
+            <a:r>
+              <a:rPr lang="en-US" dirty="0" err="1" smtClean="0"/>
+              <a:t>immediatamente</a:t>
+            </a:r>
+            <a:r>
+              <a:rPr lang="en-US" dirty="0" smtClean="0"/>
+              <a:t> “</a:t>
+            </a:r>
+            <a:r>
+              <a:rPr lang="en-US" dirty="0" err="1" smtClean="0"/>
+              <a:t>l’Hot</a:t>
+            </a:r>
+            <a:r>
+              <a:rPr lang="en-US" dirty="0" smtClean="0"/>
+              <a:t> Path”, </a:t>
+            </a:r>
+            <a:r>
+              <a:rPr lang="en-US" dirty="0" err="1" smtClean="0"/>
+              <a:t>che</a:t>
+            </a:r>
+            <a:r>
+              <a:rPr lang="en-US" dirty="0" smtClean="0"/>
+              <a:t> </a:t>
+            </a:r>
+            <a:r>
+              <a:rPr lang="en-US" dirty="0" err="1" smtClean="0"/>
+              <a:t>mostra</a:t>
+            </a:r>
+            <a:r>
+              <a:rPr lang="en-US" dirty="0" smtClean="0"/>
+              <a:t> </a:t>
+            </a:r>
+            <a:r>
+              <a:rPr lang="en-US" dirty="0" err="1" smtClean="0"/>
+              <a:t>i</a:t>
+            </a:r>
+            <a:r>
+              <a:rPr lang="en-US" dirty="0" smtClean="0"/>
+              <a:t> </a:t>
+            </a:r>
+            <a:r>
+              <a:rPr lang="en-US" dirty="0" err="1" smtClean="0"/>
+              <a:t>punti</a:t>
+            </a:r>
+            <a:r>
+              <a:rPr lang="en-US" dirty="0" smtClean="0"/>
+              <a:t> </a:t>
+            </a:r>
+            <a:r>
+              <a:rPr lang="en-US" dirty="0" err="1" smtClean="0"/>
+              <a:t>critici</a:t>
+            </a:r>
+            <a:endParaRPr lang="en-US" dirty="0" smtClean="0"/>
+          </a:p>
+          <a:p>
+            <a:pPr lvl="0" algn="just"/>
+            <a:r>
+              <a:rPr lang="en-US" dirty="0" smtClean="0"/>
+              <a:t>E’ </a:t>
+            </a:r>
+            <a:r>
+              <a:rPr lang="en-US" dirty="0" err="1" smtClean="0"/>
+              <a:t>possibile</a:t>
+            </a:r>
+            <a:r>
+              <a:rPr lang="en-US" dirty="0" smtClean="0"/>
+              <a:t> </a:t>
+            </a:r>
+            <a:r>
+              <a:rPr lang="en-US" dirty="0" err="1" smtClean="0"/>
+              <a:t>configurare</a:t>
+            </a:r>
+            <a:r>
+              <a:rPr lang="en-US" dirty="0" smtClean="0"/>
+              <a:t> la </a:t>
+            </a:r>
+            <a:r>
+              <a:rPr lang="en-US" dirty="0" err="1" smtClean="0"/>
+              <a:t>visualizzazione</a:t>
+            </a:r>
+            <a:r>
+              <a:rPr lang="en-US" dirty="0" smtClean="0"/>
+              <a:t> </a:t>
+            </a:r>
+            <a:r>
+              <a:rPr lang="en-US" dirty="0" err="1" smtClean="0"/>
+              <a:t>dell’Hot</a:t>
+            </a:r>
+            <a:r>
+              <a:rPr lang="en-US" dirty="0" smtClean="0"/>
+              <a:t> Path, con </a:t>
+            </a:r>
+            <a:r>
+              <a:rPr lang="en-US" dirty="0" err="1" smtClean="0"/>
+              <a:t>il</a:t>
+            </a:r>
+            <a:r>
+              <a:rPr lang="en-US" dirty="0" smtClean="0"/>
+              <a:t> </a:t>
+            </a:r>
+            <a:r>
+              <a:rPr lang="en-US" dirty="0" err="1" smtClean="0"/>
+              <a:t>filtro</a:t>
+            </a:r>
+            <a:r>
+              <a:rPr lang="en-US" dirty="0" smtClean="0"/>
+              <a:t> di noise reduction, </a:t>
+            </a:r>
+            <a:r>
+              <a:rPr lang="en-US" dirty="0" err="1" smtClean="0"/>
+              <a:t>che</a:t>
+            </a:r>
+            <a:r>
+              <a:rPr lang="en-US" dirty="0" smtClean="0"/>
+              <a:t> </a:t>
+            </a:r>
+            <a:r>
+              <a:rPr lang="en-US" dirty="0" err="1" smtClean="0"/>
+              <a:t>abilita</a:t>
+            </a:r>
+            <a:r>
+              <a:rPr lang="en-US" dirty="0" smtClean="0"/>
+              <a:t> </a:t>
+            </a:r>
+            <a:r>
+              <a:rPr lang="en-US" dirty="0" err="1" smtClean="0"/>
+              <a:t>il</a:t>
+            </a:r>
+            <a:r>
+              <a:rPr lang="en-US" dirty="0" smtClean="0"/>
+              <a:t> trimming (</a:t>
+            </a:r>
+            <a:r>
+              <a:rPr lang="en-US" dirty="0" err="1" smtClean="0"/>
+              <a:t>esclude</a:t>
+            </a:r>
+            <a:r>
+              <a:rPr lang="en-US" dirty="0" smtClean="0"/>
+              <a:t> entry </a:t>
+            </a:r>
+            <a:r>
+              <a:rPr lang="en-US" dirty="0" err="1" smtClean="0"/>
+              <a:t>inferiori</a:t>
+            </a:r>
+            <a:r>
+              <a:rPr lang="en-US" dirty="0" smtClean="0"/>
+              <a:t> ad </a:t>
+            </a:r>
+            <a:r>
+              <a:rPr lang="en-US" dirty="0" err="1" smtClean="0"/>
+              <a:t>una</a:t>
+            </a:r>
+            <a:r>
+              <a:rPr lang="en-US" dirty="0" smtClean="0"/>
+              <a:t> </a:t>
+            </a:r>
+            <a:r>
+              <a:rPr lang="en-US" dirty="0" err="1" smtClean="0"/>
+              <a:t>certa</a:t>
+            </a:r>
+            <a:r>
+              <a:rPr lang="en-US" dirty="0" smtClean="0"/>
+              <a:t> </a:t>
+            </a:r>
+            <a:r>
+              <a:rPr lang="en-US" dirty="0" err="1" smtClean="0"/>
+              <a:t>soglia</a:t>
+            </a:r>
+            <a:r>
+              <a:rPr lang="en-US" dirty="0" smtClean="0"/>
+              <a:t> di inclusive sample) e </a:t>
+            </a:r>
+            <a:r>
+              <a:rPr lang="en-US" dirty="0" err="1" smtClean="0"/>
+              <a:t>il</a:t>
+            </a:r>
+            <a:r>
+              <a:rPr lang="en-US" dirty="0" smtClean="0"/>
+              <a:t> folding (</a:t>
+            </a:r>
+            <a:r>
+              <a:rPr lang="en-US" dirty="0" err="1" smtClean="0"/>
+              <a:t>accorpamento</a:t>
             </a:r>
             <a:r>
               <a:rPr lang="en-US" dirty="0" smtClean="0"/>
@@ -11543,173 +11479,27 @@
             </a:r>
             <a:r>
               <a:rPr lang="en-US" dirty="0" err="1" smtClean="0"/>
-              <a:t>bottiglia</a:t>
-            </a:r>
-            <a:r>
-              <a:rPr lang="en-US" dirty="0" smtClean="0"/>
-              <a:t> </a:t>
-            </a:r>
-            <a:r>
-              <a:rPr lang="en-US" dirty="0" err="1" smtClean="0"/>
-              <a:t>legati</a:t>
-            </a:r>
-            <a:r>
-              <a:rPr lang="en-US" dirty="0" smtClean="0"/>
-              <a:t> all’ IO</a:t>
-            </a:r>
-          </a:p>
-          <a:p>
-            <a:pPr lvl="0" algn="just"/>
-            <a:r>
-              <a:rPr lang="en-US" dirty="0" err="1" smtClean="0"/>
-              <a:t>Diversamente</a:t>
-            </a:r>
-            <a:r>
-              <a:rPr lang="en-US" dirty="0" smtClean="0"/>
-              <a:t> dal Sampling (</a:t>
-            </a:r>
-            <a:r>
-              <a:rPr lang="en-US" dirty="0" err="1" smtClean="0"/>
-              <a:t>che</a:t>
-            </a:r>
-            <a:r>
-              <a:rPr lang="en-US" dirty="0" smtClean="0"/>
-              <a:t> </a:t>
-            </a:r>
-            <a:r>
-              <a:rPr lang="en-US" dirty="0" err="1" smtClean="0"/>
-              <a:t>lavorava</a:t>
-            </a:r>
-            <a:r>
-              <a:rPr lang="en-US" dirty="0" smtClean="0"/>
-              <a:t> </a:t>
-            </a:r>
-            <a:r>
-              <a:rPr lang="en-US" dirty="0" err="1" smtClean="0"/>
-              <a:t>mediante</a:t>
-            </a:r>
-            <a:r>
-              <a:rPr lang="en-US" dirty="0" smtClean="0"/>
-              <a:t> interrupt </a:t>
-            </a:r>
-            <a:r>
-              <a:rPr lang="en-US" dirty="0" err="1" smtClean="0"/>
-              <a:t>alla</a:t>
-            </a:r>
-            <a:r>
-              <a:rPr lang="en-US" dirty="0" smtClean="0"/>
-              <a:t> CPU), </a:t>
-            </a:r>
-            <a:r>
-              <a:rPr lang="en-US" dirty="0" err="1" smtClean="0"/>
-              <a:t>questa</a:t>
-            </a:r>
-            <a:r>
-              <a:rPr lang="en-US" dirty="0" smtClean="0"/>
-              <a:t> </a:t>
-            </a:r>
-            <a:r>
-              <a:rPr lang="en-US" dirty="0" err="1" smtClean="0"/>
-              <a:t>modalità</a:t>
-            </a:r>
-            <a:r>
-              <a:rPr lang="en-US" dirty="0" smtClean="0"/>
-              <a:t> </a:t>
-            </a:r>
-            <a:r>
-              <a:rPr lang="en-US" dirty="0" err="1" smtClean="0"/>
-              <a:t>prevede</a:t>
-            </a:r>
-            <a:r>
-              <a:rPr lang="en-US" dirty="0" smtClean="0"/>
-              <a:t> di </a:t>
-            </a:r>
-            <a:r>
-              <a:rPr lang="en-US" dirty="0" err="1" smtClean="0"/>
-              <a:t>iniettare</a:t>
-            </a:r>
-            <a:r>
-              <a:rPr lang="en-US" dirty="0" smtClean="0"/>
-              <a:t> </a:t>
-            </a:r>
-            <a:r>
-              <a:rPr lang="en-US" dirty="0" err="1" smtClean="0"/>
-              <a:t>nel</a:t>
-            </a:r>
-            <a:r>
-              <a:rPr lang="en-US" dirty="0" smtClean="0"/>
-              <a:t> </a:t>
-            </a:r>
-            <a:r>
-              <a:rPr lang="en-US" dirty="0" err="1" smtClean="0"/>
-              <a:t>codice</a:t>
-            </a:r>
-            <a:r>
-              <a:rPr lang="en-US" dirty="0" smtClean="0"/>
-              <a:t> </a:t>
-            </a:r>
-            <a:r>
-              <a:rPr lang="en-US" dirty="0" err="1" smtClean="0"/>
-              <a:t>delle</a:t>
-            </a:r>
-            <a:r>
-              <a:rPr lang="en-US" dirty="0" smtClean="0"/>
-              <a:t> </a:t>
-            </a:r>
-            <a:r>
-              <a:rPr lang="en-US" dirty="0" err="1" smtClean="0"/>
-              <a:t>funzionalità</a:t>
-            </a:r>
-            <a:r>
-              <a:rPr lang="en-US" dirty="0" smtClean="0"/>
-              <a:t> </a:t>
-            </a:r>
-            <a:r>
-              <a:rPr lang="en-US" dirty="0" err="1" smtClean="0"/>
-              <a:t>atte</a:t>
-            </a:r>
-            <a:r>
-              <a:rPr lang="en-US" dirty="0" smtClean="0"/>
-              <a:t> a </a:t>
-            </a:r>
-            <a:r>
-              <a:rPr lang="en-US" dirty="0" err="1" smtClean="0"/>
-              <a:t>recuperare</a:t>
-            </a:r>
-            <a:r>
-              <a:rPr lang="en-US" dirty="0" smtClean="0"/>
-              <a:t> </a:t>
-            </a:r>
-            <a:r>
-              <a:rPr lang="en-US" dirty="0" err="1" smtClean="0"/>
-              <a:t>degli</a:t>
-            </a:r>
-            <a:r>
-              <a:rPr lang="en-US" dirty="0" smtClean="0"/>
-              <a:t> </a:t>
-            </a:r>
-            <a:r>
-              <a:rPr lang="en-US" dirty="0" err="1" smtClean="0"/>
-              <a:t>indicatori</a:t>
-            </a:r>
-            <a:r>
-              <a:rPr lang="en-US" dirty="0" smtClean="0"/>
-              <a:t> di performances</a:t>
-            </a:r>
-          </a:p>
-          <a:p>
-            <a:pPr lvl="0" algn="just"/>
-            <a:r>
-              <a:rPr lang="en-US" dirty="0" smtClean="0"/>
-              <a:t>E’ </a:t>
-            </a:r>
-            <a:r>
-              <a:rPr lang="en-US" dirty="0" err="1" smtClean="0"/>
-              <a:t>pertanto</a:t>
-            </a:r>
-            <a:r>
-              <a:rPr lang="en-US" dirty="0" smtClean="0"/>
-              <a:t> </a:t>
+              <a:t>funzioni</a:t>
+            </a:r>
+            <a:r>
+              <a:rPr lang="en-US" dirty="0" smtClean="0"/>
+              <a:t> la cui </a:t>
+            </a:r>
+            <a:r>
+              <a:rPr lang="en-US" dirty="0" err="1" smtClean="0"/>
+              <a:t>somma</a:t>
+            </a:r>
+            <a:r>
+              <a:rPr lang="en-US" dirty="0" smtClean="0"/>
+              <a:t> di % di inclusive sample è </a:t>
+            </a:r>
+            <a:r>
+              <a:rPr lang="en-US" dirty="0" err="1" smtClean="0"/>
+              <a:t>inferiore</a:t>
+            </a:r>
+            <a:r>
+              <a:rPr lang="en-US" dirty="0" smtClean="0"/>
+              <a:t> ad </a:t>
             </a:r>
             <a:r>
               <a:rPr lang="en-US" dirty="0" err="1" smtClean="0"/>
@@ -11721,84 +11511,17 @@
             </a:r>
             <a:r>
               <a:rPr lang="en-US" dirty="0" err="1" smtClean="0"/>
-              <a:t>misurazione</a:t>
-            </a:r>
-            <a:r>
-              <a:rPr lang="en-US" dirty="0" smtClean="0"/>
-              <a:t> </a:t>
-            </a:r>
-            <a:r>
-              <a:rPr lang="en-US" dirty="0" err="1" smtClean="0"/>
-              <a:t>più</a:t>
-            </a:r>
-            <a:r>
-              <a:rPr lang="en-US" dirty="0" smtClean="0"/>
-              <a:t> </a:t>
-            </a:r>
-            <a:r>
-              <a:rPr lang="en-US" dirty="0" err="1" smtClean="0"/>
-              <a:t>invasiva</a:t>
-            </a:r>
-            <a:r>
-              <a:rPr lang="en-US" dirty="0" smtClean="0"/>
-              <a:t> </a:t>
-            </a:r>
-            <a:r>
-              <a:rPr lang="en-US" dirty="0" err="1" smtClean="0"/>
-              <a:t>della</a:t>
-            </a:r>
-            <a:r>
-              <a:rPr lang="en-US" dirty="0" smtClean="0"/>
-              <a:t> </a:t>
-            </a:r>
-            <a:r>
-              <a:rPr lang="en-US" dirty="0" err="1" smtClean="0"/>
-              <a:t>precedente</a:t>
-            </a:r>
-            <a:r>
-              <a:rPr lang="en-US" dirty="0" smtClean="0"/>
-              <a:t>, </a:t>
-            </a:r>
-            <a:r>
-              <a:rPr lang="en-US" dirty="0" err="1" smtClean="0"/>
-              <a:t>può</a:t>
-            </a:r>
-            <a:r>
-              <a:rPr lang="en-US" dirty="0" smtClean="0"/>
-              <a:t> </a:t>
-            </a:r>
-            <a:r>
-              <a:rPr lang="en-US" dirty="0" err="1" smtClean="0"/>
-              <a:t>essere</a:t>
-            </a:r>
-            <a:r>
-              <a:rPr lang="en-US" dirty="0" smtClean="0"/>
-              <a:t> </a:t>
-            </a:r>
-            <a:r>
-              <a:rPr lang="en-US" dirty="0" err="1" smtClean="0"/>
-              <a:t>soggetta</a:t>
-            </a:r>
-            <a:r>
-              <a:rPr lang="en-US" dirty="0" smtClean="0"/>
-              <a:t> a </a:t>
-            </a:r>
-            <a:r>
-              <a:rPr lang="en-US" dirty="0" err="1" smtClean="0"/>
-              <a:t>problematiche</a:t>
-            </a:r>
-            <a:r>
-              <a:rPr lang="en-US" dirty="0" smtClean="0"/>
-              <a:t> di security</a:t>
-            </a:r>
-          </a:p>
-          <a:p>
-            <a:pPr lvl="0" algn="just"/>
+              <a:t>certa</a:t>
+            </a:r>
+            <a:r>
+              <a:rPr lang="en-US" dirty="0" smtClean="0"/>
+              <a:t> </a:t>
+            </a:r>
+            <a:r>
+              <a:rPr lang="en-US" dirty="0" err="1" smtClean="0"/>
+              <a:t>soglia</a:t>
+            </a:r>
             <a:endParaRPr lang="en-US" dirty="0" smtClean="0"/>
-          </a:p>
-          <a:p>
-            <a:pPr lvl="0" algn="just"/>
-            <a:endParaRPr lang="en-US" dirty="0"/>
           </a:p>
           <a:p>
             <a:pPr lvl="0" algn="just"/>
@@ -11809,18 +11532,18 @@
     </p:spTree>
     <p:extLst>
       <p:ext uri="{BB962C8B-B14F-4D97-AF65-F5344CB8AC3E}">
-        <p14:creationId xmlns:p14="http://schemas.microsoft.com/office/powerpoint/2010/main" val="2775193616"/>
+        <p14:creationId xmlns:p14="http://schemas.microsoft.com/office/powerpoint/2010/main" val="4005084147"/>
       </p:ext>
     </p:extLst>
   </p:cSld>
   <p:clrMapOvr>
     <a:masterClrMapping/>
   </p:clrMapOvr>
-  <mc:AlternateContent xmlns:mc="http://schemas.openxmlformats.org/markup-compatibility/2006">
-    <mc:Choice xmlns:p14="http://schemas.microsoft.com/office/powerpoint/2010/main" Requires="p14">
+  <mc:AlternateContent xmlns:mc="http://schemas.openxmlformats.org/markup-compatibility/2006" xmlns:p14="http://schemas.microsoft.com/office/powerpoint/2010/main">
+    <mc:Choice Requires="p14">
       <p:transition spd="slow" p14:dur="2000"/>
     </mc:Choice>
-    <mc:Fallback>
+    <mc:Fallback xmlns="">
       <p:transition spd="slow"/>
     </mc:Fallback>
   </mc:AlternateContent>
@@ -11853,7 +11576,7 @@
       </p:grpSpPr>
       <p:sp>
         <p:nvSpPr>
-          <p:cNvPr id="4" name="Title 3"/>
+          <p:cNvPr id="2" name="Title 1"/>
           <p:cNvSpPr>
             <a:spLocks noGrp="1"/>
           </p:cNvSpPr>
@@ -11867,8 +11590,20 @@
           <a:lstStyle/>
           <a:p>
             <a:r>
-              <a:rPr lang="it-IT" dirty="0" smtClean="0"/>
-              <a:t>demo</a:t>
+              <a:rPr lang="en-US" dirty="0" smtClean="0"/>
+              <a:t>Sampling – </a:t>
+            </a:r>
+            <a:r>
+              <a:rPr lang="en-US" dirty="0" err="1" smtClean="0"/>
+              <a:t>interpretazione</a:t>
+            </a:r>
+            <a:r>
+              <a:rPr lang="en-US" dirty="0" smtClean="0"/>
+              <a:t> </a:t>
+            </a:r>
+            <a:r>
+              <a:rPr lang="en-US" dirty="0" err="1" smtClean="0"/>
+              <a:t>risultati</a:t>
             </a:r>
             <a:endParaRPr lang="it-IT" dirty="0"/>
           </a:p>
@@ -11876,39 +11611,180 @@
       </p:sp>
       <p:sp>
         <p:nvSpPr>
-          <p:cNvPr id="5" name="Text Placeholder 4"/>
+          <p:cNvPr id="3" name="Content Placeholder 2"/>
           <p:cNvSpPr>
             <a:spLocks noGrp="1"/>
           </p:cNvSpPr>
           <p:nvPr>
-            <p:ph type="body" idx="1"/>
+            <p:ph idx="1"/>
           </p:nvPr>
         </p:nvSpPr>
         <p:spPr/>
         <p:txBody>
-          <a:bodyPr/>
+          <a:bodyPr>
+            <a:normAutofit/>
+          </a:bodyPr>
           <a:lstStyle/>
           <a:p>
-            <a:r>
-              <a:rPr lang="fr-FR" dirty="0" err="1" smtClean="0"/>
-              <a:t>Titolo</a:t>
-            </a:r>
-            <a:r>
-              <a:rPr lang="fr-FR" dirty="0" smtClean="0"/>
-              <a:t> </a:t>
-            </a:r>
-            <a:r>
-              <a:rPr lang="fr-FR" dirty="0" err="1" smtClean="0"/>
-              <a:t>demo</a:t>
-            </a:r>
-            <a:endParaRPr lang="fr-FR" dirty="0"/>
+            <a:pPr lvl="0" algn="just"/>
+            <a:r>
+              <a:rPr lang="en-US" dirty="0" err="1" smtClean="0"/>
+              <a:t>Dall’albero</a:t>
+            </a:r>
+            <a:r>
+              <a:rPr lang="en-US" dirty="0" smtClean="0"/>
+              <a:t> </a:t>
+            </a:r>
+            <a:r>
+              <a:rPr lang="en-US" dirty="0" err="1" smtClean="0"/>
+              <a:t>si</a:t>
+            </a:r>
+            <a:r>
+              <a:rPr lang="en-US" dirty="0" smtClean="0"/>
+              <a:t> </a:t>
+            </a:r>
+            <a:r>
+              <a:rPr lang="en-US" dirty="0" err="1" smtClean="0"/>
+              <a:t>può</a:t>
+            </a:r>
+            <a:r>
+              <a:rPr lang="en-US" dirty="0" smtClean="0"/>
+              <a:t> </a:t>
+            </a:r>
+            <a:r>
+              <a:rPr lang="en-US" dirty="0" err="1" smtClean="0"/>
+              <a:t>vedere</a:t>
+            </a:r>
+            <a:r>
+              <a:rPr lang="en-US" dirty="0" smtClean="0"/>
+              <a:t> come </a:t>
+            </a:r>
+            <a:r>
+              <a:rPr lang="en-US" dirty="0" err="1" smtClean="0"/>
+              <a:t>sia</a:t>
+            </a:r>
+            <a:r>
+              <a:rPr lang="en-US" dirty="0" smtClean="0"/>
+              <a:t> </a:t>
+            </a:r>
+            <a:r>
+              <a:rPr lang="en-US" dirty="0" err="1" smtClean="0"/>
+              <a:t>significativa</a:t>
+            </a:r>
+            <a:r>
+              <a:rPr lang="en-US" dirty="0" smtClean="0"/>
+              <a:t> la </a:t>
+            </a:r>
+            <a:r>
+              <a:rPr lang="en-US" dirty="0" err="1" smtClean="0"/>
+              <a:t>percentuale</a:t>
+            </a:r>
+            <a:r>
+              <a:rPr lang="en-US" dirty="0" smtClean="0"/>
+              <a:t> di inclusive sample</a:t>
+            </a:r>
+          </a:p>
+          <a:p>
+            <a:pPr lvl="0" algn="just"/>
+            <a:r>
+              <a:rPr lang="en-US" dirty="0" err="1" smtClean="0"/>
+              <a:t>Una</a:t>
+            </a:r>
+            <a:r>
+              <a:rPr lang="en-US" dirty="0" smtClean="0"/>
+              <a:t> entry “Inclusive Samples” è per </a:t>
+            </a:r>
+            <a:r>
+              <a:rPr lang="en-US" dirty="0" err="1" smtClean="0"/>
+              <a:t>definizione</a:t>
+            </a:r>
+            <a:r>
+              <a:rPr lang="en-US" dirty="0" smtClean="0"/>
+              <a:t> la </a:t>
+            </a:r>
+            <a:r>
+              <a:rPr lang="en-US" dirty="0" err="1" smtClean="0"/>
+              <a:t>somma</a:t>
+            </a:r>
+            <a:r>
+              <a:rPr lang="en-US" dirty="0" smtClean="0"/>
+              <a:t> </a:t>
+            </a:r>
+            <a:r>
+              <a:rPr lang="en-US" dirty="0" err="1" smtClean="0"/>
+              <a:t>della</a:t>
+            </a:r>
+            <a:r>
+              <a:rPr lang="en-US" dirty="0" smtClean="0"/>
+              <a:t> </a:t>
+            </a:r>
+            <a:r>
+              <a:rPr lang="en-US" dirty="0" err="1" smtClean="0"/>
+              <a:t>precedente</a:t>
+            </a:r>
+            <a:r>
+              <a:rPr lang="en-US" dirty="0" smtClean="0"/>
+              <a:t> entry e </a:t>
+            </a:r>
+            <a:r>
+              <a:rPr lang="en-US" dirty="0" err="1" smtClean="0"/>
+              <a:t>della</a:t>
+            </a:r>
+            <a:r>
+              <a:rPr lang="en-US" dirty="0" smtClean="0"/>
+              <a:t> </a:t>
+            </a:r>
+            <a:r>
+              <a:rPr lang="en-US" dirty="0" err="1" smtClean="0"/>
+              <a:t>propria</a:t>
+            </a:r>
+            <a:r>
+              <a:rPr lang="en-US" dirty="0" smtClean="0"/>
+              <a:t> “Exclusive Samples”</a:t>
+            </a:r>
+          </a:p>
+          <a:p>
+            <a:pPr lvl="0" algn="just"/>
+            <a:endParaRPr lang="en-US" dirty="0" smtClean="0"/>
+          </a:p>
+          <a:p>
+            <a:pPr lvl="0" algn="just"/>
+            <a:endParaRPr lang="en-US" dirty="0"/>
+          </a:p>
+          <a:p>
+            <a:pPr lvl="0" algn="just"/>
+            <a:endParaRPr lang="en-US" dirty="0"/>
           </a:p>
         </p:txBody>
       </p:sp>
+      <p:pic>
+        <p:nvPicPr>
+          <p:cNvPr id="5" name="Picture 4"/>
+          <p:cNvPicPr>
+            <a:picLocks noChangeAspect="1"/>
+          </p:cNvPicPr>
+          <p:nvPr/>
+        </p:nvPicPr>
+        <p:blipFill>
+          <a:blip r:embed="rId2"/>
+          <a:stretch>
+            <a:fillRect/>
+          </a:stretch>
+        </p:blipFill>
+        <p:spPr>
+          <a:xfrm>
+            <a:off x="1410049" y="3277412"/>
+            <a:ext cx="7110286" cy="3040203"/>
+          </a:xfrm>
+          <a:prstGeom prst="rect">
+            <a:avLst/>
+          </a:prstGeom>
+        </p:spPr>
+      </p:pic>
     </p:spTree>
     <p:extLst>
       <p:ext uri="{BB962C8B-B14F-4D97-AF65-F5344CB8AC3E}">
-        <p14:creationId xmlns:p14="http://schemas.microsoft.com/office/powerpoint/2010/main" val="178878209"/>
+        <p14:creationId xmlns:p14="http://schemas.microsoft.com/office/powerpoint/2010/main" val="2943567147"/>
       </p:ext>
     </p:extLst>
   </p:cSld>
@@ -11952,6 +11828,1381 @@
       </p:grpSpPr>
       <p:sp>
         <p:nvSpPr>
+          <p:cNvPr id="2" name="Title 1"/>
+          <p:cNvSpPr>
+            <a:spLocks noGrp="1"/>
+          </p:cNvSpPr>
+          <p:nvPr>
+            <p:ph type="title"/>
+          </p:nvPr>
+        </p:nvSpPr>
+        <p:spPr/>
+        <p:txBody>
+          <a:bodyPr/>
+          <a:lstStyle/>
+          <a:p>
+            <a:r>
+              <a:rPr lang="en-US" dirty="0" smtClean="0"/>
+              <a:t>Instrumentation</a:t>
+            </a:r>
+            <a:endParaRPr lang="it-IT" dirty="0"/>
+          </a:p>
+        </p:txBody>
+      </p:sp>
+      <p:sp>
+        <p:nvSpPr>
+          <p:cNvPr id="3" name="Content Placeholder 2"/>
+          <p:cNvSpPr>
+            <a:spLocks noGrp="1"/>
+          </p:cNvSpPr>
+          <p:nvPr>
+            <p:ph idx="1"/>
+          </p:nvPr>
+        </p:nvSpPr>
+        <p:spPr/>
+        <p:txBody>
+          <a:bodyPr>
+            <a:normAutofit/>
+          </a:bodyPr>
+          <a:lstStyle/>
+          <a:p>
+            <a:pPr lvl="0" algn="just"/>
+            <a:r>
+              <a:rPr lang="en-US" dirty="0" smtClean="0"/>
+              <a:t>Introduce </a:t>
+            </a:r>
+            <a:r>
+              <a:rPr lang="en-US" dirty="0" err="1" smtClean="0"/>
+              <a:t>informazioni</a:t>
+            </a:r>
+            <a:r>
+              <a:rPr lang="en-US" dirty="0" smtClean="0"/>
+              <a:t> di timing </a:t>
+            </a:r>
+            <a:r>
+              <a:rPr lang="en-US" dirty="0" err="1" smtClean="0"/>
+              <a:t>sulle</a:t>
+            </a:r>
+            <a:r>
+              <a:rPr lang="en-US" dirty="0" smtClean="0"/>
+              <a:t> </a:t>
+            </a:r>
+            <a:r>
+              <a:rPr lang="en-US" dirty="0" err="1" smtClean="0"/>
+              <a:t>chiamate</a:t>
+            </a:r>
+            <a:r>
+              <a:rPr lang="en-US" dirty="0" smtClean="0"/>
+              <a:t> a </a:t>
+            </a:r>
+            <a:r>
+              <a:rPr lang="en-US" dirty="0" err="1" smtClean="0"/>
+              <a:t>funzione</a:t>
+            </a:r>
+            <a:endParaRPr lang="en-US" dirty="0" smtClean="0"/>
+          </a:p>
+          <a:p>
+            <a:pPr algn="just"/>
+            <a:r>
+              <a:rPr lang="en-US" dirty="0" err="1"/>
+              <a:t>Diversamente</a:t>
+            </a:r>
+            <a:r>
+              <a:rPr lang="en-US" dirty="0"/>
+              <a:t> dal Sampling (</a:t>
+            </a:r>
+            <a:r>
+              <a:rPr lang="en-US" dirty="0" err="1"/>
+              <a:t>che</a:t>
+            </a:r>
+            <a:r>
+              <a:rPr lang="en-US" dirty="0"/>
+              <a:t> </a:t>
+            </a:r>
+            <a:r>
+              <a:rPr lang="en-US" dirty="0" err="1" smtClean="0"/>
+              <a:t>lavora</a:t>
+            </a:r>
+            <a:r>
+              <a:rPr lang="en-US" dirty="0" smtClean="0"/>
+              <a:t> </a:t>
+            </a:r>
+            <a:r>
+              <a:rPr lang="en-US" dirty="0" err="1"/>
+              <a:t>mediante</a:t>
+            </a:r>
+            <a:r>
+              <a:rPr lang="en-US" dirty="0"/>
+              <a:t> interrupt </a:t>
+            </a:r>
+            <a:r>
+              <a:rPr lang="en-US" dirty="0" err="1"/>
+              <a:t>alla</a:t>
+            </a:r>
+            <a:r>
+              <a:rPr lang="en-US" dirty="0"/>
+              <a:t> CPU), </a:t>
+            </a:r>
+            <a:r>
+              <a:rPr lang="en-US" dirty="0" err="1"/>
+              <a:t>questa</a:t>
+            </a:r>
+            <a:r>
+              <a:rPr lang="en-US" dirty="0"/>
+              <a:t> </a:t>
+            </a:r>
+            <a:r>
+              <a:rPr lang="en-US" dirty="0" err="1"/>
+              <a:t>modalità</a:t>
+            </a:r>
+            <a:r>
+              <a:rPr lang="en-US" dirty="0"/>
+              <a:t> </a:t>
+            </a:r>
+            <a:r>
+              <a:rPr lang="en-US" dirty="0" err="1"/>
+              <a:t>prevede</a:t>
+            </a:r>
+            <a:r>
+              <a:rPr lang="en-US" dirty="0"/>
+              <a:t> di </a:t>
+            </a:r>
+            <a:r>
+              <a:rPr lang="en-US" dirty="0" err="1"/>
+              <a:t>iniettare</a:t>
+            </a:r>
+            <a:r>
+              <a:rPr lang="en-US" dirty="0"/>
+              <a:t> </a:t>
+            </a:r>
+            <a:r>
+              <a:rPr lang="en-US" dirty="0" err="1"/>
+              <a:t>nel</a:t>
+            </a:r>
+            <a:r>
+              <a:rPr lang="en-US" dirty="0"/>
+              <a:t> </a:t>
+            </a:r>
+            <a:r>
+              <a:rPr lang="en-US" dirty="0" err="1"/>
+              <a:t>codice</a:t>
+            </a:r>
+            <a:r>
+              <a:rPr lang="en-US" dirty="0"/>
+              <a:t> </a:t>
+            </a:r>
+            <a:r>
+              <a:rPr lang="en-US" dirty="0" err="1"/>
+              <a:t>delle</a:t>
+            </a:r>
+            <a:r>
+              <a:rPr lang="en-US" dirty="0"/>
+              <a:t> </a:t>
+            </a:r>
+            <a:r>
+              <a:rPr lang="en-US" dirty="0" err="1"/>
+              <a:t>funzionalità</a:t>
+            </a:r>
+            <a:r>
+              <a:rPr lang="en-US" dirty="0"/>
+              <a:t> </a:t>
+            </a:r>
+            <a:r>
+              <a:rPr lang="en-US" dirty="0" err="1"/>
+              <a:t>atte</a:t>
+            </a:r>
+            <a:r>
+              <a:rPr lang="en-US" dirty="0"/>
+              <a:t> a </a:t>
+            </a:r>
+            <a:r>
+              <a:rPr lang="en-US" dirty="0" err="1"/>
+              <a:t>recuperare</a:t>
+            </a:r>
+            <a:r>
+              <a:rPr lang="en-US" dirty="0"/>
+              <a:t> </a:t>
+            </a:r>
+            <a:r>
+              <a:rPr lang="en-US" dirty="0" err="1"/>
+              <a:t>degli</a:t>
+            </a:r>
+            <a:r>
+              <a:rPr lang="en-US" dirty="0"/>
+              <a:t> </a:t>
+            </a:r>
+            <a:r>
+              <a:rPr lang="en-US" dirty="0" err="1"/>
+              <a:t>indicatori</a:t>
+            </a:r>
+            <a:r>
+              <a:rPr lang="en-US" dirty="0"/>
+              <a:t> di </a:t>
+            </a:r>
+            <a:r>
+              <a:rPr lang="en-US" dirty="0" smtClean="0"/>
+              <a:t>performances. </a:t>
+            </a:r>
+          </a:p>
+          <a:p>
+            <a:pPr algn="just"/>
+            <a:r>
+              <a:rPr lang="en-US" dirty="0" smtClean="0"/>
+              <a:t>In </a:t>
+            </a:r>
+            <a:r>
+              <a:rPr lang="en-US" dirty="0" err="1" smtClean="0"/>
+              <a:t>particolare</a:t>
+            </a:r>
+            <a:r>
+              <a:rPr lang="en-US" dirty="0" smtClean="0"/>
+              <a:t> </a:t>
+            </a:r>
+            <a:r>
+              <a:rPr lang="en-US" dirty="0" err="1" smtClean="0"/>
+              <a:t>il</a:t>
+            </a:r>
+            <a:r>
+              <a:rPr lang="en-US" dirty="0" smtClean="0"/>
+              <a:t> </a:t>
+            </a:r>
+            <a:r>
+              <a:rPr lang="en-US" dirty="0" err="1" smtClean="0"/>
+              <a:t>codice</a:t>
+            </a:r>
+            <a:r>
+              <a:rPr lang="en-US" dirty="0" smtClean="0"/>
+              <a:t> è </a:t>
+            </a:r>
+            <a:r>
+              <a:rPr lang="en-US" dirty="0" err="1" smtClean="0"/>
+              <a:t>iniettato</a:t>
+            </a:r>
+            <a:r>
+              <a:rPr lang="en-US" dirty="0" smtClean="0"/>
+              <a:t> </a:t>
+            </a:r>
+            <a:r>
+              <a:rPr lang="en-US" dirty="0" err="1" smtClean="0"/>
+              <a:t>all’inizio</a:t>
+            </a:r>
+            <a:r>
+              <a:rPr lang="en-US" dirty="0" smtClean="0"/>
+              <a:t> e </a:t>
+            </a:r>
+            <a:r>
+              <a:rPr lang="en-US" dirty="0" err="1" smtClean="0"/>
+              <a:t>alla</a:t>
+            </a:r>
+            <a:r>
+              <a:rPr lang="en-US" dirty="0" smtClean="0"/>
+              <a:t> fine di </a:t>
+            </a:r>
+            <a:r>
+              <a:rPr lang="en-US" dirty="0" err="1" smtClean="0"/>
+              <a:t>ogni</a:t>
+            </a:r>
+            <a:r>
+              <a:rPr lang="en-US" dirty="0" smtClean="0"/>
+              <a:t> </a:t>
+            </a:r>
+            <a:r>
+              <a:rPr lang="en-US" dirty="0" err="1" smtClean="0"/>
+              <a:t>funzione</a:t>
+            </a:r>
+            <a:r>
+              <a:rPr lang="en-US" dirty="0" smtClean="0"/>
+              <a:t>, e, </a:t>
+            </a:r>
+            <a:r>
+              <a:rPr lang="en-US" dirty="0" err="1" smtClean="0"/>
+              <a:t>all’interno</a:t>
+            </a:r>
+            <a:r>
+              <a:rPr lang="en-US" dirty="0" smtClean="0"/>
+              <a:t> di </a:t>
+            </a:r>
+            <a:r>
+              <a:rPr lang="en-US" dirty="0" err="1" smtClean="0"/>
+              <a:t>ciascuna</a:t>
+            </a:r>
+            <a:r>
+              <a:rPr lang="en-US" dirty="0" smtClean="0"/>
+              <a:t>, prima e </a:t>
+            </a:r>
+            <a:r>
+              <a:rPr lang="en-US" dirty="0" err="1" smtClean="0"/>
+              <a:t>dopo</a:t>
+            </a:r>
+            <a:r>
+              <a:rPr lang="en-US" dirty="0" smtClean="0"/>
+              <a:t> </a:t>
+            </a:r>
+            <a:r>
+              <a:rPr lang="en-US" dirty="0" err="1" smtClean="0"/>
+              <a:t>ogni</a:t>
+            </a:r>
+            <a:r>
+              <a:rPr lang="en-US" dirty="0" smtClean="0"/>
+              <a:t> </a:t>
+            </a:r>
+            <a:r>
+              <a:rPr lang="en-US" dirty="0" err="1" smtClean="0"/>
+              <a:t>chiamata</a:t>
+            </a:r>
+            <a:r>
+              <a:rPr lang="en-US" dirty="0" smtClean="0"/>
+              <a:t> ad </a:t>
+            </a:r>
+            <a:r>
+              <a:rPr lang="en-US" dirty="0" err="1" smtClean="0"/>
+              <a:t>altre</a:t>
+            </a:r>
+            <a:r>
+              <a:rPr lang="en-US" dirty="0" smtClean="0"/>
+              <a:t> </a:t>
+            </a:r>
+            <a:r>
+              <a:rPr lang="en-US" dirty="0" err="1" smtClean="0"/>
+              <a:t>funzioni</a:t>
+            </a:r>
+            <a:r>
+              <a:rPr lang="en-US" dirty="0" smtClean="0"/>
+              <a:t>.</a:t>
+            </a:r>
+            <a:endParaRPr lang="en-US" dirty="0" smtClean="0"/>
+          </a:p>
+          <a:p>
+            <a:pPr lvl="0" algn="just"/>
+            <a:r>
+              <a:rPr lang="en-US" dirty="0" err="1" smtClean="0"/>
+              <a:t>Questo</a:t>
+            </a:r>
+            <a:r>
+              <a:rPr lang="en-US" dirty="0" smtClean="0"/>
+              <a:t> </a:t>
+            </a:r>
+            <a:r>
+              <a:rPr lang="en-US" dirty="0" err="1" smtClean="0"/>
+              <a:t>tipo</a:t>
+            </a:r>
+            <a:r>
+              <a:rPr lang="en-US" dirty="0" smtClean="0"/>
+              <a:t> di </a:t>
+            </a:r>
+            <a:r>
+              <a:rPr lang="en-US" dirty="0" err="1" smtClean="0"/>
+              <a:t>profilazione</a:t>
+            </a:r>
+            <a:r>
+              <a:rPr lang="en-US" dirty="0" smtClean="0"/>
+              <a:t> è </a:t>
+            </a:r>
+            <a:r>
+              <a:rPr lang="en-US" dirty="0" err="1" smtClean="0"/>
+              <a:t>indicata</a:t>
+            </a:r>
+            <a:r>
+              <a:rPr lang="en-US" dirty="0" smtClean="0"/>
+              <a:t> per </a:t>
+            </a:r>
+            <a:r>
+              <a:rPr lang="en-US" dirty="0" err="1" smtClean="0"/>
+              <a:t>individuare</a:t>
+            </a:r>
+            <a:r>
+              <a:rPr lang="en-US" dirty="0" smtClean="0"/>
+              <a:t> </a:t>
+            </a:r>
+            <a:r>
+              <a:rPr lang="en-US" dirty="0" err="1" smtClean="0"/>
+              <a:t>colli</a:t>
+            </a:r>
+            <a:r>
+              <a:rPr lang="en-US" dirty="0" smtClean="0"/>
+              <a:t> di </a:t>
+            </a:r>
+            <a:r>
+              <a:rPr lang="en-US" dirty="0" err="1" smtClean="0"/>
+              <a:t>bottiglia</a:t>
+            </a:r>
+            <a:r>
+              <a:rPr lang="en-US" dirty="0" smtClean="0"/>
+              <a:t> </a:t>
+            </a:r>
+            <a:r>
+              <a:rPr lang="en-US" dirty="0" err="1" smtClean="0"/>
+              <a:t>legati</a:t>
+            </a:r>
+            <a:r>
+              <a:rPr lang="en-US" dirty="0" smtClean="0"/>
+              <a:t> all’ </a:t>
+            </a:r>
+            <a:r>
+              <a:rPr lang="en-US" dirty="0" smtClean="0"/>
+              <a:t>IO</a:t>
+            </a:r>
+            <a:endParaRPr lang="en-US" dirty="0" smtClean="0"/>
+          </a:p>
+          <a:p>
+            <a:pPr lvl="0" algn="just"/>
+            <a:r>
+              <a:rPr lang="en-US" dirty="0" smtClean="0"/>
+              <a:t>E</a:t>
+            </a:r>
+            <a:r>
+              <a:rPr lang="en-US" dirty="0" smtClean="0"/>
+              <a:t>’ </a:t>
+            </a:r>
+            <a:r>
+              <a:rPr lang="en-US" dirty="0" err="1" smtClean="0"/>
+              <a:t>pertanto</a:t>
+            </a:r>
+            <a:r>
+              <a:rPr lang="en-US" dirty="0" smtClean="0"/>
+              <a:t> </a:t>
+            </a:r>
+            <a:r>
+              <a:rPr lang="en-US" dirty="0" err="1" smtClean="0"/>
+              <a:t>una</a:t>
+            </a:r>
+            <a:r>
+              <a:rPr lang="en-US" dirty="0" smtClean="0"/>
+              <a:t> </a:t>
+            </a:r>
+            <a:r>
+              <a:rPr lang="en-US" dirty="0" err="1" smtClean="0"/>
+              <a:t>misurazione</a:t>
+            </a:r>
+            <a:r>
+              <a:rPr lang="en-US" dirty="0" smtClean="0"/>
+              <a:t> </a:t>
+            </a:r>
+            <a:r>
+              <a:rPr lang="en-US" dirty="0" err="1" smtClean="0"/>
+              <a:t>più</a:t>
+            </a:r>
+            <a:r>
+              <a:rPr lang="en-US" dirty="0" smtClean="0"/>
+              <a:t> </a:t>
+            </a:r>
+            <a:r>
+              <a:rPr lang="en-US" dirty="0" err="1" smtClean="0"/>
+              <a:t>invasiva</a:t>
+            </a:r>
+            <a:r>
+              <a:rPr lang="en-US" dirty="0" smtClean="0"/>
+              <a:t> </a:t>
+            </a:r>
+            <a:r>
+              <a:rPr lang="en-US" dirty="0" err="1" smtClean="0"/>
+              <a:t>della</a:t>
+            </a:r>
+            <a:r>
+              <a:rPr lang="en-US" dirty="0" smtClean="0"/>
+              <a:t> </a:t>
+            </a:r>
+            <a:r>
+              <a:rPr lang="en-US" dirty="0" err="1" smtClean="0"/>
+              <a:t>precedente</a:t>
+            </a:r>
+            <a:r>
+              <a:rPr lang="en-US" dirty="0"/>
+              <a:t>.</a:t>
+            </a:r>
+            <a:endParaRPr lang="en-US" dirty="0" smtClean="0"/>
+          </a:p>
+          <a:p>
+            <a:pPr lvl="0" algn="just"/>
+            <a:endParaRPr lang="en-US" dirty="0" smtClean="0"/>
+          </a:p>
+          <a:p>
+            <a:pPr lvl="0" algn="just"/>
+            <a:endParaRPr lang="en-US" dirty="0"/>
+          </a:p>
+          <a:p>
+            <a:pPr lvl="0" algn="just"/>
+            <a:endParaRPr lang="en-US" dirty="0"/>
+          </a:p>
+        </p:txBody>
+      </p:sp>
+    </p:spTree>
+    <p:extLst>
+      <p:ext uri="{BB962C8B-B14F-4D97-AF65-F5344CB8AC3E}">
+        <p14:creationId xmlns:p14="http://schemas.microsoft.com/office/powerpoint/2010/main" val="2775193616"/>
+      </p:ext>
+    </p:extLst>
+  </p:cSld>
+  <p:clrMapOvr>
+    <a:masterClrMapping/>
+  </p:clrMapOvr>
+  <mc:AlternateContent xmlns:mc="http://schemas.openxmlformats.org/markup-compatibility/2006" xmlns:p14="http://schemas.microsoft.com/office/powerpoint/2010/main">
+    <mc:Choice Requires="p14">
+      <p:transition spd="slow" p14:dur="2000"/>
+    </mc:Choice>
+    <mc:Fallback xmlns="">
+      <p:transition spd="slow"/>
+    </mc:Fallback>
+  </mc:AlternateContent>
+  <p:timing>
+    <p:tnLst>
+      <p:par>
+        <p:cTn id="1" dur="indefinite" restart="never" nodeType="tmRoot"/>
+      </p:par>
+    </p:tnLst>
+  </p:timing>
+</p:sld>
+</file>
+
+<file path=ppt/slides/slide26.xml><?xml version="1.0" encoding="utf-8"?>
+<p:sld xmlns:a="http://schemas.openxmlformats.org/drawingml/2006/main" xmlns:r="http://schemas.openxmlformats.org/officeDocument/2006/relationships" xmlns:p="http://schemas.openxmlformats.org/presentationml/2006/main">
+  <p:cSld>
+    <p:spTree>
+      <p:nvGrpSpPr>
+        <p:cNvPr id="1" name=""/>
+        <p:cNvGrpSpPr/>
+        <p:nvPr/>
+      </p:nvGrpSpPr>
+      <p:grpSpPr>
+        <a:xfrm>
+          <a:off x="0" y="0"/>
+          <a:ext cx="0" cy="0"/>
+          <a:chOff x="0" y="0"/>
+          <a:chExt cx="0" cy="0"/>
+        </a:xfrm>
+      </p:grpSpPr>
+      <p:sp>
+        <p:nvSpPr>
+          <p:cNvPr id="2" name="Title 1"/>
+          <p:cNvSpPr>
+            <a:spLocks noGrp="1"/>
+          </p:cNvSpPr>
+          <p:nvPr>
+            <p:ph type="title"/>
+          </p:nvPr>
+        </p:nvSpPr>
+        <p:spPr/>
+        <p:txBody>
+          <a:bodyPr/>
+          <a:lstStyle/>
+          <a:p>
+            <a:r>
+              <a:rPr lang="en-US" dirty="0" smtClean="0"/>
+              <a:t>Instrumentation - </a:t>
+            </a:r>
+            <a:r>
+              <a:rPr lang="en-US" dirty="0" err="1" smtClean="0"/>
+              <a:t>indicatori</a:t>
+            </a:r>
+            <a:endParaRPr lang="it-IT" dirty="0"/>
+          </a:p>
+        </p:txBody>
+      </p:sp>
+      <p:sp>
+        <p:nvSpPr>
+          <p:cNvPr id="3" name="Content Placeholder 2"/>
+          <p:cNvSpPr>
+            <a:spLocks noGrp="1"/>
+          </p:cNvSpPr>
+          <p:nvPr>
+            <p:ph idx="1"/>
+          </p:nvPr>
+        </p:nvSpPr>
+        <p:spPr/>
+        <p:txBody>
+          <a:bodyPr>
+            <a:normAutofit/>
+          </a:bodyPr>
+          <a:lstStyle/>
+          <a:p>
+            <a:pPr lvl="0" algn="just"/>
+            <a:r>
+              <a:rPr lang="en-US" dirty="0" smtClean="0"/>
+              <a:t>Data ad </a:t>
+            </a:r>
+            <a:r>
+              <a:rPr lang="en-US" dirty="0" err="1" smtClean="0"/>
+              <a:t>esempio</a:t>
+            </a:r>
+            <a:r>
+              <a:rPr lang="en-US" dirty="0" smtClean="0"/>
+              <a:t> </a:t>
+            </a:r>
+            <a:r>
+              <a:rPr lang="en-US" dirty="0" err="1" smtClean="0"/>
+              <a:t>una</a:t>
+            </a:r>
+            <a:r>
+              <a:rPr lang="en-US" dirty="0" smtClean="0"/>
+              <a:t> </a:t>
+            </a:r>
+            <a:r>
+              <a:rPr lang="en-US" dirty="0" err="1" smtClean="0"/>
+              <a:t>funzione</a:t>
+            </a:r>
+            <a:r>
+              <a:rPr lang="en-US" dirty="0" smtClean="0"/>
+              <a:t> F </a:t>
+            </a:r>
+            <a:r>
+              <a:rPr lang="en-US" dirty="0" err="1" smtClean="0"/>
+              <a:t>soggetta</a:t>
+            </a:r>
+            <a:r>
+              <a:rPr lang="en-US" dirty="0" smtClean="0"/>
+              <a:t> ad instrumentation, </a:t>
+            </a:r>
+            <a:r>
+              <a:rPr lang="en-US" dirty="0" err="1" smtClean="0"/>
+              <a:t>definiamo</a:t>
+            </a:r>
+            <a:r>
+              <a:rPr lang="en-US" dirty="0" smtClean="0"/>
+              <a:t> I </a:t>
+            </a:r>
+            <a:r>
+              <a:rPr lang="en-US" dirty="0" err="1" smtClean="0"/>
+              <a:t>seguenti</a:t>
+            </a:r>
+            <a:r>
+              <a:rPr lang="en-US" dirty="0" smtClean="0"/>
+              <a:t> tempi:</a:t>
+            </a:r>
+          </a:p>
+          <a:p>
+            <a:pPr lvl="1" algn="just"/>
+            <a:r>
+              <a:rPr lang="en-US" b="1" dirty="0" err="1" smtClean="0"/>
+              <a:t>Tf</a:t>
+            </a:r>
+            <a:r>
+              <a:rPr lang="en-US" b="1" dirty="0" smtClean="0"/>
+              <a:t> </a:t>
+            </a:r>
+            <a:r>
+              <a:rPr lang="en-US" dirty="0" smtClean="0"/>
+              <a:t>: tempo per </a:t>
+            </a:r>
+            <a:r>
+              <a:rPr lang="en-US" dirty="0" err="1" smtClean="0"/>
+              <a:t>eseguire</a:t>
+            </a:r>
+            <a:r>
+              <a:rPr lang="en-US" dirty="0" smtClean="0"/>
+              <a:t> la </a:t>
+            </a:r>
+            <a:r>
+              <a:rPr lang="en-US" dirty="0" err="1" smtClean="0"/>
+              <a:t>funzione</a:t>
+            </a:r>
+            <a:r>
+              <a:rPr lang="en-US" dirty="0" smtClean="0"/>
+              <a:t> F</a:t>
+            </a:r>
+          </a:p>
+          <a:p>
+            <a:pPr lvl="1" algn="just"/>
+            <a:r>
+              <a:rPr lang="en-US" b="1" dirty="0" err="1" smtClean="0"/>
+              <a:t>Tsf</a:t>
+            </a:r>
+            <a:r>
+              <a:rPr lang="en-US" b="1" dirty="0" smtClean="0"/>
+              <a:t> </a:t>
+            </a:r>
+            <a:r>
+              <a:rPr lang="en-US" dirty="0" smtClean="0"/>
+              <a:t>: tempo per </a:t>
+            </a:r>
+            <a:r>
+              <a:rPr lang="en-US" dirty="0" err="1" smtClean="0"/>
+              <a:t>eseguire</a:t>
+            </a:r>
+            <a:r>
+              <a:rPr lang="en-US" dirty="0" smtClean="0"/>
+              <a:t> le </a:t>
+            </a:r>
+            <a:r>
+              <a:rPr lang="en-US" dirty="0" err="1" smtClean="0"/>
+              <a:t>subfunctions</a:t>
+            </a:r>
+            <a:r>
+              <a:rPr lang="en-US" dirty="0" smtClean="0"/>
+              <a:t> di F</a:t>
+            </a:r>
+          </a:p>
+          <a:p>
+            <a:pPr lvl="1" algn="just"/>
+            <a:r>
+              <a:rPr lang="en-US" b="1" dirty="0" smtClean="0"/>
+              <a:t>Tso</a:t>
+            </a:r>
+            <a:r>
+              <a:rPr lang="en-US" dirty="0" smtClean="0"/>
+              <a:t> : tempo per </a:t>
+            </a:r>
+            <a:r>
+              <a:rPr lang="en-US" dirty="0" err="1" smtClean="0"/>
+              <a:t>completare</a:t>
+            </a:r>
+            <a:r>
+              <a:rPr lang="en-US" dirty="0" smtClean="0"/>
+              <a:t> le </a:t>
+            </a:r>
+            <a:r>
+              <a:rPr lang="en-US" dirty="0" err="1" smtClean="0"/>
+              <a:t>chiamate</a:t>
+            </a:r>
+            <a:r>
+              <a:rPr lang="en-US" dirty="0" smtClean="0"/>
+              <a:t> al Sistema</a:t>
+            </a:r>
+          </a:p>
+          <a:p>
+            <a:pPr lvl="1" algn="just"/>
+            <a:endParaRPr lang="en-US" dirty="0"/>
+          </a:p>
+          <a:p>
+            <a:pPr algn="just"/>
+            <a:r>
+              <a:rPr lang="en-US" dirty="0" err="1" smtClean="0"/>
+              <a:t>Calcoliamo</a:t>
+            </a:r>
+            <a:r>
+              <a:rPr lang="en-US" dirty="0" smtClean="0"/>
+              <a:t> </a:t>
+            </a:r>
+            <a:r>
+              <a:rPr lang="en-US" dirty="0" err="1" smtClean="0"/>
+              <a:t>quindi</a:t>
+            </a:r>
+            <a:r>
+              <a:rPr lang="en-US" dirty="0" smtClean="0"/>
+              <a:t> </a:t>
+            </a:r>
+            <a:r>
+              <a:rPr lang="en-US" dirty="0" err="1" smtClean="0"/>
+              <a:t>i</a:t>
+            </a:r>
+            <a:r>
+              <a:rPr lang="en-US" dirty="0" smtClean="0"/>
+              <a:t> </a:t>
+            </a:r>
+            <a:r>
+              <a:rPr lang="en-US" dirty="0" err="1" smtClean="0"/>
+              <a:t>seguenti</a:t>
+            </a:r>
+            <a:r>
+              <a:rPr lang="en-US" dirty="0" smtClean="0"/>
+              <a:t> </a:t>
+            </a:r>
+            <a:r>
+              <a:rPr lang="en-US" dirty="0" err="1" smtClean="0"/>
+              <a:t>indicatori</a:t>
+            </a:r>
+            <a:r>
+              <a:rPr lang="en-US" dirty="0" smtClean="0"/>
+              <a:t> di instrumentation </a:t>
+            </a:r>
+            <a:r>
+              <a:rPr lang="en-US" sz="2300" dirty="0" smtClean="0"/>
+              <a:t>:</a:t>
+            </a:r>
+            <a:endParaRPr lang="en-US" dirty="0" smtClean="0"/>
+          </a:p>
+          <a:p>
+            <a:pPr lvl="1" algn="just"/>
+            <a:r>
+              <a:rPr lang="en-US" dirty="0" smtClean="0"/>
+              <a:t>Elapsed inclusive: </a:t>
+            </a:r>
+            <a:r>
+              <a:rPr lang="en-US" dirty="0" err="1" smtClean="0"/>
+              <a:t>Tf</a:t>
+            </a:r>
+            <a:endParaRPr lang="en-US" dirty="0" smtClean="0"/>
+          </a:p>
+          <a:p>
+            <a:pPr lvl="1" algn="just"/>
+            <a:r>
+              <a:rPr lang="en-US" dirty="0" smtClean="0"/>
+              <a:t>Elapsed exclusive: </a:t>
+            </a:r>
+            <a:r>
+              <a:rPr lang="en-US" dirty="0" err="1" smtClean="0"/>
+              <a:t>Tf</a:t>
+            </a:r>
+            <a:r>
+              <a:rPr lang="en-US" dirty="0" smtClean="0"/>
+              <a:t> - </a:t>
+            </a:r>
+            <a:r>
+              <a:rPr lang="en-US" dirty="0" err="1" smtClean="0"/>
+              <a:t>Tsf</a:t>
+            </a:r>
+            <a:r>
+              <a:rPr lang="en-US" dirty="0" smtClean="0"/>
+              <a:t> </a:t>
+            </a:r>
+          </a:p>
+          <a:p>
+            <a:pPr lvl="1" algn="just"/>
+            <a:r>
+              <a:rPr lang="en-US" dirty="0" smtClean="0"/>
+              <a:t>Application inclusive: </a:t>
+            </a:r>
+            <a:r>
+              <a:rPr lang="en-US" dirty="0" err="1" smtClean="0"/>
+              <a:t>Tf</a:t>
+            </a:r>
+            <a:r>
+              <a:rPr lang="en-US" dirty="0" smtClean="0"/>
+              <a:t> - Tso</a:t>
+            </a:r>
+          </a:p>
+          <a:p>
+            <a:pPr lvl="1" algn="just"/>
+            <a:r>
+              <a:rPr lang="en-US" dirty="0" smtClean="0"/>
+              <a:t>Applications exclusive: </a:t>
+            </a:r>
+            <a:r>
+              <a:rPr lang="en-US" dirty="0" err="1" smtClean="0"/>
+              <a:t>Tf</a:t>
+            </a:r>
+            <a:r>
+              <a:rPr lang="en-US" dirty="0" smtClean="0"/>
+              <a:t> – </a:t>
+            </a:r>
+            <a:r>
+              <a:rPr lang="en-US" dirty="0" err="1" smtClean="0"/>
+              <a:t>Tsf</a:t>
+            </a:r>
+            <a:r>
+              <a:rPr lang="en-US" dirty="0" smtClean="0"/>
+              <a:t> –Tso</a:t>
+            </a:r>
+          </a:p>
+          <a:p>
+            <a:pPr lvl="1" algn="just"/>
+            <a:endParaRPr lang="en-US" dirty="0" smtClean="0"/>
+          </a:p>
+          <a:p>
+            <a:pPr lvl="1" algn="just"/>
+            <a:endParaRPr lang="en-US" dirty="0"/>
+          </a:p>
+          <a:p>
+            <a:pPr lvl="1" algn="just"/>
+            <a:endParaRPr lang="en-US" dirty="0" smtClean="0"/>
+          </a:p>
+          <a:p>
+            <a:pPr lvl="1" algn="just"/>
+            <a:endParaRPr lang="en-US" dirty="0" smtClean="0"/>
+          </a:p>
+        </p:txBody>
+      </p:sp>
+    </p:spTree>
+    <p:extLst>
+      <p:ext uri="{BB962C8B-B14F-4D97-AF65-F5344CB8AC3E}">
+        <p14:creationId xmlns:p14="http://schemas.microsoft.com/office/powerpoint/2010/main" val="2837889845"/>
+      </p:ext>
+    </p:extLst>
+  </p:cSld>
+  <p:clrMapOvr>
+    <a:masterClrMapping/>
+  </p:clrMapOvr>
+  <mc:AlternateContent xmlns:mc="http://schemas.openxmlformats.org/markup-compatibility/2006">
+    <mc:Choice xmlns:p14="http://schemas.microsoft.com/office/powerpoint/2010/main" Requires="p14">
+      <p:transition spd="slow" p14:dur="2000"/>
+    </mc:Choice>
+    <mc:Fallback>
+      <p:transition spd="slow"/>
+    </mc:Fallback>
+  </mc:AlternateContent>
+  <p:timing>
+    <p:tnLst>
+      <p:par>
+        <p:cTn id="1" dur="indefinite" restart="never" nodeType="tmRoot"/>
+      </p:par>
+    </p:tnLst>
+  </p:timing>
+</p:sld>
+</file>
+
+<file path=ppt/slides/slide27.xml><?xml version="1.0" encoding="utf-8"?>
+<p:sld xmlns:a="http://schemas.openxmlformats.org/drawingml/2006/main" xmlns:r="http://schemas.openxmlformats.org/officeDocument/2006/relationships" xmlns:p="http://schemas.openxmlformats.org/presentationml/2006/main">
+  <p:cSld>
+    <p:spTree>
+      <p:nvGrpSpPr>
+        <p:cNvPr id="1" name=""/>
+        <p:cNvGrpSpPr/>
+        <p:nvPr/>
+      </p:nvGrpSpPr>
+      <p:grpSpPr>
+        <a:xfrm>
+          <a:off x="0" y="0"/>
+          <a:ext cx="0" cy="0"/>
+          <a:chOff x="0" y="0"/>
+          <a:chExt cx="0" cy="0"/>
+        </a:xfrm>
+      </p:grpSpPr>
+      <p:sp>
+        <p:nvSpPr>
+          <p:cNvPr id="2" name="Title 1"/>
+          <p:cNvSpPr>
+            <a:spLocks noGrp="1"/>
+          </p:cNvSpPr>
+          <p:nvPr>
+            <p:ph type="title"/>
+          </p:nvPr>
+        </p:nvSpPr>
+        <p:spPr/>
+        <p:txBody>
+          <a:bodyPr/>
+          <a:lstStyle/>
+          <a:p>
+            <a:r>
+              <a:rPr lang="en-US" dirty="0" smtClean="0"/>
+              <a:t>Concurrency - </a:t>
+            </a:r>
+            <a:r>
+              <a:rPr lang="en-US" dirty="0" err="1" smtClean="0"/>
+              <a:t>todo</a:t>
+            </a:r>
+            <a:endParaRPr lang="it-IT" dirty="0"/>
+          </a:p>
+        </p:txBody>
+      </p:sp>
+      <p:sp>
+        <p:nvSpPr>
+          <p:cNvPr id="3" name="Content Placeholder 2"/>
+          <p:cNvSpPr>
+            <a:spLocks noGrp="1"/>
+          </p:cNvSpPr>
+          <p:nvPr>
+            <p:ph idx="1"/>
+          </p:nvPr>
+        </p:nvSpPr>
+        <p:spPr/>
+        <p:txBody>
+          <a:bodyPr>
+            <a:normAutofit/>
+          </a:bodyPr>
+          <a:lstStyle/>
+          <a:p>
+            <a:pPr lvl="1" algn="just"/>
+            <a:endParaRPr lang="en-US" dirty="0" smtClean="0"/>
+          </a:p>
+          <a:p>
+            <a:pPr lvl="1" algn="just"/>
+            <a:endParaRPr lang="en-US" dirty="0"/>
+          </a:p>
+          <a:p>
+            <a:pPr lvl="1" algn="just"/>
+            <a:endParaRPr lang="en-US" dirty="0" smtClean="0"/>
+          </a:p>
+          <a:p>
+            <a:pPr lvl="1" algn="just"/>
+            <a:endParaRPr lang="en-US" dirty="0" smtClean="0"/>
+          </a:p>
+        </p:txBody>
+      </p:sp>
+    </p:spTree>
+    <p:extLst>
+      <p:ext uri="{BB962C8B-B14F-4D97-AF65-F5344CB8AC3E}">
+        <p14:creationId xmlns:p14="http://schemas.microsoft.com/office/powerpoint/2010/main" val="3131800521"/>
+      </p:ext>
+    </p:extLst>
+  </p:cSld>
+  <p:clrMapOvr>
+    <a:masterClrMapping/>
+  </p:clrMapOvr>
+  <mc:AlternateContent xmlns:mc="http://schemas.openxmlformats.org/markup-compatibility/2006">
+    <mc:Choice xmlns:p14="http://schemas.microsoft.com/office/powerpoint/2010/main" Requires="p14">
+      <p:transition spd="slow" p14:dur="2000"/>
+    </mc:Choice>
+    <mc:Fallback>
+      <p:transition spd="slow"/>
+    </mc:Fallback>
+  </mc:AlternateContent>
+  <p:timing>
+    <p:tnLst>
+      <p:par>
+        <p:cTn id="1" dur="indefinite" restart="never" nodeType="tmRoot"/>
+      </p:par>
+    </p:tnLst>
+  </p:timing>
+</p:sld>
+</file>
+
+<file path=ppt/slides/slide28.xml><?xml version="1.0" encoding="utf-8"?>
+<p:sld xmlns:a="http://schemas.openxmlformats.org/drawingml/2006/main" xmlns:r="http://schemas.openxmlformats.org/officeDocument/2006/relationships" xmlns:p="http://schemas.openxmlformats.org/presentationml/2006/main">
+  <p:cSld>
+    <p:spTree>
+      <p:nvGrpSpPr>
+        <p:cNvPr id="1" name=""/>
+        <p:cNvGrpSpPr/>
+        <p:nvPr/>
+      </p:nvGrpSpPr>
+      <p:grpSpPr>
+        <a:xfrm>
+          <a:off x="0" y="0"/>
+          <a:ext cx="0" cy="0"/>
+          <a:chOff x="0" y="0"/>
+          <a:chExt cx="0" cy="0"/>
+        </a:xfrm>
+      </p:grpSpPr>
+      <p:sp>
+        <p:nvSpPr>
+          <p:cNvPr id="2" name="Title 1"/>
+          <p:cNvSpPr>
+            <a:spLocks noGrp="1"/>
+          </p:cNvSpPr>
+          <p:nvPr>
+            <p:ph type="title"/>
+          </p:nvPr>
+        </p:nvSpPr>
+        <p:spPr/>
+        <p:txBody>
+          <a:bodyPr/>
+          <a:lstStyle/>
+          <a:p>
+            <a:r>
+              <a:rPr lang="en-US" dirty="0" smtClean="0"/>
+              <a:t>Profiler - view</a:t>
+            </a:r>
+            <a:endParaRPr lang="it-IT" dirty="0"/>
+          </a:p>
+        </p:txBody>
+      </p:sp>
+      <p:sp>
+        <p:nvSpPr>
+          <p:cNvPr id="3" name="Content Placeholder 2"/>
+          <p:cNvSpPr>
+            <a:spLocks noGrp="1"/>
+          </p:cNvSpPr>
+          <p:nvPr>
+            <p:ph idx="1"/>
+          </p:nvPr>
+        </p:nvSpPr>
+        <p:spPr/>
+        <p:txBody>
+          <a:bodyPr>
+            <a:normAutofit/>
+          </a:bodyPr>
+          <a:lstStyle/>
+          <a:p>
+            <a:pPr lvl="0" algn="just"/>
+            <a:r>
+              <a:rPr lang="en-US" dirty="0" err="1" smtClean="0"/>
+              <a:t>Tutte</a:t>
+            </a:r>
+            <a:r>
+              <a:rPr lang="en-US" dirty="0" smtClean="0"/>
+              <a:t> le </a:t>
+            </a:r>
+            <a:r>
+              <a:rPr lang="en-US" dirty="0" err="1" smtClean="0"/>
+              <a:t>tipologie</a:t>
+            </a:r>
+            <a:r>
+              <a:rPr lang="en-US" dirty="0" smtClean="0"/>
+              <a:t> </a:t>
+            </a:r>
+            <a:r>
+              <a:rPr lang="en-US" dirty="0" smtClean="0"/>
+              <a:t>di profiling </a:t>
+            </a:r>
+            <a:r>
+              <a:rPr lang="en-US" dirty="0" err="1" smtClean="0"/>
+              <a:t>sono</a:t>
+            </a:r>
+            <a:r>
+              <a:rPr lang="en-US" dirty="0" smtClean="0"/>
+              <a:t> </a:t>
+            </a:r>
+            <a:r>
+              <a:rPr lang="en-US" dirty="0" err="1" smtClean="0"/>
+              <a:t>accomunate</a:t>
+            </a:r>
+            <a:r>
+              <a:rPr lang="en-US" dirty="0" smtClean="0"/>
+              <a:t> </a:t>
+            </a:r>
+            <a:r>
+              <a:rPr lang="en-US" dirty="0" err="1" smtClean="0"/>
+              <a:t>dall’avere</a:t>
+            </a:r>
+            <a:r>
+              <a:rPr lang="en-US" dirty="0" smtClean="0"/>
+              <a:t> le </a:t>
+            </a:r>
+            <a:r>
+              <a:rPr lang="en-US" dirty="0" err="1" smtClean="0"/>
+              <a:t>stesse</a:t>
+            </a:r>
+            <a:r>
+              <a:rPr lang="en-US" dirty="0" smtClean="0"/>
+              <a:t> view</a:t>
+            </a:r>
+            <a:endParaRPr lang="en-US" dirty="0" smtClean="0"/>
+          </a:p>
+        </p:txBody>
+      </p:sp>
+    </p:spTree>
+    <p:extLst>
+      <p:ext uri="{BB962C8B-B14F-4D97-AF65-F5344CB8AC3E}">
+        <p14:creationId xmlns:p14="http://schemas.microsoft.com/office/powerpoint/2010/main" val="3506873978"/>
+      </p:ext>
+    </p:extLst>
+  </p:cSld>
+  <p:clrMapOvr>
+    <a:masterClrMapping/>
+  </p:clrMapOvr>
+  <mc:AlternateContent xmlns:mc="http://schemas.openxmlformats.org/markup-compatibility/2006">
+    <mc:Choice xmlns:p14="http://schemas.microsoft.com/office/powerpoint/2010/main" Requires="p14">
+      <p:transition spd="slow" p14:dur="2000"/>
+    </mc:Choice>
+    <mc:Fallback>
+      <p:transition spd="slow"/>
+    </mc:Fallback>
+  </mc:AlternateContent>
+  <p:timing>
+    <p:tnLst>
+      <p:par>
+        <p:cTn id="1" dur="indefinite" restart="never" nodeType="tmRoot"/>
+      </p:par>
+    </p:tnLst>
+  </p:timing>
+</p:sld>
+</file>
+
+<file path=ppt/slides/slide29.xml><?xml version="1.0" encoding="utf-8"?>
+<p:sld xmlns:a="http://schemas.openxmlformats.org/drawingml/2006/main" xmlns:r="http://schemas.openxmlformats.org/officeDocument/2006/relationships" xmlns:p="http://schemas.openxmlformats.org/presentationml/2006/main">
+  <p:cSld>
+    <p:spTree>
+      <p:nvGrpSpPr>
+        <p:cNvPr id="1" name=""/>
+        <p:cNvGrpSpPr/>
+        <p:nvPr/>
+      </p:nvGrpSpPr>
+      <p:grpSpPr>
+        <a:xfrm>
+          <a:off x="0" y="0"/>
+          <a:ext cx="0" cy="0"/>
+          <a:chOff x="0" y="0"/>
+          <a:chExt cx="0" cy="0"/>
+        </a:xfrm>
+      </p:grpSpPr>
+      <p:sp>
+        <p:nvSpPr>
+          <p:cNvPr id="4" name="Title 3"/>
+          <p:cNvSpPr>
+            <a:spLocks noGrp="1"/>
+          </p:cNvSpPr>
+          <p:nvPr>
+            <p:ph type="title"/>
+          </p:nvPr>
+        </p:nvSpPr>
+        <p:spPr/>
+        <p:txBody>
+          <a:bodyPr/>
+          <a:lstStyle/>
+          <a:p>
+            <a:r>
+              <a:rPr lang="it-IT" dirty="0" smtClean="0"/>
+              <a:t>Demo</a:t>
+            </a:r>
+            <a:endParaRPr lang="it-IT" dirty="0"/>
+          </a:p>
+        </p:txBody>
+      </p:sp>
+      <p:sp>
+        <p:nvSpPr>
+          <p:cNvPr id="5" name="Text Placeholder 4"/>
+          <p:cNvSpPr>
+            <a:spLocks noGrp="1"/>
+          </p:cNvSpPr>
+          <p:nvPr>
+            <p:ph type="body" idx="1"/>
+          </p:nvPr>
+        </p:nvSpPr>
+        <p:spPr/>
+        <p:txBody>
+          <a:bodyPr/>
+          <a:lstStyle/>
+          <a:p>
+            <a:r>
+              <a:rPr lang="fr-FR" dirty="0" err="1" smtClean="0"/>
+              <a:t>Sampling</a:t>
+            </a:r>
+            <a:r>
+              <a:rPr lang="fr-FR" dirty="0" smtClean="0"/>
+              <a:t> – Instrumentation - </a:t>
+            </a:r>
+            <a:r>
+              <a:rPr lang="fr-FR" dirty="0" err="1" smtClean="0"/>
+              <a:t>Concurrency</a:t>
+            </a:r>
+            <a:endParaRPr lang="fr-FR" dirty="0"/>
+          </a:p>
+        </p:txBody>
+      </p:sp>
+    </p:spTree>
+    <p:extLst>
+      <p:ext uri="{BB962C8B-B14F-4D97-AF65-F5344CB8AC3E}">
+        <p14:creationId xmlns:p14="http://schemas.microsoft.com/office/powerpoint/2010/main" val="178878209"/>
+      </p:ext>
+    </p:extLst>
+  </p:cSld>
+  <p:clrMapOvr>
+    <a:masterClrMapping/>
+  </p:clrMapOvr>
+  <mc:AlternateContent xmlns:mc="http://schemas.openxmlformats.org/markup-compatibility/2006" xmlns:p14="http://schemas.microsoft.com/office/powerpoint/2010/main">
+    <mc:Choice Requires="p14">
+      <p:transition spd="slow" p14:dur="2000"/>
+    </mc:Choice>
+    <mc:Fallback xmlns="">
+      <p:transition spd="slow"/>
+    </mc:Fallback>
+  </mc:AlternateContent>
+  <p:timing>
+    <p:tnLst>
+      <p:par>
+        <p:cTn id="1" dur="indefinite" restart="never" nodeType="tmRoot"/>
+      </p:par>
+    </p:tnLst>
+  </p:timing>
+</p:sld>
+</file>
+
+<file path=ppt/slides/slide3.xml><?xml version="1.0" encoding="utf-8"?>
+<p:sld xmlns:a="http://schemas.openxmlformats.org/drawingml/2006/main" xmlns:r="http://schemas.openxmlformats.org/officeDocument/2006/relationships" xmlns:p="http://schemas.openxmlformats.org/presentationml/2006/main">
+  <p:cSld>
+    <p:spTree>
+      <p:nvGrpSpPr>
+        <p:cNvPr id="1" name=""/>
+        <p:cNvGrpSpPr/>
+        <p:nvPr/>
+      </p:nvGrpSpPr>
+      <p:grpSpPr>
+        <a:xfrm>
+          <a:off x="0" y="0"/>
+          <a:ext cx="0" cy="0"/>
+          <a:chOff x="0" y="0"/>
+          <a:chExt cx="0" cy="0"/>
+        </a:xfrm>
+      </p:grpSpPr>
+      <p:sp>
+        <p:nvSpPr>
+          <p:cNvPr id="3" name="Title 2"/>
+          <p:cNvSpPr>
+            <a:spLocks noGrp="1"/>
+          </p:cNvSpPr>
+          <p:nvPr>
+            <p:ph type="title"/>
+          </p:nvPr>
+        </p:nvSpPr>
+        <p:spPr/>
+        <p:txBody>
+          <a:bodyPr/>
+          <a:lstStyle/>
+          <a:p>
+            <a:r>
+              <a:rPr lang="it-IT" dirty="0" smtClean="0"/>
+              <a:t>Agenda</a:t>
+            </a:r>
+            <a:endParaRPr lang="it-IT" dirty="0"/>
+          </a:p>
+        </p:txBody>
+      </p:sp>
+      <p:sp>
+        <p:nvSpPr>
+          <p:cNvPr id="4" name="Content Placeholder 3"/>
+          <p:cNvSpPr>
+            <a:spLocks noGrp="1"/>
+          </p:cNvSpPr>
+          <p:nvPr>
+            <p:ph idx="1"/>
+          </p:nvPr>
+        </p:nvSpPr>
+        <p:spPr/>
+        <p:txBody>
+          <a:bodyPr>
+            <a:normAutofit/>
+          </a:bodyPr>
+          <a:lstStyle/>
+          <a:p>
+            <a:r>
+              <a:rPr lang="it-IT" dirty="0" smtClean="0"/>
+              <a:t>Punto 1</a:t>
+            </a:r>
+          </a:p>
+          <a:p>
+            <a:r>
+              <a:rPr lang="it-IT" dirty="0" smtClean="0"/>
+              <a:t>Punto 2</a:t>
+            </a:r>
+          </a:p>
+          <a:p>
+            <a:pPr lvl="1"/>
+            <a:endParaRPr lang="it-IT" dirty="0" smtClean="0"/>
+          </a:p>
+          <a:p>
+            <a:pPr marL="609515" lvl="1" indent="0">
+              <a:buNone/>
+            </a:pPr>
+            <a:endParaRPr lang="it-IT" dirty="0"/>
+          </a:p>
+        </p:txBody>
+      </p:sp>
+    </p:spTree>
+    <p:extLst>
+      <p:ext uri="{BB962C8B-B14F-4D97-AF65-F5344CB8AC3E}">
+        <p14:creationId xmlns:p14="http://schemas.microsoft.com/office/powerpoint/2010/main" val="74160323"/>
+      </p:ext>
+    </p:extLst>
+  </p:cSld>
+  <p:clrMapOvr>
+    <a:masterClrMapping/>
+  </p:clrMapOvr>
+  <mc:AlternateContent xmlns:mc="http://schemas.openxmlformats.org/markup-compatibility/2006" xmlns:p14="http://schemas.microsoft.com/office/powerpoint/2010/main">
+    <mc:Choice Requires="p14">
+      <p:transition spd="slow" p14:dur="2000"/>
+    </mc:Choice>
+    <mc:Fallback xmlns="">
+      <p:transition spd="slow"/>
+    </mc:Fallback>
+  </mc:AlternateContent>
+  <p:timing>
+    <p:tnLst>
+      <p:par>
+        <p:cTn id="1" dur="indefinite" restart="never" nodeType="tmRoot"/>
+      </p:par>
+    </p:tnLst>
+  </p:timing>
+</p:sld>
+</file>
+
+<file path=ppt/slides/slide30.xml><?xml version="1.0" encoding="utf-8"?>
+<p:sld xmlns:a="http://schemas.openxmlformats.org/drawingml/2006/main" xmlns:r="http://schemas.openxmlformats.org/officeDocument/2006/relationships" xmlns:p="http://schemas.openxmlformats.org/presentationml/2006/main">
+  <p:cSld>
+    <p:spTree>
+      <p:nvGrpSpPr>
+        <p:cNvPr id="1" name=""/>
+        <p:cNvGrpSpPr/>
+        <p:nvPr/>
+      </p:nvGrpSpPr>
+      <p:grpSpPr>
+        <a:xfrm>
+          <a:off x="0" y="0"/>
+          <a:ext cx="0" cy="0"/>
+          <a:chOff x="0" y="0"/>
+          <a:chExt cx="0" cy="0"/>
+        </a:xfrm>
+      </p:grpSpPr>
+      <p:sp>
+        <p:nvSpPr>
           <p:cNvPr id="4" name="Title 3"/>
           <p:cNvSpPr>
             <a:spLocks noGrp="1"/>
@@ -12022,7 +13273,7 @@
 </p:sld>
 </file>
 
-<file path=ppt/slides/slide26.xml><?xml version="1.0" encoding="utf-8"?>
+<file path=ppt/slides/slide31.xml><?xml version="1.0" encoding="utf-8"?>
 <p:sld xmlns:a="http://schemas.openxmlformats.org/drawingml/2006/main" xmlns:r="http://schemas.openxmlformats.org/officeDocument/2006/relationships" xmlns:p="http://schemas.openxmlformats.org/presentationml/2006/main">
   <p:cSld>
     <p:spTree>
@@ -12248,114 +13499,6 @@
 </p:sld>
 </file>
 
-<file path=ppt/slides/slide3.xml><?xml version="1.0" encoding="utf-8"?>
-<p:sld xmlns:a="http://schemas.openxmlformats.org/drawingml/2006/main" xmlns:r="http://schemas.openxmlformats.org/officeDocument/2006/relationships" xmlns:p="http://schemas.openxmlformats.org/presentationml/2006/main">
-  <p:cSld>
-    <p:spTree>
-      <p:nvGrpSpPr>
-        <p:cNvPr id="1" name=""/>
-        <p:cNvGrpSpPr/>
-        <p:nvPr/>
-      </p:nvGrpSpPr>
-      <p:grpSpPr>
-        <a:xfrm>
-          <a:off x="0" y="0"/>
-          <a:ext cx="0" cy="0"/>
-          <a:chOff x="0" y="0"/>
-          <a:chExt cx="0" cy="0"/>
-        </a:xfrm>
-      </p:grpSpPr>
-      <p:sp>
-        <p:nvSpPr>
-          <p:cNvPr id="3" name="Title 2"/>
-          <p:cNvSpPr>
-            <a:spLocks noGrp="1"/>
-          </p:cNvSpPr>
-          <p:nvPr>
-            <p:ph type="title"/>
-          </p:nvPr>
-        </p:nvSpPr>
-        <p:spPr/>
-        <p:txBody>
-          <a:bodyPr/>
-          <a:lstStyle/>
-          <a:p>
-            <a:r>
-              <a:rPr lang="it-IT" dirty="0" smtClean="0"/>
-              <a:t>Agenda</a:t>
-            </a:r>
-            <a:endParaRPr lang="it-IT" dirty="0"/>
-          </a:p>
-        </p:txBody>
-      </p:sp>
-      <p:sp>
-        <p:nvSpPr>
-          <p:cNvPr id="4" name="Content Placeholder 3"/>
-          <p:cNvSpPr>
-            <a:spLocks noGrp="1"/>
-          </p:cNvSpPr>
-          <p:nvPr>
-            <p:ph idx="1"/>
-          </p:nvPr>
-        </p:nvSpPr>
-        <p:spPr/>
-        <p:txBody>
-          <a:bodyPr>
-            <a:normAutofit/>
-          </a:bodyPr>
-          <a:lstStyle/>
-          <a:p>
-            <a:r>
-              <a:rPr lang="it-IT" dirty="0" smtClean="0"/>
-              <a:t>Punto 1</a:t>
-            </a:r>
-          </a:p>
-          <a:p>
-            <a:r>
-              <a:rPr lang="it-IT" dirty="0" smtClean="0"/>
-              <a:t>Punto 2</a:t>
-            </a:r>
-          </a:p>
-          <a:p>
-            <a:pPr lvl="1"/>
-            <a:endParaRPr lang="it-IT" dirty="0" smtClean="0"/>
-          </a:p>
-          <a:p>
-            <a:pPr marL="609515" lvl="1" indent="0">
-              <a:buNone/>
-            </a:pPr>
-            <a:endParaRPr lang="it-IT" dirty="0"/>
-          </a:p>
-        </p:txBody>
-      </p:sp>
-    </p:spTree>
-    <p:extLst>
-      <p:ext uri="{BB962C8B-B14F-4D97-AF65-F5344CB8AC3E}">
-        <p14:creationId xmlns:p14="http://schemas.microsoft.com/office/powerpoint/2010/main" val="74160323"/>
-      </p:ext>
-    </p:extLst>
-  </p:cSld>
-  <p:clrMapOvr>
-    <a:masterClrMapping/>
-  </p:clrMapOvr>
-  <mc:AlternateContent xmlns:mc="http://schemas.openxmlformats.org/markup-compatibility/2006" xmlns:p14="http://schemas.microsoft.com/office/powerpoint/2010/main">
-    <mc:Choice Requires="p14">
-      <p:transition spd="slow" p14:dur="2000"/>
-    </mc:Choice>
-    <mc:Fallback xmlns="">
-      <p:transition spd="slow"/>
-    </mc:Fallback>
-  </mc:AlternateContent>
-  <p:timing>
-    <p:tnLst>
-      <p:par>
-        <p:cTn id="1" dur="indefinite" restart="never" nodeType="tmRoot"/>
-      </p:par>
-    </p:tnLst>
-  </p:timing>
-</p:sld>
-</file>
-
 <file path=ppt/slides/slide4.xml><?xml version="1.0" encoding="utf-8"?>
 <p:sld xmlns:a="http://schemas.openxmlformats.org/drawingml/2006/main" xmlns:r="http://schemas.openxmlformats.org/officeDocument/2006/relationships" xmlns:p="http://schemas.openxmlformats.org/presentationml/2006/main">
   <p:cSld>
@@ -14911,11 +16054,7 @@
             </a:r>
             <a:r>
               <a:rPr lang="en-US" dirty="0" smtClean="0"/>
-              <a:t> </a:t>
-            </a:r>
-            <a:r>
-              <a:rPr lang="en-US" dirty="0" smtClean="0"/>
-              <a:t>gran parte </a:t>
+              <a:t> gran parte </a:t>
             </a:r>
             <a:r>
               <a:rPr lang="en-US" dirty="0" err="1" smtClean="0"/>
@@ -14923,11 +16062,7 @@
             </a:r>
             <a:r>
               <a:rPr lang="en-US" dirty="0" smtClean="0"/>
-              <a:t> features </a:t>
-            </a:r>
-            <a:r>
-              <a:rPr lang="en-US" dirty="0" smtClean="0"/>
-              <a:t>del C++11</a:t>
+              <a:t> features del C++11</a:t>
             </a:r>
           </a:p>
           <a:p>

--- a/presentazioneCDAYS2014.pptx
+++ b/presentazioneCDAYS2014.pptx
@@ -5,10 +5,10 @@
     <p:sldMasterId id="2147483840" r:id="rId1"/>
   </p:sldMasterIdLst>
   <p:notesMasterIdLst>
-    <p:notesMasterId r:id="rId33"/>
+    <p:notesMasterId r:id="rId35"/>
   </p:notesMasterIdLst>
   <p:handoutMasterIdLst>
-    <p:handoutMasterId r:id="rId34"/>
+    <p:handoutMasterId r:id="rId36"/>
   </p:handoutMasterIdLst>
   <p:sldIdLst>
     <p:sldId id="256" r:id="rId2"/>
@@ -39,9 +39,11 @@
     <p:sldId id="285" r:id="rId27"/>
     <p:sldId id="286" r:id="rId28"/>
     <p:sldId id="288" r:id="rId29"/>
-    <p:sldId id="262" r:id="rId30"/>
-    <p:sldId id="264" r:id="rId31"/>
-    <p:sldId id="263" r:id="rId32"/>
+    <p:sldId id="289" r:id="rId30"/>
+    <p:sldId id="290" r:id="rId31"/>
+    <p:sldId id="262" r:id="rId32"/>
+    <p:sldId id="264" r:id="rId33"/>
+    <p:sldId id="263" r:id="rId34"/>
   </p:sldIdLst>
   <p:sldSz cx="12192000" cy="6858000"/>
   <p:notesSz cx="6858000" cy="9144000"/>
@@ -173,6 +175,8 @@
             <p14:sldId id="285"/>
             <p14:sldId id="286"/>
             <p14:sldId id="288"/>
+            <p14:sldId id="289"/>
+            <p14:sldId id="290"/>
             <p14:sldId id="262"/>
             <p14:sldId id="264"/>
             <p14:sldId id="263"/>
@@ -284,7 +288,7 @@
           <a:p>
             <a:fld id="{7541E3AA-7BE5-4B59-82F5-30F2E5FF0CD3}" type="datetimeFigureOut">
               <a:rPr lang="it-IT" smtClean="0"/>
-              <a:t>06/02/2014</a:t>
+              <a:t>09/02/2014</a:t>
             </a:fld>
             <a:endParaRPr lang="it-IT"/>
           </a:p>
@@ -449,7 +453,7 @@
           <a:p>
             <a:fld id="{1634FCDD-F444-4746-A037-762098AD364A}" type="datetimeFigureOut">
               <a:rPr lang="it-IT" smtClean="0"/>
-              <a:t>06/02/2014</a:t>
+              <a:t>09/02/2014</a:t>
             </a:fld>
             <a:endParaRPr lang="it-IT"/>
           </a:p>
@@ -970,7 +974,7 @@
               <a:pPr>
                 <a:defRPr/>
               </a:pPr>
-              <a:t>29</a:t>
+              <a:t>31</a:t>
             </a:fld>
             <a:endParaRPr lang="it-IT"/>
           </a:p>
@@ -1063,7 +1067,7 @@
           <a:p>
             <a:fld id="{6B6C5E1B-63F6-4CD9-93BD-FBDB130EB2E4}" type="slidenum">
               <a:rPr lang="it-IT" smtClean="0"/>
-              <a:t>31</a:t>
+              <a:t>33</a:t>
             </a:fld>
             <a:endParaRPr lang="it-IT"/>
           </a:p>
@@ -1509,7 +1513,7 @@
           <a:p>
             <a:fld id="{06D8BB37-67E1-420F-B488-3DE93FA3DF1F}" type="datetimeFigureOut">
               <a:rPr lang="en-US" dirty="0"/>
-              <a:t>2/6/2014</a:t>
+              <a:t>2/9/2014</a:t>
             </a:fld>
             <a:endParaRPr lang="en-US" dirty="0"/>
           </a:p>
@@ -1713,7 +1717,7 @@
           <a:p>
             <a:fld id="{E4B96382-B15D-466F-9E7D-0603461872B7}" type="datetimeFigureOut">
               <a:rPr lang="en-US" dirty="0"/>
-              <a:t>2/6/2014</a:t>
+              <a:t>2/9/2014</a:t>
             </a:fld>
             <a:endParaRPr lang="en-US" dirty="0"/>
           </a:p>
@@ -1969,7 +1973,7 @@
           <a:p>
             <a:fld id="{218672AE-FC7B-40BA-8844-0693A2434617}" type="datetimeFigureOut">
               <a:rPr lang="en-US" dirty="0"/>
-              <a:t>2/6/2014</a:t>
+              <a:t>2/9/2014</a:t>
             </a:fld>
             <a:endParaRPr lang="en-US" dirty="0"/>
           </a:p>
@@ -2213,7 +2217,7 @@
           <a:p>
             <a:fld id="{3568EC8D-9508-4A2C-8FBC-4C089BA52EE5}" type="datetimeFigureOut">
               <a:rPr lang="en-US" dirty="0"/>
-              <a:t>2/6/2014</a:t>
+              <a:t>2/9/2014</a:t>
             </a:fld>
             <a:endParaRPr lang="en-US" dirty="0"/>
           </a:p>
@@ -2538,7 +2542,7 @@
           <a:p>
             <a:fld id="{DB7A1C89-C29A-4D79-B5A1-1F424905E9A1}" type="datetimeFigureOut">
               <a:rPr lang="en-US" dirty="0"/>
-              <a:t>2/6/2014</a:t>
+              <a:t>2/9/2014</a:t>
             </a:fld>
             <a:endParaRPr lang="en-US" dirty="0"/>
           </a:p>
@@ -2902,7 +2906,7 @@
           <a:p>
             <a:fld id="{57ECC248-0691-4AB1-BB8B-882D656FF160}" type="datetimeFigureOut">
               <a:rPr lang="en-US" dirty="0"/>
-              <a:t>2/6/2014</a:t>
+              <a:t>2/9/2014</a:t>
             </a:fld>
             <a:endParaRPr lang="en-US" dirty="0"/>
           </a:p>
@@ -3429,7 +3433,7 @@
           <a:p>
             <a:fld id="{D4E54B09-E178-460F-B46D-023FA9745608}" type="datetimeFigureOut">
               <a:rPr lang="en-US" dirty="0"/>
-              <a:t>2/6/2014</a:t>
+              <a:t>2/9/2014</a:t>
             </a:fld>
             <a:endParaRPr lang="en-US" dirty="0"/>
           </a:p>
@@ -3623,7 +3627,7 @@
           <a:p>
             <a:fld id="{6CD62E06-21B3-4A3D-A6C8-F0DFEB8AB04D}" type="datetimeFigureOut">
               <a:rPr lang="en-US" dirty="0"/>
-              <a:t>2/6/2014</a:t>
+              <a:t>2/9/2014</a:t>
             </a:fld>
             <a:endParaRPr lang="en-US" dirty="0"/>
           </a:p>
@@ -3784,7 +3788,7 @@
           <a:p>
             <a:fld id="{2CC7CC01-41FD-4607-B8B1-976991065B2D}" type="datetimeFigureOut">
               <a:rPr lang="en-US" dirty="0"/>
-              <a:t>2/6/2014</a:t>
+              <a:t>2/9/2014</a:t>
             </a:fld>
             <a:endParaRPr lang="en-US" dirty="0"/>
           </a:p>
@@ -4148,7 +4152,7 @@
           <a:p>
             <a:fld id="{6D6740A7-C153-476A-BA27-5BE657EA7C21}" type="datetimeFigureOut">
               <a:rPr lang="en-US" dirty="0"/>
-              <a:t>2/6/2014</a:t>
+              <a:t>2/9/2014</a:t>
             </a:fld>
             <a:endParaRPr lang="en-US" dirty="0"/>
           </a:p>
@@ -4414,7 +4418,7 @@
           <a:p>
             <a:fld id="{1C86C2EC-F3EA-4AFE-88D7-51A6BBFDBA8B}" type="datetimeFigureOut">
               <a:rPr lang="en-US" dirty="0"/>
-              <a:t>2/6/2014</a:t>
+              <a:t>2/9/2014</a:t>
             </a:fld>
             <a:endParaRPr lang="en-US" dirty="0"/>
           </a:p>
@@ -4808,7 +4812,7 @@
           <a:p>
             <a:fld id="{BF2EAB5F-78EB-45CA-9E26-D1BAA0AA6EEC}" type="datetimeFigureOut">
               <a:rPr lang="en-US" dirty="0"/>
-              <a:t>2/6/2014</a:t>
+              <a:t>2/9/2014</a:t>
             </a:fld>
             <a:endParaRPr lang="en-US" dirty="0"/>
           </a:p>
@@ -10567,11 +10571,11 @@
   <p:clrMapOvr>
     <a:masterClrMapping/>
   </p:clrMapOvr>
-  <mc:AlternateContent xmlns:mc="http://schemas.openxmlformats.org/markup-compatibility/2006">
-    <mc:Choice xmlns:p14="http://schemas.microsoft.com/office/powerpoint/2010/main" Requires="p14">
+  <mc:AlternateContent xmlns:mc="http://schemas.openxmlformats.org/markup-compatibility/2006" xmlns:p14="http://schemas.microsoft.com/office/powerpoint/2010/main">
+    <mc:Choice Requires="p14">
       <p:transition spd="slow" p14:dur="2000"/>
     </mc:Choice>
-    <mc:Fallback>
+    <mc:Fallback xmlns="">
       <p:transition spd="slow"/>
     </mc:Fallback>
   </mc:AlternateContent>
@@ -12170,7 +12174,6 @@
               <a:rPr lang="en-US" dirty="0" smtClean="0"/>
               <a:t>.</a:t>
             </a:r>
-            <a:endParaRPr lang="en-US" dirty="0" smtClean="0"/>
           </a:p>
           <a:p>
             <a:pPr lvl="0" algn="just"/>
@@ -12236,23 +12239,14 @@
             </a:r>
             <a:r>
               <a:rPr lang="en-US" dirty="0" smtClean="0"/>
-              <a:t> all’ </a:t>
-            </a:r>
-            <a:r>
-              <a:rPr lang="en-US" dirty="0" smtClean="0"/>
-              <a:t>IO</a:t>
-            </a:r>
-            <a:endParaRPr lang="en-US" dirty="0" smtClean="0"/>
+              <a:t> all’ IO</a:t>
+            </a:r>
           </a:p>
           <a:p>
             <a:pPr lvl="0" algn="just"/>
             <a:r>
               <a:rPr lang="en-US" dirty="0" smtClean="0"/>
-              <a:t>E</a:t>
-            </a:r>
-            <a:r>
-              <a:rPr lang="en-US" dirty="0" smtClean="0"/>
-              <a:t>’ </a:t>
+              <a:t>E’ </a:t>
             </a:r>
             <a:r>
               <a:rPr lang="en-US" dirty="0" err="1" smtClean="0"/>
@@ -12711,11 +12705,11 @@
   <p:clrMapOvr>
     <a:masterClrMapping/>
   </p:clrMapOvr>
-  <mc:AlternateContent xmlns:mc="http://schemas.openxmlformats.org/markup-compatibility/2006">
-    <mc:Choice xmlns:p14="http://schemas.microsoft.com/office/powerpoint/2010/main" Requires="p14">
+  <mc:AlternateContent xmlns:mc="http://schemas.openxmlformats.org/markup-compatibility/2006" xmlns:p14="http://schemas.microsoft.com/office/powerpoint/2010/main">
+    <mc:Choice Requires="p14">
       <p:transition spd="slow" p14:dur="2000"/>
     </mc:Choice>
-    <mc:Fallback>
+    <mc:Fallback xmlns="">
       <p:transition spd="slow"/>
     </mc:Fallback>
   </mc:AlternateContent>
@@ -12817,11 +12811,11 @@
   <p:clrMapOvr>
     <a:masterClrMapping/>
   </p:clrMapOvr>
-  <mc:AlternateContent xmlns:mc="http://schemas.openxmlformats.org/markup-compatibility/2006">
-    <mc:Choice xmlns:p14="http://schemas.microsoft.com/office/powerpoint/2010/main" Requires="p14">
+  <mc:AlternateContent xmlns:mc="http://schemas.openxmlformats.org/markup-compatibility/2006" xmlns:p14="http://schemas.microsoft.com/office/powerpoint/2010/main">
+    <mc:Choice Requires="p14">
       <p:transition spd="slow" p14:dur="2000"/>
     </mc:Choice>
-    <mc:Fallback>
+    <mc:Fallback xmlns="">
       <p:transition spd="slow"/>
     </mc:Fallback>
   </mc:AlternateContent>
@@ -12869,7 +12863,7 @@
           <a:p>
             <a:r>
               <a:rPr lang="en-US" dirty="0" smtClean="0"/>
-              <a:t>Profiler - view</a:t>
+              <a:t>Profiler – summary view</a:t>
             </a:r>
             <a:endParaRPr lang="it-IT" dirty="0"/>
           </a:p>
@@ -12888,7 +12882,7 @@
         <p:spPr/>
         <p:txBody>
           <a:bodyPr>
-            <a:normAutofit/>
+            <a:normAutofit lnSpcReduction="10000"/>
           </a:bodyPr>
           <a:lstStyle/>
           <a:p>
@@ -12907,11 +12901,7 @@
             </a:r>
             <a:r>
               <a:rPr lang="en-US" dirty="0" smtClean="0"/>
-              <a:t> </a:t>
-            </a:r>
-            <a:r>
-              <a:rPr lang="en-US" dirty="0" smtClean="0"/>
-              <a:t>di profiling </a:t>
+              <a:t> di profiling </a:t>
             </a:r>
             <a:r>
               <a:rPr lang="en-US" dirty="0" err="1" smtClean="0"/>
@@ -12923,28 +12913,508 @@
             </a:r>
             <a:r>
               <a:rPr lang="en-US" dirty="0" err="1" smtClean="0"/>
-              <a:t>accomunate</a:t>
-            </a:r>
-            <a:r>
-              <a:rPr lang="en-US" dirty="0" smtClean="0"/>
-              <a:t> </a:t>
-            </a:r>
-            <a:r>
-              <a:rPr lang="en-US" dirty="0" err="1" smtClean="0"/>
-              <a:t>dall’avere</a:t>
-            </a:r>
-            <a:r>
-              <a:rPr lang="en-US" dirty="0" smtClean="0"/>
-              <a:t> le </a:t>
-            </a:r>
-            <a:r>
-              <a:rPr lang="en-US" dirty="0" err="1" smtClean="0"/>
-              <a:t>stesse</a:t>
-            </a:r>
-            <a:r>
-              <a:rPr lang="en-US" dirty="0" smtClean="0"/>
-              <a:t> view</a:t>
-            </a:r>
+              <a:t>abbatanza</a:t>
+            </a:r>
+            <a:r>
+              <a:rPr lang="en-US" dirty="0" smtClean="0"/>
+              <a:t> </a:t>
+            </a:r>
+            <a:r>
+              <a:rPr lang="en-US" dirty="0" err="1" smtClean="0"/>
+              <a:t>simili</a:t>
+            </a:r>
+            <a:r>
+              <a:rPr lang="en-US" dirty="0" smtClean="0"/>
+              <a:t> </a:t>
+            </a:r>
+            <a:r>
+              <a:rPr lang="en-US" dirty="0" err="1" smtClean="0"/>
+              <a:t>fra</a:t>
+            </a:r>
+            <a:r>
+              <a:rPr lang="en-US" dirty="0" smtClean="0"/>
+              <a:t> </a:t>
+            </a:r>
+            <a:r>
+              <a:rPr lang="en-US" dirty="0" err="1" smtClean="0"/>
+              <a:t>loro</a:t>
+            </a:r>
+            <a:endParaRPr lang="en-US" dirty="0" smtClean="0"/>
+          </a:p>
+          <a:p>
+            <a:pPr lvl="0" algn="just"/>
+            <a:r>
+              <a:rPr lang="en-US" dirty="0" smtClean="0"/>
+              <a:t>Summary view: </a:t>
+            </a:r>
+            <a:r>
+              <a:rPr lang="en-US" dirty="0" err="1" smtClean="0"/>
+              <a:t>grafico</a:t>
+            </a:r>
+            <a:r>
+              <a:rPr lang="en-US" dirty="0" smtClean="0"/>
+              <a:t> di </a:t>
+            </a:r>
+            <a:r>
+              <a:rPr lang="en-US" dirty="0" err="1" smtClean="0"/>
+              <a:t>utilizzo</a:t>
+            </a:r>
+            <a:r>
+              <a:rPr lang="en-US" dirty="0" smtClean="0"/>
+              <a:t> CPU </a:t>
+            </a:r>
+            <a:r>
+              <a:rPr lang="en-US" dirty="0" err="1" smtClean="0"/>
+              <a:t>nel</a:t>
+            </a:r>
+            <a:r>
+              <a:rPr lang="en-US" dirty="0" smtClean="0"/>
+              <a:t> tempo di </a:t>
+            </a:r>
+            <a:r>
+              <a:rPr lang="en-US" dirty="0" err="1" smtClean="0"/>
+              <a:t>profilazione</a:t>
+            </a:r>
+            <a:r>
+              <a:rPr lang="en-US" dirty="0" smtClean="0"/>
+              <a:t>. </a:t>
+            </a:r>
+            <a:r>
+              <a:rPr lang="en-US" dirty="0" err="1" smtClean="0"/>
+              <a:t>Possibilità</a:t>
+            </a:r>
+            <a:r>
+              <a:rPr lang="en-US" dirty="0" smtClean="0"/>
+              <a:t> di fare zoom e </a:t>
+            </a:r>
+            <a:r>
+              <a:rPr lang="en-US" dirty="0" err="1" smtClean="0"/>
+              <a:t>avere</a:t>
+            </a:r>
+            <a:r>
+              <a:rPr lang="en-US" dirty="0" smtClean="0"/>
+              <a:t> </a:t>
+            </a:r>
+            <a:r>
+              <a:rPr lang="en-US" dirty="0" err="1" smtClean="0"/>
+              <a:t>il</a:t>
+            </a:r>
+            <a:r>
+              <a:rPr lang="en-US" dirty="0" smtClean="0"/>
+              <a:t> summary </a:t>
+            </a:r>
+            <a:r>
+              <a:rPr lang="en-US" dirty="0" err="1" smtClean="0"/>
+              <a:t>della</a:t>
+            </a:r>
+            <a:r>
+              <a:rPr lang="en-US" dirty="0" smtClean="0"/>
+              <a:t> sola parte </a:t>
+            </a:r>
+            <a:r>
+              <a:rPr lang="en-US" dirty="0" err="1" smtClean="0"/>
+              <a:t>selezionata</a:t>
+            </a:r>
+            <a:endParaRPr lang="en-US" dirty="0" smtClean="0"/>
+          </a:p>
+          <a:p>
+            <a:pPr lvl="0" algn="just"/>
+            <a:r>
+              <a:rPr lang="en-US" dirty="0" err="1" smtClean="0"/>
+              <a:t>Ogni</a:t>
+            </a:r>
+            <a:r>
+              <a:rPr lang="en-US" dirty="0" smtClean="0"/>
+              <a:t> </a:t>
+            </a:r>
+            <a:r>
+              <a:rPr lang="en-US" dirty="0" err="1" smtClean="0"/>
+              <a:t>funzione</a:t>
+            </a:r>
+            <a:r>
+              <a:rPr lang="en-US" dirty="0" smtClean="0"/>
+              <a:t> </a:t>
+            </a:r>
+            <a:r>
+              <a:rPr lang="en-US" dirty="0" err="1" smtClean="0"/>
+              <a:t>che</a:t>
+            </a:r>
+            <a:r>
+              <a:rPr lang="en-US" dirty="0" smtClean="0"/>
+              <a:t> </a:t>
+            </a:r>
+            <a:r>
+              <a:rPr lang="en-US" dirty="0" err="1" smtClean="0"/>
+              <a:t>appare</a:t>
+            </a:r>
+            <a:r>
+              <a:rPr lang="en-US" dirty="0" smtClean="0"/>
+              <a:t> </a:t>
+            </a:r>
+            <a:r>
+              <a:rPr lang="en-US" dirty="0" err="1" smtClean="0"/>
+              <a:t>nel</a:t>
+            </a:r>
+            <a:r>
+              <a:rPr lang="en-US" dirty="0" smtClean="0"/>
+              <a:t> summary è </a:t>
+            </a:r>
+            <a:r>
+              <a:rPr lang="en-US" dirty="0" err="1" smtClean="0"/>
+              <a:t>cliccabile</a:t>
+            </a:r>
+            <a:r>
+              <a:rPr lang="en-US" dirty="0" smtClean="0"/>
+              <a:t>. Con </a:t>
+            </a:r>
+            <a:r>
+              <a:rPr lang="en-US" dirty="0" err="1" smtClean="0"/>
+              <a:t>tasto</a:t>
+            </a:r>
+            <a:r>
+              <a:rPr lang="en-US" dirty="0" smtClean="0"/>
+              <a:t> destroy è </a:t>
+            </a:r>
+            <a:r>
+              <a:rPr lang="en-US" dirty="0" err="1" smtClean="0"/>
+              <a:t>possibile</a:t>
+            </a:r>
+            <a:r>
+              <a:rPr lang="en-US" dirty="0" smtClean="0"/>
+              <a:t> </a:t>
+            </a:r>
+            <a:r>
+              <a:rPr lang="en-US" dirty="0" err="1" smtClean="0"/>
+              <a:t>avere</a:t>
+            </a:r>
+            <a:r>
+              <a:rPr lang="en-US" dirty="0" smtClean="0"/>
+              <a:t> </a:t>
+            </a:r>
+            <a:r>
+              <a:rPr lang="en-US" dirty="0" err="1" smtClean="0"/>
+              <a:t>altre</a:t>
+            </a:r>
+            <a:r>
+              <a:rPr lang="en-US" dirty="0" smtClean="0"/>
+              <a:t> </a:t>
+            </a:r>
+            <a:r>
+              <a:rPr lang="en-US" dirty="0" err="1" smtClean="0"/>
+              <a:t>opzioni</a:t>
+            </a:r>
+            <a:r>
+              <a:rPr lang="en-US" dirty="0" smtClean="0"/>
+              <a:t>, </a:t>
+            </a:r>
+            <a:r>
+              <a:rPr lang="en-US" dirty="0" err="1" smtClean="0"/>
+              <a:t>fra</a:t>
+            </a:r>
+            <a:r>
+              <a:rPr lang="en-US" dirty="0" smtClean="0"/>
+              <a:t> cui </a:t>
+            </a:r>
+            <a:r>
+              <a:rPr lang="en-US" dirty="0" err="1" smtClean="0"/>
+              <a:t>raggiungere</a:t>
+            </a:r>
+            <a:r>
+              <a:rPr lang="en-US" dirty="0" smtClean="0"/>
+              <a:t> </a:t>
+            </a:r>
+            <a:r>
+              <a:rPr lang="en-US" dirty="0" err="1" smtClean="0"/>
+              <a:t>il</a:t>
+            </a:r>
+            <a:r>
+              <a:rPr lang="en-US" dirty="0" smtClean="0"/>
+              <a:t> </a:t>
+            </a:r>
+            <a:r>
+              <a:rPr lang="en-US" dirty="0" err="1" smtClean="0"/>
+              <a:t>sorgente</a:t>
+            </a:r>
+            <a:endParaRPr lang="en-US" dirty="0" smtClean="0"/>
+          </a:p>
+          <a:p>
+            <a:pPr lvl="0" algn="just"/>
+            <a:r>
+              <a:rPr lang="en-US" dirty="0" smtClean="0"/>
+              <a:t> </a:t>
+            </a:r>
+            <a:r>
+              <a:rPr lang="en-US" dirty="0" err="1" smtClean="0"/>
+              <a:t>Sempre</a:t>
+            </a:r>
+            <a:r>
+              <a:rPr lang="en-US" dirty="0" smtClean="0"/>
+              <a:t> dal summary </a:t>
+            </a:r>
+            <a:r>
+              <a:rPr lang="en-US" dirty="0" err="1" smtClean="0"/>
+              <a:t>raggiungiamo</a:t>
+            </a:r>
+            <a:r>
+              <a:rPr lang="en-US" dirty="0" smtClean="0"/>
+              <a:t>:</a:t>
+            </a:r>
+          </a:p>
+          <a:p>
+            <a:pPr lvl="1" algn="just"/>
+            <a:r>
+              <a:rPr lang="en-US" dirty="0" smtClean="0"/>
+              <a:t>Show Trimmed Call Tree : </a:t>
+            </a:r>
+            <a:r>
+              <a:rPr lang="en-US" dirty="0" err="1" smtClean="0"/>
+              <a:t>vediamo</a:t>
+            </a:r>
+            <a:r>
+              <a:rPr lang="en-US" dirty="0" smtClean="0"/>
+              <a:t> </a:t>
+            </a:r>
+            <a:r>
+              <a:rPr lang="en-US" dirty="0" err="1" smtClean="0"/>
+              <a:t>nella</a:t>
+            </a:r>
+            <a:r>
+              <a:rPr lang="en-US" dirty="0" smtClean="0"/>
+              <a:t> vista “Call Tree” le </a:t>
+            </a:r>
+            <a:r>
+              <a:rPr lang="en-US" dirty="0" err="1" smtClean="0"/>
+              <a:t>parti</a:t>
+            </a:r>
+            <a:r>
+              <a:rPr lang="en-US" dirty="0" smtClean="0"/>
+              <a:t> </a:t>
+            </a:r>
+            <a:r>
+              <a:rPr lang="en-US" dirty="0" err="1" smtClean="0"/>
+              <a:t>più</a:t>
+            </a:r>
+            <a:r>
+              <a:rPr lang="en-US" dirty="0" smtClean="0"/>
+              <a:t> </a:t>
+            </a:r>
+            <a:r>
+              <a:rPr lang="en-US" dirty="0" err="1" smtClean="0"/>
+              <a:t>costose</a:t>
+            </a:r>
+            <a:r>
+              <a:rPr lang="en-US" dirty="0" smtClean="0"/>
+              <a:t>, </a:t>
+            </a:r>
+            <a:r>
+              <a:rPr lang="en-US" dirty="0" err="1" smtClean="0"/>
+              <a:t>indichiamo</a:t>
+            </a:r>
+            <a:r>
+              <a:rPr lang="en-US" dirty="0" smtClean="0"/>
+              <a:t> </a:t>
+            </a:r>
+            <a:r>
+              <a:rPr lang="en-US" dirty="0" err="1" smtClean="0"/>
+              <a:t>l’hot</a:t>
+            </a:r>
+            <a:r>
+              <a:rPr lang="en-US" dirty="0" smtClean="0"/>
+              <a:t> path e </a:t>
+            </a:r>
+            <a:r>
+              <a:rPr lang="en-US" dirty="0" err="1" smtClean="0"/>
+              <a:t>possiamo</a:t>
+            </a:r>
+            <a:r>
+              <a:rPr lang="en-US" dirty="0" smtClean="0"/>
+              <a:t> </a:t>
+            </a:r>
+            <a:r>
+              <a:rPr lang="en-US" dirty="0" err="1" smtClean="0"/>
+              <a:t>filtrare</a:t>
+            </a:r>
+            <a:r>
+              <a:rPr lang="en-US" dirty="0" smtClean="0"/>
+              <a:t> le entry </a:t>
+            </a:r>
+            <a:r>
+              <a:rPr lang="en-US" dirty="0" err="1" smtClean="0"/>
+              <a:t>che</a:t>
+            </a:r>
+            <a:r>
+              <a:rPr lang="en-US" dirty="0" smtClean="0"/>
+              <a:t> </a:t>
+            </a:r>
+            <a:r>
+              <a:rPr lang="en-US" dirty="0" err="1" smtClean="0"/>
+              <a:t>riteniamo</a:t>
+            </a:r>
+            <a:r>
+              <a:rPr lang="en-US" dirty="0" smtClean="0"/>
+              <a:t> di </a:t>
+            </a:r>
+            <a:r>
+              <a:rPr lang="en-US" dirty="0" err="1" smtClean="0"/>
+              <a:t>poco</a:t>
+            </a:r>
+            <a:r>
+              <a:rPr lang="en-US" dirty="0" smtClean="0"/>
+              <a:t> </a:t>
+            </a:r>
+            <a:r>
+              <a:rPr lang="en-US" dirty="0" err="1" smtClean="0"/>
+              <a:t>interesse</a:t>
+            </a:r>
+            <a:endParaRPr lang="en-US" dirty="0"/>
+          </a:p>
+          <a:p>
+            <a:pPr lvl="1" algn="just"/>
+            <a:r>
+              <a:rPr lang="en-US" dirty="0" smtClean="0"/>
+              <a:t>Show hot lines: </a:t>
+            </a:r>
+            <a:r>
+              <a:rPr lang="en-US" dirty="0" err="1" smtClean="0"/>
+              <a:t>vediamo</a:t>
+            </a:r>
+            <a:r>
+              <a:rPr lang="en-US" dirty="0" smtClean="0"/>
+              <a:t> </a:t>
+            </a:r>
+            <a:r>
+              <a:rPr lang="en-US" dirty="0" err="1" smtClean="0"/>
+              <a:t>nella</a:t>
+            </a:r>
+            <a:r>
+              <a:rPr lang="en-US" dirty="0" smtClean="0"/>
+              <a:t> vista “Lines” le </a:t>
+            </a:r>
+            <a:r>
+              <a:rPr lang="en-US" dirty="0" err="1" smtClean="0"/>
+              <a:t>linee</a:t>
+            </a:r>
+            <a:r>
+              <a:rPr lang="en-US" dirty="0" smtClean="0"/>
+              <a:t> di </a:t>
+            </a:r>
+            <a:r>
+              <a:rPr lang="en-US" dirty="0" err="1" smtClean="0"/>
+              <a:t>codice</a:t>
+            </a:r>
+            <a:r>
+              <a:rPr lang="en-US" dirty="0" smtClean="0"/>
+              <a:t> </a:t>
+            </a:r>
+            <a:r>
+              <a:rPr lang="en-US" dirty="0" err="1" smtClean="0"/>
+              <a:t>più</a:t>
+            </a:r>
+            <a:r>
+              <a:rPr lang="en-US" dirty="0" smtClean="0"/>
+              <a:t> </a:t>
+            </a:r>
+            <a:r>
+              <a:rPr lang="en-US" dirty="0" err="1" smtClean="0"/>
+              <a:t>costose</a:t>
+            </a:r>
+            <a:r>
+              <a:rPr lang="en-US" dirty="0" smtClean="0"/>
+              <a:t>. Non </a:t>
+            </a:r>
+            <a:r>
+              <a:rPr lang="en-US" dirty="0" err="1" smtClean="0"/>
+              <a:t>disponibile</a:t>
+            </a:r>
+            <a:r>
+              <a:rPr lang="en-US" dirty="0" smtClean="0"/>
+              <a:t> in instrumentation.</a:t>
+            </a:r>
+          </a:p>
+          <a:p>
+            <a:pPr lvl="1" algn="just"/>
+            <a:r>
+              <a:rPr lang="en-US" dirty="0" smtClean="0"/>
+              <a:t>Export Report Data: .csv o .xml</a:t>
+            </a:r>
+          </a:p>
+          <a:p>
+            <a:pPr lvl="1" algn="just"/>
+            <a:r>
+              <a:rPr lang="en-US" dirty="0" smtClean="0"/>
+              <a:t>Save Analyzed Report: </a:t>
+            </a:r>
+            <a:r>
+              <a:rPr lang="en-US" dirty="0" err="1" smtClean="0"/>
+              <a:t>salva</a:t>
+            </a:r>
+            <a:r>
+              <a:rPr lang="en-US" dirty="0" smtClean="0"/>
+              <a:t> in </a:t>
+            </a:r>
+            <a:r>
+              <a:rPr lang="en-US" dirty="0" err="1" smtClean="0"/>
+              <a:t>formato</a:t>
+            </a:r>
+            <a:r>
+              <a:rPr lang="en-US" dirty="0" smtClean="0"/>
+              <a:t> .</a:t>
+            </a:r>
+            <a:r>
+              <a:rPr lang="en-US" dirty="0" err="1" smtClean="0"/>
+              <a:t>vsps</a:t>
+            </a:r>
+            <a:r>
+              <a:rPr lang="en-US" dirty="0" smtClean="0"/>
+              <a:t>, </a:t>
+            </a:r>
+            <a:r>
+              <a:rPr lang="en-US" dirty="0" err="1" smtClean="0"/>
+              <a:t>che</a:t>
+            </a:r>
+            <a:r>
+              <a:rPr lang="en-US" dirty="0" smtClean="0"/>
+              <a:t> </a:t>
+            </a:r>
+            <a:r>
+              <a:rPr lang="en-US" dirty="0" err="1" smtClean="0"/>
+              <a:t>si</a:t>
+            </a:r>
+            <a:r>
+              <a:rPr lang="en-US" dirty="0" smtClean="0"/>
+              <a:t> </a:t>
+            </a:r>
+            <a:r>
+              <a:rPr lang="en-US" dirty="0" err="1" smtClean="0"/>
+              <a:t>aprè</a:t>
+            </a:r>
+            <a:r>
+              <a:rPr lang="en-US" dirty="0" smtClean="0"/>
+              <a:t> </a:t>
+            </a:r>
+            <a:r>
+              <a:rPr lang="en-US" dirty="0" err="1" smtClean="0"/>
+              <a:t>più</a:t>
+            </a:r>
+            <a:r>
+              <a:rPr lang="en-US" dirty="0" smtClean="0"/>
+              <a:t> </a:t>
+            </a:r>
+            <a:r>
+              <a:rPr lang="en-US" dirty="0" err="1" smtClean="0"/>
+              <a:t>rapidamente</a:t>
+            </a:r>
+            <a:r>
+              <a:rPr lang="en-US" dirty="0" smtClean="0"/>
+              <a:t> </a:t>
+            </a:r>
+          </a:p>
+          <a:p>
+            <a:pPr lvl="1" algn="just"/>
+            <a:endParaRPr lang="en-US" dirty="0" smtClean="0"/>
+          </a:p>
+          <a:p>
+            <a:pPr lvl="0" algn="just"/>
             <a:endParaRPr lang="en-US" dirty="0" smtClean="0"/>
           </a:p>
         </p:txBody>
@@ -12959,11 +13429,11 @@
   <p:clrMapOvr>
     <a:masterClrMapping/>
   </p:clrMapOvr>
-  <mc:AlternateContent xmlns:mc="http://schemas.openxmlformats.org/markup-compatibility/2006">
-    <mc:Choice xmlns:p14="http://schemas.microsoft.com/office/powerpoint/2010/main" Requires="p14">
+  <mc:AlternateContent xmlns:mc="http://schemas.openxmlformats.org/markup-compatibility/2006" xmlns:p14="http://schemas.microsoft.com/office/powerpoint/2010/main">
+    <mc:Choice Requires="p14">
       <p:transition spd="slow" p14:dur="2000"/>
     </mc:Choice>
-    <mc:Fallback>
+    <mc:Fallback xmlns="">
       <p:transition spd="slow"/>
     </mc:Fallback>
   </mc:AlternateContent>
@@ -12996,7 +13466,7 @@
       </p:grpSpPr>
       <p:sp>
         <p:nvSpPr>
-          <p:cNvPr id="4" name="Title 3"/>
+          <p:cNvPr id="2" name="Title 1"/>
           <p:cNvSpPr>
             <a:spLocks noGrp="1"/>
           </p:cNvSpPr>
@@ -13010,8 +13480,20 @@
           <a:lstStyle/>
           <a:p>
             <a:r>
-              <a:rPr lang="it-IT" dirty="0" smtClean="0"/>
-              <a:t>Demo</a:t>
+              <a:rPr lang="en-US" dirty="0" smtClean="0"/>
+              <a:t>Profiler – </a:t>
+            </a:r>
+            <a:r>
+              <a:rPr lang="en-US" dirty="0" err="1" smtClean="0"/>
+              <a:t>altre</a:t>
+            </a:r>
+            <a:r>
+              <a:rPr lang="en-US" dirty="0" smtClean="0"/>
+              <a:t> </a:t>
+            </a:r>
+            <a:r>
+              <a:rPr lang="en-US" dirty="0" err="1" smtClean="0"/>
+              <a:t>viste</a:t>
             </a:r>
             <a:endParaRPr lang="it-IT" dirty="0"/>
           </a:p>
@@ -13019,39 +13501,525 @@
       </p:sp>
       <p:sp>
         <p:nvSpPr>
-          <p:cNvPr id="5" name="Text Placeholder 4"/>
+          <p:cNvPr id="3" name="Content Placeholder 2"/>
           <p:cNvSpPr>
             <a:spLocks noGrp="1"/>
           </p:cNvSpPr>
           <p:nvPr>
-            <p:ph type="body" idx="1"/>
+            <p:ph idx="1"/>
           </p:nvPr>
         </p:nvSpPr>
         <p:spPr/>
         <p:txBody>
-          <a:bodyPr/>
+          <a:bodyPr>
+            <a:normAutofit/>
+          </a:bodyPr>
           <a:lstStyle/>
           <a:p>
-            <a:r>
-              <a:rPr lang="fr-FR" dirty="0" err="1" smtClean="0"/>
-              <a:t>Sampling</a:t>
-            </a:r>
-            <a:r>
-              <a:rPr lang="fr-FR" dirty="0" smtClean="0"/>
-              <a:t> – Instrumentation - </a:t>
-            </a:r>
-            <a:r>
-              <a:rPr lang="fr-FR" dirty="0" err="1" smtClean="0"/>
-              <a:t>Concurrency</a:t>
-            </a:r>
-            <a:endParaRPr lang="fr-FR" dirty="0"/>
+            <a:pPr lvl="0" algn="just"/>
+            <a:r>
+              <a:rPr lang="en-US" dirty="0" smtClean="0"/>
+              <a:t>Call Tree: </a:t>
+            </a:r>
+            <a:r>
+              <a:rPr lang="en-US" dirty="0" err="1" smtClean="0"/>
+              <a:t>piuttosto</a:t>
+            </a:r>
+            <a:r>
+              <a:rPr lang="en-US" dirty="0" smtClean="0"/>
+              <a:t> </a:t>
+            </a:r>
+            <a:r>
+              <a:rPr lang="en-US" dirty="0" err="1" smtClean="0"/>
+              <a:t>intuitivo</a:t>
+            </a:r>
+            <a:r>
+              <a:rPr lang="en-US" dirty="0" smtClean="0"/>
+              <a:t>. </a:t>
+            </a:r>
+            <a:r>
+              <a:rPr lang="en-US" dirty="0" err="1" smtClean="0"/>
+              <a:t>Abbiamo</a:t>
+            </a:r>
+            <a:r>
+              <a:rPr lang="en-US" dirty="0" smtClean="0"/>
+              <a:t> la </a:t>
+            </a:r>
+            <a:r>
+              <a:rPr lang="en-US" dirty="0" err="1" smtClean="0"/>
+              <a:t>possibilità</a:t>
+            </a:r>
+            <a:r>
+              <a:rPr lang="en-US" dirty="0" smtClean="0"/>
+              <a:t> di </a:t>
+            </a:r>
+          </a:p>
+          <a:p>
+            <a:pPr lvl="1" algn="just"/>
+            <a:r>
+              <a:rPr lang="en-US" dirty="0" err="1" smtClean="0"/>
+              <a:t>Filtrare</a:t>
+            </a:r>
+            <a:r>
+              <a:rPr lang="en-US" dirty="0" smtClean="0"/>
+              <a:t> </a:t>
+            </a:r>
+            <a:r>
+              <a:rPr lang="en-US" dirty="0" err="1" smtClean="0"/>
+              <a:t>i</a:t>
+            </a:r>
+            <a:r>
+              <a:rPr lang="en-US" dirty="0" smtClean="0"/>
+              <a:t> </a:t>
+            </a:r>
+            <a:r>
+              <a:rPr lang="en-US" dirty="0" err="1" smtClean="0"/>
+              <a:t>risultati</a:t>
+            </a:r>
+            <a:r>
+              <a:rPr lang="en-US" dirty="0" smtClean="0"/>
+              <a:t> (trimming/folding)</a:t>
+            </a:r>
+          </a:p>
+          <a:p>
+            <a:pPr lvl="1" algn="just"/>
+            <a:r>
+              <a:rPr lang="en-US" dirty="0" err="1" smtClean="0"/>
+              <a:t>Impostare</a:t>
+            </a:r>
+            <a:r>
+              <a:rPr lang="en-US" dirty="0" smtClean="0"/>
+              <a:t> un </a:t>
+            </a:r>
+            <a:r>
+              <a:rPr lang="en-US" dirty="0" err="1" smtClean="0"/>
+              <a:t>qualsiasi</a:t>
+            </a:r>
+            <a:r>
+              <a:rPr lang="en-US" dirty="0" smtClean="0"/>
+              <a:t> </a:t>
+            </a:r>
+            <a:r>
+              <a:rPr lang="en-US" dirty="0" err="1" smtClean="0"/>
+              <a:t>nodo</a:t>
+            </a:r>
+            <a:r>
+              <a:rPr lang="en-US" dirty="0" smtClean="0"/>
+              <a:t> come root, o </a:t>
+            </a:r>
+            <a:r>
+              <a:rPr lang="en-US" dirty="0" err="1" smtClean="0"/>
+              <a:t>resettare</a:t>
+            </a:r>
+            <a:r>
+              <a:rPr lang="en-US" dirty="0" smtClean="0"/>
+              <a:t> </a:t>
+            </a:r>
+            <a:r>
+              <a:rPr lang="en-US" dirty="0" err="1" smtClean="0"/>
+              <a:t>alla</a:t>
+            </a:r>
+            <a:r>
+              <a:rPr lang="en-US" dirty="0" smtClean="0"/>
+              <a:t> </a:t>
+            </a:r>
+            <a:r>
+              <a:rPr lang="en-US" dirty="0" err="1" smtClean="0"/>
+              <a:t>condizione</a:t>
+            </a:r>
+            <a:r>
+              <a:rPr lang="en-US" dirty="0" smtClean="0"/>
+              <a:t> </a:t>
+            </a:r>
+            <a:r>
+              <a:rPr lang="en-US" dirty="0" err="1" smtClean="0"/>
+              <a:t>iniziale</a:t>
+            </a:r>
+            <a:r>
+              <a:rPr lang="en-US" dirty="0" smtClean="0"/>
+              <a:t>, </a:t>
+            </a:r>
+            <a:r>
+              <a:rPr lang="en-US" dirty="0" err="1" smtClean="0"/>
+              <a:t>mediante</a:t>
+            </a:r>
+            <a:r>
+              <a:rPr lang="en-US" dirty="0" smtClean="0"/>
+              <a:t> </a:t>
+            </a:r>
+            <a:r>
+              <a:rPr lang="en-US" dirty="0" err="1" smtClean="0"/>
+              <a:t>tasto</a:t>
+            </a:r>
+            <a:r>
+              <a:rPr lang="en-US" dirty="0" smtClean="0"/>
+              <a:t> </a:t>
+            </a:r>
+            <a:r>
+              <a:rPr lang="en-US" dirty="0" err="1" smtClean="0"/>
+              <a:t>destro</a:t>
+            </a:r>
+            <a:r>
+              <a:rPr lang="en-US" dirty="0" smtClean="0"/>
+              <a:t> </a:t>
+            </a:r>
+            <a:r>
+              <a:rPr lang="en-US" dirty="0" err="1" smtClean="0"/>
+              <a:t>sull’albero</a:t>
+            </a:r>
+            <a:endParaRPr lang="en-US" dirty="0" smtClean="0"/>
+          </a:p>
+          <a:p>
+            <a:pPr lvl="1" algn="just"/>
+            <a:r>
+              <a:rPr lang="en-US" dirty="0" err="1" smtClean="0"/>
+              <a:t>Selezionare</a:t>
+            </a:r>
+            <a:r>
+              <a:rPr lang="en-US" dirty="0" smtClean="0"/>
+              <a:t> diverse </a:t>
+            </a:r>
+            <a:r>
+              <a:rPr lang="en-US" dirty="0" err="1" smtClean="0"/>
+              <a:t>colonne</a:t>
+            </a:r>
+            <a:r>
+              <a:rPr lang="en-US" dirty="0" smtClean="0"/>
+              <a:t> </a:t>
+            </a:r>
+          </a:p>
+          <a:p>
+            <a:pPr marL="274320" lvl="1" indent="0" algn="just">
+              <a:buNone/>
+            </a:pPr>
+            <a:endParaRPr lang="en-US" dirty="0" smtClean="0"/>
+          </a:p>
+          <a:p>
+            <a:pPr lvl="0" algn="just"/>
+            <a:r>
+              <a:rPr lang="en-US" dirty="0" smtClean="0"/>
+              <a:t>Modules: </a:t>
+            </a:r>
+            <a:r>
+              <a:rPr lang="en-US" dirty="0" err="1" smtClean="0"/>
+              <a:t>vediamo</a:t>
+            </a:r>
+            <a:r>
+              <a:rPr lang="en-US" dirty="0" smtClean="0"/>
+              <a:t> I moduli </a:t>
+            </a:r>
+            <a:r>
+              <a:rPr lang="en-US" dirty="0" err="1" smtClean="0"/>
+              <a:t>coinvolti</a:t>
+            </a:r>
+            <a:r>
+              <a:rPr lang="en-US" dirty="0" smtClean="0"/>
+              <a:t>, </a:t>
+            </a:r>
+            <a:r>
+              <a:rPr lang="en-US" dirty="0" err="1" smtClean="0"/>
+              <a:t>ognuno</a:t>
+            </a:r>
+            <a:r>
+              <a:rPr lang="en-US" dirty="0" smtClean="0"/>
+              <a:t> </a:t>
+            </a:r>
+            <a:r>
+              <a:rPr lang="en-US" dirty="0" err="1" smtClean="0"/>
+              <a:t>dei</a:t>
+            </a:r>
+            <a:r>
+              <a:rPr lang="en-US" dirty="0" smtClean="0"/>
+              <a:t> </a:t>
+            </a:r>
+            <a:r>
+              <a:rPr lang="en-US" dirty="0" err="1" smtClean="0"/>
+              <a:t>quali</a:t>
+            </a:r>
+            <a:r>
+              <a:rPr lang="en-US" dirty="0" smtClean="0"/>
+              <a:t> è root </a:t>
+            </a:r>
+            <a:r>
+              <a:rPr lang="en-US" dirty="0" err="1" smtClean="0"/>
+              <a:t>dell’albero</a:t>
+            </a:r>
+            <a:endParaRPr lang="en-US" dirty="0"/>
+          </a:p>
+          <a:p>
+            <a:pPr lvl="1" algn="just"/>
+            <a:r>
+              <a:rPr lang="en-US" dirty="0" smtClean="0"/>
+              <a:t>Se </a:t>
+            </a:r>
+            <a:r>
+              <a:rPr lang="en-US" dirty="0" err="1" smtClean="0"/>
+              <a:t>una</a:t>
+            </a:r>
+            <a:r>
+              <a:rPr lang="en-US" dirty="0" smtClean="0"/>
+              <a:t> </a:t>
+            </a:r>
+            <a:r>
+              <a:rPr lang="en-US" dirty="0" err="1" smtClean="0"/>
+              <a:t>determinata</a:t>
+            </a:r>
+            <a:r>
+              <a:rPr lang="en-US" dirty="0" smtClean="0"/>
+              <a:t> </a:t>
+            </a:r>
+            <a:r>
+              <a:rPr lang="en-US" dirty="0" err="1" smtClean="0"/>
+              <a:t>funzione</a:t>
+            </a:r>
+            <a:r>
+              <a:rPr lang="en-US" dirty="0" smtClean="0"/>
+              <a:t> </a:t>
+            </a:r>
+            <a:r>
+              <a:rPr lang="en-US" dirty="0" err="1" smtClean="0"/>
+              <a:t>stava</a:t>
+            </a:r>
+            <a:r>
+              <a:rPr lang="en-US" dirty="0" smtClean="0"/>
+              <a:t> </a:t>
+            </a:r>
+            <a:r>
+              <a:rPr lang="en-US" dirty="0" err="1" smtClean="0"/>
+              <a:t>eseguendo</a:t>
+            </a:r>
+            <a:r>
+              <a:rPr lang="en-US" dirty="0" smtClean="0"/>
+              <a:t> al </a:t>
+            </a:r>
+            <a:r>
+              <a:rPr lang="en-US" dirty="0" err="1" smtClean="0"/>
+              <a:t>momento</a:t>
+            </a:r>
+            <a:r>
+              <a:rPr lang="en-US" dirty="0" smtClean="0"/>
+              <a:t> </a:t>
+            </a:r>
+            <a:r>
+              <a:rPr lang="en-US" dirty="0" err="1" smtClean="0"/>
+              <a:t>della</a:t>
+            </a:r>
+            <a:r>
+              <a:rPr lang="en-US" dirty="0" smtClean="0"/>
+              <a:t> </a:t>
+            </a:r>
+            <a:r>
+              <a:rPr lang="en-US" dirty="0" err="1" smtClean="0"/>
+              <a:t>misurazione</a:t>
+            </a:r>
+            <a:r>
+              <a:rPr lang="en-US" dirty="0" smtClean="0"/>
+              <a:t>, </a:t>
+            </a:r>
+            <a:r>
+              <a:rPr lang="en-US" dirty="0" err="1" smtClean="0"/>
+              <a:t>viene</a:t>
+            </a:r>
+            <a:r>
+              <a:rPr lang="en-US" dirty="0" smtClean="0"/>
+              <a:t> </a:t>
+            </a:r>
+            <a:r>
+              <a:rPr lang="en-US" dirty="0" err="1" smtClean="0"/>
+              <a:t>mostrata</a:t>
+            </a:r>
+            <a:r>
+              <a:rPr lang="en-US" dirty="0" smtClean="0"/>
+              <a:t> in </a:t>
+            </a:r>
+            <a:r>
+              <a:rPr lang="en-US" dirty="0" err="1" smtClean="0"/>
+              <a:t>questa</a:t>
+            </a:r>
+            <a:r>
+              <a:rPr lang="en-US" dirty="0" smtClean="0"/>
+              <a:t> vista. E’ </a:t>
+            </a:r>
+            <a:r>
+              <a:rPr lang="en-US" dirty="0" err="1" smtClean="0"/>
+              <a:t>possibile</a:t>
+            </a:r>
+            <a:r>
+              <a:rPr lang="en-US" dirty="0" smtClean="0"/>
+              <a:t> </a:t>
+            </a:r>
+            <a:r>
+              <a:rPr lang="en-US" dirty="0" err="1" smtClean="0"/>
+              <a:t>cliccare</a:t>
+            </a:r>
+            <a:r>
+              <a:rPr lang="en-US" dirty="0" smtClean="0"/>
+              <a:t> </a:t>
+            </a:r>
+            <a:r>
+              <a:rPr lang="en-US" dirty="0" err="1" smtClean="0"/>
+              <a:t>sulla</a:t>
+            </a:r>
+            <a:r>
+              <a:rPr lang="en-US" dirty="0" smtClean="0"/>
+              <a:t> </a:t>
+            </a:r>
+            <a:r>
+              <a:rPr lang="en-US" dirty="0" err="1" smtClean="0"/>
+              <a:t>funzione</a:t>
+            </a:r>
+            <a:r>
+              <a:rPr lang="en-US" dirty="0" smtClean="0"/>
+              <a:t> e </a:t>
+            </a:r>
+            <a:r>
+              <a:rPr lang="en-US" dirty="0" err="1" smtClean="0"/>
+              <a:t>raggiungere</a:t>
+            </a:r>
+            <a:r>
+              <a:rPr lang="en-US" dirty="0" smtClean="0"/>
+              <a:t> </a:t>
+            </a:r>
+            <a:r>
+              <a:rPr lang="en-US" dirty="0" err="1" smtClean="0"/>
+              <a:t>direttamente</a:t>
+            </a:r>
+            <a:r>
+              <a:rPr lang="en-US" dirty="0" smtClean="0"/>
+              <a:t> </a:t>
+            </a:r>
+            <a:r>
+              <a:rPr lang="en-US" dirty="0" err="1" smtClean="0"/>
+              <a:t>il</a:t>
+            </a:r>
+            <a:r>
+              <a:rPr lang="en-US" dirty="0" smtClean="0"/>
+              <a:t> </a:t>
+            </a:r>
+            <a:r>
+              <a:rPr lang="en-US" dirty="0" err="1" smtClean="0"/>
+              <a:t>sorgente</a:t>
+            </a:r>
+            <a:r>
+              <a:rPr lang="en-US" dirty="0" smtClean="0"/>
+              <a:t>. </a:t>
+            </a:r>
+            <a:r>
+              <a:rPr lang="en-US" dirty="0" err="1" smtClean="0"/>
+              <a:t>Qualora</a:t>
+            </a:r>
+            <a:r>
+              <a:rPr lang="en-US" dirty="0"/>
+              <a:t> </a:t>
+            </a:r>
+            <a:r>
+              <a:rPr lang="en-US" dirty="0" err="1" smtClean="0"/>
+              <a:t>gli</a:t>
+            </a:r>
+            <a:r>
+              <a:rPr lang="en-US" dirty="0" smtClean="0"/>
+              <a:t> </a:t>
+            </a:r>
+            <a:r>
+              <a:rPr lang="en-US" dirty="0" err="1" smtClean="0"/>
+              <a:t>indicatori</a:t>
+            </a:r>
+            <a:r>
+              <a:rPr lang="en-US" dirty="0" smtClean="0"/>
+              <a:t> di inclusive </a:t>
+            </a:r>
+            <a:r>
+              <a:rPr lang="en-US" dirty="0" err="1" smtClean="0"/>
+              <a:t>ed</a:t>
+            </a:r>
+            <a:r>
+              <a:rPr lang="en-US" dirty="0" smtClean="0"/>
+              <a:t> exclusive </a:t>
+            </a:r>
+            <a:r>
+              <a:rPr lang="en-US" dirty="0" err="1" smtClean="0"/>
+              <a:t>coincidano</a:t>
+            </a:r>
+            <a:r>
+              <a:rPr lang="en-US" dirty="0" smtClean="0"/>
+              <a:t>, </a:t>
+            </a:r>
+            <a:r>
+              <a:rPr lang="en-US" dirty="0" err="1" smtClean="0"/>
+              <a:t>il</a:t>
+            </a:r>
+            <a:r>
+              <a:rPr lang="en-US" dirty="0" smtClean="0"/>
+              <a:t> tool ha </a:t>
+            </a:r>
+            <a:r>
+              <a:rPr lang="en-US" dirty="0" err="1" smtClean="0"/>
+              <a:t>tracciato</a:t>
+            </a:r>
+            <a:r>
+              <a:rPr lang="en-US" dirty="0" smtClean="0"/>
+              <a:t> </a:t>
+            </a:r>
+            <a:r>
+              <a:rPr lang="en-US" dirty="0" err="1" smtClean="0"/>
+              <a:t>qualcosa</a:t>
+            </a:r>
+            <a:r>
+              <a:rPr lang="en-US" dirty="0" smtClean="0"/>
+              <a:t> di </a:t>
+            </a:r>
+            <a:r>
+              <a:rPr lang="en-US" dirty="0" err="1" smtClean="0"/>
+              <a:t>atomico</a:t>
+            </a:r>
+            <a:r>
+              <a:rPr lang="en-US" dirty="0" smtClean="0"/>
+              <a:t>, </a:t>
+            </a:r>
+            <a:r>
+              <a:rPr lang="en-US" dirty="0" err="1" smtClean="0"/>
+              <a:t>quindi</a:t>
+            </a:r>
+            <a:r>
+              <a:rPr lang="en-US" dirty="0" smtClean="0"/>
+              <a:t> </a:t>
+            </a:r>
+            <a:r>
+              <a:rPr lang="en-US" dirty="0" err="1" smtClean="0"/>
+              <a:t>l’instruction</a:t>
+            </a:r>
+            <a:r>
+              <a:rPr lang="en-US" dirty="0" smtClean="0"/>
+              <a:t> pointer (ad </a:t>
+            </a:r>
+            <a:r>
+              <a:rPr lang="en-US" dirty="0" err="1" smtClean="0"/>
+              <a:t>esempio</a:t>
+            </a:r>
+            <a:r>
+              <a:rPr lang="en-US" dirty="0" smtClean="0"/>
+              <a:t> in moduli di Sistema)</a:t>
+            </a:r>
+            <a:endParaRPr lang="en-US" dirty="0"/>
+          </a:p>
+          <a:p>
+            <a:pPr marL="274320" lvl="1" indent="0" algn="just">
+              <a:buNone/>
+            </a:pPr>
+            <a:endParaRPr lang="en-US" dirty="0"/>
+          </a:p>
+          <a:p>
+            <a:pPr marL="274320" lvl="1" indent="0" algn="just">
+              <a:buNone/>
+            </a:pPr>
+            <a:endParaRPr lang="en-US" dirty="0" smtClean="0"/>
           </a:p>
         </p:txBody>
       </p:sp>
     </p:spTree>
     <p:extLst>
       <p:ext uri="{BB962C8B-B14F-4D97-AF65-F5344CB8AC3E}">
-        <p14:creationId xmlns:p14="http://schemas.microsoft.com/office/powerpoint/2010/main" val="178878209"/>
+        <p14:creationId xmlns:p14="http://schemas.microsoft.com/office/powerpoint/2010/main" val="3226164041"/>
       </p:ext>
     </p:extLst>
   </p:cSld>
@@ -13203,6 +14171,498 @@
       </p:grpSpPr>
       <p:sp>
         <p:nvSpPr>
+          <p:cNvPr id="2" name="Title 1"/>
+          <p:cNvSpPr>
+            <a:spLocks noGrp="1"/>
+          </p:cNvSpPr>
+          <p:nvPr>
+            <p:ph type="title"/>
+          </p:nvPr>
+        </p:nvSpPr>
+        <p:spPr/>
+        <p:txBody>
+          <a:bodyPr/>
+          <a:lstStyle/>
+          <a:p>
+            <a:r>
+              <a:rPr lang="en-US" dirty="0" smtClean="0"/>
+              <a:t>Profiler – </a:t>
+            </a:r>
+            <a:r>
+              <a:rPr lang="en-US" dirty="0" err="1" smtClean="0"/>
+              <a:t>altre</a:t>
+            </a:r>
+            <a:r>
+              <a:rPr lang="en-US" dirty="0" smtClean="0"/>
+              <a:t> </a:t>
+            </a:r>
+            <a:r>
+              <a:rPr lang="en-US" dirty="0" err="1" smtClean="0"/>
+              <a:t>viste</a:t>
+            </a:r>
+            <a:r>
+              <a:rPr lang="en-US" dirty="0" smtClean="0"/>
+              <a:t> (2)</a:t>
+            </a:r>
+            <a:endParaRPr lang="it-IT" dirty="0"/>
+          </a:p>
+        </p:txBody>
+      </p:sp>
+      <p:sp>
+        <p:nvSpPr>
+          <p:cNvPr id="3" name="Content Placeholder 2"/>
+          <p:cNvSpPr>
+            <a:spLocks noGrp="1"/>
+          </p:cNvSpPr>
+          <p:nvPr>
+            <p:ph idx="1"/>
+          </p:nvPr>
+        </p:nvSpPr>
+        <p:spPr/>
+        <p:txBody>
+          <a:bodyPr>
+            <a:normAutofit/>
+          </a:bodyPr>
+          <a:lstStyle/>
+          <a:p>
+            <a:pPr lvl="0" algn="just"/>
+            <a:r>
+              <a:rPr lang="en-US" dirty="0" smtClean="0"/>
+              <a:t>Caller/</a:t>
+            </a:r>
+            <a:r>
+              <a:rPr lang="en-US" dirty="0" err="1" smtClean="0"/>
+              <a:t>Calle</a:t>
+            </a:r>
+            <a:r>
+              <a:rPr lang="en-US" dirty="0" smtClean="0"/>
+              <a:t> view: </a:t>
+            </a:r>
+          </a:p>
+          <a:p>
+            <a:pPr lvl="1" algn="just"/>
+            <a:r>
+              <a:rPr lang="en-US" dirty="0" err="1" smtClean="0"/>
+              <a:t>Vengono</a:t>
+            </a:r>
+            <a:r>
+              <a:rPr lang="en-US" dirty="0" smtClean="0"/>
+              <a:t> </a:t>
+            </a:r>
+            <a:r>
+              <a:rPr lang="en-US" dirty="0" err="1" smtClean="0"/>
+              <a:t>mostrate</a:t>
+            </a:r>
+            <a:r>
+              <a:rPr lang="en-US" dirty="0" smtClean="0"/>
+              <a:t> 3 </a:t>
+            </a:r>
+            <a:r>
+              <a:rPr lang="en-US" dirty="0" err="1" smtClean="0"/>
+              <a:t>viste</a:t>
+            </a:r>
+            <a:r>
+              <a:rPr lang="en-US" dirty="0" smtClean="0"/>
+              <a:t>, la </a:t>
+            </a:r>
+            <a:r>
+              <a:rPr lang="en-US" dirty="0" err="1" smtClean="0"/>
+              <a:t>funzione</a:t>
+            </a:r>
+            <a:r>
+              <a:rPr lang="en-US" dirty="0" smtClean="0"/>
+              <a:t> in </a:t>
+            </a:r>
+            <a:r>
+              <a:rPr lang="en-US" dirty="0" err="1" smtClean="0"/>
+              <a:t>esame</a:t>
+            </a:r>
+            <a:r>
+              <a:rPr lang="en-US" dirty="0" smtClean="0"/>
+              <a:t>, la </a:t>
+            </a:r>
+            <a:r>
+              <a:rPr lang="en-US" dirty="0" err="1" smtClean="0"/>
+              <a:t>funzione</a:t>
+            </a:r>
+            <a:r>
+              <a:rPr lang="en-US" dirty="0" smtClean="0"/>
+              <a:t> padre e le </a:t>
+            </a:r>
+            <a:r>
+              <a:rPr lang="en-US" dirty="0" err="1" smtClean="0"/>
+              <a:t>funzioni</a:t>
+            </a:r>
+            <a:r>
+              <a:rPr lang="en-US" dirty="0" smtClean="0"/>
+              <a:t> </a:t>
+            </a:r>
+            <a:r>
+              <a:rPr lang="en-US" dirty="0" err="1" smtClean="0"/>
+              <a:t>figlie</a:t>
+            </a:r>
+            <a:r>
+              <a:rPr lang="en-US" dirty="0" smtClean="0"/>
+              <a:t>. </a:t>
+            </a:r>
+          </a:p>
+          <a:p>
+            <a:pPr lvl="1" algn="just"/>
+            <a:r>
+              <a:rPr lang="en-US" dirty="0" err="1" smtClean="0"/>
+              <a:t>Anche</a:t>
+            </a:r>
+            <a:r>
+              <a:rPr lang="en-US" dirty="0" smtClean="0"/>
+              <a:t> in </a:t>
+            </a:r>
+            <a:r>
+              <a:rPr lang="en-US" dirty="0" err="1" smtClean="0"/>
+              <a:t>questo</a:t>
+            </a:r>
+            <a:r>
+              <a:rPr lang="en-US" dirty="0" smtClean="0"/>
+              <a:t> </a:t>
+            </a:r>
+            <a:r>
+              <a:rPr lang="en-US" dirty="0" err="1" smtClean="0"/>
+              <a:t>caso</a:t>
+            </a:r>
+            <a:r>
+              <a:rPr lang="en-US" dirty="0" smtClean="0"/>
+              <a:t> è </a:t>
+            </a:r>
+            <a:r>
+              <a:rPr lang="en-US" dirty="0" err="1" smtClean="0"/>
+              <a:t>possibil</a:t>
+            </a:r>
+            <a:r>
+              <a:rPr lang="en-US" dirty="0" err="1" smtClean="0"/>
+              <a:t>e</a:t>
+            </a:r>
+            <a:r>
+              <a:rPr lang="en-US" dirty="0" smtClean="0"/>
+              <a:t> </a:t>
+            </a:r>
+            <a:r>
+              <a:rPr lang="en-US" dirty="0" err="1" smtClean="0"/>
+              <a:t>discriminare</a:t>
+            </a:r>
+            <a:r>
+              <a:rPr lang="en-US" dirty="0" smtClean="0"/>
+              <a:t> </a:t>
+            </a:r>
+            <a:r>
+              <a:rPr lang="en-US" dirty="0" err="1" smtClean="0"/>
+              <a:t>i</a:t>
+            </a:r>
+            <a:r>
+              <a:rPr lang="en-US" dirty="0" smtClean="0"/>
+              <a:t> </a:t>
+            </a:r>
+            <a:r>
+              <a:rPr lang="en-US" dirty="0" err="1" smtClean="0"/>
+              <a:t>contatori</a:t>
+            </a:r>
+            <a:r>
+              <a:rPr lang="en-US" dirty="0" smtClean="0"/>
+              <a:t> inclusive/exclusive e le relative </a:t>
+            </a:r>
+            <a:r>
+              <a:rPr lang="en-US" dirty="0" err="1" smtClean="0"/>
+              <a:t>percentuali</a:t>
+            </a:r>
+            <a:endParaRPr lang="en-US" dirty="0" smtClean="0"/>
+          </a:p>
+          <a:p>
+            <a:pPr lvl="0" algn="just"/>
+            <a:r>
+              <a:rPr lang="en-US" dirty="0" smtClean="0"/>
+              <a:t> Functions </a:t>
+            </a:r>
+            <a:r>
+              <a:rPr lang="en-US" dirty="0"/>
+              <a:t>view: </a:t>
+            </a:r>
+            <a:endParaRPr lang="en-US" dirty="0" smtClean="0"/>
+          </a:p>
+          <a:p>
+            <a:pPr lvl="1" algn="just"/>
+            <a:r>
+              <a:rPr lang="en-US" dirty="0" smtClean="0"/>
+              <a:t>Vista </a:t>
+            </a:r>
+            <a:r>
+              <a:rPr lang="en-US" dirty="0" err="1" smtClean="0"/>
+              <a:t>sulle</a:t>
+            </a:r>
+            <a:r>
+              <a:rPr lang="en-US" dirty="0" smtClean="0"/>
+              <a:t> </a:t>
+            </a:r>
+            <a:r>
+              <a:rPr lang="en-US" dirty="0" err="1" smtClean="0"/>
+              <a:t>funzioni</a:t>
+            </a:r>
+            <a:r>
+              <a:rPr lang="en-US" dirty="0" smtClean="0"/>
+              <a:t> </a:t>
+            </a:r>
+            <a:r>
+              <a:rPr lang="en-US" dirty="0" err="1" smtClean="0"/>
+              <a:t>chiamate</a:t>
+            </a:r>
+            <a:r>
+              <a:rPr lang="en-US" dirty="0" smtClean="0"/>
+              <a:t>. Utile a </a:t>
+            </a:r>
+            <a:r>
+              <a:rPr lang="en-US" dirty="0" err="1" smtClean="0"/>
+              <a:t>patto</a:t>
+            </a:r>
+            <a:r>
+              <a:rPr lang="en-US" dirty="0" smtClean="0"/>
+              <a:t> di </a:t>
+            </a:r>
+            <a:r>
+              <a:rPr lang="en-US" dirty="0" err="1" smtClean="0"/>
+              <a:t>configurare</a:t>
+            </a:r>
+            <a:r>
+              <a:rPr lang="en-US" dirty="0" smtClean="0"/>
+              <a:t> </a:t>
+            </a:r>
+            <a:r>
+              <a:rPr lang="en-US" dirty="0" err="1" smtClean="0"/>
+              <a:t>il</a:t>
+            </a:r>
+            <a:r>
+              <a:rPr lang="en-US" dirty="0" smtClean="0"/>
+              <a:t> modulo di </a:t>
+            </a:r>
+            <a:r>
+              <a:rPr lang="en-US" dirty="0" err="1" smtClean="0"/>
+              <a:t>provenienza</a:t>
+            </a:r>
+            <a:r>
+              <a:rPr lang="en-US" dirty="0" smtClean="0"/>
+              <a:t> </a:t>
+            </a:r>
+            <a:r>
+              <a:rPr lang="en-US" dirty="0" err="1" smtClean="0"/>
+              <a:t>della</a:t>
+            </a:r>
+            <a:r>
+              <a:rPr lang="en-US" dirty="0" smtClean="0"/>
+              <a:t> </a:t>
+            </a:r>
+            <a:r>
+              <a:rPr lang="en-US" dirty="0" err="1" smtClean="0"/>
+              <a:t>funzione</a:t>
+            </a:r>
+            <a:r>
+              <a:rPr lang="en-US" dirty="0"/>
+              <a:t> </a:t>
+            </a:r>
+            <a:r>
+              <a:rPr lang="en-US" dirty="0" smtClean="0"/>
+              <a:t>o se </a:t>
+            </a:r>
+            <a:r>
+              <a:rPr lang="en-US" dirty="0" err="1" smtClean="0"/>
+              <a:t>si</a:t>
+            </a:r>
+            <a:r>
+              <a:rPr lang="en-US" dirty="0" smtClean="0"/>
+              <a:t> </a:t>
+            </a:r>
+            <a:r>
+              <a:rPr lang="en-US" dirty="0" err="1" smtClean="0"/>
+              <a:t>utilizza</a:t>
+            </a:r>
+            <a:r>
+              <a:rPr lang="en-US" dirty="0" smtClean="0"/>
+              <a:t> “show just my code” </a:t>
+            </a:r>
+            <a:r>
+              <a:rPr lang="en-US" dirty="0" err="1" smtClean="0"/>
+              <a:t>nel</a:t>
+            </a:r>
+            <a:r>
+              <a:rPr lang="en-US" dirty="0" smtClean="0"/>
+              <a:t> summary</a:t>
+            </a:r>
+            <a:endParaRPr lang="en-US" dirty="0"/>
+          </a:p>
+          <a:p>
+            <a:pPr lvl="0" algn="just"/>
+            <a:r>
+              <a:rPr lang="en-US" dirty="0" smtClean="0"/>
+              <a:t>Lines view</a:t>
+            </a:r>
+            <a:r>
+              <a:rPr lang="en-US" dirty="0"/>
+              <a:t>: </a:t>
+            </a:r>
+          </a:p>
+          <a:p>
+            <a:pPr lvl="1" algn="just"/>
+            <a:endParaRPr lang="en-US" dirty="0"/>
+          </a:p>
+          <a:p>
+            <a:pPr marL="274320" lvl="1" indent="0" algn="just">
+              <a:buNone/>
+            </a:pPr>
+            <a:endParaRPr lang="en-US" dirty="0" smtClean="0"/>
+          </a:p>
+        </p:txBody>
+      </p:sp>
+    </p:spTree>
+    <p:extLst>
+      <p:ext uri="{BB962C8B-B14F-4D97-AF65-F5344CB8AC3E}">
+        <p14:creationId xmlns:p14="http://schemas.microsoft.com/office/powerpoint/2010/main" val="2522682778"/>
+      </p:ext>
+    </p:extLst>
+  </p:cSld>
+  <p:clrMapOvr>
+    <a:masterClrMapping/>
+  </p:clrMapOvr>
+  <mc:AlternateContent xmlns:mc="http://schemas.openxmlformats.org/markup-compatibility/2006">
+    <mc:Choice xmlns:p14="http://schemas.microsoft.com/office/powerpoint/2010/main" Requires="p14">
+      <p:transition spd="slow" p14:dur="2000"/>
+    </mc:Choice>
+    <mc:Fallback>
+      <p:transition spd="slow"/>
+    </mc:Fallback>
+  </mc:AlternateContent>
+  <p:timing>
+    <p:tnLst>
+      <p:par>
+        <p:cTn id="1" dur="indefinite" restart="never" nodeType="tmRoot"/>
+      </p:par>
+    </p:tnLst>
+  </p:timing>
+</p:sld>
+</file>
+
+<file path=ppt/slides/slide31.xml><?xml version="1.0" encoding="utf-8"?>
+<p:sld xmlns:a="http://schemas.openxmlformats.org/drawingml/2006/main" xmlns:r="http://schemas.openxmlformats.org/officeDocument/2006/relationships" xmlns:p="http://schemas.openxmlformats.org/presentationml/2006/main">
+  <p:cSld>
+    <p:spTree>
+      <p:nvGrpSpPr>
+        <p:cNvPr id="1" name=""/>
+        <p:cNvGrpSpPr/>
+        <p:nvPr/>
+      </p:nvGrpSpPr>
+      <p:grpSpPr>
+        <a:xfrm>
+          <a:off x="0" y="0"/>
+          <a:ext cx="0" cy="0"/>
+          <a:chOff x="0" y="0"/>
+          <a:chExt cx="0" cy="0"/>
+        </a:xfrm>
+      </p:grpSpPr>
+      <p:sp>
+        <p:nvSpPr>
+          <p:cNvPr id="4" name="Title 3"/>
+          <p:cNvSpPr>
+            <a:spLocks noGrp="1"/>
+          </p:cNvSpPr>
+          <p:nvPr>
+            <p:ph type="title"/>
+          </p:nvPr>
+        </p:nvSpPr>
+        <p:spPr/>
+        <p:txBody>
+          <a:bodyPr/>
+          <a:lstStyle/>
+          <a:p>
+            <a:r>
+              <a:rPr lang="it-IT" dirty="0" smtClean="0"/>
+              <a:t>Demo</a:t>
+            </a:r>
+            <a:endParaRPr lang="it-IT" dirty="0"/>
+          </a:p>
+        </p:txBody>
+      </p:sp>
+      <p:sp>
+        <p:nvSpPr>
+          <p:cNvPr id="5" name="Text Placeholder 4"/>
+          <p:cNvSpPr>
+            <a:spLocks noGrp="1"/>
+          </p:cNvSpPr>
+          <p:nvPr>
+            <p:ph type="body" idx="1"/>
+          </p:nvPr>
+        </p:nvSpPr>
+        <p:spPr/>
+        <p:txBody>
+          <a:bodyPr/>
+          <a:lstStyle/>
+          <a:p>
+            <a:r>
+              <a:rPr lang="fr-FR" dirty="0" err="1" smtClean="0"/>
+              <a:t>Sampling</a:t>
+            </a:r>
+            <a:r>
+              <a:rPr lang="fr-FR" dirty="0" smtClean="0"/>
+              <a:t> – Instrumentation - </a:t>
+            </a:r>
+            <a:r>
+              <a:rPr lang="fr-FR" dirty="0" err="1" smtClean="0"/>
+              <a:t>Concurrency</a:t>
+            </a:r>
+            <a:endParaRPr lang="fr-FR" dirty="0"/>
+          </a:p>
+        </p:txBody>
+      </p:sp>
+    </p:spTree>
+    <p:extLst>
+      <p:ext uri="{BB962C8B-B14F-4D97-AF65-F5344CB8AC3E}">
+        <p14:creationId xmlns:p14="http://schemas.microsoft.com/office/powerpoint/2010/main" val="178878209"/>
+      </p:ext>
+    </p:extLst>
+  </p:cSld>
+  <p:clrMapOvr>
+    <a:masterClrMapping/>
+  </p:clrMapOvr>
+  <mc:AlternateContent xmlns:mc="http://schemas.openxmlformats.org/markup-compatibility/2006" xmlns:p14="http://schemas.microsoft.com/office/powerpoint/2010/main">
+    <mc:Choice Requires="p14">
+      <p:transition spd="slow" p14:dur="2000"/>
+    </mc:Choice>
+    <mc:Fallback xmlns="">
+      <p:transition spd="slow"/>
+    </mc:Fallback>
+  </mc:AlternateContent>
+  <p:timing>
+    <p:tnLst>
+      <p:par>
+        <p:cTn id="1" dur="indefinite" restart="never" nodeType="tmRoot"/>
+      </p:par>
+    </p:tnLst>
+  </p:timing>
+</p:sld>
+</file>
+
+<file path=ppt/slides/slide32.xml><?xml version="1.0" encoding="utf-8"?>
+<p:sld xmlns:a="http://schemas.openxmlformats.org/drawingml/2006/main" xmlns:r="http://schemas.openxmlformats.org/officeDocument/2006/relationships" xmlns:p="http://schemas.openxmlformats.org/presentationml/2006/main">
+  <p:cSld>
+    <p:spTree>
+      <p:nvGrpSpPr>
+        <p:cNvPr id="1" name=""/>
+        <p:cNvGrpSpPr/>
+        <p:nvPr/>
+      </p:nvGrpSpPr>
+      <p:grpSpPr>
+        <a:xfrm>
+          <a:off x="0" y="0"/>
+          <a:ext cx="0" cy="0"/>
+          <a:chOff x="0" y="0"/>
+          <a:chExt cx="0" cy="0"/>
+        </a:xfrm>
+      </p:grpSpPr>
+      <p:sp>
+        <p:nvSpPr>
           <p:cNvPr id="4" name="Title 3"/>
           <p:cNvSpPr>
             <a:spLocks noGrp="1"/>
@@ -13273,7 +14733,7 @@
 </p:sld>
 </file>
 
-<file path=ppt/slides/slide31.xml><?xml version="1.0" encoding="utf-8"?>
+<file path=ppt/slides/slide33.xml><?xml version="1.0" encoding="utf-8"?>
 <p:sld xmlns:a="http://schemas.openxmlformats.org/drawingml/2006/main" xmlns:r="http://schemas.openxmlformats.org/officeDocument/2006/relationships" xmlns:p="http://schemas.openxmlformats.org/presentationml/2006/main">
   <p:cSld>
     <p:spTree>

--- a/presentazioneCDAYS2014.pptx
+++ b/presentazioneCDAYS2014.pptx
@@ -5,10 +5,10 @@
     <p:sldMasterId id="2147483840" r:id="rId1"/>
   </p:sldMasterIdLst>
   <p:notesMasterIdLst>
-    <p:notesMasterId r:id="rId35"/>
+    <p:notesMasterId r:id="rId36"/>
   </p:notesMasterIdLst>
   <p:handoutMasterIdLst>
-    <p:handoutMasterId r:id="rId36"/>
+    <p:handoutMasterId r:id="rId37"/>
   </p:handoutMasterIdLst>
   <p:sldIdLst>
     <p:sldId id="256" r:id="rId2"/>
@@ -37,13 +37,14 @@
     <p:sldId id="282" r:id="rId25"/>
     <p:sldId id="283" r:id="rId26"/>
     <p:sldId id="285" r:id="rId27"/>
-    <p:sldId id="286" r:id="rId28"/>
-    <p:sldId id="288" r:id="rId29"/>
-    <p:sldId id="289" r:id="rId30"/>
-    <p:sldId id="290" r:id="rId31"/>
-    <p:sldId id="262" r:id="rId32"/>
-    <p:sldId id="264" r:id="rId33"/>
-    <p:sldId id="263" r:id="rId34"/>
+    <p:sldId id="291" r:id="rId28"/>
+    <p:sldId id="292" r:id="rId29"/>
+    <p:sldId id="288" r:id="rId30"/>
+    <p:sldId id="289" r:id="rId31"/>
+    <p:sldId id="290" r:id="rId32"/>
+    <p:sldId id="262" r:id="rId33"/>
+    <p:sldId id="264" r:id="rId34"/>
+    <p:sldId id="263" r:id="rId35"/>
   </p:sldIdLst>
   <p:sldSz cx="12192000" cy="6858000"/>
   <p:notesSz cx="6858000" cy="9144000"/>
@@ -173,7 +174,8 @@
             <p14:sldId id="282"/>
             <p14:sldId id="283"/>
             <p14:sldId id="285"/>
-            <p14:sldId id="286"/>
+            <p14:sldId id="291"/>
+            <p14:sldId id="292"/>
             <p14:sldId id="288"/>
             <p14:sldId id="289"/>
             <p14:sldId id="290"/>
@@ -288,7 +290,7 @@
           <a:p>
             <a:fld id="{7541E3AA-7BE5-4B59-82F5-30F2E5FF0CD3}" type="datetimeFigureOut">
               <a:rPr lang="it-IT" smtClean="0"/>
-              <a:t>09/02/2014</a:t>
+              <a:t>12/02/2014</a:t>
             </a:fld>
             <a:endParaRPr lang="it-IT"/>
           </a:p>
@@ -453,7 +455,7 @@
           <a:p>
             <a:fld id="{1634FCDD-F444-4746-A037-762098AD364A}" type="datetimeFigureOut">
               <a:rPr lang="it-IT" smtClean="0"/>
-              <a:t>09/02/2014</a:t>
+              <a:t>12/02/2014</a:t>
             </a:fld>
             <a:endParaRPr lang="it-IT"/>
           </a:p>
@@ -974,7 +976,7 @@
               <a:pPr>
                 <a:defRPr/>
               </a:pPr>
-              <a:t>31</a:t>
+              <a:t>32</a:t>
             </a:fld>
             <a:endParaRPr lang="it-IT"/>
           </a:p>
@@ -1067,7 +1069,7 @@
           <a:p>
             <a:fld id="{6B6C5E1B-63F6-4CD9-93BD-FBDB130EB2E4}" type="slidenum">
               <a:rPr lang="it-IT" smtClean="0"/>
-              <a:t>33</a:t>
+              <a:t>34</a:t>
             </a:fld>
             <a:endParaRPr lang="it-IT"/>
           </a:p>
@@ -1513,7 +1515,7 @@
           <a:p>
             <a:fld id="{06D8BB37-67E1-420F-B488-3DE93FA3DF1F}" type="datetimeFigureOut">
               <a:rPr lang="en-US" dirty="0"/>
-              <a:t>2/9/2014</a:t>
+              <a:t>2/12/2014</a:t>
             </a:fld>
             <a:endParaRPr lang="en-US" dirty="0"/>
           </a:p>
@@ -1717,7 +1719,7 @@
           <a:p>
             <a:fld id="{E4B96382-B15D-466F-9E7D-0603461872B7}" type="datetimeFigureOut">
               <a:rPr lang="en-US" dirty="0"/>
-              <a:t>2/9/2014</a:t>
+              <a:t>2/12/2014</a:t>
             </a:fld>
             <a:endParaRPr lang="en-US" dirty="0"/>
           </a:p>
@@ -1973,7 +1975,7 @@
           <a:p>
             <a:fld id="{218672AE-FC7B-40BA-8844-0693A2434617}" type="datetimeFigureOut">
               <a:rPr lang="en-US" dirty="0"/>
-              <a:t>2/9/2014</a:t>
+              <a:t>2/12/2014</a:t>
             </a:fld>
             <a:endParaRPr lang="en-US" dirty="0"/>
           </a:p>
@@ -2217,7 +2219,7 @@
           <a:p>
             <a:fld id="{3568EC8D-9508-4A2C-8FBC-4C089BA52EE5}" type="datetimeFigureOut">
               <a:rPr lang="en-US" dirty="0"/>
-              <a:t>2/9/2014</a:t>
+              <a:t>2/12/2014</a:t>
             </a:fld>
             <a:endParaRPr lang="en-US" dirty="0"/>
           </a:p>
@@ -2542,7 +2544,7 @@
           <a:p>
             <a:fld id="{DB7A1C89-C29A-4D79-B5A1-1F424905E9A1}" type="datetimeFigureOut">
               <a:rPr lang="en-US" dirty="0"/>
-              <a:t>2/9/2014</a:t>
+              <a:t>2/12/2014</a:t>
             </a:fld>
             <a:endParaRPr lang="en-US" dirty="0"/>
           </a:p>
@@ -2906,7 +2908,7 @@
           <a:p>
             <a:fld id="{57ECC248-0691-4AB1-BB8B-882D656FF160}" type="datetimeFigureOut">
               <a:rPr lang="en-US" dirty="0"/>
-              <a:t>2/9/2014</a:t>
+              <a:t>2/12/2014</a:t>
             </a:fld>
             <a:endParaRPr lang="en-US" dirty="0"/>
           </a:p>
@@ -3433,7 +3435,7 @@
           <a:p>
             <a:fld id="{D4E54B09-E178-460F-B46D-023FA9745608}" type="datetimeFigureOut">
               <a:rPr lang="en-US" dirty="0"/>
-              <a:t>2/9/2014</a:t>
+              <a:t>2/12/2014</a:t>
             </a:fld>
             <a:endParaRPr lang="en-US" dirty="0"/>
           </a:p>
@@ -3627,7 +3629,7 @@
           <a:p>
             <a:fld id="{6CD62E06-21B3-4A3D-A6C8-F0DFEB8AB04D}" type="datetimeFigureOut">
               <a:rPr lang="en-US" dirty="0"/>
-              <a:t>2/9/2014</a:t>
+              <a:t>2/12/2014</a:t>
             </a:fld>
             <a:endParaRPr lang="en-US" dirty="0"/>
           </a:p>
@@ -3788,7 +3790,7 @@
           <a:p>
             <a:fld id="{2CC7CC01-41FD-4607-B8B1-976991065B2D}" type="datetimeFigureOut">
               <a:rPr lang="en-US" dirty="0"/>
-              <a:t>2/9/2014</a:t>
+              <a:t>2/12/2014</a:t>
             </a:fld>
             <a:endParaRPr lang="en-US" dirty="0"/>
           </a:p>
@@ -4152,7 +4154,7 @@
           <a:p>
             <a:fld id="{6D6740A7-C153-476A-BA27-5BE657EA7C21}" type="datetimeFigureOut">
               <a:rPr lang="en-US" dirty="0"/>
-              <a:t>2/9/2014</a:t>
+              <a:t>2/12/2014</a:t>
             </a:fld>
             <a:endParaRPr lang="en-US" dirty="0"/>
           </a:p>
@@ -4418,7 +4420,7 @@
           <a:p>
             <a:fld id="{1C86C2EC-F3EA-4AFE-88D7-51A6BBFDBA8B}" type="datetimeFigureOut">
               <a:rPr lang="en-US" dirty="0"/>
-              <a:t>2/9/2014</a:t>
+              <a:t>2/12/2014</a:t>
             </a:fld>
             <a:endParaRPr lang="en-US" dirty="0"/>
           </a:p>
@@ -4812,7 +4814,7 @@
           <a:p>
             <a:fld id="{BF2EAB5F-78EB-45CA-9E26-D1BAA0AA6EEC}" type="datetimeFigureOut">
               <a:rPr lang="en-US" dirty="0"/>
-              <a:t>2/9/2014</a:t>
+              <a:t>2/12/2014</a:t>
             </a:fld>
             <a:endParaRPr lang="en-US" dirty="0"/>
           </a:p>
@@ -12757,11 +12759,7 @@
           <a:p>
             <a:r>
               <a:rPr lang="en-US" dirty="0" smtClean="0"/>
-              <a:t>Concurrency - </a:t>
-            </a:r>
-            <a:r>
-              <a:rPr lang="en-US" dirty="0" err="1" smtClean="0"/>
-              <a:t>todo</a:t>
+              <a:t>Concurrency</a:t>
             </a:r>
             <a:endParaRPr lang="it-IT" dirty="0"/>
           </a:p>
@@ -12784,38 +12782,583 @@
           </a:bodyPr>
           <a:lstStyle/>
           <a:p>
+            <a:pPr lvl="0" algn="just"/>
+            <a:r>
+              <a:rPr lang="en-US" dirty="0" smtClean="0"/>
+              <a:t>Serve a </a:t>
+            </a:r>
+            <a:r>
+              <a:rPr lang="en-US" dirty="0" err="1" smtClean="0"/>
+              <a:t>individuare</a:t>
+            </a:r>
+            <a:r>
+              <a:rPr lang="en-US" dirty="0" smtClean="0"/>
+              <a:t> </a:t>
+            </a:r>
+            <a:r>
+              <a:rPr lang="en-US" dirty="0" err="1" smtClean="0"/>
+              <a:t>eventuali</a:t>
+            </a:r>
+            <a:r>
+              <a:rPr lang="en-US" dirty="0" smtClean="0"/>
+              <a:t> bottleneck in </a:t>
+            </a:r>
+            <a:r>
+              <a:rPr lang="en-US" dirty="0" err="1" smtClean="0"/>
+              <a:t>applicazioni</a:t>
+            </a:r>
+            <a:r>
+              <a:rPr lang="en-US" dirty="0" smtClean="0"/>
+              <a:t> multithread, in </a:t>
+            </a:r>
+            <a:r>
+              <a:rPr lang="en-US" dirty="0" err="1" smtClean="0"/>
+              <a:t>particolare</a:t>
+            </a:r>
+            <a:r>
+              <a:rPr lang="en-US" dirty="0" smtClean="0"/>
+              <a:t> </a:t>
+            </a:r>
+            <a:r>
+              <a:rPr lang="en-US" dirty="0" err="1" smtClean="0"/>
+              <a:t>nell’accesso</a:t>
+            </a:r>
+            <a:r>
+              <a:rPr lang="en-US" dirty="0" smtClean="0"/>
+              <a:t> a </a:t>
+            </a:r>
+            <a:r>
+              <a:rPr lang="en-US" dirty="0" err="1" smtClean="0"/>
+              <a:t>risorse</a:t>
+            </a:r>
+            <a:r>
+              <a:rPr lang="en-US" dirty="0" smtClean="0"/>
+              <a:t> </a:t>
+            </a:r>
+            <a:r>
+              <a:rPr lang="en-US" dirty="0" err="1" smtClean="0"/>
+              <a:t>condivise</a:t>
+            </a:r>
+            <a:endParaRPr lang="en-US" dirty="0"/>
+          </a:p>
+          <a:p>
+            <a:pPr lvl="0" algn="just"/>
+            <a:r>
+              <a:rPr lang="en-US" dirty="0" err="1" smtClean="0"/>
+              <a:t>Suppponiamo</a:t>
+            </a:r>
+            <a:r>
+              <a:rPr lang="en-US" dirty="0" smtClean="0"/>
+              <a:t> </a:t>
+            </a:r>
+            <a:r>
+              <a:rPr lang="en-US" dirty="0" err="1" smtClean="0"/>
+              <a:t>una</a:t>
+            </a:r>
+            <a:r>
+              <a:rPr lang="en-US" dirty="0" smtClean="0"/>
+              <a:t> </a:t>
+            </a:r>
+            <a:r>
+              <a:rPr lang="en-US" dirty="0" err="1" smtClean="0"/>
+              <a:t>situazione</a:t>
+            </a:r>
+            <a:r>
+              <a:rPr lang="en-US" dirty="0" smtClean="0"/>
+              <a:t> di </a:t>
+            </a:r>
+            <a:r>
+              <a:rPr lang="en-US" b="1" dirty="0" smtClean="0"/>
+              <a:t>due</a:t>
+            </a:r>
+            <a:r>
+              <a:rPr lang="en-US" dirty="0" smtClean="0"/>
+              <a:t> thread </a:t>
+            </a:r>
+            <a:r>
+              <a:rPr lang="en-US" dirty="0" err="1" smtClean="0"/>
+              <a:t>che</a:t>
+            </a:r>
+            <a:r>
+              <a:rPr lang="en-US" dirty="0" smtClean="0"/>
+              <a:t> </a:t>
+            </a:r>
+            <a:r>
+              <a:rPr lang="en-US" dirty="0" err="1" smtClean="0"/>
+              <a:t>scrivono</a:t>
+            </a:r>
+            <a:r>
+              <a:rPr lang="en-US" dirty="0" smtClean="0"/>
+              <a:t> </a:t>
+            </a:r>
+            <a:r>
+              <a:rPr lang="en-US" dirty="0" err="1" smtClean="0"/>
+              <a:t>su</a:t>
+            </a:r>
+            <a:r>
+              <a:rPr lang="en-US" dirty="0" smtClean="0"/>
+              <a:t> </a:t>
+            </a:r>
+            <a:r>
+              <a:rPr lang="en-US" dirty="0" err="1" smtClean="0"/>
+              <a:t>una</a:t>
+            </a:r>
+            <a:r>
+              <a:rPr lang="en-US" dirty="0" smtClean="0"/>
+              <a:t> </a:t>
+            </a:r>
+            <a:r>
+              <a:rPr lang="en-US" dirty="0" err="1" smtClean="0"/>
+              <a:t>mappa</a:t>
+            </a:r>
+            <a:r>
+              <a:rPr lang="en-US" dirty="0" smtClean="0"/>
+              <a:t>, la quale è </a:t>
+            </a:r>
+            <a:r>
+              <a:rPr lang="en-US" dirty="0" err="1" smtClean="0"/>
+              <a:t>sottoposta</a:t>
+            </a:r>
+            <a:r>
+              <a:rPr lang="en-US" dirty="0" smtClean="0"/>
+              <a:t> ad un </a:t>
+            </a:r>
+            <a:r>
+              <a:rPr lang="en-US" dirty="0" err="1" smtClean="0"/>
+              <a:t>evento</a:t>
+            </a:r>
+            <a:r>
+              <a:rPr lang="en-US" dirty="0" smtClean="0"/>
+              <a:t> </a:t>
+            </a:r>
+            <a:r>
+              <a:rPr lang="en-US" dirty="0" err="1" smtClean="0"/>
+              <a:t>bloccante</a:t>
+            </a:r>
+            <a:r>
+              <a:rPr lang="en-US" dirty="0" smtClean="0"/>
+              <a:t> (</a:t>
+            </a:r>
+            <a:r>
+              <a:rPr lang="en-US" dirty="0" err="1" smtClean="0"/>
+              <a:t>mutex</a:t>
+            </a:r>
+            <a:r>
+              <a:rPr lang="en-US" dirty="0" smtClean="0"/>
+              <a:t>). </a:t>
+            </a:r>
+            <a:r>
+              <a:rPr lang="en-US" dirty="0" err="1" smtClean="0"/>
+              <a:t>All’interno</a:t>
+            </a:r>
+            <a:r>
+              <a:rPr lang="en-US" dirty="0" smtClean="0"/>
+              <a:t> </a:t>
+            </a:r>
+            <a:r>
+              <a:rPr lang="en-US" dirty="0" err="1" smtClean="0"/>
+              <a:t>della</a:t>
+            </a:r>
+            <a:r>
+              <a:rPr lang="en-US" dirty="0" smtClean="0"/>
+              <a:t> </a:t>
+            </a:r>
+            <a:r>
+              <a:rPr lang="en-US" dirty="0" err="1" smtClean="0"/>
+              <a:t>sezione</a:t>
+            </a:r>
+            <a:r>
+              <a:rPr lang="en-US" dirty="0" smtClean="0"/>
+              <a:t> </a:t>
+            </a:r>
+            <a:r>
+              <a:rPr lang="en-US" dirty="0" err="1" smtClean="0"/>
+              <a:t>critica</a:t>
+            </a:r>
+            <a:r>
+              <a:rPr lang="en-US" dirty="0" smtClean="0"/>
+              <a:t>, </a:t>
+            </a:r>
+            <a:r>
+              <a:rPr lang="en-US" dirty="0" err="1" smtClean="0"/>
+              <a:t>simuliamo</a:t>
+            </a:r>
+            <a:r>
+              <a:rPr lang="en-US" dirty="0" smtClean="0"/>
+              <a:t> </a:t>
+            </a:r>
+            <a:r>
+              <a:rPr lang="en-US" dirty="0" err="1" smtClean="0"/>
+              <a:t>l’evento</a:t>
+            </a:r>
+            <a:r>
+              <a:rPr lang="en-US" dirty="0" smtClean="0"/>
+              <a:t> </a:t>
+            </a:r>
+            <a:r>
+              <a:rPr lang="en-US" dirty="0" err="1" smtClean="0"/>
+              <a:t>bloccante</a:t>
+            </a:r>
+            <a:r>
+              <a:rPr lang="en-US" dirty="0" smtClean="0"/>
+              <a:t> con </a:t>
+            </a:r>
+            <a:r>
+              <a:rPr lang="en-US" dirty="0" err="1" smtClean="0"/>
+              <a:t>uno</a:t>
+            </a:r>
+            <a:r>
+              <a:rPr lang="en-US" dirty="0" smtClean="0"/>
+              <a:t> sleep</a:t>
+            </a:r>
+          </a:p>
+          <a:p>
+            <a:pPr lvl="0" algn="just"/>
+            <a:r>
+              <a:rPr lang="en-US" dirty="0" err="1" smtClean="0"/>
+              <a:t>Abbiamo</a:t>
+            </a:r>
+            <a:r>
+              <a:rPr lang="en-US" dirty="0"/>
+              <a:t> </a:t>
+            </a:r>
+            <a:r>
+              <a:rPr lang="en-US" dirty="0" smtClean="0"/>
+              <a:t>2 </a:t>
+            </a:r>
+            <a:r>
+              <a:rPr lang="en-US" dirty="0" err="1" smtClean="0"/>
+              <a:t>configurazioni</a:t>
+            </a:r>
+            <a:r>
+              <a:rPr lang="en-US" dirty="0" smtClean="0"/>
+              <a:t> </a:t>
+            </a:r>
+            <a:r>
+              <a:rPr lang="en-US" dirty="0" err="1" smtClean="0"/>
+              <a:t>possibili</a:t>
+            </a:r>
+            <a:r>
+              <a:rPr lang="en-US" dirty="0" smtClean="0"/>
+              <a:t> di “contention” , </a:t>
+            </a:r>
+            <a:r>
+              <a:rPr lang="en-US" dirty="0" err="1" smtClean="0"/>
+              <a:t>rispettivamente</a:t>
+            </a:r>
+            <a:r>
+              <a:rPr lang="en-US" dirty="0" smtClean="0"/>
+              <a:t> </a:t>
+            </a:r>
+          </a:p>
+          <a:p>
             <a:pPr lvl="1" algn="just"/>
+            <a:r>
+              <a:rPr lang="en-US" dirty="0" err="1" smtClean="0"/>
+              <a:t>Singola</a:t>
+            </a:r>
+            <a:r>
+              <a:rPr lang="en-US" dirty="0" smtClean="0"/>
+              <a:t> contention: </a:t>
+            </a:r>
+            <a:r>
+              <a:rPr lang="en-US" dirty="0" err="1" smtClean="0"/>
+              <a:t>quando</a:t>
+            </a:r>
+            <a:r>
+              <a:rPr lang="en-US" dirty="0" smtClean="0"/>
+              <a:t> </a:t>
+            </a:r>
+            <a:r>
+              <a:rPr lang="en-US" dirty="0" err="1" smtClean="0"/>
+              <a:t>il</a:t>
+            </a:r>
+            <a:r>
+              <a:rPr lang="en-US" dirty="0" smtClean="0"/>
+              <a:t> thread </a:t>
+            </a:r>
+            <a:r>
+              <a:rPr lang="en-US" dirty="0" err="1" smtClean="0"/>
+              <a:t>che</a:t>
+            </a:r>
+            <a:r>
+              <a:rPr lang="en-US" dirty="0" smtClean="0"/>
+              <a:t> </a:t>
+            </a:r>
+            <a:r>
+              <a:rPr lang="en-US" dirty="0" err="1" smtClean="0"/>
+              <a:t>acqusisce</a:t>
+            </a:r>
+            <a:r>
+              <a:rPr lang="en-US" dirty="0" smtClean="0"/>
+              <a:t> la </a:t>
+            </a:r>
+            <a:r>
+              <a:rPr lang="en-US" dirty="0" err="1" smtClean="0"/>
+              <a:t>risorsa</a:t>
+            </a:r>
+            <a:r>
+              <a:rPr lang="en-US" dirty="0" smtClean="0"/>
+              <a:t> per primo è lo </a:t>
+            </a:r>
+            <a:r>
+              <a:rPr lang="en-US" dirty="0" err="1" smtClean="0"/>
+              <a:t>stesso</a:t>
+            </a:r>
+            <a:r>
+              <a:rPr lang="en-US" dirty="0" smtClean="0"/>
+              <a:t> thread di cui </a:t>
+            </a:r>
+            <a:r>
+              <a:rPr lang="en-US" dirty="0" err="1" smtClean="0"/>
+              <a:t>viene</a:t>
+            </a:r>
+            <a:r>
+              <a:rPr lang="en-US" dirty="0" smtClean="0"/>
+              <a:t> </a:t>
+            </a:r>
+            <a:r>
+              <a:rPr lang="en-US" dirty="0" err="1" smtClean="0"/>
+              <a:t>attesa</a:t>
+            </a:r>
+            <a:r>
+              <a:rPr lang="en-US" dirty="0" smtClean="0"/>
+              <a:t> la </a:t>
+            </a:r>
+            <a:r>
+              <a:rPr lang="en-US" dirty="0" err="1" smtClean="0"/>
+              <a:t>terminazione</a:t>
+            </a:r>
+            <a:r>
+              <a:rPr lang="en-US" dirty="0" smtClean="0"/>
+              <a:t> dal </a:t>
+            </a:r>
+            <a:r>
+              <a:rPr lang="en-US" dirty="0" err="1" smtClean="0"/>
+              <a:t>trhead</a:t>
+            </a:r>
+            <a:r>
+              <a:rPr lang="en-US" dirty="0" smtClean="0"/>
+              <a:t> </a:t>
+            </a:r>
+            <a:r>
+              <a:rPr lang="en-US" dirty="0" err="1" smtClean="0"/>
+              <a:t>principale</a:t>
+            </a:r>
             <a:endParaRPr lang="en-US" dirty="0" smtClean="0"/>
           </a:p>
           <a:p>
             <a:pPr lvl="1" algn="just"/>
-            <a:endParaRPr lang="en-US" dirty="0"/>
-          </a:p>
-          <a:p>
-            <a:pPr lvl="1" algn="just"/>
-            <a:endParaRPr lang="en-US" dirty="0" smtClean="0"/>
-          </a:p>
-          <a:p>
-            <a:pPr lvl="1" algn="just"/>
-            <a:endParaRPr lang="en-US" dirty="0" smtClean="0"/>
+            <a:r>
+              <a:rPr lang="en-US" dirty="0" err="1" smtClean="0"/>
+              <a:t>Doppia</a:t>
+            </a:r>
+            <a:r>
+              <a:rPr lang="en-US" dirty="0" smtClean="0"/>
+              <a:t> contention: </a:t>
+            </a:r>
+            <a:r>
+              <a:rPr lang="en-US" dirty="0" err="1" smtClean="0"/>
+              <a:t>quando</a:t>
+            </a:r>
+            <a:r>
+              <a:rPr lang="en-US" dirty="0" smtClean="0"/>
+              <a:t> </a:t>
+            </a:r>
+            <a:r>
+              <a:rPr lang="en-US" dirty="0" err="1" smtClean="0"/>
+              <a:t>il</a:t>
+            </a:r>
+            <a:r>
+              <a:rPr lang="en-US" dirty="0" smtClean="0"/>
+              <a:t> thread </a:t>
+            </a:r>
+            <a:r>
+              <a:rPr lang="en-US" dirty="0" err="1" smtClean="0"/>
+              <a:t>che</a:t>
+            </a:r>
+            <a:r>
+              <a:rPr lang="en-US" dirty="0" smtClean="0"/>
+              <a:t> </a:t>
+            </a:r>
+            <a:r>
+              <a:rPr lang="en-US" dirty="0" err="1" smtClean="0"/>
+              <a:t>acqusisce</a:t>
+            </a:r>
+            <a:r>
+              <a:rPr lang="en-US" dirty="0" smtClean="0"/>
+              <a:t> per primo la </a:t>
+            </a:r>
+            <a:r>
+              <a:rPr lang="en-US" dirty="0" err="1" smtClean="0"/>
+              <a:t>risorsa</a:t>
+            </a:r>
+            <a:r>
+              <a:rPr lang="en-US" dirty="0" smtClean="0"/>
+              <a:t> non è </a:t>
+            </a:r>
+            <a:r>
+              <a:rPr lang="en-US" dirty="0" err="1" smtClean="0"/>
+              <a:t>il</a:t>
+            </a:r>
+            <a:r>
+              <a:rPr lang="en-US" dirty="0" smtClean="0"/>
+              <a:t> thread </a:t>
+            </a:r>
+            <a:r>
+              <a:rPr lang="en-US" dirty="0" err="1" smtClean="0"/>
+              <a:t>che</a:t>
+            </a:r>
+            <a:r>
+              <a:rPr lang="en-US" dirty="0" smtClean="0"/>
+              <a:t> </a:t>
+            </a:r>
+            <a:r>
+              <a:rPr lang="en-US" dirty="0" err="1" smtClean="0"/>
+              <a:t>viene</a:t>
+            </a:r>
+            <a:r>
+              <a:rPr lang="en-US" dirty="0" smtClean="0"/>
+              <a:t> </a:t>
+            </a:r>
+            <a:r>
+              <a:rPr lang="en-US" dirty="0" err="1" smtClean="0"/>
+              <a:t>atteso</a:t>
+            </a:r>
+            <a:r>
+              <a:rPr lang="en-US" dirty="0" smtClean="0"/>
+              <a:t> per primo. In </a:t>
+            </a:r>
+            <a:r>
+              <a:rPr lang="en-US" dirty="0" err="1" smtClean="0"/>
+              <a:t>questo</a:t>
+            </a:r>
+            <a:r>
+              <a:rPr lang="en-US" dirty="0" smtClean="0"/>
+              <a:t> </a:t>
+            </a:r>
+            <a:r>
+              <a:rPr lang="en-US" dirty="0" err="1" smtClean="0"/>
+              <a:t>caso</a:t>
+            </a:r>
+            <a:r>
+              <a:rPr lang="en-US" dirty="0" smtClean="0"/>
+              <a:t> </a:t>
+            </a:r>
+            <a:r>
+              <a:rPr lang="en-US" dirty="0" err="1" smtClean="0"/>
+              <a:t>abbiamo</a:t>
+            </a:r>
+            <a:r>
+              <a:rPr lang="en-US" dirty="0" smtClean="0"/>
+              <a:t> due entry </a:t>
+            </a:r>
+            <a:r>
+              <a:rPr lang="en-US" dirty="0" err="1" smtClean="0"/>
+              <a:t>nel</a:t>
+            </a:r>
+            <a:r>
+              <a:rPr lang="en-US" dirty="0" smtClean="0"/>
+              <a:t> profiler, </a:t>
+            </a:r>
+            <a:r>
+              <a:rPr lang="en-US" dirty="0" err="1" smtClean="0"/>
+              <a:t>una</a:t>
+            </a:r>
+            <a:r>
+              <a:rPr lang="en-US" dirty="0" smtClean="0"/>
+              <a:t> </a:t>
+            </a:r>
+            <a:r>
+              <a:rPr lang="en-US" dirty="0" err="1" smtClean="0"/>
+              <a:t>relativa</a:t>
+            </a:r>
+            <a:r>
+              <a:rPr lang="en-US" dirty="0" smtClean="0"/>
+              <a:t> al main </a:t>
+            </a:r>
+            <a:r>
+              <a:rPr lang="en-US" dirty="0" err="1" smtClean="0"/>
+              <a:t>che</a:t>
+            </a:r>
+            <a:r>
+              <a:rPr lang="en-US" dirty="0" smtClean="0"/>
+              <a:t> </a:t>
+            </a:r>
+            <a:r>
+              <a:rPr lang="en-US" dirty="0" err="1" smtClean="0"/>
+              <a:t>si</a:t>
+            </a:r>
+            <a:r>
+              <a:rPr lang="en-US" dirty="0" smtClean="0"/>
+              <a:t> </a:t>
+            </a:r>
+            <a:r>
+              <a:rPr lang="en-US" dirty="0" err="1" smtClean="0"/>
+              <a:t>joina</a:t>
+            </a:r>
+            <a:r>
+              <a:rPr lang="en-US" dirty="0" smtClean="0"/>
+              <a:t> </a:t>
+            </a:r>
+            <a:r>
+              <a:rPr lang="en-US" dirty="0" err="1" smtClean="0"/>
+              <a:t>sul</a:t>
+            </a:r>
+            <a:r>
+              <a:rPr lang="en-US" dirty="0" smtClean="0"/>
+              <a:t> secondo thread, </a:t>
+            </a:r>
+            <a:r>
+              <a:rPr lang="en-US" dirty="0" err="1" smtClean="0"/>
+              <a:t>il</a:t>
+            </a:r>
+            <a:r>
+              <a:rPr lang="en-US" dirty="0" smtClean="0"/>
+              <a:t> quale è </a:t>
+            </a:r>
+            <a:r>
+              <a:rPr lang="en-US" dirty="0" err="1" smtClean="0"/>
+              <a:t>bloccato</a:t>
+            </a:r>
+            <a:r>
+              <a:rPr lang="en-US" dirty="0" smtClean="0"/>
+              <a:t> </a:t>
+            </a:r>
+            <a:r>
+              <a:rPr lang="en-US" dirty="0" err="1" smtClean="0"/>
+              <a:t>dalla</a:t>
+            </a:r>
+            <a:r>
+              <a:rPr lang="en-US" dirty="0" smtClean="0"/>
+              <a:t> </a:t>
+            </a:r>
+            <a:r>
+              <a:rPr lang="en-US" dirty="0" err="1" smtClean="0"/>
+              <a:t>terminazione</a:t>
+            </a:r>
+            <a:r>
+              <a:rPr lang="en-US" dirty="0" smtClean="0"/>
+              <a:t> del primo thread</a:t>
+            </a:r>
           </a:p>
         </p:txBody>
       </p:sp>
     </p:spTree>
     <p:extLst>
       <p:ext uri="{BB962C8B-B14F-4D97-AF65-F5344CB8AC3E}">
-        <p14:creationId xmlns:p14="http://schemas.microsoft.com/office/powerpoint/2010/main" val="3131800521"/>
+        <p14:creationId xmlns:p14="http://schemas.microsoft.com/office/powerpoint/2010/main" val="3191814083"/>
       </p:ext>
     </p:extLst>
   </p:cSld>
   <p:clrMapOvr>
     <a:masterClrMapping/>
   </p:clrMapOvr>
-  <mc:AlternateContent xmlns:mc="http://schemas.openxmlformats.org/markup-compatibility/2006" xmlns:p14="http://schemas.microsoft.com/office/powerpoint/2010/main">
-    <mc:Choice Requires="p14">
+  <mc:AlternateContent xmlns:mc="http://schemas.openxmlformats.org/markup-compatibility/2006">
+    <mc:Choice xmlns:p14="http://schemas.microsoft.com/office/powerpoint/2010/main" Requires="p14">
       <p:transition spd="slow" p14:dur="2000"/>
     </mc:Choice>
-    <mc:Fallback xmlns="">
+    <mc:Fallback>
       <p:transition spd="slow"/>
     </mc:Fallback>
   </mc:AlternateContent>
@@ -12863,7 +13406,15 @@
           <a:p>
             <a:r>
               <a:rPr lang="en-US" dirty="0" smtClean="0"/>
-              <a:t>Profiler – summary view</a:t>
+              <a:t>Concurrency- </a:t>
+            </a:r>
+            <a:r>
+              <a:rPr lang="en-US" dirty="0" err="1" smtClean="0"/>
+              <a:t>esempi</a:t>
+            </a:r>
+            <a:r>
+              <a:rPr lang="en-US" dirty="0" smtClean="0"/>
+              <a:t> di contention</a:t>
             </a:r>
             <a:endParaRPr lang="it-IT" dirty="0"/>
           </a:p>
@@ -12882,539 +13433,168 @@
         <p:spPr/>
         <p:txBody>
           <a:bodyPr>
-            <a:normAutofit lnSpcReduction="10000"/>
+            <a:normAutofit/>
           </a:bodyPr>
           <a:lstStyle/>
           <a:p>
             <a:pPr lvl="0" algn="just"/>
             <a:r>
               <a:rPr lang="en-US" dirty="0" err="1" smtClean="0"/>
-              <a:t>Tutte</a:t>
-            </a:r>
-            <a:r>
-              <a:rPr lang="en-US" dirty="0" smtClean="0"/>
-              <a:t> le </a:t>
-            </a:r>
-            <a:r>
-              <a:rPr lang="en-US" dirty="0" err="1" smtClean="0"/>
-              <a:t>tipologie</a:t>
-            </a:r>
-            <a:r>
-              <a:rPr lang="en-US" dirty="0" smtClean="0"/>
-              <a:t> di profiling </a:t>
-            </a:r>
-            <a:r>
-              <a:rPr lang="en-US" dirty="0" err="1" smtClean="0"/>
-              <a:t>sono</a:t>
-            </a:r>
-            <a:r>
-              <a:rPr lang="en-US" dirty="0" smtClean="0"/>
-              <a:t> </a:t>
-            </a:r>
-            <a:r>
-              <a:rPr lang="en-US" dirty="0" err="1" smtClean="0"/>
-              <a:t>abbatanza</a:t>
-            </a:r>
-            <a:r>
-              <a:rPr lang="en-US" dirty="0" smtClean="0"/>
-              <a:t> </a:t>
-            </a:r>
-            <a:r>
-              <a:rPr lang="en-US" dirty="0" err="1" smtClean="0"/>
-              <a:t>simili</a:t>
-            </a:r>
-            <a:r>
-              <a:rPr lang="en-US" dirty="0" smtClean="0"/>
-              <a:t> </a:t>
-            </a:r>
-            <a:r>
-              <a:rPr lang="en-US" dirty="0" err="1" smtClean="0"/>
-              <a:t>fra</a:t>
-            </a:r>
-            <a:r>
-              <a:rPr lang="en-US" dirty="0" smtClean="0"/>
-              <a:t> </a:t>
-            </a:r>
-            <a:r>
-              <a:rPr lang="en-US" dirty="0" err="1" smtClean="0"/>
-              <a:t>loro</a:t>
-            </a:r>
-            <a:endParaRPr lang="en-US" dirty="0" smtClean="0"/>
+              <a:t>Nei</a:t>
+            </a:r>
+            <a:r>
+              <a:rPr lang="en-US" dirty="0" smtClean="0"/>
+              <a:t> </a:t>
+            </a:r>
+            <a:r>
+              <a:rPr lang="en-US" dirty="0" err="1" smtClean="0"/>
+              <a:t>rapporti</a:t>
+            </a:r>
+            <a:r>
+              <a:rPr lang="en-US" dirty="0" smtClean="0"/>
+              <a:t> 19/20/21/22 </a:t>
+            </a:r>
+            <a:r>
+              <a:rPr lang="en-US" dirty="0" err="1" smtClean="0"/>
+              <a:t>abbiamo</a:t>
+            </a:r>
+            <a:r>
+              <a:rPr lang="en-US" dirty="0" smtClean="0"/>
+              <a:t> I </a:t>
+            </a:r>
+            <a:r>
+              <a:rPr lang="en-US" dirty="0" err="1" smtClean="0"/>
+              <a:t>seguenti</a:t>
+            </a:r>
+            <a:r>
+              <a:rPr lang="en-US" dirty="0" smtClean="0"/>
+              <a:t> </a:t>
+            </a:r>
+            <a:r>
+              <a:rPr lang="en-US" dirty="0" err="1" smtClean="0"/>
+              <a:t>casi</a:t>
+            </a:r>
+            <a:r>
+              <a:rPr lang="en-US" dirty="0" smtClean="0"/>
+              <a:t>:</a:t>
+            </a:r>
+          </a:p>
+          <a:p>
+            <a:pPr lvl="1" algn="just"/>
+            <a:r>
+              <a:rPr lang="en-US" dirty="0" smtClean="0"/>
+              <a:t>Thread t1 con wait di 17 sec </a:t>
+            </a:r>
+          </a:p>
+          <a:p>
+            <a:pPr lvl="1" algn="just"/>
+            <a:r>
+              <a:rPr lang="en-US" dirty="0" smtClean="0"/>
+              <a:t>Thread t2 con wait di 10 sec</a:t>
+            </a:r>
+          </a:p>
+          <a:p>
+            <a:pPr lvl="1" algn="just"/>
+            <a:r>
+              <a:rPr lang="en-US" dirty="0" smtClean="0"/>
+              <a:t>Join a t1</a:t>
+            </a:r>
+          </a:p>
+          <a:p>
+            <a:pPr lvl="1" algn="just"/>
+            <a:r>
+              <a:rPr lang="en-US" dirty="0" smtClean="0"/>
+              <a:t>Join a t2</a:t>
+            </a:r>
+          </a:p>
+          <a:p>
+            <a:pPr lvl="1" algn="just"/>
+            <a:r>
+              <a:rPr lang="en-US" dirty="0" smtClean="0"/>
+              <a:t>Contention ? Tempo di </a:t>
+            </a:r>
+            <a:r>
+              <a:rPr lang="en-US" dirty="0" err="1" smtClean="0"/>
+              <a:t>bloccaggio</a:t>
+            </a:r>
+            <a:r>
+              <a:rPr lang="en-US" dirty="0" smtClean="0"/>
+              <a:t> ?</a:t>
+            </a:r>
           </a:p>
           <a:p>
             <a:pPr lvl="0" algn="just"/>
             <a:r>
-              <a:rPr lang="en-US" dirty="0" smtClean="0"/>
-              <a:t>Summary view: </a:t>
-            </a:r>
-            <a:r>
-              <a:rPr lang="en-US" dirty="0" err="1" smtClean="0"/>
-              <a:t>grafico</a:t>
-            </a:r>
-            <a:r>
-              <a:rPr lang="en-US" dirty="0" smtClean="0"/>
-              <a:t> di </a:t>
-            </a:r>
-            <a:r>
-              <a:rPr lang="en-US" dirty="0" err="1" smtClean="0"/>
-              <a:t>utilizzo</a:t>
-            </a:r>
-            <a:r>
-              <a:rPr lang="en-US" dirty="0" smtClean="0"/>
-              <a:t> CPU </a:t>
-            </a:r>
-            <a:r>
-              <a:rPr lang="en-US" dirty="0" err="1" smtClean="0"/>
-              <a:t>nel</a:t>
-            </a:r>
-            <a:r>
-              <a:rPr lang="en-US" dirty="0" smtClean="0"/>
-              <a:t> tempo di </a:t>
-            </a:r>
-            <a:r>
-              <a:rPr lang="en-US" dirty="0" err="1" smtClean="0"/>
-              <a:t>profilazione</a:t>
-            </a:r>
-            <a:r>
-              <a:rPr lang="en-US" dirty="0" smtClean="0"/>
-              <a:t>. </a:t>
-            </a:r>
-            <a:r>
-              <a:rPr lang="en-US" dirty="0" err="1" smtClean="0"/>
-              <a:t>Possibilità</a:t>
-            </a:r>
-            <a:r>
-              <a:rPr lang="en-US" dirty="0" smtClean="0"/>
-              <a:t> di fare zoom e </a:t>
-            </a:r>
-            <a:r>
-              <a:rPr lang="en-US" dirty="0" err="1" smtClean="0"/>
-              <a:t>avere</a:t>
-            </a:r>
-            <a:r>
-              <a:rPr lang="en-US" dirty="0" smtClean="0"/>
-              <a:t> </a:t>
-            </a:r>
-            <a:r>
-              <a:rPr lang="en-US" dirty="0" err="1" smtClean="0"/>
-              <a:t>il</a:t>
-            </a:r>
-            <a:r>
-              <a:rPr lang="en-US" dirty="0" smtClean="0"/>
-              <a:t> summary </a:t>
-            </a:r>
-            <a:r>
-              <a:rPr lang="en-US" dirty="0" err="1" smtClean="0"/>
-              <a:t>della</a:t>
-            </a:r>
-            <a:r>
-              <a:rPr lang="en-US" dirty="0" smtClean="0"/>
-              <a:t> sola parte </a:t>
-            </a:r>
-            <a:r>
-              <a:rPr lang="en-US" dirty="0" err="1" smtClean="0"/>
-              <a:t>selezionata</a:t>
-            </a:r>
-            <a:endParaRPr lang="en-US" dirty="0" smtClean="0"/>
-          </a:p>
-          <a:p>
-            <a:pPr lvl="0" algn="just"/>
-            <a:r>
-              <a:rPr lang="en-US" dirty="0" err="1" smtClean="0"/>
-              <a:t>Ogni</a:t>
-            </a:r>
-            <a:r>
-              <a:rPr lang="en-US" dirty="0" smtClean="0"/>
-              <a:t> </a:t>
-            </a:r>
-            <a:r>
-              <a:rPr lang="en-US" dirty="0" err="1" smtClean="0"/>
-              <a:t>funzione</a:t>
-            </a:r>
-            <a:r>
-              <a:rPr lang="en-US" dirty="0" smtClean="0"/>
-              <a:t> </a:t>
-            </a:r>
-            <a:r>
-              <a:rPr lang="en-US" dirty="0" err="1" smtClean="0"/>
-              <a:t>che</a:t>
-            </a:r>
-            <a:r>
-              <a:rPr lang="en-US" dirty="0" smtClean="0"/>
-              <a:t> </a:t>
-            </a:r>
-            <a:r>
-              <a:rPr lang="en-US" dirty="0" err="1" smtClean="0"/>
-              <a:t>appare</a:t>
-            </a:r>
-            <a:r>
-              <a:rPr lang="en-US" dirty="0" smtClean="0"/>
-              <a:t> </a:t>
-            </a:r>
-            <a:r>
-              <a:rPr lang="en-US" dirty="0" err="1" smtClean="0"/>
-              <a:t>nel</a:t>
-            </a:r>
-            <a:r>
-              <a:rPr lang="en-US" dirty="0" smtClean="0"/>
-              <a:t> summary è </a:t>
-            </a:r>
-            <a:r>
-              <a:rPr lang="en-US" dirty="0" err="1" smtClean="0"/>
-              <a:t>cliccabile</a:t>
-            </a:r>
-            <a:r>
-              <a:rPr lang="en-US" dirty="0" smtClean="0"/>
-              <a:t>. Con </a:t>
-            </a:r>
-            <a:r>
-              <a:rPr lang="en-US" dirty="0" err="1" smtClean="0"/>
-              <a:t>tasto</a:t>
-            </a:r>
-            <a:r>
-              <a:rPr lang="en-US" dirty="0" smtClean="0"/>
-              <a:t> destroy è </a:t>
-            </a:r>
-            <a:r>
-              <a:rPr lang="en-US" dirty="0" err="1" smtClean="0"/>
-              <a:t>possibile</a:t>
-            </a:r>
-            <a:r>
-              <a:rPr lang="en-US" dirty="0" smtClean="0"/>
-              <a:t> </a:t>
-            </a:r>
-            <a:r>
-              <a:rPr lang="en-US" dirty="0" err="1" smtClean="0"/>
-              <a:t>avere</a:t>
-            </a:r>
-            <a:r>
-              <a:rPr lang="en-US" dirty="0" smtClean="0"/>
-              <a:t> </a:t>
-            </a:r>
-            <a:r>
-              <a:rPr lang="en-US" dirty="0" err="1" smtClean="0"/>
-              <a:t>altre</a:t>
-            </a:r>
-            <a:r>
-              <a:rPr lang="en-US" dirty="0" smtClean="0"/>
-              <a:t> </a:t>
-            </a:r>
-            <a:r>
-              <a:rPr lang="en-US" dirty="0" err="1" smtClean="0"/>
-              <a:t>opzioni</a:t>
-            </a:r>
-            <a:r>
-              <a:rPr lang="en-US" dirty="0" smtClean="0"/>
-              <a:t>, </a:t>
-            </a:r>
-            <a:r>
-              <a:rPr lang="en-US" dirty="0" err="1" smtClean="0"/>
-              <a:t>fra</a:t>
-            </a:r>
-            <a:r>
-              <a:rPr lang="en-US" dirty="0" smtClean="0"/>
-              <a:t> cui </a:t>
-            </a:r>
-            <a:r>
-              <a:rPr lang="en-US" dirty="0" err="1" smtClean="0"/>
-              <a:t>raggiungere</a:t>
-            </a:r>
-            <a:r>
-              <a:rPr lang="en-US" dirty="0" smtClean="0"/>
-              <a:t> </a:t>
-            </a:r>
-            <a:r>
-              <a:rPr lang="en-US" dirty="0" err="1" smtClean="0"/>
-              <a:t>il</a:t>
-            </a:r>
-            <a:r>
-              <a:rPr lang="en-US" dirty="0" smtClean="0"/>
-              <a:t> </a:t>
-            </a:r>
-            <a:r>
-              <a:rPr lang="en-US" dirty="0" err="1" smtClean="0"/>
-              <a:t>sorgente</a:t>
-            </a:r>
-            <a:endParaRPr lang="en-US" dirty="0" smtClean="0"/>
-          </a:p>
-          <a:p>
-            <a:pPr lvl="0" algn="just"/>
-            <a:r>
-              <a:rPr lang="en-US" dirty="0" smtClean="0"/>
-              <a:t> </a:t>
-            </a:r>
-            <a:r>
-              <a:rPr lang="en-US" dirty="0" err="1" smtClean="0"/>
-              <a:t>Sempre</a:t>
-            </a:r>
-            <a:r>
-              <a:rPr lang="en-US" dirty="0" smtClean="0"/>
-              <a:t> dal summary </a:t>
-            </a:r>
-            <a:r>
-              <a:rPr lang="en-US" dirty="0" err="1" smtClean="0"/>
-              <a:t>raggiungiamo</a:t>
-            </a:r>
-            <a:r>
-              <a:rPr lang="en-US" dirty="0" smtClean="0"/>
-              <a:t>:</a:t>
-            </a:r>
+              <a:rPr lang="en-US" dirty="0"/>
+              <a:t> </a:t>
+            </a:r>
+            <a:r>
+              <a:rPr lang="en-US" dirty="0" err="1" smtClean="0"/>
+              <a:t>Oppure</a:t>
+            </a:r>
+            <a:endParaRPr lang="en-US" dirty="0"/>
           </a:p>
           <a:p>
             <a:pPr lvl="1" algn="just"/>
             <a:r>
-              <a:rPr lang="en-US" dirty="0" smtClean="0"/>
-              <a:t>Show Trimmed Call Tree : </a:t>
-            </a:r>
-            <a:r>
-              <a:rPr lang="en-US" dirty="0" err="1" smtClean="0"/>
-              <a:t>vediamo</a:t>
-            </a:r>
-            <a:r>
-              <a:rPr lang="en-US" dirty="0" smtClean="0"/>
-              <a:t> </a:t>
-            </a:r>
-            <a:r>
-              <a:rPr lang="en-US" dirty="0" err="1" smtClean="0"/>
-              <a:t>nella</a:t>
-            </a:r>
-            <a:r>
-              <a:rPr lang="en-US" dirty="0" smtClean="0"/>
-              <a:t> vista “Call Tree” le </a:t>
-            </a:r>
-            <a:r>
-              <a:rPr lang="en-US" dirty="0" err="1" smtClean="0"/>
-              <a:t>parti</a:t>
-            </a:r>
-            <a:r>
-              <a:rPr lang="en-US" dirty="0" smtClean="0"/>
-              <a:t> </a:t>
-            </a:r>
-            <a:r>
-              <a:rPr lang="en-US" dirty="0" err="1" smtClean="0"/>
-              <a:t>più</a:t>
-            </a:r>
-            <a:r>
-              <a:rPr lang="en-US" dirty="0" smtClean="0"/>
-              <a:t> </a:t>
-            </a:r>
-            <a:r>
-              <a:rPr lang="en-US" dirty="0" err="1" smtClean="0"/>
-              <a:t>costose</a:t>
-            </a:r>
-            <a:r>
-              <a:rPr lang="en-US" dirty="0" smtClean="0"/>
-              <a:t>, </a:t>
-            </a:r>
-            <a:r>
-              <a:rPr lang="en-US" dirty="0" err="1" smtClean="0"/>
-              <a:t>indichiamo</a:t>
-            </a:r>
-            <a:r>
-              <a:rPr lang="en-US" dirty="0" smtClean="0"/>
-              <a:t> </a:t>
-            </a:r>
-            <a:r>
-              <a:rPr lang="en-US" dirty="0" err="1" smtClean="0"/>
-              <a:t>l’hot</a:t>
-            </a:r>
-            <a:r>
-              <a:rPr lang="en-US" dirty="0" smtClean="0"/>
-              <a:t> path e </a:t>
-            </a:r>
-            <a:r>
-              <a:rPr lang="en-US" dirty="0" err="1" smtClean="0"/>
-              <a:t>possiamo</a:t>
-            </a:r>
-            <a:r>
-              <a:rPr lang="en-US" dirty="0" smtClean="0"/>
-              <a:t> </a:t>
-            </a:r>
-            <a:r>
-              <a:rPr lang="en-US" dirty="0" err="1" smtClean="0"/>
-              <a:t>filtrare</a:t>
-            </a:r>
-            <a:r>
-              <a:rPr lang="en-US" dirty="0" smtClean="0"/>
-              <a:t> le entry </a:t>
-            </a:r>
-            <a:r>
-              <a:rPr lang="en-US" dirty="0" err="1" smtClean="0"/>
-              <a:t>che</a:t>
-            </a:r>
-            <a:r>
-              <a:rPr lang="en-US" dirty="0" smtClean="0"/>
-              <a:t> </a:t>
-            </a:r>
-            <a:r>
-              <a:rPr lang="en-US" dirty="0" err="1" smtClean="0"/>
-              <a:t>riteniamo</a:t>
-            </a:r>
-            <a:r>
-              <a:rPr lang="en-US" dirty="0" smtClean="0"/>
-              <a:t> di </a:t>
-            </a:r>
-            <a:r>
-              <a:rPr lang="en-US" dirty="0" err="1" smtClean="0"/>
-              <a:t>poco</a:t>
-            </a:r>
-            <a:r>
-              <a:rPr lang="en-US" dirty="0" smtClean="0"/>
-              <a:t> </a:t>
-            </a:r>
-            <a:r>
-              <a:rPr lang="en-US" dirty="0" err="1" smtClean="0"/>
-              <a:t>interesse</a:t>
+              <a:rPr lang="en-US" dirty="0"/>
+              <a:t>Thread t1 con wait di 17 sec </a:t>
+            </a:r>
+          </a:p>
+          <a:p>
+            <a:pPr lvl="1" algn="just"/>
+            <a:r>
+              <a:rPr lang="en-US" dirty="0"/>
+              <a:t>Thread t2 con wait di 10 sec</a:t>
+            </a:r>
+          </a:p>
+          <a:p>
+            <a:pPr lvl="1" algn="just"/>
+            <a:r>
+              <a:rPr lang="en-US" dirty="0"/>
+              <a:t>Join a </a:t>
+            </a:r>
+            <a:r>
+              <a:rPr lang="en-US" dirty="0" smtClean="0"/>
+              <a:t>t2</a:t>
             </a:r>
             <a:endParaRPr lang="en-US" dirty="0"/>
           </a:p>
           <a:p>
             <a:pPr lvl="1" algn="just"/>
             <a:r>
-              <a:rPr lang="en-US" dirty="0" smtClean="0"/>
-              <a:t>Show hot lines: </a:t>
-            </a:r>
-            <a:r>
-              <a:rPr lang="en-US" dirty="0" err="1" smtClean="0"/>
-              <a:t>vediamo</a:t>
-            </a:r>
-            <a:r>
-              <a:rPr lang="en-US" dirty="0" smtClean="0"/>
-              <a:t> </a:t>
-            </a:r>
-            <a:r>
-              <a:rPr lang="en-US" dirty="0" err="1" smtClean="0"/>
-              <a:t>nella</a:t>
-            </a:r>
-            <a:r>
-              <a:rPr lang="en-US" dirty="0" smtClean="0"/>
-              <a:t> vista “Lines” le </a:t>
-            </a:r>
-            <a:r>
-              <a:rPr lang="en-US" dirty="0" err="1" smtClean="0"/>
-              <a:t>linee</a:t>
-            </a:r>
-            <a:r>
-              <a:rPr lang="en-US" dirty="0" smtClean="0"/>
-              <a:t> di </a:t>
-            </a:r>
-            <a:r>
-              <a:rPr lang="en-US" dirty="0" err="1" smtClean="0"/>
-              <a:t>codice</a:t>
-            </a:r>
-            <a:r>
-              <a:rPr lang="en-US" dirty="0" smtClean="0"/>
-              <a:t> </a:t>
-            </a:r>
-            <a:r>
-              <a:rPr lang="en-US" dirty="0" err="1" smtClean="0"/>
-              <a:t>più</a:t>
-            </a:r>
-            <a:r>
-              <a:rPr lang="en-US" dirty="0" smtClean="0"/>
-              <a:t> </a:t>
-            </a:r>
-            <a:r>
-              <a:rPr lang="en-US" dirty="0" err="1" smtClean="0"/>
-              <a:t>costose</a:t>
-            </a:r>
-            <a:r>
-              <a:rPr lang="en-US" dirty="0" smtClean="0"/>
-              <a:t>. Non </a:t>
-            </a:r>
-            <a:r>
-              <a:rPr lang="en-US" dirty="0" err="1" smtClean="0"/>
-              <a:t>disponibile</a:t>
-            </a:r>
-            <a:r>
-              <a:rPr lang="en-US" dirty="0" smtClean="0"/>
-              <a:t> in instrumentation.</a:t>
-            </a:r>
+              <a:rPr lang="en-US" dirty="0"/>
+              <a:t>Join </a:t>
+            </a:r>
+            <a:r>
+              <a:rPr lang="en-US"/>
+              <a:t>a </a:t>
+            </a:r>
+            <a:r>
+              <a:rPr lang="en-US" smtClean="0"/>
+              <a:t>t1</a:t>
+            </a:r>
+            <a:endParaRPr lang="en-US" dirty="0"/>
           </a:p>
           <a:p>
             <a:pPr lvl="1" algn="just"/>
             <a:r>
-              <a:rPr lang="en-US" dirty="0" smtClean="0"/>
-              <a:t>Export Report Data: .csv o .xml</a:t>
-            </a:r>
-          </a:p>
-          <a:p>
-            <a:pPr lvl="1" algn="just"/>
-            <a:r>
-              <a:rPr lang="en-US" dirty="0" smtClean="0"/>
-              <a:t>Save Analyzed Report: </a:t>
-            </a:r>
-            <a:r>
-              <a:rPr lang="en-US" dirty="0" err="1" smtClean="0"/>
-              <a:t>salva</a:t>
-            </a:r>
-            <a:r>
-              <a:rPr lang="en-US" dirty="0" smtClean="0"/>
-              <a:t> in </a:t>
-            </a:r>
-            <a:r>
-              <a:rPr lang="en-US" dirty="0" err="1" smtClean="0"/>
-              <a:t>formato</a:t>
-            </a:r>
-            <a:r>
-              <a:rPr lang="en-US" dirty="0" smtClean="0"/>
-              <a:t> .</a:t>
-            </a:r>
-            <a:r>
-              <a:rPr lang="en-US" dirty="0" err="1" smtClean="0"/>
-              <a:t>vsps</a:t>
-            </a:r>
-            <a:r>
-              <a:rPr lang="en-US" dirty="0" smtClean="0"/>
-              <a:t>, </a:t>
-            </a:r>
-            <a:r>
-              <a:rPr lang="en-US" dirty="0" err="1" smtClean="0"/>
-              <a:t>che</a:t>
-            </a:r>
-            <a:r>
-              <a:rPr lang="en-US" dirty="0" smtClean="0"/>
-              <a:t> </a:t>
-            </a:r>
-            <a:r>
-              <a:rPr lang="en-US" dirty="0" err="1" smtClean="0"/>
-              <a:t>si</a:t>
-            </a:r>
-            <a:r>
-              <a:rPr lang="en-US" dirty="0" smtClean="0"/>
-              <a:t> </a:t>
-            </a:r>
-            <a:r>
-              <a:rPr lang="en-US" dirty="0" err="1" smtClean="0"/>
-              <a:t>aprè</a:t>
-            </a:r>
-            <a:r>
-              <a:rPr lang="en-US" dirty="0" smtClean="0"/>
-              <a:t> </a:t>
-            </a:r>
-            <a:r>
-              <a:rPr lang="en-US" dirty="0" err="1" smtClean="0"/>
-              <a:t>più</a:t>
-            </a:r>
-            <a:r>
-              <a:rPr lang="en-US" dirty="0" smtClean="0"/>
-              <a:t> </a:t>
-            </a:r>
-            <a:r>
-              <a:rPr lang="en-US" dirty="0" err="1" smtClean="0"/>
-              <a:t>rapidamente</a:t>
-            </a:r>
-            <a:r>
-              <a:rPr lang="en-US" dirty="0" smtClean="0"/>
-              <a:t> </a:t>
-            </a:r>
-          </a:p>
-          <a:p>
-            <a:pPr lvl="1" algn="just"/>
-            <a:endParaRPr lang="en-US" dirty="0" smtClean="0"/>
-          </a:p>
-          <a:p>
-            <a:pPr lvl="0" algn="just"/>
+              <a:rPr lang="en-US" dirty="0"/>
+              <a:t>Contention ? Tempo di </a:t>
+            </a:r>
+            <a:r>
+              <a:rPr lang="en-US" dirty="0" err="1"/>
+              <a:t>bloccaggio</a:t>
+            </a:r>
+            <a:r>
+              <a:rPr lang="en-US" dirty="0"/>
+              <a:t> ?</a:t>
+            </a:r>
+          </a:p>
+          <a:p>
+            <a:pPr marL="274320" lvl="1" indent="0" algn="just">
+              <a:buNone/>
+            </a:pPr>
             <a:endParaRPr lang="en-US" dirty="0" smtClean="0"/>
           </a:p>
         </p:txBody>
@@ -13422,18 +13602,18 @@
     </p:spTree>
     <p:extLst>
       <p:ext uri="{BB962C8B-B14F-4D97-AF65-F5344CB8AC3E}">
-        <p14:creationId xmlns:p14="http://schemas.microsoft.com/office/powerpoint/2010/main" val="3506873978"/>
+        <p14:creationId xmlns:p14="http://schemas.microsoft.com/office/powerpoint/2010/main" val="3019174895"/>
       </p:ext>
     </p:extLst>
   </p:cSld>
   <p:clrMapOvr>
     <a:masterClrMapping/>
   </p:clrMapOvr>
-  <mc:AlternateContent xmlns:mc="http://schemas.openxmlformats.org/markup-compatibility/2006" xmlns:p14="http://schemas.microsoft.com/office/powerpoint/2010/main">
-    <mc:Choice Requires="p14">
+  <mc:AlternateContent xmlns:mc="http://schemas.openxmlformats.org/markup-compatibility/2006">
+    <mc:Choice xmlns:p14="http://schemas.microsoft.com/office/powerpoint/2010/main" Requires="p14">
       <p:transition spd="slow" p14:dur="2000"/>
     </mc:Choice>
-    <mc:Fallback xmlns="">
+    <mc:Fallback>
       <p:transition spd="slow"/>
     </mc:Fallback>
   </mc:AlternateContent>
@@ -13481,19 +13661,7 @@
           <a:p>
             <a:r>
               <a:rPr lang="en-US" dirty="0" smtClean="0"/>
-              <a:t>Profiler – </a:t>
-            </a:r>
-            <a:r>
-              <a:rPr lang="en-US" dirty="0" err="1" smtClean="0"/>
-              <a:t>altre</a:t>
-            </a:r>
-            <a:r>
-              <a:rPr lang="en-US" dirty="0" smtClean="0"/>
-              <a:t> </a:t>
-            </a:r>
-            <a:r>
-              <a:rPr lang="en-US" dirty="0" err="1" smtClean="0"/>
-              <a:t>viste</a:t>
+              <a:t>Profiler – summary view</a:t>
             </a:r>
             <a:endParaRPr lang="it-IT" dirty="0"/>
           </a:p>
@@ -13512,26 +13680,98 @@
         <p:spPr/>
         <p:txBody>
           <a:bodyPr>
-            <a:normAutofit/>
+            <a:normAutofit lnSpcReduction="10000"/>
           </a:bodyPr>
           <a:lstStyle/>
           <a:p>
             <a:pPr lvl="0" algn="just"/>
             <a:r>
-              <a:rPr lang="en-US" dirty="0" smtClean="0"/>
-              <a:t>Call Tree: </a:t>
-            </a:r>
-            <a:r>
-              <a:rPr lang="en-US" dirty="0" err="1" smtClean="0"/>
-              <a:t>piuttosto</a:t>
-            </a:r>
-            <a:r>
-              <a:rPr lang="en-US" dirty="0" smtClean="0"/>
-              <a:t> </a:t>
-            </a:r>
-            <a:r>
-              <a:rPr lang="en-US" dirty="0" err="1" smtClean="0"/>
-              <a:t>intuitivo</a:t>
+              <a:rPr lang="en-US" dirty="0" err="1" smtClean="0"/>
+              <a:t>Tutte</a:t>
+            </a:r>
+            <a:r>
+              <a:rPr lang="en-US" dirty="0" smtClean="0"/>
+              <a:t> le </a:t>
+            </a:r>
+            <a:r>
+              <a:rPr lang="en-US" dirty="0" err="1" smtClean="0"/>
+              <a:t>tipologie</a:t>
+            </a:r>
+            <a:r>
+              <a:rPr lang="en-US" dirty="0" smtClean="0"/>
+              <a:t> di profiling </a:t>
+            </a:r>
+            <a:r>
+              <a:rPr lang="en-US" dirty="0" err="1" smtClean="0"/>
+              <a:t>sono</a:t>
+            </a:r>
+            <a:r>
+              <a:rPr lang="en-US" dirty="0" smtClean="0"/>
+              <a:t> </a:t>
+            </a:r>
+            <a:r>
+              <a:rPr lang="en-US" dirty="0" err="1" smtClean="0"/>
+              <a:t>abbatanza</a:t>
+            </a:r>
+            <a:r>
+              <a:rPr lang="en-US" dirty="0" smtClean="0"/>
+              <a:t> </a:t>
+            </a:r>
+            <a:r>
+              <a:rPr lang="en-US" dirty="0" err="1" smtClean="0"/>
+              <a:t>simili</a:t>
+            </a:r>
+            <a:r>
+              <a:rPr lang="en-US" dirty="0" smtClean="0"/>
+              <a:t> </a:t>
+            </a:r>
+            <a:r>
+              <a:rPr lang="en-US" dirty="0" err="1" smtClean="0"/>
+              <a:t>fra</a:t>
+            </a:r>
+            <a:r>
+              <a:rPr lang="en-US" dirty="0" smtClean="0"/>
+              <a:t> </a:t>
+            </a:r>
+            <a:r>
+              <a:rPr lang="en-US" dirty="0" err="1" smtClean="0"/>
+              <a:t>loro</a:t>
+            </a:r>
+            <a:endParaRPr lang="en-US" dirty="0" smtClean="0"/>
+          </a:p>
+          <a:p>
+            <a:pPr lvl="0" algn="just"/>
+            <a:r>
+              <a:rPr lang="en-US" dirty="0" smtClean="0"/>
+              <a:t>Summary view: </a:t>
+            </a:r>
+            <a:r>
+              <a:rPr lang="en-US" dirty="0" err="1" smtClean="0"/>
+              <a:t>grafico</a:t>
+            </a:r>
+            <a:r>
+              <a:rPr lang="en-US" dirty="0" smtClean="0"/>
+              <a:t> di </a:t>
+            </a:r>
+            <a:r>
+              <a:rPr lang="en-US" dirty="0" err="1" smtClean="0"/>
+              <a:t>utilizzo</a:t>
+            </a:r>
+            <a:r>
+              <a:rPr lang="en-US" dirty="0" smtClean="0"/>
+              <a:t> CPU </a:t>
+            </a:r>
+            <a:r>
+              <a:rPr lang="en-US" dirty="0" err="1" smtClean="0"/>
+              <a:t>nel</a:t>
+            </a:r>
+            <a:r>
+              <a:rPr lang="en-US" dirty="0" smtClean="0"/>
+              <a:t> tempo di </a:t>
+            </a:r>
+            <a:r>
+              <a:rPr lang="en-US" dirty="0" err="1" smtClean="0"/>
+              <a:t>profilazione</a:t>
             </a:r>
             <a:r>
               <a:rPr lang="en-US" dirty="0" smtClean="0"/>
@@ -13539,101 +13779,388 @@
             </a:r>
             <a:r>
               <a:rPr lang="en-US" dirty="0" err="1" smtClean="0"/>
-              <a:t>Abbiamo</a:t>
-            </a:r>
-            <a:r>
-              <a:rPr lang="en-US" dirty="0" smtClean="0"/>
-              <a:t> la </a:t>
-            </a:r>
-            <a:r>
-              <a:rPr lang="en-US" dirty="0" err="1" smtClean="0"/>
-              <a:t>possibilità</a:t>
+              <a:t>Possibilità</a:t>
+            </a:r>
+            <a:r>
+              <a:rPr lang="en-US" dirty="0" smtClean="0"/>
+              <a:t> di fare zoom e </a:t>
+            </a:r>
+            <a:r>
+              <a:rPr lang="en-US" dirty="0" err="1" smtClean="0"/>
+              <a:t>avere</a:t>
+            </a:r>
+            <a:r>
+              <a:rPr lang="en-US" dirty="0" smtClean="0"/>
+              <a:t> </a:t>
+            </a:r>
+            <a:r>
+              <a:rPr lang="en-US" dirty="0" err="1" smtClean="0"/>
+              <a:t>il</a:t>
+            </a:r>
+            <a:r>
+              <a:rPr lang="en-US" dirty="0" smtClean="0"/>
+              <a:t> summary </a:t>
+            </a:r>
+            <a:r>
+              <a:rPr lang="en-US" dirty="0" err="1" smtClean="0"/>
+              <a:t>della</a:t>
+            </a:r>
+            <a:r>
+              <a:rPr lang="en-US" dirty="0" smtClean="0"/>
+              <a:t> sola parte </a:t>
+            </a:r>
+            <a:r>
+              <a:rPr lang="en-US" dirty="0" err="1" smtClean="0"/>
+              <a:t>selezionata</a:t>
+            </a:r>
+            <a:endParaRPr lang="en-US" dirty="0" smtClean="0"/>
+          </a:p>
+          <a:p>
+            <a:pPr lvl="0" algn="just"/>
+            <a:r>
+              <a:rPr lang="en-US" dirty="0" err="1" smtClean="0"/>
+              <a:t>Ogni</a:t>
+            </a:r>
+            <a:r>
+              <a:rPr lang="en-US" dirty="0" smtClean="0"/>
+              <a:t> </a:t>
+            </a:r>
+            <a:r>
+              <a:rPr lang="en-US" dirty="0" err="1" smtClean="0"/>
+              <a:t>funzione</a:t>
+            </a:r>
+            <a:r>
+              <a:rPr lang="en-US" dirty="0" smtClean="0"/>
+              <a:t> </a:t>
+            </a:r>
+            <a:r>
+              <a:rPr lang="en-US" dirty="0" err="1" smtClean="0"/>
+              <a:t>che</a:t>
+            </a:r>
+            <a:r>
+              <a:rPr lang="en-US" dirty="0" smtClean="0"/>
+              <a:t> </a:t>
+            </a:r>
+            <a:r>
+              <a:rPr lang="en-US" dirty="0" err="1" smtClean="0"/>
+              <a:t>appare</a:t>
+            </a:r>
+            <a:r>
+              <a:rPr lang="en-US" dirty="0" smtClean="0"/>
+              <a:t> </a:t>
+            </a:r>
+            <a:r>
+              <a:rPr lang="en-US" dirty="0" err="1" smtClean="0"/>
+              <a:t>nel</a:t>
+            </a:r>
+            <a:r>
+              <a:rPr lang="en-US" dirty="0" smtClean="0"/>
+              <a:t> summary è </a:t>
+            </a:r>
+            <a:r>
+              <a:rPr lang="en-US" dirty="0" err="1" smtClean="0"/>
+              <a:t>cliccabile</a:t>
+            </a:r>
+            <a:r>
+              <a:rPr lang="en-US" dirty="0" smtClean="0"/>
+              <a:t>. Con </a:t>
+            </a:r>
+            <a:r>
+              <a:rPr lang="en-US" dirty="0" err="1" smtClean="0"/>
+              <a:t>tasto</a:t>
+            </a:r>
+            <a:r>
+              <a:rPr lang="en-US" dirty="0" smtClean="0"/>
+              <a:t> destroy è </a:t>
+            </a:r>
+            <a:r>
+              <a:rPr lang="en-US" dirty="0" err="1" smtClean="0"/>
+              <a:t>possibile</a:t>
+            </a:r>
+            <a:r>
+              <a:rPr lang="en-US" dirty="0" smtClean="0"/>
+              <a:t> </a:t>
+            </a:r>
+            <a:r>
+              <a:rPr lang="en-US" dirty="0" err="1" smtClean="0"/>
+              <a:t>avere</a:t>
+            </a:r>
+            <a:r>
+              <a:rPr lang="en-US" dirty="0" smtClean="0"/>
+              <a:t> </a:t>
+            </a:r>
+            <a:r>
+              <a:rPr lang="en-US" dirty="0" err="1" smtClean="0"/>
+              <a:t>altre</a:t>
+            </a:r>
+            <a:r>
+              <a:rPr lang="en-US" dirty="0" smtClean="0"/>
+              <a:t> </a:t>
+            </a:r>
+            <a:r>
+              <a:rPr lang="en-US" dirty="0" err="1" smtClean="0"/>
+              <a:t>opzioni</a:t>
+            </a:r>
+            <a:r>
+              <a:rPr lang="en-US" dirty="0" smtClean="0"/>
+              <a:t>, </a:t>
+            </a:r>
+            <a:r>
+              <a:rPr lang="en-US" dirty="0" err="1" smtClean="0"/>
+              <a:t>fra</a:t>
+            </a:r>
+            <a:r>
+              <a:rPr lang="en-US" dirty="0" smtClean="0"/>
+              <a:t> cui </a:t>
+            </a:r>
+            <a:r>
+              <a:rPr lang="en-US" dirty="0" err="1" smtClean="0"/>
+              <a:t>raggiungere</a:t>
+            </a:r>
+            <a:r>
+              <a:rPr lang="en-US" dirty="0" smtClean="0"/>
+              <a:t> </a:t>
+            </a:r>
+            <a:r>
+              <a:rPr lang="en-US" dirty="0" err="1" smtClean="0"/>
+              <a:t>il</a:t>
+            </a:r>
+            <a:r>
+              <a:rPr lang="en-US" dirty="0" smtClean="0"/>
+              <a:t> </a:t>
+            </a:r>
+            <a:r>
+              <a:rPr lang="en-US" dirty="0" err="1" smtClean="0"/>
+              <a:t>sorgente</a:t>
+            </a:r>
+            <a:endParaRPr lang="en-US" dirty="0" smtClean="0"/>
+          </a:p>
+          <a:p>
+            <a:pPr lvl="0" algn="just"/>
+            <a:r>
+              <a:rPr lang="en-US" dirty="0" smtClean="0"/>
+              <a:t> </a:t>
+            </a:r>
+            <a:r>
+              <a:rPr lang="en-US" dirty="0" err="1" smtClean="0"/>
+              <a:t>Sempre</a:t>
+            </a:r>
+            <a:r>
+              <a:rPr lang="en-US" dirty="0" smtClean="0"/>
+              <a:t> dal summary </a:t>
+            </a:r>
+            <a:r>
+              <a:rPr lang="en-US" dirty="0" err="1" smtClean="0"/>
+              <a:t>raggiungiamo</a:t>
+            </a:r>
+            <a:r>
+              <a:rPr lang="en-US" dirty="0" smtClean="0"/>
+              <a:t>:</a:t>
+            </a:r>
+          </a:p>
+          <a:p>
+            <a:pPr lvl="1" algn="just"/>
+            <a:r>
+              <a:rPr lang="en-US" dirty="0" smtClean="0"/>
+              <a:t>Show Trimmed Call Tree : </a:t>
+            </a:r>
+            <a:r>
+              <a:rPr lang="en-US" dirty="0" err="1" smtClean="0"/>
+              <a:t>vediamo</a:t>
+            </a:r>
+            <a:r>
+              <a:rPr lang="en-US" dirty="0" smtClean="0"/>
+              <a:t> </a:t>
+            </a:r>
+            <a:r>
+              <a:rPr lang="en-US" dirty="0" err="1" smtClean="0"/>
+              <a:t>nella</a:t>
+            </a:r>
+            <a:r>
+              <a:rPr lang="en-US" dirty="0" smtClean="0"/>
+              <a:t> vista “Call Tree” le </a:t>
+            </a:r>
+            <a:r>
+              <a:rPr lang="en-US" dirty="0" err="1" smtClean="0"/>
+              <a:t>parti</a:t>
+            </a:r>
+            <a:r>
+              <a:rPr lang="en-US" dirty="0" smtClean="0"/>
+              <a:t> </a:t>
+            </a:r>
+            <a:r>
+              <a:rPr lang="en-US" dirty="0" err="1" smtClean="0"/>
+              <a:t>più</a:t>
+            </a:r>
+            <a:r>
+              <a:rPr lang="en-US" dirty="0" smtClean="0"/>
+              <a:t> </a:t>
+            </a:r>
+            <a:r>
+              <a:rPr lang="en-US" dirty="0" err="1" smtClean="0"/>
+              <a:t>costose</a:t>
+            </a:r>
+            <a:r>
+              <a:rPr lang="en-US" dirty="0" smtClean="0"/>
+              <a:t>, </a:t>
+            </a:r>
+            <a:r>
+              <a:rPr lang="en-US" dirty="0" err="1" smtClean="0"/>
+              <a:t>indichiamo</a:t>
+            </a:r>
+            <a:r>
+              <a:rPr lang="en-US" dirty="0" smtClean="0"/>
+              <a:t> </a:t>
+            </a:r>
+            <a:r>
+              <a:rPr lang="en-US" dirty="0" err="1" smtClean="0"/>
+              <a:t>l’hot</a:t>
+            </a:r>
+            <a:r>
+              <a:rPr lang="en-US" dirty="0" smtClean="0"/>
+              <a:t> path e </a:t>
+            </a:r>
+            <a:r>
+              <a:rPr lang="en-US" dirty="0" err="1" smtClean="0"/>
+              <a:t>possiamo</a:t>
+            </a:r>
+            <a:r>
+              <a:rPr lang="en-US" dirty="0" smtClean="0"/>
+              <a:t> </a:t>
+            </a:r>
+            <a:r>
+              <a:rPr lang="en-US" dirty="0" err="1" smtClean="0"/>
+              <a:t>filtrare</a:t>
+            </a:r>
+            <a:r>
+              <a:rPr lang="en-US" dirty="0" smtClean="0"/>
+              <a:t> le entry </a:t>
+            </a:r>
+            <a:r>
+              <a:rPr lang="en-US" dirty="0" err="1" smtClean="0"/>
+              <a:t>che</a:t>
+            </a:r>
+            <a:r>
+              <a:rPr lang="en-US" dirty="0" smtClean="0"/>
+              <a:t> </a:t>
+            </a:r>
+            <a:r>
+              <a:rPr lang="en-US" dirty="0" err="1" smtClean="0"/>
+              <a:t>riteniamo</a:t>
             </a:r>
             <a:r>
               <a:rPr lang="en-US" dirty="0" smtClean="0"/>
               <a:t> di </a:t>
             </a:r>
+            <a:r>
+              <a:rPr lang="en-US" dirty="0" err="1" smtClean="0"/>
+              <a:t>poco</a:t>
+            </a:r>
+            <a:r>
+              <a:rPr lang="en-US" dirty="0" smtClean="0"/>
+              <a:t> </a:t>
+            </a:r>
+            <a:r>
+              <a:rPr lang="en-US" dirty="0" err="1" smtClean="0"/>
+              <a:t>interesse</a:t>
+            </a:r>
+            <a:endParaRPr lang="en-US" dirty="0"/>
           </a:p>
           <a:p>
             <a:pPr lvl="1" algn="just"/>
             <a:r>
-              <a:rPr lang="en-US" dirty="0" err="1" smtClean="0"/>
-              <a:t>Filtrare</a:t>
-            </a:r>
-            <a:r>
-              <a:rPr lang="en-US" dirty="0" smtClean="0"/>
-              <a:t> </a:t>
-            </a:r>
-            <a:r>
-              <a:rPr lang="en-US" dirty="0" err="1" smtClean="0"/>
-              <a:t>i</a:t>
-            </a:r>
-            <a:r>
-              <a:rPr lang="en-US" dirty="0" smtClean="0"/>
-              <a:t> </a:t>
-            </a:r>
-            <a:r>
-              <a:rPr lang="en-US" dirty="0" err="1" smtClean="0"/>
-              <a:t>risultati</a:t>
-            </a:r>
-            <a:r>
-              <a:rPr lang="en-US" dirty="0" smtClean="0"/>
-              <a:t> (trimming/folding)</a:t>
+              <a:rPr lang="en-US" dirty="0" smtClean="0"/>
+              <a:t>Show hot lines: </a:t>
+            </a:r>
+            <a:r>
+              <a:rPr lang="en-US" dirty="0" err="1" smtClean="0"/>
+              <a:t>vediamo</a:t>
+            </a:r>
+            <a:r>
+              <a:rPr lang="en-US" dirty="0" smtClean="0"/>
+              <a:t> </a:t>
+            </a:r>
+            <a:r>
+              <a:rPr lang="en-US" dirty="0" err="1" smtClean="0"/>
+              <a:t>nella</a:t>
+            </a:r>
+            <a:r>
+              <a:rPr lang="en-US" dirty="0" smtClean="0"/>
+              <a:t> vista “Lines” le </a:t>
+            </a:r>
+            <a:r>
+              <a:rPr lang="en-US" dirty="0" err="1" smtClean="0"/>
+              <a:t>linee</a:t>
+            </a:r>
+            <a:r>
+              <a:rPr lang="en-US" dirty="0" smtClean="0"/>
+              <a:t> di </a:t>
+            </a:r>
+            <a:r>
+              <a:rPr lang="en-US" dirty="0" err="1" smtClean="0"/>
+              <a:t>codice</a:t>
+            </a:r>
+            <a:r>
+              <a:rPr lang="en-US" dirty="0" smtClean="0"/>
+              <a:t> </a:t>
+            </a:r>
+            <a:r>
+              <a:rPr lang="en-US" dirty="0" err="1" smtClean="0"/>
+              <a:t>più</a:t>
+            </a:r>
+            <a:r>
+              <a:rPr lang="en-US" dirty="0" smtClean="0"/>
+              <a:t> </a:t>
+            </a:r>
+            <a:r>
+              <a:rPr lang="en-US" dirty="0" err="1" smtClean="0"/>
+              <a:t>costose</a:t>
+            </a:r>
+            <a:r>
+              <a:rPr lang="en-US" dirty="0" smtClean="0"/>
+              <a:t>. Non </a:t>
+            </a:r>
+            <a:r>
+              <a:rPr lang="en-US" dirty="0" err="1" smtClean="0"/>
+              <a:t>disponibile</a:t>
+            </a:r>
+            <a:r>
+              <a:rPr lang="en-US" dirty="0" smtClean="0"/>
+              <a:t> in instrumentation.</a:t>
             </a:r>
           </a:p>
           <a:p>
             <a:pPr lvl="1" algn="just"/>
             <a:r>
-              <a:rPr lang="en-US" dirty="0" err="1" smtClean="0"/>
-              <a:t>Impostare</a:t>
-            </a:r>
-            <a:r>
-              <a:rPr lang="en-US" dirty="0" smtClean="0"/>
-              <a:t> un </a:t>
-            </a:r>
-            <a:r>
-              <a:rPr lang="en-US" dirty="0" err="1" smtClean="0"/>
-              <a:t>qualsiasi</a:t>
-            </a:r>
-            <a:r>
-              <a:rPr lang="en-US" dirty="0" smtClean="0"/>
-              <a:t> </a:t>
-            </a:r>
-            <a:r>
-              <a:rPr lang="en-US" dirty="0" err="1" smtClean="0"/>
-              <a:t>nodo</a:t>
-            </a:r>
-            <a:r>
-              <a:rPr lang="en-US" dirty="0" smtClean="0"/>
-              <a:t> come root, o </a:t>
-            </a:r>
-            <a:r>
-              <a:rPr lang="en-US" dirty="0" err="1" smtClean="0"/>
-              <a:t>resettare</a:t>
-            </a:r>
-            <a:r>
-              <a:rPr lang="en-US" dirty="0" smtClean="0"/>
-              <a:t> </a:t>
-            </a:r>
-            <a:r>
-              <a:rPr lang="en-US" dirty="0" err="1" smtClean="0"/>
-              <a:t>alla</a:t>
-            </a:r>
-            <a:r>
-              <a:rPr lang="en-US" dirty="0" smtClean="0"/>
-              <a:t> </a:t>
-            </a:r>
-            <a:r>
-              <a:rPr lang="en-US" dirty="0" err="1" smtClean="0"/>
-              <a:t>condizione</a:t>
-            </a:r>
-            <a:r>
-              <a:rPr lang="en-US" dirty="0" smtClean="0"/>
-              <a:t> </a:t>
-            </a:r>
-            <a:r>
-              <a:rPr lang="en-US" dirty="0" err="1" smtClean="0"/>
-              <a:t>iniziale</a:t>
+              <a:rPr lang="en-US" dirty="0" smtClean="0"/>
+              <a:t>Export Report Data: .csv o .xml</a:t>
+            </a:r>
+          </a:p>
+          <a:p>
+            <a:pPr lvl="1" algn="just"/>
+            <a:r>
+              <a:rPr lang="en-US" dirty="0" smtClean="0"/>
+              <a:t>Save Analyzed Report: </a:t>
+            </a:r>
+            <a:r>
+              <a:rPr lang="en-US" dirty="0" err="1" smtClean="0"/>
+              <a:t>salva</a:t>
+            </a:r>
+            <a:r>
+              <a:rPr lang="en-US" dirty="0" smtClean="0"/>
+              <a:t> in </a:t>
+            </a:r>
+            <a:r>
+              <a:rPr lang="en-US" dirty="0" err="1" smtClean="0"/>
+              <a:t>formato</a:t>
+            </a:r>
+            <a:r>
+              <a:rPr lang="en-US" dirty="0" smtClean="0"/>
+              <a:t> .</a:t>
+            </a:r>
+            <a:r>
+              <a:rPr lang="en-US" dirty="0" err="1" smtClean="0"/>
+              <a:t>vsps</a:t>
             </a:r>
             <a:r>
               <a:rPr lang="en-US" dirty="0" smtClean="0"/>
@@ -13641,377 +14168,51 @@
             </a:r>
             <a:r>
               <a:rPr lang="en-US" dirty="0" err="1" smtClean="0"/>
-              <a:t>mediante</a:t>
-            </a:r>
-            <a:r>
-              <a:rPr lang="en-US" dirty="0" smtClean="0"/>
-              <a:t> </a:t>
-            </a:r>
-            <a:r>
-              <a:rPr lang="en-US" dirty="0" err="1" smtClean="0"/>
-              <a:t>tasto</a:t>
-            </a:r>
-            <a:r>
-              <a:rPr lang="en-US" dirty="0" smtClean="0"/>
-              <a:t> </a:t>
-            </a:r>
-            <a:r>
-              <a:rPr lang="en-US" dirty="0" err="1" smtClean="0"/>
-              <a:t>destro</a:t>
-            </a:r>
-            <a:r>
-              <a:rPr lang="en-US" dirty="0" smtClean="0"/>
-              <a:t> </a:t>
-            </a:r>
-            <a:r>
-              <a:rPr lang="en-US" dirty="0" err="1" smtClean="0"/>
-              <a:t>sull’albero</a:t>
-            </a:r>
+              <a:t>che</a:t>
+            </a:r>
+            <a:r>
+              <a:rPr lang="en-US" dirty="0" smtClean="0"/>
+              <a:t> </a:t>
+            </a:r>
+            <a:r>
+              <a:rPr lang="en-US" dirty="0" err="1" smtClean="0"/>
+              <a:t>si</a:t>
+            </a:r>
+            <a:r>
+              <a:rPr lang="en-US" dirty="0" smtClean="0"/>
+              <a:t> </a:t>
+            </a:r>
+            <a:r>
+              <a:rPr lang="en-US" dirty="0" err="1" smtClean="0"/>
+              <a:t>aprè</a:t>
+            </a:r>
+            <a:r>
+              <a:rPr lang="en-US" dirty="0" smtClean="0"/>
+              <a:t> </a:t>
+            </a:r>
+            <a:r>
+              <a:rPr lang="en-US" dirty="0" err="1" smtClean="0"/>
+              <a:t>più</a:t>
+            </a:r>
+            <a:r>
+              <a:rPr lang="en-US" dirty="0" smtClean="0"/>
+              <a:t> </a:t>
+            </a:r>
+            <a:r>
+              <a:rPr lang="en-US" dirty="0" err="1" smtClean="0"/>
+              <a:t>rapidamente</a:t>
+            </a:r>
+            <a:r>
+              <a:rPr lang="en-US" dirty="0" smtClean="0"/>
+              <a:t> </a:t>
+            </a:r>
+          </a:p>
+          <a:p>
+            <a:pPr lvl="1" algn="just"/>
             <a:endParaRPr lang="en-US" dirty="0" smtClean="0"/>
           </a:p>
           <a:p>
-            <a:pPr lvl="1" algn="just"/>
-            <a:r>
-              <a:rPr lang="en-US" dirty="0" err="1" smtClean="0"/>
-              <a:t>Selezionare</a:t>
-            </a:r>
-            <a:r>
-              <a:rPr lang="en-US" dirty="0" smtClean="0"/>
-              <a:t> diverse </a:t>
-            </a:r>
-            <a:r>
-              <a:rPr lang="en-US" dirty="0" err="1" smtClean="0"/>
-              <a:t>colonne</a:t>
-            </a:r>
-            <a:r>
-              <a:rPr lang="en-US" dirty="0" smtClean="0"/>
-              <a:t> </a:t>
-            </a:r>
-          </a:p>
-          <a:p>
-            <a:pPr marL="274320" lvl="1" indent="0" algn="just">
-              <a:buNone/>
-            </a:pPr>
-            <a:endParaRPr lang="en-US" dirty="0" smtClean="0"/>
-          </a:p>
-          <a:p>
             <a:pPr lvl="0" algn="just"/>
-            <a:r>
-              <a:rPr lang="en-US" dirty="0" smtClean="0"/>
-              <a:t>Modules: </a:t>
-            </a:r>
-            <a:r>
-              <a:rPr lang="en-US" dirty="0" err="1" smtClean="0"/>
-              <a:t>vediamo</a:t>
-            </a:r>
-            <a:r>
-              <a:rPr lang="en-US" dirty="0" smtClean="0"/>
-              <a:t> I moduli </a:t>
-            </a:r>
-            <a:r>
-              <a:rPr lang="en-US" dirty="0" err="1" smtClean="0"/>
-              <a:t>coinvolti</a:t>
-            </a:r>
-            <a:r>
-              <a:rPr lang="en-US" dirty="0" smtClean="0"/>
-              <a:t>, </a:t>
-            </a:r>
-            <a:r>
-              <a:rPr lang="en-US" dirty="0" err="1" smtClean="0"/>
-              <a:t>ognuno</a:t>
-            </a:r>
-            <a:r>
-              <a:rPr lang="en-US" dirty="0" smtClean="0"/>
-              <a:t> </a:t>
-            </a:r>
-            <a:r>
-              <a:rPr lang="en-US" dirty="0" err="1" smtClean="0"/>
-              <a:t>dei</a:t>
-            </a:r>
-            <a:r>
-              <a:rPr lang="en-US" dirty="0" smtClean="0"/>
-              <a:t> </a:t>
-            </a:r>
-            <a:r>
-              <a:rPr lang="en-US" dirty="0" err="1" smtClean="0"/>
-              <a:t>quali</a:t>
-            </a:r>
-            <a:r>
-              <a:rPr lang="en-US" dirty="0" smtClean="0"/>
-              <a:t> è root </a:t>
-            </a:r>
-            <a:r>
-              <a:rPr lang="en-US" dirty="0" err="1" smtClean="0"/>
-              <a:t>dell’albero</a:t>
-            </a:r>
-            <a:endParaRPr lang="en-US" dirty="0"/>
-          </a:p>
-          <a:p>
-            <a:pPr lvl="1" algn="just"/>
-            <a:r>
-              <a:rPr lang="en-US" dirty="0" smtClean="0"/>
-              <a:t>Se </a:t>
-            </a:r>
-            <a:r>
-              <a:rPr lang="en-US" dirty="0" err="1" smtClean="0"/>
-              <a:t>una</a:t>
-            </a:r>
-            <a:r>
-              <a:rPr lang="en-US" dirty="0" smtClean="0"/>
-              <a:t> </a:t>
-            </a:r>
-            <a:r>
-              <a:rPr lang="en-US" dirty="0" err="1" smtClean="0"/>
-              <a:t>determinata</a:t>
-            </a:r>
-            <a:r>
-              <a:rPr lang="en-US" dirty="0" smtClean="0"/>
-              <a:t> </a:t>
-            </a:r>
-            <a:r>
-              <a:rPr lang="en-US" dirty="0" err="1" smtClean="0"/>
-              <a:t>funzione</a:t>
-            </a:r>
-            <a:r>
-              <a:rPr lang="en-US" dirty="0" smtClean="0"/>
-              <a:t> </a:t>
-            </a:r>
-            <a:r>
-              <a:rPr lang="en-US" dirty="0" err="1" smtClean="0"/>
-              <a:t>stava</a:t>
-            </a:r>
-            <a:r>
-              <a:rPr lang="en-US" dirty="0" smtClean="0"/>
-              <a:t> </a:t>
-            </a:r>
-            <a:r>
-              <a:rPr lang="en-US" dirty="0" err="1" smtClean="0"/>
-              <a:t>eseguendo</a:t>
-            </a:r>
-            <a:r>
-              <a:rPr lang="en-US" dirty="0" smtClean="0"/>
-              <a:t> al </a:t>
-            </a:r>
-            <a:r>
-              <a:rPr lang="en-US" dirty="0" err="1" smtClean="0"/>
-              <a:t>momento</a:t>
-            </a:r>
-            <a:r>
-              <a:rPr lang="en-US" dirty="0" smtClean="0"/>
-              <a:t> </a:t>
-            </a:r>
-            <a:r>
-              <a:rPr lang="en-US" dirty="0" err="1" smtClean="0"/>
-              <a:t>della</a:t>
-            </a:r>
-            <a:r>
-              <a:rPr lang="en-US" dirty="0" smtClean="0"/>
-              <a:t> </a:t>
-            </a:r>
-            <a:r>
-              <a:rPr lang="en-US" dirty="0" err="1" smtClean="0"/>
-              <a:t>misurazione</a:t>
-            </a:r>
-            <a:r>
-              <a:rPr lang="en-US" dirty="0" smtClean="0"/>
-              <a:t>, </a:t>
-            </a:r>
-            <a:r>
-              <a:rPr lang="en-US" dirty="0" err="1" smtClean="0"/>
-              <a:t>viene</a:t>
-            </a:r>
-            <a:r>
-              <a:rPr lang="en-US" dirty="0" smtClean="0"/>
-              <a:t> </a:t>
-            </a:r>
-            <a:r>
-              <a:rPr lang="en-US" dirty="0" err="1" smtClean="0"/>
-              <a:t>mostrata</a:t>
-            </a:r>
-            <a:r>
-              <a:rPr lang="en-US" dirty="0" smtClean="0"/>
-              <a:t> in </a:t>
-            </a:r>
-            <a:r>
-              <a:rPr lang="en-US" dirty="0" err="1" smtClean="0"/>
-              <a:t>questa</a:t>
-            </a:r>
-            <a:r>
-              <a:rPr lang="en-US" dirty="0" smtClean="0"/>
-              <a:t> vista. E’ </a:t>
-            </a:r>
-            <a:r>
-              <a:rPr lang="en-US" dirty="0" err="1" smtClean="0"/>
-              <a:t>possibile</a:t>
-            </a:r>
-            <a:r>
-              <a:rPr lang="en-US" dirty="0" smtClean="0"/>
-              <a:t> </a:t>
-            </a:r>
-            <a:r>
-              <a:rPr lang="en-US" dirty="0" err="1" smtClean="0"/>
-              <a:t>cliccare</a:t>
-            </a:r>
-            <a:r>
-              <a:rPr lang="en-US" dirty="0" smtClean="0"/>
-              <a:t> </a:t>
-            </a:r>
-            <a:r>
-              <a:rPr lang="en-US" dirty="0" err="1" smtClean="0"/>
-              <a:t>sulla</a:t>
-            </a:r>
-            <a:r>
-              <a:rPr lang="en-US" dirty="0" smtClean="0"/>
-              <a:t> </a:t>
-            </a:r>
-            <a:r>
-              <a:rPr lang="en-US" dirty="0" err="1" smtClean="0"/>
-              <a:t>funzione</a:t>
-            </a:r>
-            <a:r>
-              <a:rPr lang="en-US" dirty="0" smtClean="0"/>
-              <a:t> e </a:t>
-            </a:r>
-            <a:r>
-              <a:rPr lang="en-US" dirty="0" err="1" smtClean="0"/>
-              <a:t>raggiungere</a:t>
-            </a:r>
-            <a:r>
-              <a:rPr lang="en-US" dirty="0" smtClean="0"/>
-              <a:t> </a:t>
-            </a:r>
-            <a:r>
-              <a:rPr lang="en-US" dirty="0" err="1" smtClean="0"/>
-              <a:t>direttamente</a:t>
-            </a:r>
-            <a:r>
-              <a:rPr lang="en-US" dirty="0" smtClean="0"/>
-              <a:t> </a:t>
-            </a:r>
-            <a:r>
-              <a:rPr lang="en-US" dirty="0" err="1" smtClean="0"/>
-              <a:t>il</a:t>
-            </a:r>
-            <a:r>
-              <a:rPr lang="en-US" dirty="0" smtClean="0"/>
-              <a:t> </a:t>
-            </a:r>
-            <a:r>
-              <a:rPr lang="en-US" dirty="0" err="1" smtClean="0"/>
-              <a:t>sorgente</a:t>
-            </a:r>
-            <a:r>
-              <a:rPr lang="en-US" dirty="0" smtClean="0"/>
-              <a:t>. </a:t>
-            </a:r>
-            <a:r>
-              <a:rPr lang="en-US" dirty="0" err="1" smtClean="0"/>
-              <a:t>Qualora</a:t>
-            </a:r>
-            <a:r>
-              <a:rPr lang="en-US" dirty="0"/>
-              <a:t> </a:t>
-            </a:r>
-            <a:r>
-              <a:rPr lang="en-US" dirty="0" err="1" smtClean="0"/>
-              <a:t>gli</a:t>
-            </a:r>
-            <a:r>
-              <a:rPr lang="en-US" dirty="0" smtClean="0"/>
-              <a:t> </a:t>
-            </a:r>
-            <a:r>
-              <a:rPr lang="en-US" dirty="0" err="1" smtClean="0"/>
-              <a:t>indicatori</a:t>
-            </a:r>
-            <a:r>
-              <a:rPr lang="en-US" dirty="0" smtClean="0"/>
-              <a:t> di inclusive </a:t>
-            </a:r>
-            <a:r>
-              <a:rPr lang="en-US" dirty="0" err="1" smtClean="0"/>
-              <a:t>ed</a:t>
-            </a:r>
-            <a:r>
-              <a:rPr lang="en-US" dirty="0" smtClean="0"/>
-              <a:t> exclusive </a:t>
-            </a:r>
-            <a:r>
-              <a:rPr lang="en-US" dirty="0" err="1" smtClean="0"/>
-              <a:t>coincidano</a:t>
-            </a:r>
-            <a:r>
-              <a:rPr lang="en-US" dirty="0" smtClean="0"/>
-              <a:t>, </a:t>
-            </a:r>
-            <a:r>
-              <a:rPr lang="en-US" dirty="0" err="1" smtClean="0"/>
-              <a:t>il</a:t>
-            </a:r>
-            <a:r>
-              <a:rPr lang="en-US" dirty="0" smtClean="0"/>
-              <a:t> tool ha </a:t>
-            </a:r>
-            <a:r>
-              <a:rPr lang="en-US" dirty="0" err="1" smtClean="0"/>
-              <a:t>tracciato</a:t>
-            </a:r>
-            <a:r>
-              <a:rPr lang="en-US" dirty="0" smtClean="0"/>
-              <a:t> </a:t>
-            </a:r>
-            <a:r>
-              <a:rPr lang="en-US" dirty="0" err="1" smtClean="0"/>
-              <a:t>qualcosa</a:t>
-            </a:r>
-            <a:r>
-              <a:rPr lang="en-US" dirty="0" smtClean="0"/>
-              <a:t> di </a:t>
-            </a:r>
-            <a:r>
-              <a:rPr lang="en-US" dirty="0" err="1" smtClean="0"/>
-              <a:t>atomico</a:t>
-            </a:r>
-            <a:r>
-              <a:rPr lang="en-US" dirty="0" smtClean="0"/>
-              <a:t>, </a:t>
-            </a:r>
-            <a:r>
-              <a:rPr lang="en-US" dirty="0" err="1" smtClean="0"/>
-              <a:t>quindi</a:t>
-            </a:r>
-            <a:r>
-              <a:rPr lang="en-US" dirty="0" smtClean="0"/>
-              <a:t> </a:t>
-            </a:r>
-            <a:r>
-              <a:rPr lang="en-US" dirty="0" err="1" smtClean="0"/>
-              <a:t>l’instruction</a:t>
-            </a:r>
-            <a:r>
-              <a:rPr lang="en-US" dirty="0" smtClean="0"/>
-              <a:t> pointer (ad </a:t>
-            </a:r>
-            <a:r>
-              <a:rPr lang="en-US" dirty="0" err="1" smtClean="0"/>
-              <a:t>esempio</a:t>
-            </a:r>
-            <a:r>
-              <a:rPr lang="en-US" dirty="0" smtClean="0"/>
-              <a:t> in moduli di Sistema)</a:t>
-            </a:r>
-            <a:endParaRPr lang="en-US" dirty="0"/>
-          </a:p>
-          <a:p>
-            <a:pPr marL="274320" lvl="1" indent="0" algn="just">
-              <a:buNone/>
-            </a:pPr>
-            <a:endParaRPr lang="en-US" dirty="0"/>
-          </a:p>
-          <a:p>
-            <a:pPr marL="274320" lvl="1" indent="0" algn="just">
-              <a:buNone/>
-            </a:pPr>
             <a:endParaRPr lang="en-US" dirty="0" smtClean="0"/>
           </a:p>
         </p:txBody>
@@ -14019,7 +14220,7 @@
     </p:spTree>
     <p:extLst>
       <p:ext uri="{BB962C8B-B14F-4D97-AF65-F5344CB8AC3E}">
-        <p14:creationId xmlns:p14="http://schemas.microsoft.com/office/powerpoint/2010/main" val="3226164041"/>
+        <p14:creationId xmlns:p14="http://schemas.microsoft.com/office/powerpoint/2010/main" val="3506873978"/>
       </p:ext>
     </p:extLst>
   </p:cSld>
@@ -14200,10 +14401,6 @@
               <a:rPr lang="en-US" dirty="0" err="1" smtClean="0"/>
               <a:t>viste</a:t>
             </a:r>
-            <a:r>
-              <a:rPr lang="en-US" dirty="0" smtClean="0"/>
-              <a:t> (2)</a:t>
-            </a:r>
             <a:endParaRPr lang="it-IT" dirty="0"/>
           </a:p>
         </p:txBody>
@@ -14228,42 +14425,254 @@
             <a:pPr lvl="0" algn="just"/>
             <a:r>
               <a:rPr lang="en-US" dirty="0" smtClean="0"/>
-              <a:t>Caller/</a:t>
-            </a:r>
-            <a:r>
-              <a:rPr lang="en-US" dirty="0" err="1" smtClean="0"/>
-              <a:t>Calle</a:t>
-            </a:r>
-            <a:r>
-              <a:rPr lang="en-US" dirty="0" smtClean="0"/>
-              <a:t> view: </a:t>
+              <a:t>Call Tree: </a:t>
+            </a:r>
+            <a:r>
+              <a:rPr lang="en-US" dirty="0" err="1" smtClean="0"/>
+              <a:t>piuttosto</a:t>
+            </a:r>
+            <a:r>
+              <a:rPr lang="en-US" dirty="0" smtClean="0"/>
+              <a:t> </a:t>
+            </a:r>
+            <a:r>
+              <a:rPr lang="en-US" dirty="0" err="1" smtClean="0"/>
+              <a:t>intuitivo</a:t>
+            </a:r>
+            <a:r>
+              <a:rPr lang="en-US" dirty="0" smtClean="0"/>
+              <a:t>. </a:t>
+            </a:r>
+            <a:r>
+              <a:rPr lang="en-US" dirty="0" err="1" smtClean="0"/>
+              <a:t>Abbiamo</a:t>
+            </a:r>
+            <a:r>
+              <a:rPr lang="en-US" dirty="0" smtClean="0"/>
+              <a:t> la </a:t>
+            </a:r>
+            <a:r>
+              <a:rPr lang="en-US" dirty="0" err="1" smtClean="0"/>
+              <a:t>possibilità</a:t>
+            </a:r>
+            <a:r>
+              <a:rPr lang="en-US" dirty="0" smtClean="0"/>
+              <a:t> di </a:t>
             </a:r>
           </a:p>
           <a:p>
             <a:pPr lvl="1" algn="just"/>
             <a:r>
               <a:rPr lang="en-US" dirty="0" err="1" smtClean="0"/>
-              <a:t>Vengono</a:t>
-            </a:r>
-            <a:r>
-              <a:rPr lang="en-US" dirty="0" smtClean="0"/>
-              <a:t> </a:t>
-            </a:r>
-            <a:r>
-              <a:rPr lang="en-US" dirty="0" err="1" smtClean="0"/>
-              <a:t>mostrate</a:t>
-            </a:r>
-            <a:r>
-              <a:rPr lang="en-US" dirty="0" smtClean="0"/>
-              <a:t> 3 </a:t>
-            </a:r>
-            <a:r>
-              <a:rPr lang="en-US" dirty="0" err="1" smtClean="0"/>
-              <a:t>viste</a:t>
-            </a:r>
-            <a:r>
-              <a:rPr lang="en-US" dirty="0" smtClean="0"/>
-              <a:t>, la </a:t>
+              <a:t>Filtrare</a:t>
+            </a:r>
+            <a:r>
+              <a:rPr lang="en-US" dirty="0" smtClean="0"/>
+              <a:t> </a:t>
+            </a:r>
+            <a:r>
+              <a:rPr lang="en-US" dirty="0" err="1" smtClean="0"/>
+              <a:t>i</a:t>
+            </a:r>
+            <a:r>
+              <a:rPr lang="en-US" dirty="0" smtClean="0"/>
+              <a:t> </a:t>
+            </a:r>
+            <a:r>
+              <a:rPr lang="en-US" dirty="0" err="1" smtClean="0"/>
+              <a:t>risultati</a:t>
+            </a:r>
+            <a:r>
+              <a:rPr lang="en-US" dirty="0" smtClean="0"/>
+              <a:t> (trimming/folding)</a:t>
+            </a:r>
+          </a:p>
+          <a:p>
+            <a:pPr lvl="1" algn="just"/>
+            <a:r>
+              <a:rPr lang="en-US" dirty="0" err="1" smtClean="0"/>
+              <a:t>Impostare</a:t>
+            </a:r>
+            <a:r>
+              <a:rPr lang="en-US" dirty="0" smtClean="0"/>
+              <a:t> un </a:t>
+            </a:r>
+            <a:r>
+              <a:rPr lang="en-US" dirty="0" err="1" smtClean="0"/>
+              <a:t>qualsiasi</a:t>
+            </a:r>
+            <a:r>
+              <a:rPr lang="en-US" dirty="0" smtClean="0"/>
+              <a:t> </a:t>
+            </a:r>
+            <a:r>
+              <a:rPr lang="en-US" dirty="0" err="1" smtClean="0"/>
+              <a:t>nodo</a:t>
+            </a:r>
+            <a:r>
+              <a:rPr lang="en-US" dirty="0" smtClean="0"/>
+              <a:t> come root, o </a:t>
+            </a:r>
+            <a:r>
+              <a:rPr lang="en-US" dirty="0" err="1" smtClean="0"/>
+              <a:t>resettare</a:t>
+            </a:r>
+            <a:r>
+              <a:rPr lang="en-US" dirty="0" smtClean="0"/>
+              <a:t> </a:t>
+            </a:r>
+            <a:r>
+              <a:rPr lang="en-US" dirty="0" err="1" smtClean="0"/>
+              <a:t>alla</a:t>
+            </a:r>
+            <a:r>
+              <a:rPr lang="en-US" dirty="0" smtClean="0"/>
+              <a:t> </a:t>
+            </a:r>
+            <a:r>
+              <a:rPr lang="en-US" dirty="0" err="1" smtClean="0"/>
+              <a:t>condizione</a:t>
+            </a:r>
+            <a:r>
+              <a:rPr lang="en-US" dirty="0" smtClean="0"/>
+              <a:t> </a:t>
+            </a:r>
+            <a:r>
+              <a:rPr lang="en-US" dirty="0" err="1" smtClean="0"/>
+              <a:t>iniziale</a:t>
+            </a:r>
+            <a:r>
+              <a:rPr lang="en-US" dirty="0" smtClean="0"/>
+              <a:t>, </a:t>
+            </a:r>
+            <a:r>
+              <a:rPr lang="en-US" dirty="0" err="1" smtClean="0"/>
+              <a:t>mediante</a:t>
+            </a:r>
+            <a:r>
+              <a:rPr lang="en-US" dirty="0" smtClean="0"/>
+              <a:t> </a:t>
+            </a:r>
+            <a:r>
+              <a:rPr lang="en-US" dirty="0" err="1" smtClean="0"/>
+              <a:t>tasto</a:t>
+            </a:r>
+            <a:r>
+              <a:rPr lang="en-US" dirty="0" smtClean="0"/>
+              <a:t> </a:t>
+            </a:r>
+            <a:r>
+              <a:rPr lang="en-US" dirty="0" err="1" smtClean="0"/>
+              <a:t>destro</a:t>
+            </a:r>
+            <a:r>
+              <a:rPr lang="en-US" dirty="0" smtClean="0"/>
+              <a:t> </a:t>
+            </a:r>
+            <a:r>
+              <a:rPr lang="en-US" dirty="0" err="1" smtClean="0"/>
+              <a:t>sull’albero</a:t>
+            </a:r>
+            <a:endParaRPr lang="en-US" dirty="0" smtClean="0"/>
+          </a:p>
+          <a:p>
+            <a:pPr lvl="1" algn="just"/>
+            <a:r>
+              <a:rPr lang="en-US" dirty="0" err="1" smtClean="0"/>
+              <a:t>Selezionare</a:t>
+            </a:r>
+            <a:r>
+              <a:rPr lang="en-US" dirty="0" smtClean="0"/>
+              <a:t> diverse </a:t>
+            </a:r>
+            <a:r>
+              <a:rPr lang="en-US" dirty="0" err="1" smtClean="0"/>
+              <a:t>colonne</a:t>
+            </a:r>
+            <a:r>
+              <a:rPr lang="en-US" dirty="0" smtClean="0"/>
+              <a:t> </a:t>
+            </a:r>
+          </a:p>
+          <a:p>
+            <a:pPr marL="274320" lvl="1" indent="0" algn="just">
+              <a:buNone/>
+            </a:pPr>
+            <a:endParaRPr lang="en-US" dirty="0" smtClean="0"/>
+          </a:p>
+          <a:p>
+            <a:pPr lvl="0" algn="just"/>
+            <a:r>
+              <a:rPr lang="en-US" dirty="0" smtClean="0"/>
+              <a:t>Modules: </a:t>
+            </a:r>
+            <a:r>
+              <a:rPr lang="en-US" dirty="0" err="1" smtClean="0"/>
+              <a:t>vediamo</a:t>
+            </a:r>
+            <a:r>
+              <a:rPr lang="en-US" dirty="0" smtClean="0"/>
+              <a:t> I moduli </a:t>
+            </a:r>
+            <a:r>
+              <a:rPr lang="en-US" dirty="0" err="1" smtClean="0"/>
+              <a:t>coinvolti</a:t>
+            </a:r>
+            <a:r>
+              <a:rPr lang="en-US" dirty="0" smtClean="0"/>
+              <a:t>, </a:t>
+            </a:r>
+            <a:r>
+              <a:rPr lang="en-US" dirty="0" err="1" smtClean="0"/>
+              <a:t>ognuno</a:t>
+            </a:r>
+            <a:r>
+              <a:rPr lang="en-US" dirty="0" smtClean="0"/>
+              <a:t> </a:t>
+            </a:r>
+            <a:r>
+              <a:rPr lang="en-US" dirty="0" err="1" smtClean="0"/>
+              <a:t>dei</a:t>
+            </a:r>
+            <a:r>
+              <a:rPr lang="en-US" dirty="0" smtClean="0"/>
+              <a:t> </a:t>
+            </a:r>
+            <a:r>
+              <a:rPr lang="en-US" dirty="0" err="1" smtClean="0"/>
+              <a:t>quali</a:t>
+            </a:r>
+            <a:r>
+              <a:rPr lang="en-US" dirty="0" smtClean="0"/>
+              <a:t> è root </a:t>
+            </a:r>
+            <a:r>
+              <a:rPr lang="en-US" dirty="0" err="1" smtClean="0"/>
+              <a:t>dell’albero</a:t>
+            </a:r>
+            <a:endParaRPr lang="en-US" dirty="0"/>
+          </a:p>
+          <a:p>
+            <a:pPr lvl="1" algn="just"/>
+            <a:r>
+              <a:rPr lang="en-US" dirty="0" smtClean="0"/>
+              <a:t>Se </a:t>
+            </a:r>
+            <a:r>
+              <a:rPr lang="en-US" dirty="0" err="1" smtClean="0"/>
+              <a:t>una</a:t>
+            </a:r>
+            <a:r>
+              <a:rPr lang="en-US" dirty="0" smtClean="0"/>
+              <a:t> </a:t>
+            </a:r>
+            <a:r>
+              <a:rPr lang="en-US" dirty="0" err="1" smtClean="0"/>
+              <a:t>determinata</a:t>
+            </a:r>
+            <a:r>
+              <a:rPr lang="en-US" dirty="0" smtClean="0"/>
+              <a:t> </a:t>
             </a:r>
             <a:r>
               <a:rPr lang="en-US" dirty="0" err="1" smtClean="0"/>
@@ -14271,15 +14680,95 @@
             </a:r>
             <a:r>
               <a:rPr lang="en-US" dirty="0" smtClean="0"/>
+              <a:t> </a:t>
+            </a:r>
+            <a:r>
+              <a:rPr lang="en-US" dirty="0" err="1" smtClean="0"/>
+              <a:t>stava</a:t>
+            </a:r>
+            <a:r>
+              <a:rPr lang="en-US" dirty="0" smtClean="0"/>
+              <a:t> </a:t>
+            </a:r>
+            <a:r>
+              <a:rPr lang="en-US" dirty="0" err="1" smtClean="0"/>
+              <a:t>eseguendo</a:t>
+            </a:r>
+            <a:r>
+              <a:rPr lang="en-US" dirty="0" smtClean="0"/>
+              <a:t> al </a:t>
+            </a:r>
+            <a:r>
+              <a:rPr lang="en-US" dirty="0" err="1" smtClean="0"/>
+              <a:t>momento</a:t>
+            </a:r>
+            <a:r>
+              <a:rPr lang="en-US" dirty="0" smtClean="0"/>
+              <a:t> </a:t>
+            </a:r>
+            <a:r>
+              <a:rPr lang="en-US" dirty="0" err="1" smtClean="0"/>
+              <a:t>della</a:t>
+            </a:r>
+            <a:r>
+              <a:rPr lang="en-US" dirty="0" smtClean="0"/>
+              <a:t> </a:t>
+            </a:r>
+            <a:r>
+              <a:rPr lang="en-US" dirty="0" err="1" smtClean="0"/>
+              <a:t>misurazione</a:t>
+            </a:r>
+            <a:r>
+              <a:rPr lang="en-US" dirty="0" smtClean="0"/>
+              <a:t>, </a:t>
+            </a:r>
+            <a:r>
+              <a:rPr lang="en-US" dirty="0" err="1" smtClean="0"/>
+              <a:t>viene</a:t>
+            </a:r>
+            <a:r>
+              <a:rPr lang="en-US" dirty="0" smtClean="0"/>
+              <a:t> </a:t>
+            </a:r>
+            <a:r>
+              <a:rPr lang="en-US" dirty="0" err="1" smtClean="0"/>
+              <a:t>mostrata</a:t>
+            </a:r>
+            <a:r>
+              <a:rPr lang="en-US" dirty="0" smtClean="0"/>
               <a:t> in </a:t>
             </a:r>
             <a:r>
               <a:rPr lang="en-US" dirty="0" err="1" smtClean="0"/>
-              <a:t>esame</a:t>
-            </a:r>
-            <a:r>
-              <a:rPr lang="en-US" dirty="0" smtClean="0"/>
-              <a:t>, la </a:t>
+              <a:t>questa</a:t>
+            </a:r>
+            <a:r>
+              <a:rPr lang="en-US" dirty="0" smtClean="0"/>
+              <a:t> vista. E’ </a:t>
+            </a:r>
+            <a:r>
+              <a:rPr lang="en-US" dirty="0" err="1" smtClean="0"/>
+              <a:t>possibile</a:t>
+            </a:r>
+            <a:r>
+              <a:rPr lang="en-US" dirty="0" smtClean="0"/>
+              <a:t> </a:t>
+            </a:r>
+            <a:r>
+              <a:rPr lang="en-US" dirty="0" err="1" smtClean="0"/>
+              <a:t>cliccare</a:t>
+            </a:r>
+            <a:r>
+              <a:rPr lang="en-US" dirty="0" smtClean="0"/>
+              <a:t> </a:t>
+            </a:r>
+            <a:r>
+              <a:rPr lang="en-US" dirty="0" err="1" smtClean="0"/>
+              <a:t>sulla</a:t>
+            </a:r>
+            <a:r>
+              <a:rPr lang="en-US" dirty="0" smtClean="0"/>
+              <a:t> </a:t>
             </a:r>
             <a:r>
               <a:rPr lang="en-US" dirty="0" err="1" smtClean="0"/>
@@ -14287,138 +14776,99 @@
             </a:r>
             <a:r>
               <a:rPr lang="en-US" dirty="0" smtClean="0"/>
-              <a:t> padre e le </a:t>
-            </a:r>
-            <a:r>
-              <a:rPr lang="en-US" dirty="0" err="1" smtClean="0"/>
-              <a:t>funzioni</a:t>
-            </a:r>
-            <a:r>
-              <a:rPr lang="en-US" dirty="0" smtClean="0"/>
-              <a:t> </a:t>
-            </a:r>
-            <a:r>
-              <a:rPr lang="en-US" dirty="0" err="1" smtClean="0"/>
-              <a:t>figlie</a:t>
+              <a:t> e </a:t>
+            </a:r>
+            <a:r>
+              <a:rPr lang="en-US" dirty="0" err="1" smtClean="0"/>
+              <a:t>raggiungere</a:t>
+            </a:r>
+            <a:r>
+              <a:rPr lang="en-US" dirty="0" smtClean="0"/>
+              <a:t> </a:t>
+            </a:r>
+            <a:r>
+              <a:rPr lang="en-US" dirty="0" err="1" smtClean="0"/>
+              <a:t>direttamente</a:t>
+            </a:r>
+            <a:r>
+              <a:rPr lang="en-US" dirty="0" smtClean="0"/>
+              <a:t> </a:t>
+            </a:r>
+            <a:r>
+              <a:rPr lang="en-US" dirty="0" err="1" smtClean="0"/>
+              <a:t>il</a:t>
+            </a:r>
+            <a:r>
+              <a:rPr lang="en-US" dirty="0" smtClean="0"/>
+              <a:t> </a:t>
+            </a:r>
+            <a:r>
+              <a:rPr lang="en-US" dirty="0" err="1" smtClean="0"/>
+              <a:t>sorgente</a:t>
             </a:r>
             <a:r>
               <a:rPr lang="en-US" dirty="0" smtClean="0"/>
               <a:t>. </a:t>
             </a:r>
-          </a:p>
-          <a:p>
-            <a:pPr lvl="1" algn="just"/>
-            <a:r>
-              <a:rPr lang="en-US" dirty="0" err="1" smtClean="0"/>
-              <a:t>Anche</a:t>
-            </a:r>
-            <a:r>
-              <a:rPr lang="en-US" dirty="0" smtClean="0"/>
-              <a:t> in </a:t>
-            </a:r>
-            <a:r>
-              <a:rPr lang="en-US" dirty="0" err="1" smtClean="0"/>
-              <a:t>questo</a:t>
-            </a:r>
-            <a:r>
-              <a:rPr lang="en-US" dirty="0" smtClean="0"/>
-              <a:t> </a:t>
-            </a:r>
-            <a:r>
-              <a:rPr lang="en-US" dirty="0" err="1" smtClean="0"/>
-              <a:t>caso</a:t>
-            </a:r>
-            <a:r>
-              <a:rPr lang="en-US" dirty="0" smtClean="0"/>
-              <a:t> è </a:t>
-            </a:r>
-            <a:r>
-              <a:rPr lang="en-US" dirty="0" err="1" smtClean="0"/>
-              <a:t>possibil</a:t>
-            </a:r>
-            <a:r>
-              <a:rPr lang="en-US" dirty="0" err="1" smtClean="0"/>
-              <a:t>e</a:t>
-            </a:r>
-            <a:r>
-              <a:rPr lang="en-US" dirty="0" smtClean="0"/>
-              <a:t> </a:t>
-            </a:r>
-            <a:r>
-              <a:rPr lang="en-US" dirty="0" err="1" smtClean="0"/>
-              <a:t>discriminare</a:t>
-            </a:r>
-            <a:r>
-              <a:rPr lang="en-US" dirty="0" smtClean="0"/>
-              <a:t> </a:t>
-            </a:r>
-            <a:r>
-              <a:rPr lang="en-US" dirty="0" err="1" smtClean="0"/>
-              <a:t>i</a:t>
-            </a:r>
-            <a:r>
-              <a:rPr lang="en-US" dirty="0" smtClean="0"/>
-              <a:t> </a:t>
-            </a:r>
-            <a:r>
-              <a:rPr lang="en-US" dirty="0" err="1" smtClean="0"/>
-              <a:t>contatori</a:t>
-            </a:r>
-            <a:r>
-              <a:rPr lang="en-US" dirty="0" smtClean="0"/>
-              <a:t> inclusive/exclusive e le relative </a:t>
-            </a:r>
-            <a:r>
-              <a:rPr lang="en-US" dirty="0" err="1" smtClean="0"/>
-              <a:t>percentuali</a:t>
-            </a:r>
-            <a:endParaRPr lang="en-US" dirty="0" smtClean="0"/>
-          </a:p>
-          <a:p>
-            <a:pPr lvl="0" algn="just"/>
-            <a:r>
-              <a:rPr lang="en-US" dirty="0" smtClean="0"/>
-              <a:t> Functions </a:t>
-            </a:r>
-            <a:r>
-              <a:rPr lang="en-US" dirty="0"/>
-              <a:t>view: </a:t>
-            </a:r>
-            <a:endParaRPr lang="en-US" dirty="0" smtClean="0"/>
-          </a:p>
-          <a:p>
-            <a:pPr lvl="1" algn="just"/>
-            <a:r>
-              <a:rPr lang="en-US" dirty="0" smtClean="0"/>
-              <a:t>Vista </a:t>
-            </a:r>
-            <a:r>
-              <a:rPr lang="en-US" dirty="0" err="1" smtClean="0"/>
-              <a:t>sulle</a:t>
-            </a:r>
-            <a:r>
-              <a:rPr lang="en-US" dirty="0" smtClean="0"/>
-              <a:t> </a:t>
-            </a:r>
-            <a:r>
-              <a:rPr lang="en-US" dirty="0" err="1" smtClean="0"/>
-              <a:t>funzioni</a:t>
-            </a:r>
-            <a:r>
-              <a:rPr lang="en-US" dirty="0" smtClean="0"/>
-              <a:t> </a:t>
-            </a:r>
-            <a:r>
-              <a:rPr lang="en-US" dirty="0" err="1" smtClean="0"/>
-              <a:t>chiamate</a:t>
-            </a:r>
-            <a:r>
-              <a:rPr lang="en-US" dirty="0" smtClean="0"/>
-              <a:t>. Utile a </a:t>
-            </a:r>
-            <a:r>
-              <a:rPr lang="en-US" dirty="0" err="1" smtClean="0"/>
-              <a:t>patto</a:t>
+            <a:r>
+              <a:rPr lang="en-US" dirty="0" err="1" smtClean="0"/>
+              <a:t>Qualora</a:t>
+            </a:r>
+            <a:r>
+              <a:rPr lang="en-US" dirty="0"/>
+              <a:t> </a:t>
+            </a:r>
+            <a:r>
+              <a:rPr lang="en-US" dirty="0" err="1" smtClean="0"/>
+              <a:t>gli</a:t>
+            </a:r>
+            <a:r>
+              <a:rPr lang="en-US" dirty="0" smtClean="0"/>
+              <a:t> </a:t>
+            </a:r>
+            <a:r>
+              <a:rPr lang="en-US" dirty="0" err="1" smtClean="0"/>
+              <a:t>indicatori</a:t>
+            </a:r>
+            <a:r>
+              <a:rPr lang="en-US" dirty="0" smtClean="0"/>
+              <a:t> di inclusive </a:t>
+            </a:r>
+            <a:r>
+              <a:rPr lang="en-US" dirty="0" err="1" smtClean="0"/>
+              <a:t>ed</a:t>
+            </a:r>
+            <a:r>
+              <a:rPr lang="en-US" dirty="0" smtClean="0"/>
+              <a:t> exclusive </a:t>
+            </a:r>
+            <a:r>
+              <a:rPr lang="en-US" dirty="0" err="1" smtClean="0"/>
+              <a:t>coincidano</a:t>
+            </a:r>
+            <a:r>
+              <a:rPr lang="en-US" dirty="0" smtClean="0"/>
+              <a:t>, </a:t>
+            </a:r>
+            <a:r>
+              <a:rPr lang="en-US" dirty="0" err="1" smtClean="0"/>
+              <a:t>il</a:t>
+            </a:r>
+            <a:r>
+              <a:rPr lang="en-US" dirty="0" smtClean="0"/>
+              <a:t> tool ha </a:t>
+            </a:r>
+            <a:r>
+              <a:rPr lang="en-US" dirty="0" err="1" smtClean="0"/>
+              <a:t>tracciato</a:t>
+            </a:r>
+            <a:r>
+              <a:rPr lang="en-US" dirty="0" smtClean="0"/>
+              <a:t> </a:t>
+            </a:r>
+            <a:r>
+              <a:rPr lang="en-US" dirty="0" err="1" smtClean="0"/>
+              <a:t>qualcosa</a:t>
             </a:r>
             <a:r>
               <a:rPr lang="en-US" dirty="0" smtClean="0"/>
@@ -14426,87 +14876,42 @@
             </a:r>
             <a:r>
               <a:rPr lang="en-US" dirty="0" err="1" smtClean="0"/>
-              <a:t>configurare</a:t>
-            </a:r>
-            <a:r>
-              <a:rPr lang="en-US" dirty="0" smtClean="0"/>
-              <a:t> </a:t>
-            </a:r>
-            <a:r>
-              <a:rPr lang="en-US" dirty="0" err="1" smtClean="0"/>
-              <a:t>il</a:t>
-            </a:r>
-            <a:r>
-              <a:rPr lang="en-US" dirty="0" smtClean="0"/>
-              <a:t> modulo di </a:t>
-            </a:r>
-            <a:r>
-              <a:rPr lang="en-US" dirty="0" err="1" smtClean="0"/>
-              <a:t>provenienza</a:t>
-            </a:r>
-            <a:r>
-              <a:rPr lang="en-US" dirty="0" smtClean="0"/>
-              <a:t> </a:t>
-            </a:r>
-            <a:r>
-              <a:rPr lang="en-US" dirty="0" err="1" smtClean="0"/>
-              <a:t>della</a:t>
-            </a:r>
-            <a:r>
-              <a:rPr lang="en-US" dirty="0" smtClean="0"/>
-              <a:t> </a:t>
-            </a:r>
-            <a:r>
-              <a:rPr lang="en-US" dirty="0" err="1" smtClean="0"/>
-              <a:t>funzione</a:t>
-            </a:r>
-            <a:r>
-              <a:rPr lang="en-US" dirty="0"/>
-              <a:t> </a:t>
-            </a:r>
-            <a:r>
-              <a:rPr lang="en-US" dirty="0" smtClean="0"/>
-              <a:t>o se </a:t>
-            </a:r>
-            <a:r>
-              <a:rPr lang="en-US" dirty="0" err="1" smtClean="0"/>
-              <a:t>si</a:t>
-            </a:r>
-            <a:r>
-              <a:rPr lang="en-US" dirty="0" smtClean="0"/>
-              <a:t> </a:t>
-            </a:r>
-            <a:r>
-              <a:rPr lang="en-US" dirty="0" err="1" smtClean="0"/>
-              <a:t>utilizza</a:t>
-            </a:r>
-            <a:r>
-              <a:rPr lang="en-US" dirty="0" smtClean="0"/>
-              <a:t> “show just my code” </a:t>
-            </a:r>
-            <a:r>
-              <a:rPr lang="en-US" dirty="0" err="1" smtClean="0"/>
-              <a:t>nel</a:t>
-            </a:r>
-            <a:r>
-              <a:rPr lang="en-US" dirty="0" smtClean="0"/>
-              <a:t> summary</a:t>
+              <a:t>atomico</a:t>
+            </a:r>
+            <a:r>
+              <a:rPr lang="en-US" dirty="0" smtClean="0"/>
+              <a:t>, </a:t>
+            </a:r>
+            <a:r>
+              <a:rPr lang="en-US" dirty="0" err="1" smtClean="0"/>
+              <a:t>quindi</a:t>
+            </a:r>
+            <a:r>
+              <a:rPr lang="en-US" dirty="0" smtClean="0"/>
+              <a:t> </a:t>
+            </a:r>
+            <a:r>
+              <a:rPr lang="en-US" dirty="0" err="1" smtClean="0"/>
+              <a:t>l’instruction</a:t>
+            </a:r>
+            <a:r>
+              <a:rPr lang="en-US" dirty="0" smtClean="0"/>
+              <a:t> pointer (ad </a:t>
+            </a:r>
+            <a:r>
+              <a:rPr lang="en-US" dirty="0" err="1" smtClean="0"/>
+              <a:t>esempio</a:t>
+            </a:r>
+            <a:r>
+              <a:rPr lang="en-US" dirty="0" smtClean="0"/>
+              <a:t> in moduli di Sistema)</a:t>
             </a:r>
             <a:endParaRPr lang="en-US" dirty="0"/>
           </a:p>
           <a:p>
-            <a:pPr lvl="0" algn="just"/>
-            <a:r>
-              <a:rPr lang="en-US" dirty="0" smtClean="0"/>
-              <a:t>Lines view</a:t>
-            </a:r>
-            <a:r>
-              <a:rPr lang="en-US" dirty="0"/>
-              <a:t>: </a:t>
-            </a:r>
-          </a:p>
-          <a:p>
-            <a:pPr lvl="1" algn="just"/>
+            <a:pPr marL="274320" lvl="1" indent="0" algn="just">
+              <a:buNone/>
+            </a:pPr>
             <a:endParaRPr lang="en-US" dirty="0"/>
           </a:p>
           <a:p>
@@ -14520,18 +14925,18 @@
     </p:spTree>
     <p:extLst>
       <p:ext uri="{BB962C8B-B14F-4D97-AF65-F5344CB8AC3E}">
-        <p14:creationId xmlns:p14="http://schemas.microsoft.com/office/powerpoint/2010/main" val="2522682778"/>
+        <p14:creationId xmlns:p14="http://schemas.microsoft.com/office/powerpoint/2010/main" val="3226164041"/>
       </p:ext>
     </p:extLst>
   </p:cSld>
   <p:clrMapOvr>
     <a:masterClrMapping/>
   </p:clrMapOvr>
-  <mc:AlternateContent xmlns:mc="http://schemas.openxmlformats.org/markup-compatibility/2006">
-    <mc:Choice xmlns:p14="http://schemas.microsoft.com/office/powerpoint/2010/main" Requires="p14">
+  <mc:AlternateContent xmlns:mc="http://schemas.openxmlformats.org/markup-compatibility/2006" xmlns:p14="http://schemas.microsoft.com/office/powerpoint/2010/main">
+    <mc:Choice Requires="p14">
       <p:transition spd="slow" p14:dur="2000"/>
     </mc:Choice>
-    <mc:Fallback>
+    <mc:Fallback xmlns="">
       <p:transition spd="slow"/>
     </mc:Fallback>
   </mc:AlternateContent>
@@ -14564,7 +14969,7 @@
       </p:grpSpPr>
       <p:sp>
         <p:nvSpPr>
-          <p:cNvPr id="4" name="Title 3"/>
+          <p:cNvPr id="2" name="Title 1"/>
           <p:cNvSpPr>
             <a:spLocks noGrp="1"/>
           </p:cNvSpPr>
@@ -14578,8 +14983,24 @@
           <a:lstStyle/>
           <a:p>
             <a:r>
-              <a:rPr lang="it-IT" dirty="0" smtClean="0"/>
-              <a:t>Demo</a:t>
+              <a:rPr lang="en-US" dirty="0" smtClean="0"/>
+              <a:t>Profiler – </a:t>
+            </a:r>
+            <a:r>
+              <a:rPr lang="en-US" dirty="0" err="1" smtClean="0"/>
+              <a:t>altre</a:t>
+            </a:r>
+            <a:r>
+              <a:rPr lang="en-US" dirty="0" smtClean="0"/>
+              <a:t> </a:t>
+            </a:r>
+            <a:r>
+              <a:rPr lang="en-US" dirty="0" err="1" smtClean="0"/>
+              <a:t>viste</a:t>
+            </a:r>
+            <a:r>
+              <a:rPr lang="en-US" dirty="0" smtClean="0"/>
+              <a:t> (2)</a:t>
             </a:r>
             <a:endParaRPr lang="it-IT" dirty="0"/>
           </a:p>
@@ -14587,39 +15008,313 @@
       </p:sp>
       <p:sp>
         <p:nvSpPr>
-          <p:cNvPr id="5" name="Text Placeholder 4"/>
+          <p:cNvPr id="3" name="Content Placeholder 2"/>
           <p:cNvSpPr>
             <a:spLocks noGrp="1"/>
           </p:cNvSpPr>
           <p:nvPr>
-            <p:ph type="body" idx="1"/>
+            <p:ph idx="1"/>
           </p:nvPr>
         </p:nvSpPr>
         <p:spPr/>
         <p:txBody>
-          <a:bodyPr/>
+          <a:bodyPr>
+            <a:normAutofit/>
+          </a:bodyPr>
           <a:lstStyle/>
           <a:p>
-            <a:r>
-              <a:rPr lang="fr-FR" dirty="0" err="1" smtClean="0"/>
-              <a:t>Sampling</a:t>
-            </a:r>
-            <a:r>
-              <a:rPr lang="fr-FR" dirty="0" smtClean="0"/>
-              <a:t> – Instrumentation - </a:t>
-            </a:r>
-            <a:r>
-              <a:rPr lang="fr-FR" dirty="0" err="1" smtClean="0"/>
-              <a:t>Concurrency</a:t>
-            </a:r>
-            <a:endParaRPr lang="fr-FR" dirty="0"/>
+            <a:pPr lvl="0" algn="just"/>
+            <a:r>
+              <a:rPr lang="en-US" dirty="0" smtClean="0"/>
+              <a:t>Caller/</a:t>
+            </a:r>
+            <a:r>
+              <a:rPr lang="en-US" dirty="0" err="1" smtClean="0"/>
+              <a:t>Calle</a:t>
+            </a:r>
+            <a:r>
+              <a:rPr lang="en-US" dirty="0" smtClean="0"/>
+              <a:t> view: </a:t>
+            </a:r>
+          </a:p>
+          <a:p>
+            <a:pPr lvl="1" algn="just"/>
+            <a:r>
+              <a:rPr lang="en-US" dirty="0" err="1" smtClean="0"/>
+              <a:t>Vengono</a:t>
+            </a:r>
+            <a:r>
+              <a:rPr lang="en-US" dirty="0" smtClean="0"/>
+              <a:t> </a:t>
+            </a:r>
+            <a:r>
+              <a:rPr lang="en-US" dirty="0" err="1" smtClean="0"/>
+              <a:t>mostrate</a:t>
+            </a:r>
+            <a:r>
+              <a:rPr lang="en-US" dirty="0" smtClean="0"/>
+              <a:t> 3 </a:t>
+            </a:r>
+            <a:r>
+              <a:rPr lang="en-US" dirty="0" err="1" smtClean="0"/>
+              <a:t>viste</a:t>
+            </a:r>
+            <a:r>
+              <a:rPr lang="en-US" dirty="0" smtClean="0"/>
+              <a:t>, la </a:t>
+            </a:r>
+            <a:r>
+              <a:rPr lang="en-US" dirty="0" err="1" smtClean="0"/>
+              <a:t>funzione</a:t>
+            </a:r>
+            <a:r>
+              <a:rPr lang="en-US" dirty="0" smtClean="0"/>
+              <a:t> in </a:t>
+            </a:r>
+            <a:r>
+              <a:rPr lang="en-US" dirty="0" err="1" smtClean="0"/>
+              <a:t>esame</a:t>
+            </a:r>
+            <a:r>
+              <a:rPr lang="en-US" dirty="0" smtClean="0"/>
+              <a:t>, la </a:t>
+            </a:r>
+            <a:r>
+              <a:rPr lang="en-US" dirty="0" err="1" smtClean="0"/>
+              <a:t>funzione</a:t>
+            </a:r>
+            <a:r>
+              <a:rPr lang="en-US" dirty="0" smtClean="0"/>
+              <a:t> padre e le </a:t>
+            </a:r>
+            <a:r>
+              <a:rPr lang="en-US" dirty="0" err="1" smtClean="0"/>
+              <a:t>funzioni</a:t>
+            </a:r>
+            <a:r>
+              <a:rPr lang="en-US" dirty="0" smtClean="0"/>
+              <a:t> </a:t>
+            </a:r>
+            <a:r>
+              <a:rPr lang="en-US" dirty="0" err="1" smtClean="0"/>
+              <a:t>figlie</a:t>
+            </a:r>
+            <a:r>
+              <a:rPr lang="en-US" dirty="0" smtClean="0"/>
+              <a:t>. </a:t>
+            </a:r>
+          </a:p>
+          <a:p>
+            <a:pPr lvl="1" algn="just"/>
+            <a:r>
+              <a:rPr lang="en-US" dirty="0" err="1" smtClean="0"/>
+              <a:t>Anche</a:t>
+            </a:r>
+            <a:r>
+              <a:rPr lang="en-US" dirty="0" smtClean="0"/>
+              <a:t> in </a:t>
+            </a:r>
+            <a:r>
+              <a:rPr lang="en-US" dirty="0" err="1" smtClean="0"/>
+              <a:t>questo</a:t>
+            </a:r>
+            <a:r>
+              <a:rPr lang="en-US" dirty="0" smtClean="0"/>
+              <a:t> </a:t>
+            </a:r>
+            <a:r>
+              <a:rPr lang="en-US" dirty="0" err="1" smtClean="0"/>
+              <a:t>caso</a:t>
+            </a:r>
+            <a:r>
+              <a:rPr lang="en-US" dirty="0" smtClean="0"/>
+              <a:t> è </a:t>
+            </a:r>
+            <a:r>
+              <a:rPr lang="en-US" dirty="0" err="1" smtClean="0"/>
+              <a:t>possibile</a:t>
+            </a:r>
+            <a:r>
+              <a:rPr lang="en-US" dirty="0" smtClean="0"/>
+              <a:t> </a:t>
+            </a:r>
+            <a:r>
+              <a:rPr lang="en-US" dirty="0" err="1" smtClean="0"/>
+              <a:t>discriminare</a:t>
+            </a:r>
+            <a:r>
+              <a:rPr lang="en-US" dirty="0" smtClean="0"/>
+              <a:t> </a:t>
+            </a:r>
+            <a:r>
+              <a:rPr lang="en-US" dirty="0" err="1" smtClean="0"/>
+              <a:t>i</a:t>
+            </a:r>
+            <a:r>
+              <a:rPr lang="en-US" dirty="0" smtClean="0"/>
+              <a:t> </a:t>
+            </a:r>
+            <a:r>
+              <a:rPr lang="en-US" dirty="0" err="1" smtClean="0"/>
+              <a:t>contatori</a:t>
+            </a:r>
+            <a:r>
+              <a:rPr lang="en-US" dirty="0" smtClean="0"/>
+              <a:t> inclusive/exclusive e le relative </a:t>
+            </a:r>
+            <a:r>
+              <a:rPr lang="en-US" dirty="0" err="1" smtClean="0"/>
+              <a:t>percentuali</a:t>
+            </a:r>
+            <a:endParaRPr lang="en-US" dirty="0" smtClean="0"/>
+          </a:p>
+          <a:p>
+            <a:pPr lvl="0" algn="just"/>
+            <a:r>
+              <a:rPr lang="en-US" dirty="0" smtClean="0"/>
+              <a:t> Functions </a:t>
+            </a:r>
+            <a:r>
+              <a:rPr lang="en-US" dirty="0"/>
+              <a:t>view: </a:t>
+            </a:r>
+            <a:endParaRPr lang="en-US" dirty="0" smtClean="0"/>
+          </a:p>
+          <a:p>
+            <a:pPr lvl="1" algn="just"/>
+            <a:r>
+              <a:rPr lang="en-US" dirty="0" smtClean="0"/>
+              <a:t>Vista </a:t>
+            </a:r>
+            <a:r>
+              <a:rPr lang="en-US" dirty="0" err="1" smtClean="0"/>
+              <a:t>sulle</a:t>
+            </a:r>
+            <a:r>
+              <a:rPr lang="en-US" dirty="0" smtClean="0"/>
+              <a:t> </a:t>
+            </a:r>
+            <a:r>
+              <a:rPr lang="en-US" dirty="0" err="1" smtClean="0"/>
+              <a:t>funzioni</a:t>
+            </a:r>
+            <a:r>
+              <a:rPr lang="en-US" dirty="0" smtClean="0"/>
+              <a:t> </a:t>
+            </a:r>
+            <a:r>
+              <a:rPr lang="en-US" dirty="0" err="1" smtClean="0"/>
+              <a:t>chiamate</a:t>
+            </a:r>
+            <a:r>
+              <a:rPr lang="en-US" dirty="0" smtClean="0"/>
+              <a:t>. Utile a </a:t>
+            </a:r>
+            <a:r>
+              <a:rPr lang="en-US" dirty="0" err="1" smtClean="0"/>
+              <a:t>patto</a:t>
+            </a:r>
+            <a:r>
+              <a:rPr lang="en-US" dirty="0" smtClean="0"/>
+              <a:t> di </a:t>
+            </a:r>
+            <a:r>
+              <a:rPr lang="en-US" dirty="0" err="1" smtClean="0"/>
+              <a:t>configurare</a:t>
+            </a:r>
+            <a:r>
+              <a:rPr lang="en-US" dirty="0" smtClean="0"/>
+              <a:t> </a:t>
+            </a:r>
+            <a:r>
+              <a:rPr lang="en-US" dirty="0" err="1" smtClean="0"/>
+              <a:t>il</a:t>
+            </a:r>
+            <a:r>
+              <a:rPr lang="en-US" dirty="0" smtClean="0"/>
+              <a:t> modulo di </a:t>
+            </a:r>
+            <a:r>
+              <a:rPr lang="en-US" dirty="0" err="1" smtClean="0"/>
+              <a:t>provenienza</a:t>
+            </a:r>
+            <a:r>
+              <a:rPr lang="en-US" dirty="0" smtClean="0"/>
+              <a:t> </a:t>
+            </a:r>
+            <a:r>
+              <a:rPr lang="en-US" dirty="0" err="1" smtClean="0"/>
+              <a:t>della</a:t>
+            </a:r>
+            <a:r>
+              <a:rPr lang="en-US" dirty="0" smtClean="0"/>
+              <a:t> </a:t>
+            </a:r>
+            <a:r>
+              <a:rPr lang="en-US" dirty="0" err="1" smtClean="0"/>
+              <a:t>funzione</a:t>
+            </a:r>
+            <a:r>
+              <a:rPr lang="en-US" dirty="0"/>
+              <a:t> </a:t>
+            </a:r>
+            <a:r>
+              <a:rPr lang="en-US" dirty="0" smtClean="0"/>
+              <a:t>o se </a:t>
+            </a:r>
+            <a:r>
+              <a:rPr lang="en-US" dirty="0" err="1" smtClean="0"/>
+              <a:t>si</a:t>
+            </a:r>
+            <a:r>
+              <a:rPr lang="en-US" dirty="0" smtClean="0"/>
+              <a:t> </a:t>
+            </a:r>
+            <a:r>
+              <a:rPr lang="en-US" dirty="0" err="1" smtClean="0"/>
+              <a:t>utilizza</a:t>
+            </a:r>
+            <a:r>
+              <a:rPr lang="en-US" dirty="0" smtClean="0"/>
+              <a:t> “show just my code” </a:t>
+            </a:r>
+            <a:r>
+              <a:rPr lang="en-US" dirty="0" err="1" smtClean="0"/>
+              <a:t>nel</a:t>
+            </a:r>
+            <a:r>
+              <a:rPr lang="en-US" dirty="0" smtClean="0"/>
+              <a:t> summary</a:t>
+            </a:r>
+            <a:endParaRPr lang="en-US" dirty="0"/>
+          </a:p>
+          <a:p>
+            <a:pPr lvl="0" algn="just"/>
+            <a:r>
+              <a:rPr lang="en-US" dirty="0" smtClean="0"/>
+              <a:t>Lines view</a:t>
+            </a:r>
+            <a:r>
+              <a:rPr lang="en-US" dirty="0"/>
+              <a:t>: </a:t>
+            </a:r>
+          </a:p>
+          <a:p>
+            <a:pPr lvl="1" algn="just"/>
+            <a:endParaRPr lang="en-US" dirty="0"/>
+          </a:p>
+          <a:p>
+            <a:pPr marL="274320" lvl="1" indent="0" algn="just">
+              <a:buNone/>
+            </a:pPr>
+            <a:endParaRPr lang="en-US" dirty="0" smtClean="0"/>
           </a:p>
         </p:txBody>
       </p:sp>
     </p:spTree>
     <p:extLst>
       <p:ext uri="{BB962C8B-B14F-4D97-AF65-F5344CB8AC3E}">
-        <p14:creationId xmlns:p14="http://schemas.microsoft.com/office/powerpoint/2010/main" val="178878209"/>
+        <p14:creationId xmlns:p14="http://schemas.microsoft.com/office/powerpoint/2010/main" val="2522682778"/>
       </p:ext>
     </p:extLst>
   </p:cSld>
@@ -14677,6 +15372,105 @@
           <a:lstStyle/>
           <a:p>
             <a:r>
+              <a:rPr lang="it-IT" dirty="0" smtClean="0"/>
+              <a:t>Demo</a:t>
+            </a:r>
+            <a:endParaRPr lang="it-IT" dirty="0"/>
+          </a:p>
+        </p:txBody>
+      </p:sp>
+      <p:sp>
+        <p:nvSpPr>
+          <p:cNvPr id="5" name="Text Placeholder 4"/>
+          <p:cNvSpPr>
+            <a:spLocks noGrp="1"/>
+          </p:cNvSpPr>
+          <p:nvPr>
+            <p:ph type="body" idx="1"/>
+          </p:nvPr>
+        </p:nvSpPr>
+        <p:spPr/>
+        <p:txBody>
+          <a:bodyPr/>
+          <a:lstStyle/>
+          <a:p>
+            <a:r>
+              <a:rPr lang="fr-FR" dirty="0" err="1" smtClean="0"/>
+              <a:t>Sampling</a:t>
+            </a:r>
+            <a:r>
+              <a:rPr lang="fr-FR" dirty="0" smtClean="0"/>
+              <a:t> – Instrumentation - </a:t>
+            </a:r>
+            <a:r>
+              <a:rPr lang="fr-FR" dirty="0" err="1" smtClean="0"/>
+              <a:t>Concurrency</a:t>
+            </a:r>
+            <a:endParaRPr lang="fr-FR" dirty="0"/>
+          </a:p>
+        </p:txBody>
+      </p:sp>
+    </p:spTree>
+    <p:extLst>
+      <p:ext uri="{BB962C8B-B14F-4D97-AF65-F5344CB8AC3E}">
+        <p14:creationId xmlns:p14="http://schemas.microsoft.com/office/powerpoint/2010/main" val="178878209"/>
+      </p:ext>
+    </p:extLst>
+  </p:cSld>
+  <p:clrMapOvr>
+    <a:masterClrMapping/>
+  </p:clrMapOvr>
+  <mc:AlternateContent xmlns:mc="http://schemas.openxmlformats.org/markup-compatibility/2006" xmlns:p14="http://schemas.microsoft.com/office/powerpoint/2010/main">
+    <mc:Choice Requires="p14">
+      <p:transition spd="slow" p14:dur="2000"/>
+    </mc:Choice>
+    <mc:Fallback xmlns="">
+      <p:transition spd="slow"/>
+    </mc:Fallback>
+  </mc:AlternateContent>
+  <p:timing>
+    <p:tnLst>
+      <p:par>
+        <p:cTn id="1" dur="indefinite" restart="never" nodeType="tmRoot"/>
+      </p:par>
+    </p:tnLst>
+  </p:timing>
+</p:sld>
+</file>
+
+<file path=ppt/slides/slide33.xml><?xml version="1.0" encoding="utf-8"?>
+<p:sld xmlns:a="http://schemas.openxmlformats.org/drawingml/2006/main" xmlns:r="http://schemas.openxmlformats.org/officeDocument/2006/relationships" xmlns:p="http://schemas.openxmlformats.org/presentationml/2006/main">
+  <p:cSld>
+    <p:spTree>
+      <p:nvGrpSpPr>
+        <p:cNvPr id="1" name=""/>
+        <p:cNvGrpSpPr/>
+        <p:nvPr/>
+      </p:nvGrpSpPr>
+      <p:grpSpPr>
+        <a:xfrm>
+          <a:off x="0" y="0"/>
+          <a:ext cx="0" cy="0"/>
+          <a:chOff x="0" y="0"/>
+          <a:chExt cx="0" cy="0"/>
+        </a:xfrm>
+      </p:grpSpPr>
+      <p:sp>
+        <p:nvSpPr>
+          <p:cNvPr id="4" name="Title 3"/>
+          <p:cNvSpPr>
+            <a:spLocks noGrp="1"/>
+          </p:cNvSpPr>
+          <p:nvPr>
+            <p:ph type="title"/>
+          </p:nvPr>
+        </p:nvSpPr>
+        <p:spPr/>
+        <p:txBody>
+          <a:bodyPr/>
+          <a:lstStyle/>
+          <a:p>
+            <a:r>
               <a:rPr lang="it-IT" dirty="0" err="1" smtClean="0"/>
               <a:t>Recap</a:t>
             </a:r>
@@ -14733,7 +15527,7 @@
 </p:sld>
 </file>
 
-<file path=ppt/slides/slide33.xml><?xml version="1.0" encoding="utf-8"?>
+<file path=ppt/slides/slide34.xml><?xml version="1.0" encoding="utf-8"?>
 <p:sld xmlns:a="http://schemas.openxmlformats.org/drawingml/2006/main" xmlns:r="http://schemas.openxmlformats.org/officeDocument/2006/relationships" xmlns:p="http://schemas.openxmlformats.org/presentationml/2006/main">
   <p:cSld>
     <p:spTree>

--- a/presentazioneCDAYS2014.pptx
+++ b/presentazioneCDAYS2014.pptx
@@ -5,10 +5,10 @@
     <p:sldMasterId id="2147483840" r:id="rId1"/>
   </p:sldMasterIdLst>
   <p:notesMasterIdLst>
-    <p:notesMasterId r:id="rId36"/>
+    <p:notesMasterId r:id="rId45"/>
   </p:notesMasterIdLst>
   <p:handoutMasterIdLst>
-    <p:handoutMasterId r:id="rId37"/>
+    <p:handoutMasterId r:id="rId46"/>
   </p:handoutMasterIdLst>
   <p:sldIdLst>
     <p:sldId id="256" r:id="rId2"/>
@@ -43,8 +43,17 @@
     <p:sldId id="289" r:id="rId31"/>
     <p:sldId id="290" r:id="rId32"/>
     <p:sldId id="262" r:id="rId33"/>
-    <p:sldId id="264" r:id="rId34"/>
-    <p:sldId id="263" r:id="rId35"/>
+    <p:sldId id="293" r:id="rId34"/>
+    <p:sldId id="294" r:id="rId35"/>
+    <p:sldId id="295" r:id="rId36"/>
+    <p:sldId id="296" r:id="rId37"/>
+    <p:sldId id="300" r:id="rId38"/>
+    <p:sldId id="297" r:id="rId39"/>
+    <p:sldId id="298" r:id="rId40"/>
+    <p:sldId id="299" r:id="rId41"/>
+    <p:sldId id="301" r:id="rId42"/>
+    <p:sldId id="264" r:id="rId43"/>
+    <p:sldId id="263" r:id="rId44"/>
   </p:sldIdLst>
   <p:sldSz cx="12192000" cy="6858000"/>
   <p:notesSz cx="6858000" cy="9144000"/>
@@ -180,6 +189,15 @@
             <p14:sldId id="289"/>
             <p14:sldId id="290"/>
             <p14:sldId id="262"/>
+            <p14:sldId id="293"/>
+            <p14:sldId id="294"/>
+            <p14:sldId id="295"/>
+            <p14:sldId id="296"/>
+            <p14:sldId id="300"/>
+            <p14:sldId id="297"/>
+            <p14:sldId id="298"/>
+            <p14:sldId id="299"/>
+            <p14:sldId id="301"/>
             <p14:sldId id="264"/>
             <p14:sldId id="263"/>
           </p14:sldIdLst>
@@ -290,7 +308,7 @@
           <a:p>
             <a:fld id="{7541E3AA-7BE5-4B59-82F5-30F2E5FF0CD3}" type="datetimeFigureOut">
               <a:rPr lang="it-IT" smtClean="0"/>
-              <a:t>12/02/2014</a:t>
+              <a:t>16/02/2014</a:t>
             </a:fld>
             <a:endParaRPr lang="it-IT"/>
           </a:p>
@@ -455,7 +473,7 @@
           <a:p>
             <a:fld id="{1634FCDD-F444-4746-A037-762098AD364A}" type="datetimeFigureOut">
               <a:rPr lang="it-IT" smtClean="0"/>
-              <a:t>12/02/2014</a:t>
+              <a:t>16/02/2014</a:t>
             </a:fld>
             <a:endParaRPr lang="it-IT"/>
           </a:p>
@@ -1069,7 +1087,7 @@
           <a:p>
             <a:fld id="{6B6C5E1B-63F6-4CD9-93BD-FBDB130EB2E4}" type="slidenum">
               <a:rPr lang="it-IT" smtClean="0"/>
-              <a:t>34</a:t>
+              <a:t>43</a:t>
             </a:fld>
             <a:endParaRPr lang="it-IT"/>
           </a:p>
@@ -1515,7 +1533,7 @@
           <a:p>
             <a:fld id="{06D8BB37-67E1-420F-B488-3DE93FA3DF1F}" type="datetimeFigureOut">
               <a:rPr lang="en-US" dirty="0"/>
-              <a:t>2/12/2014</a:t>
+              <a:t>2/16/2014</a:t>
             </a:fld>
             <a:endParaRPr lang="en-US" dirty="0"/>
           </a:p>
@@ -1719,7 +1737,7 @@
           <a:p>
             <a:fld id="{E4B96382-B15D-466F-9E7D-0603461872B7}" type="datetimeFigureOut">
               <a:rPr lang="en-US" dirty="0"/>
-              <a:t>2/12/2014</a:t>
+              <a:t>2/16/2014</a:t>
             </a:fld>
             <a:endParaRPr lang="en-US" dirty="0"/>
           </a:p>
@@ -1975,7 +1993,7 @@
           <a:p>
             <a:fld id="{218672AE-FC7B-40BA-8844-0693A2434617}" type="datetimeFigureOut">
               <a:rPr lang="en-US" dirty="0"/>
-              <a:t>2/12/2014</a:t>
+              <a:t>2/16/2014</a:t>
             </a:fld>
             <a:endParaRPr lang="en-US" dirty="0"/>
           </a:p>
@@ -2219,7 +2237,7 @@
           <a:p>
             <a:fld id="{3568EC8D-9508-4A2C-8FBC-4C089BA52EE5}" type="datetimeFigureOut">
               <a:rPr lang="en-US" dirty="0"/>
-              <a:t>2/12/2014</a:t>
+              <a:t>2/16/2014</a:t>
             </a:fld>
             <a:endParaRPr lang="en-US" dirty="0"/>
           </a:p>
@@ -2544,7 +2562,7 @@
           <a:p>
             <a:fld id="{DB7A1C89-C29A-4D79-B5A1-1F424905E9A1}" type="datetimeFigureOut">
               <a:rPr lang="en-US" dirty="0"/>
-              <a:t>2/12/2014</a:t>
+              <a:t>2/16/2014</a:t>
             </a:fld>
             <a:endParaRPr lang="en-US" dirty="0"/>
           </a:p>
@@ -2908,7 +2926,7 @@
           <a:p>
             <a:fld id="{57ECC248-0691-4AB1-BB8B-882D656FF160}" type="datetimeFigureOut">
               <a:rPr lang="en-US" dirty="0"/>
-              <a:t>2/12/2014</a:t>
+              <a:t>2/16/2014</a:t>
             </a:fld>
             <a:endParaRPr lang="en-US" dirty="0"/>
           </a:p>
@@ -3435,7 +3453,7 @@
           <a:p>
             <a:fld id="{D4E54B09-E178-460F-B46D-023FA9745608}" type="datetimeFigureOut">
               <a:rPr lang="en-US" dirty="0"/>
-              <a:t>2/12/2014</a:t>
+              <a:t>2/16/2014</a:t>
             </a:fld>
             <a:endParaRPr lang="en-US" dirty="0"/>
           </a:p>
@@ -3629,7 +3647,7 @@
           <a:p>
             <a:fld id="{6CD62E06-21B3-4A3D-A6C8-F0DFEB8AB04D}" type="datetimeFigureOut">
               <a:rPr lang="en-US" dirty="0"/>
-              <a:t>2/12/2014</a:t>
+              <a:t>2/16/2014</a:t>
             </a:fld>
             <a:endParaRPr lang="en-US" dirty="0"/>
           </a:p>
@@ -3790,7 +3808,7 @@
           <a:p>
             <a:fld id="{2CC7CC01-41FD-4607-B8B1-976991065B2D}" type="datetimeFigureOut">
               <a:rPr lang="en-US" dirty="0"/>
-              <a:t>2/12/2014</a:t>
+              <a:t>2/16/2014</a:t>
             </a:fld>
             <a:endParaRPr lang="en-US" dirty="0"/>
           </a:p>
@@ -4154,7 +4172,7 @@
           <a:p>
             <a:fld id="{6D6740A7-C153-476A-BA27-5BE657EA7C21}" type="datetimeFigureOut">
               <a:rPr lang="en-US" dirty="0"/>
-              <a:t>2/12/2014</a:t>
+              <a:t>2/16/2014</a:t>
             </a:fld>
             <a:endParaRPr lang="en-US" dirty="0"/>
           </a:p>
@@ -4420,7 +4438,7 @@
           <a:p>
             <a:fld id="{1C86C2EC-F3EA-4AFE-88D7-51A6BBFDBA8B}" type="datetimeFigureOut">
               <a:rPr lang="en-US" dirty="0"/>
-              <a:t>2/12/2014</a:t>
+              <a:t>2/16/2014</a:t>
             </a:fld>
             <a:endParaRPr lang="en-US" dirty="0"/>
           </a:p>
@@ -4814,7 +4832,7 @@
           <a:p>
             <a:fld id="{BF2EAB5F-78EB-45CA-9E26-D1BAA0AA6EEC}" type="datetimeFigureOut">
               <a:rPr lang="en-US" dirty="0"/>
-              <a:t>2/12/2014</a:t>
+              <a:t>2/16/2014</a:t>
             </a:fld>
             <a:endParaRPr lang="en-US" dirty="0"/>
           </a:p>
@@ -8672,7 +8690,7 @@
           <a:p>
             <a:r>
               <a:rPr lang="en-US" dirty="0" smtClean="0"/>
-              <a:t>Profiler</a:t>
+              <a:t>Performance and Diagnostic hub</a:t>
             </a:r>
             <a:endParaRPr lang="it-IT" dirty="0"/>
           </a:p>
@@ -13354,11 +13372,11 @@
   <p:clrMapOvr>
     <a:masterClrMapping/>
   </p:clrMapOvr>
-  <mc:AlternateContent xmlns:mc="http://schemas.openxmlformats.org/markup-compatibility/2006">
-    <mc:Choice xmlns:p14="http://schemas.microsoft.com/office/powerpoint/2010/main" Requires="p14">
+  <mc:AlternateContent xmlns:mc="http://schemas.openxmlformats.org/markup-compatibility/2006" xmlns:p14="http://schemas.microsoft.com/office/powerpoint/2010/main">
+    <mc:Choice Requires="p14">
       <p:transition spd="slow" p14:dur="2000"/>
     </mc:Choice>
-    <mc:Fallback>
+    <mc:Fallback xmlns="">
       <p:transition spd="slow"/>
     </mc:Fallback>
   </mc:AlternateContent>
@@ -13609,11 +13627,11 @@
   <p:clrMapOvr>
     <a:masterClrMapping/>
   </p:clrMapOvr>
-  <mc:AlternateContent xmlns:mc="http://schemas.openxmlformats.org/markup-compatibility/2006">
-    <mc:Choice xmlns:p14="http://schemas.microsoft.com/office/powerpoint/2010/main" Requires="p14">
+  <mc:AlternateContent xmlns:mc="http://schemas.openxmlformats.org/markup-compatibility/2006" xmlns:p14="http://schemas.microsoft.com/office/powerpoint/2010/main">
+    <mc:Choice Requires="p14">
       <p:transition spd="slow" p14:dur="2000"/>
     </mc:Choice>
-    <mc:Fallback>
+    <mc:Fallback xmlns="">
       <p:transition spd="slow"/>
     </mc:Fallback>
   </mc:AlternateContent>
@@ -15457,6 +15475,3092 @@
       </p:grpSpPr>
       <p:sp>
         <p:nvSpPr>
+          <p:cNvPr id="2" name="Title 1"/>
+          <p:cNvSpPr>
+            <a:spLocks noGrp="1"/>
+          </p:cNvSpPr>
+          <p:nvPr>
+            <p:ph type="title"/>
+          </p:nvPr>
+        </p:nvSpPr>
+        <p:spPr/>
+        <p:txBody>
+          <a:bodyPr/>
+          <a:lstStyle/>
+          <a:p>
+            <a:r>
+              <a:rPr lang="en-US" dirty="0" smtClean="0"/>
+              <a:t>Debugger</a:t>
+            </a:r>
+            <a:endParaRPr lang="it-IT" dirty="0"/>
+          </a:p>
+        </p:txBody>
+      </p:sp>
+      <p:sp>
+        <p:nvSpPr>
+          <p:cNvPr id="3" name="Content Placeholder 2"/>
+          <p:cNvSpPr>
+            <a:spLocks noGrp="1"/>
+          </p:cNvSpPr>
+          <p:nvPr>
+            <p:ph idx="1"/>
+          </p:nvPr>
+        </p:nvSpPr>
+        <p:spPr/>
+        <p:txBody>
+          <a:bodyPr>
+            <a:normAutofit/>
+          </a:bodyPr>
+          <a:lstStyle/>
+          <a:p>
+            <a:pPr lvl="0" algn="just"/>
+            <a:r>
+              <a:rPr lang="en-US" dirty="0" smtClean="0"/>
+              <a:t>Il debugger di Visual Studio 2013 è </a:t>
+            </a:r>
+            <a:r>
+              <a:rPr lang="en-US" dirty="0" err="1" smtClean="0"/>
+              <a:t>senza</a:t>
+            </a:r>
+            <a:r>
+              <a:rPr lang="en-US" dirty="0" smtClean="0"/>
+              <a:t> </a:t>
+            </a:r>
+            <a:r>
+              <a:rPr lang="en-US" dirty="0" err="1" smtClean="0"/>
+              <a:t>dubbio</a:t>
+            </a:r>
+            <a:r>
+              <a:rPr lang="en-US" dirty="0" smtClean="0"/>
+              <a:t> </a:t>
+            </a:r>
+            <a:r>
+              <a:rPr lang="en-US" dirty="0" err="1" smtClean="0"/>
+              <a:t>uno</a:t>
+            </a:r>
+            <a:r>
+              <a:rPr lang="en-US" dirty="0" smtClean="0"/>
+              <a:t> </a:t>
+            </a:r>
+            <a:r>
+              <a:rPr lang="en-US" dirty="0" err="1" smtClean="0"/>
+              <a:t>strumento</a:t>
+            </a:r>
+            <a:r>
+              <a:rPr lang="en-US" dirty="0" smtClean="0"/>
+              <a:t> </a:t>
+            </a:r>
+            <a:r>
+              <a:rPr lang="en-US" dirty="0" err="1" smtClean="0"/>
+              <a:t>piuttosto</a:t>
+            </a:r>
+            <a:r>
+              <a:rPr lang="en-US" dirty="0" smtClean="0"/>
+              <a:t> </a:t>
+            </a:r>
+            <a:r>
+              <a:rPr lang="en-US" dirty="0" err="1" smtClean="0"/>
+              <a:t>evoluto</a:t>
+            </a:r>
+            <a:endParaRPr lang="en-US" dirty="0" smtClean="0"/>
+          </a:p>
+          <a:p>
+            <a:pPr lvl="0" algn="just"/>
+            <a:r>
+              <a:rPr lang="en-US" dirty="0" err="1" smtClean="0"/>
+              <a:t>Filosoficamente</a:t>
+            </a:r>
+            <a:r>
+              <a:rPr lang="en-US" dirty="0" smtClean="0"/>
+              <a:t> </a:t>
+            </a:r>
+            <a:r>
+              <a:rPr lang="en-US" dirty="0" err="1" smtClean="0"/>
+              <a:t>si</a:t>
+            </a:r>
+            <a:r>
+              <a:rPr lang="en-US" dirty="0" smtClean="0"/>
+              <a:t> </a:t>
+            </a:r>
+            <a:r>
+              <a:rPr lang="en-US" dirty="0" err="1" smtClean="0"/>
+              <a:t>potrebbe</a:t>
+            </a:r>
+            <a:r>
+              <a:rPr lang="en-US" dirty="0" smtClean="0"/>
+              <a:t> </a:t>
+            </a:r>
+            <a:r>
+              <a:rPr lang="en-US" dirty="0" err="1" smtClean="0"/>
+              <a:t>pensare</a:t>
+            </a:r>
+            <a:r>
+              <a:rPr lang="en-US" dirty="0" smtClean="0"/>
+              <a:t> </a:t>
+            </a:r>
+            <a:r>
+              <a:rPr lang="en-US" dirty="0" err="1" smtClean="0"/>
+              <a:t>che</a:t>
+            </a:r>
+            <a:r>
+              <a:rPr lang="en-US" dirty="0" smtClean="0"/>
+              <a:t> </a:t>
+            </a:r>
+            <a:r>
+              <a:rPr lang="en-US" dirty="0" err="1" smtClean="0"/>
+              <a:t>il</a:t>
+            </a:r>
+            <a:r>
+              <a:rPr lang="en-US" dirty="0" smtClean="0"/>
+              <a:t> debugger </a:t>
+            </a:r>
+            <a:r>
+              <a:rPr lang="en-US" dirty="0" err="1" smtClean="0"/>
+              <a:t>sia</a:t>
+            </a:r>
+            <a:r>
+              <a:rPr lang="en-US" dirty="0" smtClean="0"/>
+              <a:t> un </a:t>
+            </a:r>
+            <a:r>
+              <a:rPr lang="en-US" dirty="0" err="1" smtClean="0"/>
+              <a:t>po</a:t>
+            </a:r>
+            <a:r>
+              <a:rPr lang="en-US" dirty="0" smtClean="0"/>
+              <a:t>’ “</a:t>
+            </a:r>
+            <a:r>
+              <a:rPr lang="en-US" dirty="0" err="1" smtClean="0"/>
+              <a:t>l’ultima</a:t>
+            </a:r>
+            <a:r>
+              <a:rPr lang="en-US" dirty="0" smtClean="0"/>
+              <a:t> </a:t>
+            </a:r>
+            <a:r>
+              <a:rPr lang="en-US" dirty="0" err="1" smtClean="0"/>
+              <a:t>spiaggia</a:t>
+            </a:r>
+            <a:r>
+              <a:rPr lang="en-US" dirty="0" smtClean="0"/>
+              <a:t>” </a:t>
+            </a:r>
+            <a:r>
+              <a:rPr lang="en-US" dirty="0" err="1" smtClean="0"/>
+              <a:t>nel</a:t>
+            </a:r>
+            <a:r>
+              <a:rPr lang="en-US" dirty="0" smtClean="0"/>
+              <a:t> </a:t>
+            </a:r>
+            <a:r>
+              <a:rPr lang="en-US" dirty="0" err="1" smtClean="0"/>
+              <a:t>senso</a:t>
+            </a:r>
+            <a:r>
+              <a:rPr lang="en-US" dirty="0" smtClean="0"/>
+              <a:t> </a:t>
+            </a:r>
+            <a:r>
+              <a:rPr lang="en-US" dirty="0" err="1" smtClean="0"/>
+              <a:t>che</a:t>
+            </a:r>
+            <a:r>
+              <a:rPr lang="en-US" dirty="0" smtClean="0"/>
+              <a:t> se un </a:t>
+            </a:r>
+            <a:r>
+              <a:rPr lang="en-US" dirty="0" err="1" smtClean="0"/>
+              <a:t>codice</a:t>
+            </a:r>
+            <a:r>
+              <a:rPr lang="en-US" dirty="0" smtClean="0"/>
+              <a:t> </a:t>
+            </a:r>
+            <a:r>
+              <a:rPr lang="en-US" dirty="0" err="1" smtClean="0"/>
+              <a:t>viene</a:t>
+            </a:r>
+            <a:r>
+              <a:rPr lang="en-US" dirty="0" smtClean="0"/>
+              <a:t> </a:t>
+            </a:r>
+            <a:r>
+              <a:rPr lang="en-US" dirty="0" err="1" smtClean="0"/>
+              <a:t>scritto</a:t>
+            </a:r>
+            <a:r>
+              <a:rPr lang="en-US" dirty="0" smtClean="0"/>
+              <a:t> </a:t>
+            </a:r>
+            <a:r>
+              <a:rPr lang="en-US" dirty="0" err="1" smtClean="0"/>
+              <a:t>correttamente</a:t>
+            </a:r>
+            <a:r>
+              <a:rPr lang="en-US" dirty="0" smtClean="0"/>
+              <a:t>, ne </a:t>
+            </a:r>
+            <a:r>
+              <a:rPr lang="en-US" dirty="0" err="1" smtClean="0"/>
+              <a:t>vengono</a:t>
+            </a:r>
+            <a:r>
+              <a:rPr lang="en-US" dirty="0" smtClean="0"/>
+              <a:t> </a:t>
+            </a:r>
+            <a:r>
+              <a:rPr lang="en-US" dirty="0" err="1" smtClean="0"/>
+              <a:t>fatti</a:t>
+            </a:r>
+            <a:r>
+              <a:rPr lang="en-US" dirty="0" smtClean="0"/>
+              <a:t> </a:t>
+            </a:r>
+            <a:r>
+              <a:rPr lang="en-US" dirty="0" err="1" smtClean="0"/>
+              <a:t>gli</a:t>
+            </a:r>
+            <a:r>
+              <a:rPr lang="en-US" dirty="0" smtClean="0"/>
+              <a:t> </a:t>
+            </a:r>
+            <a:r>
+              <a:rPr lang="en-US" dirty="0" err="1" smtClean="0"/>
+              <a:t>opportuni</a:t>
+            </a:r>
+            <a:r>
+              <a:rPr lang="en-US" dirty="0" smtClean="0"/>
+              <a:t> test (</a:t>
+            </a:r>
+            <a:r>
+              <a:rPr lang="en-US" dirty="0" err="1" smtClean="0"/>
+              <a:t>siano</a:t>
+            </a:r>
+            <a:r>
+              <a:rPr lang="en-US" dirty="0" smtClean="0"/>
+              <a:t> </a:t>
+            </a:r>
+            <a:r>
+              <a:rPr lang="en-US" dirty="0" err="1" smtClean="0"/>
+              <a:t>essi</a:t>
+            </a:r>
+            <a:r>
+              <a:rPr lang="en-US" dirty="0" smtClean="0"/>
+              <a:t> </a:t>
+            </a:r>
+            <a:r>
+              <a:rPr lang="en-US" dirty="0" err="1" smtClean="0"/>
+              <a:t>unitari</a:t>
+            </a:r>
+            <a:r>
+              <a:rPr lang="en-US" dirty="0" smtClean="0"/>
+              <a:t> , di non </a:t>
+            </a:r>
+            <a:r>
+              <a:rPr lang="en-US" dirty="0" err="1" smtClean="0"/>
+              <a:t>regressione</a:t>
+            </a:r>
+            <a:r>
+              <a:rPr lang="en-US" dirty="0" smtClean="0"/>
+              <a:t>, di performances) e </a:t>
+            </a:r>
+            <a:r>
+              <a:rPr lang="en-US" dirty="0" err="1" smtClean="0"/>
+              <a:t>viene</a:t>
+            </a:r>
+            <a:r>
+              <a:rPr lang="en-US" dirty="0" smtClean="0"/>
+              <a:t> </a:t>
+            </a:r>
+            <a:r>
+              <a:rPr lang="en-US" dirty="0" err="1" smtClean="0"/>
+              <a:t>utilizzato</a:t>
+            </a:r>
+            <a:r>
+              <a:rPr lang="en-US" dirty="0" smtClean="0"/>
+              <a:t> in </a:t>
+            </a:r>
+            <a:r>
+              <a:rPr lang="en-US" dirty="0" err="1" smtClean="0"/>
+              <a:t>produzione</a:t>
+            </a:r>
+            <a:r>
+              <a:rPr lang="en-US" dirty="0" smtClean="0"/>
+              <a:t>, </a:t>
+            </a:r>
+            <a:r>
+              <a:rPr lang="en-US" dirty="0" err="1" smtClean="0"/>
+              <a:t>dovremmo</a:t>
+            </a:r>
+            <a:r>
+              <a:rPr lang="en-US" dirty="0" smtClean="0"/>
+              <a:t> </a:t>
+            </a:r>
+            <a:r>
+              <a:rPr lang="en-US" dirty="0" err="1" smtClean="0"/>
+              <a:t>essere</a:t>
+            </a:r>
+            <a:r>
+              <a:rPr lang="en-US" dirty="0" smtClean="0"/>
+              <a:t> </a:t>
+            </a:r>
+            <a:r>
+              <a:rPr lang="en-US" dirty="0" err="1" smtClean="0"/>
+              <a:t>ragionevolmente</a:t>
+            </a:r>
+            <a:r>
+              <a:rPr lang="en-US" dirty="0" smtClean="0"/>
+              <a:t> </a:t>
+            </a:r>
+            <a:r>
+              <a:rPr lang="en-US" dirty="0" err="1" smtClean="0"/>
+              <a:t>sicuri</a:t>
+            </a:r>
+            <a:r>
+              <a:rPr lang="en-US" dirty="0" smtClean="0"/>
+              <a:t> </a:t>
+            </a:r>
+            <a:r>
+              <a:rPr lang="en-US" dirty="0" err="1" smtClean="0"/>
+              <a:t>che</a:t>
+            </a:r>
+            <a:r>
+              <a:rPr lang="en-US" dirty="0" smtClean="0"/>
+              <a:t> </a:t>
+            </a:r>
+            <a:r>
+              <a:rPr lang="en-US" dirty="0" err="1" smtClean="0"/>
+              <a:t>tutto</a:t>
+            </a:r>
+            <a:r>
+              <a:rPr lang="en-US" dirty="0" smtClean="0"/>
+              <a:t> </a:t>
+            </a:r>
+            <a:r>
+              <a:rPr lang="en-US" dirty="0" err="1" smtClean="0"/>
+              <a:t>funzioni</a:t>
+            </a:r>
+            <a:endParaRPr lang="en-US" dirty="0" smtClean="0"/>
+          </a:p>
+          <a:p>
+            <a:pPr lvl="0" algn="just"/>
+            <a:r>
+              <a:rPr lang="en-US" dirty="0" err="1" smtClean="0"/>
+              <a:t>Questo</a:t>
+            </a:r>
+            <a:r>
+              <a:rPr lang="en-US" dirty="0" smtClean="0"/>
+              <a:t> </a:t>
+            </a:r>
+            <a:r>
+              <a:rPr lang="en-US" dirty="0" err="1" smtClean="0"/>
+              <a:t>potrebbe</a:t>
+            </a:r>
+            <a:r>
+              <a:rPr lang="en-US" dirty="0" smtClean="0"/>
+              <a:t> </a:t>
+            </a:r>
+            <a:r>
+              <a:rPr lang="en-US" dirty="0" err="1" smtClean="0"/>
+              <a:t>essere</a:t>
+            </a:r>
+            <a:r>
+              <a:rPr lang="en-US" dirty="0" smtClean="0"/>
+              <a:t> </a:t>
+            </a:r>
+            <a:r>
+              <a:rPr lang="en-US" dirty="0" err="1" smtClean="0"/>
+              <a:t>vero</a:t>
+            </a:r>
+            <a:r>
+              <a:rPr lang="en-US" dirty="0" smtClean="0"/>
+              <a:t> per </a:t>
+            </a:r>
+            <a:r>
+              <a:rPr lang="en-US" dirty="0" err="1" smtClean="0"/>
+              <a:t>applicazioni</a:t>
+            </a:r>
+            <a:r>
+              <a:rPr lang="en-US" dirty="0" smtClean="0"/>
+              <a:t> </a:t>
+            </a:r>
+            <a:r>
+              <a:rPr lang="en-US" dirty="0" err="1" smtClean="0"/>
+              <a:t>nuove</a:t>
+            </a:r>
+            <a:r>
+              <a:rPr lang="en-US" dirty="0"/>
+              <a:t> </a:t>
+            </a:r>
+            <a:r>
+              <a:rPr lang="en-US" dirty="0" smtClean="0"/>
+              <a:t>e </a:t>
+            </a:r>
+            <a:r>
+              <a:rPr lang="en-US" dirty="0" err="1" smtClean="0"/>
+              <a:t>sufficentemente</a:t>
+            </a:r>
+            <a:r>
+              <a:rPr lang="en-US" dirty="0" smtClean="0"/>
+              <a:t> </a:t>
+            </a:r>
+            <a:r>
+              <a:rPr lang="en-US" dirty="0" err="1" smtClean="0"/>
+              <a:t>modulari</a:t>
+            </a:r>
+            <a:endParaRPr lang="en-US" dirty="0" smtClean="0"/>
+          </a:p>
+          <a:p>
+            <a:pPr lvl="0" algn="just"/>
+            <a:r>
+              <a:rPr lang="en-US" dirty="0" smtClean="0"/>
+              <a:t>Ci </a:t>
+            </a:r>
+            <a:r>
+              <a:rPr lang="en-US" dirty="0" err="1" smtClean="0"/>
+              <a:t>sono</a:t>
+            </a:r>
+            <a:r>
+              <a:rPr lang="en-US" dirty="0" smtClean="0"/>
+              <a:t> </a:t>
+            </a:r>
+            <a:r>
+              <a:rPr lang="en-US" dirty="0" err="1" smtClean="0"/>
+              <a:t>però</a:t>
+            </a:r>
+            <a:r>
+              <a:rPr lang="en-US" dirty="0" smtClean="0"/>
+              <a:t> </a:t>
+            </a:r>
+            <a:r>
+              <a:rPr lang="en-US" dirty="0" err="1" smtClean="0"/>
+              <a:t>una</a:t>
+            </a:r>
+            <a:r>
+              <a:rPr lang="en-US" dirty="0" smtClean="0"/>
+              <a:t> </a:t>
+            </a:r>
+            <a:r>
+              <a:rPr lang="en-US" dirty="0" err="1" smtClean="0"/>
+              <a:t>mriade</a:t>
+            </a:r>
+            <a:r>
+              <a:rPr lang="en-US" dirty="0" smtClean="0"/>
+              <a:t> di </a:t>
+            </a:r>
+            <a:r>
+              <a:rPr lang="en-US" dirty="0" err="1" smtClean="0"/>
+              <a:t>casi</a:t>
+            </a:r>
+            <a:r>
+              <a:rPr lang="en-US" dirty="0"/>
+              <a:t> </a:t>
+            </a:r>
+            <a:r>
+              <a:rPr lang="en-US" dirty="0" smtClean="0"/>
+              <a:t>per </a:t>
+            </a:r>
+            <a:r>
+              <a:rPr lang="en-US" dirty="0" err="1" smtClean="0"/>
+              <a:t>i</a:t>
+            </a:r>
+            <a:r>
+              <a:rPr lang="en-US" dirty="0" smtClean="0"/>
+              <a:t> </a:t>
+            </a:r>
+            <a:r>
+              <a:rPr lang="en-US" dirty="0" err="1" smtClean="0"/>
+              <a:t>quali</a:t>
+            </a:r>
+            <a:r>
+              <a:rPr lang="en-US" dirty="0" smtClean="0"/>
+              <a:t> </a:t>
+            </a:r>
+            <a:r>
+              <a:rPr lang="en-US" dirty="0" err="1" smtClean="0"/>
+              <a:t>il</a:t>
+            </a:r>
+            <a:r>
+              <a:rPr lang="en-US" dirty="0" smtClean="0"/>
+              <a:t> debugger </a:t>
+            </a:r>
+            <a:r>
+              <a:rPr lang="en-US" dirty="0" err="1" smtClean="0"/>
+              <a:t>diventa</a:t>
+            </a:r>
+            <a:r>
+              <a:rPr lang="en-US" dirty="0" smtClean="0"/>
+              <a:t> </a:t>
+            </a:r>
+            <a:r>
+              <a:rPr lang="en-US" dirty="0" err="1" smtClean="0"/>
+              <a:t>l’unica</a:t>
+            </a:r>
+            <a:r>
+              <a:rPr lang="en-US" dirty="0" smtClean="0"/>
+              <a:t> </a:t>
+            </a:r>
+            <a:r>
+              <a:rPr lang="en-US" dirty="0" err="1" smtClean="0"/>
+              <a:t>risorsa</a:t>
+            </a:r>
+            <a:r>
+              <a:rPr lang="en-US" dirty="0" smtClean="0"/>
+              <a:t>.</a:t>
+            </a:r>
+            <a:endParaRPr lang="en-US" dirty="0"/>
+          </a:p>
+          <a:p>
+            <a:pPr lvl="1" algn="just"/>
+            <a:endParaRPr lang="en-US" dirty="0"/>
+          </a:p>
+          <a:p>
+            <a:pPr marL="274320" lvl="1" indent="0" algn="just">
+              <a:buNone/>
+            </a:pPr>
+            <a:endParaRPr lang="en-US" dirty="0"/>
+          </a:p>
+          <a:p>
+            <a:pPr marL="0" lvl="0" indent="0" algn="just">
+              <a:buNone/>
+            </a:pPr>
+            <a:endParaRPr lang="en-US" dirty="0"/>
+          </a:p>
+          <a:p>
+            <a:pPr lvl="1" algn="just"/>
+            <a:endParaRPr lang="en-US" dirty="0"/>
+          </a:p>
+          <a:p>
+            <a:pPr marL="274320" lvl="1" indent="0" algn="just">
+              <a:buNone/>
+            </a:pPr>
+            <a:endParaRPr lang="en-US" dirty="0" smtClean="0"/>
+          </a:p>
+        </p:txBody>
+      </p:sp>
+    </p:spTree>
+    <p:extLst>
+      <p:ext uri="{BB962C8B-B14F-4D97-AF65-F5344CB8AC3E}">
+        <p14:creationId xmlns:p14="http://schemas.microsoft.com/office/powerpoint/2010/main" val="62380396"/>
+      </p:ext>
+    </p:extLst>
+  </p:cSld>
+  <p:clrMapOvr>
+    <a:masterClrMapping/>
+  </p:clrMapOvr>
+  <mc:AlternateContent xmlns:mc="http://schemas.openxmlformats.org/markup-compatibility/2006" xmlns:p14="http://schemas.microsoft.com/office/powerpoint/2010/main">
+    <mc:Choice Requires="p14">
+      <p:transition spd="slow" p14:dur="2000"/>
+    </mc:Choice>
+    <mc:Fallback xmlns="">
+      <p:transition spd="slow"/>
+    </mc:Fallback>
+  </mc:AlternateContent>
+  <p:timing>
+    <p:tnLst>
+      <p:par>
+        <p:cTn id="1" dur="indefinite" restart="never" nodeType="tmRoot"/>
+      </p:par>
+    </p:tnLst>
+  </p:timing>
+</p:sld>
+</file>
+
+<file path=ppt/slides/slide34.xml><?xml version="1.0" encoding="utf-8"?>
+<p:sld xmlns:a="http://schemas.openxmlformats.org/drawingml/2006/main" xmlns:r="http://schemas.openxmlformats.org/officeDocument/2006/relationships" xmlns:p="http://schemas.openxmlformats.org/presentationml/2006/main">
+  <p:cSld>
+    <p:spTree>
+      <p:nvGrpSpPr>
+        <p:cNvPr id="1" name=""/>
+        <p:cNvGrpSpPr/>
+        <p:nvPr/>
+      </p:nvGrpSpPr>
+      <p:grpSpPr>
+        <a:xfrm>
+          <a:off x="0" y="0"/>
+          <a:ext cx="0" cy="0"/>
+          <a:chOff x="0" y="0"/>
+          <a:chExt cx="0" cy="0"/>
+        </a:xfrm>
+      </p:grpSpPr>
+      <p:sp>
+        <p:nvSpPr>
+          <p:cNvPr id="2" name="Title 1"/>
+          <p:cNvSpPr>
+            <a:spLocks noGrp="1"/>
+          </p:cNvSpPr>
+          <p:nvPr>
+            <p:ph type="title"/>
+          </p:nvPr>
+        </p:nvSpPr>
+        <p:spPr/>
+        <p:txBody>
+          <a:bodyPr/>
+          <a:lstStyle/>
+          <a:p>
+            <a:r>
+              <a:rPr lang="en-US" dirty="0" smtClean="0"/>
+              <a:t>Debugger – use cases</a:t>
+            </a:r>
+            <a:endParaRPr lang="it-IT" dirty="0"/>
+          </a:p>
+        </p:txBody>
+      </p:sp>
+      <p:sp>
+        <p:nvSpPr>
+          <p:cNvPr id="3" name="Content Placeholder 2"/>
+          <p:cNvSpPr>
+            <a:spLocks noGrp="1"/>
+          </p:cNvSpPr>
+          <p:nvPr>
+            <p:ph idx="1"/>
+          </p:nvPr>
+        </p:nvSpPr>
+        <p:spPr/>
+        <p:txBody>
+          <a:bodyPr>
+            <a:normAutofit/>
+          </a:bodyPr>
+          <a:lstStyle/>
+          <a:p>
+            <a:pPr lvl="0" algn="just"/>
+            <a:r>
+              <a:rPr lang="en-US" dirty="0" smtClean="0"/>
+              <a:t>Un </a:t>
+            </a:r>
+            <a:r>
+              <a:rPr lang="en-US" dirty="0" err="1" smtClean="0"/>
+              <a:t>caso</a:t>
+            </a:r>
+            <a:r>
+              <a:rPr lang="en-US" dirty="0" smtClean="0"/>
+              <a:t> </a:t>
+            </a:r>
+            <a:r>
+              <a:rPr lang="en-US" dirty="0" err="1" smtClean="0"/>
+              <a:t>potrebbe</a:t>
+            </a:r>
+            <a:r>
+              <a:rPr lang="en-US" dirty="0" smtClean="0"/>
+              <a:t> </a:t>
+            </a:r>
+            <a:r>
+              <a:rPr lang="en-US" dirty="0" err="1" smtClean="0"/>
+              <a:t>essere</a:t>
+            </a:r>
+            <a:r>
+              <a:rPr lang="en-US" dirty="0" smtClean="0"/>
+              <a:t> </a:t>
+            </a:r>
+            <a:r>
+              <a:rPr lang="en-US" dirty="0" err="1" smtClean="0"/>
+              <a:t>quello</a:t>
+            </a:r>
+            <a:r>
+              <a:rPr lang="en-US" dirty="0" smtClean="0"/>
+              <a:t> di </a:t>
+            </a:r>
+            <a:r>
+              <a:rPr lang="en-US" dirty="0" err="1" smtClean="0"/>
+              <a:t>un’applicazione</a:t>
+            </a:r>
+            <a:r>
+              <a:rPr lang="en-US" dirty="0" smtClean="0"/>
+              <a:t> legacy, in cui </a:t>
+            </a:r>
+            <a:r>
+              <a:rPr lang="en-US" dirty="0" err="1" smtClean="0"/>
+              <a:t>molte</a:t>
+            </a:r>
+            <a:r>
+              <a:rPr lang="en-US" dirty="0" smtClean="0"/>
+              <a:t> </a:t>
+            </a:r>
+            <a:r>
+              <a:rPr lang="en-US" dirty="0" err="1" smtClean="0"/>
+              <a:t>parti</a:t>
+            </a:r>
+            <a:r>
+              <a:rPr lang="en-US" dirty="0" smtClean="0"/>
+              <a:t> non </a:t>
+            </a:r>
+            <a:r>
+              <a:rPr lang="en-US" dirty="0" err="1" smtClean="0"/>
+              <a:t>sono</a:t>
+            </a:r>
+            <a:r>
+              <a:rPr lang="en-US" dirty="0" smtClean="0"/>
+              <a:t> </a:t>
+            </a:r>
+            <a:r>
+              <a:rPr lang="en-US" dirty="0" err="1" smtClean="0"/>
+              <a:t>conosciute</a:t>
+            </a:r>
+            <a:r>
+              <a:rPr lang="en-US" dirty="0" smtClean="0"/>
+              <a:t> </a:t>
+            </a:r>
+          </a:p>
+          <a:p>
+            <a:pPr lvl="0" algn="just"/>
+            <a:r>
+              <a:rPr lang="en-US" dirty="0" smtClean="0"/>
+              <a:t>Un </a:t>
+            </a:r>
+            <a:r>
+              <a:rPr lang="en-US" dirty="0" err="1" smtClean="0"/>
+              <a:t>caso</a:t>
+            </a:r>
+            <a:r>
+              <a:rPr lang="en-US" dirty="0" smtClean="0"/>
+              <a:t> </a:t>
+            </a:r>
+            <a:r>
+              <a:rPr lang="en-US" dirty="0" err="1" smtClean="0"/>
+              <a:t>potrebbe</a:t>
+            </a:r>
+            <a:r>
+              <a:rPr lang="en-US" dirty="0" smtClean="0"/>
+              <a:t> </a:t>
+            </a:r>
+            <a:r>
+              <a:rPr lang="en-US" dirty="0" err="1" smtClean="0"/>
+              <a:t>essere</a:t>
+            </a:r>
+            <a:r>
+              <a:rPr lang="en-US" dirty="0" smtClean="0"/>
+              <a:t> </a:t>
+            </a:r>
+            <a:r>
+              <a:rPr lang="en-US" dirty="0" err="1" smtClean="0"/>
+              <a:t>che</a:t>
+            </a:r>
+            <a:r>
+              <a:rPr lang="en-US" dirty="0" smtClean="0"/>
+              <a:t> </a:t>
+            </a:r>
+            <a:r>
+              <a:rPr lang="en-US" dirty="0" err="1" smtClean="0"/>
+              <a:t>alcune</a:t>
+            </a:r>
+            <a:r>
+              <a:rPr lang="en-US" dirty="0" smtClean="0"/>
+              <a:t> </a:t>
+            </a:r>
+            <a:r>
+              <a:rPr lang="en-US" dirty="0" err="1" smtClean="0"/>
+              <a:t>parti</a:t>
+            </a:r>
+            <a:r>
+              <a:rPr lang="en-US" dirty="0" smtClean="0"/>
+              <a:t> di </a:t>
+            </a:r>
+            <a:r>
+              <a:rPr lang="en-US" dirty="0" err="1" smtClean="0"/>
+              <a:t>codice</a:t>
+            </a:r>
+            <a:r>
+              <a:rPr lang="en-US" dirty="0" smtClean="0"/>
+              <a:t> </a:t>
+            </a:r>
+            <a:r>
+              <a:rPr lang="en-US" dirty="0" err="1" smtClean="0"/>
+              <a:t>girano</a:t>
+            </a:r>
+            <a:r>
+              <a:rPr lang="en-US" dirty="0" smtClean="0"/>
+              <a:t> in </a:t>
+            </a:r>
+            <a:r>
+              <a:rPr lang="en-US" dirty="0" err="1" smtClean="0"/>
+              <a:t>altri</a:t>
+            </a:r>
+            <a:r>
+              <a:rPr lang="en-US" dirty="0" smtClean="0"/>
+              <a:t> </a:t>
+            </a:r>
+            <a:r>
+              <a:rPr lang="en-US" dirty="0" err="1" smtClean="0"/>
+              <a:t>processi</a:t>
+            </a:r>
+            <a:r>
+              <a:rPr lang="en-US" dirty="0" smtClean="0"/>
+              <a:t> (</a:t>
+            </a:r>
+            <a:r>
+              <a:rPr lang="en-US" dirty="0" err="1" smtClean="0"/>
+              <a:t>quindi</a:t>
+            </a:r>
+            <a:r>
+              <a:rPr lang="en-US" dirty="0" smtClean="0"/>
+              <a:t> </a:t>
+            </a:r>
+            <a:r>
+              <a:rPr lang="en-US" dirty="0" err="1" smtClean="0"/>
+              <a:t>applicazione</a:t>
+            </a:r>
+            <a:r>
+              <a:rPr lang="en-US" dirty="0" smtClean="0"/>
+              <a:t> </a:t>
+            </a:r>
+            <a:r>
+              <a:rPr lang="en-US" dirty="0" err="1" smtClean="0"/>
+              <a:t>fortemente</a:t>
+            </a:r>
+            <a:r>
+              <a:rPr lang="en-US" dirty="0" smtClean="0"/>
+              <a:t> integrate)</a:t>
+            </a:r>
+          </a:p>
+          <a:p>
+            <a:pPr lvl="0" algn="just"/>
+            <a:r>
+              <a:rPr lang="en-US" dirty="0" smtClean="0"/>
+              <a:t>Un </a:t>
+            </a:r>
+            <a:r>
+              <a:rPr lang="en-US" dirty="0" err="1" smtClean="0"/>
+              <a:t>caso</a:t>
+            </a:r>
+            <a:r>
+              <a:rPr lang="en-US" dirty="0" smtClean="0"/>
+              <a:t> </a:t>
+            </a:r>
+            <a:r>
+              <a:rPr lang="en-US" dirty="0" err="1" smtClean="0"/>
+              <a:t>potrebbe</a:t>
+            </a:r>
+            <a:r>
+              <a:rPr lang="en-US" dirty="0" smtClean="0"/>
+              <a:t> </a:t>
+            </a:r>
+            <a:r>
+              <a:rPr lang="en-US" dirty="0" err="1" smtClean="0"/>
+              <a:t>essere</a:t>
+            </a:r>
+            <a:r>
+              <a:rPr lang="en-US" dirty="0" smtClean="0"/>
+              <a:t> in </a:t>
+            </a:r>
+            <a:r>
+              <a:rPr lang="en-US" dirty="0" err="1" smtClean="0"/>
+              <a:t>generale</a:t>
+            </a:r>
+            <a:r>
+              <a:rPr lang="en-US" dirty="0" smtClean="0"/>
+              <a:t> </a:t>
+            </a:r>
+            <a:r>
+              <a:rPr lang="en-US" dirty="0" err="1" smtClean="0"/>
+              <a:t>un’applicazione</a:t>
+            </a:r>
+            <a:r>
+              <a:rPr lang="en-US" dirty="0" smtClean="0"/>
+              <a:t> </a:t>
+            </a:r>
+            <a:r>
+              <a:rPr lang="en-US" dirty="0" err="1" smtClean="0"/>
+              <a:t>scarsamente</a:t>
+            </a:r>
+            <a:r>
+              <a:rPr lang="en-US" dirty="0" smtClean="0"/>
+              <a:t> </a:t>
+            </a:r>
+            <a:r>
+              <a:rPr lang="en-US" dirty="0" err="1" smtClean="0"/>
+              <a:t>osservabile</a:t>
+            </a:r>
+            <a:r>
+              <a:rPr lang="en-US" dirty="0" smtClean="0"/>
+              <a:t>, come </a:t>
+            </a:r>
+            <a:r>
+              <a:rPr lang="en-US" dirty="0" err="1" smtClean="0"/>
+              <a:t>potrebbe</a:t>
+            </a:r>
+            <a:r>
+              <a:rPr lang="en-US" dirty="0" smtClean="0"/>
+              <a:t> </a:t>
+            </a:r>
+            <a:r>
+              <a:rPr lang="en-US" dirty="0" err="1" smtClean="0"/>
+              <a:t>essere</a:t>
+            </a:r>
+            <a:r>
+              <a:rPr lang="en-US" dirty="0"/>
+              <a:t> </a:t>
+            </a:r>
+            <a:r>
+              <a:rPr lang="en-US" dirty="0" smtClean="0"/>
+              <a:t>dover </a:t>
+            </a:r>
+            <a:r>
+              <a:rPr lang="en-US" dirty="0" err="1" smtClean="0"/>
+              <a:t>verificare</a:t>
+            </a:r>
+            <a:r>
+              <a:rPr lang="en-US" dirty="0" smtClean="0"/>
+              <a:t> le </a:t>
+            </a:r>
+            <a:r>
+              <a:rPr lang="en-US" dirty="0" err="1" smtClean="0"/>
+              <a:t>condizioni</a:t>
+            </a:r>
+            <a:r>
+              <a:rPr lang="en-US" dirty="0" smtClean="0"/>
+              <a:t> </a:t>
+            </a:r>
+            <a:r>
+              <a:rPr lang="en-US" dirty="0" err="1" smtClean="0"/>
+              <a:t>limite</a:t>
+            </a:r>
+            <a:r>
+              <a:rPr lang="en-US" dirty="0" smtClean="0"/>
+              <a:t> di un </a:t>
+            </a:r>
+            <a:r>
+              <a:rPr lang="en-US" dirty="0" err="1" smtClean="0"/>
+              <a:t>algoritmo</a:t>
+            </a:r>
+            <a:r>
+              <a:rPr lang="en-US" dirty="0" smtClean="0"/>
+              <a:t> </a:t>
+            </a:r>
+            <a:r>
+              <a:rPr lang="en-US" dirty="0" err="1" smtClean="0"/>
+              <a:t>che</a:t>
+            </a:r>
+            <a:r>
+              <a:rPr lang="en-US" dirty="0" smtClean="0"/>
+              <a:t> </a:t>
+            </a:r>
+            <a:r>
+              <a:rPr lang="en-US" dirty="0" err="1" smtClean="0"/>
+              <a:t>magari</a:t>
+            </a:r>
+            <a:r>
+              <a:rPr lang="en-US" dirty="0" smtClean="0"/>
+              <a:t> ha </a:t>
+            </a:r>
+            <a:r>
+              <a:rPr lang="en-US" dirty="0" err="1" smtClean="0"/>
+              <a:t>una</a:t>
+            </a:r>
+            <a:r>
+              <a:rPr lang="en-US" dirty="0" smtClean="0"/>
+              <a:t> </a:t>
+            </a:r>
+            <a:r>
+              <a:rPr lang="en-US" dirty="0" err="1" smtClean="0"/>
+              <a:t>serie</a:t>
+            </a:r>
+            <a:r>
+              <a:rPr lang="en-US" dirty="0" smtClean="0"/>
+              <a:t> di </a:t>
+            </a:r>
+            <a:r>
+              <a:rPr lang="en-US" dirty="0" err="1" smtClean="0"/>
+              <a:t>risultati</a:t>
+            </a:r>
+            <a:r>
+              <a:rPr lang="en-US" dirty="0" smtClean="0"/>
+              <a:t> </a:t>
+            </a:r>
+            <a:r>
+              <a:rPr lang="en-US" dirty="0" err="1" smtClean="0"/>
+              <a:t>intermedi</a:t>
+            </a:r>
+            <a:r>
+              <a:rPr lang="en-US" dirty="0" smtClean="0"/>
+              <a:t> </a:t>
+            </a:r>
+            <a:r>
+              <a:rPr lang="en-US" dirty="0" err="1" smtClean="0"/>
+              <a:t>che</a:t>
+            </a:r>
+            <a:r>
+              <a:rPr lang="en-US" dirty="0" smtClean="0"/>
+              <a:t> </a:t>
+            </a:r>
+            <a:r>
+              <a:rPr lang="en-US" dirty="0" err="1" smtClean="0"/>
+              <a:t>inficiano</a:t>
+            </a:r>
+            <a:r>
+              <a:rPr lang="en-US" dirty="0" smtClean="0"/>
+              <a:t> </a:t>
+            </a:r>
+            <a:r>
+              <a:rPr lang="en-US" dirty="0" err="1" smtClean="0"/>
+              <a:t>il</a:t>
+            </a:r>
+            <a:r>
+              <a:rPr lang="en-US" dirty="0" smtClean="0"/>
+              <a:t> </a:t>
+            </a:r>
+            <a:r>
+              <a:rPr lang="en-US" dirty="0" err="1" smtClean="0"/>
+              <a:t>risultato</a:t>
+            </a:r>
+            <a:r>
+              <a:rPr lang="en-US" dirty="0" smtClean="0"/>
+              <a:t> finale. </a:t>
+            </a:r>
+          </a:p>
+          <a:p>
+            <a:pPr lvl="0" algn="just"/>
+            <a:r>
+              <a:rPr lang="en-US" dirty="0" smtClean="0"/>
+              <a:t>Un </a:t>
+            </a:r>
+            <a:r>
+              <a:rPr lang="en-US" dirty="0" err="1" smtClean="0"/>
+              <a:t>caso</a:t>
+            </a:r>
+            <a:r>
+              <a:rPr lang="en-US" dirty="0" smtClean="0"/>
+              <a:t> </a:t>
+            </a:r>
+            <a:r>
+              <a:rPr lang="en-US" dirty="0" err="1" smtClean="0"/>
+              <a:t>potrebbe</a:t>
+            </a:r>
+            <a:r>
+              <a:rPr lang="en-US" dirty="0" smtClean="0"/>
+              <a:t> </a:t>
+            </a:r>
+            <a:r>
+              <a:rPr lang="en-US" dirty="0" err="1" smtClean="0"/>
+              <a:t>essere</a:t>
+            </a:r>
+            <a:r>
+              <a:rPr lang="en-US" dirty="0" smtClean="0"/>
+              <a:t> </a:t>
+            </a:r>
+            <a:r>
+              <a:rPr lang="en-US" dirty="0" err="1" smtClean="0"/>
+              <a:t>analizzare</a:t>
+            </a:r>
+            <a:r>
+              <a:rPr lang="en-US" dirty="0" smtClean="0"/>
+              <a:t> un dump di un crash, per </a:t>
+            </a:r>
+            <a:r>
+              <a:rPr lang="en-US" dirty="0" err="1" smtClean="0"/>
+              <a:t>il</a:t>
+            </a:r>
+            <a:r>
+              <a:rPr lang="en-US" dirty="0" smtClean="0"/>
+              <a:t> quale </a:t>
+            </a:r>
+            <a:r>
+              <a:rPr lang="en-US" dirty="0" err="1" smtClean="0"/>
+              <a:t>necessitiamo</a:t>
+            </a:r>
+            <a:r>
+              <a:rPr lang="en-US" dirty="0" smtClean="0"/>
+              <a:t> </a:t>
+            </a:r>
+            <a:r>
+              <a:rPr lang="en-US" dirty="0" err="1" smtClean="0"/>
+              <a:t>dei</a:t>
+            </a:r>
+            <a:r>
+              <a:rPr lang="en-US" dirty="0" smtClean="0"/>
+              <a:t> </a:t>
+            </a:r>
+            <a:r>
+              <a:rPr lang="en-US" dirty="0" err="1" smtClean="0"/>
+              <a:t>simboli</a:t>
+            </a:r>
+            <a:r>
+              <a:rPr lang="en-US" dirty="0" smtClean="0"/>
+              <a:t> </a:t>
+            </a:r>
+            <a:r>
+              <a:rPr lang="en-US" dirty="0" err="1" smtClean="0"/>
+              <a:t>dell’applicazione</a:t>
+            </a:r>
+            <a:endParaRPr lang="en-US" dirty="0" smtClean="0"/>
+          </a:p>
+          <a:p>
+            <a:pPr lvl="0" algn="just"/>
+            <a:endParaRPr lang="en-US" dirty="0" smtClean="0"/>
+          </a:p>
+          <a:p>
+            <a:pPr lvl="0" algn="just"/>
+            <a:endParaRPr lang="en-US" dirty="0" smtClean="0"/>
+          </a:p>
+        </p:txBody>
+      </p:sp>
+    </p:spTree>
+    <p:extLst>
+      <p:ext uri="{BB962C8B-B14F-4D97-AF65-F5344CB8AC3E}">
+        <p14:creationId xmlns:p14="http://schemas.microsoft.com/office/powerpoint/2010/main" val="3272081784"/>
+      </p:ext>
+    </p:extLst>
+  </p:cSld>
+  <p:clrMapOvr>
+    <a:masterClrMapping/>
+  </p:clrMapOvr>
+  <mc:AlternateContent xmlns:mc="http://schemas.openxmlformats.org/markup-compatibility/2006" xmlns:p14="http://schemas.microsoft.com/office/powerpoint/2010/main">
+    <mc:Choice Requires="p14">
+      <p:transition spd="slow" p14:dur="2000"/>
+    </mc:Choice>
+    <mc:Fallback xmlns="">
+      <p:transition spd="slow"/>
+    </mc:Fallback>
+  </mc:AlternateContent>
+  <p:timing>
+    <p:tnLst>
+      <p:par>
+        <p:cTn id="1" dur="indefinite" restart="never" nodeType="tmRoot"/>
+      </p:par>
+    </p:tnLst>
+  </p:timing>
+</p:sld>
+</file>
+
+<file path=ppt/slides/slide35.xml><?xml version="1.0" encoding="utf-8"?>
+<p:sld xmlns:a="http://schemas.openxmlformats.org/drawingml/2006/main" xmlns:r="http://schemas.openxmlformats.org/officeDocument/2006/relationships" xmlns:p="http://schemas.openxmlformats.org/presentationml/2006/main">
+  <p:cSld>
+    <p:spTree>
+      <p:nvGrpSpPr>
+        <p:cNvPr id="1" name=""/>
+        <p:cNvGrpSpPr/>
+        <p:nvPr/>
+      </p:nvGrpSpPr>
+      <p:grpSpPr>
+        <a:xfrm>
+          <a:off x="0" y="0"/>
+          <a:ext cx="0" cy="0"/>
+          <a:chOff x="0" y="0"/>
+          <a:chExt cx="0" cy="0"/>
+        </a:xfrm>
+      </p:grpSpPr>
+      <p:sp>
+        <p:nvSpPr>
+          <p:cNvPr id="2" name="Title 1"/>
+          <p:cNvSpPr>
+            <a:spLocks noGrp="1"/>
+          </p:cNvSpPr>
+          <p:nvPr>
+            <p:ph type="title"/>
+          </p:nvPr>
+        </p:nvSpPr>
+        <p:spPr/>
+        <p:txBody>
+          <a:bodyPr/>
+          <a:lstStyle/>
+          <a:p>
+            <a:r>
+              <a:rPr lang="en-US" dirty="0" smtClean="0"/>
+              <a:t>Debugger – just my code</a:t>
+            </a:r>
+            <a:endParaRPr lang="it-IT" dirty="0"/>
+          </a:p>
+        </p:txBody>
+      </p:sp>
+      <p:sp>
+        <p:nvSpPr>
+          <p:cNvPr id="3" name="Content Placeholder 2"/>
+          <p:cNvSpPr>
+            <a:spLocks noGrp="1"/>
+          </p:cNvSpPr>
+          <p:nvPr>
+            <p:ph idx="1"/>
+          </p:nvPr>
+        </p:nvSpPr>
+        <p:spPr/>
+        <p:txBody>
+          <a:bodyPr>
+            <a:normAutofit/>
+          </a:bodyPr>
+          <a:lstStyle/>
+          <a:p>
+            <a:pPr lvl="0" algn="just"/>
+            <a:r>
+              <a:rPr lang="en-US" dirty="0" smtClean="0"/>
+              <a:t>A </a:t>
+            </a:r>
+            <a:r>
+              <a:rPr lang="en-US" dirty="0" err="1" smtClean="0"/>
+              <a:t>partire</a:t>
+            </a:r>
+            <a:r>
+              <a:rPr lang="en-US" dirty="0" smtClean="0"/>
+              <a:t> da Visual Studio 2013 è </a:t>
+            </a:r>
+            <a:r>
+              <a:rPr lang="en-US" dirty="0" err="1" smtClean="0"/>
+              <a:t>possibile</a:t>
+            </a:r>
+            <a:r>
+              <a:rPr lang="en-US" dirty="0" smtClean="0"/>
+              <a:t> </a:t>
+            </a:r>
+            <a:r>
+              <a:rPr lang="en-US" dirty="0" err="1" smtClean="0"/>
+              <a:t>abilitare</a:t>
+            </a:r>
+            <a:r>
+              <a:rPr lang="en-US" dirty="0" smtClean="0"/>
+              <a:t> </a:t>
+            </a:r>
+            <a:r>
+              <a:rPr lang="en-US" dirty="0" err="1" smtClean="0"/>
+              <a:t>un’utile</a:t>
+            </a:r>
+            <a:r>
+              <a:rPr lang="en-US" dirty="0" smtClean="0"/>
+              <a:t> </a:t>
+            </a:r>
+            <a:r>
+              <a:rPr lang="en-US" dirty="0" err="1" smtClean="0"/>
+              <a:t>opzione</a:t>
+            </a:r>
+            <a:r>
+              <a:rPr lang="en-US" dirty="0" smtClean="0"/>
+              <a:t> </a:t>
+            </a:r>
+            <a:r>
+              <a:rPr lang="en-US" dirty="0" err="1" smtClean="0"/>
+              <a:t>fra</a:t>
+            </a:r>
+            <a:r>
+              <a:rPr lang="en-US" dirty="0" smtClean="0"/>
+              <a:t> </a:t>
+            </a:r>
+            <a:r>
+              <a:rPr lang="en-US" dirty="0" err="1" smtClean="0"/>
+              <a:t>quelle</a:t>
+            </a:r>
+            <a:r>
+              <a:rPr lang="en-US" dirty="0" smtClean="0"/>
+              <a:t> di debug, </a:t>
+            </a:r>
+            <a:r>
+              <a:rPr lang="en-US" dirty="0" err="1" smtClean="0"/>
+              <a:t>ovvero</a:t>
+            </a:r>
+            <a:r>
+              <a:rPr lang="en-US" dirty="0" smtClean="0"/>
+              <a:t> “enable just my code” (di default on) </a:t>
+            </a:r>
+            <a:r>
+              <a:rPr lang="en-US" dirty="0" err="1" smtClean="0"/>
+              <a:t>che</a:t>
+            </a:r>
+            <a:r>
+              <a:rPr lang="en-US" dirty="0" smtClean="0"/>
+              <a:t> </a:t>
+            </a:r>
+            <a:r>
+              <a:rPr lang="en-US" dirty="0" err="1" smtClean="0"/>
+              <a:t>agisce</a:t>
+            </a:r>
+            <a:r>
+              <a:rPr lang="en-US" dirty="0" smtClean="0"/>
+              <a:t> </a:t>
+            </a:r>
+            <a:r>
+              <a:rPr lang="en-US" dirty="0" err="1" smtClean="0"/>
+              <a:t>anche</a:t>
+            </a:r>
+            <a:r>
+              <a:rPr lang="en-US" dirty="0" smtClean="0"/>
+              <a:t> per </a:t>
+            </a:r>
+            <a:r>
+              <a:rPr lang="en-US" dirty="0" err="1" smtClean="0"/>
+              <a:t>il</a:t>
+            </a:r>
+            <a:r>
+              <a:rPr lang="en-US" dirty="0" smtClean="0"/>
+              <a:t> </a:t>
+            </a:r>
+            <a:r>
+              <a:rPr lang="en-US" dirty="0" err="1" smtClean="0"/>
+              <a:t>codice</a:t>
+            </a:r>
+            <a:r>
+              <a:rPr lang="en-US" dirty="0" smtClean="0"/>
+              <a:t> native</a:t>
+            </a:r>
+          </a:p>
+          <a:p>
+            <a:pPr lvl="0" algn="just"/>
+            <a:endParaRPr lang="en-US" dirty="0" smtClean="0"/>
+          </a:p>
+          <a:p>
+            <a:pPr marL="0" lvl="0" indent="0" algn="just">
+              <a:buNone/>
+            </a:pPr>
+            <a:endParaRPr lang="en-US" dirty="0" smtClean="0"/>
+          </a:p>
+          <a:p>
+            <a:pPr marL="0" lvl="0" indent="0" algn="just">
+              <a:buNone/>
+            </a:pPr>
+            <a:endParaRPr lang="en-US" dirty="0"/>
+          </a:p>
+          <a:p>
+            <a:pPr lvl="0" algn="just"/>
+            <a:r>
+              <a:rPr lang="en-US" dirty="0" err="1" smtClean="0"/>
+              <a:t>Viene</a:t>
+            </a:r>
+            <a:r>
+              <a:rPr lang="en-US" dirty="0" smtClean="0"/>
+              <a:t> </a:t>
+            </a:r>
+            <a:r>
+              <a:rPr lang="en-US" dirty="0" err="1" smtClean="0"/>
+              <a:t>considerato</a:t>
+            </a:r>
+            <a:r>
+              <a:rPr lang="en-US" dirty="0" smtClean="0"/>
+              <a:t> “not my code”:</a:t>
+            </a:r>
+          </a:p>
+          <a:p>
+            <a:pPr lvl="1" algn="just"/>
+            <a:r>
+              <a:rPr lang="en-US" dirty="0" err="1" smtClean="0"/>
+              <a:t>Funzioni</a:t>
+            </a:r>
+            <a:r>
+              <a:rPr lang="en-US" dirty="0" smtClean="0"/>
+              <a:t> </a:t>
+            </a:r>
+            <a:r>
+              <a:rPr lang="en-US" dirty="0" err="1" smtClean="0"/>
+              <a:t>che</a:t>
+            </a:r>
+            <a:r>
+              <a:rPr lang="en-US" dirty="0" smtClean="0"/>
+              <a:t> </a:t>
+            </a:r>
+            <a:r>
+              <a:rPr lang="en-US" dirty="0" err="1" smtClean="0"/>
+              <a:t>hanno</a:t>
+            </a:r>
+            <a:r>
+              <a:rPr lang="en-US" dirty="0" smtClean="0"/>
+              <a:t> </a:t>
+            </a:r>
+            <a:r>
+              <a:rPr lang="en-US" dirty="0" err="1" smtClean="0"/>
+              <a:t>il</a:t>
+            </a:r>
+            <a:r>
+              <a:rPr lang="en-US" dirty="0" smtClean="0"/>
+              <a:t> .</a:t>
+            </a:r>
+            <a:r>
+              <a:rPr lang="en-US" dirty="0" err="1" smtClean="0"/>
+              <a:t>pdb</a:t>
+            </a:r>
+            <a:r>
+              <a:rPr lang="en-US" dirty="0" smtClean="0"/>
+              <a:t> </a:t>
+            </a:r>
+            <a:r>
+              <a:rPr lang="en-US" dirty="0" err="1" smtClean="0"/>
+              <a:t>associato</a:t>
+            </a:r>
+            <a:r>
+              <a:rPr lang="en-US" dirty="0" smtClean="0"/>
+              <a:t> ma con </a:t>
+            </a:r>
+            <a:r>
+              <a:rPr lang="en-US" dirty="0" err="1" smtClean="0"/>
+              <a:t>l’informazione</a:t>
+            </a:r>
+            <a:r>
+              <a:rPr lang="en-US" dirty="0" smtClean="0"/>
+              <a:t> stripped</a:t>
+            </a:r>
+          </a:p>
+          <a:p>
+            <a:pPr lvl="1" algn="just"/>
+            <a:r>
+              <a:rPr lang="en-US" dirty="0" err="1" smtClean="0"/>
+              <a:t>Funzioni</a:t>
+            </a:r>
+            <a:r>
+              <a:rPr lang="en-US" dirty="0" smtClean="0"/>
+              <a:t> per le </a:t>
+            </a:r>
+            <a:r>
+              <a:rPr lang="en-US" dirty="0" err="1" smtClean="0"/>
+              <a:t>quali</a:t>
+            </a:r>
+            <a:r>
+              <a:rPr lang="en-US" dirty="0" smtClean="0"/>
+              <a:t> </a:t>
+            </a:r>
+            <a:r>
+              <a:rPr lang="en-US" dirty="0" err="1" smtClean="0"/>
+              <a:t>il</a:t>
+            </a:r>
+            <a:r>
+              <a:rPr lang="en-US" dirty="0" smtClean="0"/>
+              <a:t> .</a:t>
+            </a:r>
+            <a:r>
+              <a:rPr lang="en-US" dirty="0" err="1" smtClean="0"/>
+              <a:t>pdb</a:t>
+            </a:r>
+            <a:r>
+              <a:rPr lang="en-US" dirty="0" smtClean="0"/>
+              <a:t> </a:t>
+            </a:r>
+            <a:r>
+              <a:rPr lang="en-US" dirty="0" err="1" smtClean="0"/>
+              <a:t>indica</a:t>
+            </a:r>
+            <a:r>
+              <a:rPr lang="en-US" dirty="0" smtClean="0"/>
+              <a:t> </a:t>
+            </a:r>
+            <a:r>
+              <a:rPr lang="en-US" dirty="0" err="1" smtClean="0"/>
+              <a:t>che</a:t>
+            </a:r>
+            <a:r>
+              <a:rPr lang="en-US" dirty="0" smtClean="0"/>
+              <a:t> non è </a:t>
+            </a:r>
+            <a:r>
+              <a:rPr lang="en-US" dirty="0" err="1" smtClean="0"/>
+              <a:t>presente</a:t>
+            </a:r>
+            <a:r>
+              <a:rPr lang="en-US" dirty="0" smtClean="0"/>
+              <a:t> </a:t>
+            </a:r>
+            <a:r>
+              <a:rPr lang="en-US" dirty="0" err="1" smtClean="0"/>
+              <a:t>il</a:t>
+            </a:r>
+            <a:r>
+              <a:rPr lang="en-US" dirty="0" smtClean="0"/>
+              <a:t> </a:t>
+            </a:r>
+            <a:r>
+              <a:rPr lang="en-US" dirty="0" err="1" smtClean="0"/>
+              <a:t>sorgente</a:t>
+            </a:r>
+            <a:r>
+              <a:rPr lang="en-US" dirty="0" smtClean="0"/>
+              <a:t> </a:t>
+            </a:r>
+            <a:r>
+              <a:rPr lang="en-US" dirty="0" err="1" smtClean="0"/>
+              <a:t>associato</a:t>
+            </a:r>
+            <a:endParaRPr lang="en-US" dirty="0" smtClean="0"/>
+          </a:p>
+          <a:p>
+            <a:pPr lvl="1" algn="just"/>
+            <a:r>
+              <a:rPr lang="en-US" dirty="0" err="1" smtClean="0"/>
+              <a:t>Funzioni</a:t>
+            </a:r>
+            <a:r>
+              <a:rPr lang="en-US" dirty="0" smtClean="0"/>
+              <a:t> </a:t>
+            </a:r>
+            <a:r>
+              <a:rPr lang="en-US" dirty="0" err="1" smtClean="0"/>
+              <a:t>specificate</a:t>
+            </a:r>
+            <a:r>
+              <a:rPr lang="en-US" dirty="0" smtClean="0"/>
+              <a:t> </a:t>
+            </a:r>
+            <a:r>
+              <a:rPr lang="en-US" dirty="0" err="1" smtClean="0"/>
+              <a:t>nei</a:t>
+            </a:r>
+            <a:r>
+              <a:rPr lang="en-US" dirty="0" smtClean="0"/>
+              <a:t> files .</a:t>
+            </a:r>
+            <a:r>
+              <a:rPr lang="en-US" dirty="0" err="1" smtClean="0"/>
+              <a:t>natjmc</a:t>
+            </a:r>
+            <a:r>
+              <a:rPr lang="en-US" dirty="0" smtClean="0"/>
+              <a:t> :</a:t>
+            </a:r>
+          </a:p>
+          <a:p>
+            <a:pPr lvl="2" algn="just"/>
+            <a:r>
+              <a:rPr lang="it-IT" dirty="0" smtClean="0"/>
+              <a:t>%</a:t>
+            </a:r>
+            <a:r>
+              <a:rPr lang="it-IT" dirty="0"/>
+              <a:t>VsInstallDirectory%\Common7\Packages\Debugger\Visualizer</a:t>
+            </a:r>
+            <a:endParaRPr lang="en-US" dirty="0" smtClean="0"/>
+          </a:p>
+        </p:txBody>
+      </p:sp>
+      <p:pic>
+        <p:nvPicPr>
+          <p:cNvPr id="4" name="Picture 3"/>
+          <p:cNvPicPr>
+            <a:picLocks noChangeAspect="1"/>
+          </p:cNvPicPr>
+          <p:nvPr/>
+        </p:nvPicPr>
+        <p:blipFill>
+          <a:blip r:embed="rId2"/>
+          <a:stretch>
+            <a:fillRect/>
+          </a:stretch>
+        </p:blipFill>
+        <p:spPr>
+          <a:xfrm>
+            <a:off x="1261872" y="2984991"/>
+            <a:ext cx="6905625" cy="1028700"/>
+          </a:xfrm>
+          <a:prstGeom prst="rect">
+            <a:avLst/>
+          </a:prstGeom>
+        </p:spPr>
+      </p:pic>
+    </p:spTree>
+    <p:extLst>
+      <p:ext uri="{BB962C8B-B14F-4D97-AF65-F5344CB8AC3E}">
+        <p14:creationId xmlns:p14="http://schemas.microsoft.com/office/powerpoint/2010/main" val="4040920646"/>
+      </p:ext>
+    </p:extLst>
+  </p:cSld>
+  <p:clrMapOvr>
+    <a:masterClrMapping/>
+  </p:clrMapOvr>
+  <mc:AlternateContent xmlns:mc="http://schemas.openxmlformats.org/markup-compatibility/2006" xmlns:p14="http://schemas.microsoft.com/office/powerpoint/2010/main">
+    <mc:Choice Requires="p14">
+      <p:transition spd="slow" p14:dur="2000"/>
+    </mc:Choice>
+    <mc:Fallback xmlns="">
+      <p:transition spd="slow"/>
+    </mc:Fallback>
+  </mc:AlternateContent>
+  <p:timing>
+    <p:tnLst>
+      <p:par>
+        <p:cTn id="1" dur="indefinite" restart="never" nodeType="tmRoot"/>
+      </p:par>
+    </p:tnLst>
+  </p:timing>
+</p:sld>
+</file>
+
+<file path=ppt/slides/slide36.xml><?xml version="1.0" encoding="utf-8"?>
+<p:sld xmlns:a="http://schemas.openxmlformats.org/drawingml/2006/main" xmlns:r="http://schemas.openxmlformats.org/officeDocument/2006/relationships" xmlns:p="http://schemas.openxmlformats.org/presentationml/2006/main">
+  <p:cSld>
+    <p:spTree>
+      <p:nvGrpSpPr>
+        <p:cNvPr id="1" name=""/>
+        <p:cNvGrpSpPr/>
+        <p:nvPr/>
+      </p:nvGrpSpPr>
+      <p:grpSpPr>
+        <a:xfrm>
+          <a:off x="0" y="0"/>
+          <a:ext cx="0" cy="0"/>
+          <a:chOff x="0" y="0"/>
+          <a:chExt cx="0" cy="0"/>
+        </a:xfrm>
+      </p:grpSpPr>
+      <p:sp>
+        <p:nvSpPr>
+          <p:cNvPr id="2" name="Title 1"/>
+          <p:cNvSpPr>
+            <a:spLocks noGrp="1"/>
+          </p:cNvSpPr>
+          <p:nvPr>
+            <p:ph type="title"/>
+          </p:nvPr>
+        </p:nvSpPr>
+        <p:spPr/>
+        <p:txBody>
+          <a:bodyPr/>
+          <a:lstStyle/>
+          <a:p>
+            <a:r>
+              <a:rPr lang="en-US" dirty="0" err="1" smtClean="0"/>
+              <a:t>Customizzare</a:t>
+            </a:r>
+            <a:r>
+              <a:rPr lang="en-US" dirty="0" smtClean="0"/>
+              <a:t> </a:t>
+            </a:r>
+            <a:r>
+              <a:rPr lang="en-US" dirty="0" err="1" smtClean="0"/>
+              <a:t>il</a:t>
+            </a:r>
+            <a:r>
+              <a:rPr lang="en-US" dirty="0" smtClean="0"/>
+              <a:t> “just my code”	</a:t>
+            </a:r>
+            <a:endParaRPr lang="it-IT" dirty="0"/>
+          </a:p>
+        </p:txBody>
+      </p:sp>
+      <p:sp>
+        <p:nvSpPr>
+          <p:cNvPr id="3" name="Content Placeholder 2"/>
+          <p:cNvSpPr>
+            <a:spLocks noGrp="1"/>
+          </p:cNvSpPr>
+          <p:nvPr>
+            <p:ph idx="1"/>
+          </p:nvPr>
+        </p:nvSpPr>
+        <p:spPr/>
+        <p:txBody>
+          <a:bodyPr>
+            <a:normAutofit/>
+          </a:bodyPr>
+          <a:lstStyle/>
+          <a:p>
+            <a:pPr lvl="0" algn="just"/>
+            <a:r>
+              <a:rPr lang="it-IT" dirty="0" smtClean="0"/>
+              <a:t>All’interno del folder </a:t>
+            </a:r>
+            <a:r>
+              <a:rPr lang="it-IT" b="1" dirty="0" smtClean="0"/>
+              <a:t>..\Common7\Packages\Debugger\Visualizers </a:t>
+            </a:r>
+            <a:r>
+              <a:rPr lang="it-IT" dirty="0" smtClean="0"/>
+              <a:t>troviamo alcuni file con i quali possiamo customizzare il comportamento:</a:t>
+            </a:r>
+          </a:p>
+          <a:p>
+            <a:pPr lvl="1" algn="just"/>
+            <a:r>
+              <a:rPr lang="it-IT" b="1" dirty="0" smtClean="0"/>
+              <a:t>*.natjmc: </a:t>
+            </a:r>
+            <a:r>
+              <a:rPr lang="it-IT" dirty="0" smtClean="0"/>
+              <a:t>contiene le informazioni di ciò che non è considerato </a:t>
+            </a:r>
+            <a:r>
+              <a:rPr lang="en-US" dirty="0" smtClean="0"/>
+              <a:t>“my code” in termini di files (</a:t>
+            </a:r>
+            <a:r>
+              <a:rPr lang="en-US" dirty="0" err="1" smtClean="0"/>
+              <a:t>quindi</a:t>
+            </a:r>
+            <a:r>
+              <a:rPr lang="en-US" dirty="0" smtClean="0"/>
+              <a:t> ad </a:t>
+            </a:r>
+            <a:r>
+              <a:rPr lang="en-US" dirty="0" err="1" smtClean="0"/>
+              <a:t>esempio</a:t>
+            </a:r>
+            <a:r>
+              <a:rPr lang="en-US" dirty="0" smtClean="0"/>
+              <a:t> </a:t>
+            </a:r>
+            <a:r>
+              <a:rPr lang="en-US" dirty="0" err="1" smtClean="0"/>
+              <a:t>locazioni</a:t>
+            </a:r>
+            <a:r>
+              <a:rPr lang="en-US" dirty="0" smtClean="0"/>
+              <a:t> di .</a:t>
+            </a:r>
+            <a:r>
+              <a:rPr lang="en-US" dirty="0" err="1" smtClean="0"/>
+              <a:t>dll</a:t>
+            </a:r>
+            <a:r>
+              <a:rPr lang="en-US" dirty="0" smtClean="0"/>
+              <a:t> o di </a:t>
+            </a:r>
+            <a:r>
+              <a:rPr lang="en-US" dirty="0" err="1" smtClean="0"/>
+              <a:t>sorgenti</a:t>
+            </a:r>
+            <a:r>
+              <a:rPr lang="en-US" dirty="0" smtClean="0"/>
+              <a:t>). </a:t>
+            </a:r>
+          </a:p>
+          <a:p>
+            <a:pPr lvl="1" algn="just"/>
+            <a:r>
+              <a:rPr lang="en-US" b="1" dirty="0" smtClean="0"/>
+              <a:t>*.</a:t>
+            </a:r>
+            <a:r>
+              <a:rPr lang="en-US" b="1" dirty="0" err="1" smtClean="0"/>
+              <a:t>natstepfilter</a:t>
+            </a:r>
+            <a:r>
+              <a:rPr lang="en-US" b="1" dirty="0" smtClean="0"/>
+              <a:t>: </a:t>
+            </a:r>
+            <a:r>
+              <a:rPr lang="en-US" dirty="0" err="1" smtClean="0"/>
+              <a:t>contiene</a:t>
+            </a:r>
+            <a:r>
+              <a:rPr lang="en-US" dirty="0" smtClean="0"/>
+              <a:t> le </a:t>
+            </a:r>
+            <a:r>
+              <a:rPr lang="en-US" dirty="0" err="1" smtClean="0"/>
+              <a:t>informazioni</a:t>
+            </a:r>
+            <a:r>
+              <a:rPr lang="en-US" dirty="0" smtClean="0"/>
+              <a:t> di </a:t>
+            </a:r>
+            <a:r>
+              <a:rPr lang="en-US" dirty="0" err="1" smtClean="0"/>
+              <a:t>ciò</a:t>
+            </a:r>
+            <a:r>
+              <a:rPr lang="en-US" dirty="0" smtClean="0"/>
+              <a:t> </a:t>
+            </a:r>
+            <a:r>
+              <a:rPr lang="en-US" dirty="0" err="1" smtClean="0"/>
+              <a:t>che</a:t>
+            </a:r>
+            <a:r>
+              <a:rPr lang="en-US" dirty="0" smtClean="0"/>
+              <a:t> , </a:t>
+            </a:r>
+            <a:r>
+              <a:rPr lang="en-US" dirty="0" err="1" smtClean="0"/>
+              <a:t>durante</a:t>
+            </a:r>
+            <a:r>
+              <a:rPr lang="en-US" dirty="0" smtClean="0"/>
+              <a:t> lo stepping, non è </a:t>
+            </a:r>
+            <a:r>
+              <a:rPr lang="en-US" dirty="0" err="1" smtClean="0"/>
+              <a:t>considerato</a:t>
+            </a:r>
+            <a:r>
+              <a:rPr lang="en-US" dirty="0" smtClean="0"/>
+              <a:t> “my code”</a:t>
+            </a:r>
+            <a:endParaRPr lang="en-US" b="1" dirty="0"/>
+          </a:p>
+          <a:p>
+            <a:pPr algn="just"/>
+            <a:r>
+              <a:rPr lang="it-IT" dirty="0" smtClean="0"/>
+              <a:t>Seguendo un’opportuna sintasssi xml, possiamo:</a:t>
+            </a:r>
+          </a:p>
+          <a:p>
+            <a:pPr lvl="1" algn="just"/>
+            <a:r>
+              <a:rPr lang="it-IT" dirty="0" smtClean="0"/>
+              <a:t>Cambiare il comportamento del call stack aggiungendo regole del primo tipo</a:t>
+            </a:r>
+          </a:p>
+          <a:p>
+            <a:pPr lvl="1" algn="just"/>
+            <a:r>
+              <a:rPr lang="it-IT" dirty="0" smtClean="0"/>
+              <a:t>Cambiare il comportamento dello stepping, aggiungendo regole del secondo tipo</a:t>
+            </a:r>
+          </a:p>
+          <a:p>
+            <a:pPr lvl="1" algn="just"/>
+            <a:r>
+              <a:rPr lang="it-IT" dirty="0" smtClean="0"/>
+              <a:t>Tutto questo sia a livello macchina che a livello di singolo utente (in questo caso i file vanno aggiunti in ..\My </a:t>
+            </a:r>
+            <a:r>
+              <a:rPr lang="it-IT" dirty="0"/>
+              <a:t>Documents\Visual Studio </a:t>
+            </a:r>
+            <a:r>
+              <a:rPr lang="it-IT" dirty="0" smtClean="0"/>
+              <a:t>2013\Visualizers)</a:t>
+            </a:r>
+          </a:p>
+          <a:p>
+            <a:pPr marL="274320" lvl="1" indent="0" algn="just">
+              <a:buNone/>
+            </a:pPr>
+            <a:endParaRPr lang="it-IT" dirty="0" smtClean="0"/>
+          </a:p>
+        </p:txBody>
+      </p:sp>
+    </p:spTree>
+    <p:extLst>
+      <p:ext uri="{BB962C8B-B14F-4D97-AF65-F5344CB8AC3E}">
+        <p14:creationId xmlns:p14="http://schemas.microsoft.com/office/powerpoint/2010/main" val="3553576382"/>
+      </p:ext>
+    </p:extLst>
+  </p:cSld>
+  <p:clrMapOvr>
+    <a:masterClrMapping/>
+  </p:clrMapOvr>
+  <mc:AlternateContent xmlns:mc="http://schemas.openxmlformats.org/markup-compatibility/2006" xmlns:p14="http://schemas.microsoft.com/office/powerpoint/2010/main">
+    <mc:Choice Requires="p14">
+      <p:transition spd="slow" p14:dur="2000"/>
+    </mc:Choice>
+    <mc:Fallback xmlns="">
+      <p:transition spd="slow"/>
+    </mc:Fallback>
+  </mc:AlternateContent>
+  <p:timing>
+    <p:tnLst>
+      <p:par>
+        <p:cTn id="1" dur="indefinite" restart="never" nodeType="tmRoot"/>
+      </p:par>
+    </p:tnLst>
+  </p:timing>
+</p:sld>
+</file>
+
+<file path=ppt/slides/slide37.xml><?xml version="1.0" encoding="utf-8"?>
+<p:sld xmlns:a="http://schemas.openxmlformats.org/drawingml/2006/main" xmlns:r="http://schemas.openxmlformats.org/officeDocument/2006/relationships" xmlns:p="http://schemas.openxmlformats.org/presentationml/2006/main">
+  <p:cSld>
+    <p:spTree>
+      <p:nvGrpSpPr>
+        <p:cNvPr id="1" name=""/>
+        <p:cNvGrpSpPr/>
+        <p:nvPr/>
+      </p:nvGrpSpPr>
+      <p:grpSpPr>
+        <a:xfrm>
+          <a:off x="0" y="0"/>
+          <a:ext cx="0" cy="0"/>
+          <a:chOff x="0" y="0"/>
+          <a:chExt cx="0" cy="0"/>
+        </a:xfrm>
+      </p:grpSpPr>
+      <p:sp>
+        <p:nvSpPr>
+          <p:cNvPr id="2" name="Title 1"/>
+          <p:cNvSpPr>
+            <a:spLocks noGrp="1"/>
+          </p:cNvSpPr>
+          <p:nvPr>
+            <p:ph type="title"/>
+          </p:nvPr>
+        </p:nvSpPr>
+        <p:spPr/>
+        <p:txBody>
+          <a:bodyPr/>
+          <a:lstStyle/>
+          <a:p>
+            <a:r>
+              <a:rPr lang="en-US" dirty="0" err="1" smtClean="0"/>
+              <a:t>Esempi</a:t>
+            </a:r>
+            <a:r>
+              <a:rPr lang="en-US" dirty="0" smtClean="0"/>
+              <a:t>	</a:t>
+            </a:r>
+            <a:endParaRPr lang="it-IT" dirty="0"/>
+          </a:p>
+        </p:txBody>
+      </p:sp>
+      <p:sp>
+        <p:nvSpPr>
+          <p:cNvPr id="3" name="Content Placeholder 2"/>
+          <p:cNvSpPr>
+            <a:spLocks noGrp="1"/>
+          </p:cNvSpPr>
+          <p:nvPr>
+            <p:ph idx="1"/>
+          </p:nvPr>
+        </p:nvSpPr>
+        <p:spPr/>
+        <p:txBody>
+          <a:bodyPr>
+            <a:normAutofit fontScale="92500" lnSpcReduction="10000"/>
+          </a:bodyPr>
+          <a:lstStyle/>
+          <a:p>
+            <a:pPr lvl="0" algn="just"/>
+            <a:r>
+              <a:rPr lang="it-IT" dirty="0" smtClean="0"/>
+              <a:t>Se vogliamo evitare di fare stepping nelle librerie dello standard, creiamo un file .natstepfilter</a:t>
+            </a:r>
+            <a:r>
+              <a:rPr lang="it-IT" dirty="0"/>
+              <a:t> </a:t>
+            </a:r>
+            <a:r>
+              <a:rPr lang="it-IT" dirty="0" smtClean="0"/>
+              <a:t>di questo tipo</a:t>
+            </a:r>
+          </a:p>
+          <a:p>
+            <a:pPr marL="274320" lvl="1" indent="0" algn="just">
+              <a:buNone/>
+            </a:pPr>
+            <a:r>
+              <a:rPr lang="it-IT" dirty="0"/>
+              <a:t>&lt;?xml version="1.0" encoding="utf-8"?&gt;</a:t>
+            </a:r>
+          </a:p>
+          <a:p>
+            <a:pPr marL="274320" lvl="1" indent="0" algn="just">
+              <a:buNone/>
+            </a:pPr>
+            <a:r>
+              <a:rPr lang="it-IT" dirty="0"/>
+              <a:t>&lt;StepFilter xmlns="http://schemas.microsoft.com/vstudio/debugger/natstepfilter/2010"&gt;</a:t>
+            </a:r>
+          </a:p>
+          <a:p>
+            <a:pPr marL="274320" lvl="1" indent="0" algn="just">
+              <a:buNone/>
+            </a:pPr>
+            <a:r>
+              <a:rPr lang="it-IT" dirty="0" smtClean="0"/>
+              <a:t>&lt;</a:t>
+            </a:r>
+            <a:r>
+              <a:rPr lang="it-IT" dirty="0"/>
+              <a:t>Function&gt;&lt;Name&gt;std::.*&lt;/Name&gt;&lt;Action&gt;NoStepInto&lt;/Action&gt;&lt;/Function&gt;</a:t>
+            </a:r>
+          </a:p>
+          <a:p>
+            <a:pPr marL="274320" lvl="1" indent="0" algn="just">
+              <a:buNone/>
+            </a:pPr>
+            <a:r>
+              <a:rPr lang="it-IT" dirty="0"/>
+              <a:t>&lt;/StepFilter</a:t>
+            </a:r>
+            <a:r>
+              <a:rPr lang="it-IT" dirty="0" smtClean="0"/>
+              <a:t>&gt;</a:t>
+            </a:r>
+            <a:endParaRPr lang="it-IT" dirty="0"/>
+          </a:p>
+          <a:p>
+            <a:pPr marL="274320" lvl="1" indent="0" algn="just">
+              <a:buNone/>
+            </a:pPr>
+            <a:endParaRPr lang="it-IT" dirty="0" smtClean="0"/>
+          </a:p>
+          <a:p>
+            <a:pPr algn="just"/>
+            <a:r>
+              <a:rPr lang="it-IT" dirty="0"/>
+              <a:t>Se vogliamo </a:t>
+            </a:r>
+            <a:r>
+              <a:rPr lang="it-IT" dirty="0" smtClean="0"/>
+              <a:t>non far apparire nel call stack il nostro codice, creiamo un file .natjmc di questo tipo</a:t>
+            </a:r>
+            <a:endParaRPr lang="it-IT" dirty="0"/>
+          </a:p>
+          <a:p>
+            <a:pPr marL="274320" lvl="1" indent="0" algn="just">
+              <a:buNone/>
+            </a:pPr>
+            <a:r>
+              <a:rPr lang="it-IT" dirty="0"/>
+              <a:t>&lt;?xml version="1.0" encoding="utf-8"?&gt;</a:t>
+            </a:r>
+          </a:p>
+          <a:p>
+            <a:pPr marL="274320" lvl="1" indent="0" algn="just">
+              <a:buNone/>
+            </a:pPr>
+            <a:r>
+              <a:rPr lang="it-IT" dirty="0"/>
+              <a:t>&lt;NonUserCode xmlns="http://schemas.microsoft.com/vstudio/debugger/jmc/2013"&gt;</a:t>
+            </a:r>
+          </a:p>
+          <a:p>
+            <a:pPr marL="274320" lvl="1" indent="0" algn="just">
+              <a:buNone/>
+            </a:pPr>
+            <a:r>
+              <a:rPr lang="it-IT" dirty="0"/>
+              <a:t>    &lt;File Name="C:\Users\guido_2\Documents\GitHub\Repo\CNG\*.cpp"/&gt;</a:t>
+            </a:r>
+          </a:p>
+          <a:p>
+            <a:pPr marL="274320" lvl="1" indent="0" algn="just">
+              <a:buNone/>
+            </a:pPr>
+            <a:r>
+              <a:rPr lang="it-IT" dirty="0"/>
+              <a:t>&lt;/NonUserCode&gt;</a:t>
+            </a:r>
+          </a:p>
+        </p:txBody>
+      </p:sp>
+    </p:spTree>
+    <p:extLst>
+      <p:ext uri="{BB962C8B-B14F-4D97-AF65-F5344CB8AC3E}">
+        <p14:creationId xmlns:p14="http://schemas.microsoft.com/office/powerpoint/2010/main" val="694614985"/>
+      </p:ext>
+    </p:extLst>
+  </p:cSld>
+  <p:clrMapOvr>
+    <a:masterClrMapping/>
+  </p:clrMapOvr>
+  <mc:AlternateContent xmlns:mc="http://schemas.openxmlformats.org/markup-compatibility/2006">
+    <mc:Choice xmlns:p14="http://schemas.microsoft.com/office/powerpoint/2010/main" Requires="p14">
+      <p:transition spd="slow" p14:dur="2000"/>
+    </mc:Choice>
+    <mc:Fallback>
+      <p:transition spd="slow"/>
+    </mc:Fallback>
+  </mc:AlternateContent>
+  <p:timing>
+    <p:tnLst>
+      <p:par>
+        <p:cTn id="1" dur="indefinite" restart="never" nodeType="tmRoot"/>
+      </p:par>
+    </p:tnLst>
+  </p:timing>
+</p:sld>
+</file>
+
+<file path=ppt/slides/slide38.xml><?xml version="1.0" encoding="utf-8"?>
+<p:sld xmlns:a="http://schemas.openxmlformats.org/drawingml/2006/main" xmlns:r="http://schemas.openxmlformats.org/officeDocument/2006/relationships" xmlns:p="http://schemas.openxmlformats.org/presentationml/2006/main">
+  <p:cSld>
+    <p:spTree>
+      <p:nvGrpSpPr>
+        <p:cNvPr id="1" name=""/>
+        <p:cNvGrpSpPr/>
+        <p:nvPr/>
+      </p:nvGrpSpPr>
+      <p:grpSpPr>
+        <a:xfrm>
+          <a:off x="0" y="0"/>
+          <a:ext cx="0" cy="0"/>
+          <a:chOff x="0" y="0"/>
+          <a:chExt cx="0" cy="0"/>
+        </a:xfrm>
+      </p:grpSpPr>
+      <p:sp>
+        <p:nvSpPr>
+          <p:cNvPr id="2" name="Title 1"/>
+          <p:cNvSpPr>
+            <a:spLocks noGrp="1"/>
+          </p:cNvSpPr>
+          <p:nvPr>
+            <p:ph type="title"/>
+          </p:nvPr>
+        </p:nvSpPr>
+        <p:spPr/>
+        <p:txBody>
+          <a:bodyPr/>
+          <a:lstStyle/>
+          <a:p>
+            <a:r>
+              <a:rPr lang="en-US" dirty="0" smtClean="0"/>
+              <a:t>Debugger – menu settings	</a:t>
+            </a:r>
+            <a:endParaRPr lang="it-IT" dirty="0"/>
+          </a:p>
+        </p:txBody>
+      </p:sp>
+      <p:sp>
+        <p:nvSpPr>
+          <p:cNvPr id="3" name="Content Placeholder 2"/>
+          <p:cNvSpPr>
+            <a:spLocks noGrp="1"/>
+          </p:cNvSpPr>
+          <p:nvPr>
+            <p:ph idx="1"/>
+          </p:nvPr>
+        </p:nvSpPr>
+        <p:spPr/>
+        <p:txBody>
+          <a:bodyPr>
+            <a:normAutofit/>
+          </a:bodyPr>
+          <a:lstStyle/>
+          <a:p>
+            <a:pPr lvl="0" algn="just"/>
+            <a:r>
+              <a:rPr lang="it-IT" dirty="0" smtClean="0"/>
+              <a:t>Il debugger si customizza in Visual Studio sulla base del profilo di sviluppo scelto. </a:t>
+            </a:r>
+            <a:endParaRPr lang="it-IT" dirty="0"/>
+          </a:p>
+          <a:p>
+            <a:pPr lvl="0" algn="just"/>
+            <a:r>
+              <a:rPr lang="it-IT" dirty="0" smtClean="0"/>
+              <a:t>Qualora non siano presenti alcune impostazioni nel menù è possibile ripristinarle agendo in Tool</a:t>
+            </a:r>
+            <a:r>
+              <a:rPr lang="it-IT" dirty="0" smtClean="0">
+                <a:sym typeface="Wingdings" panose="05000000000000000000" pitchFamily="2" charset="2"/>
+              </a:rPr>
+              <a:t>Customize, verificando che la voce </a:t>
+            </a:r>
+            <a:r>
+              <a:rPr lang="en-US" dirty="0" smtClean="0"/>
+              <a:t>”Menu bar” </a:t>
+            </a:r>
+            <a:r>
+              <a:rPr lang="en-US" dirty="0" err="1" smtClean="0"/>
+              <a:t>sia</a:t>
+            </a:r>
+            <a:r>
+              <a:rPr lang="en-US" dirty="0" smtClean="0"/>
+              <a:t> </a:t>
+            </a:r>
+            <a:r>
+              <a:rPr lang="en-US" dirty="0" err="1" smtClean="0"/>
+              <a:t>impostata</a:t>
+            </a:r>
+            <a:r>
+              <a:rPr lang="en-US" dirty="0" smtClean="0"/>
+              <a:t> </a:t>
+            </a:r>
+            <a:r>
+              <a:rPr lang="en-US" dirty="0" err="1" smtClean="0"/>
+              <a:t>su</a:t>
+            </a:r>
+            <a:r>
+              <a:rPr lang="en-US" dirty="0" smtClean="0"/>
+              <a:t> ”Debug”</a:t>
+            </a:r>
+            <a:endParaRPr lang="it-IT" dirty="0" smtClean="0">
+              <a:sym typeface="Wingdings" panose="05000000000000000000" pitchFamily="2" charset="2"/>
+            </a:endParaRPr>
+          </a:p>
+          <a:p>
+            <a:pPr lvl="0" algn="just"/>
+            <a:endParaRPr lang="it-IT" dirty="0" smtClean="0"/>
+          </a:p>
+        </p:txBody>
+      </p:sp>
+      <p:pic>
+        <p:nvPicPr>
+          <p:cNvPr id="4" name="Picture 3"/>
+          <p:cNvPicPr>
+            <a:picLocks noChangeAspect="1"/>
+          </p:cNvPicPr>
+          <p:nvPr/>
+        </p:nvPicPr>
+        <p:blipFill>
+          <a:blip r:embed="rId2"/>
+          <a:stretch>
+            <a:fillRect/>
+          </a:stretch>
+        </p:blipFill>
+        <p:spPr>
+          <a:xfrm>
+            <a:off x="1562027" y="3659431"/>
+            <a:ext cx="3811831" cy="2134971"/>
+          </a:xfrm>
+          <a:prstGeom prst="rect">
+            <a:avLst/>
+          </a:prstGeom>
+        </p:spPr>
+      </p:pic>
+    </p:spTree>
+    <p:extLst>
+      <p:ext uri="{BB962C8B-B14F-4D97-AF65-F5344CB8AC3E}">
+        <p14:creationId xmlns:p14="http://schemas.microsoft.com/office/powerpoint/2010/main" val="303899561"/>
+      </p:ext>
+    </p:extLst>
+  </p:cSld>
+  <p:clrMapOvr>
+    <a:masterClrMapping/>
+  </p:clrMapOvr>
+  <mc:AlternateContent xmlns:mc="http://schemas.openxmlformats.org/markup-compatibility/2006" xmlns:p14="http://schemas.microsoft.com/office/powerpoint/2010/main">
+    <mc:Choice Requires="p14">
+      <p:transition spd="slow" p14:dur="2000"/>
+    </mc:Choice>
+    <mc:Fallback xmlns="">
+      <p:transition spd="slow"/>
+    </mc:Fallback>
+  </mc:AlternateContent>
+  <p:timing>
+    <p:tnLst>
+      <p:par>
+        <p:cTn id="1" dur="indefinite" restart="never" nodeType="tmRoot"/>
+      </p:par>
+    </p:tnLst>
+  </p:timing>
+</p:sld>
+</file>
+
+<file path=ppt/slides/slide39.xml><?xml version="1.0" encoding="utf-8"?>
+<p:sld xmlns:a="http://schemas.openxmlformats.org/drawingml/2006/main" xmlns:r="http://schemas.openxmlformats.org/officeDocument/2006/relationships" xmlns:p="http://schemas.openxmlformats.org/presentationml/2006/main">
+  <p:cSld>
+    <p:spTree>
+      <p:nvGrpSpPr>
+        <p:cNvPr id="1" name=""/>
+        <p:cNvGrpSpPr/>
+        <p:nvPr/>
+      </p:nvGrpSpPr>
+      <p:grpSpPr>
+        <a:xfrm>
+          <a:off x="0" y="0"/>
+          <a:ext cx="0" cy="0"/>
+          <a:chOff x="0" y="0"/>
+          <a:chExt cx="0" cy="0"/>
+        </a:xfrm>
+      </p:grpSpPr>
+      <p:sp>
+        <p:nvSpPr>
+          <p:cNvPr id="2" name="Title 1"/>
+          <p:cNvSpPr>
+            <a:spLocks noGrp="1"/>
+          </p:cNvSpPr>
+          <p:nvPr>
+            <p:ph type="title"/>
+          </p:nvPr>
+        </p:nvSpPr>
+        <p:spPr/>
+        <p:txBody>
+          <a:bodyPr/>
+          <a:lstStyle/>
+          <a:p>
+            <a:r>
+              <a:rPr lang="en-US" dirty="0" smtClean="0"/>
+              <a:t>Debugger – menu settings</a:t>
+            </a:r>
+            <a:r>
+              <a:rPr lang="en-US" dirty="0"/>
+              <a:t> </a:t>
+            </a:r>
+            <a:r>
+              <a:rPr lang="en-US" dirty="0" smtClean="0"/>
+              <a:t>(2)</a:t>
+            </a:r>
+            <a:endParaRPr lang="it-IT" dirty="0"/>
+          </a:p>
+        </p:txBody>
+      </p:sp>
+      <p:sp>
+        <p:nvSpPr>
+          <p:cNvPr id="3" name="Content Placeholder 2"/>
+          <p:cNvSpPr>
+            <a:spLocks noGrp="1"/>
+          </p:cNvSpPr>
+          <p:nvPr>
+            <p:ph idx="1"/>
+          </p:nvPr>
+        </p:nvSpPr>
+        <p:spPr/>
+        <p:txBody>
+          <a:bodyPr>
+            <a:normAutofit/>
+          </a:bodyPr>
+          <a:lstStyle/>
+          <a:p>
+            <a:pPr lvl="0" algn="just"/>
+            <a:r>
+              <a:rPr lang="it-IT" dirty="0" smtClean="0">
+                <a:sym typeface="Wingdings" panose="05000000000000000000" pitchFamily="2" charset="2"/>
+              </a:rPr>
+              <a:t>Alcune voci di menù non sono ripristinabili con il metodo precedente. </a:t>
+            </a:r>
+            <a:endParaRPr lang="it-IT" dirty="0">
+              <a:sym typeface="Wingdings" panose="05000000000000000000" pitchFamily="2" charset="2"/>
+            </a:endParaRPr>
+          </a:p>
+          <a:p>
+            <a:pPr lvl="0" algn="just"/>
+            <a:r>
+              <a:rPr lang="it-IT" dirty="0" smtClean="0">
+                <a:sym typeface="Wingdings" panose="05000000000000000000" pitchFamily="2" charset="2"/>
+              </a:rPr>
+              <a:t>Possiamo quindi resettare le nostre impostazioni da quelle di default, o utilizzare un profilo condiviso nel team. In tal caso è sufficiente utilizzare il wizard in Tools  Import and Export Settings</a:t>
+            </a:r>
+          </a:p>
+        </p:txBody>
+      </p:sp>
+      <p:pic>
+        <p:nvPicPr>
+          <p:cNvPr id="5" name="Picture 4"/>
+          <p:cNvPicPr>
+            <a:picLocks noChangeAspect="1"/>
+          </p:cNvPicPr>
+          <p:nvPr/>
+        </p:nvPicPr>
+        <p:blipFill>
+          <a:blip r:embed="rId2"/>
+          <a:stretch>
+            <a:fillRect/>
+          </a:stretch>
+        </p:blipFill>
+        <p:spPr>
+          <a:xfrm>
+            <a:off x="1420118" y="3294404"/>
+            <a:ext cx="3243212" cy="2885733"/>
+          </a:xfrm>
+          <a:prstGeom prst="rect">
+            <a:avLst/>
+          </a:prstGeom>
+        </p:spPr>
+      </p:pic>
+      <p:sp>
+        <p:nvSpPr>
+          <p:cNvPr id="7" name="TextBox 6"/>
+          <p:cNvSpPr txBox="1"/>
+          <p:nvPr/>
+        </p:nvSpPr>
+        <p:spPr>
+          <a:xfrm>
+            <a:off x="4994031" y="3896751"/>
+            <a:ext cx="5641144" cy="2031325"/>
+          </a:xfrm>
+          <a:prstGeom prst="rect">
+            <a:avLst/>
+          </a:prstGeom>
+          <a:noFill/>
+        </p:spPr>
+        <p:txBody>
+          <a:bodyPr wrap="square" rtlCol="0">
+            <a:spAutoFit/>
+          </a:bodyPr>
+          <a:lstStyle/>
+          <a:p>
+            <a:pPr marL="285750" indent="-285750">
+              <a:buFont typeface="Arial" panose="020B0604020202020204" pitchFamily="34" charset="0"/>
+              <a:buChar char="•"/>
+            </a:pPr>
+            <a:r>
+              <a:rPr lang="it-IT" dirty="0" smtClean="0"/>
+              <a:t>General development settings o Visual C++ Development settings contengono il maggior numero di opzioni pre-configurate</a:t>
+            </a:r>
+          </a:p>
+          <a:p>
+            <a:endParaRPr lang="it-IT" dirty="0" smtClean="0"/>
+          </a:p>
+          <a:p>
+            <a:pPr marL="285750" indent="-285750">
+              <a:buFont typeface="Arial" panose="020B0604020202020204" pitchFamily="34" charset="0"/>
+              <a:buChar char="•"/>
+            </a:pPr>
+            <a:r>
+              <a:rPr lang="it-IT" dirty="0" smtClean="0"/>
+              <a:t>Nello step finale del wizard, alla voce </a:t>
+            </a:r>
+            <a:r>
+              <a:rPr lang="en-US" dirty="0" smtClean="0"/>
+              <a:t>“Option” </a:t>
+            </a:r>
+            <a:r>
+              <a:rPr lang="en-US" dirty="0" err="1" smtClean="0"/>
+              <a:t>verificare</a:t>
+            </a:r>
+            <a:r>
+              <a:rPr lang="en-US" dirty="0" smtClean="0"/>
+              <a:t> </a:t>
+            </a:r>
+            <a:r>
+              <a:rPr lang="en-US" dirty="0" err="1" smtClean="0"/>
+              <a:t>che</a:t>
+            </a:r>
+            <a:r>
+              <a:rPr lang="en-US" dirty="0" smtClean="0"/>
+              <a:t> </a:t>
+            </a:r>
+            <a:r>
+              <a:rPr lang="en-US" dirty="0" err="1" smtClean="0"/>
+              <a:t>sia</a:t>
+            </a:r>
+            <a:r>
+              <a:rPr lang="en-US" dirty="0" smtClean="0"/>
+              <a:t> </a:t>
+            </a:r>
+            <a:r>
+              <a:rPr lang="en-US" dirty="0" err="1" smtClean="0"/>
+              <a:t>spuntata</a:t>
+            </a:r>
+            <a:r>
+              <a:rPr lang="en-US" dirty="0" smtClean="0"/>
+              <a:t> la voce “Debugging”</a:t>
+            </a:r>
+            <a:endParaRPr lang="it-IT" dirty="0" smtClean="0"/>
+          </a:p>
+          <a:p>
+            <a:endParaRPr lang="it-IT" dirty="0"/>
+          </a:p>
+        </p:txBody>
+      </p:sp>
+    </p:spTree>
+    <p:extLst>
+      <p:ext uri="{BB962C8B-B14F-4D97-AF65-F5344CB8AC3E}">
+        <p14:creationId xmlns:p14="http://schemas.microsoft.com/office/powerpoint/2010/main" val="1596394095"/>
+      </p:ext>
+    </p:extLst>
+  </p:cSld>
+  <p:clrMapOvr>
+    <a:masterClrMapping/>
+  </p:clrMapOvr>
+  <mc:AlternateContent xmlns:mc="http://schemas.openxmlformats.org/markup-compatibility/2006" xmlns:p14="http://schemas.microsoft.com/office/powerpoint/2010/main">
+    <mc:Choice Requires="p14">
+      <p:transition spd="slow" p14:dur="2000"/>
+    </mc:Choice>
+    <mc:Fallback xmlns="">
+      <p:transition spd="slow"/>
+    </mc:Fallback>
+  </mc:AlternateContent>
+  <p:timing>
+    <p:tnLst>
+      <p:par>
+        <p:cTn id="1" dur="indefinite" restart="never" nodeType="tmRoot"/>
+      </p:par>
+    </p:tnLst>
+  </p:timing>
+</p:sld>
+</file>
+
+<file path=ppt/slides/slide4.xml><?xml version="1.0" encoding="utf-8"?>
+<p:sld xmlns:a="http://schemas.openxmlformats.org/drawingml/2006/main" xmlns:r="http://schemas.openxmlformats.org/officeDocument/2006/relationships" xmlns:p="http://schemas.openxmlformats.org/presentationml/2006/main">
+  <p:cSld>
+    <p:spTree>
+      <p:nvGrpSpPr>
+        <p:cNvPr id="1" name=""/>
+        <p:cNvGrpSpPr/>
+        <p:nvPr/>
+      </p:nvGrpSpPr>
+      <p:grpSpPr>
+        <a:xfrm>
+          <a:off x="0" y="0"/>
+          <a:ext cx="0" cy="0"/>
+          <a:chOff x="0" y="0"/>
+          <a:chExt cx="0" cy="0"/>
+        </a:xfrm>
+      </p:grpSpPr>
+      <p:sp>
+        <p:nvSpPr>
+          <p:cNvPr id="2" name="Title 1"/>
+          <p:cNvSpPr>
+            <a:spLocks noGrp="1"/>
+          </p:cNvSpPr>
+          <p:nvPr>
+            <p:ph type="title"/>
+          </p:nvPr>
+        </p:nvSpPr>
+        <p:spPr/>
+        <p:txBody>
+          <a:bodyPr/>
+          <a:lstStyle/>
+          <a:p>
+            <a:r>
+              <a:rPr lang="it-IT" dirty="0" smtClean="0"/>
+              <a:t>Chi sono</a:t>
+            </a:r>
+            <a:endParaRPr lang="it-IT" dirty="0"/>
+          </a:p>
+        </p:txBody>
+      </p:sp>
+      <p:sp>
+        <p:nvSpPr>
+          <p:cNvPr id="3" name="Content Placeholder 2"/>
+          <p:cNvSpPr>
+            <a:spLocks noGrp="1"/>
+          </p:cNvSpPr>
+          <p:nvPr>
+            <p:ph idx="1"/>
+          </p:nvPr>
+        </p:nvSpPr>
+        <p:spPr/>
+        <p:txBody>
+          <a:bodyPr>
+            <a:normAutofit/>
+          </a:bodyPr>
+          <a:lstStyle/>
+          <a:p>
+            <a:pPr lvl="0">
+              <a:buNone/>
+            </a:pPr>
+            <a:r>
+              <a:rPr lang="en-US" dirty="0">
+                <a:latin typeface="Calibri" pitchFamily="34"/>
+              </a:rPr>
+              <a:t>Guido </a:t>
+            </a:r>
+            <a:r>
+              <a:rPr lang="en-US" dirty="0" err="1">
+                <a:latin typeface="Calibri" pitchFamily="34"/>
+              </a:rPr>
+              <a:t>Pederzini</a:t>
+            </a:r>
+            <a:endParaRPr lang="en-US" dirty="0">
+              <a:latin typeface="Calibri" pitchFamily="34"/>
+            </a:endParaRPr>
+          </a:p>
+          <a:p>
+            <a:pPr lvl="0"/>
+            <a:r>
+              <a:rPr lang="en-US" dirty="0" err="1">
+                <a:latin typeface="Calibri" pitchFamily="34"/>
+              </a:rPr>
+              <a:t>Ingegnere</a:t>
+            </a:r>
+            <a:r>
+              <a:rPr lang="en-US" dirty="0">
+                <a:latin typeface="Calibri" pitchFamily="34"/>
+              </a:rPr>
+              <a:t> </a:t>
+            </a:r>
+            <a:r>
+              <a:rPr lang="en-US" dirty="0" err="1">
+                <a:latin typeface="Calibri" pitchFamily="34"/>
+              </a:rPr>
+              <a:t>informatico</a:t>
+            </a:r>
+            <a:r>
+              <a:rPr lang="en-US" dirty="0">
+                <a:latin typeface="Calibri" pitchFamily="34"/>
+              </a:rPr>
+              <a:t> di 37 </a:t>
+            </a:r>
+            <a:r>
+              <a:rPr lang="en-US" dirty="0" err="1">
+                <a:latin typeface="Calibri" pitchFamily="34"/>
+              </a:rPr>
+              <a:t>anni</a:t>
+            </a:r>
+            <a:endParaRPr lang="en-US" dirty="0">
+              <a:latin typeface="Calibri" pitchFamily="34"/>
+            </a:endParaRPr>
+          </a:p>
+          <a:p>
+            <a:pPr lvl="0"/>
+            <a:r>
+              <a:rPr lang="en-US" dirty="0" err="1">
+                <a:latin typeface="Calibri" pitchFamily="34"/>
+              </a:rPr>
+              <a:t>Esperienza</a:t>
+            </a:r>
+            <a:r>
+              <a:rPr lang="en-US" dirty="0">
+                <a:latin typeface="Calibri" pitchFamily="34"/>
+              </a:rPr>
+              <a:t> </a:t>
+            </a:r>
+            <a:r>
+              <a:rPr lang="en-US" dirty="0" err="1">
+                <a:latin typeface="Calibri" pitchFamily="34"/>
+              </a:rPr>
+              <a:t>nel</a:t>
+            </a:r>
+            <a:r>
+              <a:rPr lang="en-US" dirty="0">
+                <a:latin typeface="Calibri" pitchFamily="34"/>
+              </a:rPr>
+              <a:t> </a:t>
+            </a:r>
+            <a:r>
+              <a:rPr lang="en-US" dirty="0" err="1">
+                <a:latin typeface="Calibri" pitchFamily="34"/>
+              </a:rPr>
+              <a:t>mondo</a:t>
+            </a:r>
+            <a:r>
+              <a:rPr lang="en-US" dirty="0">
+                <a:latin typeface="Calibri" pitchFamily="34"/>
+              </a:rPr>
+              <a:t> </a:t>
+            </a:r>
+            <a:r>
+              <a:rPr lang="en-US" dirty="0" err="1">
+                <a:latin typeface="Calibri" pitchFamily="34"/>
+              </a:rPr>
+              <a:t>biomedicale</a:t>
+            </a:r>
+            <a:r>
+              <a:rPr lang="en-US" dirty="0">
+                <a:latin typeface="Calibri" pitchFamily="34"/>
+              </a:rPr>
+              <a:t> dal 2004 al 2007</a:t>
+            </a:r>
+          </a:p>
+          <a:p>
+            <a:pPr lvl="0"/>
+            <a:r>
+              <a:rPr lang="en-US" dirty="0">
+                <a:latin typeface="Calibri" pitchFamily="34"/>
+              </a:rPr>
+              <a:t>Un </a:t>
+            </a:r>
+            <a:r>
+              <a:rPr lang="en-US" dirty="0" err="1">
+                <a:latin typeface="Calibri" pitchFamily="34"/>
+              </a:rPr>
+              <a:t>po</a:t>
+            </a:r>
+            <a:r>
+              <a:rPr lang="en-US" dirty="0">
+                <a:latin typeface="Calibri" pitchFamily="34"/>
+              </a:rPr>
+              <a:t>' di web app dal 2007 al 2008</a:t>
+            </a:r>
+          </a:p>
+          <a:p>
+            <a:pPr lvl="0"/>
+            <a:r>
+              <a:rPr lang="en-US" dirty="0">
+                <a:latin typeface="Calibri" pitchFamily="34"/>
+              </a:rPr>
+              <a:t>Dal 2008 </a:t>
+            </a:r>
+            <a:r>
+              <a:rPr lang="en-US" dirty="0" err="1">
+                <a:latin typeface="Calibri" pitchFamily="34"/>
+              </a:rPr>
+              <a:t>membro</a:t>
+            </a:r>
+            <a:r>
+              <a:rPr lang="en-US" dirty="0">
+                <a:latin typeface="Calibri" pitchFamily="34"/>
+              </a:rPr>
+              <a:t> di un team agile, </a:t>
+            </a:r>
+            <a:r>
+              <a:rPr lang="en-US" dirty="0" err="1">
+                <a:latin typeface="Calibri" pitchFamily="34"/>
+              </a:rPr>
+              <a:t>che</a:t>
+            </a:r>
+            <a:r>
+              <a:rPr lang="en-US" dirty="0">
+                <a:latin typeface="Calibri" pitchFamily="34"/>
+              </a:rPr>
+              <a:t> </a:t>
+            </a:r>
+            <a:r>
+              <a:rPr lang="en-US" dirty="0" err="1">
+                <a:latin typeface="Calibri" pitchFamily="34"/>
+              </a:rPr>
+              <a:t>sviluppa</a:t>
+            </a:r>
+            <a:r>
+              <a:rPr lang="en-US" dirty="0">
+                <a:latin typeface="Calibri" pitchFamily="34"/>
+              </a:rPr>
+              <a:t> software per </a:t>
+            </a:r>
+            <a:r>
+              <a:rPr lang="en-US" dirty="0" err="1">
+                <a:latin typeface="Calibri" pitchFamily="34"/>
+              </a:rPr>
+              <a:t>una</a:t>
+            </a:r>
+            <a:r>
+              <a:rPr lang="en-US" dirty="0">
+                <a:latin typeface="Calibri" pitchFamily="34"/>
+              </a:rPr>
+              <a:t> </a:t>
+            </a:r>
+            <a:r>
+              <a:rPr lang="en-US" dirty="0" err="1">
+                <a:latin typeface="Calibri" pitchFamily="34"/>
+              </a:rPr>
+              <a:t>scuderia</a:t>
+            </a:r>
+            <a:r>
+              <a:rPr lang="en-US" dirty="0">
+                <a:latin typeface="Calibri" pitchFamily="34"/>
+              </a:rPr>
+              <a:t> di F1</a:t>
+            </a:r>
+          </a:p>
+          <a:p>
+            <a:endParaRPr lang="it-IT" dirty="0" smtClean="0"/>
+          </a:p>
+        </p:txBody>
+      </p:sp>
+    </p:spTree>
+    <p:extLst>
+      <p:ext uri="{BB962C8B-B14F-4D97-AF65-F5344CB8AC3E}">
+        <p14:creationId xmlns:p14="http://schemas.microsoft.com/office/powerpoint/2010/main" val="1902386279"/>
+      </p:ext>
+    </p:extLst>
+  </p:cSld>
+  <p:clrMapOvr>
+    <a:masterClrMapping/>
+  </p:clrMapOvr>
+  <mc:AlternateContent xmlns:mc="http://schemas.openxmlformats.org/markup-compatibility/2006" xmlns:p14="http://schemas.microsoft.com/office/powerpoint/2010/main">
+    <mc:Choice Requires="p14">
+      <p:transition spd="slow" p14:dur="2000"/>
+    </mc:Choice>
+    <mc:Fallback xmlns="">
+      <p:transition spd="slow"/>
+    </mc:Fallback>
+  </mc:AlternateContent>
+  <p:timing>
+    <p:tnLst>
+      <p:par>
+        <p:cTn id="1" dur="indefinite" restart="never" nodeType="tmRoot"/>
+      </p:par>
+    </p:tnLst>
+  </p:timing>
+</p:sld>
+</file>
+
+<file path=ppt/slides/slide40.xml><?xml version="1.0" encoding="utf-8"?>
+<p:sld xmlns:a="http://schemas.openxmlformats.org/drawingml/2006/main" xmlns:r="http://schemas.openxmlformats.org/officeDocument/2006/relationships" xmlns:p="http://schemas.openxmlformats.org/presentationml/2006/main">
+  <p:cSld>
+    <p:spTree>
+      <p:nvGrpSpPr>
+        <p:cNvPr id="1" name=""/>
+        <p:cNvGrpSpPr/>
+        <p:nvPr/>
+      </p:nvGrpSpPr>
+      <p:grpSpPr>
+        <a:xfrm>
+          <a:off x="0" y="0"/>
+          <a:ext cx="0" cy="0"/>
+          <a:chOff x="0" y="0"/>
+          <a:chExt cx="0" cy="0"/>
+        </a:xfrm>
+      </p:grpSpPr>
+      <p:sp>
+        <p:nvSpPr>
+          <p:cNvPr id="2" name="Title 1"/>
+          <p:cNvSpPr>
+            <a:spLocks noGrp="1"/>
+          </p:cNvSpPr>
+          <p:nvPr>
+            <p:ph type="title"/>
+          </p:nvPr>
+        </p:nvSpPr>
+        <p:spPr/>
+        <p:txBody>
+          <a:bodyPr/>
+          <a:lstStyle/>
+          <a:p>
+            <a:r>
+              <a:rPr lang="en-US" dirty="0" smtClean="0"/>
+              <a:t>Debugger </a:t>
+            </a:r>
+            <a:r>
+              <a:rPr lang="en-US" dirty="0" smtClean="0"/>
+              <a:t>– </a:t>
+            </a:r>
+            <a:r>
+              <a:rPr lang="en-US" dirty="0" err="1" smtClean="0"/>
+              <a:t>configurazioni</a:t>
+            </a:r>
+            <a:r>
+              <a:rPr lang="en-US" dirty="0" smtClean="0"/>
+              <a:t>	</a:t>
+            </a:r>
+            <a:endParaRPr lang="it-IT" dirty="0"/>
+          </a:p>
+        </p:txBody>
+      </p:sp>
+      <p:sp>
+        <p:nvSpPr>
+          <p:cNvPr id="3" name="Content Placeholder 2"/>
+          <p:cNvSpPr>
+            <a:spLocks noGrp="1"/>
+          </p:cNvSpPr>
+          <p:nvPr>
+            <p:ph idx="1"/>
+          </p:nvPr>
+        </p:nvSpPr>
+        <p:spPr/>
+        <p:txBody>
+          <a:bodyPr>
+            <a:normAutofit/>
+          </a:bodyPr>
+          <a:lstStyle/>
+          <a:p>
+            <a:pPr lvl="0" algn="just"/>
+            <a:r>
+              <a:rPr lang="it-IT" dirty="0" smtClean="0"/>
+              <a:t>Le configurazoni di default di Visual Studio per la compilazione in debug sono tipicamente più che sufficienti a impostare una sessione di debug. </a:t>
+            </a:r>
+          </a:p>
+          <a:p>
+            <a:pPr lvl="0" algn="just"/>
+            <a:r>
+              <a:rPr lang="it-IT" dirty="0" smtClean="0"/>
+              <a:t>Molto utili sono 2 opzioni che vengono utilizzate prima di ogni sessione, ovvero </a:t>
+            </a:r>
+          </a:p>
+          <a:p>
+            <a:pPr lvl="1" algn="just"/>
+            <a:r>
+              <a:rPr lang="it-IT" dirty="0" smtClean="0"/>
+              <a:t>Command Argument: possiamo specificare argomenti con cui lanciare l’eseguibile</a:t>
+            </a:r>
+          </a:p>
+          <a:p>
+            <a:pPr lvl="1" algn="just"/>
+            <a:r>
+              <a:rPr lang="it-IT" dirty="0" smtClean="0"/>
+              <a:t>Environment: possiamo impostare variabili d’ambiente per la sessione</a:t>
+            </a:r>
+          </a:p>
+          <a:p>
+            <a:pPr algn="just"/>
+            <a:r>
+              <a:rPr lang="it-IT" dirty="0" smtClean="0"/>
+              <a:t>A livello di progetto:</a:t>
+            </a:r>
+          </a:p>
+          <a:p>
+            <a:pPr lvl="1" algn="just"/>
+            <a:r>
+              <a:rPr lang="it-IT" dirty="0" smtClean="0"/>
+              <a:t>Ottimizzazioni disabilitate (/Od) </a:t>
+            </a:r>
+            <a:r>
+              <a:rPr lang="it-IT" dirty="0" smtClean="0">
+                <a:sym typeface="Wingdings" panose="05000000000000000000" pitchFamily="2" charset="2"/>
+              </a:rPr>
+              <a:t> compile</a:t>
+            </a:r>
+            <a:endParaRPr lang="it-IT" dirty="0" smtClean="0"/>
+          </a:p>
+          <a:p>
+            <a:pPr lvl="1" algn="just"/>
+            <a:r>
+              <a:rPr lang="it-IT" dirty="0" smtClean="0"/>
+              <a:t>Debug information format (/Zi /Z7 /Zi) </a:t>
+            </a:r>
+            <a:r>
+              <a:rPr lang="it-IT" dirty="0">
+                <a:sym typeface="Wingdings" panose="05000000000000000000" pitchFamily="2" charset="2"/>
+              </a:rPr>
+              <a:t> </a:t>
+            </a:r>
+            <a:r>
+              <a:rPr lang="it-IT" dirty="0" smtClean="0">
+                <a:sym typeface="Wingdings" panose="05000000000000000000" pitchFamily="2" charset="2"/>
+              </a:rPr>
+              <a:t>compile</a:t>
+            </a:r>
+            <a:endParaRPr lang="it-IT" dirty="0" smtClean="0"/>
+          </a:p>
+          <a:p>
+            <a:pPr lvl="1" algn="just"/>
+            <a:r>
+              <a:rPr lang="it-IT" dirty="0" smtClean="0"/>
+              <a:t>Generate debug info (/DEBUG) </a:t>
+            </a:r>
+            <a:r>
+              <a:rPr lang="it-IT" dirty="0">
+                <a:sym typeface="Wingdings" panose="05000000000000000000" pitchFamily="2" charset="2"/>
+              </a:rPr>
+              <a:t> </a:t>
+            </a:r>
+            <a:r>
+              <a:rPr lang="it-IT" dirty="0" smtClean="0">
+                <a:sym typeface="Wingdings" panose="05000000000000000000" pitchFamily="2" charset="2"/>
+              </a:rPr>
+              <a:t>link</a:t>
+            </a:r>
+            <a:endParaRPr lang="it-IT" dirty="0" smtClean="0"/>
+          </a:p>
+          <a:p>
+            <a:pPr lvl="1" algn="just"/>
+            <a:r>
+              <a:rPr lang="it-IT" dirty="0" smtClean="0"/>
+              <a:t>Generate map file (/MAP) </a:t>
+            </a:r>
+            <a:r>
+              <a:rPr lang="it-IT" dirty="0">
+                <a:sym typeface="Wingdings" panose="05000000000000000000" pitchFamily="2" charset="2"/>
+              </a:rPr>
+              <a:t> </a:t>
+            </a:r>
+            <a:r>
+              <a:rPr lang="it-IT" dirty="0" smtClean="0">
+                <a:sym typeface="Wingdings" panose="05000000000000000000" pitchFamily="2" charset="2"/>
+              </a:rPr>
+              <a:t>link (opzionale)</a:t>
+            </a:r>
+            <a:endParaRPr lang="it-IT" dirty="0" smtClean="0"/>
+          </a:p>
+          <a:p>
+            <a:pPr lvl="1" algn="just"/>
+            <a:endParaRPr lang="it-IT" dirty="0"/>
+          </a:p>
+          <a:p>
+            <a:pPr marL="274320" lvl="1" indent="0" algn="just">
+              <a:buNone/>
+            </a:pPr>
+            <a:endParaRPr lang="it-IT" dirty="0"/>
+          </a:p>
+        </p:txBody>
+      </p:sp>
+    </p:spTree>
+    <p:extLst>
+      <p:ext uri="{BB962C8B-B14F-4D97-AF65-F5344CB8AC3E}">
+        <p14:creationId xmlns:p14="http://schemas.microsoft.com/office/powerpoint/2010/main" val="1234220844"/>
+      </p:ext>
+    </p:extLst>
+  </p:cSld>
+  <p:clrMapOvr>
+    <a:masterClrMapping/>
+  </p:clrMapOvr>
+  <mc:AlternateContent xmlns:mc="http://schemas.openxmlformats.org/markup-compatibility/2006" xmlns:p14="http://schemas.microsoft.com/office/powerpoint/2010/main">
+    <mc:Choice Requires="p14">
+      <p:transition spd="slow" p14:dur="2000"/>
+    </mc:Choice>
+    <mc:Fallback xmlns="">
+      <p:transition spd="slow"/>
+    </mc:Fallback>
+  </mc:AlternateContent>
+  <p:timing>
+    <p:tnLst>
+      <p:par>
+        <p:cTn id="1" dur="indefinite" restart="never" nodeType="tmRoot"/>
+      </p:par>
+    </p:tnLst>
+  </p:timing>
+</p:sld>
+</file>
+
+<file path=ppt/slides/slide41.xml><?xml version="1.0" encoding="utf-8"?>
+<p:sld xmlns:a="http://schemas.openxmlformats.org/drawingml/2006/main" xmlns:r="http://schemas.openxmlformats.org/officeDocument/2006/relationships" xmlns:p="http://schemas.openxmlformats.org/presentationml/2006/main">
+  <p:cSld>
+    <p:spTree>
+      <p:nvGrpSpPr>
+        <p:cNvPr id="1" name=""/>
+        <p:cNvGrpSpPr/>
+        <p:nvPr/>
+      </p:nvGrpSpPr>
+      <p:grpSpPr>
+        <a:xfrm>
+          <a:off x="0" y="0"/>
+          <a:ext cx="0" cy="0"/>
+          <a:chOff x="0" y="0"/>
+          <a:chExt cx="0" cy="0"/>
+        </a:xfrm>
+      </p:grpSpPr>
+      <p:sp>
+        <p:nvSpPr>
+          <p:cNvPr id="2" name="Title 1"/>
+          <p:cNvSpPr>
+            <a:spLocks noGrp="1"/>
+          </p:cNvSpPr>
+          <p:nvPr>
+            <p:ph type="title"/>
+          </p:nvPr>
+        </p:nvSpPr>
+        <p:spPr/>
+        <p:txBody>
+          <a:bodyPr/>
+          <a:lstStyle/>
+          <a:p>
+            <a:r>
+              <a:rPr lang="en-US" dirty="0" smtClean="0"/>
+              <a:t>Debugger </a:t>
+            </a:r>
+            <a:r>
+              <a:rPr lang="en-US" dirty="0" smtClean="0"/>
+              <a:t>– attach to process</a:t>
+            </a:r>
+            <a:r>
+              <a:rPr lang="en-US" dirty="0" smtClean="0"/>
+              <a:t>	</a:t>
+            </a:r>
+            <a:endParaRPr lang="it-IT" dirty="0"/>
+          </a:p>
+        </p:txBody>
+      </p:sp>
+      <p:sp>
+        <p:nvSpPr>
+          <p:cNvPr id="3" name="Content Placeholder 2"/>
+          <p:cNvSpPr>
+            <a:spLocks noGrp="1"/>
+          </p:cNvSpPr>
+          <p:nvPr>
+            <p:ph idx="1"/>
+          </p:nvPr>
+        </p:nvSpPr>
+        <p:spPr/>
+        <p:txBody>
+          <a:bodyPr>
+            <a:normAutofit/>
+          </a:bodyPr>
+          <a:lstStyle/>
+          <a:p>
+            <a:pPr lvl="0" algn="just"/>
+            <a:r>
+              <a:rPr lang="it-IT" smtClean="0"/>
+              <a:t>Questa opzione è una delle mie preferite, sia per la robustezza che per i vantaggi che porta</a:t>
+            </a:r>
+          </a:p>
+          <a:p>
+            <a:pPr lvl="0" algn="just"/>
+            <a:endParaRPr lang="it-IT" dirty="0"/>
+          </a:p>
+        </p:txBody>
+      </p:sp>
+    </p:spTree>
+    <p:extLst>
+      <p:ext uri="{BB962C8B-B14F-4D97-AF65-F5344CB8AC3E}">
+        <p14:creationId xmlns:p14="http://schemas.microsoft.com/office/powerpoint/2010/main" val="783134709"/>
+      </p:ext>
+    </p:extLst>
+  </p:cSld>
+  <p:clrMapOvr>
+    <a:masterClrMapping/>
+  </p:clrMapOvr>
+  <mc:AlternateContent xmlns:mc="http://schemas.openxmlformats.org/markup-compatibility/2006">
+    <mc:Choice xmlns:p14="http://schemas.microsoft.com/office/powerpoint/2010/main" Requires="p14">
+      <p:transition spd="slow" p14:dur="2000"/>
+    </mc:Choice>
+    <mc:Fallback>
+      <p:transition spd="slow"/>
+    </mc:Fallback>
+  </mc:AlternateContent>
+  <p:timing>
+    <p:tnLst>
+      <p:par>
+        <p:cTn id="1" dur="indefinite" restart="never" nodeType="tmRoot"/>
+      </p:par>
+    </p:tnLst>
+  </p:timing>
+</p:sld>
+</file>
+
+<file path=ppt/slides/slide42.xml><?xml version="1.0" encoding="utf-8"?>
+<p:sld xmlns:a="http://schemas.openxmlformats.org/drawingml/2006/main" xmlns:r="http://schemas.openxmlformats.org/officeDocument/2006/relationships" xmlns:p="http://schemas.openxmlformats.org/presentationml/2006/main">
+  <p:cSld>
+    <p:spTree>
+      <p:nvGrpSpPr>
+        <p:cNvPr id="1" name=""/>
+        <p:cNvGrpSpPr/>
+        <p:nvPr/>
+      </p:nvGrpSpPr>
+      <p:grpSpPr>
+        <a:xfrm>
+          <a:off x="0" y="0"/>
+          <a:ext cx="0" cy="0"/>
+          <a:chOff x="0" y="0"/>
+          <a:chExt cx="0" cy="0"/>
+        </a:xfrm>
+      </p:grpSpPr>
+      <p:sp>
+        <p:nvSpPr>
           <p:cNvPr id="4" name="Title 3"/>
           <p:cNvSpPr>
             <a:spLocks noGrp="1"/>
@@ -15527,7 +18631,7 @@
 </p:sld>
 </file>
 
-<file path=ppt/slides/slide34.xml><?xml version="1.0" encoding="utf-8"?>
+<file path=ppt/slides/slide43.xml><?xml version="1.0" encoding="utf-8"?>
 <p:sld xmlns:a="http://schemas.openxmlformats.org/drawingml/2006/main" xmlns:r="http://schemas.openxmlformats.org/officeDocument/2006/relationships" xmlns:p="http://schemas.openxmlformats.org/presentationml/2006/main">
   <p:cSld>
     <p:spTree>
@@ -15743,292 +18847,6 @@
   <p:clrMapOvr>
     <a:masterClrMapping/>
   </p:clrMapOvr>
-  <p:timing>
-    <p:tnLst>
-      <p:par>
-        <p:cTn id="1" dur="indefinite" restart="never" nodeType="tmRoot"/>
-      </p:par>
-    </p:tnLst>
-  </p:timing>
-</p:sld>
-</file>
-
-<file path=ppt/slides/slide4.xml><?xml version="1.0" encoding="utf-8"?>
-<p:sld xmlns:a="http://schemas.openxmlformats.org/drawingml/2006/main" xmlns:r="http://schemas.openxmlformats.org/officeDocument/2006/relationships" xmlns:p="http://schemas.openxmlformats.org/presentationml/2006/main">
-  <p:cSld>
-    <p:spTree>
-      <p:nvGrpSpPr>
-        <p:cNvPr id="1" name=""/>
-        <p:cNvGrpSpPr/>
-        <p:nvPr/>
-      </p:nvGrpSpPr>
-      <p:grpSpPr>
-        <a:xfrm>
-          <a:off x="0" y="0"/>
-          <a:ext cx="0" cy="0"/>
-          <a:chOff x="0" y="0"/>
-          <a:chExt cx="0" cy="0"/>
-        </a:xfrm>
-      </p:grpSpPr>
-      <p:sp>
-        <p:nvSpPr>
-          <p:cNvPr id="2" name="Title 1"/>
-          <p:cNvSpPr>
-            <a:spLocks noGrp="1"/>
-          </p:cNvSpPr>
-          <p:nvPr>
-            <p:ph type="title"/>
-          </p:nvPr>
-        </p:nvSpPr>
-        <p:spPr/>
-        <p:txBody>
-          <a:bodyPr/>
-          <a:lstStyle/>
-          <a:p>
-            <a:r>
-              <a:rPr lang="it-IT" dirty="0" smtClean="0"/>
-              <a:t>Chi sono</a:t>
-            </a:r>
-            <a:endParaRPr lang="it-IT" dirty="0"/>
-          </a:p>
-        </p:txBody>
-      </p:sp>
-      <p:sp>
-        <p:nvSpPr>
-          <p:cNvPr id="3" name="Content Placeholder 2"/>
-          <p:cNvSpPr>
-            <a:spLocks noGrp="1"/>
-          </p:cNvSpPr>
-          <p:nvPr>
-            <p:ph idx="1"/>
-          </p:nvPr>
-        </p:nvSpPr>
-        <p:spPr/>
-        <p:txBody>
-          <a:bodyPr>
-            <a:normAutofit/>
-          </a:bodyPr>
-          <a:lstStyle/>
-          <a:p>
-            <a:pPr lvl="0">
-              <a:buNone/>
-            </a:pPr>
-            <a:r>
-              <a:rPr lang="en-US" dirty="0">
-                <a:latin typeface="Calibri" pitchFamily="34"/>
-              </a:rPr>
-              <a:t>Guido </a:t>
-            </a:r>
-            <a:r>
-              <a:rPr lang="en-US" dirty="0" err="1">
-                <a:latin typeface="Calibri" pitchFamily="34"/>
-              </a:rPr>
-              <a:t>Pederzini</a:t>
-            </a:r>
-            <a:endParaRPr lang="en-US" dirty="0">
-              <a:latin typeface="Calibri" pitchFamily="34"/>
-            </a:endParaRPr>
-          </a:p>
-          <a:p>
-            <a:pPr lvl="0"/>
-            <a:r>
-              <a:rPr lang="en-US" dirty="0" err="1">
-                <a:latin typeface="Calibri" pitchFamily="34"/>
-              </a:rPr>
-              <a:t>Ingegnere</a:t>
-            </a:r>
-            <a:r>
-              <a:rPr lang="en-US" dirty="0">
-                <a:latin typeface="Calibri" pitchFamily="34"/>
-              </a:rPr>
-              <a:t> </a:t>
-            </a:r>
-            <a:r>
-              <a:rPr lang="en-US" dirty="0" err="1">
-                <a:latin typeface="Calibri" pitchFamily="34"/>
-              </a:rPr>
-              <a:t>informatico</a:t>
-            </a:r>
-            <a:r>
-              <a:rPr lang="en-US" dirty="0">
-                <a:latin typeface="Calibri" pitchFamily="34"/>
-              </a:rPr>
-              <a:t> di 37 </a:t>
-            </a:r>
-            <a:r>
-              <a:rPr lang="en-US" dirty="0" err="1">
-                <a:latin typeface="Calibri" pitchFamily="34"/>
-              </a:rPr>
-              <a:t>anni</a:t>
-            </a:r>
-            <a:endParaRPr lang="en-US" dirty="0">
-              <a:latin typeface="Calibri" pitchFamily="34"/>
-            </a:endParaRPr>
-          </a:p>
-          <a:p>
-            <a:pPr lvl="0"/>
-            <a:r>
-              <a:rPr lang="en-US" dirty="0" err="1">
-                <a:latin typeface="Calibri" pitchFamily="34"/>
-              </a:rPr>
-              <a:t>Esperienza</a:t>
-            </a:r>
-            <a:r>
-              <a:rPr lang="en-US" dirty="0">
-                <a:latin typeface="Calibri" pitchFamily="34"/>
-              </a:rPr>
-              <a:t> </a:t>
-            </a:r>
-            <a:r>
-              <a:rPr lang="en-US" dirty="0" err="1">
-                <a:latin typeface="Calibri" pitchFamily="34"/>
-              </a:rPr>
-              <a:t>nel</a:t>
-            </a:r>
-            <a:r>
-              <a:rPr lang="en-US" dirty="0">
-                <a:latin typeface="Calibri" pitchFamily="34"/>
-              </a:rPr>
-              <a:t> </a:t>
-            </a:r>
-            <a:r>
-              <a:rPr lang="en-US" dirty="0" err="1">
-                <a:latin typeface="Calibri" pitchFamily="34"/>
-              </a:rPr>
-              <a:t>mondo</a:t>
-            </a:r>
-            <a:r>
-              <a:rPr lang="en-US" dirty="0">
-                <a:latin typeface="Calibri" pitchFamily="34"/>
-              </a:rPr>
-              <a:t> </a:t>
-            </a:r>
-            <a:r>
-              <a:rPr lang="en-US" dirty="0" err="1">
-                <a:latin typeface="Calibri" pitchFamily="34"/>
-              </a:rPr>
-              <a:t>biomedicale</a:t>
-            </a:r>
-            <a:r>
-              <a:rPr lang="en-US" dirty="0">
-                <a:latin typeface="Calibri" pitchFamily="34"/>
-              </a:rPr>
-              <a:t> dal 2004 al 2007</a:t>
-            </a:r>
-          </a:p>
-          <a:p>
-            <a:pPr lvl="0"/>
-            <a:r>
-              <a:rPr lang="en-US" dirty="0">
-                <a:latin typeface="Calibri" pitchFamily="34"/>
-              </a:rPr>
-              <a:t>Un </a:t>
-            </a:r>
-            <a:r>
-              <a:rPr lang="en-US" dirty="0" err="1">
-                <a:latin typeface="Calibri" pitchFamily="34"/>
-              </a:rPr>
-              <a:t>po</a:t>
-            </a:r>
-            <a:r>
-              <a:rPr lang="en-US" dirty="0">
-                <a:latin typeface="Calibri" pitchFamily="34"/>
-              </a:rPr>
-              <a:t>' di web app dal 2007 al 2008</a:t>
-            </a:r>
-          </a:p>
-          <a:p>
-            <a:pPr lvl="0"/>
-            <a:r>
-              <a:rPr lang="en-US" dirty="0">
-                <a:latin typeface="Calibri" pitchFamily="34"/>
-              </a:rPr>
-              <a:t>Dal 2008 </a:t>
-            </a:r>
-            <a:r>
-              <a:rPr lang="en-US" dirty="0" err="1">
-                <a:latin typeface="Calibri" pitchFamily="34"/>
-              </a:rPr>
-              <a:t>membro</a:t>
-            </a:r>
-            <a:r>
-              <a:rPr lang="en-US" dirty="0">
-                <a:latin typeface="Calibri" pitchFamily="34"/>
-              </a:rPr>
-              <a:t> di un team agile, </a:t>
-            </a:r>
-            <a:r>
-              <a:rPr lang="en-US" dirty="0" err="1">
-                <a:latin typeface="Calibri" pitchFamily="34"/>
-              </a:rPr>
-              <a:t>che</a:t>
-            </a:r>
-            <a:r>
-              <a:rPr lang="en-US" dirty="0">
-                <a:latin typeface="Calibri" pitchFamily="34"/>
-              </a:rPr>
-              <a:t> </a:t>
-            </a:r>
-            <a:r>
-              <a:rPr lang="en-US" dirty="0" err="1">
-                <a:latin typeface="Calibri" pitchFamily="34"/>
-              </a:rPr>
-              <a:t>sviluppa</a:t>
-            </a:r>
-            <a:r>
-              <a:rPr lang="en-US" dirty="0">
-                <a:latin typeface="Calibri" pitchFamily="34"/>
-              </a:rPr>
-              <a:t> software per </a:t>
-            </a:r>
-            <a:r>
-              <a:rPr lang="en-US" dirty="0" err="1">
-                <a:latin typeface="Calibri" pitchFamily="34"/>
-              </a:rPr>
-              <a:t>una</a:t>
-            </a:r>
-            <a:r>
-              <a:rPr lang="en-US" dirty="0">
-                <a:latin typeface="Calibri" pitchFamily="34"/>
-              </a:rPr>
-              <a:t> </a:t>
-            </a:r>
-            <a:r>
-              <a:rPr lang="en-US" dirty="0" err="1">
-                <a:latin typeface="Calibri" pitchFamily="34"/>
-              </a:rPr>
-              <a:t>scuderia</a:t>
-            </a:r>
-            <a:r>
-              <a:rPr lang="en-US" dirty="0">
-                <a:latin typeface="Calibri" pitchFamily="34"/>
-              </a:rPr>
-              <a:t> di F1</a:t>
-            </a:r>
-          </a:p>
-          <a:p>
-            <a:endParaRPr lang="it-IT" dirty="0" smtClean="0"/>
-          </a:p>
-        </p:txBody>
-      </p:sp>
-    </p:spTree>
-    <p:extLst>
-      <p:ext uri="{BB962C8B-B14F-4D97-AF65-F5344CB8AC3E}">
-        <p14:creationId xmlns:p14="http://schemas.microsoft.com/office/powerpoint/2010/main" val="1902386279"/>
-      </p:ext>
-    </p:extLst>
-  </p:cSld>
-  <p:clrMapOvr>
-    <a:masterClrMapping/>
-  </p:clrMapOvr>
-  <mc:AlternateContent xmlns:mc="http://schemas.openxmlformats.org/markup-compatibility/2006" xmlns:p14="http://schemas.microsoft.com/office/powerpoint/2010/main">
-    <mc:Choice Requires="p14">
-      <p:transition spd="slow" p14:dur="2000"/>
-    </mc:Choice>
-    <mc:Fallback xmlns="">
-      <p:transition spd="slow"/>
-    </mc:Fallback>
-  </mc:AlternateContent>
   <p:timing>
     <p:tnLst>
       <p:par>
@@ -17028,13 +19846,10 @@
               </a:spcBef>
             </a:pPr>
             <a:r>
-              <a:rPr lang="en-US" dirty="0" err="1"/>
-              <a:t>Strumenti</a:t>
-            </a:r>
-            <a:r>
-              <a:rPr lang="en-US" dirty="0"/>
-              <a:t> di testing</a:t>
-            </a:r>
+              <a:rPr lang="en-US" dirty="0" err="1" smtClean="0"/>
+              <a:t>Conclusioni</a:t>
+            </a:r>
+            <a:endParaRPr lang="en-US" dirty="0"/>
           </a:p>
           <a:p>
             <a:pPr marL="0" lvl="0" indent="0">

--- a/presentazioneCDAYS2014.pptx
+++ b/presentazioneCDAYS2014.pptx
@@ -5,10 +5,10 @@
     <p:sldMasterId id="2147483840" r:id="rId1"/>
   </p:sldMasterIdLst>
   <p:notesMasterIdLst>
-    <p:notesMasterId r:id="rId45"/>
+    <p:notesMasterId r:id="rId48"/>
   </p:notesMasterIdLst>
   <p:handoutMasterIdLst>
-    <p:handoutMasterId r:id="rId46"/>
+    <p:handoutMasterId r:id="rId49"/>
   </p:handoutMasterIdLst>
   <p:sldIdLst>
     <p:sldId id="256" r:id="rId2"/>
@@ -52,8 +52,11 @@
     <p:sldId id="298" r:id="rId40"/>
     <p:sldId id="299" r:id="rId41"/>
     <p:sldId id="301" r:id="rId42"/>
-    <p:sldId id="264" r:id="rId43"/>
-    <p:sldId id="263" r:id="rId44"/>
+    <p:sldId id="303" r:id="rId43"/>
+    <p:sldId id="302" r:id="rId44"/>
+    <p:sldId id="304" r:id="rId45"/>
+    <p:sldId id="264" r:id="rId46"/>
+    <p:sldId id="263" r:id="rId47"/>
   </p:sldIdLst>
   <p:sldSz cx="12192000" cy="6858000"/>
   <p:notesSz cx="6858000" cy="9144000"/>
@@ -198,6 +201,9 @@
             <p14:sldId id="298"/>
             <p14:sldId id="299"/>
             <p14:sldId id="301"/>
+            <p14:sldId id="303"/>
+            <p14:sldId id="302"/>
+            <p14:sldId id="304"/>
             <p14:sldId id="264"/>
             <p14:sldId id="263"/>
           </p14:sldIdLst>
@@ -308,7 +314,7 @@
           <a:p>
             <a:fld id="{7541E3AA-7BE5-4B59-82F5-30F2E5FF0CD3}" type="datetimeFigureOut">
               <a:rPr lang="it-IT" smtClean="0"/>
-              <a:t>16/02/2014</a:t>
+              <a:t>18/02/2014</a:t>
             </a:fld>
             <a:endParaRPr lang="it-IT"/>
           </a:p>
@@ -473,7 +479,7 @@
           <a:p>
             <a:fld id="{1634FCDD-F444-4746-A037-762098AD364A}" type="datetimeFigureOut">
               <a:rPr lang="it-IT" smtClean="0"/>
-              <a:t>16/02/2014</a:t>
+              <a:t>18/02/2014</a:t>
             </a:fld>
             <a:endParaRPr lang="it-IT"/>
           </a:p>
@@ -1040,6 +1046,174 @@
             <p:ph type="sldImg"/>
           </p:nvPr>
         </p:nvSpPr>
+        <p:spPr/>
+      </p:sp>
+      <p:sp>
+        <p:nvSpPr>
+          <p:cNvPr id="3" name="Notes Placeholder 2"/>
+          <p:cNvSpPr>
+            <a:spLocks noGrp="1"/>
+          </p:cNvSpPr>
+          <p:nvPr>
+            <p:ph type="body" idx="1"/>
+          </p:nvPr>
+        </p:nvSpPr>
+        <p:spPr/>
+        <p:txBody>
+          <a:bodyPr/>
+          <a:lstStyle/>
+          <a:p>
+            <a:endParaRPr lang="it-IT" dirty="0"/>
+          </a:p>
+        </p:txBody>
+      </p:sp>
+      <p:sp>
+        <p:nvSpPr>
+          <p:cNvPr id="4" name="Slide Number Placeholder 3"/>
+          <p:cNvSpPr>
+            <a:spLocks noGrp="1"/>
+          </p:cNvSpPr>
+          <p:nvPr>
+            <p:ph type="sldNum" sz="quarter" idx="10"/>
+          </p:nvPr>
+        </p:nvSpPr>
+        <p:spPr/>
+        <p:txBody>
+          <a:bodyPr/>
+          <a:lstStyle/>
+          <a:p>
+            <a:fld id="{718782B7-9148-4F32-BDF6-7B43A5BEBC7B}" type="slidenum">
+              <a:rPr lang="it-IT" smtClean="0"/>
+              <a:t>43</a:t>
+            </a:fld>
+            <a:endParaRPr lang="it-IT"/>
+          </a:p>
+        </p:txBody>
+      </p:sp>
+    </p:spTree>
+    <p:extLst>
+      <p:ext uri="{BB962C8B-B14F-4D97-AF65-F5344CB8AC3E}">
+        <p14:creationId xmlns:p14="http://schemas.microsoft.com/office/powerpoint/2010/main" val="587204659"/>
+      </p:ext>
+    </p:extLst>
+  </p:cSld>
+  <p:clrMapOvr>
+    <a:masterClrMapping/>
+  </p:clrMapOvr>
+</p:notes>
+</file>
+
+<file path=ppt/notesSlides/notesSlide5.xml><?xml version="1.0" encoding="utf-8"?>
+<p:notes xmlns:a="http://schemas.openxmlformats.org/drawingml/2006/main" xmlns:r="http://schemas.openxmlformats.org/officeDocument/2006/relationships" xmlns:p="http://schemas.openxmlformats.org/presentationml/2006/main">
+  <p:cSld>
+    <p:spTree>
+      <p:nvGrpSpPr>
+        <p:cNvPr id="1" name=""/>
+        <p:cNvGrpSpPr/>
+        <p:nvPr/>
+      </p:nvGrpSpPr>
+      <p:grpSpPr>
+        <a:xfrm>
+          <a:off x="0" y="0"/>
+          <a:ext cx="0" cy="0"/>
+          <a:chOff x="0" y="0"/>
+          <a:chExt cx="0" cy="0"/>
+        </a:xfrm>
+      </p:grpSpPr>
+      <p:sp>
+        <p:nvSpPr>
+          <p:cNvPr id="2" name="Slide Image Placeholder 1"/>
+          <p:cNvSpPr>
+            <a:spLocks noGrp="1" noRot="1" noChangeAspect="1"/>
+          </p:cNvSpPr>
+          <p:nvPr>
+            <p:ph type="sldImg"/>
+          </p:nvPr>
+        </p:nvSpPr>
+        <p:spPr/>
+      </p:sp>
+      <p:sp>
+        <p:nvSpPr>
+          <p:cNvPr id="3" name="Notes Placeholder 2"/>
+          <p:cNvSpPr>
+            <a:spLocks noGrp="1"/>
+          </p:cNvSpPr>
+          <p:nvPr>
+            <p:ph type="body" idx="1"/>
+          </p:nvPr>
+        </p:nvSpPr>
+        <p:spPr/>
+        <p:txBody>
+          <a:bodyPr/>
+          <a:lstStyle/>
+          <a:p>
+            <a:endParaRPr lang="it-IT" dirty="0"/>
+          </a:p>
+        </p:txBody>
+      </p:sp>
+      <p:sp>
+        <p:nvSpPr>
+          <p:cNvPr id="4" name="Slide Number Placeholder 3"/>
+          <p:cNvSpPr>
+            <a:spLocks noGrp="1"/>
+          </p:cNvSpPr>
+          <p:nvPr>
+            <p:ph type="sldNum" sz="quarter" idx="10"/>
+          </p:nvPr>
+        </p:nvSpPr>
+        <p:spPr/>
+        <p:txBody>
+          <a:bodyPr/>
+          <a:lstStyle/>
+          <a:p>
+            <a:fld id="{718782B7-9148-4F32-BDF6-7B43A5BEBC7B}" type="slidenum">
+              <a:rPr lang="it-IT" smtClean="0"/>
+              <a:t>44</a:t>
+            </a:fld>
+            <a:endParaRPr lang="it-IT"/>
+          </a:p>
+        </p:txBody>
+      </p:sp>
+    </p:spTree>
+    <p:extLst>
+      <p:ext uri="{BB962C8B-B14F-4D97-AF65-F5344CB8AC3E}">
+        <p14:creationId xmlns:p14="http://schemas.microsoft.com/office/powerpoint/2010/main" val="1946759052"/>
+      </p:ext>
+    </p:extLst>
+  </p:cSld>
+  <p:clrMapOvr>
+    <a:masterClrMapping/>
+  </p:clrMapOvr>
+</p:notes>
+</file>
+
+<file path=ppt/notesSlides/notesSlide6.xml><?xml version="1.0" encoding="utf-8"?>
+<p:notes xmlns:a="http://schemas.openxmlformats.org/drawingml/2006/main" xmlns:r="http://schemas.openxmlformats.org/officeDocument/2006/relationships" xmlns:p="http://schemas.openxmlformats.org/presentationml/2006/main">
+  <p:cSld>
+    <p:spTree>
+      <p:nvGrpSpPr>
+        <p:cNvPr id="1" name=""/>
+        <p:cNvGrpSpPr/>
+        <p:nvPr/>
+      </p:nvGrpSpPr>
+      <p:grpSpPr>
+        <a:xfrm>
+          <a:off x="0" y="0"/>
+          <a:ext cx="0" cy="0"/>
+          <a:chOff x="0" y="0"/>
+          <a:chExt cx="0" cy="0"/>
+        </a:xfrm>
+      </p:grpSpPr>
+      <p:sp>
+        <p:nvSpPr>
+          <p:cNvPr id="2" name="Slide Image Placeholder 1"/>
+          <p:cNvSpPr>
+            <a:spLocks noGrp="1" noRot="1" noChangeAspect="1"/>
+          </p:cNvSpPr>
+          <p:nvPr>
+            <p:ph type="sldImg"/>
+          </p:nvPr>
+        </p:nvSpPr>
         <p:spPr>
           <a:xfrm>
             <a:off x="381000" y="685800"/>
@@ -1087,7 +1261,7 @@
           <a:p>
             <a:fld id="{6B6C5E1B-63F6-4CD9-93BD-FBDB130EB2E4}" type="slidenum">
               <a:rPr lang="it-IT" smtClean="0"/>
-              <a:t>43</a:t>
+              <a:t>46</a:t>
             </a:fld>
             <a:endParaRPr lang="it-IT"/>
           </a:p>
@@ -1533,7 +1707,7 @@
           <a:p>
             <a:fld id="{06D8BB37-67E1-420F-B488-3DE93FA3DF1F}" type="datetimeFigureOut">
               <a:rPr lang="en-US" dirty="0"/>
-              <a:t>2/16/2014</a:t>
+              <a:t>2/18/2014</a:t>
             </a:fld>
             <a:endParaRPr lang="en-US" dirty="0"/>
           </a:p>
@@ -1737,7 +1911,7 @@
           <a:p>
             <a:fld id="{E4B96382-B15D-466F-9E7D-0603461872B7}" type="datetimeFigureOut">
               <a:rPr lang="en-US" dirty="0"/>
-              <a:t>2/16/2014</a:t>
+              <a:t>2/18/2014</a:t>
             </a:fld>
             <a:endParaRPr lang="en-US" dirty="0"/>
           </a:p>
@@ -1993,7 +2167,7 @@
           <a:p>
             <a:fld id="{218672AE-FC7B-40BA-8844-0693A2434617}" type="datetimeFigureOut">
               <a:rPr lang="en-US" dirty="0"/>
-              <a:t>2/16/2014</a:t>
+              <a:t>2/18/2014</a:t>
             </a:fld>
             <a:endParaRPr lang="en-US" dirty="0"/>
           </a:p>
@@ -2237,7 +2411,7 @@
           <a:p>
             <a:fld id="{3568EC8D-9508-4A2C-8FBC-4C089BA52EE5}" type="datetimeFigureOut">
               <a:rPr lang="en-US" dirty="0"/>
-              <a:t>2/16/2014</a:t>
+              <a:t>2/18/2014</a:t>
             </a:fld>
             <a:endParaRPr lang="en-US" dirty="0"/>
           </a:p>
@@ -2562,7 +2736,7 @@
           <a:p>
             <a:fld id="{DB7A1C89-C29A-4D79-B5A1-1F424905E9A1}" type="datetimeFigureOut">
               <a:rPr lang="en-US" dirty="0"/>
-              <a:t>2/16/2014</a:t>
+              <a:t>2/18/2014</a:t>
             </a:fld>
             <a:endParaRPr lang="en-US" dirty="0"/>
           </a:p>
@@ -2926,7 +3100,7 @@
           <a:p>
             <a:fld id="{57ECC248-0691-4AB1-BB8B-882D656FF160}" type="datetimeFigureOut">
               <a:rPr lang="en-US" dirty="0"/>
-              <a:t>2/16/2014</a:t>
+              <a:t>2/18/2014</a:t>
             </a:fld>
             <a:endParaRPr lang="en-US" dirty="0"/>
           </a:p>
@@ -3453,7 +3627,7 @@
           <a:p>
             <a:fld id="{D4E54B09-E178-460F-B46D-023FA9745608}" type="datetimeFigureOut">
               <a:rPr lang="en-US" dirty="0"/>
-              <a:t>2/16/2014</a:t>
+              <a:t>2/18/2014</a:t>
             </a:fld>
             <a:endParaRPr lang="en-US" dirty="0"/>
           </a:p>
@@ -3647,7 +3821,7 @@
           <a:p>
             <a:fld id="{6CD62E06-21B3-4A3D-A6C8-F0DFEB8AB04D}" type="datetimeFigureOut">
               <a:rPr lang="en-US" dirty="0"/>
-              <a:t>2/16/2014</a:t>
+              <a:t>2/18/2014</a:t>
             </a:fld>
             <a:endParaRPr lang="en-US" dirty="0"/>
           </a:p>
@@ -3808,7 +3982,7 @@
           <a:p>
             <a:fld id="{2CC7CC01-41FD-4607-B8B1-976991065B2D}" type="datetimeFigureOut">
               <a:rPr lang="en-US" dirty="0"/>
-              <a:t>2/16/2014</a:t>
+              <a:t>2/18/2014</a:t>
             </a:fld>
             <a:endParaRPr lang="en-US" dirty="0"/>
           </a:p>
@@ -4172,7 +4346,7 @@
           <a:p>
             <a:fld id="{6D6740A7-C153-476A-BA27-5BE657EA7C21}" type="datetimeFigureOut">
               <a:rPr lang="en-US" dirty="0"/>
-              <a:t>2/16/2014</a:t>
+              <a:t>2/18/2014</a:t>
             </a:fld>
             <a:endParaRPr lang="en-US" dirty="0"/>
           </a:p>
@@ -4438,7 +4612,7 @@
           <a:p>
             <a:fld id="{1C86C2EC-F3EA-4AFE-88D7-51A6BBFDBA8B}" type="datetimeFigureOut">
               <a:rPr lang="en-US" dirty="0"/>
-              <a:t>2/16/2014</a:t>
+              <a:t>2/18/2014</a:t>
             </a:fld>
             <a:endParaRPr lang="en-US" dirty="0"/>
           </a:p>
@@ -4832,7 +5006,7 @@
           <a:p>
             <a:fld id="{BF2EAB5F-78EB-45CA-9E26-D1BAA0AA6EEC}" type="datetimeFigureOut">
               <a:rPr lang="en-US" dirty="0"/>
-              <a:t>2/16/2014</a:t>
+              <a:t>2/18/2014</a:t>
             </a:fld>
             <a:endParaRPr lang="en-US" dirty="0"/>
           </a:p>
@@ -17525,11 +17699,11 @@
   <p:clrMapOvr>
     <a:masterClrMapping/>
   </p:clrMapOvr>
-  <mc:AlternateContent xmlns:mc="http://schemas.openxmlformats.org/markup-compatibility/2006">
-    <mc:Choice xmlns:p14="http://schemas.microsoft.com/office/powerpoint/2010/main" Requires="p14">
+  <mc:AlternateContent xmlns:mc="http://schemas.openxmlformats.org/markup-compatibility/2006" xmlns:p14="http://schemas.microsoft.com/office/powerpoint/2010/main">
+    <mc:Choice Requires="p14">
       <p:transition spd="slow" p14:dur="2000"/>
     </mc:Choice>
-    <mc:Fallback>
+    <mc:Fallback xmlns="">
       <p:transition spd="slow"/>
     </mc:Fallback>
   </mc:AlternateContent>
@@ -18254,11 +18428,7 @@
           <a:p>
             <a:r>
               <a:rPr lang="en-US" dirty="0" smtClean="0"/>
-              <a:t>Debugger </a:t>
-            </a:r>
-            <a:r>
-              <a:rPr lang="en-US" dirty="0" smtClean="0"/>
-              <a:t>– </a:t>
+              <a:t>Debugger – </a:t>
             </a:r>
             <a:r>
               <a:rPr lang="en-US" dirty="0" err="1" smtClean="0"/>
@@ -18353,7 +18523,7 @@
               <a:rPr lang="it-IT" dirty="0" smtClean="0">
                 <a:sym typeface="Wingdings" panose="05000000000000000000" pitchFamily="2" charset="2"/>
               </a:rPr>
-              <a:t>compile</a:t>
+              <a:t>compile, consigliato /Zi</a:t>
             </a:r>
             <a:endParaRPr lang="it-IT" dirty="0" smtClean="0"/>
           </a:p>
@@ -18471,15 +18641,7 @@
           <a:p>
             <a:r>
               <a:rPr lang="en-US" dirty="0" smtClean="0"/>
-              <a:t>Debugger </a:t>
-            </a:r>
-            <a:r>
-              <a:rPr lang="en-US" dirty="0" smtClean="0"/>
-              <a:t>– attach to process</a:t>
-            </a:r>
-            <a:r>
-              <a:rPr lang="en-US" dirty="0" smtClean="0"/>
-              <a:t>	</a:t>
+              <a:t>Debugger – attach to process	</a:t>
             </a:r>
             <a:endParaRPr lang="it-IT" dirty="0"/>
           </a:p>
@@ -18504,9 +18666,20 @@
           <a:p>
             <a:pPr lvl="0" algn="just"/>
             <a:r>
-              <a:rPr lang="it-IT" smtClean="0"/>
-              <a:t>Questa opzione è una delle mie preferite, sia per la robustezza che per i vantaggi che porta</a:t>
-            </a:r>
+              <a:rPr lang="it-IT" dirty="0" smtClean="0"/>
+              <a:t>Opzione presente da diverse versioni di Visual Studio</a:t>
+            </a:r>
+          </a:p>
+          <a:p>
+            <a:pPr lvl="0" algn="just"/>
+            <a:r>
+              <a:rPr lang="it-IT" dirty="0" smtClean="0"/>
+              <a:t>E’ una delle feature più utili quando si lavora in ambienti fortemente integrati. Sorprendente la stabilità che offre.</a:t>
+            </a:r>
+          </a:p>
+          <a:p>
+            <a:pPr lvl="0" algn="just"/>
+            <a:endParaRPr lang="it-IT" dirty="0" smtClean="0"/>
           </a:p>
           <a:p>
             <a:pPr lvl="0" algn="just"/>
@@ -18514,6 +18687,54 @@
           </a:p>
         </p:txBody>
       </p:sp>
+      <p:pic>
+        <p:nvPicPr>
+          <p:cNvPr id="4" name="Picture 3"/>
+          <p:cNvPicPr>
+            <a:picLocks noChangeAspect="1"/>
+          </p:cNvPicPr>
+          <p:nvPr/>
+        </p:nvPicPr>
+        <p:blipFill>
+          <a:blip r:embed="rId2"/>
+          <a:stretch>
+            <a:fillRect/>
+          </a:stretch>
+        </p:blipFill>
+        <p:spPr>
+          <a:xfrm>
+            <a:off x="1261872" y="3313382"/>
+            <a:ext cx="3743325" cy="2228850"/>
+          </a:xfrm>
+          <a:prstGeom prst="rect">
+            <a:avLst/>
+          </a:prstGeom>
+        </p:spPr>
+      </p:pic>
+      <p:pic>
+        <p:nvPicPr>
+          <p:cNvPr id="5" name="Picture 4"/>
+          <p:cNvPicPr>
+            <a:picLocks noChangeAspect="1"/>
+          </p:cNvPicPr>
+          <p:nvPr/>
+        </p:nvPicPr>
+        <p:blipFill>
+          <a:blip r:embed="rId3"/>
+          <a:stretch>
+            <a:fillRect/>
+          </a:stretch>
+        </p:blipFill>
+        <p:spPr>
+          <a:xfrm>
+            <a:off x="5134780" y="3313383"/>
+            <a:ext cx="6092679" cy="2228850"/>
+          </a:xfrm>
+          <a:prstGeom prst="rect">
+            <a:avLst/>
+          </a:prstGeom>
+        </p:spPr>
+      </p:pic>
     </p:spTree>
     <p:extLst>
       <p:ext uri="{BB962C8B-B14F-4D97-AF65-F5344CB8AC3E}">
@@ -18524,11 +18745,11 @@
   <p:clrMapOvr>
     <a:masterClrMapping/>
   </p:clrMapOvr>
-  <mc:AlternateContent xmlns:mc="http://schemas.openxmlformats.org/markup-compatibility/2006">
-    <mc:Choice xmlns:p14="http://schemas.microsoft.com/office/powerpoint/2010/main" Requires="p14">
+  <mc:AlternateContent xmlns:mc="http://schemas.openxmlformats.org/markup-compatibility/2006" xmlns:p14="http://schemas.microsoft.com/office/powerpoint/2010/main">
+    <mc:Choice Requires="p14">
       <p:transition spd="slow" p14:dur="2000"/>
     </mc:Choice>
-    <mc:Fallback>
+    <mc:Fallback xmlns="">
       <p:transition spd="slow"/>
     </mc:Fallback>
   </mc:AlternateContent>
@@ -18561,6 +18782,667 @@
       </p:grpSpPr>
       <p:sp>
         <p:nvSpPr>
+          <p:cNvPr id="2" name="Title 1"/>
+          <p:cNvSpPr>
+            <a:spLocks noGrp="1"/>
+          </p:cNvSpPr>
+          <p:nvPr>
+            <p:ph type="title"/>
+          </p:nvPr>
+        </p:nvSpPr>
+        <p:spPr/>
+        <p:txBody>
+          <a:bodyPr/>
+          <a:lstStyle/>
+          <a:p>
+            <a:r>
+              <a:rPr lang="en-US" dirty="0" smtClean="0"/>
+              <a:t>Debugger – attach to </a:t>
+            </a:r>
+            <a:r>
+              <a:rPr lang="en-US" dirty="0" smtClean="0"/>
+              <a:t>process (2)</a:t>
+            </a:r>
+            <a:endParaRPr lang="it-IT" dirty="0"/>
+          </a:p>
+        </p:txBody>
+      </p:sp>
+      <p:sp>
+        <p:nvSpPr>
+          <p:cNvPr id="3" name="Content Placeholder 2"/>
+          <p:cNvSpPr>
+            <a:spLocks noGrp="1"/>
+          </p:cNvSpPr>
+          <p:nvPr>
+            <p:ph idx="1"/>
+          </p:nvPr>
+        </p:nvSpPr>
+        <p:spPr/>
+        <p:txBody>
+          <a:bodyPr>
+            <a:normAutofit lnSpcReduction="10000"/>
+          </a:bodyPr>
+          <a:lstStyle/>
+          <a:p>
+            <a:pPr lvl="0" algn="just"/>
+            <a:r>
+              <a:rPr lang="it-IT" dirty="0" smtClean="0"/>
+              <a:t>Caso molto utilizzato nel nostro ambiente di lavoro, quando vogliamo debuggare il comportamento di DLL native che vengono utilizzate in ambienti esterni a Visual Studio.</a:t>
+            </a:r>
+          </a:p>
+          <a:p>
+            <a:pPr lvl="0" algn="just"/>
+            <a:r>
+              <a:rPr lang="it-IT" dirty="0" smtClean="0"/>
+              <a:t>Il debug in questo caso si chiude sulla macchina stessa, ma è supportato:</a:t>
+            </a:r>
+          </a:p>
+          <a:p>
+            <a:pPr lvl="1" algn="just"/>
+            <a:r>
+              <a:rPr lang="it-IT" dirty="0" smtClean="0"/>
+              <a:t>Debug di processi che non girano con l’utente corrente (show process of all users)</a:t>
+            </a:r>
+          </a:p>
+          <a:p>
+            <a:pPr lvl="1" algn="just"/>
+            <a:r>
+              <a:rPr lang="it-IT" dirty="0" smtClean="0"/>
+              <a:t>Debug di processi su pc remoti (Qualifier)</a:t>
+            </a:r>
+          </a:p>
+          <a:p>
+            <a:pPr lvl="1" algn="just"/>
+            <a:r>
+              <a:rPr lang="it-IT" dirty="0" smtClean="0"/>
+              <a:t>Debug se connessi via RDP (show process in all sessions)</a:t>
+            </a:r>
+          </a:p>
+          <a:p>
+            <a:pPr algn="just"/>
+            <a:r>
+              <a:rPr lang="it-IT" dirty="0" smtClean="0"/>
+              <a:t>Il debug su macchine remote è possibile avendo gli opportuni privilegi e installando i Remote Tools e avendo connessione diretta ethernet</a:t>
+            </a:r>
+          </a:p>
+          <a:p>
+            <a:pPr algn="just"/>
+            <a:r>
+              <a:rPr lang="it-IT" dirty="0" smtClean="0"/>
+              <a:t>E’ possibile attaccarsi a più processi, ma solo uno alla volta è quello debuggabile (CTRL + ALT + Z per fare switch nella finestra dei processi)</a:t>
+            </a:r>
+            <a:endParaRPr lang="it-IT" dirty="0" smtClean="0"/>
+          </a:p>
+          <a:p>
+            <a:pPr lvl="0" algn="just"/>
+            <a:endParaRPr lang="it-IT" dirty="0" smtClean="0"/>
+          </a:p>
+          <a:p>
+            <a:pPr lvl="0" algn="just"/>
+            <a:endParaRPr lang="it-IT" dirty="0"/>
+          </a:p>
+        </p:txBody>
+      </p:sp>
+    </p:spTree>
+    <p:extLst>
+      <p:ext uri="{BB962C8B-B14F-4D97-AF65-F5344CB8AC3E}">
+        <p14:creationId xmlns:p14="http://schemas.microsoft.com/office/powerpoint/2010/main" val="2437025893"/>
+      </p:ext>
+    </p:extLst>
+  </p:cSld>
+  <p:clrMapOvr>
+    <a:masterClrMapping/>
+  </p:clrMapOvr>
+  <mc:AlternateContent xmlns:mc="http://schemas.openxmlformats.org/markup-compatibility/2006">
+    <mc:Choice xmlns:p14="http://schemas.microsoft.com/office/powerpoint/2010/main" Requires="p14">
+      <p:transition spd="slow" p14:dur="2000"/>
+    </mc:Choice>
+    <mc:Fallback>
+      <p:transition spd="slow"/>
+    </mc:Fallback>
+  </mc:AlternateContent>
+  <p:timing>
+    <p:tnLst>
+      <p:par>
+        <p:cTn id="1" dur="indefinite" restart="never" nodeType="tmRoot"/>
+      </p:par>
+    </p:tnLst>
+  </p:timing>
+</p:sld>
+</file>
+
+<file path=ppt/slides/slide43.xml><?xml version="1.0" encoding="utf-8"?>
+<p:sld xmlns:a="http://schemas.openxmlformats.org/drawingml/2006/main" xmlns:r="http://schemas.openxmlformats.org/officeDocument/2006/relationships" xmlns:p="http://schemas.openxmlformats.org/presentationml/2006/main">
+  <p:cSld>
+    <p:spTree>
+      <p:nvGrpSpPr>
+        <p:cNvPr id="1" name=""/>
+        <p:cNvGrpSpPr/>
+        <p:nvPr/>
+      </p:nvGrpSpPr>
+      <p:grpSpPr>
+        <a:xfrm>
+          <a:off x="0" y="0"/>
+          <a:ext cx="0" cy="0"/>
+          <a:chOff x="0" y="0"/>
+          <a:chExt cx="0" cy="0"/>
+        </a:xfrm>
+      </p:grpSpPr>
+      <p:sp>
+        <p:nvSpPr>
+          <p:cNvPr id="2" name="Title 1"/>
+          <p:cNvSpPr>
+            <a:spLocks noGrp="1"/>
+          </p:cNvSpPr>
+          <p:nvPr>
+            <p:ph type="title"/>
+          </p:nvPr>
+        </p:nvSpPr>
+        <p:spPr/>
+        <p:txBody>
+          <a:bodyPr/>
+          <a:lstStyle/>
+          <a:p>
+            <a:r>
+              <a:rPr lang="en-US" dirty="0" smtClean="0"/>
+              <a:t>Debugger – multithread 	</a:t>
+            </a:r>
+            <a:endParaRPr lang="it-IT" dirty="0"/>
+          </a:p>
+        </p:txBody>
+      </p:sp>
+      <p:sp>
+        <p:nvSpPr>
+          <p:cNvPr id="3" name="Content Placeholder 2"/>
+          <p:cNvSpPr>
+            <a:spLocks noGrp="1"/>
+          </p:cNvSpPr>
+          <p:nvPr>
+            <p:ph idx="1"/>
+          </p:nvPr>
+        </p:nvSpPr>
+        <p:spPr/>
+        <p:txBody>
+          <a:bodyPr>
+            <a:normAutofit/>
+          </a:bodyPr>
+          <a:lstStyle/>
+          <a:p>
+            <a:pPr lvl="0" algn="just"/>
+            <a:r>
+              <a:rPr lang="it-IT" dirty="0" smtClean="0"/>
+              <a:t>Supponiamo di avere un’applicazione piuttosto semplice nella quale 2 thread ricevono un set di dati dal padre che rappresenta una retta y=2x definita nel dominio [1,5]. </a:t>
+            </a:r>
+          </a:p>
+          <a:p>
+            <a:pPr lvl="0" algn="just"/>
+            <a:r>
+              <a:rPr lang="it-IT" dirty="0" smtClean="0"/>
+              <a:t>Per semplicità non gestiamo estrapolazioni e assumiamo che la retta sia monotona crescente.</a:t>
+            </a:r>
+          </a:p>
+          <a:p>
+            <a:pPr lvl="0" algn="just"/>
+            <a:r>
+              <a:rPr lang="it-IT" dirty="0" smtClean="0"/>
+              <a:t>Ognuno di questi thread effettua 1mln di interpolazioni lineari, restituendo i risultati al padre all’interno di un vettore passato per riferimento.</a:t>
+            </a:r>
+          </a:p>
+          <a:p>
+            <a:pPr lvl="0" algn="just"/>
+            <a:r>
+              <a:rPr lang="it-IT" dirty="0" smtClean="0"/>
+              <a:t>Visual Studio ci consente di deuggare l’applicazione, ispezionando il codice esguito dai singoli thread.</a:t>
+            </a:r>
+            <a:endParaRPr lang="en-US" dirty="0" smtClean="0"/>
+          </a:p>
+        </p:txBody>
+      </p:sp>
+    </p:spTree>
+    <p:extLst>
+      <p:ext uri="{BB962C8B-B14F-4D97-AF65-F5344CB8AC3E}">
+        <p14:creationId xmlns:p14="http://schemas.microsoft.com/office/powerpoint/2010/main" val="527247380"/>
+      </p:ext>
+    </p:extLst>
+  </p:cSld>
+  <p:clrMapOvr>
+    <a:masterClrMapping/>
+  </p:clrMapOvr>
+  <mc:AlternateContent xmlns:mc="http://schemas.openxmlformats.org/markup-compatibility/2006" xmlns:p14="http://schemas.microsoft.com/office/powerpoint/2010/main">
+    <mc:Choice Requires="p14">
+      <p:transition spd="slow" p14:dur="2000"/>
+    </mc:Choice>
+    <mc:Fallback xmlns="">
+      <p:transition spd="slow"/>
+    </mc:Fallback>
+  </mc:AlternateContent>
+  <p:timing>
+    <p:tnLst>
+      <p:par>
+        <p:cTn id="1" dur="indefinite" restart="never" nodeType="tmRoot"/>
+      </p:par>
+    </p:tnLst>
+  </p:timing>
+</p:sld>
+</file>
+
+<file path=ppt/slides/slide44.xml><?xml version="1.0" encoding="utf-8"?>
+<p:sld xmlns:a="http://schemas.openxmlformats.org/drawingml/2006/main" xmlns:r="http://schemas.openxmlformats.org/officeDocument/2006/relationships" xmlns:p="http://schemas.openxmlformats.org/presentationml/2006/main">
+  <p:cSld>
+    <p:spTree>
+      <p:nvGrpSpPr>
+        <p:cNvPr id="1" name=""/>
+        <p:cNvGrpSpPr/>
+        <p:nvPr/>
+      </p:nvGrpSpPr>
+      <p:grpSpPr>
+        <a:xfrm>
+          <a:off x="0" y="0"/>
+          <a:ext cx="0" cy="0"/>
+          <a:chOff x="0" y="0"/>
+          <a:chExt cx="0" cy="0"/>
+        </a:xfrm>
+      </p:grpSpPr>
+      <p:sp>
+        <p:nvSpPr>
+          <p:cNvPr id="2" name="Title 1"/>
+          <p:cNvSpPr>
+            <a:spLocks noGrp="1"/>
+          </p:cNvSpPr>
+          <p:nvPr>
+            <p:ph type="title"/>
+          </p:nvPr>
+        </p:nvSpPr>
+        <p:spPr/>
+        <p:txBody>
+          <a:bodyPr/>
+          <a:lstStyle/>
+          <a:p>
+            <a:r>
+              <a:rPr lang="en-US" dirty="0" smtClean="0"/>
+              <a:t>Debugger – </a:t>
+            </a:r>
+            <a:r>
+              <a:rPr lang="en-US" dirty="0" smtClean="0"/>
+              <a:t>Threads Window </a:t>
+            </a:r>
+            <a:r>
+              <a:rPr lang="en-US" dirty="0" smtClean="0"/>
+              <a:t>	</a:t>
+            </a:r>
+            <a:endParaRPr lang="it-IT" dirty="0"/>
+          </a:p>
+        </p:txBody>
+      </p:sp>
+      <p:sp>
+        <p:nvSpPr>
+          <p:cNvPr id="3" name="Content Placeholder 2"/>
+          <p:cNvSpPr>
+            <a:spLocks noGrp="1"/>
+          </p:cNvSpPr>
+          <p:nvPr>
+            <p:ph idx="1"/>
+          </p:nvPr>
+        </p:nvSpPr>
+        <p:spPr/>
+        <p:txBody>
+          <a:bodyPr>
+            <a:normAutofit/>
+          </a:bodyPr>
+          <a:lstStyle/>
+          <a:p>
+            <a:pPr lvl="0" algn="just"/>
+            <a:endParaRPr lang="en-US" dirty="0"/>
+          </a:p>
+          <a:p>
+            <a:pPr lvl="0" algn="just"/>
+            <a:endParaRPr lang="en-US" dirty="0" smtClean="0"/>
+          </a:p>
+          <a:p>
+            <a:pPr marL="0" lvl="0" indent="0" algn="just">
+              <a:buNone/>
+            </a:pPr>
+            <a:endParaRPr lang="en-US" dirty="0" smtClean="0"/>
+          </a:p>
+          <a:p>
+            <a:pPr algn="just"/>
+            <a:r>
+              <a:rPr lang="en-US" dirty="0" err="1" smtClean="0"/>
+              <a:t>Selezionabile</a:t>
+            </a:r>
+            <a:r>
+              <a:rPr lang="en-US" dirty="0" smtClean="0"/>
+              <a:t> dal menu “</a:t>
+            </a:r>
+            <a:r>
+              <a:rPr lang="en-US" dirty="0" err="1" smtClean="0"/>
+              <a:t>Debug</a:t>
+            </a:r>
+            <a:r>
+              <a:rPr lang="en-US" dirty="0" err="1" smtClean="0">
+                <a:sym typeface="Wingdings" panose="05000000000000000000" pitchFamily="2" charset="2"/>
+              </a:rPr>
+              <a:t>Windows</a:t>
+            </a:r>
+            <a:r>
+              <a:rPr lang="en-US" dirty="0" smtClean="0">
+                <a:sym typeface="Wingdings" panose="05000000000000000000" pitchFamily="2" charset="2"/>
+              </a:rPr>
+              <a:t>” </a:t>
+            </a:r>
+            <a:r>
+              <a:rPr lang="en-US" dirty="0" err="1" smtClean="0">
+                <a:sym typeface="Wingdings" panose="05000000000000000000" pitchFamily="2" charset="2"/>
+              </a:rPr>
+              <a:t>consente</a:t>
+            </a:r>
+            <a:r>
+              <a:rPr lang="en-US" dirty="0" smtClean="0">
+                <a:sym typeface="Wingdings" panose="05000000000000000000" pitchFamily="2" charset="2"/>
+              </a:rPr>
+              <a:t> di </a:t>
+            </a:r>
+            <a:r>
+              <a:rPr lang="en-US" dirty="0" err="1" smtClean="0">
+                <a:sym typeface="Wingdings" panose="05000000000000000000" pitchFamily="2" charset="2"/>
+              </a:rPr>
+              <a:t>controllare</a:t>
+            </a:r>
+            <a:r>
+              <a:rPr lang="en-US" dirty="0" smtClean="0">
+                <a:sym typeface="Wingdings" panose="05000000000000000000" pitchFamily="2" charset="2"/>
+              </a:rPr>
+              <a:t> </a:t>
+            </a:r>
+            <a:r>
+              <a:rPr lang="en-US" dirty="0" err="1" smtClean="0">
+                <a:sym typeface="Wingdings" panose="05000000000000000000" pitchFamily="2" charset="2"/>
+              </a:rPr>
+              <a:t>l’andamento</a:t>
+            </a:r>
+            <a:r>
+              <a:rPr lang="en-US" dirty="0" smtClean="0">
+                <a:sym typeface="Wingdings" panose="05000000000000000000" pitchFamily="2" charset="2"/>
+              </a:rPr>
+              <a:t> </a:t>
+            </a:r>
+            <a:r>
+              <a:rPr lang="en-US" dirty="0" err="1" smtClean="0">
+                <a:sym typeface="Wingdings" panose="05000000000000000000" pitchFamily="2" charset="2"/>
+              </a:rPr>
+              <a:t>dei</a:t>
+            </a:r>
+            <a:r>
+              <a:rPr lang="en-US" dirty="0" smtClean="0">
+                <a:sym typeface="Wingdings" panose="05000000000000000000" pitchFamily="2" charset="2"/>
+              </a:rPr>
+              <a:t> thread, in </a:t>
+            </a:r>
+            <a:r>
+              <a:rPr lang="en-US" dirty="0" err="1" smtClean="0">
+                <a:sym typeface="Wingdings" panose="05000000000000000000" pitchFamily="2" charset="2"/>
+              </a:rPr>
+              <a:t>particolare</a:t>
+            </a:r>
+            <a:endParaRPr lang="en-US" dirty="0" smtClean="0">
+              <a:sym typeface="Wingdings" panose="05000000000000000000" pitchFamily="2" charset="2"/>
+            </a:endParaRPr>
+          </a:p>
+          <a:p>
+            <a:pPr lvl="1" algn="just"/>
+            <a:r>
+              <a:rPr lang="en-US" dirty="0" err="1" smtClean="0">
+                <a:sym typeface="Wingdings" panose="05000000000000000000" pitchFamily="2" charset="2"/>
+              </a:rPr>
+              <a:t>Indicazione</a:t>
+            </a:r>
+            <a:r>
+              <a:rPr lang="en-US" dirty="0" smtClean="0">
+                <a:sym typeface="Wingdings" panose="05000000000000000000" pitchFamily="2" charset="2"/>
+              </a:rPr>
+              <a:t> del thread </a:t>
+            </a:r>
+            <a:r>
+              <a:rPr lang="en-US" dirty="0" err="1" smtClean="0">
+                <a:sym typeface="Wingdings" panose="05000000000000000000" pitchFamily="2" charset="2"/>
+              </a:rPr>
+              <a:t>corrente</a:t>
+            </a:r>
+            <a:r>
+              <a:rPr lang="en-US" dirty="0" smtClean="0">
+                <a:sym typeface="Wingdings" panose="05000000000000000000" pitchFamily="2" charset="2"/>
+              </a:rPr>
+              <a:t> e </a:t>
+            </a:r>
+            <a:r>
+              <a:rPr lang="en-US" dirty="0" err="1" smtClean="0">
+                <a:sym typeface="Wingdings" panose="05000000000000000000" pitchFamily="2" charset="2"/>
+              </a:rPr>
+              <a:t>possibiltà</a:t>
+            </a:r>
+            <a:r>
+              <a:rPr lang="en-US" dirty="0" smtClean="0">
+                <a:sym typeface="Wingdings" panose="05000000000000000000" pitchFamily="2" charset="2"/>
+              </a:rPr>
+              <a:t> di </a:t>
+            </a:r>
+            <a:r>
+              <a:rPr lang="en-US" dirty="0" err="1" smtClean="0">
+                <a:sym typeface="Wingdings" panose="05000000000000000000" pitchFamily="2" charset="2"/>
+              </a:rPr>
+              <a:t>switchare</a:t>
+            </a:r>
+            <a:r>
+              <a:rPr lang="en-US" dirty="0">
+                <a:sym typeface="Wingdings" panose="05000000000000000000" pitchFamily="2" charset="2"/>
+              </a:rPr>
+              <a:t> </a:t>
+            </a:r>
+            <a:r>
+              <a:rPr lang="en-US" dirty="0" smtClean="0">
+                <a:sym typeface="Wingdings" panose="05000000000000000000" pitchFamily="2" charset="2"/>
+              </a:rPr>
+              <a:t>con </a:t>
+            </a:r>
+            <a:r>
+              <a:rPr lang="en-US" dirty="0" err="1" smtClean="0">
+                <a:sym typeface="Wingdings" panose="05000000000000000000" pitchFamily="2" charset="2"/>
+              </a:rPr>
+              <a:t>doppio</a:t>
+            </a:r>
+            <a:r>
+              <a:rPr lang="en-US" dirty="0" smtClean="0">
+                <a:sym typeface="Wingdings" panose="05000000000000000000" pitchFamily="2" charset="2"/>
+              </a:rPr>
+              <a:t> click</a:t>
+            </a:r>
+          </a:p>
+          <a:p>
+            <a:pPr lvl="1" algn="just"/>
+            <a:r>
+              <a:rPr lang="en-US" dirty="0" err="1" smtClean="0">
+                <a:sym typeface="Wingdings" panose="05000000000000000000" pitchFamily="2" charset="2"/>
+              </a:rPr>
+              <a:t>Visualizzazione</a:t>
+            </a:r>
+            <a:r>
+              <a:rPr lang="en-US" dirty="0" smtClean="0">
+                <a:sym typeface="Wingdings" panose="05000000000000000000" pitchFamily="2" charset="2"/>
+              </a:rPr>
+              <a:t> di </a:t>
+            </a:r>
+            <a:r>
+              <a:rPr lang="en-US" dirty="0" err="1" smtClean="0">
+                <a:sym typeface="Wingdings" panose="05000000000000000000" pitchFamily="2" charset="2"/>
+              </a:rPr>
+              <a:t>categoria</a:t>
+            </a:r>
+            <a:r>
+              <a:rPr lang="en-US" dirty="0" smtClean="0">
+                <a:sym typeface="Wingdings" panose="05000000000000000000" pitchFamily="2" charset="2"/>
+              </a:rPr>
+              <a:t> (worker, pro</a:t>
+            </a:r>
+          </a:p>
+          <a:p>
+            <a:pPr lvl="1" algn="just"/>
+            <a:r>
+              <a:rPr lang="en-US" dirty="0" err="1" smtClean="0">
+                <a:sym typeface="Wingdings" panose="05000000000000000000" pitchFamily="2" charset="2"/>
+              </a:rPr>
+              <a:t>Possibilità</a:t>
+            </a:r>
+            <a:r>
+              <a:rPr lang="en-US" dirty="0" smtClean="0">
+                <a:sym typeface="Wingdings" panose="05000000000000000000" pitchFamily="2" charset="2"/>
+              </a:rPr>
+              <a:t> di </a:t>
+            </a:r>
+            <a:r>
+              <a:rPr lang="en-US" dirty="0" err="1" smtClean="0">
+                <a:sym typeface="Wingdings" panose="05000000000000000000" pitchFamily="2" charset="2"/>
+              </a:rPr>
+              <a:t>filtrare</a:t>
+            </a:r>
+            <a:r>
+              <a:rPr lang="en-US" dirty="0" smtClean="0">
+                <a:sym typeface="Wingdings" panose="05000000000000000000" pitchFamily="2" charset="2"/>
+              </a:rPr>
+              <a:t> I thread con flag/</a:t>
+            </a:r>
+            <a:r>
+              <a:rPr lang="en-US" dirty="0" err="1" smtClean="0">
+                <a:sym typeface="Wingdings" panose="05000000000000000000" pitchFamily="2" charset="2"/>
+              </a:rPr>
+              <a:t>unflag</a:t>
+            </a:r>
+            <a:endParaRPr lang="en-US" dirty="0" smtClean="0"/>
+          </a:p>
+          <a:p>
+            <a:pPr lvl="0" algn="just"/>
+            <a:endParaRPr lang="en-US" dirty="0"/>
+          </a:p>
+          <a:p>
+            <a:pPr lvl="0" algn="just"/>
+            <a:endParaRPr lang="en-US" dirty="0" smtClean="0"/>
+          </a:p>
+          <a:p>
+            <a:pPr lvl="0" algn="just"/>
+            <a:endParaRPr lang="en-US" dirty="0"/>
+          </a:p>
+          <a:p>
+            <a:pPr lvl="0" algn="just"/>
+            <a:endParaRPr lang="en-US" dirty="0" smtClean="0"/>
+          </a:p>
+          <a:p>
+            <a:pPr lvl="0" algn="just"/>
+            <a:endParaRPr lang="en-US" dirty="0"/>
+          </a:p>
+          <a:p>
+            <a:pPr lvl="0" algn="just"/>
+            <a:endParaRPr lang="en-US" dirty="0" smtClean="0"/>
+          </a:p>
+          <a:p>
+            <a:pPr lvl="0" algn="just"/>
+            <a:endParaRPr lang="en-US" dirty="0" smtClean="0"/>
+          </a:p>
+          <a:p>
+            <a:pPr lvl="0" algn="just"/>
+            <a:endParaRPr lang="en-US" dirty="0"/>
+          </a:p>
+          <a:p>
+            <a:pPr lvl="0" algn="just"/>
+            <a:endParaRPr lang="en-US" dirty="0" smtClean="0"/>
+          </a:p>
+          <a:p>
+            <a:pPr lvl="0" algn="just"/>
+            <a:endParaRPr lang="en-US" dirty="0"/>
+          </a:p>
+          <a:p>
+            <a:pPr lvl="0" algn="just"/>
+            <a:endParaRPr lang="en-US" dirty="0" smtClean="0"/>
+          </a:p>
+          <a:p>
+            <a:pPr lvl="0" algn="just"/>
+            <a:endParaRPr lang="en-US" dirty="0"/>
+          </a:p>
+          <a:p>
+            <a:pPr lvl="0" algn="just"/>
+            <a:endParaRPr lang="en-US" dirty="0" smtClean="0"/>
+          </a:p>
+        </p:txBody>
+      </p:sp>
+      <p:pic>
+        <p:nvPicPr>
+          <p:cNvPr id="5" name="Picture 4"/>
+          <p:cNvPicPr>
+            <a:picLocks noChangeAspect="1"/>
+          </p:cNvPicPr>
+          <p:nvPr/>
+        </p:nvPicPr>
+        <p:blipFill>
+          <a:blip r:embed="rId3"/>
+          <a:stretch>
+            <a:fillRect/>
+          </a:stretch>
+        </p:blipFill>
+        <p:spPr>
+          <a:xfrm>
+            <a:off x="1261872" y="1691322"/>
+            <a:ext cx="6867525" cy="1590675"/>
+          </a:xfrm>
+          <a:prstGeom prst="rect">
+            <a:avLst/>
+          </a:prstGeom>
+        </p:spPr>
+      </p:pic>
+    </p:spTree>
+    <p:extLst>
+      <p:ext uri="{BB962C8B-B14F-4D97-AF65-F5344CB8AC3E}">
+        <p14:creationId xmlns:p14="http://schemas.microsoft.com/office/powerpoint/2010/main" val="4012476189"/>
+      </p:ext>
+    </p:extLst>
+  </p:cSld>
+  <p:clrMapOvr>
+    <a:masterClrMapping/>
+  </p:clrMapOvr>
+  <mc:AlternateContent xmlns:mc="http://schemas.openxmlformats.org/markup-compatibility/2006">
+    <mc:Choice xmlns:p14="http://schemas.microsoft.com/office/powerpoint/2010/main" Requires="p14">
+      <p:transition spd="slow" p14:dur="2000"/>
+    </mc:Choice>
+    <mc:Fallback>
+      <p:transition spd="slow"/>
+    </mc:Fallback>
+  </mc:AlternateContent>
+  <p:timing>
+    <p:tnLst>
+      <p:par>
+        <p:cTn id="1" dur="indefinite" restart="never" nodeType="tmRoot"/>
+      </p:par>
+    </p:tnLst>
+  </p:timing>
+</p:sld>
+</file>
+
+<file path=ppt/slides/slide45.xml><?xml version="1.0" encoding="utf-8"?>
+<p:sld xmlns:a="http://schemas.openxmlformats.org/drawingml/2006/main" xmlns:r="http://schemas.openxmlformats.org/officeDocument/2006/relationships" xmlns:p="http://schemas.openxmlformats.org/presentationml/2006/main">
+  <p:cSld>
+    <p:spTree>
+      <p:nvGrpSpPr>
+        <p:cNvPr id="1" name=""/>
+        <p:cNvGrpSpPr/>
+        <p:nvPr/>
+      </p:nvGrpSpPr>
+      <p:grpSpPr>
+        <a:xfrm>
+          <a:off x="0" y="0"/>
+          <a:ext cx="0" cy="0"/>
+          <a:chOff x="0" y="0"/>
+          <a:chExt cx="0" cy="0"/>
+        </a:xfrm>
+      </p:grpSpPr>
+      <p:sp>
+        <p:nvSpPr>
           <p:cNvPr id="4" name="Title 3"/>
           <p:cNvSpPr>
             <a:spLocks noGrp="1"/>
@@ -18575,8 +19457,8 @@
           <a:lstStyle/>
           <a:p>
             <a:r>
-              <a:rPr lang="it-IT" dirty="0" err="1" smtClean="0"/>
-              <a:t>Recap</a:t>
+              <a:rPr lang="it-IT" dirty="0" smtClean="0"/>
+              <a:t>Conclusioni</a:t>
             </a:r>
             <a:endParaRPr lang="it-IT" dirty="0"/>
           </a:p>
@@ -18631,7 +19513,7 @@
 </p:sld>
 </file>
 
-<file path=ppt/slides/slide43.xml><?xml version="1.0" encoding="utf-8"?>
+<file path=ppt/slides/slide46.xml><?xml version="1.0" encoding="utf-8"?>
 <p:sld xmlns:a="http://schemas.openxmlformats.org/drawingml/2006/main" xmlns:r="http://schemas.openxmlformats.org/officeDocument/2006/relationships" xmlns:p="http://schemas.openxmlformats.org/presentationml/2006/main">
   <p:cSld>
     <p:spTree>

--- a/presentazioneCDAYS2014.pptx
+++ b/presentazioneCDAYS2014.pptx
@@ -5,10 +5,10 @@
     <p:sldMasterId id="2147483840" r:id="rId1"/>
   </p:sldMasterIdLst>
   <p:notesMasterIdLst>
-    <p:notesMasterId r:id="rId48"/>
+    <p:notesMasterId r:id="rId49"/>
   </p:notesMasterIdLst>
   <p:handoutMasterIdLst>
-    <p:handoutMasterId r:id="rId49"/>
+    <p:handoutMasterId r:id="rId50"/>
   </p:handoutMasterIdLst>
   <p:sldIdLst>
     <p:sldId id="256" r:id="rId2"/>
@@ -55,8 +55,9 @@
     <p:sldId id="303" r:id="rId43"/>
     <p:sldId id="302" r:id="rId44"/>
     <p:sldId id="304" r:id="rId45"/>
-    <p:sldId id="264" r:id="rId46"/>
-    <p:sldId id="263" r:id="rId47"/>
+    <p:sldId id="305" r:id="rId46"/>
+    <p:sldId id="264" r:id="rId47"/>
+    <p:sldId id="263" r:id="rId48"/>
   </p:sldIdLst>
   <p:sldSz cx="12192000" cy="6858000"/>
   <p:notesSz cx="6858000" cy="9144000"/>
@@ -204,6 +205,7 @@
             <p14:sldId id="303"/>
             <p14:sldId id="302"/>
             <p14:sldId id="304"/>
+            <p14:sldId id="305"/>
             <p14:sldId id="264"/>
             <p14:sldId id="263"/>
           </p14:sldIdLst>
@@ -314,7 +316,7 @@
           <a:p>
             <a:fld id="{7541E3AA-7BE5-4B59-82F5-30F2E5FF0CD3}" type="datetimeFigureOut">
               <a:rPr lang="it-IT" smtClean="0"/>
-              <a:t>18/02/2014</a:t>
+              <a:t>19/02/2014</a:t>
             </a:fld>
             <a:endParaRPr lang="it-IT"/>
           </a:p>
@@ -479,7 +481,7 @@
           <a:p>
             <a:fld id="{1634FCDD-F444-4746-A037-762098AD364A}" type="datetimeFigureOut">
               <a:rPr lang="it-IT" smtClean="0"/>
-              <a:t>18/02/2014</a:t>
+              <a:t>19/02/2014</a:t>
             </a:fld>
             <a:endParaRPr lang="it-IT"/>
           </a:p>
@@ -1214,6 +1216,90 @@
             <p:ph type="sldImg"/>
           </p:nvPr>
         </p:nvSpPr>
+        <p:spPr/>
+      </p:sp>
+      <p:sp>
+        <p:nvSpPr>
+          <p:cNvPr id="3" name="Notes Placeholder 2"/>
+          <p:cNvSpPr>
+            <a:spLocks noGrp="1"/>
+          </p:cNvSpPr>
+          <p:nvPr>
+            <p:ph type="body" idx="1"/>
+          </p:nvPr>
+        </p:nvSpPr>
+        <p:spPr/>
+        <p:txBody>
+          <a:bodyPr/>
+          <a:lstStyle/>
+          <a:p>
+            <a:endParaRPr lang="it-IT" dirty="0"/>
+          </a:p>
+        </p:txBody>
+      </p:sp>
+      <p:sp>
+        <p:nvSpPr>
+          <p:cNvPr id="4" name="Slide Number Placeholder 3"/>
+          <p:cNvSpPr>
+            <a:spLocks noGrp="1"/>
+          </p:cNvSpPr>
+          <p:nvPr>
+            <p:ph type="sldNum" sz="quarter" idx="10"/>
+          </p:nvPr>
+        </p:nvSpPr>
+        <p:spPr/>
+        <p:txBody>
+          <a:bodyPr/>
+          <a:lstStyle/>
+          <a:p>
+            <a:fld id="{718782B7-9148-4F32-BDF6-7B43A5BEBC7B}" type="slidenum">
+              <a:rPr lang="it-IT" smtClean="0"/>
+              <a:t>45</a:t>
+            </a:fld>
+            <a:endParaRPr lang="it-IT"/>
+          </a:p>
+        </p:txBody>
+      </p:sp>
+    </p:spTree>
+    <p:extLst>
+      <p:ext uri="{BB962C8B-B14F-4D97-AF65-F5344CB8AC3E}">
+        <p14:creationId xmlns:p14="http://schemas.microsoft.com/office/powerpoint/2010/main" val="1714924925"/>
+      </p:ext>
+    </p:extLst>
+  </p:cSld>
+  <p:clrMapOvr>
+    <a:masterClrMapping/>
+  </p:clrMapOvr>
+</p:notes>
+</file>
+
+<file path=ppt/notesSlides/notesSlide7.xml><?xml version="1.0" encoding="utf-8"?>
+<p:notes xmlns:a="http://schemas.openxmlformats.org/drawingml/2006/main" xmlns:r="http://schemas.openxmlformats.org/officeDocument/2006/relationships" xmlns:p="http://schemas.openxmlformats.org/presentationml/2006/main">
+  <p:cSld>
+    <p:spTree>
+      <p:nvGrpSpPr>
+        <p:cNvPr id="1" name=""/>
+        <p:cNvGrpSpPr/>
+        <p:nvPr/>
+      </p:nvGrpSpPr>
+      <p:grpSpPr>
+        <a:xfrm>
+          <a:off x="0" y="0"/>
+          <a:ext cx="0" cy="0"/>
+          <a:chOff x="0" y="0"/>
+          <a:chExt cx="0" cy="0"/>
+        </a:xfrm>
+      </p:grpSpPr>
+      <p:sp>
+        <p:nvSpPr>
+          <p:cNvPr id="2" name="Slide Image Placeholder 1"/>
+          <p:cNvSpPr>
+            <a:spLocks noGrp="1" noRot="1" noChangeAspect="1"/>
+          </p:cNvSpPr>
+          <p:nvPr>
+            <p:ph type="sldImg"/>
+          </p:nvPr>
+        </p:nvSpPr>
         <p:spPr>
           <a:xfrm>
             <a:off x="381000" y="685800"/>
@@ -1261,7 +1347,7 @@
           <a:p>
             <a:fld id="{6B6C5E1B-63F6-4CD9-93BD-FBDB130EB2E4}" type="slidenum">
               <a:rPr lang="it-IT" smtClean="0"/>
-              <a:t>46</a:t>
+              <a:t>47</a:t>
             </a:fld>
             <a:endParaRPr lang="it-IT"/>
           </a:p>
@@ -1707,7 +1793,7 @@
           <a:p>
             <a:fld id="{06D8BB37-67E1-420F-B488-3DE93FA3DF1F}" type="datetimeFigureOut">
               <a:rPr lang="en-US" dirty="0"/>
-              <a:t>2/18/2014</a:t>
+              <a:t>2/19/2014</a:t>
             </a:fld>
             <a:endParaRPr lang="en-US" dirty="0"/>
           </a:p>
@@ -1911,7 +1997,7 @@
           <a:p>
             <a:fld id="{E4B96382-B15D-466F-9E7D-0603461872B7}" type="datetimeFigureOut">
               <a:rPr lang="en-US" dirty="0"/>
-              <a:t>2/18/2014</a:t>
+              <a:t>2/19/2014</a:t>
             </a:fld>
             <a:endParaRPr lang="en-US" dirty="0"/>
           </a:p>
@@ -2167,7 +2253,7 @@
           <a:p>
             <a:fld id="{218672AE-FC7B-40BA-8844-0693A2434617}" type="datetimeFigureOut">
               <a:rPr lang="en-US" dirty="0"/>
-              <a:t>2/18/2014</a:t>
+              <a:t>2/19/2014</a:t>
             </a:fld>
             <a:endParaRPr lang="en-US" dirty="0"/>
           </a:p>
@@ -2411,7 +2497,7 @@
           <a:p>
             <a:fld id="{3568EC8D-9508-4A2C-8FBC-4C089BA52EE5}" type="datetimeFigureOut">
               <a:rPr lang="en-US" dirty="0"/>
-              <a:t>2/18/2014</a:t>
+              <a:t>2/19/2014</a:t>
             </a:fld>
             <a:endParaRPr lang="en-US" dirty="0"/>
           </a:p>
@@ -2736,7 +2822,7 @@
           <a:p>
             <a:fld id="{DB7A1C89-C29A-4D79-B5A1-1F424905E9A1}" type="datetimeFigureOut">
               <a:rPr lang="en-US" dirty="0"/>
-              <a:t>2/18/2014</a:t>
+              <a:t>2/19/2014</a:t>
             </a:fld>
             <a:endParaRPr lang="en-US" dirty="0"/>
           </a:p>
@@ -3100,7 +3186,7 @@
           <a:p>
             <a:fld id="{57ECC248-0691-4AB1-BB8B-882D656FF160}" type="datetimeFigureOut">
               <a:rPr lang="en-US" dirty="0"/>
-              <a:t>2/18/2014</a:t>
+              <a:t>2/19/2014</a:t>
             </a:fld>
             <a:endParaRPr lang="en-US" dirty="0"/>
           </a:p>
@@ -3627,7 +3713,7 @@
           <a:p>
             <a:fld id="{D4E54B09-E178-460F-B46D-023FA9745608}" type="datetimeFigureOut">
               <a:rPr lang="en-US" dirty="0"/>
-              <a:t>2/18/2014</a:t>
+              <a:t>2/19/2014</a:t>
             </a:fld>
             <a:endParaRPr lang="en-US" dirty="0"/>
           </a:p>
@@ -3821,7 +3907,7 @@
           <a:p>
             <a:fld id="{6CD62E06-21B3-4A3D-A6C8-F0DFEB8AB04D}" type="datetimeFigureOut">
               <a:rPr lang="en-US" dirty="0"/>
-              <a:t>2/18/2014</a:t>
+              <a:t>2/19/2014</a:t>
             </a:fld>
             <a:endParaRPr lang="en-US" dirty="0"/>
           </a:p>
@@ -3982,7 +4068,7 @@
           <a:p>
             <a:fld id="{2CC7CC01-41FD-4607-B8B1-976991065B2D}" type="datetimeFigureOut">
               <a:rPr lang="en-US" dirty="0"/>
-              <a:t>2/18/2014</a:t>
+              <a:t>2/19/2014</a:t>
             </a:fld>
             <a:endParaRPr lang="en-US" dirty="0"/>
           </a:p>
@@ -4346,7 +4432,7 @@
           <a:p>
             <a:fld id="{6D6740A7-C153-476A-BA27-5BE657EA7C21}" type="datetimeFigureOut">
               <a:rPr lang="en-US" dirty="0"/>
-              <a:t>2/18/2014</a:t>
+              <a:t>2/19/2014</a:t>
             </a:fld>
             <a:endParaRPr lang="en-US" dirty="0"/>
           </a:p>
@@ -4612,7 +4698,7 @@
           <a:p>
             <a:fld id="{1C86C2EC-F3EA-4AFE-88D7-51A6BBFDBA8B}" type="datetimeFigureOut">
               <a:rPr lang="en-US" dirty="0"/>
-              <a:t>2/18/2014</a:t>
+              <a:t>2/19/2014</a:t>
             </a:fld>
             <a:endParaRPr lang="en-US" dirty="0"/>
           </a:p>
@@ -5006,7 +5092,7 @@
           <a:p>
             <a:fld id="{BF2EAB5F-78EB-45CA-9E26-D1BAA0AA6EEC}" type="datetimeFigureOut">
               <a:rPr lang="en-US" dirty="0"/>
-              <a:t>2/18/2014</a:t>
+              <a:t>2/19/2014</a:t>
             </a:fld>
             <a:endParaRPr lang="en-US" dirty="0"/>
           </a:p>
@@ -18797,11 +18883,7 @@
           <a:p>
             <a:r>
               <a:rPr lang="en-US" dirty="0" smtClean="0"/>
-              <a:t>Debugger – attach to </a:t>
-            </a:r>
-            <a:r>
-              <a:rPr lang="en-US" dirty="0" smtClean="0"/>
-              <a:t>process (2)</a:t>
+              <a:t>Debugger – attach to process (2)</a:t>
             </a:r>
             <a:endParaRPr lang="it-IT" dirty="0"/>
           </a:p>
@@ -18871,7 +18953,6 @@
               <a:rPr lang="it-IT" dirty="0" smtClean="0"/>
               <a:t>E’ possibile attaccarsi a più processi, ma solo uno alla volta è quello debuggabile (CTRL + ALT + Z per fare switch nella finestra dei processi)</a:t>
             </a:r>
-            <a:endParaRPr lang="it-IT" dirty="0" smtClean="0"/>
           </a:p>
           <a:p>
             <a:pPr lvl="0" algn="just"/>
@@ -18893,11 +18974,11 @@
   <p:clrMapOvr>
     <a:masterClrMapping/>
   </p:clrMapOvr>
-  <mc:AlternateContent xmlns:mc="http://schemas.openxmlformats.org/markup-compatibility/2006">
-    <mc:Choice xmlns:p14="http://schemas.microsoft.com/office/powerpoint/2010/main" Requires="p14">
+  <mc:AlternateContent xmlns:mc="http://schemas.openxmlformats.org/markup-compatibility/2006" xmlns:p14="http://schemas.microsoft.com/office/powerpoint/2010/main">
+    <mc:Choice Requires="p14">
       <p:transition spd="slow" p14:dur="2000"/>
     </mc:Choice>
-    <mc:Fallback>
+    <mc:Fallback xmlns="">
       <p:transition spd="slow"/>
     </mc:Fallback>
   </mc:AlternateContent>
@@ -19060,15 +19141,7 @@
           <a:p>
             <a:r>
               <a:rPr lang="en-US" dirty="0" smtClean="0"/>
-              <a:t>Debugger – </a:t>
-            </a:r>
-            <a:r>
-              <a:rPr lang="en-US" dirty="0" smtClean="0"/>
-              <a:t>Threads Window </a:t>
-            </a:r>
-            <a:r>
-              <a:rPr lang="en-US" dirty="0" smtClean="0"/>
-              <a:t>	</a:t>
+              <a:t>Debugger – Threads Window 	</a:t>
             </a:r>
             <a:endParaRPr lang="it-IT" dirty="0"/>
           </a:p>
@@ -19281,40 +19354,175 @@
               <a:rPr lang="en-US" dirty="0" smtClean="0">
                 <a:sym typeface="Wingdings" panose="05000000000000000000" pitchFamily="2" charset="2"/>
               </a:rPr>
-              <a:t> (worker, pro</a:t>
-            </a:r>
-          </a:p>
-          <a:p>
-            <a:pPr lvl="1" algn="just"/>
+              <a:t> </a:t>
+            </a:r>
+            <a:r>
+              <a:rPr lang="en-US" dirty="0" smtClean="0">
+                <a:sym typeface="Wingdings" panose="05000000000000000000" pitchFamily="2" charset="2"/>
+              </a:rPr>
+              <a:t>(</a:t>
+            </a:r>
+            <a:r>
+              <a:rPr lang="en-US" dirty="0" smtClean="0">
+                <a:sym typeface="Wingdings" panose="05000000000000000000" pitchFamily="2" charset="2"/>
+              </a:rPr>
+              <a:t>UI, RPC handlers, worker </a:t>
+            </a:r>
             <a:r>
               <a:rPr lang="en-US" dirty="0" err="1" smtClean="0">
                 <a:sym typeface="Wingdings" panose="05000000000000000000" pitchFamily="2" charset="2"/>
               </a:rPr>
-              <a:t>Possibilità</a:t>
+              <a:t>thred</a:t>
             </a:r>
             <a:r>
               <a:rPr lang="en-US" dirty="0" smtClean="0">
                 <a:sym typeface="Wingdings" panose="05000000000000000000" pitchFamily="2" charset="2"/>
               </a:rPr>
-              <a:t> di </a:t>
+              <a:t>, main thread)</a:t>
+            </a:r>
+          </a:p>
+          <a:p>
+            <a:pPr lvl="1" algn="just"/>
+            <a:r>
+              <a:rPr lang="en-US" dirty="0" smtClean="0">
+                <a:sym typeface="Wingdings" panose="05000000000000000000" pitchFamily="2" charset="2"/>
+              </a:rPr>
+              <a:t>Nome, Location, </a:t>
             </a:r>
             <a:r>
               <a:rPr lang="en-US" dirty="0" err="1" smtClean="0">
                 <a:sym typeface="Wingdings" panose="05000000000000000000" pitchFamily="2" charset="2"/>
               </a:rPr>
-              <a:t>filtrare</a:t>
+              <a:t>Priorità</a:t>
             </a:r>
             <a:r>
               <a:rPr lang="en-US" dirty="0" smtClean="0">
                 <a:sym typeface="Wingdings" panose="05000000000000000000" pitchFamily="2" charset="2"/>
               </a:rPr>
-              <a:t> I thread con flag/</a:t>
+              <a:t> </a:t>
+            </a:r>
+          </a:p>
+          <a:p>
+            <a:pPr algn="just"/>
+            <a:r>
+              <a:rPr lang="en-US" dirty="0" smtClean="0">
+                <a:sym typeface="Wingdings" panose="05000000000000000000" pitchFamily="2" charset="2"/>
+              </a:rPr>
+              <a:t>Grouping: </a:t>
             </a:r>
             <a:r>
               <a:rPr lang="en-US" dirty="0" err="1" smtClean="0">
                 <a:sym typeface="Wingdings" panose="05000000000000000000" pitchFamily="2" charset="2"/>
               </a:rPr>
-              <a:t>unflag</a:t>
+              <a:t>raggruppiamo</a:t>
+            </a:r>
+            <a:r>
+              <a:rPr lang="en-US" dirty="0" smtClean="0">
+                <a:sym typeface="Wingdings" panose="05000000000000000000" pitchFamily="2" charset="2"/>
+              </a:rPr>
+              <a:t> in base ad un </a:t>
+            </a:r>
+            <a:r>
+              <a:rPr lang="en-US" dirty="0" err="1" smtClean="0">
+                <a:sym typeface="Wingdings" panose="05000000000000000000" pitchFamily="2" charset="2"/>
+              </a:rPr>
+              <a:t>criterio</a:t>
+            </a:r>
+            <a:r>
+              <a:rPr lang="en-US" dirty="0">
+                <a:sym typeface="Wingdings" panose="05000000000000000000" pitchFamily="2" charset="2"/>
+              </a:rPr>
+              <a:t> </a:t>
+            </a:r>
+            <a:r>
+              <a:rPr lang="en-US" dirty="0" err="1" smtClean="0">
+                <a:sym typeface="Wingdings" panose="05000000000000000000" pitchFamily="2" charset="2"/>
+              </a:rPr>
+              <a:t>fra</a:t>
+            </a:r>
+            <a:r>
+              <a:rPr lang="en-US" dirty="0" smtClean="0">
+                <a:sym typeface="Wingdings" panose="05000000000000000000" pitchFamily="2" charset="2"/>
+              </a:rPr>
+              <a:t> </a:t>
+            </a:r>
+            <a:r>
+              <a:rPr lang="en-US" dirty="0" err="1" smtClean="0">
+                <a:sym typeface="Wingdings" panose="05000000000000000000" pitchFamily="2" charset="2"/>
+              </a:rPr>
+              <a:t>quelli</a:t>
+            </a:r>
+            <a:r>
+              <a:rPr lang="en-US" dirty="0" smtClean="0">
+                <a:sym typeface="Wingdings" panose="05000000000000000000" pitchFamily="2" charset="2"/>
+              </a:rPr>
+              <a:t> </a:t>
+            </a:r>
+            <a:r>
+              <a:rPr lang="en-US" dirty="0" err="1" smtClean="0">
+                <a:sym typeface="Wingdings" panose="05000000000000000000" pitchFamily="2" charset="2"/>
+              </a:rPr>
+              <a:t>presenti</a:t>
+            </a:r>
+            <a:r>
+              <a:rPr lang="en-US" dirty="0" smtClean="0">
+                <a:sym typeface="Wingdings" panose="05000000000000000000" pitchFamily="2" charset="2"/>
+              </a:rPr>
+              <a:t> </a:t>
+            </a:r>
+            <a:r>
+              <a:rPr lang="en-US" dirty="0" err="1" smtClean="0">
+                <a:sym typeface="Wingdings" panose="05000000000000000000" pitchFamily="2" charset="2"/>
+              </a:rPr>
+              <a:t>fra</a:t>
+            </a:r>
+            <a:r>
+              <a:rPr lang="en-US" dirty="0" smtClean="0">
+                <a:sym typeface="Wingdings" panose="05000000000000000000" pitchFamily="2" charset="2"/>
+              </a:rPr>
+              <a:t> le </a:t>
+            </a:r>
+            <a:r>
+              <a:rPr lang="en-US" dirty="0" err="1" smtClean="0">
+                <a:sym typeface="Wingdings" panose="05000000000000000000" pitchFamily="2" charset="2"/>
+              </a:rPr>
+              <a:t>colonne</a:t>
+            </a:r>
+            <a:r>
+              <a:rPr lang="en-US" dirty="0" smtClean="0">
+                <a:sym typeface="Wingdings" panose="05000000000000000000" pitchFamily="2" charset="2"/>
+              </a:rPr>
+              <a:t> </a:t>
+            </a:r>
+            <a:r>
+              <a:rPr lang="en-US" dirty="0" err="1" smtClean="0">
+                <a:sym typeface="Wingdings" panose="05000000000000000000" pitchFamily="2" charset="2"/>
+              </a:rPr>
+              <a:t>selezionabili</a:t>
+            </a:r>
+            <a:r>
+              <a:rPr lang="en-US" dirty="0" smtClean="0">
+                <a:sym typeface="Wingdings" panose="05000000000000000000" pitchFamily="2" charset="2"/>
+              </a:rPr>
+              <a:t> </a:t>
+            </a:r>
+            <a:r>
+              <a:rPr lang="en-US" dirty="0" err="1" smtClean="0">
+                <a:sym typeface="Wingdings" panose="05000000000000000000" pitchFamily="2" charset="2"/>
+              </a:rPr>
+              <a:t>della</a:t>
+            </a:r>
+            <a:r>
+              <a:rPr lang="en-US" dirty="0" smtClean="0">
+                <a:sym typeface="Wingdings" panose="05000000000000000000" pitchFamily="2" charset="2"/>
+              </a:rPr>
+              <a:t> </a:t>
+            </a:r>
+            <a:r>
+              <a:rPr lang="en-US" dirty="0" err="1" smtClean="0">
+                <a:sym typeface="Wingdings" panose="05000000000000000000" pitchFamily="2" charset="2"/>
+              </a:rPr>
+              <a:t>finestra</a:t>
             </a:r>
             <a:endParaRPr lang="en-US" dirty="0" smtClean="0"/>
           </a:p>
@@ -19406,11 +19614,11 @@
   <p:clrMapOvr>
     <a:masterClrMapping/>
   </p:clrMapOvr>
-  <mc:AlternateContent xmlns:mc="http://schemas.openxmlformats.org/markup-compatibility/2006">
-    <mc:Choice xmlns:p14="http://schemas.microsoft.com/office/powerpoint/2010/main" Requires="p14">
+  <mc:AlternateContent xmlns:mc="http://schemas.openxmlformats.org/markup-compatibility/2006" xmlns:p14="http://schemas.microsoft.com/office/powerpoint/2010/main">
+    <mc:Choice Requires="p14">
       <p:transition spd="slow" p14:dur="2000"/>
     </mc:Choice>
-    <mc:Fallback>
+    <mc:Fallback xmlns="">
       <p:transition spd="slow"/>
     </mc:Fallback>
   </mc:AlternateContent>
@@ -19443,6 +19651,333 @@
       </p:grpSpPr>
       <p:sp>
         <p:nvSpPr>
+          <p:cNvPr id="2" name="Title 1"/>
+          <p:cNvSpPr>
+            <a:spLocks noGrp="1"/>
+          </p:cNvSpPr>
+          <p:nvPr>
+            <p:ph type="title"/>
+          </p:nvPr>
+        </p:nvSpPr>
+        <p:spPr/>
+        <p:txBody>
+          <a:bodyPr/>
+          <a:lstStyle/>
+          <a:p>
+            <a:r>
+              <a:rPr lang="en-US" dirty="0" smtClean="0"/>
+              <a:t>Debugger – Threads Window </a:t>
+            </a:r>
+            <a:r>
+              <a:rPr lang="en-US" dirty="0" smtClean="0"/>
+              <a:t>(2)</a:t>
+            </a:r>
+            <a:r>
+              <a:rPr lang="en-US" dirty="0" smtClean="0"/>
+              <a:t>	</a:t>
+            </a:r>
+            <a:endParaRPr lang="it-IT" dirty="0"/>
+          </a:p>
+        </p:txBody>
+      </p:sp>
+      <p:sp>
+        <p:nvSpPr>
+          <p:cNvPr id="3" name="Content Placeholder 2"/>
+          <p:cNvSpPr>
+            <a:spLocks noGrp="1"/>
+          </p:cNvSpPr>
+          <p:nvPr>
+            <p:ph idx="1"/>
+          </p:nvPr>
+        </p:nvSpPr>
+        <p:spPr/>
+        <p:txBody>
+          <a:bodyPr>
+            <a:normAutofit/>
+          </a:bodyPr>
+          <a:lstStyle/>
+          <a:p>
+            <a:pPr lvl="0" algn="just"/>
+            <a:r>
+              <a:rPr lang="en-US" dirty="0" smtClean="0"/>
+              <a:t>Un feature </a:t>
+            </a:r>
+            <a:r>
+              <a:rPr lang="en-US" dirty="0" err="1" smtClean="0"/>
+              <a:t>che</a:t>
+            </a:r>
+            <a:r>
+              <a:rPr lang="en-US" dirty="0" smtClean="0"/>
+              <a:t> </a:t>
+            </a:r>
+            <a:r>
+              <a:rPr lang="en-US" dirty="0" err="1" smtClean="0"/>
+              <a:t>può</a:t>
+            </a:r>
+            <a:r>
+              <a:rPr lang="en-US" dirty="0" smtClean="0"/>
+              <a:t> </a:t>
+            </a:r>
+            <a:r>
+              <a:rPr lang="en-US" dirty="0" err="1" smtClean="0"/>
+              <a:t>risultatare</a:t>
+            </a:r>
+            <a:r>
+              <a:rPr lang="en-US" dirty="0" smtClean="0"/>
+              <a:t> utile </a:t>
+            </a:r>
+            <a:r>
+              <a:rPr lang="en-US" dirty="0" err="1" smtClean="0"/>
+              <a:t>durante</a:t>
+            </a:r>
+            <a:r>
+              <a:rPr lang="en-US" dirty="0" smtClean="0"/>
+              <a:t> </a:t>
+            </a:r>
+            <a:r>
+              <a:rPr lang="en-US" dirty="0" err="1" smtClean="0"/>
+              <a:t>il</a:t>
+            </a:r>
+            <a:r>
+              <a:rPr lang="en-US" dirty="0" smtClean="0"/>
+              <a:t> debugging multithread è la </a:t>
+            </a:r>
+            <a:r>
+              <a:rPr lang="en-US" dirty="0" err="1" smtClean="0"/>
+              <a:t>possibilità</a:t>
+            </a:r>
+            <a:r>
+              <a:rPr lang="en-US" dirty="0" smtClean="0"/>
+              <a:t> di </a:t>
+            </a:r>
+            <a:r>
+              <a:rPr lang="en-US" dirty="0" err="1" smtClean="0"/>
+              <a:t>sospendere</a:t>
+            </a:r>
+            <a:r>
+              <a:rPr lang="en-US" dirty="0" smtClean="0"/>
+              <a:t> </a:t>
+            </a:r>
+            <a:r>
+              <a:rPr lang="en-US" dirty="0" err="1" smtClean="0"/>
+              <a:t>uno</a:t>
+            </a:r>
+            <a:r>
+              <a:rPr lang="en-US" dirty="0" smtClean="0"/>
+              <a:t> o </a:t>
+            </a:r>
+            <a:r>
+              <a:rPr lang="en-US" dirty="0" err="1" smtClean="0"/>
+              <a:t>più</a:t>
+            </a:r>
+            <a:r>
+              <a:rPr lang="en-US" dirty="0" smtClean="0"/>
+              <a:t> thread, </a:t>
+            </a:r>
+            <a:r>
+              <a:rPr lang="en-US" dirty="0" err="1" smtClean="0"/>
+              <a:t>concentrando</a:t>
+            </a:r>
+            <a:r>
+              <a:rPr lang="en-US" dirty="0" smtClean="0"/>
+              <a:t> </a:t>
+            </a:r>
+            <a:r>
+              <a:rPr lang="en-US" dirty="0" err="1" smtClean="0"/>
+              <a:t>il</a:t>
+            </a:r>
+            <a:r>
+              <a:rPr lang="en-US" dirty="0" smtClean="0"/>
+              <a:t> debug sui </a:t>
+            </a:r>
+            <a:r>
+              <a:rPr lang="en-US" dirty="0" err="1" smtClean="0"/>
+              <a:t>restanti</a:t>
+            </a:r>
+            <a:endParaRPr lang="en-US" dirty="0" smtClean="0"/>
+          </a:p>
+          <a:p>
+            <a:pPr lvl="0" algn="just"/>
+            <a:r>
+              <a:rPr lang="en-US" dirty="0" smtClean="0"/>
+              <a:t>Dal menu </a:t>
+            </a:r>
+            <a:r>
+              <a:rPr lang="en-US" dirty="0" err="1" smtClean="0"/>
+              <a:t>della</a:t>
+            </a:r>
+            <a:r>
+              <a:rPr lang="en-US" dirty="0" smtClean="0"/>
+              <a:t> </a:t>
+            </a:r>
+            <a:r>
+              <a:rPr lang="en-US" dirty="0" err="1" smtClean="0"/>
+              <a:t>finestra</a:t>
+            </a:r>
+            <a:r>
+              <a:rPr lang="en-US" dirty="0" smtClean="0"/>
+              <a:t> “Thread”, </a:t>
+            </a:r>
+            <a:r>
+              <a:rPr lang="en-US" dirty="0" err="1" smtClean="0"/>
+              <a:t>avendo</a:t>
+            </a:r>
+            <a:r>
+              <a:rPr lang="en-US" dirty="0" smtClean="0"/>
+              <a:t> la </a:t>
+            </a:r>
+            <a:r>
+              <a:rPr lang="en-US" dirty="0" err="1" smtClean="0"/>
+              <a:t>selezione</a:t>
+            </a:r>
+            <a:r>
+              <a:rPr lang="en-US" dirty="0" smtClean="0"/>
+              <a:t> </a:t>
+            </a:r>
+            <a:r>
+              <a:rPr lang="en-US" dirty="0" err="1" smtClean="0"/>
+              <a:t>su</a:t>
+            </a:r>
+            <a:r>
+              <a:rPr lang="en-US" dirty="0" smtClean="0"/>
+              <a:t> un thread, </a:t>
+            </a:r>
+            <a:r>
+              <a:rPr lang="en-US" dirty="0" err="1" smtClean="0"/>
+              <a:t>selezionare</a:t>
+            </a:r>
+            <a:r>
+              <a:rPr lang="en-US" dirty="0" smtClean="0"/>
+              <a:t> “Freeze Threads” o “Thaw Threads” </a:t>
+            </a:r>
+          </a:p>
+          <a:p>
+            <a:pPr lvl="0" algn="just"/>
+            <a:r>
+              <a:rPr lang="en-US" dirty="0" smtClean="0"/>
+              <a:t>Fare </a:t>
+            </a:r>
+            <a:r>
+              <a:rPr lang="en-US" dirty="0" err="1" smtClean="0"/>
+              <a:t>attenzione</a:t>
+            </a:r>
+            <a:r>
+              <a:rPr lang="en-US" dirty="0" smtClean="0"/>
+              <a:t> ad </a:t>
+            </a:r>
+            <a:r>
+              <a:rPr lang="en-US" dirty="0" err="1" smtClean="0"/>
+              <a:t>avere</a:t>
+            </a:r>
+            <a:r>
+              <a:rPr lang="en-US" dirty="0" smtClean="0"/>
+              <a:t> un breakpoint prima del join del thread </a:t>
+            </a:r>
+            <a:r>
+              <a:rPr lang="en-US" dirty="0" err="1" smtClean="0"/>
+              <a:t>freezato</a:t>
+            </a:r>
+            <a:r>
+              <a:rPr lang="en-US" dirty="0" smtClean="0"/>
+              <a:t>, per </a:t>
+            </a:r>
+            <a:r>
+              <a:rPr lang="en-US" dirty="0" err="1" smtClean="0"/>
+              <a:t>evitare</a:t>
+            </a:r>
+            <a:r>
+              <a:rPr lang="en-US" smtClean="0"/>
+              <a:t> deadlock</a:t>
+            </a:r>
+            <a:endParaRPr lang="en-US" dirty="0" smtClean="0"/>
+          </a:p>
+          <a:p>
+            <a:pPr marL="0" lvl="0" indent="0" algn="just">
+              <a:buNone/>
+            </a:pPr>
+            <a:endParaRPr lang="en-US" dirty="0" smtClean="0"/>
+          </a:p>
+          <a:p>
+            <a:pPr lvl="0" algn="just"/>
+            <a:endParaRPr lang="en-US" dirty="0" smtClean="0"/>
+          </a:p>
+          <a:p>
+            <a:pPr lvl="0" algn="just"/>
+            <a:endParaRPr lang="en-US" dirty="0" smtClean="0"/>
+          </a:p>
+        </p:txBody>
+      </p:sp>
+      <p:pic>
+        <p:nvPicPr>
+          <p:cNvPr id="4" name="Picture 3"/>
+          <p:cNvPicPr>
+            <a:picLocks noChangeAspect="1"/>
+          </p:cNvPicPr>
+          <p:nvPr/>
+        </p:nvPicPr>
+        <p:blipFill>
+          <a:blip r:embed="rId3"/>
+          <a:stretch>
+            <a:fillRect/>
+          </a:stretch>
+        </p:blipFill>
+        <p:spPr>
+          <a:xfrm>
+            <a:off x="1261872" y="4608512"/>
+            <a:ext cx="8791575" cy="1571625"/>
+          </a:xfrm>
+          <a:prstGeom prst="rect">
+            <a:avLst/>
+          </a:prstGeom>
+        </p:spPr>
+      </p:pic>
+    </p:spTree>
+    <p:extLst>
+      <p:ext uri="{BB962C8B-B14F-4D97-AF65-F5344CB8AC3E}">
+        <p14:creationId xmlns:p14="http://schemas.microsoft.com/office/powerpoint/2010/main" val="3914078921"/>
+      </p:ext>
+    </p:extLst>
+  </p:cSld>
+  <p:clrMapOvr>
+    <a:masterClrMapping/>
+  </p:clrMapOvr>
+  <mc:AlternateContent xmlns:mc="http://schemas.openxmlformats.org/markup-compatibility/2006">
+    <mc:Choice xmlns:p14="http://schemas.microsoft.com/office/powerpoint/2010/main" Requires="p14">
+      <p:transition spd="slow" p14:dur="2000"/>
+    </mc:Choice>
+    <mc:Fallback>
+      <p:transition spd="slow"/>
+    </mc:Fallback>
+  </mc:AlternateContent>
+  <p:timing>
+    <p:tnLst>
+      <p:par>
+        <p:cTn id="1" dur="indefinite" restart="never" nodeType="tmRoot"/>
+      </p:par>
+    </p:tnLst>
+  </p:timing>
+</p:sld>
+</file>
+
+<file path=ppt/slides/slide46.xml><?xml version="1.0" encoding="utf-8"?>
+<p:sld xmlns:a="http://schemas.openxmlformats.org/drawingml/2006/main" xmlns:r="http://schemas.openxmlformats.org/officeDocument/2006/relationships" xmlns:p="http://schemas.openxmlformats.org/presentationml/2006/main">
+  <p:cSld>
+    <p:spTree>
+      <p:nvGrpSpPr>
+        <p:cNvPr id="1" name=""/>
+        <p:cNvGrpSpPr/>
+        <p:nvPr/>
+      </p:nvGrpSpPr>
+      <p:grpSpPr>
+        <a:xfrm>
+          <a:off x="0" y="0"/>
+          <a:ext cx="0" cy="0"/>
+          <a:chOff x="0" y="0"/>
+          <a:chExt cx="0" cy="0"/>
+        </a:xfrm>
+      </p:grpSpPr>
+      <p:sp>
+        <p:nvSpPr>
           <p:cNvPr id="4" name="Title 3"/>
           <p:cNvSpPr>
             <a:spLocks noGrp="1"/>
@@ -19513,7 +20048,7 @@
 </p:sld>
 </file>
 
-<file path=ppt/slides/slide46.xml><?xml version="1.0" encoding="utf-8"?>
+<file path=ppt/slides/slide47.xml><?xml version="1.0" encoding="utf-8"?>
 <p:sld xmlns:a="http://schemas.openxmlformats.org/drawingml/2006/main" xmlns:r="http://schemas.openxmlformats.org/officeDocument/2006/relationships" xmlns:p="http://schemas.openxmlformats.org/presentationml/2006/main">
   <p:cSld>
     <p:spTree>

--- a/presentazioneCDAYS2014.pptx
+++ b/presentazioneCDAYS2014.pptx
@@ -5,20 +5,20 @@
     <p:sldMasterId id="2147483840" r:id="rId1"/>
   </p:sldMasterIdLst>
   <p:notesMasterIdLst>
-    <p:notesMasterId r:id="rId49"/>
+    <p:notesMasterId r:id="rId50"/>
   </p:notesMasterIdLst>
   <p:handoutMasterIdLst>
-    <p:handoutMasterId r:id="rId50"/>
+    <p:handoutMasterId r:id="rId51"/>
   </p:handoutMasterIdLst>
   <p:sldIdLst>
     <p:sldId id="256" r:id="rId2"/>
     <p:sldId id="259" r:id="rId3"/>
-    <p:sldId id="260" r:id="rId4"/>
-    <p:sldId id="261" r:id="rId5"/>
-    <p:sldId id="265" r:id="rId6"/>
-    <p:sldId id="266" r:id="rId7"/>
-    <p:sldId id="267" r:id="rId8"/>
-    <p:sldId id="268" r:id="rId9"/>
+    <p:sldId id="261" r:id="rId4"/>
+    <p:sldId id="307" r:id="rId5"/>
+    <p:sldId id="266" r:id="rId6"/>
+    <p:sldId id="267" r:id="rId7"/>
+    <p:sldId id="268" r:id="rId8"/>
+    <p:sldId id="308" r:id="rId9"/>
     <p:sldId id="269" r:id="rId10"/>
     <p:sldId id="271" r:id="rId11"/>
     <p:sldId id="270" r:id="rId12"/>
@@ -57,7 +57,8 @@
     <p:sldId id="304" r:id="rId45"/>
     <p:sldId id="305" r:id="rId46"/>
     <p:sldId id="264" r:id="rId47"/>
-    <p:sldId id="263" r:id="rId48"/>
+    <p:sldId id="306" r:id="rId48"/>
+    <p:sldId id="263" r:id="rId49"/>
   </p:sldIdLst>
   <p:sldSz cx="12192000" cy="6858000"/>
   <p:notesSz cx="6858000" cy="9144000"/>
@@ -163,12 +164,12 @@
           <p14:sldIdLst>
             <p14:sldId id="256"/>
             <p14:sldId id="259"/>
-            <p14:sldId id="260"/>
             <p14:sldId id="261"/>
-            <p14:sldId id="265"/>
+            <p14:sldId id="307"/>
             <p14:sldId id="266"/>
             <p14:sldId id="267"/>
             <p14:sldId id="268"/>
+            <p14:sldId id="308"/>
             <p14:sldId id="269"/>
             <p14:sldId id="271"/>
             <p14:sldId id="270"/>
@@ -207,6 +208,7 @@
             <p14:sldId id="304"/>
             <p14:sldId id="305"/>
             <p14:sldId id="264"/>
+            <p14:sldId id="306"/>
             <p14:sldId id="263"/>
           </p14:sldIdLst>
         </p14:section>
@@ -316,7 +318,7 @@
           <a:p>
             <a:fld id="{7541E3AA-7BE5-4B59-82F5-30F2E5FF0CD3}" type="datetimeFigureOut">
               <a:rPr lang="it-IT" smtClean="0"/>
-              <a:t>19/02/2014</a:t>
+              <a:t>20/02/2014</a:t>
             </a:fld>
             <a:endParaRPr lang="it-IT"/>
           </a:p>
@@ -481,7 +483,7 @@
           <a:p>
             <a:fld id="{1634FCDD-F444-4746-A037-762098AD364A}" type="datetimeFigureOut">
               <a:rPr lang="it-IT" smtClean="0"/>
-              <a:t>19/02/2014</a:t>
+              <a:t>20/02/2014</a:t>
             </a:fld>
             <a:endParaRPr lang="it-IT"/>
           </a:p>
@@ -869,12 +871,7 @@
             <p:ph type="sldImg"/>
           </p:nvPr>
         </p:nvSpPr>
-        <p:spPr>
-          <a:xfrm>
-            <a:off x="381000" y="685800"/>
-            <a:ext cx="6096000" cy="3429000"/>
-          </a:xfrm>
-        </p:spPr>
+        <p:spPr/>
       </p:sp>
       <p:sp>
         <p:nvSpPr>
@@ -891,7 +888,7 @@
           <a:bodyPr/>
           <a:lstStyle/>
           <a:p>
-            <a:endParaRPr lang="it-IT" dirty="0"/>
+            <a:endParaRPr lang="it-IT" dirty="0" smtClean="0"/>
           </a:p>
         </p:txBody>
       </p:sp>
@@ -910,9 +907,15 @@
           <a:bodyPr/>
           <a:lstStyle/>
           <a:p>
-            <a:fld id="{6B6C5E1B-63F6-4CD9-93BD-FBDB130EB2E4}" type="slidenum">
+            <a:pPr>
+              <a:defRPr/>
+            </a:pPr>
+            <a:fld id="{DE60BAEC-D849-4E5E-BC74-7183D59EFA31}" type="slidenum">
               <a:rPr lang="it-IT" smtClean="0"/>
-              <a:t>3</a:t>
+              <a:pPr>
+                <a:defRPr/>
+              </a:pPr>
+              <a:t>32</a:t>
             </a:fld>
             <a:endParaRPr lang="it-IT"/>
           </a:p>
@@ -921,7 +924,7 @@
     </p:spTree>
     <p:extLst>
       <p:ext uri="{BB962C8B-B14F-4D97-AF65-F5344CB8AC3E}">
-        <p14:creationId xmlns:p14="http://schemas.microsoft.com/office/powerpoint/2010/main" val="3109068816"/>
+        <p14:creationId xmlns:p14="http://schemas.microsoft.com/office/powerpoint/2010/main" val="1408176758"/>
       </p:ext>
     </p:extLst>
   </p:cSld>
@@ -975,7 +978,7 @@
           <a:bodyPr/>
           <a:lstStyle/>
           <a:p>
-            <a:endParaRPr lang="it-IT" dirty="0" smtClean="0"/>
+            <a:endParaRPr lang="it-IT" dirty="0"/>
           </a:p>
         </p:txBody>
       </p:sp>
@@ -994,15 +997,9 @@
           <a:bodyPr/>
           <a:lstStyle/>
           <a:p>
-            <a:pPr>
-              <a:defRPr/>
-            </a:pPr>
-            <a:fld id="{DE60BAEC-D849-4E5E-BC74-7183D59EFA31}" type="slidenum">
+            <a:fld id="{718782B7-9148-4F32-BDF6-7B43A5BEBC7B}" type="slidenum">
               <a:rPr lang="it-IT" smtClean="0"/>
-              <a:pPr>
-                <a:defRPr/>
-              </a:pPr>
-              <a:t>32</a:t>
+              <a:t>43</a:t>
             </a:fld>
             <a:endParaRPr lang="it-IT"/>
           </a:p>
@@ -1011,7 +1008,7 @@
     </p:spTree>
     <p:extLst>
       <p:ext uri="{BB962C8B-B14F-4D97-AF65-F5344CB8AC3E}">
-        <p14:creationId xmlns:p14="http://schemas.microsoft.com/office/powerpoint/2010/main" val="1408176758"/>
+        <p14:creationId xmlns:p14="http://schemas.microsoft.com/office/powerpoint/2010/main" val="587204659"/>
       </p:ext>
     </p:extLst>
   </p:cSld>
@@ -1086,7 +1083,7 @@
           <a:p>
             <a:fld id="{718782B7-9148-4F32-BDF6-7B43A5BEBC7B}" type="slidenum">
               <a:rPr lang="it-IT" smtClean="0"/>
-              <a:t>43</a:t>
+              <a:t>44</a:t>
             </a:fld>
             <a:endParaRPr lang="it-IT"/>
           </a:p>
@@ -1095,7 +1092,7 @@
     </p:spTree>
     <p:extLst>
       <p:ext uri="{BB962C8B-B14F-4D97-AF65-F5344CB8AC3E}">
-        <p14:creationId xmlns:p14="http://schemas.microsoft.com/office/powerpoint/2010/main" val="587204659"/>
+        <p14:creationId xmlns:p14="http://schemas.microsoft.com/office/powerpoint/2010/main" val="1946759052"/>
       </p:ext>
     </p:extLst>
   </p:cSld>
@@ -1170,90 +1167,6 @@
           <a:p>
             <a:fld id="{718782B7-9148-4F32-BDF6-7B43A5BEBC7B}" type="slidenum">
               <a:rPr lang="it-IT" smtClean="0"/>
-              <a:t>44</a:t>
-            </a:fld>
-            <a:endParaRPr lang="it-IT"/>
-          </a:p>
-        </p:txBody>
-      </p:sp>
-    </p:spTree>
-    <p:extLst>
-      <p:ext uri="{BB962C8B-B14F-4D97-AF65-F5344CB8AC3E}">
-        <p14:creationId xmlns:p14="http://schemas.microsoft.com/office/powerpoint/2010/main" val="1946759052"/>
-      </p:ext>
-    </p:extLst>
-  </p:cSld>
-  <p:clrMapOvr>
-    <a:masterClrMapping/>
-  </p:clrMapOvr>
-</p:notes>
-</file>
-
-<file path=ppt/notesSlides/notesSlide6.xml><?xml version="1.0" encoding="utf-8"?>
-<p:notes xmlns:a="http://schemas.openxmlformats.org/drawingml/2006/main" xmlns:r="http://schemas.openxmlformats.org/officeDocument/2006/relationships" xmlns:p="http://schemas.openxmlformats.org/presentationml/2006/main">
-  <p:cSld>
-    <p:spTree>
-      <p:nvGrpSpPr>
-        <p:cNvPr id="1" name=""/>
-        <p:cNvGrpSpPr/>
-        <p:nvPr/>
-      </p:nvGrpSpPr>
-      <p:grpSpPr>
-        <a:xfrm>
-          <a:off x="0" y="0"/>
-          <a:ext cx="0" cy="0"/>
-          <a:chOff x="0" y="0"/>
-          <a:chExt cx="0" cy="0"/>
-        </a:xfrm>
-      </p:grpSpPr>
-      <p:sp>
-        <p:nvSpPr>
-          <p:cNvPr id="2" name="Slide Image Placeholder 1"/>
-          <p:cNvSpPr>
-            <a:spLocks noGrp="1" noRot="1" noChangeAspect="1"/>
-          </p:cNvSpPr>
-          <p:nvPr>
-            <p:ph type="sldImg"/>
-          </p:nvPr>
-        </p:nvSpPr>
-        <p:spPr/>
-      </p:sp>
-      <p:sp>
-        <p:nvSpPr>
-          <p:cNvPr id="3" name="Notes Placeholder 2"/>
-          <p:cNvSpPr>
-            <a:spLocks noGrp="1"/>
-          </p:cNvSpPr>
-          <p:nvPr>
-            <p:ph type="body" idx="1"/>
-          </p:nvPr>
-        </p:nvSpPr>
-        <p:spPr/>
-        <p:txBody>
-          <a:bodyPr/>
-          <a:lstStyle/>
-          <a:p>
-            <a:endParaRPr lang="it-IT" dirty="0"/>
-          </a:p>
-        </p:txBody>
-      </p:sp>
-      <p:sp>
-        <p:nvSpPr>
-          <p:cNvPr id="4" name="Slide Number Placeholder 3"/>
-          <p:cNvSpPr>
-            <a:spLocks noGrp="1"/>
-          </p:cNvSpPr>
-          <p:nvPr>
-            <p:ph type="sldNum" sz="quarter" idx="10"/>
-          </p:nvPr>
-        </p:nvSpPr>
-        <p:spPr/>
-        <p:txBody>
-          <a:bodyPr/>
-          <a:lstStyle/>
-          <a:p>
-            <a:fld id="{718782B7-9148-4F32-BDF6-7B43A5BEBC7B}" type="slidenum">
-              <a:rPr lang="it-IT" smtClean="0"/>
               <a:t>45</a:t>
             </a:fld>
             <a:endParaRPr lang="it-IT"/>
@@ -1273,7 +1186,7 @@
 </p:notes>
 </file>
 
-<file path=ppt/notesSlides/notesSlide7.xml><?xml version="1.0" encoding="utf-8"?>
+<file path=ppt/notesSlides/notesSlide6.xml><?xml version="1.0" encoding="utf-8"?>
 <p:notes xmlns:a="http://schemas.openxmlformats.org/drawingml/2006/main" xmlns:r="http://schemas.openxmlformats.org/officeDocument/2006/relationships" xmlns:p="http://schemas.openxmlformats.org/presentationml/2006/main">
   <p:cSld>
     <p:spTree>
@@ -1347,7 +1260,7 @@
           <a:p>
             <a:fld id="{6B6C5E1B-63F6-4CD9-93BD-FBDB130EB2E4}" type="slidenum">
               <a:rPr lang="it-IT" smtClean="0"/>
-              <a:t>47</a:t>
+              <a:t>48</a:t>
             </a:fld>
             <a:endParaRPr lang="it-IT"/>
           </a:p>
@@ -1793,7 +1706,7 @@
           <a:p>
             <a:fld id="{06D8BB37-67E1-420F-B488-3DE93FA3DF1F}" type="datetimeFigureOut">
               <a:rPr lang="en-US" dirty="0"/>
-              <a:t>2/19/2014</a:t>
+              <a:t>2/20/2014</a:t>
             </a:fld>
             <a:endParaRPr lang="en-US" dirty="0"/>
           </a:p>
@@ -1997,7 +1910,7 @@
           <a:p>
             <a:fld id="{E4B96382-B15D-466F-9E7D-0603461872B7}" type="datetimeFigureOut">
               <a:rPr lang="en-US" dirty="0"/>
-              <a:t>2/19/2014</a:t>
+              <a:t>2/20/2014</a:t>
             </a:fld>
             <a:endParaRPr lang="en-US" dirty="0"/>
           </a:p>
@@ -2253,7 +2166,7 @@
           <a:p>
             <a:fld id="{218672AE-FC7B-40BA-8844-0693A2434617}" type="datetimeFigureOut">
               <a:rPr lang="en-US" dirty="0"/>
-              <a:t>2/19/2014</a:t>
+              <a:t>2/20/2014</a:t>
             </a:fld>
             <a:endParaRPr lang="en-US" dirty="0"/>
           </a:p>
@@ -2497,7 +2410,7 @@
           <a:p>
             <a:fld id="{3568EC8D-9508-4A2C-8FBC-4C089BA52EE5}" type="datetimeFigureOut">
               <a:rPr lang="en-US" dirty="0"/>
-              <a:t>2/19/2014</a:t>
+              <a:t>2/20/2014</a:t>
             </a:fld>
             <a:endParaRPr lang="en-US" dirty="0"/>
           </a:p>
@@ -2822,7 +2735,7 @@
           <a:p>
             <a:fld id="{DB7A1C89-C29A-4D79-B5A1-1F424905E9A1}" type="datetimeFigureOut">
               <a:rPr lang="en-US" dirty="0"/>
-              <a:t>2/19/2014</a:t>
+              <a:t>2/20/2014</a:t>
             </a:fld>
             <a:endParaRPr lang="en-US" dirty="0"/>
           </a:p>
@@ -3186,7 +3099,7 @@
           <a:p>
             <a:fld id="{57ECC248-0691-4AB1-BB8B-882D656FF160}" type="datetimeFigureOut">
               <a:rPr lang="en-US" dirty="0"/>
-              <a:t>2/19/2014</a:t>
+              <a:t>2/20/2014</a:t>
             </a:fld>
             <a:endParaRPr lang="en-US" dirty="0"/>
           </a:p>
@@ -3713,7 +3626,7 @@
           <a:p>
             <a:fld id="{D4E54B09-E178-460F-B46D-023FA9745608}" type="datetimeFigureOut">
               <a:rPr lang="en-US" dirty="0"/>
-              <a:t>2/19/2014</a:t>
+              <a:t>2/20/2014</a:t>
             </a:fld>
             <a:endParaRPr lang="en-US" dirty="0"/>
           </a:p>
@@ -3907,7 +3820,7 @@
           <a:p>
             <a:fld id="{6CD62E06-21B3-4A3D-A6C8-F0DFEB8AB04D}" type="datetimeFigureOut">
               <a:rPr lang="en-US" dirty="0"/>
-              <a:t>2/19/2014</a:t>
+              <a:t>2/20/2014</a:t>
             </a:fld>
             <a:endParaRPr lang="en-US" dirty="0"/>
           </a:p>
@@ -4068,7 +3981,7 @@
           <a:p>
             <a:fld id="{2CC7CC01-41FD-4607-B8B1-976991065B2D}" type="datetimeFigureOut">
               <a:rPr lang="en-US" dirty="0"/>
-              <a:t>2/19/2014</a:t>
+              <a:t>2/20/2014</a:t>
             </a:fld>
             <a:endParaRPr lang="en-US" dirty="0"/>
           </a:p>
@@ -4432,7 +4345,7 @@
           <a:p>
             <a:fld id="{6D6740A7-C153-476A-BA27-5BE657EA7C21}" type="datetimeFigureOut">
               <a:rPr lang="en-US" dirty="0"/>
-              <a:t>2/19/2014</a:t>
+              <a:t>2/20/2014</a:t>
             </a:fld>
             <a:endParaRPr lang="en-US" dirty="0"/>
           </a:p>
@@ -4698,7 +4611,7 @@
           <a:p>
             <a:fld id="{1C86C2EC-F3EA-4AFE-88D7-51A6BBFDBA8B}" type="datetimeFigureOut">
               <a:rPr lang="en-US" dirty="0"/>
-              <a:t>2/19/2014</a:t>
+              <a:t>2/20/2014</a:t>
             </a:fld>
             <a:endParaRPr lang="en-US" dirty="0"/>
           </a:p>
@@ -5092,7 +5005,7 @@
           <a:p>
             <a:fld id="{BF2EAB5F-78EB-45CA-9E26-D1BAA0AA6EEC}" type="datetimeFigureOut">
               <a:rPr lang="en-US" dirty="0"/>
-              <a:t>2/19/2014</a:t>
+              <a:t>2/20/2014</a:t>
             </a:fld>
             <a:endParaRPr lang="en-US" dirty="0"/>
           </a:p>
@@ -14542,7 +14455,7 @@
       </p:grpSpPr>
       <p:sp>
         <p:nvSpPr>
-          <p:cNvPr id="3" name="Title 2"/>
+          <p:cNvPr id="2" name="Title 1"/>
           <p:cNvSpPr>
             <a:spLocks noGrp="1"/>
           </p:cNvSpPr>
@@ -14557,7 +14470,7 @@
           <a:p>
             <a:r>
               <a:rPr lang="it-IT" dirty="0" smtClean="0"/>
-              <a:t>Agenda</a:t>
+              <a:t>Chi sono</a:t>
             </a:r>
             <a:endParaRPr lang="it-IT" dirty="0"/>
           </a:p>
@@ -14565,7 +14478,7 @@
       </p:sp>
       <p:sp>
         <p:nvSpPr>
-          <p:cNvPr id="4" name="Content Placeholder 3"/>
+          <p:cNvPr id="3" name="Content Placeholder 2"/>
           <p:cNvSpPr>
             <a:spLocks noGrp="1"/>
           </p:cNvSpPr>
@@ -14580,33 +14493,211 @@
           </a:bodyPr>
           <a:lstStyle/>
           <a:p>
-            <a:r>
-              <a:rPr lang="it-IT" dirty="0" smtClean="0"/>
-              <a:t>Punto 1</a:t>
-            </a:r>
-          </a:p>
-          <a:p>
-            <a:r>
-              <a:rPr lang="it-IT" dirty="0" smtClean="0"/>
-              <a:t>Punto 2</a:t>
-            </a:r>
-          </a:p>
-          <a:p>
-            <a:pPr lvl="1"/>
-            <a:endParaRPr lang="it-IT" dirty="0" smtClean="0"/>
-          </a:p>
-          <a:p>
-            <a:pPr marL="609515" lvl="1" indent="0">
+            <a:pPr lvl="0">
               <a:buNone/>
             </a:pPr>
-            <a:endParaRPr lang="it-IT" dirty="0"/>
+            <a:r>
+              <a:rPr lang="en-US" dirty="0">
+                <a:latin typeface="Calibri" pitchFamily="34"/>
+              </a:rPr>
+              <a:t>Guido </a:t>
+            </a:r>
+            <a:r>
+              <a:rPr lang="en-US" dirty="0" err="1">
+                <a:latin typeface="Calibri" pitchFamily="34"/>
+              </a:rPr>
+              <a:t>Pederzini</a:t>
+            </a:r>
+            <a:endParaRPr lang="en-US" dirty="0">
+              <a:latin typeface="Calibri" pitchFamily="34"/>
+            </a:endParaRPr>
+          </a:p>
+          <a:p>
+            <a:pPr lvl="0"/>
+            <a:r>
+              <a:rPr lang="en-US" dirty="0" err="1">
+                <a:latin typeface="Calibri" pitchFamily="34"/>
+              </a:rPr>
+              <a:t>Ingegnere</a:t>
+            </a:r>
+            <a:r>
+              <a:rPr lang="en-US" dirty="0">
+                <a:latin typeface="Calibri" pitchFamily="34"/>
+              </a:rPr>
+              <a:t> </a:t>
+            </a:r>
+            <a:r>
+              <a:rPr lang="en-US" dirty="0" err="1">
+                <a:latin typeface="Calibri" pitchFamily="34"/>
+              </a:rPr>
+              <a:t>informatico</a:t>
+            </a:r>
+            <a:r>
+              <a:rPr lang="en-US" dirty="0">
+                <a:latin typeface="Calibri" pitchFamily="34"/>
+              </a:rPr>
+              <a:t> di 37 </a:t>
+            </a:r>
+            <a:r>
+              <a:rPr lang="en-US" dirty="0" err="1">
+                <a:latin typeface="Calibri" pitchFamily="34"/>
+              </a:rPr>
+              <a:t>anni</a:t>
+            </a:r>
+            <a:endParaRPr lang="en-US" dirty="0">
+              <a:latin typeface="Calibri" pitchFamily="34"/>
+            </a:endParaRPr>
+          </a:p>
+          <a:p>
+            <a:pPr lvl="0"/>
+            <a:r>
+              <a:rPr lang="en-US" dirty="0" err="1">
+                <a:latin typeface="Calibri" pitchFamily="34"/>
+              </a:rPr>
+              <a:t>Esperienza</a:t>
+            </a:r>
+            <a:r>
+              <a:rPr lang="en-US" dirty="0">
+                <a:latin typeface="Calibri" pitchFamily="34"/>
+              </a:rPr>
+              <a:t> </a:t>
+            </a:r>
+            <a:r>
+              <a:rPr lang="en-US" dirty="0" err="1">
+                <a:latin typeface="Calibri" pitchFamily="34"/>
+              </a:rPr>
+              <a:t>nel</a:t>
+            </a:r>
+            <a:r>
+              <a:rPr lang="en-US" dirty="0">
+                <a:latin typeface="Calibri" pitchFamily="34"/>
+              </a:rPr>
+              <a:t> </a:t>
+            </a:r>
+            <a:r>
+              <a:rPr lang="en-US" dirty="0" err="1">
+                <a:latin typeface="Calibri" pitchFamily="34"/>
+              </a:rPr>
+              <a:t>mondo</a:t>
+            </a:r>
+            <a:r>
+              <a:rPr lang="en-US" dirty="0">
+                <a:latin typeface="Calibri" pitchFamily="34"/>
+              </a:rPr>
+              <a:t> </a:t>
+            </a:r>
+            <a:r>
+              <a:rPr lang="en-US" dirty="0" err="1">
+                <a:latin typeface="Calibri" pitchFamily="34"/>
+              </a:rPr>
+              <a:t>biomedicale</a:t>
+            </a:r>
+            <a:r>
+              <a:rPr lang="en-US" dirty="0">
+                <a:latin typeface="Calibri" pitchFamily="34"/>
+              </a:rPr>
+              <a:t> dal 2004 al 2007</a:t>
+            </a:r>
+          </a:p>
+          <a:p>
+            <a:pPr lvl="0"/>
+            <a:r>
+              <a:rPr lang="en-US" dirty="0">
+                <a:latin typeface="Calibri" pitchFamily="34"/>
+              </a:rPr>
+              <a:t>Un </a:t>
+            </a:r>
+            <a:r>
+              <a:rPr lang="en-US" dirty="0" err="1">
+                <a:latin typeface="Calibri" pitchFamily="34"/>
+              </a:rPr>
+              <a:t>po</a:t>
+            </a:r>
+            <a:r>
+              <a:rPr lang="en-US" dirty="0">
+                <a:latin typeface="Calibri" pitchFamily="34"/>
+              </a:rPr>
+              <a:t>' di web app dal 2007 al 2008</a:t>
+            </a:r>
+          </a:p>
+          <a:p>
+            <a:pPr lvl="0"/>
+            <a:r>
+              <a:rPr lang="en-US" dirty="0">
+                <a:latin typeface="Calibri" pitchFamily="34"/>
+              </a:rPr>
+              <a:t>Dal 2008 </a:t>
+            </a:r>
+            <a:r>
+              <a:rPr lang="en-US" dirty="0" err="1">
+                <a:latin typeface="Calibri" pitchFamily="34"/>
+              </a:rPr>
+              <a:t>membro</a:t>
+            </a:r>
+            <a:r>
+              <a:rPr lang="en-US" dirty="0">
+                <a:latin typeface="Calibri" pitchFamily="34"/>
+              </a:rPr>
+              <a:t> di un team agile, </a:t>
+            </a:r>
+            <a:r>
+              <a:rPr lang="en-US" dirty="0" err="1">
+                <a:latin typeface="Calibri" pitchFamily="34"/>
+              </a:rPr>
+              <a:t>che</a:t>
+            </a:r>
+            <a:r>
+              <a:rPr lang="en-US" dirty="0">
+                <a:latin typeface="Calibri" pitchFamily="34"/>
+              </a:rPr>
+              <a:t> </a:t>
+            </a:r>
+            <a:r>
+              <a:rPr lang="en-US" dirty="0" err="1">
+                <a:latin typeface="Calibri" pitchFamily="34"/>
+              </a:rPr>
+              <a:t>sviluppa</a:t>
+            </a:r>
+            <a:r>
+              <a:rPr lang="en-US" dirty="0">
+                <a:latin typeface="Calibri" pitchFamily="34"/>
+              </a:rPr>
+              <a:t> software per </a:t>
+            </a:r>
+            <a:r>
+              <a:rPr lang="en-US" dirty="0" err="1">
+                <a:latin typeface="Calibri" pitchFamily="34"/>
+              </a:rPr>
+              <a:t>una</a:t>
+            </a:r>
+            <a:r>
+              <a:rPr lang="en-US" dirty="0">
+                <a:latin typeface="Calibri" pitchFamily="34"/>
+              </a:rPr>
+              <a:t> </a:t>
+            </a:r>
+            <a:r>
+              <a:rPr lang="en-US" dirty="0" err="1">
+                <a:latin typeface="Calibri" pitchFamily="34"/>
+              </a:rPr>
+              <a:t>scuderia</a:t>
+            </a:r>
+            <a:r>
+              <a:rPr lang="en-US" dirty="0">
+                <a:latin typeface="Calibri" pitchFamily="34"/>
+              </a:rPr>
+              <a:t> di F1</a:t>
+            </a:r>
+          </a:p>
+          <a:p>
+            <a:endParaRPr lang="it-IT" dirty="0" smtClean="0"/>
           </a:p>
         </p:txBody>
       </p:sp>
     </p:spTree>
     <p:extLst>
       <p:ext uri="{BB962C8B-B14F-4D97-AF65-F5344CB8AC3E}">
-        <p14:creationId xmlns:p14="http://schemas.microsoft.com/office/powerpoint/2010/main" val="74160323"/>
+        <p14:creationId xmlns:p14="http://schemas.microsoft.com/office/powerpoint/2010/main" val="1902386279"/>
       </p:ext>
     </p:extLst>
   </p:cSld>
@@ -18228,7 +18319,7 @@
           <a:p>
             <a:r>
               <a:rPr lang="it-IT" dirty="0" smtClean="0"/>
-              <a:t>Chi sono</a:t>
+              <a:t>Premesse</a:t>
             </a:r>
             <a:endParaRPr lang="it-IT" dirty="0"/>
           </a:p>
@@ -18251,222 +18342,59 @@
           </a:bodyPr>
           <a:lstStyle/>
           <a:p>
-            <a:pPr lvl="0">
-              <a:buNone/>
-            </a:pPr>
-            <a:r>
-              <a:rPr lang="en-US" dirty="0">
-                <a:latin typeface="Calibri" pitchFamily="34"/>
-              </a:rPr>
-              <a:t>Guido </a:t>
-            </a:r>
-            <a:r>
-              <a:rPr lang="en-US" dirty="0" err="1">
-                <a:latin typeface="Calibri" pitchFamily="34"/>
-              </a:rPr>
-              <a:t>Pederzini</a:t>
-            </a:r>
-            <a:endParaRPr lang="en-US" dirty="0">
-              <a:latin typeface="Calibri" pitchFamily="34"/>
-            </a:endParaRPr>
-          </a:p>
-          <a:p>
-            <a:pPr lvl="0"/>
-            <a:r>
-              <a:rPr lang="en-US" dirty="0" err="1">
-                <a:latin typeface="Calibri" pitchFamily="34"/>
-              </a:rPr>
-              <a:t>Ingegnere</a:t>
-            </a:r>
-            <a:r>
-              <a:rPr lang="en-US" dirty="0">
-                <a:latin typeface="Calibri" pitchFamily="34"/>
-              </a:rPr>
-              <a:t> </a:t>
-            </a:r>
-            <a:r>
-              <a:rPr lang="en-US" dirty="0" err="1">
-                <a:latin typeface="Calibri" pitchFamily="34"/>
-              </a:rPr>
-              <a:t>informatico</a:t>
-            </a:r>
-            <a:r>
-              <a:rPr lang="en-US" dirty="0">
-                <a:latin typeface="Calibri" pitchFamily="34"/>
-              </a:rPr>
-              <a:t> di 37 </a:t>
-            </a:r>
-            <a:r>
-              <a:rPr lang="en-US" dirty="0" err="1">
-                <a:latin typeface="Calibri" pitchFamily="34"/>
-              </a:rPr>
-              <a:t>anni</a:t>
-            </a:r>
-            <a:endParaRPr lang="en-US" dirty="0">
-              <a:latin typeface="Calibri" pitchFamily="34"/>
-            </a:endParaRPr>
-          </a:p>
-          <a:p>
-            <a:pPr lvl="0"/>
-            <a:r>
-              <a:rPr lang="en-US" dirty="0" err="1">
-                <a:latin typeface="Calibri" pitchFamily="34"/>
-              </a:rPr>
-              <a:t>Esperienza</a:t>
-            </a:r>
-            <a:r>
-              <a:rPr lang="en-US" dirty="0">
-                <a:latin typeface="Calibri" pitchFamily="34"/>
-              </a:rPr>
-              <a:t> </a:t>
-            </a:r>
-            <a:r>
-              <a:rPr lang="en-US" dirty="0" err="1">
-                <a:latin typeface="Calibri" pitchFamily="34"/>
-              </a:rPr>
-              <a:t>nel</a:t>
-            </a:r>
-            <a:r>
-              <a:rPr lang="en-US" dirty="0">
-                <a:latin typeface="Calibri" pitchFamily="34"/>
-              </a:rPr>
-              <a:t> </a:t>
-            </a:r>
-            <a:r>
-              <a:rPr lang="en-US" dirty="0" err="1">
-                <a:latin typeface="Calibri" pitchFamily="34"/>
-              </a:rPr>
-              <a:t>mondo</a:t>
-            </a:r>
-            <a:r>
-              <a:rPr lang="en-US" dirty="0">
-                <a:latin typeface="Calibri" pitchFamily="34"/>
-              </a:rPr>
-              <a:t> </a:t>
-            </a:r>
-            <a:r>
-              <a:rPr lang="en-US" dirty="0" err="1">
-                <a:latin typeface="Calibri" pitchFamily="34"/>
-              </a:rPr>
-              <a:t>biomedicale</a:t>
-            </a:r>
-            <a:r>
-              <a:rPr lang="en-US" dirty="0">
-                <a:latin typeface="Calibri" pitchFamily="34"/>
-              </a:rPr>
-              <a:t> dal 2004 al 2007</a:t>
-            </a:r>
-          </a:p>
-          <a:p>
-            <a:pPr lvl="0"/>
-            <a:r>
-              <a:rPr lang="en-US" dirty="0">
-                <a:latin typeface="Calibri" pitchFamily="34"/>
-              </a:rPr>
-              <a:t>Un </a:t>
-            </a:r>
-            <a:r>
-              <a:rPr lang="en-US" dirty="0" err="1">
-                <a:latin typeface="Calibri" pitchFamily="34"/>
-              </a:rPr>
-              <a:t>po</a:t>
-            </a:r>
-            <a:r>
-              <a:rPr lang="en-US" dirty="0">
-                <a:latin typeface="Calibri" pitchFamily="34"/>
-              </a:rPr>
-              <a:t>' di web app dal 2007 al 2008</a:t>
-            </a:r>
-          </a:p>
-          <a:p>
-            <a:pPr lvl="0"/>
-            <a:r>
-              <a:rPr lang="en-US" dirty="0">
-                <a:latin typeface="Calibri" pitchFamily="34"/>
-              </a:rPr>
-              <a:t>Dal 2008 </a:t>
-            </a:r>
-            <a:r>
-              <a:rPr lang="en-US" dirty="0" err="1">
-                <a:latin typeface="Calibri" pitchFamily="34"/>
-              </a:rPr>
-              <a:t>membro</a:t>
-            </a:r>
-            <a:r>
-              <a:rPr lang="en-US" dirty="0">
-                <a:latin typeface="Calibri" pitchFamily="34"/>
-              </a:rPr>
-              <a:t> di un team agile, </a:t>
-            </a:r>
-            <a:r>
-              <a:rPr lang="en-US" dirty="0" err="1">
-                <a:latin typeface="Calibri" pitchFamily="34"/>
-              </a:rPr>
-              <a:t>che</a:t>
-            </a:r>
-            <a:r>
-              <a:rPr lang="en-US" dirty="0">
-                <a:latin typeface="Calibri" pitchFamily="34"/>
-              </a:rPr>
-              <a:t> </a:t>
-            </a:r>
-            <a:r>
-              <a:rPr lang="en-US" dirty="0" err="1">
-                <a:latin typeface="Calibri" pitchFamily="34"/>
-              </a:rPr>
-              <a:t>sviluppa</a:t>
-            </a:r>
-            <a:r>
-              <a:rPr lang="en-US" dirty="0">
-                <a:latin typeface="Calibri" pitchFamily="34"/>
-              </a:rPr>
-              <a:t> software per </a:t>
-            </a:r>
-            <a:r>
-              <a:rPr lang="en-US" dirty="0" err="1">
-                <a:latin typeface="Calibri" pitchFamily="34"/>
-              </a:rPr>
-              <a:t>una</a:t>
-            </a:r>
-            <a:r>
-              <a:rPr lang="en-US" dirty="0">
-                <a:latin typeface="Calibri" pitchFamily="34"/>
-              </a:rPr>
-              <a:t> </a:t>
-            </a:r>
-            <a:r>
-              <a:rPr lang="en-US" dirty="0" err="1">
-                <a:latin typeface="Calibri" pitchFamily="34"/>
-              </a:rPr>
-              <a:t>scuderia</a:t>
-            </a:r>
-            <a:r>
-              <a:rPr lang="en-US" dirty="0">
-                <a:latin typeface="Calibri" pitchFamily="34"/>
-              </a:rPr>
-              <a:t> di F1</a:t>
+            <a:r>
+              <a:rPr lang="it-IT" dirty="0" smtClean="0"/>
+              <a:t>Il </a:t>
+            </a:r>
+            <a:r>
+              <a:rPr lang="it-IT" dirty="0"/>
+              <a:t>talk odierno tenterà di dare una panoramica degli strumenti offerti da VS2013 per lavorare con il C</a:t>
+            </a:r>
+            <a:r>
+              <a:rPr lang="it-IT" dirty="0" smtClean="0"/>
+              <a:t>++</a:t>
             </a:r>
           </a:p>
           <a:p>
             <a:endParaRPr lang="it-IT" dirty="0" smtClean="0"/>
+          </a:p>
+          <a:p>
+            <a:r>
+              <a:rPr lang="it-IT" dirty="0"/>
+              <a:t>Alcuni esempi pratici e vicini all'esperienza che ho fatto, aiuteranno a comprenderne le </a:t>
+            </a:r>
+            <a:r>
+              <a:rPr lang="it-IT" dirty="0" smtClean="0"/>
+              <a:t>potenzialità</a:t>
+            </a:r>
+          </a:p>
+          <a:p>
+            <a:endParaRPr lang="it-IT" dirty="0" smtClean="0"/>
+          </a:p>
+          <a:p>
+            <a:r>
+              <a:rPr lang="it-IT" dirty="0"/>
+              <a:t>Visual Studio 2013 è un ambiente molto vasto, di conseguenza il talk non avrà la pretesa di coprire la totalità delle features supportate</a:t>
+            </a:r>
+            <a:endParaRPr lang="en-US" dirty="0"/>
           </a:p>
         </p:txBody>
       </p:sp>
     </p:spTree>
     <p:extLst>
       <p:ext uri="{BB962C8B-B14F-4D97-AF65-F5344CB8AC3E}">
-        <p14:creationId xmlns:p14="http://schemas.microsoft.com/office/powerpoint/2010/main" val="1902386279"/>
+        <p14:creationId xmlns:p14="http://schemas.microsoft.com/office/powerpoint/2010/main" val="865155669"/>
       </p:ext>
     </p:extLst>
   </p:cSld>
   <p:clrMapOvr>
     <a:masterClrMapping/>
   </p:clrMapOvr>
-  <mc:AlternateContent xmlns:mc="http://schemas.openxmlformats.org/markup-compatibility/2006" xmlns:p14="http://schemas.microsoft.com/office/powerpoint/2010/main">
-    <mc:Choice Requires="p14">
+  <mc:AlternateContent xmlns:mc="http://schemas.openxmlformats.org/markup-compatibility/2006">
+    <mc:Choice xmlns:p14="http://schemas.microsoft.com/office/powerpoint/2010/main" Requires="p14">
       <p:transition spd="slow" p14:dur="2000"/>
     </mc:Choice>
-    <mc:Fallback xmlns="">
+    <mc:Fallback>
       <p:transition spd="slow"/>
     </mc:Fallback>
   </mc:AlternateContent>
@@ -19354,19 +19282,7 @@
               <a:rPr lang="en-US" dirty="0" smtClean="0">
                 <a:sym typeface="Wingdings" panose="05000000000000000000" pitchFamily="2" charset="2"/>
               </a:rPr>
-              <a:t> </a:t>
-            </a:r>
-            <a:r>
-              <a:rPr lang="en-US" dirty="0" smtClean="0">
-                <a:sym typeface="Wingdings" panose="05000000000000000000" pitchFamily="2" charset="2"/>
-              </a:rPr>
-              <a:t>(</a:t>
-            </a:r>
-            <a:r>
-              <a:rPr lang="en-US" dirty="0" smtClean="0">
-                <a:sym typeface="Wingdings" panose="05000000000000000000" pitchFamily="2" charset="2"/>
-              </a:rPr>
-              <a:t>UI, RPC handlers, worker </a:t>
+              <a:t> (UI, RPC handlers, worker </a:t>
             </a:r>
             <a:r>
               <a:rPr lang="en-US" dirty="0" err="1" smtClean="0">
@@ -19666,15 +19582,7 @@
           <a:p>
             <a:r>
               <a:rPr lang="en-US" dirty="0" smtClean="0"/>
-              <a:t>Debugger – Threads Window </a:t>
-            </a:r>
-            <a:r>
-              <a:rPr lang="en-US" dirty="0" smtClean="0"/>
-              <a:t>(2)</a:t>
-            </a:r>
-            <a:r>
-              <a:rPr lang="en-US" dirty="0" smtClean="0"/>
-              <a:t>	</a:t>
+              <a:t>Debugger – Threads Window (2)	</a:t>
             </a:r>
             <a:endParaRPr lang="it-IT" dirty="0"/>
           </a:p>
@@ -19941,11 +19849,11 @@
   <p:clrMapOvr>
     <a:masterClrMapping/>
   </p:clrMapOvr>
-  <mc:AlternateContent xmlns:mc="http://schemas.openxmlformats.org/markup-compatibility/2006">
-    <mc:Choice xmlns:p14="http://schemas.microsoft.com/office/powerpoint/2010/main" Requires="p14">
+  <mc:AlternateContent xmlns:mc="http://schemas.openxmlformats.org/markup-compatibility/2006" xmlns:p14="http://schemas.microsoft.com/office/powerpoint/2010/main">
+    <mc:Choice Requires="p14">
       <p:transition spd="slow" p14:dur="2000"/>
     </mc:Choice>
-    <mc:Fallback>
+    <mc:Fallback xmlns="">
       <p:transition spd="slow"/>
     </mc:Fallback>
   </mc:AlternateContent>
@@ -20011,20 +19919,54 @@
         </p:nvSpPr>
         <p:spPr/>
         <p:txBody>
-          <a:bodyPr/>
+          <a:bodyPr>
+            <a:normAutofit lnSpcReduction="10000"/>
+          </a:bodyPr>
           <a:lstStyle/>
           <a:p>
             <a:r>
               <a:rPr lang="it-IT" dirty="0" smtClean="0"/>
-              <a:t>Punto 1</a:t>
+              <a:t>Visual Studio ha importanti qualità in termini di integrazione e facilità di utilizzo, e possiede features piuttosto evolute</a:t>
             </a:r>
           </a:p>
           <a:p>
             <a:r>
               <a:rPr lang="it-IT" dirty="0" smtClean="0"/>
-              <a:t>Punto 2</a:t>
-            </a:r>
-            <a:endParaRPr lang="it-IT" dirty="0"/>
+              <a:t>Lavorare con il C++ risulta più agevole (però ricordiamoci che il codice lo scriviamo noi </a:t>
+            </a:r>
+            <a:r>
+              <a:rPr lang="it-IT" dirty="0" smtClean="0">
+                <a:sym typeface="Wingdings" panose="05000000000000000000" pitchFamily="2" charset="2"/>
+              </a:rPr>
+              <a:t> )</a:t>
+            </a:r>
+          </a:p>
+          <a:p>
+            <a:r>
+              <a:rPr lang="it-IT" dirty="0" smtClean="0">
+                <a:sym typeface="Wingdings" panose="05000000000000000000" pitchFamily="2" charset="2"/>
+              </a:rPr>
+              <a:t>Strumenti di analisi statica e controllo dei warning aiutano a produrre codice nativo in modo più guidato</a:t>
+            </a:r>
+          </a:p>
+          <a:p>
+            <a:r>
+              <a:rPr lang="it-IT" dirty="0" smtClean="0">
+                <a:sym typeface="Wingdings" panose="05000000000000000000" pitchFamily="2" charset="2"/>
+              </a:rPr>
+              <a:t>Strumenti di profilazione consentono di dare un quadro piuttosto preciso su eventuali bottleneck nella nostra applicazione, anche in ambito multithread</a:t>
+            </a:r>
+          </a:p>
+          <a:p>
+            <a:r>
+              <a:rPr lang="it-IT" dirty="0" smtClean="0">
+                <a:sym typeface="Wingdings" panose="05000000000000000000" pitchFamily="2" charset="2"/>
+              </a:rPr>
+              <a:t>Strumenti di debugging stabili e configurabili ci aiutano a correggere i problemi nel codice di produzione, anche quando esso giri in processi esterni o remoti.</a:t>
+            </a:r>
+          </a:p>
+          <a:p>
+            <a:endParaRPr lang="it-IT" dirty="0" smtClean="0"/>
           </a:p>
         </p:txBody>
       </p:sp>
@@ -20049,6 +19991,72 @@
 </file>
 
 <file path=ppt/slides/slide47.xml><?xml version="1.0" encoding="utf-8"?>
+<p:sld xmlns:a="http://schemas.openxmlformats.org/drawingml/2006/main" xmlns:r="http://schemas.openxmlformats.org/officeDocument/2006/relationships" xmlns:p="http://schemas.openxmlformats.org/presentationml/2006/main">
+  <p:cSld>
+    <p:spTree>
+      <p:nvGrpSpPr>
+        <p:cNvPr id="1" name=""/>
+        <p:cNvGrpSpPr/>
+        <p:nvPr/>
+      </p:nvGrpSpPr>
+      <p:grpSpPr>
+        <a:xfrm>
+          <a:off x="0" y="0"/>
+          <a:ext cx="0" cy="0"/>
+          <a:chOff x="0" y="0"/>
+          <a:chExt cx="0" cy="0"/>
+        </a:xfrm>
+      </p:grpSpPr>
+      <p:sp>
+        <p:nvSpPr>
+          <p:cNvPr id="4" name="Title 3"/>
+          <p:cNvSpPr>
+            <a:spLocks noGrp="1"/>
+          </p:cNvSpPr>
+          <p:nvPr>
+            <p:ph type="title"/>
+          </p:nvPr>
+        </p:nvSpPr>
+        <p:spPr>
+          <a:xfrm>
+            <a:off x="1172972" y="2522993"/>
+            <a:ext cx="9692640" cy="1428929"/>
+          </a:xfrm>
+        </p:spPr>
+        <p:txBody>
+          <a:bodyPr/>
+          <a:lstStyle/>
+          <a:p>
+            <a:pPr algn="ctr"/>
+            <a:r>
+              <a:rPr lang="it-IT" dirty="0" smtClean="0"/>
+              <a:t>Grazie a tutti !</a:t>
+            </a:r>
+            <a:endParaRPr lang="it-IT" dirty="0"/>
+          </a:p>
+        </p:txBody>
+      </p:sp>
+    </p:spTree>
+    <p:extLst>
+      <p:ext uri="{BB962C8B-B14F-4D97-AF65-F5344CB8AC3E}">
+        <p14:creationId xmlns:p14="http://schemas.microsoft.com/office/powerpoint/2010/main" val="3190968883"/>
+      </p:ext>
+    </p:extLst>
+  </p:cSld>
+  <p:clrMapOvr>
+    <a:masterClrMapping/>
+  </p:clrMapOvr>
+  <p:timing>
+    <p:tnLst>
+      <p:par>
+        <p:cTn id="1" dur="indefinite" restart="never" nodeType="tmRoot"/>
+      </p:par>
+    </p:tnLst>
+  </p:timing>
+</p:sld>
+</file>
+
+<file path=ppt/slides/slide48.xml><?xml version="1.0" encoding="utf-8"?>
 <p:sld xmlns:a="http://schemas.openxmlformats.org/drawingml/2006/main" xmlns:r="http://schemas.openxmlformats.org/officeDocument/2006/relationships" xmlns:p="http://schemas.openxmlformats.org/presentationml/2006/main">
   <p:cSld>
     <p:spTree>
@@ -20308,7 +20316,7 @@
           <a:p>
             <a:r>
               <a:rPr lang="it-IT" dirty="0" smtClean="0"/>
-              <a:t>Premesse</a:t>
+              <a:t>Agenda</a:t>
             </a:r>
             <a:endParaRPr lang="it-IT" dirty="0"/>
           </a:p>
@@ -20333,746 +20341,133 @@
           <a:p>
             <a:pPr lvl="0">
               <a:spcBef>
-                <a:spcPts val="0"/>
+                <a:spcPts val="638"/>
               </a:spcBef>
-              <a:spcAft>
-                <a:spcPts val="1417"/>
-              </a:spcAft>
-              <a:buSzPct val="45000"/>
-              <a:buFont typeface="StarSymbol"/>
-              <a:buChar char="●"/>
             </a:pPr>
             <a:r>
-              <a:rPr lang="en-US" spc="0" dirty="0">
-                <a:solidFill>
-                  <a:srgbClr val="000000"/>
-                </a:solidFill>
-                <a:latin typeface="Calibri" pitchFamily="34"/>
-                <a:ea typeface="Microsoft YaHei" pitchFamily="2"/>
-                <a:cs typeface="Mangal" pitchFamily="2"/>
-              </a:rPr>
-              <a:t>Il talk </a:t>
-            </a:r>
-            <a:r>
-              <a:rPr lang="en-US" spc="0" dirty="0" err="1">
-                <a:solidFill>
-                  <a:srgbClr val="000000"/>
-                </a:solidFill>
-                <a:latin typeface="Calibri" pitchFamily="34"/>
-                <a:ea typeface="Microsoft YaHei" pitchFamily="2"/>
-                <a:cs typeface="Mangal" pitchFamily="2"/>
-              </a:rPr>
-              <a:t>odierno</a:t>
-            </a:r>
-            <a:r>
-              <a:rPr lang="en-US" spc="0" dirty="0">
-                <a:solidFill>
-                  <a:srgbClr val="000000"/>
-                </a:solidFill>
-                <a:latin typeface="Calibri" pitchFamily="34"/>
-                <a:ea typeface="Microsoft YaHei" pitchFamily="2"/>
-                <a:cs typeface="Mangal" pitchFamily="2"/>
-              </a:rPr>
-              <a:t> </a:t>
-            </a:r>
-            <a:r>
-              <a:rPr lang="en-US" spc="0" dirty="0" err="1">
-                <a:solidFill>
-                  <a:srgbClr val="000000"/>
-                </a:solidFill>
-                <a:latin typeface="Calibri" pitchFamily="34"/>
-                <a:ea typeface="Microsoft YaHei" pitchFamily="2"/>
-                <a:cs typeface="Mangal" pitchFamily="2"/>
-              </a:rPr>
-              <a:t>tenterà</a:t>
-            </a:r>
-            <a:r>
-              <a:rPr lang="en-US" spc="0" dirty="0">
-                <a:solidFill>
-                  <a:srgbClr val="000000"/>
-                </a:solidFill>
-                <a:latin typeface="Calibri" pitchFamily="34"/>
-                <a:ea typeface="Microsoft YaHei" pitchFamily="2"/>
-                <a:cs typeface="Mangal" pitchFamily="2"/>
-              </a:rPr>
-              <a:t> di dare </a:t>
-            </a:r>
-            <a:r>
-              <a:rPr lang="en-US" spc="0" dirty="0" err="1">
-                <a:solidFill>
-                  <a:srgbClr val="000000"/>
-                </a:solidFill>
-                <a:latin typeface="Calibri" pitchFamily="34"/>
-                <a:ea typeface="Microsoft YaHei" pitchFamily="2"/>
-                <a:cs typeface="Mangal" pitchFamily="2"/>
-              </a:rPr>
-              <a:t>una</a:t>
-            </a:r>
-            <a:r>
-              <a:rPr lang="en-US" spc="0" dirty="0">
-                <a:solidFill>
-                  <a:srgbClr val="000000"/>
-                </a:solidFill>
-                <a:latin typeface="Calibri" pitchFamily="34"/>
-                <a:ea typeface="Microsoft YaHei" pitchFamily="2"/>
-                <a:cs typeface="Mangal" pitchFamily="2"/>
-              </a:rPr>
-              <a:t> </a:t>
-            </a:r>
-            <a:r>
-              <a:rPr lang="en-US" spc="0" dirty="0" err="1">
-                <a:solidFill>
-                  <a:srgbClr val="000000"/>
-                </a:solidFill>
-                <a:latin typeface="Calibri" pitchFamily="34"/>
-                <a:ea typeface="Microsoft YaHei" pitchFamily="2"/>
-                <a:cs typeface="Mangal" pitchFamily="2"/>
-              </a:rPr>
-              <a:t>panoramica</a:t>
-            </a:r>
-            <a:r>
-              <a:rPr lang="en-US" spc="0" dirty="0">
-                <a:solidFill>
-                  <a:srgbClr val="000000"/>
-                </a:solidFill>
-                <a:latin typeface="Calibri" pitchFamily="34"/>
-                <a:ea typeface="Microsoft YaHei" pitchFamily="2"/>
-                <a:cs typeface="Mangal" pitchFamily="2"/>
-              </a:rPr>
-              <a:t> </a:t>
-            </a:r>
-            <a:r>
-              <a:rPr lang="en-US" spc="0" dirty="0" err="1">
-                <a:solidFill>
-                  <a:srgbClr val="000000"/>
-                </a:solidFill>
-                <a:latin typeface="Calibri" pitchFamily="34"/>
-                <a:ea typeface="Microsoft YaHei" pitchFamily="2"/>
-                <a:cs typeface="Mangal" pitchFamily="2"/>
-              </a:rPr>
-              <a:t>degli</a:t>
-            </a:r>
-            <a:r>
-              <a:rPr lang="en-US" spc="0" dirty="0">
-                <a:solidFill>
-                  <a:srgbClr val="000000"/>
-                </a:solidFill>
-                <a:latin typeface="Calibri" pitchFamily="34"/>
-                <a:ea typeface="Microsoft YaHei" pitchFamily="2"/>
-                <a:cs typeface="Mangal" pitchFamily="2"/>
-              </a:rPr>
-              <a:t> </a:t>
-            </a:r>
-            <a:r>
-              <a:rPr lang="en-US" spc="0" dirty="0" err="1">
-                <a:solidFill>
-                  <a:srgbClr val="000000"/>
-                </a:solidFill>
-                <a:latin typeface="Calibri" pitchFamily="34"/>
-                <a:ea typeface="Microsoft YaHei" pitchFamily="2"/>
-                <a:cs typeface="Mangal" pitchFamily="2"/>
-              </a:rPr>
-              <a:t>strumenti</a:t>
-            </a:r>
-            <a:r>
-              <a:rPr lang="en-US" spc="0" dirty="0">
-                <a:solidFill>
-                  <a:srgbClr val="000000"/>
-                </a:solidFill>
-                <a:latin typeface="Calibri" pitchFamily="34"/>
-                <a:ea typeface="Microsoft YaHei" pitchFamily="2"/>
-                <a:cs typeface="Mangal" pitchFamily="2"/>
-              </a:rPr>
-              <a:t> </a:t>
-            </a:r>
-            <a:r>
-              <a:rPr lang="en-US" spc="0" dirty="0" err="1">
-                <a:solidFill>
-                  <a:srgbClr val="000000"/>
-                </a:solidFill>
-                <a:latin typeface="Calibri" pitchFamily="34"/>
-                <a:ea typeface="Microsoft YaHei" pitchFamily="2"/>
-                <a:cs typeface="Mangal" pitchFamily="2"/>
-              </a:rPr>
-              <a:t>offerti</a:t>
-            </a:r>
-            <a:r>
-              <a:rPr lang="en-US" spc="0" dirty="0">
-                <a:solidFill>
-                  <a:srgbClr val="000000"/>
-                </a:solidFill>
-                <a:latin typeface="Calibri" pitchFamily="34"/>
-                <a:ea typeface="Microsoft YaHei" pitchFamily="2"/>
-                <a:cs typeface="Mangal" pitchFamily="2"/>
-              </a:rPr>
-              <a:t> da VS2013 per </a:t>
-            </a:r>
-            <a:r>
-              <a:rPr lang="en-US" spc="0" dirty="0" err="1">
-                <a:solidFill>
-                  <a:srgbClr val="000000"/>
-                </a:solidFill>
-                <a:latin typeface="Calibri" pitchFamily="34"/>
-                <a:ea typeface="Microsoft YaHei" pitchFamily="2"/>
-                <a:cs typeface="Mangal" pitchFamily="2"/>
-              </a:rPr>
-              <a:t>lavorare</a:t>
-            </a:r>
-            <a:r>
-              <a:rPr lang="en-US" spc="0" dirty="0">
-                <a:solidFill>
-                  <a:srgbClr val="000000"/>
-                </a:solidFill>
-                <a:latin typeface="Calibri" pitchFamily="34"/>
-                <a:ea typeface="Microsoft YaHei" pitchFamily="2"/>
-                <a:cs typeface="Mangal" pitchFamily="2"/>
-              </a:rPr>
-              <a:t> con </a:t>
-            </a:r>
-            <a:r>
-              <a:rPr lang="en-US" spc="0" dirty="0" err="1">
-                <a:solidFill>
-                  <a:srgbClr val="000000"/>
-                </a:solidFill>
-                <a:latin typeface="Calibri" pitchFamily="34"/>
-                <a:ea typeface="Microsoft YaHei" pitchFamily="2"/>
-                <a:cs typeface="Mangal" pitchFamily="2"/>
-              </a:rPr>
-              <a:t>il</a:t>
-            </a:r>
-            <a:r>
-              <a:rPr lang="en-US" spc="0" dirty="0">
-                <a:solidFill>
-                  <a:srgbClr val="000000"/>
-                </a:solidFill>
-                <a:latin typeface="Calibri" pitchFamily="34"/>
-                <a:ea typeface="Microsoft YaHei" pitchFamily="2"/>
-                <a:cs typeface="Mangal" pitchFamily="2"/>
-              </a:rPr>
-              <a:t> C</a:t>
-            </a:r>
-            <a:r>
-              <a:rPr lang="en-US" spc="0" dirty="0" smtClean="0">
-                <a:solidFill>
-                  <a:srgbClr val="000000"/>
-                </a:solidFill>
-                <a:latin typeface="Calibri" pitchFamily="34"/>
-                <a:ea typeface="Microsoft YaHei" pitchFamily="2"/>
-                <a:cs typeface="Mangal" pitchFamily="2"/>
-              </a:rPr>
-              <a:t>++</a:t>
-            </a:r>
+              <a:rPr lang="en-US" dirty="0" err="1" smtClean="0"/>
+              <a:t>Introduzione</a:t>
+            </a:r>
+            <a:r>
+              <a:rPr lang="en-US" dirty="0" smtClean="0"/>
+              <a:t/>
+            </a:r>
+            <a:br>
+              <a:rPr lang="en-US" dirty="0" smtClean="0"/>
+            </a:br>
+            <a:endParaRPr lang="en-US" dirty="0"/>
+          </a:p>
+          <a:p>
+            <a:pPr lvl="0">
+              <a:spcBef>
+                <a:spcPts val="638"/>
+              </a:spcBef>
+            </a:pPr>
+            <a:r>
+              <a:rPr lang="en-US" dirty="0" err="1"/>
+              <a:t>Compilatore</a:t>
+            </a:r>
+            <a:r>
+              <a:rPr lang="en-US" dirty="0"/>
+              <a:t> e </a:t>
+            </a:r>
+            <a:r>
+              <a:rPr lang="en-US" dirty="0" smtClean="0"/>
+              <a:t>toolset</a:t>
+            </a:r>
+            <a:br>
+              <a:rPr lang="en-US" dirty="0" smtClean="0"/>
+            </a:br>
+            <a:endParaRPr lang="en-US" dirty="0"/>
+          </a:p>
+          <a:p>
+            <a:pPr lvl="0">
+              <a:spcBef>
+                <a:spcPts val="638"/>
+              </a:spcBef>
+            </a:pPr>
+            <a:r>
+              <a:rPr lang="en-US" dirty="0" err="1"/>
+              <a:t>Analisi</a:t>
+            </a:r>
+            <a:r>
+              <a:rPr lang="en-US" dirty="0"/>
+              <a:t> </a:t>
+            </a:r>
+            <a:r>
+              <a:rPr lang="en-US" dirty="0" err="1"/>
+              <a:t>statica</a:t>
+            </a:r>
+            <a:r>
+              <a:rPr lang="en-US" dirty="0"/>
+              <a:t> / warning / </a:t>
+            </a:r>
+            <a:r>
+              <a:rPr lang="en-US" dirty="0" smtClean="0"/>
+              <a:t>SDL</a:t>
+            </a:r>
+            <a:br>
+              <a:rPr lang="en-US" dirty="0" smtClean="0"/>
+            </a:br>
+            <a:endParaRPr lang="en-US" dirty="0"/>
+          </a:p>
+          <a:p>
+            <a:pPr lvl="0">
+              <a:spcBef>
+                <a:spcPts val="638"/>
+              </a:spcBef>
+            </a:pPr>
+            <a:r>
+              <a:rPr lang="en-US" dirty="0" smtClean="0"/>
+              <a:t>Debugger</a:t>
+            </a:r>
+            <a:br>
+              <a:rPr lang="en-US" dirty="0" smtClean="0"/>
+            </a:br>
+            <a:endParaRPr lang="en-US" dirty="0"/>
+          </a:p>
+          <a:p>
+            <a:pPr lvl="0">
+              <a:spcBef>
+                <a:spcPts val="638"/>
+              </a:spcBef>
+            </a:pPr>
+            <a:r>
+              <a:rPr lang="en-US" dirty="0" smtClean="0"/>
+              <a:t>Profiler e performances</a:t>
+            </a:r>
+            <a:br>
+              <a:rPr lang="en-US" dirty="0" smtClean="0"/>
+            </a:br>
+            <a:endParaRPr lang="en-US" dirty="0"/>
+          </a:p>
+          <a:p>
+            <a:pPr lvl="0">
+              <a:spcBef>
+                <a:spcPts val="638"/>
+              </a:spcBef>
+            </a:pPr>
+            <a:r>
+              <a:rPr lang="en-US" dirty="0" err="1" smtClean="0"/>
+              <a:t>Conclusioni</a:t>
+            </a:r>
+            <a:endParaRPr lang="en-US" dirty="0"/>
           </a:p>
           <a:p>
             <a:pPr marL="0" lvl="0" indent="0">
               <a:spcBef>
-                <a:spcPts val="0"/>
+                <a:spcPts val="638"/>
               </a:spcBef>
-              <a:spcAft>
-                <a:spcPts val="1417"/>
-              </a:spcAft>
-              <a:buSzPct val="45000"/>
               <a:buNone/>
             </a:pPr>
-            <a:endParaRPr lang="en-US" spc="0" dirty="0">
-              <a:solidFill>
-                <a:srgbClr val="000000"/>
-              </a:solidFill>
-              <a:latin typeface="Calibri" pitchFamily="34"/>
-              <a:ea typeface="Microsoft YaHei" pitchFamily="2"/>
-              <a:cs typeface="Mangal" pitchFamily="2"/>
-            </a:endParaRPr>
-          </a:p>
-          <a:p>
-            <a:pPr lvl="0">
-              <a:spcBef>
-                <a:spcPts val="0"/>
-              </a:spcBef>
-              <a:spcAft>
-                <a:spcPts val="1417"/>
-              </a:spcAft>
-              <a:buSzPct val="45000"/>
-              <a:buFont typeface="StarSymbol"/>
-              <a:buChar char="●"/>
-            </a:pPr>
-            <a:r>
-              <a:rPr lang="en-US" spc="0" dirty="0" err="1">
-                <a:solidFill>
-                  <a:srgbClr val="000000"/>
-                </a:solidFill>
-                <a:latin typeface="Calibri" pitchFamily="34"/>
-                <a:ea typeface="Microsoft YaHei" pitchFamily="2"/>
-                <a:cs typeface="Mangal" pitchFamily="2"/>
-              </a:rPr>
-              <a:t>Alcuni</a:t>
-            </a:r>
-            <a:r>
-              <a:rPr lang="en-US" spc="0" dirty="0">
-                <a:solidFill>
-                  <a:srgbClr val="000000"/>
-                </a:solidFill>
-                <a:latin typeface="Calibri" pitchFamily="34"/>
-                <a:ea typeface="Microsoft YaHei" pitchFamily="2"/>
-                <a:cs typeface="Mangal" pitchFamily="2"/>
-              </a:rPr>
-              <a:t> </a:t>
-            </a:r>
-            <a:r>
-              <a:rPr lang="en-US" spc="0" dirty="0" err="1">
-                <a:solidFill>
-                  <a:srgbClr val="000000"/>
-                </a:solidFill>
-                <a:latin typeface="Calibri" pitchFamily="34"/>
-                <a:ea typeface="Microsoft YaHei" pitchFamily="2"/>
-                <a:cs typeface="Mangal" pitchFamily="2"/>
-              </a:rPr>
-              <a:t>esempi</a:t>
-            </a:r>
-            <a:r>
-              <a:rPr lang="en-US" spc="0" dirty="0">
-                <a:solidFill>
-                  <a:srgbClr val="000000"/>
-                </a:solidFill>
-                <a:latin typeface="Calibri" pitchFamily="34"/>
-                <a:ea typeface="Microsoft YaHei" pitchFamily="2"/>
-                <a:cs typeface="Mangal" pitchFamily="2"/>
-              </a:rPr>
-              <a:t> </a:t>
-            </a:r>
-            <a:r>
-              <a:rPr lang="en-US" spc="0" dirty="0" err="1">
-                <a:solidFill>
-                  <a:srgbClr val="000000"/>
-                </a:solidFill>
-                <a:latin typeface="Calibri" pitchFamily="34"/>
-                <a:ea typeface="Microsoft YaHei" pitchFamily="2"/>
-                <a:cs typeface="Mangal" pitchFamily="2"/>
-              </a:rPr>
-              <a:t>pratici</a:t>
-            </a:r>
-            <a:r>
-              <a:rPr lang="en-US" spc="0" dirty="0">
-                <a:solidFill>
-                  <a:srgbClr val="000000"/>
-                </a:solidFill>
-                <a:latin typeface="Calibri" pitchFamily="34"/>
-                <a:ea typeface="Microsoft YaHei" pitchFamily="2"/>
-                <a:cs typeface="Mangal" pitchFamily="2"/>
-              </a:rPr>
-              <a:t> e </a:t>
-            </a:r>
-            <a:r>
-              <a:rPr lang="en-US" spc="0" dirty="0" err="1">
-                <a:solidFill>
-                  <a:srgbClr val="000000"/>
-                </a:solidFill>
-                <a:latin typeface="Calibri" pitchFamily="34"/>
-                <a:ea typeface="Microsoft YaHei" pitchFamily="2"/>
-                <a:cs typeface="Mangal" pitchFamily="2"/>
-              </a:rPr>
-              <a:t>vicini</a:t>
-            </a:r>
-            <a:r>
-              <a:rPr lang="en-US" spc="0" dirty="0">
-                <a:solidFill>
-                  <a:srgbClr val="000000"/>
-                </a:solidFill>
-                <a:latin typeface="Calibri" pitchFamily="34"/>
-                <a:ea typeface="Microsoft YaHei" pitchFamily="2"/>
-                <a:cs typeface="Mangal" pitchFamily="2"/>
-              </a:rPr>
-              <a:t> </a:t>
-            </a:r>
-            <a:r>
-              <a:rPr lang="en-US" spc="0" dirty="0" err="1">
-                <a:solidFill>
-                  <a:srgbClr val="000000"/>
-                </a:solidFill>
-                <a:latin typeface="Calibri" pitchFamily="34"/>
-                <a:ea typeface="Microsoft YaHei" pitchFamily="2"/>
-                <a:cs typeface="Mangal" pitchFamily="2"/>
-              </a:rPr>
-              <a:t>all'esperienza</a:t>
-            </a:r>
-            <a:r>
-              <a:rPr lang="en-US" spc="0" dirty="0">
-                <a:solidFill>
-                  <a:srgbClr val="000000"/>
-                </a:solidFill>
-                <a:latin typeface="Calibri" pitchFamily="34"/>
-                <a:ea typeface="Microsoft YaHei" pitchFamily="2"/>
-                <a:cs typeface="Mangal" pitchFamily="2"/>
-              </a:rPr>
-              <a:t> </a:t>
-            </a:r>
-            <a:r>
-              <a:rPr lang="en-US" spc="0" dirty="0" err="1">
-                <a:solidFill>
-                  <a:srgbClr val="000000"/>
-                </a:solidFill>
-                <a:latin typeface="Calibri" pitchFamily="34"/>
-                <a:ea typeface="Microsoft YaHei" pitchFamily="2"/>
-                <a:cs typeface="Mangal" pitchFamily="2"/>
-              </a:rPr>
-              <a:t>che</a:t>
-            </a:r>
-            <a:r>
-              <a:rPr lang="en-US" spc="0" dirty="0">
-                <a:solidFill>
-                  <a:srgbClr val="000000"/>
-                </a:solidFill>
-                <a:latin typeface="Calibri" pitchFamily="34"/>
-                <a:ea typeface="Microsoft YaHei" pitchFamily="2"/>
-                <a:cs typeface="Mangal" pitchFamily="2"/>
-              </a:rPr>
-              <a:t> ho </a:t>
-            </a:r>
-            <a:r>
-              <a:rPr lang="en-US" spc="0" dirty="0" err="1">
-                <a:solidFill>
-                  <a:srgbClr val="000000"/>
-                </a:solidFill>
-                <a:latin typeface="Calibri" pitchFamily="34"/>
-                <a:ea typeface="Microsoft YaHei" pitchFamily="2"/>
-                <a:cs typeface="Mangal" pitchFamily="2"/>
-              </a:rPr>
-              <a:t>fatto</a:t>
-            </a:r>
-            <a:r>
-              <a:rPr lang="en-US" spc="0" dirty="0">
-                <a:solidFill>
-                  <a:srgbClr val="000000"/>
-                </a:solidFill>
-                <a:latin typeface="Calibri" pitchFamily="34"/>
-                <a:ea typeface="Microsoft YaHei" pitchFamily="2"/>
-                <a:cs typeface="Mangal" pitchFamily="2"/>
-              </a:rPr>
-              <a:t>, </a:t>
-            </a:r>
-            <a:r>
-              <a:rPr lang="en-US" spc="0" dirty="0" err="1">
-                <a:solidFill>
-                  <a:srgbClr val="000000"/>
-                </a:solidFill>
-                <a:latin typeface="Calibri" pitchFamily="34"/>
-                <a:ea typeface="Microsoft YaHei" pitchFamily="2"/>
-                <a:cs typeface="Mangal" pitchFamily="2"/>
-              </a:rPr>
-              <a:t>aiuteranno</a:t>
-            </a:r>
-            <a:r>
-              <a:rPr lang="en-US" spc="0" dirty="0">
-                <a:solidFill>
-                  <a:srgbClr val="000000"/>
-                </a:solidFill>
-                <a:latin typeface="Calibri" pitchFamily="34"/>
-                <a:ea typeface="Microsoft YaHei" pitchFamily="2"/>
-                <a:cs typeface="Mangal" pitchFamily="2"/>
-              </a:rPr>
-              <a:t> a </a:t>
-            </a:r>
-            <a:r>
-              <a:rPr lang="en-US" spc="0" dirty="0" err="1">
-                <a:solidFill>
-                  <a:srgbClr val="000000"/>
-                </a:solidFill>
-                <a:latin typeface="Calibri" pitchFamily="34"/>
-                <a:ea typeface="Microsoft YaHei" pitchFamily="2"/>
-                <a:cs typeface="Mangal" pitchFamily="2"/>
-              </a:rPr>
-              <a:t>comprenderne</a:t>
-            </a:r>
-            <a:r>
-              <a:rPr lang="en-US" spc="0" dirty="0">
-                <a:solidFill>
-                  <a:srgbClr val="000000"/>
-                </a:solidFill>
-                <a:latin typeface="Calibri" pitchFamily="34"/>
-                <a:ea typeface="Microsoft YaHei" pitchFamily="2"/>
-                <a:cs typeface="Mangal" pitchFamily="2"/>
-              </a:rPr>
-              <a:t> le </a:t>
-            </a:r>
-            <a:r>
-              <a:rPr lang="en-US" spc="0" dirty="0" err="1" smtClean="0">
-                <a:solidFill>
-                  <a:srgbClr val="000000"/>
-                </a:solidFill>
-                <a:latin typeface="Calibri" pitchFamily="34"/>
-                <a:ea typeface="Microsoft YaHei" pitchFamily="2"/>
-                <a:cs typeface="Mangal" pitchFamily="2"/>
-              </a:rPr>
-              <a:t>potenzialità</a:t>
-            </a:r>
-            <a:endParaRPr lang="en-US" spc="0" dirty="0" smtClean="0">
-              <a:solidFill>
-                <a:srgbClr val="000000"/>
-              </a:solidFill>
-              <a:latin typeface="Calibri" pitchFamily="34"/>
-              <a:ea typeface="Microsoft YaHei" pitchFamily="2"/>
-              <a:cs typeface="Mangal" pitchFamily="2"/>
-            </a:endParaRPr>
-          </a:p>
-          <a:p>
-            <a:pPr marL="0" lvl="0" indent="0">
-              <a:spcBef>
-                <a:spcPts val="0"/>
-              </a:spcBef>
-              <a:spcAft>
-                <a:spcPts val="1417"/>
-              </a:spcAft>
-              <a:buSzPct val="45000"/>
-              <a:buNone/>
-            </a:pPr>
-            <a:endParaRPr lang="en-US" spc="0" dirty="0" smtClean="0">
-              <a:solidFill>
-                <a:srgbClr val="000000"/>
-              </a:solidFill>
-              <a:latin typeface="Calibri" pitchFamily="34"/>
-              <a:ea typeface="Microsoft YaHei" pitchFamily="2"/>
-              <a:cs typeface="Mangal" pitchFamily="2"/>
-            </a:endParaRPr>
-          </a:p>
-          <a:p>
-            <a:pPr lvl="0">
-              <a:spcBef>
-                <a:spcPts val="0"/>
-              </a:spcBef>
-              <a:spcAft>
-                <a:spcPts val="1417"/>
-              </a:spcAft>
-              <a:buSzPct val="45000"/>
-              <a:buFont typeface="StarSymbol"/>
-              <a:buChar char="●"/>
-            </a:pPr>
-            <a:r>
-              <a:rPr lang="en-US" spc="0" dirty="0" smtClean="0">
-                <a:solidFill>
-                  <a:srgbClr val="000000"/>
-                </a:solidFill>
-                <a:latin typeface="Calibri" pitchFamily="34"/>
-                <a:ea typeface="Microsoft YaHei" pitchFamily="2"/>
-                <a:cs typeface="Mangal" pitchFamily="2"/>
-              </a:rPr>
-              <a:t>Visual Studio 2013 è un </a:t>
-            </a:r>
-            <a:r>
-              <a:rPr lang="en-US" spc="0" dirty="0" err="1" smtClean="0">
-                <a:solidFill>
-                  <a:srgbClr val="000000"/>
-                </a:solidFill>
-                <a:latin typeface="Calibri" pitchFamily="34"/>
-                <a:ea typeface="Microsoft YaHei" pitchFamily="2"/>
-                <a:cs typeface="Mangal" pitchFamily="2"/>
-              </a:rPr>
-              <a:t>ambiente</a:t>
-            </a:r>
-            <a:r>
-              <a:rPr lang="en-US" spc="0" dirty="0" smtClean="0">
-                <a:solidFill>
-                  <a:srgbClr val="000000"/>
-                </a:solidFill>
-                <a:latin typeface="Calibri" pitchFamily="34"/>
-                <a:ea typeface="Microsoft YaHei" pitchFamily="2"/>
-                <a:cs typeface="Mangal" pitchFamily="2"/>
-              </a:rPr>
-              <a:t> molto </a:t>
-            </a:r>
-            <a:r>
-              <a:rPr lang="en-US" spc="0" dirty="0" err="1" smtClean="0">
-                <a:solidFill>
-                  <a:srgbClr val="000000"/>
-                </a:solidFill>
-                <a:latin typeface="Calibri" pitchFamily="34"/>
-                <a:ea typeface="Microsoft YaHei" pitchFamily="2"/>
-                <a:cs typeface="Mangal" pitchFamily="2"/>
-              </a:rPr>
-              <a:t>vasto</a:t>
-            </a:r>
-            <a:r>
-              <a:rPr lang="en-US" spc="0" dirty="0" smtClean="0">
-                <a:solidFill>
-                  <a:srgbClr val="000000"/>
-                </a:solidFill>
-                <a:latin typeface="Calibri" pitchFamily="34"/>
-                <a:ea typeface="Microsoft YaHei" pitchFamily="2"/>
-                <a:cs typeface="Mangal" pitchFamily="2"/>
-              </a:rPr>
-              <a:t>, di </a:t>
-            </a:r>
-            <a:r>
-              <a:rPr lang="en-US" spc="0" dirty="0" err="1" smtClean="0">
-                <a:solidFill>
-                  <a:srgbClr val="000000"/>
-                </a:solidFill>
-                <a:latin typeface="Calibri" pitchFamily="34"/>
-                <a:ea typeface="Microsoft YaHei" pitchFamily="2"/>
-                <a:cs typeface="Mangal" pitchFamily="2"/>
-              </a:rPr>
-              <a:t>conseguenza</a:t>
-            </a:r>
-            <a:r>
-              <a:rPr lang="en-US" spc="0" dirty="0" smtClean="0">
-                <a:solidFill>
-                  <a:srgbClr val="000000"/>
-                </a:solidFill>
-                <a:latin typeface="Calibri" pitchFamily="34"/>
-                <a:ea typeface="Microsoft YaHei" pitchFamily="2"/>
-                <a:cs typeface="Mangal" pitchFamily="2"/>
-              </a:rPr>
-              <a:t> </a:t>
-            </a:r>
-            <a:r>
-              <a:rPr lang="en-US" spc="0" dirty="0" err="1" smtClean="0">
-                <a:solidFill>
-                  <a:srgbClr val="000000"/>
-                </a:solidFill>
-                <a:latin typeface="Calibri" pitchFamily="34"/>
-                <a:ea typeface="Microsoft YaHei" pitchFamily="2"/>
-                <a:cs typeface="Mangal" pitchFamily="2"/>
-              </a:rPr>
-              <a:t>il</a:t>
-            </a:r>
-            <a:r>
-              <a:rPr lang="en-US" spc="0" dirty="0" smtClean="0">
-                <a:solidFill>
-                  <a:srgbClr val="000000"/>
-                </a:solidFill>
-                <a:latin typeface="Calibri" pitchFamily="34"/>
-                <a:ea typeface="Microsoft YaHei" pitchFamily="2"/>
-                <a:cs typeface="Mangal" pitchFamily="2"/>
-              </a:rPr>
-              <a:t> talk non </a:t>
-            </a:r>
-            <a:r>
-              <a:rPr lang="en-US" spc="0" dirty="0" err="1" smtClean="0">
-                <a:solidFill>
-                  <a:srgbClr val="000000"/>
-                </a:solidFill>
-                <a:latin typeface="Calibri" pitchFamily="34"/>
-                <a:ea typeface="Microsoft YaHei" pitchFamily="2"/>
-                <a:cs typeface="Mangal" pitchFamily="2"/>
-              </a:rPr>
-              <a:t>avrà</a:t>
-            </a:r>
-            <a:r>
-              <a:rPr lang="en-US" spc="0" dirty="0" smtClean="0">
-                <a:solidFill>
-                  <a:srgbClr val="000000"/>
-                </a:solidFill>
-                <a:latin typeface="Calibri" pitchFamily="34"/>
-                <a:ea typeface="Microsoft YaHei" pitchFamily="2"/>
-                <a:cs typeface="Mangal" pitchFamily="2"/>
-              </a:rPr>
-              <a:t> la </a:t>
-            </a:r>
-            <a:r>
-              <a:rPr lang="en-US" spc="0" dirty="0" err="1" smtClean="0">
-                <a:solidFill>
-                  <a:srgbClr val="000000"/>
-                </a:solidFill>
-                <a:latin typeface="Calibri" pitchFamily="34"/>
-                <a:ea typeface="Microsoft YaHei" pitchFamily="2"/>
-                <a:cs typeface="Mangal" pitchFamily="2"/>
-              </a:rPr>
-              <a:t>pretesa</a:t>
-            </a:r>
-            <a:r>
-              <a:rPr lang="en-US" spc="0" dirty="0" smtClean="0">
-                <a:solidFill>
-                  <a:srgbClr val="000000"/>
-                </a:solidFill>
-                <a:latin typeface="Calibri" pitchFamily="34"/>
-                <a:ea typeface="Microsoft YaHei" pitchFamily="2"/>
-                <a:cs typeface="Mangal" pitchFamily="2"/>
-              </a:rPr>
-              <a:t> di </a:t>
-            </a:r>
-            <a:r>
-              <a:rPr lang="en-US" spc="0" dirty="0" err="1" smtClean="0">
-                <a:solidFill>
-                  <a:srgbClr val="000000"/>
-                </a:solidFill>
-                <a:latin typeface="Calibri" pitchFamily="34"/>
-                <a:ea typeface="Microsoft YaHei" pitchFamily="2"/>
-                <a:cs typeface="Mangal" pitchFamily="2"/>
-              </a:rPr>
-              <a:t>coprire</a:t>
-            </a:r>
-            <a:r>
-              <a:rPr lang="en-US" spc="0" dirty="0" smtClean="0">
-                <a:solidFill>
-                  <a:srgbClr val="000000"/>
-                </a:solidFill>
-                <a:latin typeface="Calibri" pitchFamily="34"/>
-                <a:ea typeface="Microsoft YaHei" pitchFamily="2"/>
-                <a:cs typeface="Mangal" pitchFamily="2"/>
-              </a:rPr>
-              <a:t> la </a:t>
-            </a:r>
-            <a:r>
-              <a:rPr lang="en-US" spc="0" dirty="0" err="1" smtClean="0">
-                <a:solidFill>
-                  <a:srgbClr val="000000"/>
-                </a:solidFill>
-                <a:latin typeface="Calibri" pitchFamily="34"/>
-                <a:ea typeface="Microsoft YaHei" pitchFamily="2"/>
-                <a:cs typeface="Mangal" pitchFamily="2"/>
-              </a:rPr>
-              <a:t>totalità</a:t>
-            </a:r>
-            <a:r>
-              <a:rPr lang="en-US" spc="0" dirty="0" smtClean="0">
-                <a:solidFill>
-                  <a:srgbClr val="000000"/>
-                </a:solidFill>
-                <a:latin typeface="Calibri" pitchFamily="34"/>
-                <a:ea typeface="Microsoft YaHei" pitchFamily="2"/>
-                <a:cs typeface="Mangal" pitchFamily="2"/>
-              </a:rPr>
-              <a:t> </a:t>
-            </a:r>
-            <a:r>
-              <a:rPr lang="en-US" spc="0" dirty="0" err="1" smtClean="0">
-                <a:solidFill>
-                  <a:srgbClr val="000000"/>
-                </a:solidFill>
-                <a:latin typeface="Calibri" pitchFamily="34"/>
-                <a:ea typeface="Microsoft YaHei" pitchFamily="2"/>
-                <a:cs typeface="Mangal" pitchFamily="2"/>
-              </a:rPr>
-              <a:t>delle</a:t>
-            </a:r>
-            <a:r>
-              <a:rPr lang="en-US" spc="0" dirty="0" smtClean="0">
-                <a:solidFill>
-                  <a:srgbClr val="000000"/>
-                </a:solidFill>
-                <a:latin typeface="Calibri" pitchFamily="34"/>
-                <a:ea typeface="Microsoft YaHei" pitchFamily="2"/>
-                <a:cs typeface="Mangal" pitchFamily="2"/>
-              </a:rPr>
-              <a:t> features </a:t>
-            </a:r>
-            <a:r>
-              <a:rPr lang="en-US" spc="0" dirty="0" err="1" smtClean="0">
-                <a:solidFill>
-                  <a:srgbClr val="000000"/>
-                </a:solidFill>
-                <a:latin typeface="Calibri" pitchFamily="34"/>
-                <a:ea typeface="Microsoft YaHei" pitchFamily="2"/>
-                <a:cs typeface="Mangal" pitchFamily="2"/>
-              </a:rPr>
-              <a:t>supportate</a:t>
-            </a:r>
-            <a:endParaRPr lang="it-IT" dirty="0" smtClean="0"/>
+            <a:endParaRPr lang="en-US" dirty="0"/>
           </a:p>
         </p:txBody>
       </p:sp>
     </p:spTree>
     <p:extLst>
       <p:ext uri="{BB962C8B-B14F-4D97-AF65-F5344CB8AC3E}">
-        <p14:creationId xmlns:p14="http://schemas.microsoft.com/office/powerpoint/2010/main" val="1333781333"/>
+        <p14:creationId xmlns:p14="http://schemas.microsoft.com/office/powerpoint/2010/main" val="1395335978"/>
       </p:ext>
     </p:extLst>
   </p:cSld>
@@ -21131,7 +20526,7 @@
           <a:p>
             <a:r>
               <a:rPr lang="it-IT" dirty="0" smtClean="0"/>
-              <a:t>Outline</a:t>
+              <a:t>Introduzione</a:t>
             </a:r>
             <a:endParaRPr lang="it-IT" dirty="0"/>
           </a:p>
@@ -21155,55 +20550,463 @@
           <a:lstStyle/>
           <a:p>
             <a:pPr lvl="0">
-              <a:spcBef>
-                <a:spcPts val="638"/>
-              </a:spcBef>
+              <a:buNone/>
             </a:pPr>
             <a:r>
-              <a:rPr lang="en-US" dirty="0" err="1" smtClean="0"/>
-              <a:t>Introduzione</a:t>
-            </a:r>
-            <a:r>
-              <a:rPr lang="en-US" dirty="0" smtClean="0"/>
-              <a:t/>
-            </a:r>
-            <a:br>
-              <a:rPr lang="en-US" dirty="0" smtClean="0"/>
-            </a:br>
+              <a:rPr lang="en-US" dirty="0"/>
+              <a:t>Per quale </a:t>
+            </a:r>
+            <a:r>
+              <a:rPr lang="en-US" dirty="0" err="1"/>
+              <a:t>motivo</a:t>
+            </a:r>
+            <a:r>
+              <a:rPr lang="en-US" dirty="0"/>
+              <a:t> </a:t>
+            </a:r>
+            <a:r>
+              <a:rPr lang="en-US" dirty="0" err="1"/>
+              <a:t>dovrei</a:t>
+            </a:r>
+            <a:r>
+              <a:rPr lang="en-US" dirty="0"/>
+              <a:t> fare le </a:t>
+            </a:r>
+            <a:r>
+              <a:rPr lang="en-US" dirty="0" err="1"/>
+              <a:t>scelte</a:t>
+            </a:r>
+            <a:r>
+              <a:rPr lang="en-US" dirty="0"/>
+              <a:t> di</a:t>
+            </a:r>
+          </a:p>
+          <a:p>
+            <a:pPr lvl="1"/>
+            <a:r>
+              <a:rPr lang="en-US" dirty="0" err="1"/>
+              <a:t>Utilizzare</a:t>
+            </a:r>
+            <a:r>
+              <a:rPr lang="en-US" dirty="0"/>
+              <a:t> un </a:t>
+            </a:r>
+            <a:r>
+              <a:rPr lang="en-US" dirty="0" err="1"/>
+              <a:t>ambiente</a:t>
+            </a:r>
+            <a:r>
+              <a:rPr lang="en-US" dirty="0"/>
+              <a:t> </a:t>
+            </a:r>
+            <a:r>
+              <a:rPr lang="en-US" dirty="0" err="1"/>
+              <a:t>nuovo</a:t>
+            </a:r>
+            <a:r>
+              <a:rPr lang="en-US" dirty="0"/>
+              <a:t> </a:t>
+            </a:r>
+            <a:r>
+              <a:rPr lang="en-US" dirty="0" err="1"/>
+              <a:t>che</a:t>
+            </a:r>
+            <a:r>
+              <a:rPr lang="en-US" dirty="0"/>
+              <a:t> mi </a:t>
+            </a:r>
+            <a:r>
+              <a:rPr lang="en-US" dirty="0" err="1"/>
+              <a:t>richiede</a:t>
+            </a:r>
+            <a:r>
+              <a:rPr lang="en-US" dirty="0"/>
+              <a:t> un </a:t>
+            </a:r>
+            <a:r>
+              <a:rPr lang="en-US" dirty="0" err="1"/>
+              <a:t>notevole</a:t>
+            </a:r>
+            <a:r>
+              <a:rPr lang="en-US" dirty="0"/>
+              <a:t> </a:t>
+            </a:r>
+            <a:r>
+              <a:rPr lang="en-US" dirty="0" err="1"/>
+              <a:t>investimento</a:t>
+            </a:r>
+            <a:r>
+              <a:rPr lang="en-US" dirty="0"/>
+              <a:t> in termini </a:t>
+            </a:r>
+            <a:r>
+              <a:rPr lang="en-US" dirty="0" err="1"/>
+              <a:t>economici</a:t>
+            </a:r>
+            <a:r>
+              <a:rPr lang="en-US" dirty="0"/>
+              <a:t> e di tempo </a:t>
+            </a:r>
+            <a:r>
+              <a:rPr lang="en-US" dirty="0" err="1"/>
+              <a:t>speso</a:t>
+            </a:r>
             <a:endParaRPr lang="en-US" dirty="0"/>
           </a:p>
           <a:p>
+            <a:pPr lvl="1"/>
+            <a:r>
+              <a:rPr lang="en-US" dirty="0" err="1"/>
+              <a:t>Utilizzare</a:t>
+            </a:r>
+            <a:r>
+              <a:rPr lang="en-US" dirty="0"/>
+              <a:t> un </a:t>
+            </a:r>
+            <a:r>
+              <a:rPr lang="en-US" dirty="0" err="1"/>
+              <a:t>ambiente</a:t>
+            </a:r>
+            <a:r>
+              <a:rPr lang="en-US" dirty="0"/>
+              <a:t> </a:t>
+            </a:r>
+            <a:r>
+              <a:rPr lang="en-US" dirty="0" err="1"/>
+              <a:t>tecnologicamente</a:t>
+            </a:r>
+            <a:r>
+              <a:rPr lang="en-US" dirty="0"/>
+              <a:t> </a:t>
+            </a:r>
+            <a:r>
+              <a:rPr lang="en-US" dirty="0" err="1"/>
+              <a:t>avanzato</a:t>
+            </a:r>
+            <a:r>
+              <a:rPr lang="en-US" dirty="0"/>
+              <a:t>, </a:t>
+            </a:r>
+            <a:r>
+              <a:rPr lang="en-US" dirty="0" err="1"/>
+              <a:t>quando</a:t>
+            </a:r>
+            <a:r>
+              <a:rPr lang="en-US" dirty="0"/>
+              <a:t> </a:t>
+            </a:r>
+            <a:r>
+              <a:rPr lang="en-US" dirty="0" err="1"/>
+              <a:t>potrei</a:t>
+            </a:r>
+            <a:r>
+              <a:rPr lang="en-US" dirty="0"/>
+              <a:t> </a:t>
+            </a:r>
+            <a:r>
+              <a:rPr lang="en-US" dirty="0" err="1"/>
+              <a:t>accontentarmi</a:t>
+            </a:r>
+            <a:r>
+              <a:rPr lang="en-US" dirty="0"/>
+              <a:t> di un </a:t>
+            </a:r>
+            <a:r>
+              <a:rPr lang="en-US" dirty="0" err="1"/>
+              <a:t>compilatore</a:t>
+            </a:r>
+            <a:r>
+              <a:rPr lang="en-US" dirty="0"/>
+              <a:t> e </a:t>
+            </a:r>
+            <a:r>
+              <a:rPr lang="en-US" dirty="0" err="1"/>
+              <a:t>una</a:t>
+            </a:r>
+            <a:r>
+              <a:rPr lang="en-US" dirty="0"/>
+              <a:t> shell?</a:t>
+            </a:r>
+          </a:p>
+          <a:p>
             <a:pPr lvl="0">
-              <a:spcBef>
-                <a:spcPts val="638"/>
-              </a:spcBef>
+              <a:buNone/>
             </a:pPr>
             <a:r>
+              <a:rPr lang="en-US" dirty="0"/>
+              <a:t>La </a:t>
+            </a:r>
+            <a:r>
               <a:rPr lang="en-US" dirty="0" err="1"/>
-              <a:t>Compilatore</a:t>
-            </a:r>
-            <a:r>
-              <a:rPr lang="en-US" dirty="0"/>
+              <a:t>risposta</a:t>
+            </a:r>
+            <a:r>
+              <a:rPr lang="en-US" dirty="0"/>
+              <a:t> </a:t>
+            </a:r>
+            <a:r>
+              <a:rPr lang="en-US" dirty="0" err="1"/>
+              <a:t>che</a:t>
+            </a:r>
+            <a:r>
+              <a:rPr lang="en-US" dirty="0"/>
+              <a:t> </a:t>
+            </a:r>
+            <a:r>
+              <a:rPr lang="en-US" dirty="0" err="1"/>
+              <a:t>darei</a:t>
+            </a:r>
+            <a:r>
+              <a:rPr lang="en-US" dirty="0"/>
+              <a:t> </a:t>
+            </a:r>
+            <a:r>
+              <a:rPr lang="en-US" dirty="0" err="1"/>
+              <a:t>io</a:t>
+            </a:r>
+            <a:r>
+              <a:rPr lang="en-US" dirty="0"/>
+              <a:t> è solo </a:t>
+            </a:r>
+            <a:r>
+              <a:rPr lang="en-US" dirty="0" err="1"/>
+              <a:t>una</a:t>
+            </a:r>
+            <a:r>
+              <a:rPr lang="en-US" dirty="0"/>
+              <a:t> : </a:t>
+            </a:r>
+            <a:r>
+              <a:rPr lang="en-US" dirty="0" err="1" smtClean="0"/>
+              <a:t>evoluzione</a:t>
+            </a:r>
+            <a:endParaRPr lang="en-US" dirty="0" smtClean="0"/>
+          </a:p>
+          <a:p>
+            <a:pPr lvl="0">
+              <a:buNone/>
+            </a:pPr>
+            <a:r>
+              <a:rPr lang="en-US" i="1" dirty="0"/>
+              <a:t>“In </a:t>
+            </a:r>
+            <a:r>
+              <a:rPr lang="en-US" i="1" dirty="0" err="1"/>
+              <a:t>biologia</a:t>
+            </a:r>
+            <a:r>
+              <a:rPr lang="en-US" i="1" dirty="0"/>
+              <a:t>, con </a:t>
+            </a:r>
+            <a:r>
+              <a:rPr lang="en-US" i="1" dirty="0" err="1"/>
+              <a:t>il</a:t>
+            </a:r>
+            <a:r>
+              <a:rPr lang="en-US" i="1" dirty="0"/>
+              <a:t> </a:t>
+            </a:r>
+            <a:r>
+              <a:rPr lang="en-US" i="1" dirty="0" err="1"/>
+              <a:t>termine</a:t>
+            </a:r>
+            <a:r>
+              <a:rPr lang="en-US" i="1" dirty="0"/>
+              <a:t> </a:t>
+            </a:r>
+            <a:r>
+              <a:rPr lang="en-US" i="1" dirty="0" err="1"/>
+              <a:t>evoluzione</a:t>
+            </a:r>
+            <a:r>
+              <a:rPr lang="en-US" i="1" dirty="0"/>
+              <a:t>, </a:t>
+            </a:r>
+            <a:r>
+              <a:rPr lang="en-US" i="1" dirty="0" err="1"/>
+              <a:t>si</a:t>
+            </a:r>
+            <a:r>
+              <a:rPr lang="en-US" i="1" dirty="0"/>
+              <a:t> </a:t>
+            </a:r>
+            <a:r>
+              <a:rPr lang="en-US" i="1" dirty="0" err="1"/>
+              <a:t>intende</a:t>
+            </a:r>
+            <a:r>
+              <a:rPr lang="en-US" i="1" dirty="0"/>
+              <a:t> </a:t>
+            </a:r>
+            <a:r>
+              <a:rPr lang="en-US" i="1" dirty="0" err="1"/>
+              <a:t>il</a:t>
+            </a:r>
+            <a:r>
+              <a:rPr lang="en-US" i="1" dirty="0"/>
+              <a:t> </a:t>
+            </a:r>
+            <a:r>
+              <a:rPr lang="en-US" i="1" dirty="0" err="1"/>
+              <a:t>progressivo</a:t>
+            </a:r>
+            <a:r>
+              <a:rPr lang="en-US" i="1" dirty="0"/>
+              <a:t> </a:t>
+            </a:r>
+            <a:r>
+              <a:rPr lang="en-US" i="1" dirty="0" err="1"/>
+              <a:t>ed</a:t>
+            </a:r>
+            <a:r>
+              <a:rPr lang="en-US" i="1" dirty="0"/>
+              <a:t> </a:t>
+            </a:r>
+            <a:r>
+              <a:rPr lang="en-US" i="1" dirty="0" err="1"/>
+              <a:t>ininterrotto</a:t>
+            </a:r>
+            <a:r>
+              <a:rPr lang="en-US" i="1" dirty="0"/>
+              <a:t> </a:t>
+            </a:r>
+            <a:r>
+              <a:rPr lang="en-US" i="1" dirty="0" err="1"/>
+              <a:t>accumularsi</a:t>
+            </a:r>
+            <a:r>
+              <a:rPr lang="en-US" i="1" dirty="0"/>
+              <a:t> di </a:t>
+            </a:r>
+            <a:r>
+              <a:rPr lang="en-US" i="1" dirty="0" err="1"/>
+              <a:t>modificazioni</a:t>
+            </a:r>
+            <a:r>
+              <a:rPr lang="en-US" i="1" dirty="0"/>
+              <a:t> successive, </a:t>
+            </a:r>
+            <a:r>
+              <a:rPr lang="en-US" i="1" dirty="0" err="1"/>
+              <a:t>fino</a:t>
+            </a:r>
+            <a:r>
+              <a:rPr lang="en-US" i="1" dirty="0"/>
+              <a:t> a </a:t>
+            </a:r>
+            <a:r>
+              <a:rPr lang="en-US" i="1" dirty="0" err="1"/>
+              <a:t>manifestare</a:t>
+            </a:r>
+            <a:r>
+              <a:rPr lang="en-US" i="1" dirty="0"/>
+              <a:t>, in un </a:t>
+            </a:r>
+            <a:r>
+              <a:rPr lang="en-US" i="1" dirty="0" err="1"/>
+              <a:t>arco</a:t>
+            </a:r>
+            <a:r>
+              <a:rPr lang="en-US" i="1" dirty="0"/>
+              <a:t> di tempo </a:t>
+            </a:r>
+            <a:r>
+              <a:rPr lang="en-US" i="1" dirty="0" err="1"/>
+              <a:t>sufficientemente</a:t>
+            </a:r>
+            <a:r>
+              <a:rPr lang="en-US" i="1" dirty="0"/>
+              <a:t> </a:t>
+            </a:r>
+            <a:r>
+              <a:rPr lang="en-US" i="1" dirty="0" err="1"/>
+              <a:t>ampio</a:t>
+            </a:r>
+            <a:r>
+              <a:rPr lang="en-US" i="1" dirty="0"/>
+              <a:t>, </a:t>
+            </a:r>
+            <a:r>
+              <a:rPr lang="en-US" i="1" dirty="0" err="1"/>
+              <a:t>significativi</a:t>
+            </a:r>
+            <a:r>
+              <a:rPr lang="en-US" i="1" dirty="0"/>
+              <a:t> </a:t>
+            </a:r>
+            <a:r>
+              <a:rPr lang="en-US" i="1" dirty="0" err="1"/>
+              <a:t>cambiamenti</a:t>
+            </a:r>
+            <a:r>
+              <a:rPr lang="en-US" i="1" dirty="0"/>
+              <a:t> </a:t>
+            </a:r>
+            <a:r>
+              <a:rPr lang="en-US" i="1" dirty="0" err="1"/>
+              <a:t>morfologici</a:t>
+            </a:r>
+            <a:r>
+              <a:rPr lang="en-US" i="1" dirty="0"/>
+              <a:t>, </a:t>
+            </a:r>
+            <a:r>
+              <a:rPr lang="en-US" i="1" dirty="0" err="1"/>
+              <a:t>strutturali</a:t>
+            </a:r>
+            <a:r>
+              <a:rPr lang="en-US" i="1" dirty="0"/>
               <a:t> e </a:t>
             </a:r>
             <a:r>
-              <a:rPr lang="en-US" dirty="0" smtClean="0"/>
-              <a:t>toolset</a:t>
-            </a:r>
-            <a:br>
-              <a:rPr lang="en-US" dirty="0" smtClean="0"/>
-            </a:br>
-            <a:endParaRPr lang="en-US" dirty="0"/>
+              <a:rPr lang="en-US" i="1" dirty="0" err="1"/>
+              <a:t>funzionali</a:t>
+            </a:r>
+            <a:r>
+              <a:rPr lang="en-US" i="1" dirty="0"/>
+              <a:t> </a:t>
+            </a:r>
+            <a:r>
+              <a:rPr lang="en-US" i="1" dirty="0" err="1"/>
+              <a:t>negli</a:t>
+            </a:r>
+            <a:r>
+              <a:rPr lang="en-US" i="1" dirty="0"/>
+              <a:t> </a:t>
+            </a:r>
+            <a:r>
+              <a:rPr lang="en-US" i="1" dirty="0" err="1"/>
+              <a:t>organismi</a:t>
+            </a:r>
+            <a:r>
+              <a:rPr lang="en-US" i="1" dirty="0"/>
+              <a:t> </a:t>
+            </a:r>
+            <a:r>
+              <a:rPr lang="en-US" i="1" dirty="0" err="1"/>
+              <a:t>viventi</a:t>
+            </a:r>
+            <a:r>
+              <a:rPr lang="en-US" i="1" dirty="0"/>
+              <a:t>” </a:t>
+            </a:r>
+            <a:r>
+              <a:rPr lang="en-US" i="1" dirty="0" err="1"/>
+              <a:t>wikipedia</a:t>
+            </a:r>
+            <a:endParaRPr lang="en-US" i="1" dirty="0"/>
           </a:p>
           <a:p>
             <a:pPr lvl="0">
-              <a:spcBef>
-                <a:spcPts val="638"/>
-              </a:spcBef>
+              <a:buNone/>
             </a:pPr>
             <a:r>
+              <a:rPr lang="en-US" dirty="0"/>
+              <a:t>E' </a:t>
+            </a:r>
+            <a:r>
               <a:rPr lang="en-US" dirty="0" err="1"/>
-              <a:t>Analisi</a:t>
+              <a:t>fondamentale</a:t>
             </a:r>
             <a:r>
               <a:rPr lang="en-US" dirty="0"/>
@@ -21211,62 +21014,52 @@
             </a:r>
             <a:r>
               <a:rPr lang="en-US" dirty="0" err="1"/>
-              <a:t>statica</a:t>
-            </a:r>
-            <a:r>
-              <a:rPr lang="en-US" dirty="0"/>
-              <a:t> / warning / </a:t>
-            </a:r>
-            <a:r>
-              <a:rPr lang="en-US" dirty="0" smtClean="0"/>
-              <a:t>SDL</a:t>
-            </a:r>
-            <a:br>
-              <a:rPr lang="en-US" dirty="0" smtClean="0"/>
-            </a:br>
-            <a:endParaRPr lang="en-US" dirty="0"/>
-          </a:p>
-          <a:p>
-            <a:pPr lvl="0">
-              <a:spcBef>
-                <a:spcPts val="638"/>
-              </a:spcBef>
-            </a:pPr>
-            <a:r>
-              <a:rPr lang="en-US" dirty="0" smtClean="0"/>
-              <a:t>Debugger</a:t>
-            </a:r>
-            <a:br>
-              <a:rPr lang="en-US" dirty="0" smtClean="0"/>
-            </a:br>
-            <a:endParaRPr lang="en-US" dirty="0"/>
-          </a:p>
-          <a:p>
-            <a:pPr lvl="0">
-              <a:spcBef>
-                <a:spcPts val="638"/>
-              </a:spcBef>
-            </a:pPr>
-            <a:r>
-              <a:rPr lang="en-US" dirty="0" smtClean="0"/>
-              <a:t>Profiler e performances</a:t>
-            </a:r>
-            <a:br>
-              <a:rPr lang="en-US" dirty="0" smtClean="0"/>
-            </a:br>
-            <a:endParaRPr lang="en-US" dirty="0"/>
-          </a:p>
-          <a:p>
-            <a:pPr lvl="0">
-              <a:spcBef>
-                <a:spcPts val="638"/>
-              </a:spcBef>
-            </a:pPr>
-            <a:r>
-              <a:rPr lang="en-US" dirty="0" err="1" smtClean="0"/>
-              <a:t>Conclusioni</a:t>
-            </a:r>
-            <a:endParaRPr lang="en-US" dirty="0"/>
+              <a:t>applicare</a:t>
+            </a:r>
+            <a:r>
+              <a:rPr lang="en-US" dirty="0"/>
+              <a:t> </a:t>
+            </a:r>
+            <a:r>
+              <a:rPr lang="en-US" dirty="0" err="1"/>
+              <a:t>il</a:t>
+            </a:r>
+            <a:r>
+              <a:rPr lang="en-US" dirty="0"/>
+              <a:t> </a:t>
+            </a:r>
+            <a:r>
+              <a:rPr lang="en-US" dirty="0" err="1"/>
+              <a:t>concetto</a:t>
+            </a:r>
+            <a:r>
+              <a:rPr lang="en-US" dirty="0"/>
+              <a:t> </a:t>
+            </a:r>
+            <a:r>
+              <a:rPr lang="en-US" dirty="0" err="1"/>
+              <a:t>anche</a:t>
+            </a:r>
+            <a:r>
+              <a:rPr lang="en-US" dirty="0"/>
+              <a:t> al </a:t>
+            </a:r>
+            <a:r>
+              <a:rPr lang="en-US" dirty="0" err="1"/>
+              <a:t>modo</a:t>
+            </a:r>
+            <a:r>
+              <a:rPr lang="en-US" dirty="0"/>
+              <a:t> di </a:t>
+            </a:r>
+            <a:r>
+              <a:rPr lang="en-US" dirty="0" err="1"/>
+              <a:t>produrre</a:t>
+            </a:r>
+            <a:r>
+              <a:rPr lang="en-US" dirty="0"/>
+              <a:t> software.</a:t>
+            </a:r>
           </a:p>
           <a:p>
             <a:pPr marL="0" lvl="0" indent="0">
@@ -21282,7 +21075,7 @@
     </p:spTree>
     <p:extLst>
       <p:ext uri="{BB962C8B-B14F-4D97-AF65-F5344CB8AC3E}">
-        <p14:creationId xmlns:p14="http://schemas.microsoft.com/office/powerpoint/2010/main" val="1395335978"/>
+        <p14:creationId xmlns:p14="http://schemas.microsoft.com/office/powerpoint/2010/main" val="2637003039"/>
       </p:ext>
     </p:extLst>
   </p:cSld>
@@ -21340,8 +21133,24 @@
           <a:lstStyle/>
           <a:p>
             <a:r>
-              <a:rPr lang="it-IT" dirty="0" smtClean="0"/>
-              <a:t>Introduzione</a:t>
+              <a:rPr lang="en-US" dirty="0" err="1"/>
+              <a:t>L'evoluzione</a:t>
+            </a:r>
+            <a:r>
+              <a:rPr lang="en-US" dirty="0"/>
+              <a:t> </a:t>
+            </a:r>
+            <a:r>
+              <a:rPr lang="en-US" dirty="0" err="1"/>
+              <a:t>nella</a:t>
+            </a:r>
+            <a:r>
+              <a:rPr lang="en-US" dirty="0"/>
+              <a:t> </a:t>
+            </a:r>
+            <a:r>
+              <a:rPr lang="en-US" dirty="0" err="1"/>
+              <a:t>produttività</a:t>
             </a:r>
             <a:endParaRPr lang="it-IT" dirty="0"/>
           </a:p>
@@ -21364,47 +21173,14 @@
           </a:bodyPr>
           <a:lstStyle/>
           <a:p>
-            <a:pPr lvl="0">
-              <a:buNone/>
-            </a:pPr>
-            <a:r>
-              <a:rPr lang="en-US" dirty="0"/>
-              <a:t>Per quale </a:t>
-            </a:r>
+            <a:pPr lvl="0"/>
             <a:r>
               <a:rPr lang="en-US" dirty="0" err="1"/>
-              <a:t>motivo</a:t>
-            </a:r>
-            <a:r>
-              <a:rPr lang="en-US" dirty="0"/>
-              <a:t> </a:t>
-            </a:r>
-            <a:r>
-              <a:rPr lang="en-US" dirty="0" err="1"/>
-              <a:t>dovrei</a:t>
-            </a:r>
-            <a:r>
-              <a:rPr lang="en-US" dirty="0"/>
-              <a:t> fare le </a:t>
-            </a:r>
-            <a:r>
-              <a:rPr lang="en-US" dirty="0" err="1"/>
-              <a:t>scelte</a:t>
-            </a:r>
-            <a:r>
-              <a:rPr lang="en-US" dirty="0"/>
-              <a:t> di</a:t>
-            </a:r>
-          </a:p>
-          <a:p>
-            <a:pPr lvl="1"/>
-            <a:r>
-              <a:rPr lang="en-US" dirty="0" err="1"/>
-              <a:t>Utilizzare</a:t>
-            </a:r>
-            <a:r>
-              <a:rPr lang="en-US" dirty="0"/>
-              <a:t> un </a:t>
+              <a:t>Muoversi</a:t>
+            </a:r>
+            <a:r>
+              <a:rPr lang="en-US" dirty="0"/>
+              <a:t> in un </a:t>
             </a:r>
             <a:r>
               <a:rPr lang="en-US" dirty="0" err="1"/>
@@ -21416,11 +21192,103 @@
             </a:r>
             <a:r>
               <a:rPr lang="en-US" dirty="0" err="1"/>
-              <a:t>nuovo</a:t>
-            </a:r>
-            <a:r>
-              <a:rPr lang="en-US" dirty="0"/>
-              <a:t> </a:t>
+              <a:t>evoluto</a:t>
+            </a:r>
+            <a:r>
+              <a:rPr lang="en-US" dirty="0"/>
+              <a:t>, </a:t>
+            </a:r>
+            <a:r>
+              <a:rPr lang="en-US" dirty="0" err="1"/>
+              <a:t>necessariamente</a:t>
+            </a:r>
+            <a:r>
+              <a:rPr lang="en-US" dirty="0"/>
+              <a:t> </a:t>
+            </a:r>
+            <a:r>
+              <a:rPr lang="en-US" dirty="0" err="1"/>
+              <a:t>fa</a:t>
+            </a:r>
+            <a:r>
+              <a:rPr lang="en-US" dirty="0"/>
+              <a:t> </a:t>
+            </a:r>
+            <a:r>
+              <a:rPr lang="en-US" dirty="0" err="1"/>
+              <a:t>evolvere</a:t>
+            </a:r>
+            <a:r>
+              <a:rPr lang="en-US" dirty="0"/>
+              <a:t> </a:t>
+            </a:r>
+            <a:r>
+              <a:rPr lang="en-US" dirty="0" err="1"/>
+              <a:t>il</a:t>
+            </a:r>
+            <a:r>
+              <a:rPr lang="en-US" dirty="0"/>
+              <a:t> </a:t>
+            </a:r>
+            <a:r>
+              <a:rPr lang="en-US" dirty="0" err="1"/>
+              <a:t>nostro</a:t>
+            </a:r>
+            <a:r>
+              <a:rPr lang="en-US" dirty="0"/>
+              <a:t> </a:t>
+            </a:r>
+            <a:r>
+              <a:rPr lang="en-US" dirty="0" err="1"/>
+              <a:t>modo</a:t>
+            </a:r>
+            <a:r>
+              <a:rPr lang="en-US" dirty="0"/>
+              <a:t> di </a:t>
+            </a:r>
+            <a:r>
+              <a:rPr lang="en-US" dirty="0" err="1"/>
+              <a:t>lavorare</a:t>
+            </a:r>
+            <a:r>
+              <a:rPr lang="en-US" dirty="0"/>
+              <a:t> e </a:t>
+            </a:r>
+            <a:r>
+              <a:rPr lang="en-US" dirty="0" err="1"/>
+              <a:t>pensare</a:t>
+            </a:r>
+            <a:endParaRPr lang="en-US" dirty="0"/>
+          </a:p>
+          <a:p>
+            <a:pPr lvl="0"/>
+            <a:r>
+              <a:rPr lang="en-US" dirty="0"/>
+              <a:t>Un </a:t>
+            </a:r>
+            <a:r>
+              <a:rPr lang="en-US" dirty="0" err="1"/>
+              <a:t>ambiente</a:t>
+            </a:r>
+            <a:r>
+              <a:rPr lang="en-US" dirty="0"/>
+              <a:t> </a:t>
+            </a:r>
+            <a:r>
+              <a:rPr lang="en-US" dirty="0" err="1"/>
+              <a:t>poco</a:t>
+            </a:r>
+            <a:r>
+              <a:rPr lang="en-US" dirty="0"/>
+              <a:t> </a:t>
+            </a:r>
+            <a:r>
+              <a:rPr lang="en-US" dirty="0" err="1"/>
+              <a:t>evoluto</a:t>
+            </a:r>
+            <a:r>
+              <a:rPr lang="en-US" dirty="0"/>
+              <a:t> o </a:t>
             </a:r>
             <a:r>
               <a:rPr lang="en-US" dirty="0" err="1"/>
@@ -21428,19 +21296,19 @@
             </a:r>
             <a:r>
               <a:rPr lang="en-US" dirty="0"/>
-              <a:t> mi </a:t>
+              <a:t> </a:t>
             </a:r>
             <a:r>
               <a:rPr lang="en-US" dirty="0" err="1"/>
-              <a:t>richiede</a:t>
-            </a:r>
-            <a:r>
-              <a:rPr lang="en-US" dirty="0"/>
-              <a:t> un </a:t>
+              <a:t>soddisfa</a:t>
+            </a:r>
+            <a:r>
+              <a:rPr lang="en-US" dirty="0"/>
+              <a:t> solo </a:t>
             </a:r>
             <a:r>
               <a:rPr lang="en-US" dirty="0" err="1"/>
-              <a:t>notevole</a:t>
+              <a:t>i</a:t>
             </a:r>
             <a:r>
               <a:rPr lang="en-US" dirty="0"/>
@@ -21448,35 +21316,195 @@
             </a:r>
             <a:r>
               <a:rPr lang="en-US" dirty="0" err="1"/>
-              <a:t>investimento</a:t>
-            </a:r>
-            <a:r>
-              <a:rPr lang="en-US" dirty="0"/>
-              <a:t> in termini </a:t>
+              <a:t>requisiti</a:t>
+            </a:r>
+            <a:r>
+              <a:rPr lang="en-US" dirty="0"/>
+              <a:t> base, da un </a:t>
             </a:r>
             <a:r>
               <a:rPr lang="en-US" dirty="0" err="1"/>
-              <a:t>economici</a:t>
-            </a:r>
-            <a:r>
-              <a:rPr lang="en-US" dirty="0"/>
-              <a:t> e di tempo </a:t>
+              <a:t>lato</a:t>
+            </a:r>
+            <a:r>
+              <a:rPr lang="en-US" dirty="0"/>
+              <a:t> non ci </a:t>
             </a:r>
             <a:r>
               <a:rPr lang="en-US" dirty="0" err="1"/>
-              <a:t>speso</a:t>
+              <a:t>permette</a:t>
+            </a:r>
+            <a:r>
+              <a:rPr lang="en-US" dirty="0"/>
+              <a:t> di </a:t>
+            </a:r>
+            <a:r>
+              <a:rPr lang="en-US" dirty="0" err="1"/>
+              <a:t>cambiare</a:t>
+            </a:r>
+            <a:r>
+              <a:rPr lang="en-US" dirty="0"/>
+              <a:t> </a:t>
+            </a:r>
+            <a:r>
+              <a:rPr lang="en-US" dirty="0" err="1"/>
+              <a:t>punto</a:t>
+            </a:r>
+            <a:r>
+              <a:rPr lang="en-US" dirty="0"/>
+              <a:t> di vista se serve, </a:t>
+            </a:r>
+            <a:r>
+              <a:rPr lang="en-US" dirty="0" err="1"/>
+              <a:t>dall'altro</a:t>
+            </a:r>
+            <a:r>
+              <a:rPr lang="en-US" dirty="0"/>
+              <a:t> non ci </a:t>
+            </a:r>
+            <a:r>
+              <a:rPr lang="en-US" dirty="0" err="1"/>
+              <a:t>fornisce</a:t>
+            </a:r>
+            <a:r>
+              <a:rPr lang="en-US" dirty="0"/>
+              <a:t> </a:t>
+            </a:r>
+            <a:r>
+              <a:rPr lang="en-US" dirty="0" err="1"/>
+              <a:t>spunti</a:t>
+            </a:r>
+            <a:r>
+              <a:rPr lang="en-US" dirty="0"/>
+              <a:t> di </a:t>
+            </a:r>
+            <a:r>
+              <a:rPr lang="en-US" dirty="0" err="1"/>
+              <a:t>riflessione</a:t>
+            </a:r>
+            <a:r>
+              <a:rPr lang="en-US" dirty="0"/>
+              <a:t> per </a:t>
+            </a:r>
+            <a:r>
+              <a:rPr lang="en-US" dirty="0" err="1"/>
+              <a:t>migliorare</a:t>
+            </a:r>
+            <a:r>
+              <a:rPr lang="en-US" dirty="0"/>
+              <a:t> </a:t>
+            </a:r>
+            <a:r>
+              <a:rPr lang="en-US" dirty="0" err="1"/>
+              <a:t>il</a:t>
+            </a:r>
+            <a:r>
+              <a:rPr lang="en-US" dirty="0"/>
+              <a:t> </a:t>
+            </a:r>
+            <a:r>
+              <a:rPr lang="en-US" dirty="0" err="1"/>
+              <a:t>nostro</a:t>
+            </a:r>
+            <a:r>
+              <a:rPr lang="en-US" dirty="0"/>
+              <a:t> </a:t>
+            </a:r>
+            <a:r>
+              <a:rPr lang="en-US" dirty="0" err="1"/>
+              <a:t>processo</a:t>
+            </a:r>
+            <a:r>
+              <a:rPr lang="en-US" dirty="0"/>
+              <a:t> di </a:t>
+            </a:r>
+            <a:r>
+              <a:rPr lang="en-US" dirty="0" err="1"/>
+              <a:t>sviluppo</a:t>
             </a:r>
             <a:endParaRPr lang="en-US" dirty="0"/>
           </a:p>
           <a:p>
-            <a:pPr lvl="1"/>
-            <a:r>
-              <a:rPr lang="en-US" dirty="0" err="1"/>
-              <a:t>Utilizzare</a:t>
-            </a:r>
-            <a:r>
-              <a:rPr lang="en-US" dirty="0"/>
-              <a:t> un </a:t>
+            <a:pPr lvl="0"/>
+            <a:r>
+              <a:rPr lang="en-US" dirty="0" err="1" smtClean="0"/>
+              <a:t>Dotarsi</a:t>
+            </a:r>
+            <a:r>
+              <a:rPr lang="en-US" dirty="0" smtClean="0"/>
+              <a:t> di un </a:t>
+            </a:r>
+            <a:r>
+              <a:rPr lang="en-US" dirty="0" err="1" smtClean="0"/>
+              <a:t>sistema</a:t>
+            </a:r>
+            <a:r>
+              <a:rPr lang="en-US" dirty="0" smtClean="0"/>
+              <a:t> di </a:t>
+            </a:r>
+            <a:r>
+              <a:rPr lang="en-US" dirty="0" err="1" smtClean="0"/>
+              <a:t>sviluppo</a:t>
+            </a:r>
+            <a:r>
+              <a:rPr lang="en-US" dirty="0"/>
+              <a:t> </a:t>
+            </a:r>
+            <a:r>
+              <a:rPr lang="en-US" dirty="0" err="1" smtClean="0"/>
+              <a:t>evoluto</a:t>
+            </a:r>
+            <a:r>
+              <a:rPr lang="en-US" dirty="0" smtClean="0"/>
+              <a:t> è </a:t>
+            </a:r>
+            <a:r>
+              <a:rPr lang="en-US" dirty="0" err="1" smtClean="0"/>
+              <a:t>quindi</a:t>
+            </a:r>
+            <a:r>
+              <a:rPr lang="en-US" dirty="0" smtClean="0"/>
+              <a:t> la </a:t>
+            </a:r>
+            <a:r>
+              <a:rPr lang="en-US" dirty="0" err="1" smtClean="0"/>
+              <a:t>tesi</a:t>
+            </a:r>
+            <a:r>
+              <a:rPr lang="en-US" dirty="0" smtClean="0"/>
+              <a:t> </a:t>
+            </a:r>
+            <a:r>
+              <a:rPr lang="en-US" dirty="0" err="1" smtClean="0"/>
+              <a:t>sotenuta</a:t>
+            </a:r>
+            <a:r>
+              <a:rPr lang="en-US" dirty="0" smtClean="0"/>
+              <a:t> in </a:t>
+            </a:r>
+            <a:r>
+              <a:rPr lang="en-US" dirty="0" err="1" smtClean="0"/>
+              <a:t>questo</a:t>
+            </a:r>
+            <a:r>
+              <a:rPr lang="en-US" dirty="0" smtClean="0"/>
+              <a:t> </a:t>
+            </a:r>
+            <a:r>
+              <a:rPr lang="en-US" dirty="0" err="1" smtClean="0"/>
+              <a:t>contesto</a:t>
+            </a:r>
+            <a:endParaRPr lang="en-US" dirty="0" smtClean="0"/>
+          </a:p>
+          <a:p>
+            <a:pPr lvl="0"/>
+            <a:r>
+              <a:rPr lang="en-US" dirty="0" smtClean="0"/>
+              <a:t>Visual Studio 2013 </a:t>
+            </a:r>
+            <a:r>
+              <a:rPr lang="en-US" dirty="0"/>
+              <a:t>è un </a:t>
             </a:r>
             <a:r>
               <a:rPr lang="en-US" dirty="0" err="1"/>
@@ -21488,7 +21516,7 @@
             </a:r>
             <a:r>
               <a:rPr lang="en-US" dirty="0" err="1"/>
-              <a:t>tecnologicamente</a:t>
+              <a:t>che</a:t>
             </a:r>
             <a:r>
               <a:rPr lang="en-US" dirty="0"/>
@@ -21496,15 +21524,15 @@
             </a:r>
             <a:r>
               <a:rPr lang="en-US" dirty="0" err="1"/>
-              <a:t>avanzato</a:t>
-            </a:r>
-            <a:r>
-              <a:rPr lang="en-US" dirty="0"/>
-              <a:t>, </a:t>
+              <a:t>soddisfa</a:t>
+            </a:r>
+            <a:r>
+              <a:rPr lang="en-US" dirty="0"/>
+              <a:t> </a:t>
             </a:r>
             <a:r>
               <a:rPr lang="en-US" dirty="0" err="1"/>
-              <a:t>quando</a:t>
+              <a:t>i</a:t>
             </a:r>
             <a:r>
               <a:rPr lang="en-US" dirty="0"/>
@@ -21512,328 +21540,19 @@
             </a:r>
             <a:r>
               <a:rPr lang="en-US" dirty="0" err="1"/>
-              <a:t>potrei</a:t>
-            </a:r>
-            <a:r>
-              <a:rPr lang="en-US" dirty="0"/>
-              <a:t> </a:t>
+              <a:t>requisiti</a:t>
+            </a:r>
+            <a:r>
+              <a:rPr lang="en-US" dirty="0"/>
+              <a:t> di </a:t>
             </a:r>
             <a:r>
               <a:rPr lang="en-US" dirty="0" err="1"/>
-              <a:t>accontentarmi</a:t>
-            </a:r>
-            <a:r>
-              <a:rPr lang="en-US" dirty="0"/>
-              <a:t> di un </a:t>
-            </a:r>
-            <a:r>
-              <a:rPr lang="en-US" dirty="0" err="1"/>
-              <a:t>compilatore</a:t>
-            </a:r>
-            <a:r>
-              <a:rPr lang="en-US" dirty="0"/>
-              <a:t> e </a:t>
-            </a:r>
-            <a:r>
-              <a:rPr lang="en-US" dirty="0" err="1"/>
-              <a:t>una</a:t>
-            </a:r>
-            <a:r>
-              <a:rPr lang="en-US" dirty="0"/>
-              <a:t> shell?</a:t>
-            </a:r>
-          </a:p>
-          <a:p>
-            <a:pPr lvl="0">
-              <a:buNone/>
-            </a:pPr>
-            <a:r>
-              <a:rPr lang="en-US" dirty="0"/>
-              <a:t>La </a:t>
-            </a:r>
-            <a:r>
-              <a:rPr lang="en-US" dirty="0" err="1"/>
-              <a:t>risposta</a:t>
-            </a:r>
-            <a:r>
-              <a:rPr lang="en-US" dirty="0"/>
-              <a:t> </a:t>
-            </a:r>
-            <a:r>
-              <a:rPr lang="en-US" dirty="0" err="1"/>
-              <a:t>che</a:t>
-            </a:r>
-            <a:r>
-              <a:rPr lang="en-US" dirty="0"/>
-              <a:t> </a:t>
-            </a:r>
-            <a:r>
-              <a:rPr lang="en-US" dirty="0" err="1"/>
-              <a:t>darei</a:t>
-            </a:r>
-            <a:r>
-              <a:rPr lang="en-US" dirty="0"/>
-              <a:t> </a:t>
-            </a:r>
-            <a:r>
-              <a:rPr lang="en-US" dirty="0" err="1"/>
-              <a:t>io</a:t>
-            </a:r>
-            <a:r>
-              <a:rPr lang="en-US" dirty="0"/>
-              <a:t> è solo </a:t>
-            </a:r>
-            <a:r>
-              <a:rPr lang="en-US" dirty="0" err="1"/>
-              <a:t>una</a:t>
-            </a:r>
-            <a:r>
-              <a:rPr lang="en-US" dirty="0"/>
-              <a:t> : </a:t>
-            </a:r>
-            <a:r>
-              <a:rPr lang="en-US" dirty="0" err="1" smtClean="0"/>
               <a:t>evoluzione</a:t>
             </a:r>
-            <a:endParaRPr lang="en-US" dirty="0" smtClean="0"/>
-          </a:p>
-          <a:p>
-            <a:pPr lvl="0">
-              <a:buNone/>
-            </a:pPr>
-            <a:r>
-              <a:rPr lang="en-US" i="1" dirty="0"/>
-              <a:t>“In </a:t>
-            </a:r>
-            <a:r>
-              <a:rPr lang="en-US" i="1" dirty="0" err="1"/>
-              <a:t>biologia</a:t>
-            </a:r>
-            <a:r>
-              <a:rPr lang="en-US" i="1" dirty="0"/>
-              <a:t>, con </a:t>
-            </a:r>
-            <a:r>
-              <a:rPr lang="en-US" i="1" dirty="0" err="1"/>
-              <a:t>il</a:t>
-            </a:r>
-            <a:r>
-              <a:rPr lang="en-US" i="1" dirty="0"/>
-              <a:t> </a:t>
-            </a:r>
-            <a:r>
-              <a:rPr lang="en-US" i="1" dirty="0" err="1"/>
-              <a:t>termine</a:t>
-            </a:r>
-            <a:r>
-              <a:rPr lang="en-US" i="1" dirty="0"/>
-              <a:t> </a:t>
-            </a:r>
-            <a:r>
-              <a:rPr lang="en-US" i="1" dirty="0" err="1"/>
-              <a:t>evoluzione</a:t>
-            </a:r>
-            <a:r>
-              <a:rPr lang="en-US" i="1" dirty="0"/>
-              <a:t>, </a:t>
-            </a:r>
-            <a:r>
-              <a:rPr lang="en-US" i="1" dirty="0" err="1"/>
-              <a:t>si</a:t>
-            </a:r>
-            <a:r>
-              <a:rPr lang="en-US" i="1" dirty="0"/>
-              <a:t> </a:t>
-            </a:r>
-            <a:r>
-              <a:rPr lang="en-US" i="1" dirty="0" err="1"/>
-              <a:t>intende</a:t>
-            </a:r>
-            <a:r>
-              <a:rPr lang="en-US" i="1" dirty="0"/>
-              <a:t> </a:t>
-            </a:r>
-            <a:r>
-              <a:rPr lang="en-US" i="1" dirty="0" err="1"/>
-              <a:t>il</a:t>
-            </a:r>
-            <a:r>
-              <a:rPr lang="en-US" i="1" dirty="0"/>
-              <a:t> </a:t>
-            </a:r>
-            <a:r>
-              <a:rPr lang="en-US" i="1" dirty="0" err="1"/>
-              <a:t>progressivo</a:t>
-            </a:r>
-            <a:r>
-              <a:rPr lang="en-US" i="1" dirty="0"/>
-              <a:t> </a:t>
-            </a:r>
-            <a:r>
-              <a:rPr lang="en-US" i="1" dirty="0" err="1"/>
-              <a:t>ed</a:t>
-            </a:r>
-            <a:r>
-              <a:rPr lang="en-US" i="1" dirty="0"/>
-              <a:t> </a:t>
-            </a:r>
-            <a:r>
-              <a:rPr lang="en-US" i="1" dirty="0" err="1"/>
-              <a:t>ininterrotto</a:t>
-            </a:r>
-            <a:r>
-              <a:rPr lang="en-US" i="1" dirty="0"/>
-              <a:t> </a:t>
-            </a:r>
-            <a:r>
-              <a:rPr lang="en-US" i="1" dirty="0" err="1"/>
-              <a:t>accumularsi</a:t>
-            </a:r>
-            <a:r>
-              <a:rPr lang="en-US" i="1" dirty="0"/>
-              <a:t> di </a:t>
-            </a:r>
-            <a:r>
-              <a:rPr lang="en-US" i="1" dirty="0" err="1"/>
-              <a:t>modificazioni</a:t>
-            </a:r>
-            <a:r>
-              <a:rPr lang="en-US" i="1" dirty="0"/>
-              <a:t> successive, </a:t>
-            </a:r>
-            <a:r>
-              <a:rPr lang="en-US" i="1" dirty="0" err="1"/>
-              <a:t>fino</a:t>
-            </a:r>
-            <a:r>
-              <a:rPr lang="en-US" i="1" dirty="0"/>
-              <a:t> a </a:t>
-            </a:r>
-            <a:r>
-              <a:rPr lang="en-US" i="1" dirty="0" err="1"/>
-              <a:t>manifestare</a:t>
-            </a:r>
-            <a:r>
-              <a:rPr lang="en-US" i="1" dirty="0"/>
-              <a:t>, in un </a:t>
-            </a:r>
-            <a:r>
-              <a:rPr lang="en-US" i="1" dirty="0" err="1"/>
-              <a:t>arco</a:t>
-            </a:r>
-            <a:r>
-              <a:rPr lang="en-US" i="1" dirty="0"/>
-              <a:t> di tempo </a:t>
-            </a:r>
-            <a:r>
-              <a:rPr lang="en-US" i="1" dirty="0" err="1"/>
-              <a:t>sufficientemente</a:t>
-            </a:r>
-            <a:r>
-              <a:rPr lang="en-US" i="1" dirty="0"/>
-              <a:t> </a:t>
-            </a:r>
-            <a:r>
-              <a:rPr lang="en-US" i="1" dirty="0" err="1"/>
-              <a:t>ampio</a:t>
-            </a:r>
-            <a:r>
-              <a:rPr lang="en-US" i="1" dirty="0"/>
-              <a:t>, </a:t>
-            </a:r>
-            <a:r>
-              <a:rPr lang="en-US" i="1" dirty="0" err="1"/>
-              <a:t>significativi</a:t>
-            </a:r>
-            <a:r>
-              <a:rPr lang="en-US" i="1" dirty="0"/>
-              <a:t> </a:t>
-            </a:r>
-            <a:r>
-              <a:rPr lang="en-US" i="1" dirty="0" err="1"/>
-              <a:t>cambiamenti</a:t>
-            </a:r>
-            <a:r>
-              <a:rPr lang="en-US" i="1" dirty="0"/>
-              <a:t> </a:t>
-            </a:r>
-            <a:r>
-              <a:rPr lang="en-US" i="1" dirty="0" err="1"/>
-              <a:t>morfologici</a:t>
-            </a:r>
-            <a:r>
-              <a:rPr lang="en-US" i="1" dirty="0"/>
-              <a:t>, </a:t>
-            </a:r>
-            <a:r>
-              <a:rPr lang="en-US" i="1" dirty="0" err="1"/>
-              <a:t>strutturali</a:t>
-            </a:r>
-            <a:r>
-              <a:rPr lang="en-US" i="1" dirty="0"/>
-              <a:t> e </a:t>
-            </a:r>
-            <a:r>
-              <a:rPr lang="en-US" i="1" dirty="0" err="1"/>
-              <a:t>funzionali</a:t>
-            </a:r>
-            <a:r>
-              <a:rPr lang="en-US" i="1" dirty="0"/>
-              <a:t> </a:t>
-            </a:r>
-            <a:r>
-              <a:rPr lang="en-US" i="1" dirty="0" err="1"/>
-              <a:t>negli</a:t>
-            </a:r>
-            <a:r>
-              <a:rPr lang="en-US" i="1" dirty="0"/>
-              <a:t> </a:t>
-            </a:r>
-            <a:r>
-              <a:rPr lang="en-US" i="1" dirty="0" err="1"/>
-              <a:t>organismi</a:t>
-            </a:r>
-            <a:r>
-              <a:rPr lang="en-US" i="1" dirty="0"/>
-              <a:t> </a:t>
-            </a:r>
-            <a:r>
-              <a:rPr lang="en-US" i="1" dirty="0" err="1"/>
-              <a:t>viventi</a:t>
-            </a:r>
-            <a:r>
-              <a:rPr lang="en-US" i="1" dirty="0"/>
-              <a:t>” </a:t>
-            </a:r>
-            <a:r>
-              <a:rPr lang="en-US" i="1" dirty="0" err="1"/>
-              <a:t>wikipedia</a:t>
-            </a:r>
-            <a:endParaRPr lang="en-US" i="1" dirty="0"/>
-          </a:p>
-          <a:p>
-            <a:pPr lvl="0">
-              <a:buNone/>
-            </a:pPr>
-            <a:r>
-              <a:rPr lang="en-US" dirty="0"/>
-              <a:t>E' </a:t>
-            </a:r>
-            <a:r>
-              <a:rPr lang="en-US" dirty="0" err="1"/>
-              <a:t>fondamentale</a:t>
-            </a:r>
-            <a:r>
-              <a:rPr lang="en-US" dirty="0"/>
-              <a:t> </a:t>
-            </a:r>
-            <a:r>
-              <a:rPr lang="en-US" dirty="0" err="1"/>
-              <a:t>applicare</a:t>
-            </a:r>
-            <a:r>
-              <a:rPr lang="en-US" dirty="0"/>
-              <a:t> </a:t>
+            <a:r>
+              <a:rPr lang="en-US" dirty="0"/>
+              <a:t> per </a:t>
             </a:r>
             <a:r>
               <a:rPr lang="en-US" dirty="0" err="1"/>
@@ -21845,7 +21564,7 @@
             </a:r>
             <a:r>
               <a:rPr lang="en-US" dirty="0" err="1"/>
-              <a:t>concetto</a:t>
+              <a:t>linguaggio</a:t>
             </a:r>
             <a:r>
               <a:rPr lang="en-US" dirty="0"/>
@@ -21853,44 +21572,19 @@
             </a:r>
             <a:r>
               <a:rPr lang="en-US" dirty="0" err="1"/>
-              <a:t>anche</a:t>
-            </a:r>
-            <a:r>
-              <a:rPr lang="en-US" dirty="0"/>
-              <a:t> al </a:t>
-            </a:r>
-            <a:r>
-              <a:rPr lang="en-US" dirty="0" err="1"/>
-              <a:t>modo</a:t>
-            </a:r>
-            <a:r>
-              <a:rPr lang="en-US" dirty="0"/>
-              <a:t> di </a:t>
-            </a:r>
-            <a:r>
-              <a:rPr lang="en-US" dirty="0" err="1"/>
-              <a:t>produrre</a:t>
-            </a:r>
-            <a:r>
-              <a:rPr lang="en-US" dirty="0"/>
-              <a:t> software.</a:t>
-            </a:r>
-          </a:p>
-          <a:p>
-            <a:pPr marL="0" lvl="0" indent="0">
-              <a:spcBef>
-                <a:spcPts val="638"/>
-              </a:spcBef>
-              <a:buNone/>
-            </a:pPr>
-            <a:endParaRPr lang="en-US" dirty="0"/>
+              <a:t>nativo</a:t>
+            </a:r>
+            <a:r>
+              <a:rPr lang="en-US" dirty="0"/>
+              <a:t>.</a:t>
+            </a:r>
           </a:p>
         </p:txBody>
       </p:sp>
     </p:spTree>
     <p:extLst>
       <p:ext uri="{BB962C8B-B14F-4D97-AF65-F5344CB8AC3E}">
-        <p14:creationId xmlns:p14="http://schemas.microsoft.com/office/powerpoint/2010/main" val="2637003039"/>
+        <p14:creationId xmlns:p14="http://schemas.microsoft.com/office/powerpoint/2010/main" val="2194156240"/>
       </p:ext>
     </p:extLst>
   </p:cSld>
@@ -21948,24 +21642,16 @@
           <a:lstStyle/>
           <a:p>
             <a:r>
-              <a:rPr lang="en-US" dirty="0" err="1"/>
-              <a:t>L'evoluzione</a:t>
-            </a:r>
-            <a:r>
-              <a:rPr lang="en-US" dirty="0"/>
-              <a:t> </a:t>
-            </a:r>
-            <a:r>
-              <a:rPr lang="en-US" dirty="0" err="1"/>
-              <a:t>nella</a:t>
-            </a:r>
-            <a:r>
-              <a:rPr lang="en-US" dirty="0"/>
-              <a:t> </a:t>
-            </a:r>
-            <a:r>
-              <a:rPr lang="en-US" dirty="0" err="1"/>
-              <a:t>produttività</a:t>
+              <a:rPr lang="en-US" dirty="0" err="1" smtClean="0"/>
+              <a:t>Migrazione</a:t>
+            </a:r>
+            <a:r>
+              <a:rPr lang="en-US" dirty="0" smtClean="0"/>
+              <a:t> di </a:t>
+            </a:r>
+            <a:r>
+              <a:rPr lang="en-US" dirty="0" err="1" smtClean="0"/>
+              <a:t>codice</a:t>
             </a:r>
             <a:endParaRPr lang="it-IT" dirty="0"/>
           </a:p>
@@ -21990,427 +21676,91 @@
           <a:p>
             <a:pPr lvl="0"/>
             <a:r>
-              <a:rPr lang="en-US" dirty="0" err="1"/>
-              <a:t>Muoversi</a:t>
-            </a:r>
-            <a:r>
-              <a:rPr lang="en-US" dirty="0"/>
-              <a:t> in un </a:t>
-            </a:r>
-            <a:r>
-              <a:rPr lang="en-US" dirty="0" err="1"/>
-              <a:t>ambiente</a:t>
-            </a:r>
-            <a:r>
-              <a:rPr lang="en-US" dirty="0"/>
-              <a:t> </a:t>
-            </a:r>
-            <a:r>
-              <a:rPr lang="en-US" dirty="0" err="1"/>
-              <a:t>evoluto</a:t>
-            </a:r>
-            <a:r>
-              <a:rPr lang="en-US" dirty="0"/>
-              <a:t>, </a:t>
-            </a:r>
-            <a:r>
-              <a:rPr lang="en-US" dirty="0" err="1"/>
-              <a:t>necessariamente</a:t>
-            </a:r>
-            <a:r>
-              <a:rPr lang="en-US" dirty="0"/>
-              <a:t> </a:t>
-            </a:r>
-            <a:r>
-              <a:rPr lang="en-US" dirty="0" err="1"/>
-              <a:t>fa</a:t>
-            </a:r>
-            <a:r>
-              <a:rPr lang="en-US" dirty="0"/>
-              <a:t> </a:t>
-            </a:r>
-            <a:r>
-              <a:rPr lang="en-US" dirty="0" err="1"/>
-              <a:t>evolvere</a:t>
-            </a:r>
-            <a:r>
-              <a:rPr lang="en-US" dirty="0"/>
-              <a:t> </a:t>
-            </a:r>
-            <a:r>
-              <a:rPr lang="en-US" dirty="0" err="1"/>
-              <a:t>il</a:t>
-            </a:r>
-            <a:r>
-              <a:rPr lang="en-US" dirty="0"/>
-              <a:t> </a:t>
-            </a:r>
-            <a:r>
-              <a:rPr lang="en-US" dirty="0" err="1"/>
-              <a:t>nostro</a:t>
-            </a:r>
-            <a:r>
-              <a:rPr lang="en-US" dirty="0"/>
-              <a:t> </a:t>
-            </a:r>
-            <a:r>
-              <a:rPr lang="en-US" dirty="0" err="1"/>
-              <a:t>modo</a:t>
-            </a:r>
-            <a:r>
-              <a:rPr lang="en-US" dirty="0"/>
-              <a:t> di </a:t>
-            </a:r>
-            <a:r>
-              <a:rPr lang="en-US" dirty="0" err="1"/>
-              <a:t>lavorare</a:t>
-            </a:r>
-            <a:r>
-              <a:rPr lang="en-US" dirty="0"/>
-              <a:t> e </a:t>
-            </a:r>
-            <a:r>
-              <a:rPr lang="en-US" dirty="0" err="1"/>
-              <a:t>pensare</a:t>
-            </a:r>
+              <a:rPr lang="en-US" dirty="0" smtClean="0"/>
+              <a:t>Visual Studio </a:t>
+            </a:r>
+            <a:r>
+              <a:rPr lang="en-US" dirty="0" err="1" smtClean="0"/>
+              <a:t>automatizza</a:t>
+            </a:r>
+            <a:r>
+              <a:rPr lang="en-US" dirty="0" smtClean="0"/>
+              <a:t> la </a:t>
+            </a:r>
+            <a:r>
+              <a:rPr lang="en-US" dirty="0" err="1" smtClean="0"/>
+              <a:t>migrazione</a:t>
+            </a:r>
+            <a:r>
+              <a:rPr lang="en-US" dirty="0" smtClean="0"/>
+              <a:t> </a:t>
+            </a:r>
+            <a:r>
+              <a:rPr lang="en-US" dirty="0" smtClean="0"/>
+              <a:t>di </a:t>
+            </a:r>
+            <a:r>
+              <a:rPr lang="en-US" dirty="0" err="1" smtClean="0"/>
+              <a:t>codice</a:t>
+            </a:r>
+            <a:r>
+              <a:rPr lang="en-US" dirty="0" smtClean="0"/>
+              <a:t> C++, </a:t>
+            </a:r>
+            <a:r>
+              <a:rPr lang="en-US" dirty="0" err="1" smtClean="0"/>
+              <a:t>ovvero</a:t>
+            </a:r>
+            <a:r>
+              <a:rPr lang="en-US" dirty="0" smtClean="0"/>
+              <a:t> </a:t>
+            </a:r>
+            <a:r>
+              <a:rPr lang="en-US" dirty="0" err="1" smtClean="0"/>
+              <a:t>dei</a:t>
+            </a:r>
+            <a:r>
+              <a:rPr lang="en-US" dirty="0" smtClean="0"/>
+              <a:t> file di </a:t>
+            </a:r>
+            <a:r>
+              <a:rPr lang="en-US" dirty="0" err="1" smtClean="0"/>
+              <a:t>progetto</a:t>
+            </a:r>
+            <a:r>
+              <a:rPr lang="en-US" dirty="0" smtClean="0"/>
+              <a:t> (.</a:t>
+            </a:r>
+            <a:r>
+              <a:rPr lang="en-US" dirty="0" err="1" smtClean="0"/>
+              <a:t>vcxproj</a:t>
+            </a:r>
+            <a:r>
+              <a:rPr lang="en-US" dirty="0" smtClean="0"/>
+              <a:t>)</a:t>
+            </a:r>
+          </a:p>
+          <a:p>
+            <a:pPr lvl="0"/>
             <a:endParaRPr lang="en-US" dirty="0"/>
-          </a:p>
-          <a:p>
-            <a:pPr lvl="0"/>
-            <a:r>
-              <a:rPr lang="en-US" dirty="0"/>
-              <a:t>Un </a:t>
-            </a:r>
-            <a:r>
-              <a:rPr lang="en-US" dirty="0" err="1"/>
-              <a:t>ambiente</a:t>
-            </a:r>
-            <a:r>
-              <a:rPr lang="en-US" dirty="0"/>
-              <a:t> </a:t>
-            </a:r>
-            <a:r>
-              <a:rPr lang="en-US" dirty="0" err="1"/>
-              <a:t>poco</a:t>
-            </a:r>
-            <a:r>
-              <a:rPr lang="en-US" dirty="0"/>
-              <a:t> </a:t>
-            </a:r>
-            <a:r>
-              <a:rPr lang="en-US" dirty="0" err="1"/>
-              <a:t>evoluto</a:t>
-            </a:r>
-            <a:r>
-              <a:rPr lang="en-US" dirty="0"/>
-              <a:t> o </a:t>
-            </a:r>
-            <a:r>
-              <a:rPr lang="en-US" dirty="0" err="1"/>
-              <a:t>che</a:t>
-            </a:r>
-            <a:r>
-              <a:rPr lang="en-US" dirty="0"/>
-              <a:t> </a:t>
-            </a:r>
-            <a:r>
-              <a:rPr lang="en-US" dirty="0" err="1"/>
-              <a:t>soddisfa</a:t>
-            </a:r>
-            <a:r>
-              <a:rPr lang="en-US" dirty="0"/>
-              <a:t> solo </a:t>
-            </a:r>
-            <a:r>
-              <a:rPr lang="en-US" dirty="0" err="1"/>
-              <a:t>i</a:t>
-            </a:r>
-            <a:r>
-              <a:rPr lang="en-US" dirty="0"/>
-              <a:t> </a:t>
-            </a:r>
-            <a:r>
-              <a:rPr lang="en-US" dirty="0" err="1"/>
-              <a:t>requisiti</a:t>
-            </a:r>
-            <a:r>
-              <a:rPr lang="en-US" dirty="0"/>
-              <a:t> base, da un </a:t>
-            </a:r>
-            <a:r>
-              <a:rPr lang="en-US" dirty="0" err="1"/>
-              <a:t>lato</a:t>
-            </a:r>
-            <a:r>
-              <a:rPr lang="en-US" dirty="0"/>
-              <a:t> non ci </a:t>
-            </a:r>
-            <a:r>
-              <a:rPr lang="en-US" dirty="0" err="1"/>
-              <a:t>permette</a:t>
-            </a:r>
-            <a:r>
-              <a:rPr lang="en-US" dirty="0"/>
-              <a:t> di </a:t>
-            </a:r>
-            <a:r>
-              <a:rPr lang="en-US" dirty="0" err="1"/>
-              <a:t>cambiare</a:t>
-            </a:r>
-            <a:r>
-              <a:rPr lang="en-US" dirty="0"/>
-              <a:t> </a:t>
-            </a:r>
-            <a:r>
-              <a:rPr lang="en-US" dirty="0" err="1"/>
-              <a:t>punto</a:t>
-            </a:r>
-            <a:r>
-              <a:rPr lang="en-US" dirty="0"/>
-              <a:t> di vista se serve, </a:t>
-            </a:r>
-            <a:r>
-              <a:rPr lang="en-US" dirty="0" err="1"/>
-              <a:t>dall'altro</a:t>
-            </a:r>
-            <a:r>
-              <a:rPr lang="en-US" dirty="0"/>
-              <a:t> non ci </a:t>
-            </a:r>
-            <a:r>
-              <a:rPr lang="en-US" dirty="0" err="1"/>
-              <a:t>fornisce</a:t>
-            </a:r>
-            <a:r>
-              <a:rPr lang="en-US" dirty="0"/>
-              <a:t> </a:t>
-            </a:r>
-            <a:r>
-              <a:rPr lang="en-US" dirty="0" err="1"/>
-              <a:t>spunti</a:t>
-            </a:r>
-            <a:r>
-              <a:rPr lang="en-US" dirty="0"/>
-              <a:t> di </a:t>
-            </a:r>
-            <a:r>
-              <a:rPr lang="en-US" dirty="0" err="1"/>
-              <a:t>riflessione</a:t>
-            </a:r>
-            <a:r>
-              <a:rPr lang="en-US" dirty="0"/>
-              <a:t> per </a:t>
-            </a:r>
-            <a:r>
-              <a:rPr lang="en-US" dirty="0" err="1"/>
-              <a:t>migliorare</a:t>
-            </a:r>
-            <a:r>
-              <a:rPr lang="en-US" dirty="0"/>
-              <a:t> </a:t>
-            </a:r>
-            <a:r>
-              <a:rPr lang="en-US" dirty="0" err="1"/>
-              <a:t>il</a:t>
-            </a:r>
-            <a:r>
-              <a:rPr lang="en-US" dirty="0"/>
-              <a:t> </a:t>
-            </a:r>
-            <a:r>
-              <a:rPr lang="en-US" dirty="0" err="1"/>
-              <a:t>nostro</a:t>
-            </a:r>
-            <a:r>
-              <a:rPr lang="en-US" dirty="0"/>
-              <a:t> </a:t>
-            </a:r>
-            <a:r>
-              <a:rPr lang="en-US" dirty="0" err="1"/>
-              <a:t>processo</a:t>
-            </a:r>
-            <a:r>
-              <a:rPr lang="en-US" dirty="0"/>
-              <a:t> di </a:t>
-            </a:r>
-            <a:r>
-              <a:rPr lang="en-US" dirty="0" err="1"/>
-              <a:t>sviluppo</a:t>
-            </a:r>
-            <a:endParaRPr lang="en-US" dirty="0"/>
-          </a:p>
-          <a:p>
-            <a:pPr lvl="0"/>
-            <a:r>
-              <a:rPr lang="en-US" dirty="0" err="1" smtClean="0"/>
-              <a:t>Dotarsi</a:t>
-            </a:r>
-            <a:r>
-              <a:rPr lang="en-US" dirty="0" smtClean="0"/>
-              <a:t> di un </a:t>
-            </a:r>
-            <a:r>
-              <a:rPr lang="en-US" dirty="0" err="1" smtClean="0"/>
-              <a:t>sistema</a:t>
-            </a:r>
-            <a:r>
-              <a:rPr lang="en-US" dirty="0" smtClean="0"/>
-              <a:t> di </a:t>
-            </a:r>
-            <a:r>
-              <a:rPr lang="en-US" dirty="0" err="1" smtClean="0"/>
-              <a:t>sviluppo</a:t>
-            </a:r>
-            <a:r>
-              <a:rPr lang="en-US" dirty="0"/>
-              <a:t> </a:t>
-            </a:r>
-            <a:r>
-              <a:rPr lang="en-US" dirty="0" err="1" smtClean="0"/>
-              <a:t>evoluto</a:t>
-            </a:r>
-            <a:r>
-              <a:rPr lang="en-US" dirty="0" smtClean="0"/>
-              <a:t> è </a:t>
-            </a:r>
-            <a:r>
-              <a:rPr lang="en-US" dirty="0" err="1" smtClean="0"/>
-              <a:t>quindi</a:t>
-            </a:r>
-            <a:r>
-              <a:rPr lang="en-US" dirty="0" smtClean="0"/>
-              <a:t> la </a:t>
-            </a:r>
-            <a:r>
-              <a:rPr lang="en-US" dirty="0" err="1" smtClean="0"/>
-              <a:t>tesi</a:t>
-            </a:r>
-            <a:r>
-              <a:rPr lang="en-US" dirty="0" smtClean="0"/>
-              <a:t> </a:t>
-            </a:r>
-            <a:r>
-              <a:rPr lang="en-US" dirty="0" err="1" smtClean="0"/>
-              <a:t>sotenuta</a:t>
-            </a:r>
-            <a:r>
-              <a:rPr lang="en-US" dirty="0" smtClean="0"/>
-              <a:t> in </a:t>
-            </a:r>
-            <a:r>
-              <a:rPr lang="en-US" dirty="0" err="1" smtClean="0"/>
-              <a:t>questo</a:t>
-            </a:r>
-            <a:r>
-              <a:rPr lang="en-US" dirty="0" smtClean="0"/>
-              <a:t> </a:t>
-            </a:r>
-            <a:r>
-              <a:rPr lang="en-US" dirty="0" err="1" smtClean="0"/>
-              <a:t>contesto</a:t>
-            </a:r>
-            <a:endParaRPr lang="en-US" dirty="0" smtClean="0"/>
-          </a:p>
-          <a:p>
-            <a:pPr lvl="0"/>
-            <a:r>
-              <a:rPr lang="en-US" dirty="0" smtClean="0"/>
-              <a:t>Visual Studio 2013 </a:t>
-            </a:r>
-            <a:r>
-              <a:rPr lang="en-US" dirty="0"/>
-              <a:t>è un </a:t>
-            </a:r>
-            <a:r>
-              <a:rPr lang="en-US" dirty="0" err="1"/>
-              <a:t>ambiente</a:t>
-            </a:r>
-            <a:r>
-              <a:rPr lang="en-US" dirty="0"/>
-              <a:t> </a:t>
-            </a:r>
-            <a:r>
-              <a:rPr lang="en-US" dirty="0" err="1"/>
-              <a:t>che</a:t>
-            </a:r>
-            <a:r>
-              <a:rPr lang="en-US" dirty="0"/>
-              <a:t> </a:t>
-            </a:r>
-            <a:r>
-              <a:rPr lang="en-US" dirty="0" err="1"/>
-              <a:t>soddisfa</a:t>
-            </a:r>
-            <a:r>
-              <a:rPr lang="en-US" dirty="0"/>
-              <a:t> </a:t>
-            </a:r>
-            <a:r>
-              <a:rPr lang="en-US" dirty="0" err="1"/>
-              <a:t>i</a:t>
-            </a:r>
-            <a:r>
-              <a:rPr lang="en-US" dirty="0"/>
-              <a:t> </a:t>
-            </a:r>
-            <a:r>
-              <a:rPr lang="en-US" dirty="0" err="1"/>
-              <a:t>requisiti</a:t>
-            </a:r>
-            <a:r>
-              <a:rPr lang="en-US" dirty="0"/>
-              <a:t> di </a:t>
-            </a:r>
-            <a:r>
-              <a:rPr lang="en-US" dirty="0" err="1"/>
-              <a:t>evoluzione</a:t>
-            </a:r>
-            <a:r>
-              <a:rPr lang="en-US" dirty="0"/>
-              <a:t> per </a:t>
-            </a:r>
-            <a:r>
-              <a:rPr lang="en-US" dirty="0" err="1"/>
-              <a:t>il</a:t>
-            </a:r>
-            <a:r>
-              <a:rPr lang="en-US" dirty="0"/>
-              <a:t> </a:t>
-            </a:r>
-            <a:r>
-              <a:rPr lang="en-US" dirty="0" err="1"/>
-              <a:t>linguaggio</a:t>
-            </a:r>
-            <a:r>
-              <a:rPr lang="en-US" dirty="0"/>
-              <a:t> </a:t>
-            </a:r>
-            <a:r>
-              <a:rPr lang="en-US" dirty="0" err="1"/>
-              <a:t>nativo</a:t>
-            </a:r>
-            <a:r>
-              <a:rPr lang="en-US" dirty="0"/>
-              <a:t>.</a:t>
-            </a:r>
           </a:p>
         </p:txBody>
       </p:sp>
     </p:spTree>
     <p:extLst>
       <p:ext uri="{BB962C8B-B14F-4D97-AF65-F5344CB8AC3E}">
-        <p14:creationId xmlns:p14="http://schemas.microsoft.com/office/powerpoint/2010/main" val="2194156240"/>
+        <p14:creationId xmlns:p14="http://schemas.microsoft.com/office/powerpoint/2010/main" val="2241662426"/>
       </p:ext>
     </p:extLst>
   </p:cSld>
   <p:clrMapOvr>
     <a:masterClrMapping/>
   </p:clrMapOvr>
-  <mc:AlternateContent xmlns:mc="http://schemas.openxmlformats.org/markup-compatibility/2006" xmlns:p14="http://schemas.microsoft.com/office/powerpoint/2010/main">
-    <mc:Choice Requires="p14">
+  <mc:AlternateContent xmlns:mc="http://schemas.openxmlformats.org/markup-compatibility/2006">
+    <mc:Choice xmlns:p14="http://schemas.microsoft.com/office/powerpoint/2010/main" Requires="p14">
       <p:transition spd="slow" p14:dur="2000"/>
     </mc:Choice>
-    <mc:Fallback xmlns="">
+    <mc:Fallback>
       <p:transition spd="slow"/>
     </mc:Fallback>
   </mc:AlternateContent>

--- a/presentazioneCDAYS2014.pptx
+++ b/presentazioneCDAYS2014.pptx
@@ -18390,11 +18390,11 @@
   <p:clrMapOvr>
     <a:masterClrMapping/>
   </p:clrMapOvr>
-  <mc:AlternateContent xmlns:mc="http://schemas.openxmlformats.org/markup-compatibility/2006">
-    <mc:Choice xmlns:p14="http://schemas.microsoft.com/office/powerpoint/2010/main" Requires="p14">
+  <mc:AlternateContent xmlns:mc="http://schemas.openxmlformats.org/markup-compatibility/2006" xmlns:p14="http://schemas.microsoft.com/office/powerpoint/2010/main">
+    <mc:Choice Requires="p14">
       <p:transition spd="slow" p14:dur="2000"/>
     </mc:Choice>
-    <mc:Fallback>
+    <mc:Fallback xmlns="">
       <p:transition spd="slow"/>
     </mc:Fallback>
   </mc:AlternateContent>
@@ -20019,7 +20019,7 @@
         </p:nvSpPr>
         <p:spPr>
           <a:xfrm>
-            <a:off x="1172972" y="2522993"/>
+            <a:off x="877544" y="2522993"/>
             <a:ext cx="9692640" cy="1428929"/>
           </a:xfrm>
         </p:spPr>
@@ -21642,16 +21642,8 @@
           <a:lstStyle/>
           <a:p>
             <a:r>
-              <a:rPr lang="en-US" dirty="0" err="1" smtClean="0"/>
-              <a:t>Migrazione</a:t>
-            </a:r>
-            <a:r>
-              <a:rPr lang="en-US" dirty="0" smtClean="0"/>
-              <a:t> di </a:t>
-            </a:r>
-            <a:r>
-              <a:rPr lang="en-US" dirty="0" err="1" smtClean="0"/>
-              <a:t>codice</a:t>
+              <a:rPr lang="en-US" dirty="0" smtClean="0"/>
+              <a:t>Platform toolset</a:t>
             </a:r>
             <a:endParaRPr lang="it-IT" dirty="0"/>
           </a:p>
@@ -21681,64 +21673,184 @@
             </a:r>
             <a:r>
               <a:rPr lang="en-US" dirty="0" err="1" smtClean="0"/>
-              <a:t>automatizza</a:t>
-            </a:r>
-            <a:r>
-              <a:rPr lang="en-US" dirty="0" smtClean="0"/>
-              <a:t> la </a:t>
-            </a:r>
-            <a:r>
-              <a:rPr lang="en-US" dirty="0" err="1" smtClean="0"/>
-              <a:t>migrazione</a:t>
-            </a:r>
-            <a:r>
-              <a:rPr lang="en-US" dirty="0" smtClean="0"/>
-              <a:t> </a:t>
-            </a:r>
-            <a:r>
-              <a:rPr lang="en-US" dirty="0" smtClean="0"/>
-              <a:t>di </a:t>
-            </a:r>
-            <a:r>
-              <a:rPr lang="en-US" dirty="0" err="1" smtClean="0"/>
-              <a:t>codice</a:t>
-            </a:r>
-            <a:r>
-              <a:rPr lang="en-US" dirty="0" smtClean="0"/>
-              <a:t> C++, </a:t>
-            </a:r>
-            <a:r>
-              <a:rPr lang="en-US" dirty="0" err="1" smtClean="0"/>
-              <a:t>ovvero</a:t>
-            </a:r>
-            <a:r>
-              <a:rPr lang="en-US" dirty="0" smtClean="0"/>
-              <a:t> </a:t>
-            </a:r>
-            <a:r>
-              <a:rPr lang="en-US" dirty="0" err="1" smtClean="0"/>
-              <a:t>dei</a:t>
-            </a:r>
-            <a:r>
-              <a:rPr lang="en-US" dirty="0" smtClean="0"/>
-              <a:t> file di </a:t>
-            </a:r>
-            <a:r>
-              <a:rPr lang="en-US" dirty="0" err="1" smtClean="0"/>
-              <a:t>progetto</a:t>
-            </a:r>
-            <a:r>
-              <a:rPr lang="en-US" dirty="0" smtClean="0"/>
-              <a:t> (.</a:t>
-            </a:r>
-            <a:r>
-              <a:rPr lang="en-US" dirty="0" err="1" smtClean="0"/>
-              <a:t>vcxproj</a:t>
-            </a:r>
-            <a:r>
-              <a:rPr lang="en-US" dirty="0" smtClean="0"/>
-              <a:t>)</a:t>
-            </a:r>
+              <a:t>permette</a:t>
+            </a:r>
+            <a:r>
+              <a:rPr lang="en-US" dirty="0" smtClean="0"/>
+              <a:t> di </a:t>
+            </a:r>
+            <a:r>
+              <a:rPr lang="en-US" dirty="0" err="1" smtClean="0"/>
+              <a:t>compilare</a:t>
+            </a:r>
+            <a:r>
+              <a:rPr lang="en-US" dirty="0" smtClean="0"/>
+              <a:t> I </a:t>
+            </a:r>
+            <a:r>
+              <a:rPr lang="en-US" dirty="0" err="1" smtClean="0"/>
+              <a:t>progetti</a:t>
+            </a:r>
+            <a:r>
+              <a:rPr lang="en-US" dirty="0" smtClean="0"/>
+              <a:t> </a:t>
+            </a:r>
+            <a:r>
+              <a:rPr lang="en-US" dirty="0" err="1" smtClean="0"/>
+              <a:t>selezionando</a:t>
+            </a:r>
+            <a:r>
+              <a:rPr lang="en-US" dirty="0" smtClean="0"/>
+              <a:t> </a:t>
+            </a:r>
+            <a:r>
+              <a:rPr lang="en-US" dirty="0" err="1" smtClean="0"/>
+              <a:t>il</a:t>
+            </a:r>
+            <a:r>
+              <a:rPr lang="en-US" dirty="0" smtClean="0"/>
+              <a:t> toolset. </a:t>
+            </a:r>
+            <a:r>
+              <a:rPr lang="en-US" dirty="0" err="1" smtClean="0"/>
+              <a:t>Qualora</a:t>
+            </a:r>
+            <a:r>
+              <a:rPr lang="en-US" dirty="0" smtClean="0"/>
+              <a:t> </a:t>
+            </a:r>
+            <a:r>
+              <a:rPr lang="en-US" dirty="0" err="1" smtClean="0"/>
+              <a:t>siano</a:t>
+            </a:r>
+            <a:r>
+              <a:rPr lang="en-US" dirty="0" smtClean="0"/>
+              <a:t> </a:t>
+            </a:r>
+            <a:r>
+              <a:rPr lang="en-US" dirty="0" err="1" smtClean="0"/>
+              <a:t>installati</a:t>
+            </a:r>
+            <a:r>
+              <a:rPr lang="en-US" dirty="0" smtClean="0"/>
+              <a:t> </a:t>
+            </a:r>
+            <a:r>
+              <a:rPr lang="en-US" dirty="0" err="1" smtClean="0"/>
+              <a:t>gli</a:t>
+            </a:r>
+            <a:r>
+              <a:rPr lang="en-US" dirty="0" smtClean="0"/>
+              <a:t> </a:t>
+            </a:r>
+            <a:r>
+              <a:rPr lang="en-US" dirty="0" err="1" smtClean="0"/>
+              <a:t>opportuni</a:t>
+            </a:r>
+            <a:r>
+              <a:rPr lang="en-US" dirty="0" smtClean="0"/>
+              <a:t> </a:t>
+            </a:r>
+            <a:r>
+              <a:rPr lang="en-US" dirty="0" err="1" smtClean="0"/>
+              <a:t>compilatori</a:t>
+            </a:r>
+            <a:r>
+              <a:rPr lang="en-US" dirty="0" smtClean="0"/>
+              <a:t>, </a:t>
+            </a:r>
+            <a:r>
+              <a:rPr lang="en-US" dirty="0" err="1" smtClean="0"/>
+              <a:t>utilizzando</a:t>
+            </a:r>
+            <a:r>
+              <a:rPr lang="en-US" dirty="0" smtClean="0"/>
+              <a:t> VS2013 </a:t>
+            </a:r>
+            <a:r>
+              <a:rPr lang="en-US" dirty="0" err="1" smtClean="0"/>
+              <a:t>realizziamo</a:t>
+            </a:r>
+            <a:r>
+              <a:rPr lang="en-US" dirty="0" smtClean="0"/>
+              <a:t> </a:t>
+            </a:r>
+            <a:r>
+              <a:rPr lang="en-US" dirty="0" err="1" smtClean="0"/>
+              <a:t>il</a:t>
+            </a:r>
+            <a:r>
+              <a:rPr lang="en-US" dirty="0" smtClean="0"/>
+              <a:t> “</a:t>
+            </a:r>
+            <a:r>
+              <a:rPr lang="en-US" dirty="0" smtClean="0"/>
+              <a:t>M</a:t>
+            </a:r>
+            <a:r>
+              <a:rPr lang="en-US" dirty="0" smtClean="0"/>
+              <a:t>ulti-targeting” in C++</a:t>
+            </a:r>
+          </a:p>
+          <a:p>
+            <a:pPr lvl="0"/>
+            <a:r>
+              <a:rPr lang="en-US" dirty="0" err="1" smtClean="0"/>
+              <a:t>Forniamo</a:t>
+            </a:r>
+            <a:r>
+              <a:rPr lang="en-US" dirty="0" smtClean="0"/>
+              <a:t> </a:t>
+            </a:r>
+            <a:r>
+              <a:rPr lang="en-US" dirty="0" err="1" smtClean="0"/>
+              <a:t>ai</a:t>
+            </a:r>
+            <a:r>
+              <a:rPr lang="en-US" dirty="0" smtClean="0"/>
+              <a:t> </a:t>
+            </a:r>
+            <a:r>
+              <a:rPr lang="en-US" dirty="0" err="1" smtClean="0"/>
+              <a:t>nostri</a:t>
+            </a:r>
+            <a:r>
+              <a:rPr lang="en-US" dirty="0" smtClean="0"/>
+              <a:t> </a:t>
+            </a:r>
+            <a:r>
+              <a:rPr lang="en-US" dirty="0" err="1" smtClean="0"/>
+              <a:t>clienti</a:t>
+            </a:r>
+            <a:r>
+              <a:rPr lang="en-US" dirty="0" smtClean="0"/>
+              <a:t> </a:t>
+            </a:r>
+            <a:r>
+              <a:rPr lang="en-US" dirty="0" err="1" smtClean="0"/>
+              <a:t>l’applicazione</a:t>
+            </a:r>
+            <a:r>
+              <a:rPr lang="en-US" dirty="0" smtClean="0"/>
+              <a:t> </a:t>
+            </a:r>
+            <a:r>
+              <a:rPr lang="en-US" dirty="0" err="1" smtClean="0"/>
+              <a:t>opportunamente</a:t>
+            </a:r>
+            <a:r>
+              <a:rPr lang="en-US" dirty="0" smtClean="0"/>
+              <a:t> </a:t>
+            </a:r>
+            <a:r>
+              <a:rPr lang="en-US" dirty="0" err="1" smtClean="0"/>
+              <a:t>targetizzata</a:t>
+            </a:r>
+            <a:r>
+              <a:rPr lang="en-US" dirty="0" smtClean="0"/>
+              <a:t> </a:t>
+            </a:r>
+            <a:endParaRPr lang="en-US" dirty="0" smtClean="0"/>
           </a:p>
           <a:p>
             <a:pPr lvl="0"/>
@@ -21746,6 +21858,36 @@
           </a:p>
         </p:txBody>
       </p:sp>
+      <p:pic>
+        <p:nvPicPr>
+          <p:cNvPr id="4" name="Picture 3"/>
+          <p:cNvPicPr>
+            <a:picLocks noChangeAspect="1"/>
+          </p:cNvPicPr>
+          <p:nvPr/>
+        </p:nvPicPr>
+        <p:blipFill>
+          <a:blip r:embed="rId2">
+            <a:extLst>
+              <a:ext uri="{28A0092B-C50C-407E-A947-70E740481C1C}">
+                <a14:useLocalDpi xmlns:a14="http://schemas.microsoft.com/office/drawing/2010/main" val="0"/>
+              </a:ext>
+            </a:extLst>
+          </a:blip>
+          <a:stretch>
+            <a:fillRect/>
+          </a:stretch>
+        </p:blipFill>
+        <p:spPr>
+          <a:xfrm>
+            <a:off x="1261872" y="3433086"/>
+            <a:ext cx="5446029" cy="2747051"/>
+          </a:xfrm>
+          <a:prstGeom prst="rect">
+            <a:avLst/>
+          </a:prstGeom>
+        </p:spPr>
+      </p:pic>
     </p:spTree>
     <p:extLst>
       <p:ext uri="{BB962C8B-B14F-4D97-AF65-F5344CB8AC3E}">
@@ -21756,11 +21898,11 @@
   <p:clrMapOvr>
     <a:masterClrMapping/>
   </p:clrMapOvr>
-  <mc:AlternateContent xmlns:mc="http://schemas.openxmlformats.org/markup-compatibility/2006">
-    <mc:Choice xmlns:p14="http://schemas.microsoft.com/office/powerpoint/2010/main" Requires="p14">
+  <mc:AlternateContent xmlns:mc="http://schemas.openxmlformats.org/markup-compatibility/2006" xmlns:p14="http://schemas.microsoft.com/office/powerpoint/2010/main">
+    <mc:Choice Requires="p14">
       <p:transition spd="slow" p14:dur="2000"/>
     </mc:Choice>
-    <mc:Fallback>
+    <mc:Fallback xmlns="">
       <p:transition spd="slow"/>
     </mc:Fallback>
   </mc:AlternateContent>

--- a/presentazioneCDAYS2014.pptx
+++ b/presentazioneCDAYS2014.pptx
@@ -5,10 +5,10 @@
     <p:sldMasterId id="2147483840" r:id="rId1"/>
   </p:sldMasterIdLst>
   <p:notesMasterIdLst>
-    <p:notesMasterId r:id="rId53"/>
+    <p:notesMasterId r:id="rId52"/>
   </p:notesMasterIdLst>
   <p:handoutMasterIdLst>
-    <p:handoutMasterId r:id="rId54"/>
+    <p:handoutMasterId r:id="rId53"/>
   </p:handoutMasterIdLst>
   <p:sldIdLst>
     <p:sldId id="256" r:id="rId2"/>
@@ -44,24 +44,23 @@
     <p:sldId id="292" r:id="rId32"/>
     <p:sldId id="288" r:id="rId33"/>
     <p:sldId id="289" r:id="rId34"/>
-    <p:sldId id="290" r:id="rId35"/>
-    <p:sldId id="262" r:id="rId36"/>
-    <p:sldId id="293" r:id="rId37"/>
-    <p:sldId id="294" r:id="rId38"/>
-    <p:sldId id="295" r:id="rId39"/>
-    <p:sldId id="296" r:id="rId40"/>
-    <p:sldId id="300" r:id="rId41"/>
-    <p:sldId id="297" r:id="rId42"/>
-    <p:sldId id="298" r:id="rId43"/>
-    <p:sldId id="299" r:id="rId44"/>
-    <p:sldId id="301" r:id="rId45"/>
-    <p:sldId id="303" r:id="rId46"/>
-    <p:sldId id="302" r:id="rId47"/>
-    <p:sldId id="304" r:id="rId48"/>
-    <p:sldId id="305" r:id="rId49"/>
-    <p:sldId id="264" r:id="rId50"/>
-    <p:sldId id="306" r:id="rId51"/>
-    <p:sldId id="263" r:id="rId52"/>
+    <p:sldId id="293" r:id="rId35"/>
+    <p:sldId id="294" r:id="rId36"/>
+    <p:sldId id="295" r:id="rId37"/>
+    <p:sldId id="296" r:id="rId38"/>
+    <p:sldId id="300" r:id="rId39"/>
+    <p:sldId id="297" r:id="rId40"/>
+    <p:sldId id="298" r:id="rId41"/>
+    <p:sldId id="299" r:id="rId42"/>
+    <p:sldId id="301" r:id="rId43"/>
+    <p:sldId id="303" r:id="rId44"/>
+    <p:sldId id="302" r:id="rId45"/>
+    <p:sldId id="304" r:id="rId46"/>
+    <p:sldId id="305" r:id="rId47"/>
+    <p:sldId id="264" r:id="rId48"/>
+    <p:sldId id="306" r:id="rId49"/>
+    <p:sldId id="263" r:id="rId50"/>
+    <p:sldId id="312" r:id="rId51"/>
   </p:sldIdLst>
   <p:sldSz cx="12192000" cy="6858000"/>
   <p:notesSz cx="6858000" cy="9144000"/>
@@ -198,8 +197,6 @@
             <p14:sldId id="292"/>
             <p14:sldId id="288"/>
             <p14:sldId id="289"/>
-            <p14:sldId id="290"/>
-            <p14:sldId id="262"/>
             <p14:sldId id="293"/>
             <p14:sldId id="294"/>
             <p14:sldId id="295"/>
@@ -216,6 +213,7 @@
             <p14:sldId id="264"/>
             <p14:sldId id="306"/>
             <p14:sldId id="263"/>
+            <p14:sldId id="312"/>
           </p14:sldIdLst>
         </p14:section>
       </p14:sectionLst>
@@ -324,7 +322,7 @@
           <a:p>
             <a:fld id="{7541E3AA-7BE5-4B59-82F5-30F2E5FF0CD3}" type="datetimeFigureOut">
               <a:rPr lang="it-IT" smtClean="0"/>
-              <a:t>23/02/2014</a:t>
+              <a:t>24/02/2014</a:t>
             </a:fld>
             <a:endParaRPr lang="it-IT"/>
           </a:p>
@@ -489,7 +487,7 @@
           <a:p>
             <a:fld id="{1634FCDD-F444-4746-A037-762098AD364A}" type="datetimeFigureOut">
               <a:rPr lang="it-IT" smtClean="0"/>
-              <a:t>23/02/2014</a:t>
+              <a:t>24/02/2014</a:t>
             </a:fld>
             <a:endParaRPr lang="it-IT"/>
           </a:p>
@@ -894,7 +892,7 @@
           <a:bodyPr/>
           <a:lstStyle/>
           <a:p>
-            <a:endParaRPr lang="it-IT" dirty="0" smtClean="0"/>
+            <a:endParaRPr lang="it-IT" dirty="0"/>
           </a:p>
         </p:txBody>
       </p:sp>
@@ -913,15 +911,9 @@
           <a:bodyPr/>
           <a:lstStyle/>
           <a:p>
-            <a:pPr>
-              <a:defRPr/>
-            </a:pPr>
-            <a:fld id="{DE60BAEC-D849-4E5E-BC74-7183D59EFA31}" type="slidenum">
+            <a:fld id="{718782B7-9148-4F32-BDF6-7B43A5BEBC7B}" type="slidenum">
               <a:rPr lang="it-IT" smtClean="0"/>
-              <a:pPr>
-                <a:defRPr/>
-              </a:pPr>
-              <a:t>35</a:t>
+              <a:t>44</a:t>
             </a:fld>
             <a:endParaRPr lang="it-IT"/>
           </a:p>
@@ -930,7 +922,7 @@
     </p:spTree>
     <p:extLst>
       <p:ext uri="{BB962C8B-B14F-4D97-AF65-F5344CB8AC3E}">
-        <p14:creationId xmlns:p14="http://schemas.microsoft.com/office/powerpoint/2010/main" val="1408176758"/>
+        <p14:creationId xmlns:p14="http://schemas.microsoft.com/office/powerpoint/2010/main" val="587204659"/>
       </p:ext>
     </p:extLst>
   </p:cSld>
@@ -1005,7 +997,7 @@
           <a:p>
             <a:fld id="{718782B7-9148-4F32-BDF6-7B43A5BEBC7B}" type="slidenum">
               <a:rPr lang="it-IT" smtClean="0"/>
-              <a:t>46</a:t>
+              <a:t>45</a:t>
             </a:fld>
             <a:endParaRPr lang="it-IT"/>
           </a:p>
@@ -1014,7 +1006,7 @@
     </p:spTree>
     <p:extLst>
       <p:ext uri="{BB962C8B-B14F-4D97-AF65-F5344CB8AC3E}">
-        <p14:creationId xmlns:p14="http://schemas.microsoft.com/office/powerpoint/2010/main" val="587204659"/>
+        <p14:creationId xmlns:p14="http://schemas.microsoft.com/office/powerpoint/2010/main" val="1946759052"/>
       </p:ext>
     </p:extLst>
   </p:cSld>
@@ -1089,91 +1081,7 @@
           <a:p>
             <a:fld id="{718782B7-9148-4F32-BDF6-7B43A5BEBC7B}" type="slidenum">
               <a:rPr lang="it-IT" smtClean="0"/>
-              <a:t>47</a:t>
-            </a:fld>
-            <a:endParaRPr lang="it-IT"/>
-          </a:p>
-        </p:txBody>
-      </p:sp>
-    </p:spTree>
-    <p:extLst>
-      <p:ext uri="{BB962C8B-B14F-4D97-AF65-F5344CB8AC3E}">
-        <p14:creationId xmlns:p14="http://schemas.microsoft.com/office/powerpoint/2010/main" val="1946759052"/>
-      </p:ext>
-    </p:extLst>
-  </p:cSld>
-  <p:clrMapOvr>
-    <a:masterClrMapping/>
-  </p:clrMapOvr>
-</p:notes>
-</file>
-
-<file path=ppt/notesSlides/notesSlide5.xml><?xml version="1.0" encoding="utf-8"?>
-<p:notes xmlns:a="http://schemas.openxmlformats.org/drawingml/2006/main" xmlns:r="http://schemas.openxmlformats.org/officeDocument/2006/relationships" xmlns:p="http://schemas.openxmlformats.org/presentationml/2006/main">
-  <p:cSld>
-    <p:spTree>
-      <p:nvGrpSpPr>
-        <p:cNvPr id="1" name=""/>
-        <p:cNvGrpSpPr/>
-        <p:nvPr/>
-      </p:nvGrpSpPr>
-      <p:grpSpPr>
-        <a:xfrm>
-          <a:off x="0" y="0"/>
-          <a:ext cx="0" cy="0"/>
-          <a:chOff x="0" y="0"/>
-          <a:chExt cx="0" cy="0"/>
-        </a:xfrm>
-      </p:grpSpPr>
-      <p:sp>
-        <p:nvSpPr>
-          <p:cNvPr id="2" name="Slide Image Placeholder 1"/>
-          <p:cNvSpPr>
-            <a:spLocks noGrp="1" noRot="1" noChangeAspect="1"/>
-          </p:cNvSpPr>
-          <p:nvPr>
-            <p:ph type="sldImg"/>
-          </p:nvPr>
-        </p:nvSpPr>
-        <p:spPr/>
-      </p:sp>
-      <p:sp>
-        <p:nvSpPr>
-          <p:cNvPr id="3" name="Notes Placeholder 2"/>
-          <p:cNvSpPr>
-            <a:spLocks noGrp="1"/>
-          </p:cNvSpPr>
-          <p:nvPr>
-            <p:ph type="body" idx="1"/>
-          </p:nvPr>
-        </p:nvSpPr>
-        <p:spPr/>
-        <p:txBody>
-          <a:bodyPr/>
-          <a:lstStyle/>
-          <a:p>
-            <a:endParaRPr lang="it-IT" dirty="0"/>
-          </a:p>
-        </p:txBody>
-      </p:sp>
-      <p:sp>
-        <p:nvSpPr>
-          <p:cNvPr id="4" name="Slide Number Placeholder 3"/>
-          <p:cNvSpPr>
-            <a:spLocks noGrp="1"/>
-          </p:cNvSpPr>
-          <p:nvPr>
-            <p:ph type="sldNum" sz="quarter" idx="10"/>
-          </p:nvPr>
-        </p:nvSpPr>
-        <p:spPr/>
-        <p:txBody>
-          <a:bodyPr/>
-          <a:lstStyle/>
-          <a:p>
-            <a:fld id="{718782B7-9148-4F32-BDF6-7B43A5BEBC7B}" type="slidenum">
-              <a:rPr lang="it-IT" smtClean="0"/>
-              <a:t>48</a:t>
+              <a:t>46</a:t>
             </a:fld>
             <a:endParaRPr lang="it-IT"/>
           </a:p>
@@ -1192,7 +1100,7 @@
 </p:notes>
 </file>
 
-<file path=ppt/notesSlides/notesSlide6.xml><?xml version="1.0" encoding="utf-8"?>
+<file path=ppt/notesSlides/notesSlide5.xml><?xml version="1.0" encoding="utf-8"?>
 <p:notes xmlns:a="http://schemas.openxmlformats.org/drawingml/2006/main" xmlns:r="http://schemas.openxmlformats.org/officeDocument/2006/relationships" xmlns:p="http://schemas.openxmlformats.org/presentationml/2006/main">
   <p:cSld>
     <p:spTree>
@@ -1266,7 +1174,7 @@
           <a:p>
             <a:fld id="{6B6C5E1B-63F6-4CD9-93BD-FBDB130EB2E4}" type="slidenum">
               <a:rPr lang="it-IT" smtClean="0"/>
-              <a:t>51</a:t>
+              <a:t>49</a:t>
             </a:fld>
             <a:endParaRPr lang="it-IT"/>
           </a:p>
@@ -1276,6 +1184,96 @@
     <p:extLst>
       <p:ext uri="{BB962C8B-B14F-4D97-AF65-F5344CB8AC3E}">
         <p14:creationId xmlns:p14="http://schemas.microsoft.com/office/powerpoint/2010/main" val="1562082754"/>
+      </p:ext>
+    </p:extLst>
+  </p:cSld>
+  <p:clrMapOvr>
+    <a:masterClrMapping/>
+  </p:clrMapOvr>
+</p:notes>
+</file>
+
+<file path=ppt/notesSlides/notesSlide6.xml><?xml version="1.0" encoding="utf-8"?>
+<p:notes xmlns:a="http://schemas.openxmlformats.org/drawingml/2006/main" xmlns:r="http://schemas.openxmlformats.org/officeDocument/2006/relationships" xmlns:p="http://schemas.openxmlformats.org/presentationml/2006/main">
+  <p:cSld>
+    <p:spTree>
+      <p:nvGrpSpPr>
+        <p:cNvPr id="1" name=""/>
+        <p:cNvGrpSpPr/>
+        <p:nvPr/>
+      </p:nvGrpSpPr>
+      <p:grpSpPr>
+        <a:xfrm>
+          <a:off x="0" y="0"/>
+          <a:ext cx="0" cy="0"/>
+          <a:chOff x="0" y="0"/>
+          <a:chExt cx="0" cy="0"/>
+        </a:xfrm>
+      </p:grpSpPr>
+      <p:sp>
+        <p:nvSpPr>
+          <p:cNvPr id="2" name="Slide Image Placeholder 1"/>
+          <p:cNvSpPr>
+            <a:spLocks noGrp="1" noRot="1" noChangeAspect="1"/>
+          </p:cNvSpPr>
+          <p:nvPr>
+            <p:ph type="sldImg"/>
+          </p:nvPr>
+        </p:nvSpPr>
+        <p:spPr/>
+      </p:sp>
+      <p:sp>
+        <p:nvSpPr>
+          <p:cNvPr id="3" name="Notes Placeholder 2"/>
+          <p:cNvSpPr>
+            <a:spLocks noGrp="1"/>
+          </p:cNvSpPr>
+          <p:nvPr>
+            <p:ph type="body" idx="1"/>
+          </p:nvPr>
+        </p:nvSpPr>
+        <p:spPr/>
+        <p:txBody>
+          <a:bodyPr/>
+          <a:lstStyle/>
+          <a:p>
+            <a:endParaRPr lang="it-IT" dirty="0" smtClean="0"/>
+          </a:p>
+        </p:txBody>
+      </p:sp>
+      <p:sp>
+        <p:nvSpPr>
+          <p:cNvPr id="4" name="Slide Number Placeholder 3"/>
+          <p:cNvSpPr>
+            <a:spLocks noGrp="1"/>
+          </p:cNvSpPr>
+          <p:nvPr>
+            <p:ph type="sldNum" sz="quarter" idx="10"/>
+          </p:nvPr>
+        </p:nvSpPr>
+        <p:spPr/>
+        <p:txBody>
+          <a:bodyPr/>
+          <a:lstStyle/>
+          <a:p>
+            <a:pPr>
+              <a:defRPr/>
+            </a:pPr>
+            <a:fld id="{DE60BAEC-D849-4E5E-BC74-7183D59EFA31}" type="slidenum">
+              <a:rPr lang="it-IT" smtClean="0"/>
+              <a:pPr>
+                <a:defRPr/>
+              </a:pPr>
+              <a:t>50</a:t>
+            </a:fld>
+            <a:endParaRPr lang="it-IT"/>
+          </a:p>
+        </p:txBody>
+      </p:sp>
+    </p:spTree>
+    <p:extLst>
+      <p:ext uri="{BB962C8B-B14F-4D97-AF65-F5344CB8AC3E}">
+        <p14:creationId xmlns:p14="http://schemas.microsoft.com/office/powerpoint/2010/main" val="3054436943"/>
       </p:ext>
     </p:extLst>
   </p:cSld>
@@ -1712,7 +1710,7 @@
           <a:p>
             <a:fld id="{06D8BB37-67E1-420F-B488-3DE93FA3DF1F}" type="datetimeFigureOut">
               <a:rPr lang="en-US" dirty="0"/>
-              <a:t>2/23/2014</a:t>
+              <a:t>2/24/2014</a:t>
             </a:fld>
             <a:endParaRPr lang="en-US" dirty="0"/>
           </a:p>
@@ -1916,7 +1914,7 @@
           <a:p>
             <a:fld id="{E4B96382-B15D-466F-9E7D-0603461872B7}" type="datetimeFigureOut">
               <a:rPr lang="en-US" dirty="0"/>
-              <a:t>2/23/2014</a:t>
+              <a:t>2/24/2014</a:t>
             </a:fld>
             <a:endParaRPr lang="en-US" dirty="0"/>
           </a:p>
@@ -2172,7 +2170,7 @@
           <a:p>
             <a:fld id="{218672AE-FC7B-40BA-8844-0693A2434617}" type="datetimeFigureOut">
               <a:rPr lang="en-US" dirty="0"/>
-              <a:t>2/23/2014</a:t>
+              <a:t>2/24/2014</a:t>
             </a:fld>
             <a:endParaRPr lang="en-US" dirty="0"/>
           </a:p>
@@ -2416,7 +2414,7 @@
           <a:p>
             <a:fld id="{3568EC8D-9508-4A2C-8FBC-4C089BA52EE5}" type="datetimeFigureOut">
               <a:rPr lang="en-US" dirty="0"/>
-              <a:t>2/23/2014</a:t>
+              <a:t>2/24/2014</a:t>
             </a:fld>
             <a:endParaRPr lang="en-US" dirty="0"/>
           </a:p>
@@ -2741,7 +2739,7 @@
           <a:p>
             <a:fld id="{DB7A1C89-C29A-4D79-B5A1-1F424905E9A1}" type="datetimeFigureOut">
               <a:rPr lang="en-US" dirty="0"/>
-              <a:t>2/23/2014</a:t>
+              <a:t>2/24/2014</a:t>
             </a:fld>
             <a:endParaRPr lang="en-US" dirty="0"/>
           </a:p>
@@ -3105,7 +3103,7 @@
           <a:p>
             <a:fld id="{57ECC248-0691-4AB1-BB8B-882D656FF160}" type="datetimeFigureOut">
               <a:rPr lang="en-US" dirty="0"/>
-              <a:t>2/23/2014</a:t>
+              <a:t>2/24/2014</a:t>
             </a:fld>
             <a:endParaRPr lang="en-US" dirty="0"/>
           </a:p>
@@ -3632,7 +3630,7 @@
           <a:p>
             <a:fld id="{D4E54B09-E178-460F-B46D-023FA9745608}" type="datetimeFigureOut">
               <a:rPr lang="en-US" dirty="0"/>
-              <a:t>2/23/2014</a:t>
+              <a:t>2/24/2014</a:t>
             </a:fld>
             <a:endParaRPr lang="en-US" dirty="0"/>
           </a:p>
@@ -3826,7 +3824,7 @@
           <a:p>
             <a:fld id="{6CD62E06-21B3-4A3D-A6C8-F0DFEB8AB04D}" type="datetimeFigureOut">
               <a:rPr lang="en-US" dirty="0"/>
-              <a:t>2/23/2014</a:t>
+              <a:t>2/24/2014</a:t>
             </a:fld>
             <a:endParaRPr lang="en-US" dirty="0"/>
           </a:p>
@@ -3987,7 +3985,7 @@
           <a:p>
             <a:fld id="{2CC7CC01-41FD-4607-B8B1-976991065B2D}" type="datetimeFigureOut">
               <a:rPr lang="en-US" dirty="0"/>
-              <a:t>2/23/2014</a:t>
+              <a:t>2/24/2014</a:t>
             </a:fld>
             <a:endParaRPr lang="en-US" dirty="0"/>
           </a:p>
@@ -4351,7 +4349,7 @@
           <a:p>
             <a:fld id="{6D6740A7-C153-476A-BA27-5BE657EA7C21}" type="datetimeFigureOut">
               <a:rPr lang="en-US" dirty="0"/>
-              <a:t>2/23/2014</a:t>
+              <a:t>2/24/2014</a:t>
             </a:fld>
             <a:endParaRPr lang="en-US" dirty="0"/>
           </a:p>
@@ -4617,7 +4615,7 @@
           <a:p>
             <a:fld id="{1C86C2EC-F3EA-4AFE-88D7-51A6BBFDBA8B}" type="datetimeFigureOut">
               <a:rPr lang="en-US" dirty="0"/>
-              <a:t>2/23/2014</a:t>
+              <a:t>2/24/2014</a:t>
             </a:fld>
             <a:endParaRPr lang="en-US" dirty="0"/>
           </a:p>
@@ -5011,7 +5009,7 @@
           <a:p>
             <a:fld id="{BF2EAB5F-78EB-45CA-9E26-D1BAA0AA6EEC}" type="datetimeFigureOut">
               <a:rPr lang="en-US" dirty="0"/>
-              <a:t>2/23/2014</a:t>
+              <a:t>2/24/2014</a:t>
             </a:fld>
             <a:endParaRPr lang="en-US" dirty="0"/>
           </a:p>
@@ -5632,11 +5630,7 @@
           <a:p>
             <a:r>
               <a:rPr lang="it-IT" dirty="0" smtClean="0"/>
-              <a:t>guido.pederzini@gmail.com</a:t>
-            </a:r>
-            <a:r>
-              <a:rPr lang="it-IT" dirty="0" smtClean="0"/>
-              <a:t> </a:t>
+              <a:t>guido.pederzini@gmail.com </a:t>
             </a:r>
           </a:p>
           <a:p>
@@ -5644,7 +5638,6 @@
               <a:rPr lang="it-IT" dirty="0" smtClean="0"/>
               <a:t>@_G_P_</a:t>
             </a:r>
-            <a:endParaRPr lang="it-IT" dirty="0" smtClean="0"/>
           </a:p>
         </p:txBody>
       </p:sp>
@@ -8002,7 +7995,7 @@
         <p:spPr/>
         <p:txBody>
           <a:bodyPr>
-            <a:normAutofit lnSpcReduction="10000"/>
+            <a:normAutofit/>
           </a:bodyPr>
           <a:lstStyle/>
           <a:p>
@@ -8075,188 +8068,274 @@
             </a:endParaRPr>
           </a:p>
           <a:p>
-            <a:pPr lvl="0">
+            <a:pPr marL="0" indent="0">
               <a:buNone/>
             </a:pPr>
             <a:r>
               <a:rPr lang="en-US" sz="1200" dirty="0">
-                <a:latin typeface="Lucida Console" pitchFamily="49"/>
-                <a:cs typeface="Consolas" pitchFamily="33"/>
+                <a:solidFill>
+                  <a:srgbClr val="6F008A"/>
+                </a:solidFill>
+                <a:highlight>
+                  <a:srgbClr val="FFFFFF"/>
+                </a:highlight>
+                <a:latin typeface="Consolas" panose="020B0609020204030204" pitchFamily="49" charset="0"/>
               </a:rPr>
               <a:t>_</a:t>
             </a:r>
             <a:r>
               <a:rPr lang="en-US" sz="1200" dirty="0" err="1">
-                <a:latin typeface="Lucida Console" pitchFamily="49"/>
-                <a:cs typeface="Consolas" pitchFamily="33"/>
+                <a:solidFill>
+                  <a:srgbClr val="6F008A"/>
+                </a:solidFill>
+                <a:highlight>
+                  <a:srgbClr val="FFFFFF"/>
+                </a:highlight>
+                <a:latin typeface="Consolas" panose="020B0609020204030204" pitchFamily="49" charset="0"/>
               </a:rPr>
               <a:t>Check_return</a:t>
             </a:r>
             <a:r>
               <a:rPr lang="en-US" sz="1200" dirty="0">
-                <a:latin typeface="Lucida Console" pitchFamily="49"/>
-                <a:cs typeface="Consolas" pitchFamily="33"/>
-              </a:rPr>
-              <a:t>_ </a:t>
+                <a:solidFill>
+                  <a:srgbClr val="6F008A"/>
+                </a:solidFill>
+                <a:highlight>
+                  <a:srgbClr val="FFFFFF"/>
+                </a:highlight>
+                <a:latin typeface="Consolas" panose="020B0609020204030204" pitchFamily="49" charset="0"/>
+              </a:rPr>
+              <a:t>_</a:t>
+            </a:r>
+            <a:r>
+              <a:rPr lang="en-US" sz="1200" dirty="0">
+                <a:solidFill>
+                  <a:srgbClr val="000000"/>
+                </a:solidFill>
+                <a:highlight>
+                  <a:srgbClr val="FFFFFF"/>
+                </a:highlight>
+                <a:latin typeface="Consolas" panose="020B0609020204030204" pitchFamily="49" charset="0"/>
+              </a:rPr>
+              <a:t> </a:t>
             </a:r>
             <a:r>
               <a:rPr lang="en-US" sz="1200" dirty="0" err="1">
-                <a:latin typeface="Lucida Console" pitchFamily="49"/>
-                <a:cs typeface="Consolas" pitchFamily="33"/>
+                <a:solidFill>
+                  <a:srgbClr val="0000FF"/>
+                </a:solidFill>
+                <a:highlight>
+                  <a:srgbClr val="FFFFFF"/>
+                </a:highlight>
+                <a:latin typeface="Consolas" panose="020B0609020204030204" pitchFamily="49" charset="0"/>
               </a:rPr>
               <a:t>int</a:t>
             </a:r>
             <a:r>
               <a:rPr lang="en-US" sz="1200" dirty="0">
-                <a:latin typeface="Lucida Console" pitchFamily="49"/>
-                <a:cs typeface="Consolas" pitchFamily="33"/>
+                <a:solidFill>
+                  <a:srgbClr val="000000"/>
+                </a:solidFill>
+                <a:highlight>
+                  <a:srgbClr val="FFFFFF"/>
+                </a:highlight>
+                <a:latin typeface="Consolas" panose="020B0609020204030204" pitchFamily="49" charset="0"/>
               </a:rPr>
               <a:t> </a:t>
             </a:r>
             <a:r>
               <a:rPr lang="en-US" sz="1200" dirty="0" err="1">
-                <a:latin typeface="Lucida Console" pitchFamily="49"/>
-                <a:cs typeface="Consolas" pitchFamily="33"/>
+                <a:solidFill>
+                  <a:srgbClr val="000000"/>
+                </a:solidFill>
+                <a:highlight>
+                  <a:srgbClr val="FFFFFF"/>
+                </a:highlight>
+                <a:latin typeface="Consolas" panose="020B0609020204030204" pitchFamily="49" charset="0"/>
               </a:rPr>
               <a:t>func_range</a:t>
             </a:r>
             <a:r>
               <a:rPr lang="en-US" sz="1200" dirty="0">
-                <a:latin typeface="Lucida Console" pitchFamily="49"/>
-                <a:cs typeface="Consolas" pitchFamily="33"/>
-              </a:rPr>
-              <a:t>(_</a:t>
+                <a:solidFill>
+                  <a:srgbClr val="000000"/>
+                </a:solidFill>
+                <a:highlight>
+                  <a:srgbClr val="FFFFFF"/>
+                </a:highlight>
+                <a:latin typeface="Consolas" panose="020B0609020204030204" pitchFamily="49" charset="0"/>
+              </a:rPr>
+              <a:t>(</a:t>
+            </a:r>
+            <a:r>
+              <a:rPr lang="en-US" sz="1200" dirty="0">
+                <a:solidFill>
+                  <a:srgbClr val="6F008A"/>
+                </a:solidFill>
+                <a:highlight>
+                  <a:srgbClr val="FFFFFF"/>
+                </a:highlight>
+                <a:latin typeface="Consolas" panose="020B0609020204030204" pitchFamily="49" charset="0"/>
+              </a:rPr>
+              <a:t>_</a:t>
             </a:r>
             <a:r>
               <a:rPr lang="en-US" sz="1200" dirty="0" err="1">
-                <a:latin typeface="Lucida Console" pitchFamily="49"/>
-                <a:cs typeface="Consolas" pitchFamily="33"/>
+                <a:solidFill>
+                  <a:srgbClr val="6F008A"/>
+                </a:solidFill>
+                <a:highlight>
+                  <a:srgbClr val="FFFFFF"/>
+                </a:highlight>
+                <a:latin typeface="Consolas" panose="020B0609020204030204" pitchFamily="49" charset="0"/>
               </a:rPr>
               <a:t>In_range</a:t>
             </a:r>
             <a:r>
               <a:rPr lang="en-US" sz="1200" dirty="0">
-                <a:latin typeface="Lucida Console" pitchFamily="49"/>
-                <a:cs typeface="Consolas" pitchFamily="33"/>
-              </a:rPr>
-              <a:t>_(1, 3) </a:t>
+                <a:solidFill>
+                  <a:srgbClr val="6F008A"/>
+                </a:solidFill>
+                <a:highlight>
+                  <a:srgbClr val="FFFFFF"/>
+                </a:highlight>
+                <a:latin typeface="Consolas" panose="020B0609020204030204" pitchFamily="49" charset="0"/>
+              </a:rPr>
+              <a:t>_</a:t>
+            </a:r>
+            <a:r>
+              <a:rPr lang="en-US" sz="1200" dirty="0">
+                <a:solidFill>
+                  <a:srgbClr val="000000"/>
+                </a:solidFill>
+                <a:highlight>
+                  <a:srgbClr val="FFFFFF"/>
+                </a:highlight>
+                <a:latin typeface="Consolas" panose="020B0609020204030204" pitchFamily="49" charset="0"/>
+              </a:rPr>
+              <a:t>(1, 3) </a:t>
             </a:r>
             <a:r>
               <a:rPr lang="en-US" sz="1200" dirty="0" err="1">
-                <a:latin typeface="Lucida Console" pitchFamily="49"/>
-                <a:cs typeface="Consolas" pitchFamily="33"/>
+                <a:solidFill>
+                  <a:srgbClr val="0000FF"/>
+                </a:solidFill>
+                <a:highlight>
+                  <a:srgbClr val="FFFFFF"/>
+                </a:highlight>
+                <a:latin typeface="Consolas" panose="020B0609020204030204" pitchFamily="49" charset="0"/>
               </a:rPr>
               <a:t>int</a:t>
             </a:r>
             <a:r>
               <a:rPr lang="en-US" sz="1200" dirty="0">
-                <a:latin typeface="Lucida Console" pitchFamily="49"/>
-                <a:cs typeface="Consolas" pitchFamily="33"/>
+                <a:solidFill>
+                  <a:srgbClr val="000000"/>
+                </a:solidFill>
+                <a:highlight>
+                  <a:srgbClr val="FFFFFF"/>
+                </a:highlight>
+                <a:latin typeface="Consolas" panose="020B0609020204030204" pitchFamily="49" charset="0"/>
               </a:rPr>
               <a:t> </a:t>
             </a:r>
             <a:r>
               <a:rPr lang="en-US" sz="1200" dirty="0" err="1">
-                <a:latin typeface="Lucida Console" pitchFamily="49"/>
-                <a:cs typeface="Consolas" pitchFamily="33"/>
+                <a:solidFill>
+                  <a:srgbClr val="808080"/>
+                </a:solidFill>
+                <a:highlight>
+                  <a:srgbClr val="FFFFFF"/>
+                </a:highlight>
+                <a:latin typeface="Consolas" panose="020B0609020204030204" pitchFamily="49" charset="0"/>
               </a:rPr>
               <a:t>val</a:t>
             </a:r>
             <a:r>
-              <a:rPr lang="en-US" sz="1200" dirty="0">
-                <a:latin typeface="Lucida Console" pitchFamily="49"/>
-                <a:cs typeface="Consolas" pitchFamily="33"/>
-              </a:rPr>
-              <a:t>) {return </a:t>
-            </a:r>
-            <a:r>
-              <a:rPr lang="en-US" sz="1200" dirty="0" err="1">
-                <a:latin typeface="Lucida Console" pitchFamily="49"/>
-                <a:cs typeface="Consolas" pitchFamily="33"/>
+              <a:rPr lang="en-US" sz="1200" dirty="0" smtClean="0">
+                <a:solidFill>
+                  <a:srgbClr val="000000"/>
+                </a:solidFill>
+                <a:highlight>
+                  <a:srgbClr val="FFFFFF"/>
+                </a:highlight>
+                <a:latin typeface="Consolas" panose="020B0609020204030204" pitchFamily="49" charset="0"/>
+              </a:rPr>
+              <a:t>) </a:t>
+            </a:r>
+            <a:r>
+              <a:rPr lang="it-IT" sz="1200" dirty="0" smtClean="0">
+                <a:solidFill>
+                  <a:srgbClr val="000000"/>
+                </a:solidFill>
+                <a:highlight>
+                  <a:srgbClr val="FFFFFF"/>
+                </a:highlight>
+                <a:latin typeface="Consolas" panose="020B0609020204030204" pitchFamily="49" charset="0"/>
+              </a:rPr>
+              <a:t>{</a:t>
+            </a:r>
+            <a:r>
+              <a:rPr lang="it-IT" sz="1200" dirty="0" smtClean="0">
+                <a:solidFill>
+                  <a:srgbClr val="0000FF"/>
+                </a:solidFill>
+                <a:highlight>
+                  <a:srgbClr val="FFFFFF"/>
+                </a:highlight>
+                <a:latin typeface="Consolas" panose="020B0609020204030204" pitchFamily="49" charset="0"/>
+              </a:rPr>
+              <a:t>return</a:t>
+            </a:r>
+            <a:r>
+              <a:rPr lang="it-IT" sz="1200" dirty="0" smtClean="0">
+                <a:solidFill>
+                  <a:srgbClr val="000000"/>
+                </a:solidFill>
+                <a:highlight>
+                  <a:srgbClr val="FFFFFF"/>
+                </a:highlight>
+                <a:latin typeface="Consolas" panose="020B0609020204030204" pitchFamily="49" charset="0"/>
+              </a:rPr>
+              <a:t> </a:t>
+            </a:r>
+            <a:r>
+              <a:rPr lang="it-IT" sz="1200" dirty="0">
+                <a:solidFill>
+                  <a:srgbClr val="808080"/>
+                </a:solidFill>
+                <a:highlight>
+                  <a:srgbClr val="FFFFFF"/>
+                </a:highlight>
+                <a:latin typeface="Consolas" panose="020B0609020204030204" pitchFamily="49" charset="0"/>
               </a:rPr>
               <a:t>val</a:t>
             </a:r>
             <a:r>
-              <a:rPr lang="en-US" sz="1200" dirty="0">
-                <a:latin typeface="Lucida Console" pitchFamily="49"/>
-                <a:cs typeface="Consolas" pitchFamily="33"/>
-              </a:rPr>
-              <a:t> *2 ;}</a:t>
-            </a:r>
-            <a:br>
-              <a:rPr lang="en-US" sz="1200" dirty="0">
-                <a:latin typeface="Lucida Console" pitchFamily="49"/>
-                <a:cs typeface="Consolas" pitchFamily="33"/>
-              </a:rPr>
-            </a:br>
-            <a:r>
-              <a:rPr lang="en-US" sz="1200" dirty="0">
-                <a:latin typeface="Lucida Console" pitchFamily="49"/>
-                <a:cs typeface="Consolas" pitchFamily="33"/>
-              </a:rPr>
-              <a:t/>
-            </a:r>
-            <a:br>
-              <a:rPr lang="en-US" sz="1200" dirty="0">
-                <a:latin typeface="Lucida Console" pitchFamily="49"/>
-                <a:cs typeface="Consolas" pitchFamily="33"/>
-              </a:rPr>
-            </a:br>
-            <a:r>
-              <a:rPr lang="en-US" sz="1200" dirty="0">
-                <a:latin typeface="Lucida Console" pitchFamily="49"/>
-                <a:cs typeface="Consolas" pitchFamily="33"/>
-              </a:rPr>
-              <a:t>if(</a:t>
-            </a:r>
-            <a:r>
-              <a:rPr lang="en-US" sz="1200" dirty="0" err="1">
-                <a:latin typeface="Lucida Console" pitchFamily="49"/>
-                <a:cs typeface="Consolas" pitchFamily="33"/>
-              </a:rPr>
-              <a:t>func_range</a:t>
-            </a:r>
-            <a:r>
-              <a:rPr lang="en-US" sz="1200" dirty="0">
-                <a:latin typeface="Lucida Console" pitchFamily="49"/>
-                <a:cs typeface="Consolas" pitchFamily="33"/>
-              </a:rPr>
-              <a:t>(4) &gt; 1</a:t>
-            </a:r>
-            <a:r>
-              <a:rPr lang="en-US" sz="1200" dirty="0" smtClean="0">
-                <a:latin typeface="Lucida Console" pitchFamily="49"/>
-                <a:cs typeface="Consolas" pitchFamily="33"/>
-              </a:rPr>
-              <a:t>) </a:t>
-            </a:r>
-            <a:r>
-              <a:rPr lang="en-US" sz="1200" dirty="0">
-                <a:latin typeface="Lucida Console" pitchFamily="49"/>
-                <a:cs typeface="Consolas" pitchFamily="33"/>
-              </a:rPr>
-              <a:t>{….} // Warning </a:t>
-            </a:r>
-            <a:r>
-              <a:rPr lang="en-US" sz="1200" dirty="0" smtClean="0">
-                <a:latin typeface="Lucida Console" pitchFamily="49"/>
-                <a:cs typeface="Consolas" pitchFamily="33"/>
-              </a:rPr>
-              <a:t>C2802</a:t>
-            </a:r>
-            <a:r>
-              <a:rPr lang="en-US" sz="1200" dirty="0" smtClean="0">
-                <a:latin typeface="Calibri" pitchFamily="34"/>
-                <a:cs typeface="Consolas" pitchFamily="33"/>
-              </a:rPr>
-              <a:t>0</a:t>
-            </a:r>
-          </a:p>
-          <a:p>
-            <a:pPr lvl="0">
-              <a:buNone/>
-            </a:pPr>
-            <a:endParaRPr lang="en-US" sz="1200" dirty="0">
+              <a:rPr lang="it-IT" sz="1200" dirty="0">
+                <a:solidFill>
+                  <a:srgbClr val="000000"/>
+                </a:solidFill>
+                <a:highlight>
+                  <a:srgbClr val="FFFFFF"/>
+                </a:highlight>
+                <a:latin typeface="Consolas" panose="020B0609020204030204" pitchFamily="49" charset="0"/>
+              </a:rPr>
+              <a:t> * 2</a:t>
+            </a:r>
+            <a:r>
+              <a:rPr lang="it-IT" sz="1200" dirty="0" smtClean="0">
+                <a:solidFill>
+                  <a:srgbClr val="000000"/>
+                </a:solidFill>
+                <a:highlight>
+                  <a:srgbClr val="FFFFFF"/>
+                </a:highlight>
+                <a:latin typeface="Consolas" panose="020B0609020204030204" pitchFamily="49" charset="0"/>
+              </a:rPr>
+              <a:t>;}</a:t>
+            </a:r>
+            <a:endParaRPr lang="en-US" sz="1200" dirty="0" smtClean="0">
               <a:latin typeface="Calibri" pitchFamily="34"/>
               <a:cs typeface="Consolas" pitchFamily="33"/>
             </a:endParaRPr>
@@ -9259,11 +9338,11 @@
   <p:clrMapOvr>
     <a:masterClrMapping/>
   </p:clrMapOvr>
-  <mc:AlternateContent xmlns:mc="http://schemas.openxmlformats.org/markup-compatibility/2006">
-    <mc:Choice xmlns:p14="http://schemas.microsoft.com/office/powerpoint/2010/main" Requires="p14">
+  <mc:AlternateContent xmlns:mc="http://schemas.openxmlformats.org/markup-compatibility/2006" xmlns:p14="http://schemas.microsoft.com/office/powerpoint/2010/main">
+    <mc:Choice Requires="p14">
       <p:transition spd="slow" p14:dur="2000"/>
     </mc:Choice>
-    <mc:Fallback>
+    <mc:Fallback xmlns="">
       <p:transition spd="slow"/>
     </mc:Fallback>
   </mc:AlternateContent>
@@ -9440,11 +9519,19 @@
           <a:p>
             <a:r>
               <a:rPr lang="en-US" dirty="0" err="1" smtClean="0"/>
-              <a:t>Accendere</a:t>
-            </a:r>
-            <a:r>
-              <a:rPr lang="en-US" dirty="0" smtClean="0"/>
-              <a:t> I warning come </a:t>
+              <a:t>Considerare</a:t>
+            </a:r>
+            <a:r>
+              <a:rPr lang="en-US" dirty="0" smtClean="0"/>
+              <a:t> </a:t>
+            </a:r>
+            <a:r>
+              <a:rPr lang="en-US" dirty="0" err="1" smtClean="0"/>
+              <a:t>i</a:t>
+            </a:r>
+            <a:r>
+              <a:rPr lang="en-US" dirty="0" smtClean="0"/>
+              <a:t> warnings come </a:t>
             </a:r>
             <a:r>
               <a:rPr lang="en-US" dirty="0" err="1" smtClean="0"/>
@@ -9484,15 +9571,27 @@
             </a:r>
             <a:r>
               <a:rPr lang="en-US" dirty="0" smtClean="0"/>
-              <a:t> problem di </a:t>
-            </a:r>
-            <a:r>
-              <a:rPr lang="en-US" dirty="0" err="1" smtClean="0"/>
-              <a:t>complazione</a:t>
-            </a:r>
-            <a:r>
-              <a:rPr lang="en-US" dirty="0" smtClean="0"/>
-              <a:t> da </a:t>
+              <a:t> </a:t>
+            </a:r>
+            <a:r>
+              <a:rPr lang="en-US" dirty="0" err="1" smtClean="0"/>
+              <a:t>problemi</a:t>
+            </a:r>
+            <a:r>
+              <a:rPr lang="en-US" dirty="0" smtClean="0"/>
+              <a:t> di </a:t>
+            </a:r>
+            <a:r>
+              <a:rPr lang="en-US" dirty="0" err="1" smtClean="0"/>
+              <a:t>compilazione</a:t>
+            </a:r>
+            <a:r>
+              <a:rPr lang="en-US" dirty="0" smtClean="0"/>
+              <a:t> </a:t>
+            </a:r>
+            <a:r>
+              <a:rPr lang="en-US" dirty="0" smtClean="0"/>
+              <a:t>da </a:t>
             </a:r>
             <a:r>
               <a:rPr lang="en-US" dirty="0" err="1" smtClean="0"/>
@@ -9563,7 +9662,15 @@
             </a:r>
             <a:r>
               <a:rPr lang="en-US" dirty="0" smtClean="0"/>
-              <a:t> inutile o </a:t>
+              <a:t> </a:t>
+            </a:r>
+            <a:r>
+              <a:rPr lang="en-US" dirty="0" err="1" smtClean="0"/>
+              <a:t>inutili</a:t>
+            </a:r>
+            <a:r>
+              <a:rPr lang="en-US" dirty="0" smtClean="0"/>
+              <a:t> o </a:t>
             </a:r>
             <a:r>
               <a:rPr lang="en-US" dirty="0" err="1" smtClean="0"/>
@@ -9599,14 +9706,21 @@
             </a:r>
             <a:r>
               <a:rPr lang="en-US" dirty="0" err="1" smtClean="0"/>
-              <a:t>disabiltarli</a:t>
-            </a:r>
-            <a:r>
-              <a:rPr lang="en-US" dirty="0" smtClean="0"/>
-              <a:t> on demand</a:t>
-            </a:r>
-          </a:p>
-          <a:p>
+              <a:t>disabilitarli</a:t>
+            </a:r>
+            <a:r>
+              <a:rPr lang="en-US" dirty="0" smtClean="0"/>
+              <a:t> </a:t>
+            </a:r>
+            <a:r>
+              <a:rPr lang="en-US" dirty="0" smtClean="0"/>
+              <a:t>on demand</a:t>
+            </a:r>
+          </a:p>
+          <a:p>
+            <a:pPr marL="0" indent="0">
+              <a:buNone/>
+            </a:pPr>
             <a:endParaRPr lang="en-US" dirty="0"/>
           </a:p>
           <a:p>
@@ -11371,15 +11485,7 @@
             </a:r>
             <a:r>
               <a:rPr lang="en-US" dirty="0" smtClean="0"/>
-              <a:t> </a:t>
-            </a:r>
-            <a:r>
-              <a:rPr lang="en-US" dirty="0" err="1" smtClean="0"/>
-              <a:t>su</a:t>
-            </a:r>
-            <a:r>
-              <a:rPr lang="en-US" dirty="0" smtClean="0"/>
-              <a:t> I tool di </a:t>
+              <a:t> sui tools di </a:t>
             </a:r>
             <a:r>
               <a:rPr lang="en-US" dirty="0" err="1" smtClean="0"/>
@@ -11945,11 +12051,11 @@
               <a:t> </a:t>
             </a:r>
             <a:r>
-              <a:rPr lang="en-US" dirty="0" err="1"/>
-              <a:t>blianciare</a:t>
-            </a:r>
-            <a:r>
-              <a:rPr lang="en-US" dirty="0"/>
+              <a:rPr lang="en-US" dirty="0" err="1" smtClean="0"/>
+              <a:t>bilanciare</a:t>
+            </a:r>
+            <a:r>
+              <a:rPr lang="en-US" dirty="0" smtClean="0"/>
               <a:t> lo </a:t>
             </a:r>
             <a:r>
@@ -12689,7 +12795,15 @@
           <a:p>
             <a:r>
               <a:rPr lang="it-IT" dirty="0" smtClean="0"/>
-              <a:t>E’ possibile utilzzare un set di rules che determinano alcune diagnostiche sulla sessione di profiling. Tipicamente sono warning o informazioni (sono rari gli errori), ma può esssere configurata la severity. Riportate nella finestra di errori</a:t>
+              <a:t>E’ possibile </a:t>
+            </a:r>
+            <a:r>
+              <a:rPr lang="it-IT" dirty="0" smtClean="0"/>
+              <a:t>utilizzare </a:t>
+            </a:r>
+            <a:r>
+              <a:rPr lang="it-IT" dirty="0" smtClean="0"/>
+              <a:t>un set di rules che determinano alcune diagnostiche sulla sessione di profiling. Tipicamente sono warning o informazioni (sono rari gli errori), ma può esssere configurata la severity. Riportate nella finestra di errori</a:t>
             </a:r>
           </a:p>
           <a:p>
@@ -13037,7 +13151,7 @@
             </a:pPr>
             <a:r>
               <a:rPr lang="en-US" dirty="0" smtClean="0"/>
-              <a:t>A – B – C  (inclusive A++, inclusive B++, inclusive C++, exclusive C ++)</a:t>
+              <a:t>A – B – C  (inclusive A++, inclusive B++, inclusive C++, exclusive C++)</a:t>
             </a:r>
           </a:p>
           <a:p>
@@ -13051,9 +13165,12 @@
             </a:r>
             <a:r>
               <a:rPr lang="en-US" dirty="0"/>
-              <a:t>inclusive A++, inclusive B++, inclusive C++, exclusive C ++)</a:t>
-            </a:r>
-            <a:endParaRPr lang="en-US" dirty="0" smtClean="0"/>
+              <a:t>inclusive A++, inclusive B++, inclusive C++, exclusive </a:t>
+            </a:r>
+            <a:r>
+              <a:rPr lang="en-US" dirty="0" smtClean="0"/>
+              <a:t>C++)</a:t>
+            </a:r>
           </a:p>
           <a:p>
             <a:pPr marL="457200" indent="-457200" algn="just">
@@ -13066,11 +13183,11 @@
             </a:r>
             <a:r>
               <a:rPr lang="en-US" dirty="0"/>
-              <a:t>inclusive A++, inclusive B++, inclusive C++, exclusive C </a:t>
-            </a:r>
-            <a:r>
-              <a:rPr lang="en-US" dirty="0" smtClean="0"/>
-              <a:t>++)</a:t>
+              <a:t>inclusive A++, inclusive B++, inclusive C++, exclusive </a:t>
+            </a:r>
+            <a:r>
+              <a:rPr lang="en-US" dirty="0" smtClean="0"/>
+              <a:t>C++)</a:t>
             </a:r>
           </a:p>
           <a:p>
@@ -13088,7 +13205,7 @@
             </a:r>
             <a:r>
               <a:rPr lang="en-US" dirty="0" smtClean="0"/>
-              <a:t>exclusive B ++)</a:t>
+              <a:t>exclusive B++)</a:t>
             </a:r>
           </a:p>
           <a:p>
@@ -13106,12 +13223,9 @@
             </a:r>
             <a:r>
               <a:rPr lang="en-US" dirty="0" smtClean="0"/>
-              <a:t>exclusive A </a:t>
-            </a:r>
-            <a:r>
-              <a:rPr lang="en-US" dirty="0"/>
-              <a:t>++)</a:t>
-            </a:r>
+              <a:t>exclusive A++)</a:t>
+            </a:r>
+            <a:endParaRPr lang="en-US" dirty="0"/>
           </a:p>
           <a:p>
             <a:pPr marL="457200" lvl="0" indent="-457200" algn="just">
@@ -13333,7 +13447,15 @@
             </a:r>
             <a:r>
               <a:rPr lang="en-US" dirty="0"/>
-              <a:t> in CPU per </a:t>
+              <a:t> </a:t>
+            </a:r>
+            <a:r>
+              <a:rPr lang="en-US" dirty="0" err="1" smtClean="0"/>
+              <a:t>nello</a:t>
+            </a:r>
+            <a:r>
+              <a:rPr lang="en-US" dirty="0" smtClean="0"/>
+              <a:t> stack per </a:t>
             </a:r>
             <a:r>
               <a:rPr lang="en-US" dirty="0" err="1"/>
@@ -13360,13 +13482,10 @@
               <a:t> di </a:t>
             </a:r>
             <a:r>
-              <a:rPr lang="en-US" dirty="0" err="1"/>
+              <a:rPr lang="en-US" dirty="0" err="1" smtClean="0"/>
               <a:t>osservazioni</a:t>
             </a:r>
-            <a:r>
-              <a:rPr lang="en-US" dirty="0"/>
-              <a:t>.</a:t>
-            </a:r>
+            <a:endParaRPr lang="en-US" dirty="0"/>
           </a:p>
           <a:p>
             <a:pPr lvl="0" algn="just"/>
@@ -13684,6 +13803,10 @@
             <a:r>
               <a:rPr lang="en-US" dirty="0" err="1" smtClean="0"/>
               <a:t>soglia</a:t>
+            </a:r>
+            <a:r>
+              <a:rPr lang="en-US" dirty="0" smtClean="0"/>
+              <a:t>)</a:t>
             </a:r>
             <a:endParaRPr lang="en-US" dirty="0" smtClean="0"/>
           </a:p>
@@ -14205,8 +14328,9 @@
             </a:r>
             <a:r>
               <a:rPr lang="en-US" dirty="0" smtClean="0"/>
-              <a:t>performances. </a:t>
-            </a:r>
+              <a:t>performances</a:t>
+            </a:r>
+            <a:endParaRPr lang="en-US" dirty="0" smtClean="0"/>
           </a:p>
           <a:p>
             <a:pPr algn="just"/>
@@ -14330,10 +14454,7 @@
               <a:rPr lang="en-US" dirty="0" err="1" smtClean="0"/>
               <a:t>funzioni</a:t>
             </a:r>
-            <a:r>
-              <a:rPr lang="en-US" dirty="0" smtClean="0"/>
-              <a:t>.</a:t>
-            </a:r>
+            <a:endParaRPr lang="en-US" dirty="0" smtClean="0"/>
           </a:p>
           <a:p>
             <a:pPr lvl="0" algn="just"/>
@@ -14451,10 +14572,6 @@
             <a:r>
               <a:rPr lang="en-US" dirty="0" err="1" smtClean="0"/>
               <a:t>precedente</a:t>
-            </a:r>
-            <a:r>
-              <a:rPr lang="en-US" dirty="0"/>
-              <a:t>.</a:t>
             </a:r>
             <a:endParaRPr lang="en-US" dirty="0" smtClean="0"/>
           </a:p>
@@ -14604,7 +14721,15 @@
             </a:r>
             <a:r>
               <a:rPr lang="en-US" dirty="0" smtClean="0"/>
-              <a:t> I </a:t>
+              <a:t> </a:t>
+            </a:r>
+            <a:r>
+              <a:rPr lang="en-US" dirty="0" err="1" smtClean="0"/>
+              <a:t>i</a:t>
+            </a:r>
+            <a:r>
+              <a:rPr lang="en-US" dirty="0" smtClean="0"/>
+              <a:t> </a:t>
             </a:r>
             <a:r>
               <a:rPr lang="en-US" dirty="0" err="1" smtClean="0"/>
@@ -14748,7 +14873,7 @@
             </a:r>
             <a:r>
               <a:rPr lang="en-US" dirty="0" smtClean="0"/>
-              <a:t> di instrumentation </a:t>
+              <a:t> di instrumentation</a:t>
             </a:r>
             <a:r>
               <a:rPr lang="en-US" sz="2300" dirty="0" smtClean="0"/>
@@ -15356,11 +15481,11 @@
             </a:r>
             <a:r>
               <a:rPr lang="en-US" dirty="0" smtClean="0"/>
-              <a:t> </a:t>
-            </a:r>
-            <a:r>
-              <a:rPr lang="en-US" dirty="0" err="1" smtClean="0"/>
-              <a:t>l’evento</a:t>
+              <a:t> un </a:t>
+            </a:r>
+            <a:r>
+              <a:rPr lang="en-US" dirty="0" err="1" smtClean="0"/>
+              <a:t>evento</a:t>
             </a:r>
             <a:r>
               <a:rPr lang="en-US" dirty="0" smtClean="0"/>
@@ -15446,7 +15571,7 @@
             </a:r>
             <a:r>
               <a:rPr lang="en-US" dirty="0" smtClean="0"/>
-              <a:t> thread </a:t>
+              <a:t> secondo thread </a:t>
             </a:r>
             <a:r>
               <a:rPr lang="en-US" dirty="0" err="1" smtClean="0"/>
@@ -15454,31 +15579,31 @@
             </a:r>
             <a:r>
               <a:rPr lang="en-US" dirty="0" smtClean="0"/>
-              <a:t> </a:t>
-            </a:r>
-            <a:r>
-              <a:rPr lang="en-US" dirty="0" err="1" smtClean="0"/>
-              <a:t>acqusisce</a:t>
-            </a:r>
-            <a:r>
-              <a:rPr lang="en-US" dirty="0" smtClean="0"/>
-              <a:t> la </a:t>
-            </a:r>
-            <a:r>
-              <a:rPr lang="en-US" dirty="0" err="1" smtClean="0"/>
-              <a:t>risorsa</a:t>
-            </a:r>
-            <a:r>
-              <a:rPr lang="en-US" dirty="0" smtClean="0"/>
-              <a:t> per primo è lo </a:t>
-            </a:r>
-            <a:r>
-              <a:rPr lang="en-US" dirty="0" err="1" smtClean="0"/>
-              <a:t>stesso</a:t>
-            </a:r>
-            <a:r>
-              <a:rPr lang="en-US" dirty="0" smtClean="0"/>
-              <a:t> thread di cui </a:t>
+              <a:t> parte è </a:t>
+            </a:r>
+            <a:r>
+              <a:rPr lang="en-US" dirty="0" err="1" smtClean="0"/>
+              <a:t>anche</a:t>
+            </a:r>
+            <a:r>
+              <a:rPr lang="en-US" dirty="0" smtClean="0"/>
+              <a:t> </a:t>
+            </a:r>
+            <a:r>
+              <a:rPr lang="en-US" dirty="0" err="1" smtClean="0"/>
+              <a:t>il</a:t>
+            </a:r>
+            <a:r>
+              <a:rPr lang="en-US" dirty="0" smtClean="0"/>
+              <a:t> primo </a:t>
+            </a:r>
+            <a:r>
+              <a:rPr lang="en-US" dirty="0" err="1" smtClean="0"/>
+              <a:t>che</a:t>
+            </a:r>
+            <a:r>
+              <a:rPr lang="en-US" dirty="0" smtClean="0"/>
+              <a:t> </a:t>
             </a:r>
             <a:r>
               <a:rPr lang="en-US" dirty="0" err="1" smtClean="0"/>
@@ -15490,228 +15615,164 @@
             </a:r>
             <a:r>
               <a:rPr lang="en-US" dirty="0" err="1" smtClean="0"/>
-              <a:t>attesa</a:t>
-            </a:r>
-            <a:r>
-              <a:rPr lang="en-US" dirty="0" smtClean="0"/>
-              <a:t> la </a:t>
-            </a:r>
-            <a:r>
-              <a:rPr lang="en-US" dirty="0" err="1" smtClean="0"/>
-              <a:t>terminazione</a:t>
-            </a:r>
-            <a:r>
-              <a:rPr lang="en-US" dirty="0" smtClean="0"/>
-              <a:t> dal </a:t>
-            </a:r>
-            <a:r>
-              <a:rPr lang="en-US" dirty="0" err="1" smtClean="0"/>
-              <a:t>trhead</a:t>
-            </a:r>
-            <a:r>
-              <a:rPr lang="en-US" dirty="0" smtClean="0"/>
-              <a:t> </a:t>
-            </a:r>
-            <a:r>
-              <a:rPr lang="en-US" dirty="0" err="1" smtClean="0"/>
-              <a:t>principale</a:t>
+              <a:t>atteso</a:t>
+            </a:r>
+            <a:r>
+              <a:rPr lang="en-US" dirty="0" smtClean="0"/>
+              <a:t> dal main</a:t>
+            </a:r>
+          </a:p>
+          <a:p>
+            <a:pPr lvl="1" algn="just"/>
+            <a:r>
+              <a:rPr lang="en-US" dirty="0" err="1" smtClean="0"/>
+              <a:t>Doppia</a:t>
+            </a:r>
+            <a:r>
+              <a:rPr lang="en-US" dirty="0" smtClean="0"/>
+              <a:t> contention: </a:t>
+            </a:r>
+            <a:r>
+              <a:rPr lang="en-US" dirty="0" err="1" smtClean="0"/>
+              <a:t>quando</a:t>
+            </a:r>
+            <a:r>
+              <a:rPr lang="en-US" dirty="0" smtClean="0"/>
+              <a:t> </a:t>
+            </a:r>
+            <a:r>
+              <a:rPr lang="en-US" dirty="0" err="1" smtClean="0"/>
+              <a:t>il</a:t>
+            </a:r>
+            <a:r>
+              <a:rPr lang="en-US" dirty="0" smtClean="0"/>
+              <a:t> secondo thread </a:t>
+            </a:r>
+            <a:r>
+              <a:rPr lang="en-US" dirty="0" err="1" smtClean="0"/>
+              <a:t>che</a:t>
+            </a:r>
+            <a:r>
+              <a:rPr lang="en-US" dirty="0" smtClean="0"/>
+              <a:t> parte è </a:t>
+            </a:r>
+            <a:r>
+              <a:rPr lang="en-US" dirty="0" err="1" smtClean="0"/>
+              <a:t>il</a:t>
+            </a:r>
+            <a:r>
+              <a:rPr lang="en-US" dirty="0" smtClean="0"/>
+              <a:t> secondo </a:t>
+            </a:r>
+            <a:r>
+              <a:rPr lang="en-US" dirty="0" err="1" smtClean="0"/>
+              <a:t>che</a:t>
+            </a:r>
+            <a:r>
+              <a:rPr lang="en-US" dirty="0" smtClean="0"/>
+              <a:t> </a:t>
+            </a:r>
+            <a:r>
+              <a:rPr lang="en-US" dirty="0" err="1" smtClean="0"/>
+              <a:t>viene</a:t>
+            </a:r>
+            <a:r>
+              <a:rPr lang="en-US" dirty="0" smtClean="0"/>
+              <a:t> </a:t>
+            </a:r>
+            <a:r>
+              <a:rPr lang="en-US" dirty="0" err="1" smtClean="0"/>
+              <a:t>atteso</a:t>
+            </a:r>
+            <a:r>
+              <a:rPr lang="en-US" dirty="0" smtClean="0"/>
+              <a:t> dal main. In </a:t>
+            </a:r>
+            <a:r>
+              <a:rPr lang="en-US" dirty="0" err="1" smtClean="0"/>
+              <a:t>questo</a:t>
+            </a:r>
+            <a:r>
+              <a:rPr lang="en-US" dirty="0" smtClean="0"/>
+              <a:t> </a:t>
+            </a:r>
+            <a:r>
+              <a:rPr lang="en-US" dirty="0" err="1" smtClean="0"/>
+              <a:t>caso</a:t>
+            </a:r>
+            <a:r>
+              <a:rPr lang="en-US" dirty="0" smtClean="0"/>
+              <a:t> </a:t>
+            </a:r>
+            <a:r>
+              <a:rPr lang="en-US" dirty="0" err="1" smtClean="0"/>
+              <a:t>si</a:t>
+            </a:r>
+            <a:r>
+              <a:rPr lang="en-US" dirty="0" smtClean="0"/>
+              <a:t> nota </a:t>
+            </a:r>
+            <a:r>
+              <a:rPr lang="en-US" dirty="0" err="1" smtClean="0"/>
+              <a:t>che</a:t>
+            </a:r>
+            <a:r>
+              <a:rPr lang="en-US" dirty="0" smtClean="0"/>
+              <a:t> </a:t>
+            </a:r>
+            <a:r>
+              <a:rPr lang="en-US" dirty="0" err="1" smtClean="0"/>
+              <a:t>il</a:t>
+            </a:r>
+            <a:r>
+              <a:rPr lang="en-US" dirty="0" smtClean="0"/>
+              <a:t> main e </a:t>
+            </a:r>
+            <a:r>
+              <a:rPr lang="en-US" dirty="0" err="1" smtClean="0"/>
+              <a:t>il</a:t>
+            </a:r>
+            <a:r>
+              <a:rPr lang="en-US" dirty="0" smtClean="0"/>
+              <a:t> worker thread </a:t>
+            </a:r>
+            <a:r>
+              <a:rPr lang="en-US" dirty="0" err="1" smtClean="0"/>
+              <a:t>sono</a:t>
+            </a:r>
+            <a:r>
+              <a:rPr lang="en-US" dirty="0" smtClean="0"/>
+              <a:t> </a:t>
+            </a:r>
+            <a:r>
+              <a:rPr lang="en-US" dirty="0" err="1" smtClean="0"/>
+              <a:t>bloccati</a:t>
+            </a:r>
+            <a:r>
+              <a:rPr lang="en-US" dirty="0" smtClean="0"/>
+              <a:t> </a:t>
+            </a:r>
+            <a:r>
+              <a:rPr lang="en-US" dirty="0" err="1" smtClean="0"/>
+              <a:t>entrambi</a:t>
+            </a:r>
+            <a:r>
+              <a:rPr lang="en-US" dirty="0" smtClean="0"/>
+              <a:t> </a:t>
+            </a:r>
+            <a:r>
+              <a:rPr lang="en-US" dirty="0" err="1" smtClean="0"/>
+              <a:t>sullo</a:t>
+            </a:r>
+            <a:r>
+              <a:rPr lang="en-US" dirty="0" smtClean="0"/>
+              <a:t> </a:t>
+            </a:r>
+            <a:r>
+              <a:rPr lang="en-US" dirty="0" smtClean="0"/>
+              <a:t>sleep</a:t>
             </a:r>
             <a:endParaRPr lang="en-US" dirty="0" smtClean="0"/>
-          </a:p>
-          <a:p>
-            <a:pPr lvl="1" algn="just"/>
-            <a:r>
-              <a:rPr lang="en-US" dirty="0" err="1" smtClean="0"/>
-              <a:t>Doppia</a:t>
-            </a:r>
-            <a:r>
-              <a:rPr lang="en-US" dirty="0" smtClean="0"/>
-              <a:t> contention: </a:t>
-            </a:r>
-            <a:r>
-              <a:rPr lang="en-US" dirty="0" err="1" smtClean="0"/>
-              <a:t>quando</a:t>
-            </a:r>
-            <a:r>
-              <a:rPr lang="en-US" dirty="0" smtClean="0"/>
-              <a:t> </a:t>
-            </a:r>
-            <a:r>
-              <a:rPr lang="en-US" dirty="0" err="1" smtClean="0"/>
-              <a:t>il</a:t>
-            </a:r>
-            <a:r>
-              <a:rPr lang="en-US" dirty="0" smtClean="0"/>
-              <a:t> thread </a:t>
-            </a:r>
-            <a:r>
-              <a:rPr lang="en-US" dirty="0" err="1" smtClean="0"/>
-              <a:t>che</a:t>
-            </a:r>
-            <a:r>
-              <a:rPr lang="en-US" dirty="0" smtClean="0"/>
-              <a:t> </a:t>
-            </a:r>
-            <a:r>
-              <a:rPr lang="en-US" dirty="0" err="1" smtClean="0"/>
-              <a:t>acqusisce</a:t>
-            </a:r>
-            <a:r>
-              <a:rPr lang="en-US" dirty="0" smtClean="0"/>
-              <a:t> per primo la </a:t>
-            </a:r>
-            <a:r>
-              <a:rPr lang="en-US" dirty="0" err="1" smtClean="0"/>
-              <a:t>risorsa</a:t>
-            </a:r>
-            <a:r>
-              <a:rPr lang="en-US" dirty="0" smtClean="0"/>
-              <a:t> non è </a:t>
-            </a:r>
-            <a:r>
-              <a:rPr lang="en-US" dirty="0" err="1" smtClean="0"/>
-              <a:t>il</a:t>
-            </a:r>
-            <a:r>
-              <a:rPr lang="en-US" dirty="0" smtClean="0"/>
-              <a:t> thread </a:t>
-            </a:r>
-            <a:r>
-              <a:rPr lang="en-US" dirty="0" err="1" smtClean="0"/>
-              <a:t>che</a:t>
-            </a:r>
-            <a:r>
-              <a:rPr lang="en-US" dirty="0" smtClean="0"/>
-              <a:t> </a:t>
-            </a:r>
-            <a:r>
-              <a:rPr lang="en-US" dirty="0" err="1" smtClean="0"/>
-              <a:t>viene</a:t>
-            </a:r>
-            <a:r>
-              <a:rPr lang="en-US" dirty="0" smtClean="0"/>
-              <a:t> </a:t>
-            </a:r>
-            <a:r>
-              <a:rPr lang="en-US" dirty="0" err="1" smtClean="0"/>
-              <a:t>atteso</a:t>
-            </a:r>
-            <a:r>
-              <a:rPr lang="en-US" dirty="0" smtClean="0"/>
-              <a:t> per primo. In </a:t>
-            </a:r>
-            <a:r>
-              <a:rPr lang="en-US" dirty="0" err="1" smtClean="0"/>
-              <a:t>questo</a:t>
-            </a:r>
-            <a:r>
-              <a:rPr lang="en-US" dirty="0" smtClean="0"/>
-              <a:t> </a:t>
-            </a:r>
-            <a:r>
-              <a:rPr lang="en-US" dirty="0" err="1" smtClean="0"/>
-              <a:t>caso</a:t>
-            </a:r>
-            <a:r>
-              <a:rPr lang="en-US" dirty="0" smtClean="0"/>
-              <a:t> </a:t>
-            </a:r>
-            <a:r>
-              <a:rPr lang="en-US" dirty="0" err="1" smtClean="0"/>
-              <a:t>abbiamo</a:t>
-            </a:r>
-            <a:r>
-              <a:rPr lang="en-US" dirty="0" smtClean="0"/>
-              <a:t> due entry </a:t>
-            </a:r>
-            <a:r>
-              <a:rPr lang="en-US" dirty="0" err="1" smtClean="0"/>
-              <a:t>nel</a:t>
-            </a:r>
-            <a:r>
-              <a:rPr lang="en-US" dirty="0" smtClean="0"/>
-              <a:t> profiler, </a:t>
-            </a:r>
-            <a:r>
-              <a:rPr lang="en-US" dirty="0" err="1" smtClean="0"/>
-              <a:t>una</a:t>
-            </a:r>
-            <a:r>
-              <a:rPr lang="en-US" dirty="0" smtClean="0"/>
-              <a:t> </a:t>
-            </a:r>
-            <a:r>
-              <a:rPr lang="en-US" dirty="0" err="1" smtClean="0"/>
-              <a:t>relativa</a:t>
-            </a:r>
-            <a:r>
-              <a:rPr lang="en-US" dirty="0" smtClean="0"/>
-              <a:t> al main </a:t>
-            </a:r>
-            <a:r>
-              <a:rPr lang="en-US" dirty="0" err="1" smtClean="0"/>
-              <a:t>che</a:t>
-            </a:r>
-            <a:r>
-              <a:rPr lang="en-US" dirty="0" smtClean="0"/>
-              <a:t> </a:t>
-            </a:r>
-            <a:r>
-              <a:rPr lang="en-US" dirty="0" err="1" smtClean="0"/>
-              <a:t>si</a:t>
-            </a:r>
-            <a:r>
-              <a:rPr lang="en-US" dirty="0" smtClean="0"/>
-              <a:t> </a:t>
-            </a:r>
-            <a:r>
-              <a:rPr lang="en-US" dirty="0" err="1" smtClean="0"/>
-              <a:t>joina</a:t>
-            </a:r>
-            <a:r>
-              <a:rPr lang="en-US" dirty="0" smtClean="0"/>
-              <a:t> </a:t>
-            </a:r>
-            <a:r>
-              <a:rPr lang="en-US" dirty="0" err="1" smtClean="0"/>
-              <a:t>sul</a:t>
-            </a:r>
-            <a:r>
-              <a:rPr lang="en-US" dirty="0" smtClean="0"/>
-              <a:t> secondo thread, </a:t>
-            </a:r>
-            <a:r>
-              <a:rPr lang="en-US" dirty="0" err="1" smtClean="0"/>
-              <a:t>il</a:t>
-            </a:r>
-            <a:r>
-              <a:rPr lang="en-US" dirty="0" smtClean="0"/>
-              <a:t> quale è </a:t>
-            </a:r>
-            <a:r>
-              <a:rPr lang="en-US" dirty="0" err="1" smtClean="0"/>
-              <a:t>bloccato</a:t>
-            </a:r>
-            <a:r>
-              <a:rPr lang="en-US" dirty="0" smtClean="0"/>
-              <a:t> </a:t>
-            </a:r>
-            <a:r>
-              <a:rPr lang="en-US" dirty="0" err="1" smtClean="0"/>
-              <a:t>dalla</a:t>
-            </a:r>
-            <a:r>
-              <a:rPr lang="en-US" dirty="0" smtClean="0"/>
-              <a:t> </a:t>
-            </a:r>
-            <a:r>
-              <a:rPr lang="en-US" dirty="0" err="1" smtClean="0"/>
-              <a:t>terminazione</a:t>
-            </a:r>
-            <a:r>
-              <a:rPr lang="en-US" dirty="0" smtClean="0"/>
-              <a:t> del primo thread</a:t>
-            </a:r>
           </a:p>
         </p:txBody>
       </p:sp>
@@ -15811,19 +15872,11 @@
             <a:pPr lvl="0" algn="just"/>
             <a:r>
               <a:rPr lang="en-US" dirty="0" err="1" smtClean="0"/>
-              <a:t>Nei</a:t>
-            </a:r>
-            <a:r>
-              <a:rPr lang="en-US" dirty="0" smtClean="0"/>
-              <a:t> </a:t>
-            </a:r>
-            <a:r>
-              <a:rPr lang="en-US" dirty="0" err="1" smtClean="0"/>
-              <a:t>rapporti</a:t>
-            </a:r>
-            <a:r>
-              <a:rPr lang="en-US" dirty="0" smtClean="0"/>
-              <a:t> 19/20/21/22 </a:t>
+              <a:t>Nel</a:t>
+            </a:r>
+            <a:r>
+              <a:rPr lang="en-US" dirty="0" smtClean="0"/>
+              <a:t> report CDays14-8 </a:t>
             </a:r>
             <a:r>
               <a:rPr lang="en-US" dirty="0" err="1" smtClean="0"/>
@@ -15831,22 +15884,6 @@
             </a:r>
             <a:r>
               <a:rPr lang="en-US" dirty="0" smtClean="0"/>
-              <a:t> I </a:t>
-            </a:r>
-            <a:r>
-              <a:rPr lang="en-US" dirty="0" err="1" smtClean="0"/>
-              <a:t>seguenti</a:t>
-            </a:r>
-            <a:r>
-              <a:rPr lang="en-US" dirty="0" smtClean="0"/>
-              <a:t> </a:t>
-            </a:r>
-            <a:r>
-              <a:rPr lang="en-US" dirty="0" err="1" smtClean="0"/>
-              <a:t>casi</a:t>
-            </a:r>
-            <a:r>
-              <a:rPr lang="en-US" dirty="0" smtClean="0"/>
               <a:t>:</a:t>
             </a:r>
           </a:p>
@@ -15854,20 +15891,27 @@
             <a:pPr lvl="1" algn="just"/>
             <a:r>
               <a:rPr lang="en-US" dirty="0" smtClean="0"/>
-              <a:t>Thread t1 con wait di 17 sec </a:t>
+              <a:t>Thread t1 con sleep di 2 sec </a:t>
             </a:r>
           </a:p>
           <a:p>
             <a:pPr lvl="1" algn="just"/>
             <a:r>
               <a:rPr lang="en-US" dirty="0" smtClean="0"/>
-              <a:t>Thread t2 con wait di 10 sec</a:t>
+              <a:t>Thread t2 con sleep di 10 sec</a:t>
             </a:r>
           </a:p>
           <a:p>
             <a:pPr lvl="1" algn="just"/>
             <a:r>
               <a:rPr lang="en-US" dirty="0" smtClean="0"/>
+              <a:t>Join a t2</a:t>
+            </a:r>
+          </a:p>
+          <a:p>
+            <a:pPr lvl="1" algn="just"/>
+            <a:r>
+              <a:rPr lang="en-US" dirty="0" smtClean="0"/>
               <a:t>Join a t1</a:t>
             </a:r>
           </a:p>
@@ -15875,33 +15919,63 @@
             <a:pPr lvl="1" algn="just"/>
             <a:r>
               <a:rPr lang="en-US" dirty="0" smtClean="0"/>
-              <a:t>Join a t2</a:t>
+              <a:t>Contention 1, per </a:t>
+            </a:r>
+            <a:r>
+              <a:rPr lang="en-US" dirty="0" err="1" smtClean="0"/>
+              <a:t>il</a:t>
+            </a:r>
+            <a:r>
+              <a:rPr lang="en-US" dirty="0" smtClean="0"/>
+              <a:t> thread t2 di 10 sec</a:t>
+            </a:r>
+          </a:p>
+          <a:p>
+            <a:pPr lvl="0" algn="just"/>
+            <a:r>
+              <a:rPr lang="en-US" dirty="0" err="1"/>
+              <a:t>Nel</a:t>
+            </a:r>
+            <a:r>
+              <a:rPr lang="en-US" dirty="0"/>
+              <a:t> report </a:t>
+            </a:r>
+            <a:r>
+              <a:rPr lang="en-US" dirty="0" smtClean="0"/>
+              <a:t>CDays14-9 </a:t>
+            </a:r>
+            <a:r>
+              <a:rPr lang="en-US" dirty="0" err="1"/>
+              <a:t>abbiamo</a:t>
+            </a:r>
+            <a:r>
+              <a:rPr lang="en-US" dirty="0"/>
+              <a:t>:</a:t>
             </a:r>
           </a:p>
           <a:p>
             <a:pPr lvl="1" algn="just"/>
             <a:r>
-              <a:rPr lang="en-US" dirty="0" smtClean="0"/>
-              <a:t>Contention ? Tempo di </a:t>
-            </a:r>
-            <a:r>
-              <a:rPr lang="en-US" dirty="0" err="1" smtClean="0"/>
-              <a:t>bloccaggio</a:t>
-            </a:r>
-            <a:r>
-              <a:rPr lang="en-US" dirty="0" smtClean="0"/>
-              <a:t> ?</a:t>
-            </a:r>
-          </a:p>
-          <a:p>
-            <a:pPr lvl="0" algn="just"/>
-            <a:r>
-              <a:rPr lang="en-US" dirty="0"/>
-              <a:t> </a:t>
-            </a:r>
-            <a:r>
-              <a:rPr lang="en-US" dirty="0" err="1" smtClean="0"/>
-              <a:t>Oppure</a:t>
+              <a:rPr lang="en-US" dirty="0"/>
+              <a:t>Thread t1 con sleep di 2 sec </a:t>
+            </a:r>
+          </a:p>
+          <a:p>
+            <a:pPr lvl="1" algn="just"/>
+            <a:r>
+              <a:rPr lang="en-US" dirty="0"/>
+              <a:t>Thread t2 con sleep di 10 sec</a:t>
+            </a:r>
+          </a:p>
+          <a:p>
+            <a:pPr lvl="1" algn="just"/>
+            <a:r>
+              <a:rPr lang="en-US" dirty="0"/>
+              <a:t>Join a </a:t>
+            </a:r>
+            <a:r>
+              <a:rPr lang="en-US" dirty="0" smtClean="0"/>
+              <a:t>t1</a:t>
             </a:r>
             <a:endParaRPr lang="en-US" dirty="0"/>
           </a:p>
@@ -15909,64 +15983,53 @@
             <a:pPr lvl="1" algn="just"/>
             <a:r>
               <a:rPr lang="en-US" dirty="0"/>
-              <a:t>Thread t1 con wait di 17 sec </a:t>
-            </a:r>
+              <a:t>Join a </a:t>
+            </a:r>
+            <a:r>
+              <a:rPr lang="en-US" dirty="0" smtClean="0"/>
+              <a:t>t2</a:t>
+            </a:r>
+            <a:endParaRPr lang="en-US" dirty="0"/>
           </a:p>
           <a:p>
             <a:pPr lvl="1" algn="just"/>
             <a:r>
               <a:rPr lang="en-US" dirty="0"/>
-              <a:t>Thread t2 con wait di 10 sec</a:t>
-            </a:r>
-          </a:p>
-          <a:p>
-            <a:pPr lvl="1" algn="just"/>
-            <a:r>
-              <a:rPr lang="en-US" dirty="0"/>
-              <a:t>Join a </a:t>
-            </a:r>
-            <a:r>
-              <a:rPr lang="en-US" dirty="0" smtClean="0"/>
-              <a:t>t2</a:t>
+              <a:t>Contention </a:t>
+            </a:r>
+            <a:r>
+              <a:rPr lang="en-US" dirty="0" smtClean="0"/>
+              <a:t>2, 1 per </a:t>
+            </a:r>
+            <a:r>
+              <a:rPr lang="en-US" dirty="0" err="1"/>
+              <a:t>il</a:t>
+            </a:r>
+            <a:r>
+              <a:rPr lang="en-US" dirty="0"/>
+              <a:t> thread t2 di 10 </a:t>
+            </a:r>
+            <a:r>
+              <a:rPr lang="en-US" dirty="0" smtClean="0"/>
+              <a:t>sec, 1 per </a:t>
+            </a:r>
+            <a:r>
+              <a:rPr lang="en-US" dirty="0" err="1" smtClean="0"/>
+              <a:t>il</a:t>
+            </a:r>
+            <a:r>
+              <a:rPr lang="en-US" dirty="0" smtClean="0"/>
+              <a:t> main </a:t>
+            </a:r>
+            <a:r>
+              <a:rPr lang="en-US" dirty="0" err="1" smtClean="0"/>
+              <a:t>sempre</a:t>
+            </a:r>
+            <a:r>
+              <a:rPr lang="en-US" smtClean="0"/>
+              <a:t> di  10 sec</a:t>
             </a:r>
             <a:endParaRPr lang="en-US" dirty="0"/>
-          </a:p>
-          <a:p>
-            <a:pPr lvl="1" algn="just"/>
-            <a:r>
-              <a:rPr lang="en-US" dirty="0"/>
-              <a:t>Join </a:t>
-            </a:r>
-            <a:r>
-              <a:rPr lang="en-US"/>
-              <a:t>a </a:t>
-            </a:r>
-            <a:r>
-              <a:rPr lang="en-US" smtClean="0"/>
-              <a:t>t1</a:t>
-            </a:r>
-            <a:endParaRPr lang="en-US" dirty="0"/>
-          </a:p>
-          <a:p>
-            <a:pPr lvl="1" algn="just"/>
-            <a:r>
-              <a:rPr lang="en-US" dirty="0"/>
-              <a:t>Contention ? Tempo di </a:t>
-            </a:r>
-            <a:r>
-              <a:rPr lang="en-US" dirty="0" err="1"/>
-              <a:t>bloccaggio</a:t>
-            </a:r>
-            <a:r>
-              <a:rPr lang="en-US" dirty="0"/>
-              <a:t> ?</a:t>
-            </a:r>
-          </a:p>
-          <a:p>
-            <a:pPr marL="274320" lvl="1" indent="0" algn="just">
-              <a:buNone/>
-            </a:pPr>
-            <a:endParaRPr lang="en-US" dirty="0" smtClean="0"/>
           </a:p>
         </p:txBody>
       </p:sp>
@@ -16074,27 +16137,194 @@
             </a:r>
             <a:r>
               <a:rPr lang="en-US" dirty="0" err="1" smtClean="0"/>
-              <a:t>sono</a:t>
-            </a:r>
-            <a:r>
-              <a:rPr lang="en-US" dirty="0" smtClean="0"/>
-              <a:t> </a:t>
-            </a:r>
-            <a:r>
-              <a:rPr lang="en-US" dirty="0" err="1" smtClean="0"/>
-              <a:t>abbatanza</a:t>
-            </a:r>
-            <a:r>
-              <a:rPr lang="en-US" dirty="0" smtClean="0"/>
-              <a:t> </a:t>
-            </a:r>
-            <a:r>
-              <a:rPr lang="en-US" dirty="0" err="1" smtClean="0"/>
-              <a:t>simili</a:t>
-            </a:r>
-            <a:r>
-              <a:rPr lang="en-US" dirty="0" smtClean="0"/>
-              <a:t> </a:t>
+              <a:t>condividono</a:t>
+            </a:r>
+            <a:r>
+              <a:rPr lang="en-US" dirty="0" smtClean="0"/>
+              <a:t> le </a:t>
+            </a:r>
+            <a:r>
+              <a:rPr lang="en-US" dirty="0" err="1" smtClean="0"/>
+              <a:t>varie</a:t>
+            </a:r>
+            <a:r>
+              <a:rPr lang="en-US" dirty="0" smtClean="0"/>
+              <a:t> view</a:t>
+            </a:r>
+          </a:p>
+          <a:p>
+            <a:pPr lvl="0" algn="just"/>
+            <a:r>
+              <a:rPr lang="en-US" dirty="0" smtClean="0"/>
+              <a:t>Summary view: </a:t>
+            </a:r>
+            <a:r>
+              <a:rPr lang="en-US" dirty="0" err="1" smtClean="0"/>
+              <a:t>grafico</a:t>
+            </a:r>
+            <a:r>
+              <a:rPr lang="en-US" dirty="0" smtClean="0"/>
+              <a:t> di </a:t>
+            </a:r>
+            <a:r>
+              <a:rPr lang="en-US" dirty="0" err="1" smtClean="0"/>
+              <a:t>utilizzo</a:t>
+            </a:r>
+            <a:r>
+              <a:rPr lang="en-US" dirty="0" smtClean="0"/>
+              <a:t> CPU </a:t>
+            </a:r>
+            <a:r>
+              <a:rPr lang="en-US" dirty="0" err="1" smtClean="0"/>
+              <a:t>nel</a:t>
+            </a:r>
+            <a:r>
+              <a:rPr lang="en-US" dirty="0" smtClean="0"/>
+              <a:t> tempo di </a:t>
+            </a:r>
+            <a:r>
+              <a:rPr lang="en-US" dirty="0" err="1" smtClean="0"/>
+              <a:t>profilazione</a:t>
+            </a:r>
+            <a:r>
+              <a:rPr lang="en-US" dirty="0" smtClean="0"/>
+              <a:t>. </a:t>
+            </a:r>
+            <a:r>
+              <a:rPr lang="en-US" dirty="0" err="1" smtClean="0"/>
+              <a:t>Possibilità</a:t>
+            </a:r>
+            <a:r>
+              <a:rPr lang="en-US" dirty="0" smtClean="0"/>
+              <a:t> di fare zoom e </a:t>
+            </a:r>
+            <a:r>
+              <a:rPr lang="en-US" dirty="0" err="1" smtClean="0"/>
+              <a:t>avere</a:t>
+            </a:r>
+            <a:r>
+              <a:rPr lang="en-US" dirty="0" smtClean="0"/>
+              <a:t> </a:t>
+            </a:r>
+            <a:r>
+              <a:rPr lang="en-US" dirty="0" err="1" smtClean="0"/>
+              <a:t>il</a:t>
+            </a:r>
+            <a:r>
+              <a:rPr lang="en-US" dirty="0" smtClean="0"/>
+              <a:t> summary </a:t>
+            </a:r>
+            <a:r>
+              <a:rPr lang="en-US" dirty="0" err="1" smtClean="0"/>
+              <a:t>della</a:t>
+            </a:r>
+            <a:r>
+              <a:rPr lang="en-US" dirty="0" smtClean="0"/>
+              <a:t> sola parte </a:t>
+            </a:r>
+            <a:r>
+              <a:rPr lang="en-US" dirty="0" err="1" smtClean="0"/>
+              <a:t>selezionata</a:t>
+            </a:r>
+            <a:endParaRPr lang="en-US" dirty="0" smtClean="0"/>
+          </a:p>
+          <a:p>
+            <a:pPr lvl="0" algn="just"/>
+            <a:r>
+              <a:rPr lang="en-US" dirty="0" err="1" smtClean="0"/>
+              <a:t>Ogni</a:t>
+            </a:r>
+            <a:r>
+              <a:rPr lang="en-US" dirty="0" smtClean="0"/>
+              <a:t> </a:t>
+            </a:r>
+            <a:r>
+              <a:rPr lang="en-US" dirty="0" err="1" smtClean="0"/>
+              <a:t>funzione</a:t>
+            </a:r>
+            <a:r>
+              <a:rPr lang="en-US" dirty="0" smtClean="0"/>
+              <a:t> </a:t>
+            </a:r>
+            <a:r>
+              <a:rPr lang="en-US" dirty="0" err="1" smtClean="0"/>
+              <a:t>che</a:t>
+            </a:r>
+            <a:r>
+              <a:rPr lang="en-US" dirty="0" smtClean="0"/>
+              <a:t> </a:t>
+            </a:r>
+            <a:r>
+              <a:rPr lang="en-US" dirty="0" err="1" smtClean="0"/>
+              <a:t>appare</a:t>
+            </a:r>
+            <a:r>
+              <a:rPr lang="en-US" dirty="0" smtClean="0"/>
+              <a:t> </a:t>
+            </a:r>
+            <a:r>
+              <a:rPr lang="en-US" dirty="0" err="1" smtClean="0"/>
+              <a:t>nel</a:t>
+            </a:r>
+            <a:r>
+              <a:rPr lang="en-US" dirty="0" smtClean="0"/>
+              <a:t> summary è </a:t>
+            </a:r>
+            <a:r>
+              <a:rPr lang="en-US" dirty="0" err="1" smtClean="0"/>
+              <a:t>cliccabile</a:t>
+            </a:r>
+            <a:r>
+              <a:rPr lang="en-US" dirty="0" smtClean="0"/>
+              <a:t>. Con </a:t>
+            </a:r>
+            <a:r>
+              <a:rPr lang="en-US" dirty="0" err="1" smtClean="0"/>
+              <a:t>tasto</a:t>
+            </a:r>
+            <a:r>
+              <a:rPr lang="en-US" dirty="0" smtClean="0"/>
+              <a:t> </a:t>
+            </a:r>
+            <a:r>
+              <a:rPr lang="en-US" dirty="0" err="1" smtClean="0"/>
+              <a:t>destro</a:t>
+            </a:r>
+            <a:r>
+              <a:rPr lang="en-US" dirty="0" smtClean="0"/>
+              <a:t> è </a:t>
+            </a:r>
+            <a:r>
+              <a:rPr lang="en-US" dirty="0" err="1" smtClean="0"/>
+              <a:t>possibile</a:t>
+            </a:r>
+            <a:r>
+              <a:rPr lang="en-US" dirty="0" smtClean="0"/>
+              <a:t> </a:t>
+            </a:r>
+            <a:r>
+              <a:rPr lang="en-US" dirty="0" err="1" smtClean="0"/>
+              <a:t>avere</a:t>
+            </a:r>
+            <a:r>
+              <a:rPr lang="en-US" dirty="0" smtClean="0"/>
+              <a:t> </a:t>
+            </a:r>
+            <a:r>
+              <a:rPr lang="en-US" dirty="0" err="1" smtClean="0"/>
+              <a:t>altre</a:t>
+            </a:r>
+            <a:r>
+              <a:rPr lang="en-US" dirty="0" smtClean="0"/>
+              <a:t> </a:t>
+            </a:r>
+            <a:r>
+              <a:rPr lang="en-US" dirty="0" err="1" smtClean="0"/>
+              <a:t>opzioni</a:t>
+            </a:r>
+            <a:r>
+              <a:rPr lang="en-US" dirty="0" smtClean="0"/>
+              <a:t>, </a:t>
             </a:r>
             <a:r>
               <a:rPr lang="en-US" dirty="0" err="1" smtClean="0"/>
@@ -16102,11 +16332,27 @@
             </a:r>
             <a:r>
               <a:rPr lang="en-US" dirty="0" smtClean="0"/>
-              <a:t> </a:t>
-            </a:r>
-            <a:r>
-              <a:rPr lang="en-US" dirty="0" err="1" smtClean="0"/>
-              <a:t>loro</a:t>
+              <a:t> cui </a:t>
+            </a:r>
+            <a:r>
+              <a:rPr lang="en-US" dirty="0" err="1" smtClean="0"/>
+              <a:t>raggiungere</a:t>
+            </a:r>
+            <a:r>
+              <a:rPr lang="en-US" dirty="0" smtClean="0"/>
+              <a:t> </a:t>
+            </a:r>
+            <a:r>
+              <a:rPr lang="en-US" dirty="0" err="1" smtClean="0"/>
+              <a:t>il</a:t>
+            </a:r>
+            <a:r>
+              <a:rPr lang="en-US" dirty="0" smtClean="0"/>
+              <a:t> </a:t>
+            </a:r>
+            <a:r>
+              <a:rPr lang="en-US" dirty="0" err="1" smtClean="0"/>
+              <a:t>sorgente</a:t>
             </a:r>
             <a:endParaRPr lang="en-US" dirty="0" smtClean="0"/>
           </a:p>
@@ -16114,11 +16360,114 @@
             <a:pPr lvl="0" algn="just"/>
             <a:r>
               <a:rPr lang="en-US" dirty="0" smtClean="0"/>
-              <a:t>Summary view: </a:t>
-            </a:r>
-            <a:r>
-              <a:rPr lang="en-US" dirty="0" err="1" smtClean="0"/>
-              <a:t>grafico</a:t>
+              <a:t> </a:t>
+            </a:r>
+            <a:r>
+              <a:rPr lang="en-US" dirty="0" err="1" smtClean="0"/>
+              <a:t>Sempre</a:t>
+            </a:r>
+            <a:r>
+              <a:rPr lang="en-US" dirty="0" smtClean="0"/>
+              <a:t> dal summary </a:t>
+            </a:r>
+            <a:r>
+              <a:rPr lang="en-US" dirty="0" err="1" smtClean="0"/>
+              <a:t>raggiungiamo</a:t>
+            </a:r>
+            <a:r>
+              <a:rPr lang="en-US" dirty="0" smtClean="0"/>
+              <a:t>:</a:t>
+            </a:r>
+          </a:p>
+          <a:p>
+            <a:pPr lvl="1" algn="just"/>
+            <a:r>
+              <a:rPr lang="en-US" dirty="0" smtClean="0"/>
+              <a:t>Show Trimmed Call Tree : </a:t>
+            </a:r>
+            <a:r>
+              <a:rPr lang="en-US" dirty="0" err="1" smtClean="0"/>
+              <a:t>vediamo</a:t>
+            </a:r>
+            <a:r>
+              <a:rPr lang="en-US" dirty="0" smtClean="0"/>
+              <a:t> </a:t>
+            </a:r>
+            <a:r>
+              <a:rPr lang="en-US" dirty="0" err="1" smtClean="0"/>
+              <a:t>nella</a:t>
+            </a:r>
+            <a:r>
+              <a:rPr lang="en-US" dirty="0" smtClean="0"/>
+              <a:t> vista “Call Tree” le </a:t>
+            </a:r>
+            <a:r>
+              <a:rPr lang="en-US" dirty="0" err="1" smtClean="0"/>
+              <a:t>parti</a:t>
+            </a:r>
+            <a:r>
+              <a:rPr lang="en-US" dirty="0" smtClean="0"/>
+              <a:t> </a:t>
+            </a:r>
+            <a:r>
+              <a:rPr lang="en-US" dirty="0" err="1" smtClean="0"/>
+              <a:t>più</a:t>
+            </a:r>
+            <a:r>
+              <a:rPr lang="en-US" dirty="0" smtClean="0"/>
+              <a:t> </a:t>
+            </a:r>
+            <a:r>
+              <a:rPr lang="en-US" dirty="0" err="1" smtClean="0"/>
+              <a:t>costose</a:t>
+            </a:r>
+            <a:r>
+              <a:rPr lang="en-US" dirty="0" smtClean="0"/>
+              <a:t>, </a:t>
+            </a:r>
+            <a:r>
+              <a:rPr lang="en-US" dirty="0" err="1" smtClean="0"/>
+              <a:t>indichiamo</a:t>
+            </a:r>
+            <a:r>
+              <a:rPr lang="en-US" dirty="0" smtClean="0"/>
+              <a:t> </a:t>
+            </a:r>
+            <a:r>
+              <a:rPr lang="en-US" dirty="0" err="1" smtClean="0"/>
+              <a:t>l’hot</a:t>
+            </a:r>
+            <a:r>
+              <a:rPr lang="en-US" dirty="0" smtClean="0"/>
+              <a:t> path e </a:t>
+            </a:r>
+            <a:r>
+              <a:rPr lang="en-US" dirty="0" err="1" smtClean="0"/>
+              <a:t>possiamo</a:t>
+            </a:r>
+            <a:r>
+              <a:rPr lang="en-US" dirty="0" smtClean="0"/>
+              <a:t> </a:t>
+            </a:r>
+            <a:r>
+              <a:rPr lang="en-US" dirty="0" err="1" smtClean="0"/>
+              <a:t>filtrare</a:t>
+            </a:r>
+            <a:r>
+              <a:rPr lang="en-US" dirty="0" smtClean="0"/>
+              <a:t> le entry </a:t>
+            </a:r>
+            <a:r>
+              <a:rPr lang="en-US" dirty="0" err="1" smtClean="0"/>
+              <a:t>che</a:t>
+            </a:r>
+            <a:r>
+              <a:rPr lang="en-US" dirty="0" smtClean="0"/>
+              <a:t> </a:t>
+            </a:r>
+            <a:r>
+              <a:rPr lang="en-US" dirty="0" err="1" smtClean="0"/>
+              <a:t>riteniamo</a:t>
             </a:r>
             <a:r>
               <a:rPr lang="en-US" dirty="0" smtClean="0"/>
@@ -16126,83 +16475,117 @@
             </a:r>
             <a:r>
               <a:rPr lang="en-US" dirty="0" err="1" smtClean="0"/>
-              <a:t>utilizzo</a:t>
-            </a:r>
-            <a:r>
-              <a:rPr lang="en-US" dirty="0" smtClean="0"/>
-              <a:t> CPU </a:t>
-            </a:r>
-            <a:r>
-              <a:rPr lang="en-US" dirty="0" err="1" smtClean="0"/>
-              <a:t>nel</a:t>
-            </a:r>
-            <a:r>
-              <a:rPr lang="en-US" dirty="0" smtClean="0"/>
-              <a:t> tempo di </a:t>
-            </a:r>
-            <a:r>
-              <a:rPr lang="en-US" dirty="0" err="1" smtClean="0"/>
-              <a:t>profilazione</a:t>
-            </a:r>
-            <a:r>
-              <a:rPr lang="en-US" dirty="0" smtClean="0"/>
-              <a:t>. </a:t>
-            </a:r>
-            <a:r>
-              <a:rPr lang="en-US" dirty="0" err="1" smtClean="0"/>
-              <a:t>Possibilità</a:t>
-            </a:r>
-            <a:r>
-              <a:rPr lang="en-US" dirty="0" smtClean="0"/>
-              <a:t> di fare zoom e </a:t>
-            </a:r>
-            <a:r>
-              <a:rPr lang="en-US" dirty="0" err="1" smtClean="0"/>
-              <a:t>avere</a:t>
-            </a:r>
-            <a:r>
-              <a:rPr lang="en-US" dirty="0" smtClean="0"/>
-              <a:t> </a:t>
-            </a:r>
-            <a:r>
-              <a:rPr lang="en-US" dirty="0" err="1" smtClean="0"/>
-              <a:t>il</a:t>
-            </a:r>
-            <a:r>
-              <a:rPr lang="en-US" dirty="0" smtClean="0"/>
-              <a:t> summary </a:t>
-            </a:r>
-            <a:r>
-              <a:rPr lang="en-US" dirty="0" err="1" smtClean="0"/>
-              <a:t>della</a:t>
-            </a:r>
-            <a:r>
-              <a:rPr lang="en-US" dirty="0" smtClean="0"/>
-              <a:t> sola parte </a:t>
-            </a:r>
-            <a:r>
-              <a:rPr lang="en-US" dirty="0" err="1" smtClean="0"/>
-              <a:t>selezionata</a:t>
-            </a:r>
-            <a:endParaRPr lang="en-US" dirty="0" smtClean="0"/>
-          </a:p>
-          <a:p>
-            <a:pPr lvl="0" algn="just"/>
-            <a:r>
-              <a:rPr lang="en-US" dirty="0" err="1" smtClean="0"/>
-              <a:t>Ogni</a:t>
-            </a:r>
-            <a:r>
-              <a:rPr lang="en-US" dirty="0" smtClean="0"/>
-              <a:t> </a:t>
-            </a:r>
-            <a:r>
-              <a:rPr lang="en-US" dirty="0" err="1" smtClean="0"/>
-              <a:t>funzione</a:t>
-            </a:r>
-            <a:r>
-              <a:rPr lang="en-US" dirty="0" smtClean="0"/>
-              <a:t> </a:t>
+              <a:t>poco</a:t>
+            </a:r>
+            <a:r>
+              <a:rPr lang="en-US" dirty="0" smtClean="0"/>
+              <a:t> </a:t>
+            </a:r>
+            <a:r>
+              <a:rPr lang="en-US" dirty="0" err="1" smtClean="0"/>
+              <a:t>interesse</a:t>
+            </a:r>
+            <a:endParaRPr lang="en-US" dirty="0"/>
+          </a:p>
+          <a:p>
+            <a:pPr lvl="1" algn="just"/>
+            <a:r>
+              <a:rPr lang="en-US" dirty="0" smtClean="0"/>
+              <a:t>Show hot lines: </a:t>
+            </a:r>
+            <a:r>
+              <a:rPr lang="en-US" dirty="0" err="1" smtClean="0"/>
+              <a:t>vediamo</a:t>
+            </a:r>
+            <a:r>
+              <a:rPr lang="en-US" dirty="0" smtClean="0"/>
+              <a:t> </a:t>
+            </a:r>
+            <a:r>
+              <a:rPr lang="en-US" dirty="0" err="1" smtClean="0"/>
+              <a:t>nella</a:t>
+            </a:r>
+            <a:r>
+              <a:rPr lang="en-US" dirty="0" smtClean="0"/>
+              <a:t> vista “Lines” le </a:t>
+            </a:r>
+            <a:r>
+              <a:rPr lang="en-US" dirty="0" err="1" smtClean="0"/>
+              <a:t>linee</a:t>
+            </a:r>
+            <a:r>
+              <a:rPr lang="en-US" dirty="0" smtClean="0"/>
+              <a:t> di </a:t>
+            </a:r>
+            <a:r>
+              <a:rPr lang="en-US" dirty="0" err="1" smtClean="0"/>
+              <a:t>codice</a:t>
+            </a:r>
+            <a:r>
+              <a:rPr lang="en-US" dirty="0" smtClean="0"/>
+              <a:t> </a:t>
+            </a:r>
+            <a:r>
+              <a:rPr lang="en-US" dirty="0" err="1" smtClean="0"/>
+              <a:t>più</a:t>
+            </a:r>
+            <a:r>
+              <a:rPr lang="en-US" dirty="0" smtClean="0"/>
+              <a:t> </a:t>
+            </a:r>
+            <a:r>
+              <a:rPr lang="en-US" dirty="0" err="1" smtClean="0"/>
+              <a:t>costose</a:t>
+            </a:r>
+            <a:r>
+              <a:rPr lang="en-US" dirty="0" smtClean="0"/>
+              <a:t>. Non </a:t>
+            </a:r>
+            <a:r>
+              <a:rPr lang="en-US" dirty="0" err="1" smtClean="0"/>
+              <a:t>disponibile</a:t>
+            </a:r>
+            <a:r>
+              <a:rPr lang="en-US" dirty="0" smtClean="0"/>
+              <a:t> in instrumentation.</a:t>
+            </a:r>
+          </a:p>
+          <a:p>
+            <a:pPr lvl="1" algn="just"/>
+            <a:r>
+              <a:rPr lang="en-US" dirty="0" smtClean="0"/>
+              <a:t>Export Report Data: .csv o .xml</a:t>
+            </a:r>
+          </a:p>
+          <a:p>
+            <a:pPr lvl="1" algn="just"/>
+            <a:r>
+              <a:rPr lang="en-US" dirty="0" smtClean="0"/>
+              <a:t>Save Analyzed Report: </a:t>
+            </a:r>
+            <a:r>
+              <a:rPr lang="en-US" dirty="0" err="1" smtClean="0"/>
+              <a:t>salva</a:t>
+            </a:r>
+            <a:r>
+              <a:rPr lang="en-US" dirty="0" smtClean="0"/>
+              <a:t> in </a:t>
+            </a:r>
+            <a:r>
+              <a:rPr lang="en-US" dirty="0" err="1" smtClean="0"/>
+              <a:t>formato</a:t>
+            </a:r>
+            <a:r>
+              <a:rPr lang="en-US" dirty="0" smtClean="0"/>
+              <a:t> .</a:t>
+            </a:r>
+            <a:r>
+              <a:rPr lang="en-US" dirty="0" err="1" smtClean="0"/>
+              <a:t>vsps</a:t>
+            </a:r>
+            <a:r>
+              <a:rPr lang="en-US" dirty="0" smtClean="0"/>
+              <a:t>, </a:t>
             </a:r>
             <a:r>
               <a:rPr lang="en-US" dirty="0" err="1" smtClean="0"/>
@@ -16214,339 +16597,6 @@
             </a:r>
             <a:r>
               <a:rPr lang="en-US" dirty="0" err="1" smtClean="0"/>
-              <a:t>appare</a:t>
-            </a:r>
-            <a:r>
-              <a:rPr lang="en-US" dirty="0" smtClean="0"/>
-              <a:t> </a:t>
-            </a:r>
-            <a:r>
-              <a:rPr lang="en-US" dirty="0" err="1" smtClean="0"/>
-              <a:t>nel</a:t>
-            </a:r>
-            <a:r>
-              <a:rPr lang="en-US" dirty="0" smtClean="0"/>
-              <a:t> summary è </a:t>
-            </a:r>
-            <a:r>
-              <a:rPr lang="en-US" dirty="0" err="1" smtClean="0"/>
-              <a:t>cliccabile</a:t>
-            </a:r>
-            <a:r>
-              <a:rPr lang="en-US" dirty="0" smtClean="0"/>
-              <a:t>. Con </a:t>
-            </a:r>
-            <a:r>
-              <a:rPr lang="en-US" dirty="0" err="1" smtClean="0"/>
-              <a:t>tasto</a:t>
-            </a:r>
-            <a:r>
-              <a:rPr lang="en-US" dirty="0" smtClean="0"/>
-              <a:t> destroy è </a:t>
-            </a:r>
-            <a:r>
-              <a:rPr lang="en-US" dirty="0" err="1" smtClean="0"/>
-              <a:t>possibile</a:t>
-            </a:r>
-            <a:r>
-              <a:rPr lang="en-US" dirty="0" smtClean="0"/>
-              <a:t> </a:t>
-            </a:r>
-            <a:r>
-              <a:rPr lang="en-US" dirty="0" err="1" smtClean="0"/>
-              <a:t>avere</a:t>
-            </a:r>
-            <a:r>
-              <a:rPr lang="en-US" dirty="0" smtClean="0"/>
-              <a:t> </a:t>
-            </a:r>
-            <a:r>
-              <a:rPr lang="en-US" dirty="0" err="1" smtClean="0"/>
-              <a:t>altre</a:t>
-            </a:r>
-            <a:r>
-              <a:rPr lang="en-US" dirty="0" smtClean="0"/>
-              <a:t> </a:t>
-            </a:r>
-            <a:r>
-              <a:rPr lang="en-US" dirty="0" err="1" smtClean="0"/>
-              <a:t>opzioni</a:t>
-            </a:r>
-            <a:r>
-              <a:rPr lang="en-US" dirty="0" smtClean="0"/>
-              <a:t>, </a:t>
-            </a:r>
-            <a:r>
-              <a:rPr lang="en-US" dirty="0" err="1" smtClean="0"/>
-              <a:t>fra</a:t>
-            </a:r>
-            <a:r>
-              <a:rPr lang="en-US" dirty="0" smtClean="0"/>
-              <a:t> cui </a:t>
-            </a:r>
-            <a:r>
-              <a:rPr lang="en-US" dirty="0" err="1" smtClean="0"/>
-              <a:t>raggiungere</a:t>
-            </a:r>
-            <a:r>
-              <a:rPr lang="en-US" dirty="0" smtClean="0"/>
-              <a:t> </a:t>
-            </a:r>
-            <a:r>
-              <a:rPr lang="en-US" dirty="0" err="1" smtClean="0"/>
-              <a:t>il</a:t>
-            </a:r>
-            <a:r>
-              <a:rPr lang="en-US" dirty="0" smtClean="0"/>
-              <a:t> </a:t>
-            </a:r>
-            <a:r>
-              <a:rPr lang="en-US" dirty="0" err="1" smtClean="0"/>
-              <a:t>sorgente</a:t>
-            </a:r>
-            <a:endParaRPr lang="en-US" dirty="0" smtClean="0"/>
-          </a:p>
-          <a:p>
-            <a:pPr lvl="0" algn="just"/>
-            <a:r>
-              <a:rPr lang="en-US" dirty="0" smtClean="0"/>
-              <a:t> </a:t>
-            </a:r>
-            <a:r>
-              <a:rPr lang="en-US" dirty="0" err="1" smtClean="0"/>
-              <a:t>Sempre</a:t>
-            </a:r>
-            <a:r>
-              <a:rPr lang="en-US" dirty="0" smtClean="0"/>
-              <a:t> dal summary </a:t>
-            </a:r>
-            <a:r>
-              <a:rPr lang="en-US" dirty="0" err="1" smtClean="0"/>
-              <a:t>raggiungiamo</a:t>
-            </a:r>
-            <a:r>
-              <a:rPr lang="en-US" dirty="0" smtClean="0"/>
-              <a:t>:</a:t>
-            </a:r>
-          </a:p>
-          <a:p>
-            <a:pPr lvl="1" algn="just"/>
-            <a:r>
-              <a:rPr lang="en-US" dirty="0" smtClean="0"/>
-              <a:t>Show Trimmed Call Tree : </a:t>
-            </a:r>
-            <a:r>
-              <a:rPr lang="en-US" dirty="0" err="1" smtClean="0"/>
-              <a:t>vediamo</a:t>
-            </a:r>
-            <a:r>
-              <a:rPr lang="en-US" dirty="0" smtClean="0"/>
-              <a:t> </a:t>
-            </a:r>
-            <a:r>
-              <a:rPr lang="en-US" dirty="0" err="1" smtClean="0"/>
-              <a:t>nella</a:t>
-            </a:r>
-            <a:r>
-              <a:rPr lang="en-US" dirty="0" smtClean="0"/>
-              <a:t> vista “Call Tree” le </a:t>
-            </a:r>
-            <a:r>
-              <a:rPr lang="en-US" dirty="0" err="1" smtClean="0"/>
-              <a:t>parti</a:t>
-            </a:r>
-            <a:r>
-              <a:rPr lang="en-US" dirty="0" smtClean="0"/>
-              <a:t> </a:t>
-            </a:r>
-            <a:r>
-              <a:rPr lang="en-US" dirty="0" err="1" smtClean="0"/>
-              <a:t>più</a:t>
-            </a:r>
-            <a:r>
-              <a:rPr lang="en-US" dirty="0" smtClean="0"/>
-              <a:t> </a:t>
-            </a:r>
-            <a:r>
-              <a:rPr lang="en-US" dirty="0" err="1" smtClean="0"/>
-              <a:t>costose</a:t>
-            </a:r>
-            <a:r>
-              <a:rPr lang="en-US" dirty="0" smtClean="0"/>
-              <a:t>, </a:t>
-            </a:r>
-            <a:r>
-              <a:rPr lang="en-US" dirty="0" err="1" smtClean="0"/>
-              <a:t>indichiamo</a:t>
-            </a:r>
-            <a:r>
-              <a:rPr lang="en-US" dirty="0" smtClean="0"/>
-              <a:t> </a:t>
-            </a:r>
-            <a:r>
-              <a:rPr lang="en-US" dirty="0" err="1" smtClean="0"/>
-              <a:t>l’hot</a:t>
-            </a:r>
-            <a:r>
-              <a:rPr lang="en-US" dirty="0" smtClean="0"/>
-              <a:t> path e </a:t>
-            </a:r>
-            <a:r>
-              <a:rPr lang="en-US" dirty="0" err="1" smtClean="0"/>
-              <a:t>possiamo</a:t>
-            </a:r>
-            <a:r>
-              <a:rPr lang="en-US" dirty="0" smtClean="0"/>
-              <a:t> </a:t>
-            </a:r>
-            <a:r>
-              <a:rPr lang="en-US" dirty="0" err="1" smtClean="0"/>
-              <a:t>filtrare</a:t>
-            </a:r>
-            <a:r>
-              <a:rPr lang="en-US" dirty="0" smtClean="0"/>
-              <a:t> le entry </a:t>
-            </a:r>
-            <a:r>
-              <a:rPr lang="en-US" dirty="0" err="1" smtClean="0"/>
-              <a:t>che</a:t>
-            </a:r>
-            <a:r>
-              <a:rPr lang="en-US" dirty="0" smtClean="0"/>
-              <a:t> </a:t>
-            </a:r>
-            <a:r>
-              <a:rPr lang="en-US" dirty="0" err="1" smtClean="0"/>
-              <a:t>riteniamo</a:t>
-            </a:r>
-            <a:r>
-              <a:rPr lang="en-US" dirty="0" smtClean="0"/>
-              <a:t> di </a:t>
-            </a:r>
-            <a:r>
-              <a:rPr lang="en-US" dirty="0" err="1" smtClean="0"/>
-              <a:t>poco</a:t>
-            </a:r>
-            <a:r>
-              <a:rPr lang="en-US" dirty="0" smtClean="0"/>
-              <a:t> </a:t>
-            </a:r>
-            <a:r>
-              <a:rPr lang="en-US" dirty="0" err="1" smtClean="0"/>
-              <a:t>interesse</a:t>
-            </a:r>
-            <a:endParaRPr lang="en-US" dirty="0"/>
-          </a:p>
-          <a:p>
-            <a:pPr lvl="1" algn="just"/>
-            <a:r>
-              <a:rPr lang="en-US" dirty="0" smtClean="0"/>
-              <a:t>Show hot lines: </a:t>
-            </a:r>
-            <a:r>
-              <a:rPr lang="en-US" dirty="0" err="1" smtClean="0"/>
-              <a:t>vediamo</a:t>
-            </a:r>
-            <a:r>
-              <a:rPr lang="en-US" dirty="0" smtClean="0"/>
-              <a:t> </a:t>
-            </a:r>
-            <a:r>
-              <a:rPr lang="en-US" dirty="0" err="1" smtClean="0"/>
-              <a:t>nella</a:t>
-            </a:r>
-            <a:r>
-              <a:rPr lang="en-US" dirty="0" smtClean="0"/>
-              <a:t> vista “Lines” le </a:t>
-            </a:r>
-            <a:r>
-              <a:rPr lang="en-US" dirty="0" err="1" smtClean="0"/>
-              <a:t>linee</a:t>
-            </a:r>
-            <a:r>
-              <a:rPr lang="en-US" dirty="0" smtClean="0"/>
-              <a:t> di </a:t>
-            </a:r>
-            <a:r>
-              <a:rPr lang="en-US" dirty="0" err="1" smtClean="0"/>
-              <a:t>codice</a:t>
-            </a:r>
-            <a:r>
-              <a:rPr lang="en-US" dirty="0" smtClean="0"/>
-              <a:t> </a:t>
-            </a:r>
-            <a:r>
-              <a:rPr lang="en-US" dirty="0" err="1" smtClean="0"/>
-              <a:t>più</a:t>
-            </a:r>
-            <a:r>
-              <a:rPr lang="en-US" dirty="0" smtClean="0"/>
-              <a:t> </a:t>
-            </a:r>
-            <a:r>
-              <a:rPr lang="en-US" dirty="0" err="1" smtClean="0"/>
-              <a:t>costose</a:t>
-            </a:r>
-            <a:r>
-              <a:rPr lang="en-US" dirty="0" smtClean="0"/>
-              <a:t>. Non </a:t>
-            </a:r>
-            <a:r>
-              <a:rPr lang="en-US" dirty="0" err="1" smtClean="0"/>
-              <a:t>disponibile</a:t>
-            </a:r>
-            <a:r>
-              <a:rPr lang="en-US" dirty="0" smtClean="0"/>
-              <a:t> in instrumentation.</a:t>
-            </a:r>
-          </a:p>
-          <a:p>
-            <a:pPr lvl="1" algn="just"/>
-            <a:r>
-              <a:rPr lang="en-US" dirty="0" smtClean="0"/>
-              <a:t>Export Report Data: .csv o .xml</a:t>
-            </a:r>
-          </a:p>
-          <a:p>
-            <a:pPr lvl="1" algn="just"/>
-            <a:r>
-              <a:rPr lang="en-US" dirty="0" smtClean="0"/>
-              <a:t>Save Analyzed Report: </a:t>
-            </a:r>
-            <a:r>
-              <a:rPr lang="en-US" dirty="0" err="1" smtClean="0"/>
-              <a:t>salva</a:t>
-            </a:r>
-            <a:r>
-              <a:rPr lang="en-US" dirty="0" smtClean="0"/>
-              <a:t> in </a:t>
-            </a:r>
-            <a:r>
-              <a:rPr lang="en-US" dirty="0" err="1" smtClean="0"/>
-              <a:t>formato</a:t>
-            </a:r>
-            <a:r>
-              <a:rPr lang="en-US" dirty="0" smtClean="0"/>
-              <a:t> .</a:t>
-            </a:r>
-            <a:r>
-              <a:rPr lang="en-US" dirty="0" err="1" smtClean="0"/>
-              <a:t>vsps</a:t>
-            </a:r>
-            <a:r>
-              <a:rPr lang="en-US" dirty="0" smtClean="0"/>
-              <a:t>, </a:t>
-            </a:r>
-            <a:r>
-              <a:rPr lang="en-US" dirty="0" err="1" smtClean="0"/>
-              <a:t>che</a:t>
-            </a:r>
-            <a:r>
-              <a:rPr lang="en-US" dirty="0" smtClean="0"/>
-              <a:t> </a:t>
-            </a:r>
-            <a:r>
-              <a:rPr lang="en-US" dirty="0" err="1" smtClean="0"/>
               <a:t>si</a:t>
             </a:r>
             <a:r>
@@ -16555,7 +16605,7 @@
             </a:r>
             <a:r>
               <a:rPr lang="en-US" dirty="0" err="1" smtClean="0"/>
-              <a:t>aprè</a:t>
+              <a:t>apre</a:t>
             </a:r>
             <a:r>
               <a:rPr lang="en-US" dirty="0" smtClean="0"/>
@@ -16875,7 +16925,15 @@
             </a:r>
             <a:r>
               <a:rPr lang="en-US" dirty="0" smtClean="0"/>
-              <a:t> I moduli </a:t>
+              <a:t> </a:t>
+            </a:r>
+            <a:r>
+              <a:rPr lang="en-US" dirty="0" err="1" smtClean="0"/>
+              <a:t>i</a:t>
+            </a:r>
+            <a:r>
+              <a:rPr lang="en-US" dirty="0" smtClean="0"/>
+              <a:t> moduli </a:t>
             </a:r>
             <a:r>
               <a:rPr lang="en-US" dirty="0" err="1" smtClean="0"/>
@@ -17247,23 +17305,7 @@
           <a:p>
             <a:r>
               <a:rPr lang="en-US" dirty="0" smtClean="0"/>
-              <a:t>Profiler – </a:t>
-            </a:r>
-            <a:r>
-              <a:rPr lang="en-US" dirty="0" err="1" smtClean="0"/>
-              <a:t>altre</a:t>
-            </a:r>
-            <a:r>
-              <a:rPr lang="en-US" dirty="0" smtClean="0"/>
-              <a:t> </a:t>
-            </a:r>
-            <a:r>
-              <a:rPr lang="en-US" dirty="0" err="1" smtClean="0"/>
-              <a:t>viste</a:t>
-            </a:r>
-            <a:r>
-              <a:rPr lang="en-US" dirty="0" smtClean="0"/>
-              <a:t> (2)</a:t>
+              <a:t>Debugger</a:t>
             </a:r>
             <a:endParaRPr lang="it-IT" dirty="0"/>
           </a:p>
@@ -17289,266 +17331,512 @@
             <a:pPr lvl="0" algn="just"/>
             <a:r>
               <a:rPr lang="en-US" dirty="0" smtClean="0"/>
-              <a:t>Caller/</a:t>
-            </a:r>
-            <a:r>
-              <a:rPr lang="en-US" dirty="0" err="1" smtClean="0"/>
-              <a:t>Calle</a:t>
-            </a:r>
-            <a:r>
-              <a:rPr lang="en-US" dirty="0" smtClean="0"/>
-              <a:t> view: </a:t>
-            </a:r>
+              <a:t>Il debugger di Visual Studio 2013 è </a:t>
+            </a:r>
+            <a:r>
+              <a:rPr lang="en-US" dirty="0" err="1" smtClean="0"/>
+              <a:t>senza</a:t>
+            </a:r>
+            <a:r>
+              <a:rPr lang="en-US" dirty="0" smtClean="0"/>
+              <a:t> </a:t>
+            </a:r>
+            <a:r>
+              <a:rPr lang="en-US" dirty="0" err="1" smtClean="0"/>
+              <a:t>dubbio</a:t>
+            </a:r>
+            <a:r>
+              <a:rPr lang="en-US" dirty="0" smtClean="0"/>
+              <a:t> </a:t>
+            </a:r>
+            <a:r>
+              <a:rPr lang="en-US" dirty="0" err="1" smtClean="0"/>
+              <a:t>uno</a:t>
+            </a:r>
+            <a:r>
+              <a:rPr lang="en-US" dirty="0" smtClean="0"/>
+              <a:t> </a:t>
+            </a:r>
+            <a:r>
+              <a:rPr lang="en-US" dirty="0" err="1" smtClean="0"/>
+              <a:t>strumento</a:t>
+            </a:r>
+            <a:r>
+              <a:rPr lang="en-US" dirty="0" smtClean="0"/>
+              <a:t> </a:t>
+            </a:r>
+            <a:r>
+              <a:rPr lang="en-US" dirty="0" err="1" smtClean="0"/>
+              <a:t>piuttosto</a:t>
+            </a:r>
+            <a:r>
+              <a:rPr lang="en-US" dirty="0" smtClean="0"/>
+              <a:t> </a:t>
+            </a:r>
+            <a:r>
+              <a:rPr lang="en-US" dirty="0" err="1" smtClean="0"/>
+              <a:t>evoluto</a:t>
+            </a:r>
+            <a:endParaRPr lang="en-US" dirty="0" smtClean="0"/>
+          </a:p>
+          <a:p>
+            <a:pPr lvl="0" algn="just"/>
+            <a:r>
+              <a:rPr lang="en-US" dirty="0" err="1" smtClean="0"/>
+              <a:t>Filosoficamente</a:t>
+            </a:r>
+            <a:r>
+              <a:rPr lang="en-US" dirty="0" smtClean="0"/>
+              <a:t> </a:t>
+            </a:r>
+            <a:r>
+              <a:rPr lang="en-US" dirty="0" err="1" smtClean="0"/>
+              <a:t>si</a:t>
+            </a:r>
+            <a:r>
+              <a:rPr lang="en-US" dirty="0" smtClean="0"/>
+              <a:t> </a:t>
+            </a:r>
+            <a:r>
+              <a:rPr lang="en-US" dirty="0" err="1" smtClean="0"/>
+              <a:t>potrebbe</a:t>
+            </a:r>
+            <a:r>
+              <a:rPr lang="en-US" dirty="0" smtClean="0"/>
+              <a:t> </a:t>
+            </a:r>
+            <a:r>
+              <a:rPr lang="en-US" dirty="0" err="1" smtClean="0"/>
+              <a:t>pensare</a:t>
+            </a:r>
+            <a:r>
+              <a:rPr lang="en-US" dirty="0" smtClean="0"/>
+              <a:t> </a:t>
+            </a:r>
+            <a:r>
+              <a:rPr lang="en-US" dirty="0" err="1" smtClean="0"/>
+              <a:t>che</a:t>
+            </a:r>
+            <a:r>
+              <a:rPr lang="en-US" dirty="0" smtClean="0"/>
+              <a:t> </a:t>
+            </a:r>
+            <a:r>
+              <a:rPr lang="en-US" dirty="0" err="1" smtClean="0"/>
+              <a:t>il</a:t>
+            </a:r>
+            <a:r>
+              <a:rPr lang="en-US" dirty="0" smtClean="0"/>
+              <a:t> debugger </a:t>
+            </a:r>
+            <a:r>
+              <a:rPr lang="en-US" dirty="0" err="1" smtClean="0"/>
+              <a:t>sia</a:t>
+            </a:r>
+            <a:r>
+              <a:rPr lang="en-US" dirty="0" smtClean="0"/>
+              <a:t> un </a:t>
+            </a:r>
+            <a:r>
+              <a:rPr lang="en-US" dirty="0" err="1" smtClean="0"/>
+              <a:t>po</a:t>
+            </a:r>
+            <a:r>
+              <a:rPr lang="en-US" dirty="0" smtClean="0"/>
+              <a:t>’ “</a:t>
+            </a:r>
+            <a:r>
+              <a:rPr lang="en-US" dirty="0" err="1" smtClean="0"/>
+              <a:t>l’ultima</a:t>
+            </a:r>
+            <a:r>
+              <a:rPr lang="en-US" dirty="0" smtClean="0"/>
+              <a:t> </a:t>
+            </a:r>
+            <a:r>
+              <a:rPr lang="en-US" dirty="0" err="1" smtClean="0"/>
+              <a:t>spiaggia</a:t>
+            </a:r>
+            <a:r>
+              <a:rPr lang="en-US" dirty="0" smtClean="0"/>
+              <a:t>” </a:t>
+            </a:r>
+            <a:r>
+              <a:rPr lang="en-US" dirty="0" err="1" smtClean="0"/>
+              <a:t>nel</a:t>
+            </a:r>
+            <a:r>
+              <a:rPr lang="en-US" dirty="0" smtClean="0"/>
+              <a:t> </a:t>
+            </a:r>
+            <a:r>
+              <a:rPr lang="en-US" dirty="0" err="1" smtClean="0"/>
+              <a:t>senso</a:t>
+            </a:r>
+            <a:r>
+              <a:rPr lang="en-US" dirty="0" smtClean="0"/>
+              <a:t> </a:t>
+            </a:r>
+            <a:r>
+              <a:rPr lang="en-US" dirty="0" err="1" smtClean="0"/>
+              <a:t>che</a:t>
+            </a:r>
+            <a:r>
+              <a:rPr lang="en-US" dirty="0" smtClean="0"/>
+              <a:t> se un </a:t>
+            </a:r>
+            <a:r>
+              <a:rPr lang="en-US" dirty="0" err="1" smtClean="0"/>
+              <a:t>codice</a:t>
+            </a:r>
+            <a:r>
+              <a:rPr lang="en-US" dirty="0" smtClean="0"/>
+              <a:t> </a:t>
+            </a:r>
+            <a:r>
+              <a:rPr lang="en-US" dirty="0" err="1" smtClean="0"/>
+              <a:t>viene</a:t>
+            </a:r>
+            <a:r>
+              <a:rPr lang="en-US" dirty="0" smtClean="0"/>
+              <a:t> </a:t>
+            </a:r>
+            <a:r>
+              <a:rPr lang="en-US" dirty="0" err="1" smtClean="0"/>
+              <a:t>scritto</a:t>
+            </a:r>
+            <a:r>
+              <a:rPr lang="en-US" dirty="0" smtClean="0"/>
+              <a:t> </a:t>
+            </a:r>
+            <a:r>
+              <a:rPr lang="en-US" dirty="0" err="1" smtClean="0"/>
+              <a:t>correttamente</a:t>
+            </a:r>
+            <a:r>
+              <a:rPr lang="en-US" dirty="0" smtClean="0"/>
+              <a:t>, ne </a:t>
+            </a:r>
+            <a:r>
+              <a:rPr lang="en-US" dirty="0" err="1" smtClean="0"/>
+              <a:t>vengono</a:t>
+            </a:r>
+            <a:r>
+              <a:rPr lang="en-US" dirty="0" smtClean="0"/>
+              <a:t> </a:t>
+            </a:r>
+            <a:r>
+              <a:rPr lang="en-US" dirty="0" err="1" smtClean="0"/>
+              <a:t>fatti</a:t>
+            </a:r>
+            <a:r>
+              <a:rPr lang="en-US" dirty="0" smtClean="0"/>
+              <a:t> </a:t>
+            </a:r>
+            <a:r>
+              <a:rPr lang="en-US" dirty="0" err="1" smtClean="0"/>
+              <a:t>gli</a:t>
+            </a:r>
+            <a:r>
+              <a:rPr lang="en-US" dirty="0" smtClean="0"/>
+              <a:t> </a:t>
+            </a:r>
+            <a:r>
+              <a:rPr lang="en-US" dirty="0" err="1" smtClean="0"/>
+              <a:t>opportuni</a:t>
+            </a:r>
+            <a:r>
+              <a:rPr lang="en-US" dirty="0" smtClean="0"/>
+              <a:t> test (</a:t>
+            </a:r>
+            <a:r>
+              <a:rPr lang="en-US" dirty="0" err="1" smtClean="0"/>
+              <a:t>siano</a:t>
+            </a:r>
+            <a:r>
+              <a:rPr lang="en-US" dirty="0" smtClean="0"/>
+              <a:t> </a:t>
+            </a:r>
+            <a:r>
+              <a:rPr lang="en-US" dirty="0" err="1" smtClean="0"/>
+              <a:t>essi</a:t>
+            </a:r>
+            <a:r>
+              <a:rPr lang="en-US" dirty="0" smtClean="0"/>
+              <a:t> </a:t>
+            </a:r>
+            <a:r>
+              <a:rPr lang="en-US" dirty="0" err="1" smtClean="0"/>
+              <a:t>unitari</a:t>
+            </a:r>
+            <a:r>
+              <a:rPr lang="en-US" dirty="0" smtClean="0"/>
+              <a:t> , di non </a:t>
+            </a:r>
+            <a:r>
+              <a:rPr lang="en-US" dirty="0" err="1" smtClean="0"/>
+              <a:t>regressione</a:t>
+            </a:r>
+            <a:r>
+              <a:rPr lang="en-US" dirty="0" smtClean="0"/>
+              <a:t>, di performances) e </a:t>
+            </a:r>
+            <a:r>
+              <a:rPr lang="en-US" dirty="0" err="1" smtClean="0"/>
+              <a:t>viene</a:t>
+            </a:r>
+            <a:r>
+              <a:rPr lang="en-US" dirty="0" smtClean="0"/>
+              <a:t> </a:t>
+            </a:r>
+            <a:r>
+              <a:rPr lang="en-US" dirty="0" err="1" smtClean="0"/>
+              <a:t>utilizzato</a:t>
+            </a:r>
+            <a:r>
+              <a:rPr lang="en-US" dirty="0" smtClean="0"/>
+              <a:t> in </a:t>
+            </a:r>
+            <a:r>
+              <a:rPr lang="en-US" dirty="0" err="1" smtClean="0"/>
+              <a:t>produzione</a:t>
+            </a:r>
+            <a:r>
+              <a:rPr lang="en-US" dirty="0" smtClean="0"/>
+              <a:t>, </a:t>
+            </a:r>
+            <a:r>
+              <a:rPr lang="en-US" dirty="0" err="1" smtClean="0"/>
+              <a:t>dovremmo</a:t>
+            </a:r>
+            <a:r>
+              <a:rPr lang="en-US" dirty="0" smtClean="0"/>
+              <a:t> </a:t>
+            </a:r>
+            <a:r>
+              <a:rPr lang="en-US" dirty="0" err="1" smtClean="0"/>
+              <a:t>essere</a:t>
+            </a:r>
+            <a:r>
+              <a:rPr lang="en-US" dirty="0" smtClean="0"/>
+              <a:t> </a:t>
+            </a:r>
+            <a:r>
+              <a:rPr lang="en-US" dirty="0" err="1" smtClean="0"/>
+              <a:t>ragionevolmente</a:t>
+            </a:r>
+            <a:r>
+              <a:rPr lang="en-US" dirty="0" smtClean="0"/>
+              <a:t> </a:t>
+            </a:r>
+            <a:r>
+              <a:rPr lang="en-US" dirty="0" err="1" smtClean="0"/>
+              <a:t>sicuri</a:t>
+            </a:r>
+            <a:r>
+              <a:rPr lang="en-US" dirty="0" smtClean="0"/>
+              <a:t> </a:t>
+            </a:r>
+            <a:r>
+              <a:rPr lang="en-US" dirty="0" err="1" smtClean="0"/>
+              <a:t>che</a:t>
+            </a:r>
+            <a:r>
+              <a:rPr lang="en-US" dirty="0" smtClean="0"/>
+              <a:t> </a:t>
+            </a:r>
+            <a:r>
+              <a:rPr lang="en-US" dirty="0" err="1" smtClean="0"/>
+              <a:t>tutto</a:t>
+            </a:r>
+            <a:r>
+              <a:rPr lang="en-US" dirty="0" smtClean="0"/>
+              <a:t> </a:t>
+            </a:r>
+            <a:r>
+              <a:rPr lang="en-US" dirty="0" err="1" smtClean="0"/>
+              <a:t>funzioni</a:t>
+            </a:r>
+            <a:endParaRPr lang="en-US" dirty="0" smtClean="0"/>
+          </a:p>
+          <a:p>
+            <a:pPr lvl="0" algn="just"/>
+            <a:r>
+              <a:rPr lang="en-US" dirty="0" err="1" smtClean="0"/>
+              <a:t>Questo</a:t>
+            </a:r>
+            <a:r>
+              <a:rPr lang="en-US" dirty="0" smtClean="0"/>
+              <a:t> </a:t>
+            </a:r>
+            <a:r>
+              <a:rPr lang="en-US" dirty="0" err="1" smtClean="0"/>
+              <a:t>potrebbe</a:t>
+            </a:r>
+            <a:r>
+              <a:rPr lang="en-US" dirty="0" smtClean="0"/>
+              <a:t> </a:t>
+            </a:r>
+            <a:r>
+              <a:rPr lang="en-US" dirty="0" err="1" smtClean="0"/>
+              <a:t>essere</a:t>
+            </a:r>
+            <a:r>
+              <a:rPr lang="en-US" dirty="0" smtClean="0"/>
+              <a:t> </a:t>
+            </a:r>
+            <a:r>
+              <a:rPr lang="en-US" dirty="0" err="1" smtClean="0"/>
+              <a:t>vero</a:t>
+            </a:r>
+            <a:r>
+              <a:rPr lang="en-US" dirty="0" smtClean="0"/>
+              <a:t> per </a:t>
+            </a:r>
+            <a:r>
+              <a:rPr lang="en-US" dirty="0" err="1" smtClean="0"/>
+              <a:t>applicazioni</a:t>
+            </a:r>
+            <a:r>
+              <a:rPr lang="en-US" dirty="0" smtClean="0"/>
+              <a:t> </a:t>
+            </a:r>
+            <a:r>
+              <a:rPr lang="en-US" dirty="0" err="1" smtClean="0"/>
+              <a:t>nuove</a:t>
+            </a:r>
+            <a:r>
+              <a:rPr lang="en-US" dirty="0"/>
+              <a:t> </a:t>
+            </a:r>
+            <a:r>
+              <a:rPr lang="en-US" dirty="0" smtClean="0"/>
+              <a:t>e </a:t>
+            </a:r>
+            <a:r>
+              <a:rPr lang="en-US" dirty="0" err="1" smtClean="0"/>
+              <a:t>sufficentemente</a:t>
+            </a:r>
+            <a:r>
+              <a:rPr lang="en-US" dirty="0" smtClean="0"/>
+              <a:t> </a:t>
+            </a:r>
+            <a:r>
+              <a:rPr lang="en-US" dirty="0" err="1" smtClean="0"/>
+              <a:t>modulari</a:t>
+            </a:r>
+            <a:endParaRPr lang="en-US" dirty="0" smtClean="0"/>
+          </a:p>
+          <a:p>
+            <a:pPr lvl="0" algn="just"/>
+            <a:r>
+              <a:rPr lang="en-US" dirty="0" smtClean="0"/>
+              <a:t>Ci </a:t>
+            </a:r>
+            <a:r>
+              <a:rPr lang="en-US" dirty="0" err="1" smtClean="0"/>
+              <a:t>sono</a:t>
+            </a:r>
+            <a:r>
+              <a:rPr lang="en-US" dirty="0" smtClean="0"/>
+              <a:t> </a:t>
+            </a:r>
+            <a:r>
+              <a:rPr lang="en-US" dirty="0" err="1" smtClean="0"/>
+              <a:t>però</a:t>
+            </a:r>
+            <a:r>
+              <a:rPr lang="en-US" dirty="0" smtClean="0"/>
+              <a:t> </a:t>
+            </a:r>
+            <a:r>
+              <a:rPr lang="en-US" dirty="0" err="1" smtClean="0"/>
+              <a:t>una</a:t>
+            </a:r>
+            <a:r>
+              <a:rPr lang="en-US" dirty="0" smtClean="0"/>
+              <a:t> </a:t>
+            </a:r>
+            <a:r>
+              <a:rPr lang="en-US" dirty="0" err="1" smtClean="0"/>
+              <a:t>miriade</a:t>
+            </a:r>
+            <a:r>
+              <a:rPr lang="en-US" dirty="0" smtClean="0"/>
+              <a:t> di </a:t>
+            </a:r>
+            <a:r>
+              <a:rPr lang="en-US" dirty="0" err="1" smtClean="0"/>
+              <a:t>casi</a:t>
+            </a:r>
+            <a:r>
+              <a:rPr lang="en-US" dirty="0"/>
+              <a:t> </a:t>
+            </a:r>
+            <a:r>
+              <a:rPr lang="en-US" dirty="0" smtClean="0"/>
+              <a:t>per </a:t>
+            </a:r>
+            <a:r>
+              <a:rPr lang="en-US" dirty="0" err="1" smtClean="0"/>
+              <a:t>i</a:t>
+            </a:r>
+            <a:r>
+              <a:rPr lang="en-US" dirty="0" smtClean="0"/>
+              <a:t> </a:t>
+            </a:r>
+            <a:r>
+              <a:rPr lang="en-US" dirty="0" err="1" smtClean="0"/>
+              <a:t>quali</a:t>
+            </a:r>
+            <a:r>
+              <a:rPr lang="en-US" dirty="0" smtClean="0"/>
+              <a:t> </a:t>
+            </a:r>
+            <a:r>
+              <a:rPr lang="en-US" dirty="0" err="1" smtClean="0"/>
+              <a:t>il</a:t>
+            </a:r>
+            <a:r>
+              <a:rPr lang="en-US" dirty="0" smtClean="0"/>
+              <a:t> debugger </a:t>
+            </a:r>
+            <a:r>
+              <a:rPr lang="en-US" dirty="0" err="1" smtClean="0"/>
+              <a:t>diventa</a:t>
+            </a:r>
+            <a:r>
+              <a:rPr lang="en-US" dirty="0" smtClean="0"/>
+              <a:t> </a:t>
+            </a:r>
+            <a:r>
+              <a:rPr lang="en-US" dirty="0" err="1" smtClean="0"/>
+              <a:t>l’unica</a:t>
+            </a:r>
+            <a:r>
+              <a:rPr lang="en-US" dirty="0" smtClean="0"/>
+              <a:t> </a:t>
+            </a:r>
+            <a:r>
+              <a:rPr lang="en-US" dirty="0" err="1" smtClean="0"/>
+              <a:t>risorsa</a:t>
+            </a:r>
+            <a:endParaRPr lang="en-US" dirty="0"/>
           </a:p>
           <a:p>
             <a:pPr lvl="1" algn="just"/>
-            <a:r>
-              <a:rPr lang="en-US" dirty="0" err="1" smtClean="0"/>
-              <a:t>Vengono</a:t>
-            </a:r>
-            <a:r>
-              <a:rPr lang="en-US" dirty="0" smtClean="0"/>
-              <a:t> </a:t>
-            </a:r>
-            <a:r>
-              <a:rPr lang="en-US" dirty="0" err="1" smtClean="0"/>
-              <a:t>mostrate</a:t>
-            </a:r>
-            <a:r>
-              <a:rPr lang="en-US" dirty="0" smtClean="0"/>
-              <a:t> 3 </a:t>
-            </a:r>
-            <a:r>
-              <a:rPr lang="en-US" dirty="0" err="1" smtClean="0"/>
-              <a:t>viste</a:t>
-            </a:r>
-            <a:r>
-              <a:rPr lang="en-US" dirty="0" smtClean="0"/>
-              <a:t>, la </a:t>
-            </a:r>
-            <a:r>
-              <a:rPr lang="en-US" dirty="0" err="1" smtClean="0"/>
-              <a:t>funzione</a:t>
-            </a:r>
-            <a:r>
-              <a:rPr lang="en-US" dirty="0" smtClean="0"/>
-              <a:t> in </a:t>
-            </a:r>
-            <a:r>
-              <a:rPr lang="en-US" dirty="0" err="1" smtClean="0"/>
-              <a:t>esame</a:t>
-            </a:r>
-            <a:r>
-              <a:rPr lang="en-US" dirty="0" smtClean="0"/>
-              <a:t>, la </a:t>
-            </a:r>
-            <a:r>
-              <a:rPr lang="en-US" dirty="0" err="1" smtClean="0"/>
-              <a:t>funzione</a:t>
-            </a:r>
-            <a:r>
-              <a:rPr lang="en-US" dirty="0" smtClean="0"/>
-              <a:t> padre e le </a:t>
-            </a:r>
-            <a:r>
-              <a:rPr lang="en-US" dirty="0" err="1" smtClean="0"/>
-              <a:t>funzioni</a:t>
-            </a:r>
-            <a:r>
-              <a:rPr lang="en-US" dirty="0" smtClean="0"/>
-              <a:t> </a:t>
-            </a:r>
-            <a:r>
-              <a:rPr lang="en-US" dirty="0" err="1" smtClean="0"/>
-              <a:t>figlie</a:t>
-            </a:r>
-            <a:r>
-              <a:rPr lang="en-US" dirty="0" smtClean="0"/>
-              <a:t>. </a:t>
-            </a:r>
-          </a:p>
-          <a:p>
-            <a:pPr lvl="1" algn="just"/>
-            <a:r>
-              <a:rPr lang="en-US" dirty="0" err="1" smtClean="0"/>
-              <a:t>Anche</a:t>
-            </a:r>
-            <a:r>
-              <a:rPr lang="en-US" dirty="0" smtClean="0"/>
-              <a:t> in </a:t>
-            </a:r>
-            <a:r>
-              <a:rPr lang="en-US" dirty="0" err="1" smtClean="0"/>
-              <a:t>questo</a:t>
-            </a:r>
-            <a:r>
-              <a:rPr lang="en-US" dirty="0" smtClean="0"/>
-              <a:t> </a:t>
-            </a:r>
-            <a:r>
-              <a:rPr lang="en-US" dirty="0" err="1" smtClean="0"/>
-              <a:t>caso</a:t>
-            </a:r>
-            <a:r>
-              <a:rPr lang="en-US" dirty="0" smtClean="0"/>
-              <a:t> è </a:t>
-            </a:r>
-            <a:r>
-              <a:rPr lang="en-US" dirty="0" err="1" smtClean="0"/>
-              <a:t>possibile</a:t>
-            </a:r>
-            <a:r>
-              <a:rPr lang="en-US" dirty="0" smtClean="0"/>
-              <a:t> </a:t>
-            </a:r>
-            <a:r>
-              <a:rPr lang="en-US" dirty="0" err="1" smtClean="0"/>
-              <a:t>discriminare</a:t>
-            </a:r>
-            <a:r>
-              <a:rPr lang="en-US" dirty="0" smtClean="0"/>
-              <a:t> </a:t>
-            </a:r>
-            <a:r>
-              <a:rPr lang="en-US" dirty="0" err="1" smtClean="0"/>
-              <a:t>i</a:t>
-            </a:r>
-            <a:r>
-              <a:rPr lang="en-US" dirty="0" smtClean="0"/>
-              <a:t> </a:t>
-            </a:r>
-            <a:r>
-              <a:rPr lang="en-US" dirty="0" err="1" smtClean="0"/>
-              <a:t>contatori</a:t>
-            </a:r>
-            <a:r>
-              <a:rPr lang="en-US" dirty="0" smtClean="0"/>
-              <a:t> inclusive/exclusive e le relative </a:t>
-            </a:r>
-            <a:r>
-              <a:rPr lang="en-US" dirty="0" err="1" smtClean="0"/>
-              <a:t>percentuali</a:t>
-            </a:r>
-            <a:endParaRPr lang="en-US" dirty="0" smtClean="0"/>
-          </a:p>
-          <a:p>
-            <a:pPr lvl="0" algn="just"/>
-            <a:r>
-              <a:rPr lang="en-US" dirty="0" smtClean="0"/>
-              <a:t> Functions </a:t>
-            </a:r>
-            <a:r>
-              <a:rPr lang="en-US" dirty="0"/>
-              <a:t>view: </a:t>
-            </a:r>
-            <a:endParaRPr lang="en-US" dirty="0" smtClean="0"/>
-          </a:p>
-          <a:p>
-            <a:pPr lvl="1" algn="just"/>
-            <a:r>
-              <a:rPr lang="en-US" dirty="0" smtClean="0"/>
-              <a:t>Vista </a:t>
-            </a:r>
-            <a:r>
-              <a:rPr lang="en-US" dirty="0" err="1" smtClean="0"/>
-              <a:t>sulle</a:t>
-            </a:r>
-            <a:r>
-              <a:rPr lang="en-US" dirty="0" smtClean="0"/>
-              <a:t> </a:t>
-            </a:r>
-            <a:r>
-              <a:rPr lang="en-US" dirty="0" err="1" smtClean="0"/>
-              <a:t>funzioni</a:t>
-            </a:r>
-            <a:r>
-              <a:rPr lang="en-US" dirty="0" smtClean="0"/>
-              <a:t> </a:t>
-            </a:r>
-            <a:r>
-              <a:rPr lang="en-US" dirty="0" err="1" smtClean="0"/>
-              <a:t>chiamate</a:t>
-            </a:r>
-            <a:r>
-              <a:rPr lang="en-US" dirty="0" smtClean="0"/>
-              <a:t>. Utile a </a:t>
-            </a:r>
-            <a:r>
-              <a:rPr lang="en-US" dirty="0" err="1" smtClean="0"/>
-              <a:t>patto</a:t>
-            </a:r>
-            <a:r>
-              <a:rPr lang="en-US" dirty="0" smtClean="0"/>
-              <a:t> di </a:t>
-            </a:r>
-            <a:r>
-              <a:rPr lang="en-US" dirty="0" err="1" smtClean="0"/>
-              <a:t>configurare</a:t>
-            </a:r>
-            <a:r>
-              <a:rPr lang="en-US" dirty="0" smtClean="0"/>
-              <a:t> </a:t>
-            </a:r>
-            <a:r>
-              <a:rPr lang="en-US" dirty="0" err="1" smtClean="0"/>
-              <a:t>il</a:t>
-            </a:r>
-            <a:r>
-              <a:rPr lang="en-US" dirty="0" smtClean="0"/>
-              <a:t> modulo di </a:t>
-            </a:r>
-            <a:r>
-              <a:rPr lang="en-US" dirty="0" err="1" smtClean="0"/>
-              <a:t>provenienza</a:t>
-            </a:r>
-            <a:r>
-              <a:rPr lang="en-US" dirty="0" smtClean="0"/>
-              <a:t> </a:t>
-            </a:r>
-            <a:r>
-              <a:rPr lang="en-US" dirty="0" err="1" smtClean="0"/>
-              <a:t>della</a:t>
-            </a:r>
-            <a:r>
-              <a:rPr lang="en-US" dirty="0" smtClean="0"/>
-              <a:t> </a:t>
-            </a:r>
-            <a:r>
-              <a:rPr lang="en-US" dirty="0" err="1" smtClean="0"/>
-              <a:t>funzione</a:t>
-            </a:r>
-            <a:r>
-              <a:rPr lang="en-US" dirty="0"/>
-              <a:t> </a:t>
-            </a:r>
-            <a:r>
-              <a:rPr lang="en-US" dirty="0" smtClean="0"/>
-              <a:t>o se </a:t>
-            </a:r>
-            <a:r>
-              <a:rPr lang="en-US" dirty="0" err="1" smtClean="0"/>
-              <a:t>si</a:t>
-            </a:r>
-            <a:r>
-              <a:rPr lang="en-US" dirty="0" smtClean="0"/>
-              <a:t> </a:t>
-            </a:r>
-            <a:r>
-              <a:rPr lang="en-US" dirty="0" err="1" smtClean="0"/>
-              <a:t>utilizza</a:t>
-            </a:r>
-            <a:r>
-              <a:rPr lang="en-US" dirty="0" smtClean="0"/>
-              <a:t> “show just my code” </a:t>
-            </a:r>
-            <a:r>
-              <a:rPr lang="en-US" dirty="0" err="1" smtClean="0"/>
-              <a:t>nel</a:t>
-            </a:r>
-            <a:r>
-              <a:rPr lang="en-US" dirty="0" smtClean="0"/>
-              <a:t> summary</a:t>
-            </a:r>
+            <a:endParaRPr lang="en-US" dirty="0"/>
+          </a:p>
+          <a:p>
+            <a:pPr marL="274320" lvl="1" indent="0" algn="just">
+              <a:buNone/>
+            </a:pPr>
+            <a:endParaRPr lang="en-US" dirty="0"/>
+          </a:p>
+          <a:p>
+            <a:pPr marL="0" lvl="0" indent="0" algn="just">
+              <a:buNone/>
+            </a:pPr>
             <a:endParaRPr lang="en-US" dirty="0"/>
           </a:p>
           <a:p>
@@ -17566,7 +17854,7 @@
     </p:spTree>
     <p:extLst>
       <p:ext uri="{BB962C8B-B14F-4D97-AF65-F5344CB8AC3E}">
-        <p14:creationId xmlns:p14="http://schemas.microsoft.com/office/powerpoint/2010/main" val="2522682778"/>
+        <p14:creationId xmlns:p14="http://schemas.microsoft.com/office/powerpoint/2010/main" val="62380396"/>
       </p:ext>
     </p:extLst>
   </p:cSld>
@@ -17610,7 +17898,7 @@
       </p:grpSpPr>
       <p:sp>
         <p:nvSpPr>
-          <p:cNvPr id="4" name="Title 3"/>
+          <p:cNvPr id="2" name="Title 1"/>
           <p:cNvSpPr>
             <a:spLocks noGrp="1"/>
           </p:cNvSpPr>
@@ -17624,8 +17912,8 @@
           <a:lstStyle/>
           <a:p>
             <a:r>
-              <a:rPr lang="it-IT" dirty="0" smtClean="0"/>
-              <a:t>Demo</a:t>
+              <a:rPr lang="en-US" dirty="0" smtClean="0"/>
+              <a:t>Debugger – use cases</a:t>
             </a:r>
             <a:endParaRPr lang="it-IT" dirty="0"/>
           </a:p>
@@ -17633,39 +17921,488 @@
       </p:sp>
       <p:sp>
         <p:nvSpPr>
-          <p:cNvPr id="5" name="Text Placeholder 4"/>
+          <p:cNvPr id="3" name="Content Placeholder 2"/>
           <p:cNvSpPr>
             <a:spLocks noGrp="1"/>
           </p:cNvSpPr>
           <p:nvPr>
-            <p:ph type="body" idx="1"/>
+            <p:ph idx="1"/>
           </p:nvPr>
         </p:nvSpPr>
         <p:spPr/>
         <p:txBody>
-          <a:bodyPr/>
+          <a:bodyPr>
+            <a:normAutofit/>
+          </a:bodyPr>
           <a:lstStyle/>
           <a:p>
-            <a:r>
-              <a:rPr lang="fr-FR" dirty="0" err="1" smtClean="0"/>
-              <a:t>Sampling</a:t>
-            </a:r>
-            <a:r>
-              <a:rPr lang="fr-FR" dirty="0" smtClean="0"/>
-              <a:t> – Instrumentation - </a:t>
-            </a:r>
-            <a:r>
-              <a:rPr lang="fr-FR" dirty="0" err="1" smtClean="0"/>
-              <a:t>Concurrency</a:t>
-            </a:r>
-            <a:endParaRPr lang="fr-FR" dirty="0"/>
+            <a:pPr lvl="0" algn="just"/>
+            <a:r>
+              <a:rPr lang="en-US" dirty="0" smtClean="0"/>
+              <a:t>Un </a:t>
+            </a:r>
+            <a:r>
+              <a:rPr lang="en-US" dirty="0" err="1" smtClean="0"/>
+              <a:t>caso</a:t>
+            </a:r>
+            <a:r>
+              <a:rPr lang="en-US" dirty="0" smtClean="0"/>
+              <a:t> </a:t>
+            </a:r>
+            <a:r>
+              <a:rPr lang="en-US" dirty="0" err="1" smtClean="0"/>
+              <a:t>potrebbe</a:t>
+            </a:r>
+            <a:r>
+              <a:rPr lang="en-US" dirty="0" smtClean="0"/>
+              <a:t> </a:t>
+            </a:r>
+            <a:r>
+              <a:rPr lang="en-US" dirty="0" err="1" smtClean="0"/>
+              <a:t>essere</a:t>
+            </a:r>
+            <a:r>
+              <a:rPr lang="en-US" dirty="0" smtClean="0"/>
+              <a:t> </a:t>
+            </a:r>
+            <a:r>
+              <a:rPr lang="en-US" dirty="0" err="1" smtClean="0"/>
+              <a:t>quello</a:t>
+            </a:r>
+            <a:r>
+              <a:rPr lang="en-US" dirty="0" smtClean="0"/>
+              <a:t> di </a:t>
+            </a:r>
+            <a:r>
+              <a:rPr lang="en-US" dirty="0" err="1" smtClean="0"/>
+              <a:t>un’applicazione</a:t>
+            </a:r>
+            <a:r>
+              <a:rPr lang="en-US" dirty="0" smtClean="0"/>
+              <a:t> legacy, in cui </a:t>
+            </a:r>
+            <a:r>
+              <a:rPr lang="en-US" dirty="0" err="1" smtClean="0"/>
+              <a:t>molte</a:t>
+            </a:r>
+            <a:r>
+              <a:rPr lang="en-US" dirty="0" smtClean="0"/>
+              <a:t> </a:t>
+            </a:r>
+            <a:r>
+              <a:rPr lang="en-US" dirty="0" err="1" smtClean="0"/>
+              <a:t>parti</a:t>
+            </a:r>
+            <a:r>
+              <a:rPr lang="en-US" dirty="0" smtClean="0"/>
+              <a:t> non </a:t>
+            </a:r>
+            <a:r>
+              <a:rPr lang="en-US" dirty="0" err="1" smtClean="0"/>
+              <a:t>sono</a:t>
+            </a:r>
+            <a:r>
+              <a:rPr lang="en-US" dirty="0" smtClean="0"/>
+              <a:t> </a:t>
+            </a:r>
+            <a:r>
+              <a:rPr lang="en-US" dirty="0" err="1" smtClean="0"/>
+              <a:t>conosciute</a:t>
+            </a:r>
+            <a:r>
+              <a:rPr lang="en-US" dirty="0" smtClean="0"/>
+              <a:t> e </a:t>
+            </a:r>
+            <a:r>
+              <a:rPr lang="en-US" dirty="0" err="1" smtClean="0"/>
+              <a:t>nemmeno</a:t>
+            </a:r>
+            <a:r>
+              <a:rPr lang="en-US" dirty="0" smtClean="0"/>
+              <a:t> testate</a:t>
+            </a:r>
+          </a:p>
+          <a:p>
+            <a:pPr lvl="0" algn="just"/>
+            <a:r>
+              <a:rPr lang="en-US" dirty="0" smtClean="0"/>
+              <a:t>Un </a:t>
+            </a:r>
+            <a:r>
+              <a:rPr lang="en-US" dirty="0" err="1" smtClean="0"/>
+              <a:t>caso</a:t>
+            </a:r>
+            <a:r>
+              <a:rPr lang="en-US" dirty="0" smtClean="0"/>
+              <a:t> </a:t>
+            </a:r>
+            <a:r>
+              <a:rPr lang="en-US" dirty="0" err="1" smtClean="0"/>
+              <a:t>potrebbe</a:t>
+            </a:r>
+            <a:r>
+              <a:rPr lang="en-US" dirty="0" smtClean="0"/>
+              <a:t> </a:t>
+            </a:r>
+            <a:r>
+              <a:rPr lang="en-US" dirty="0" err="1" smtClean="0"/>
+              <a:t>essere</a:t>
+            </a:r>
+            <a:r>
+              <a:rPr lang="en-US" dirty="0" smtClean="0"/>
+              <a:t> </a:t>
+            </a:r>
+            <a:r>
+              <a:rPr lang="en-US" dirty="0" err="1" smtClean="0"/>
+              <a:t>che</a:t>
+            </a:r>
+            <a:r>
+              <a:rPr lang="en-US" dirty="0" smtClean="0"/>
+              <a:t> </a:t>
+            </a:r>
+            <a:r>
+              <a:rPr lang="en-US" dirty="0" err="1" smtClean="0"/>
+              <a:t>alcune</a:t>
+            </a:r>
+            <a:r>
+              <a:rPr lang="en-US" dirty="0" smtClean="0"/>
+              <a:t> </a:t>
+            </a:r>
+            <a:r>
+              <a:rPr lang="en-US" dirty="0" err="1" smtClean="0"/>
+              <a:t>parti</a:t>
+            </a:r>
+            <a:r>
+              <a:rPr lang="en-US" dirty="0" smtClean="0"/>
+              <a:t> di </a:t>
+            </a:r>
+            <a:r>
+              <a:rPr lang="en-US" dirty="0" err="1" smtClean="0"/>
+              <a:t>codice</a:t>
+            </a:r>
+            <a:r>
+              <a:rPr lang="en-US" dirty="0" smtClean="0"/>
+              <a:t> </a:t>
+            </a:r>
+            <a:r>
+              <a:rPr lang="en-US" dirty="0" err="1" smtClean="0"/>
+              <a:t>girano</a:t>
+            </a:r>
+            <a:r>
+              <a:rPr lang="en-US" dirty="0" smtClean="0"/>
+              <a:t> in </a:t>
+            </a:r>
+            <a:r>
+              <a:rPr lang="en-US" dirty="0" err="1" smtClean="0"/>
+              <a:t>altri</a:t>
+            </a:r>
+            <a:r>
+              <a:rPr lang="en-US" dirty="0" smtClean="0"/>
+              <a:t> </a:t>
+            </a:r>
+            <a:r>
+              <a:rPr lang="en-US" dirty="0" err="1" smtClean="0"/>
+              <a:t>processi</a:t>
+            </a:r>
+            <a:r>
+              <a:rPr lang="en-US" dirty="0" smtClean="0"/>
+              <a:t> (</a:t>
+            </a:r>
+            <a:r>
+              <a:rPr lang="en-US" dirty="0" err="1" smtClean="0"/>
+              <a:t>quindi</a:t>
+            </a:r>
+            <a:r>
+              <a:rPr lang="en-US" dirty="0" smtClean="0"/>
+              <a:t> </a:t>
+            </a:r>
+            <a:r>
+              <a:rPr lang="en-US" dirty="0" err="1" smtClean="0"/>
+              <a:t>applicazioni</a:t>
+            </a:r>
+            <a:r>
+              <a:rPr lang="en-US" dirty="0" smtClean="0"/>
+              <a:t> </a:t>
+            </a:r>
+            <a:r>
+              <a:rPr lang="en-US" dirty="0" err="1" smtClean="0"/>
+              <a:t>fortemente</a:t>
+            </a:r>
+            <a:r>
+              <a:rPr lang="en-US" dirty="0" smtClean="0"/>
+              <a:t> integrate)</a:t>
+            </a:r>
+          </a:p>
+          <a:p>
+            <a:pPr lvl="0" algn="just"/>
+            <a:r>
+              <a:rPr lang="en-US" dirty="0" smtClean="0"/>
+              <a:t>Un </a:t>
+            </a:r>
+            <a:r>
+              <a:rPr lang="en-US" dirty="0" err="1" smtClean="0"/>
+              <a:t>caso</a:t>
+            </a:r>
+            <a:r>
+              <a:rPr lang="en-US" dirty="0" smtClean="0"/>
+              <a:t> </a:t>
+            </a:r>
+            <a:r>
+              <a:rPr lang="en-US" dirty="0" err="1" smtClean="0"/>
+              <a:t>potrebbe</a:t>
+            </a:r>
+            <a:r>
+              <a:rPr lang="en-US" dirty="0" smtClean="0"/>
+              <a:t> </a:t>
+            </a:r>
+            <a:r>
+              <a:rPr lang="en-US" dirty="0" err="1" smtClean="0"/>
+              <a:t>essere</a:t>
+            </a:r>
+            <a:r>
+              <a:rPr lang="en-US" dirty="0" smtClean="0"/>
+              <a:t> in </a:t>
+            </a:r>
+            <a:r>
+              <a:rPr lang="en-US" dirty="0" err="1" smtClean="0"/>
+              <a:t>generale</a:t>
+            </a:r>
+            <a:r>
+              <a:rPr lang="en-US" dirty="0" smtClean="0"/>
+              <a:t> </a:t>
+            </a:r>
+            <a:r>
+              <a:rPr lang="en-US" dirty="0" err="1" smtClean="0"/>
+              <a:t>un’applicazione</a:t>
+            </a:r>
+            <a:r>
+              <a:rPr lang="en-US" dirty="0" smtClean="0"/>
+              <a:t> </a:t>
+            </a:r>
+            <a:r>
+              <a:rPr lang="en-US" dirty="0" err="1" smtClean="0"/>
+              <a:t>scarsamente</a:t>
+            </a:r>
+            <a:r>
+              <a:rPr lang="en-US" dirty="0" smtClean="0"/>
+              <a:t> </a:t>
+            </a:r>
+            <a:r>
+              <a:rPr lang="en-US" dirty="0" err="1" smtClean="0"/>
+              <a:t>osservabile</a:t>
+            </a:r>
+            <a:r>
+              <a:rPr lang="en-US" dirty="0" smtClean="0"/>
+              <a:t>: dover </a:t>
+            </a:r>
+            <a:r>
+              <a:rPr lang="en-US" dirty="0" err="1" smtClean="0"/>
+              <a:t>verificare</a:t>
+            </a:r>
+            <a:r>
+              <a:rPr lang="en-US" dirty="0" smtClean="0"/>
+              <a:t> le </a:t>
+            </a:r>
+            <a:r>
+              <a:rPr lang="en-US" dirty="0" err="1" smtClean="0"/>
+              <a:t>condizioni</a:t>
+            </a:r>
+            <a:r>
+              <a:rPr lang="en-US" dirty="0" smtClean="0"/>
+              <a:t> </a:t>
+            </a:r>
+            <a:r>
+              <a:rPr lang="en-US" dirty="0" err="1" smtClean="0"/>
+              <a:t>limite</a:t>
+            </a:r>
+            <a:r>
+              <a:rPr lang="en-US" dirty="0" smtClean="0"/>
+              <a:t> di un </a:t>
+            </a:r>
+            <a:r>
+              <a:rPr lang="en-US" dirty="0" err="1" smtClean="0"/>
+              <a:t>algoritmo</a:t>
+            </a:r>
+            <a:r>
+              <a:rPr lang="en-US" dirty="0" smtClean="0"/>
+              <a:t> </a:t>
+            </a:r>
+            <a:r>
+              <a:rPr lang="en-US" dirty="0" err="1" smtClean="0"/>
+              <a:t>che</a:t>
+            </a:r>
+            <a:r>
+              <a:rPr lang="en-US" dirty="0" smtClean="0"/>
+              <a:t> </a:t>
+            </a:r>
+            <a:r>
+              <a:rPr lang="en-US" dirty="0" err="1" smtClean="0"/>
+              <a:t>magari</a:t>
+            </a:r>
+            <a:r>
+              <a:rPr lang="en-US" dirty="0" smtClean="0"/>
+              <a:t> ha </a:t>
+            </a:r>
+            <a:r>
+              <a:rPr lang="en-US" dirty="0" err="1" smtClean="0"/>
+              <a:t>una</a:t>
+            </a:r>
+            <a:r>
+              <a:rPr lang="en-US" dirty="0" smtClean="0"/>
+              <a:t> </a:t>
+            </a:r>
+            <a:r>
+              <a:rPr lang="en-US" dirty="0" err="1" smtClean="0"/>
+              <a:t>serie</a:t>
+            </a:r>
+            <a:r>
+              <a:rPr lang="en-US" dirty="0" smtClean="0"/>
+              <a:t> di </a:t>
+            </a:r>
+            <a:r>
+              <a:rPr lang="en-US" dirty="0" err="1" smtClean="0"/>
+              <a:t>risultati</a:t>
+            </a:r>
+            <a:r>
+              <a:rPr lang="en-US" dirty="0" smtClean="0"/>
+              <a:t> </a:t>
+            </a:r>
+            <a:r>
+              <a:rPr lang="en-US" dirty="0" err="1" smtClean="0"/>
+              <a:t>intermedi</a:t>
+            </a:r>
+            <a:r>
+              <a:rPr lang="en-US" dirty="0" smtClean="0"/>
+              <a:t> </a:t>
+            </a:r>
+            <a:r>
+              <a:rPr lang="en-US" dirty="0" err="1" smtClean="0"/>
+              <a:t>che</a:t>
+            </a:r>
+            <a:r>
+              <a:rPr lang="en-US" dirty="0" smtClean="0"/>
+              <a:t> </a:t>
+            </a:r>
+            <a:r>
+              <a:rPr lang="en-US" dirty="0" err="1" smtClean="0"/>
+              <a:t>inficiano</a:t>
+            </a:r>
+            <a:r>
+              <a:rPr lang="en-US" dirty="0" smtClean="0"/>
+              <a:t> </a:t>
+            </a:r>
+            <a:r>
+              <a:rPr lang="en-US" dirty="0" err="1" smtClean="0"/>
+              <a:t>il</a:t>
+            </a:r>
+            <a:r>
+              <a:rPr lang="en-US" dirty="0" smtClean="0"/>
+              <a:t> </a:t>
+            </a:r>
+            <a:r>
+              <a:rPr lang="en-US" dirty="0" err="1" smtClean="0"/>
+              <a:t>risultato</a:t>
+            </a:r>
+            <a:r>
+              <a:rPr lang="en-US" dirty="0" smtClean="0"/>
+              <a:t> </a:t>
+            </a:r>
+            <a:r>
+              <a:rPr lang="en-US" dirty="0" smtClean="0"/>
+              <a:t>finale</a:t>
+            </a:r>
+            <a:endParaRPr lang="en-US" dirty="0" smtClean="0"/>
+          </a:p>
+          <a:p>
+            <a:pPr lvl="0" algn="just"/>
+            <a:r>
+              <a:rPr lang="en-US" dirty="0" smtClean="0"/>
+              <a:t>Un </a:t>
+            </a:r>
+            <a:r>
+              <a:rPr lang="en-US" dirty="0" err="1" smtClean="0"/>
+              <a:t>caso</a:t>
+            </a:r>
+            <a:r>
+              <a:rPr lang="en-US" dirty="0" smtClean="0"/>
+              <a:t> </a:t>
+            </a:r>
+            <a:r>
+              <a:rPr lang="en-US" dirty="0" err="1" smtClean="0"/>
+              <a:t>potrebbe</a:t>
+            </a:r>
+            <a:r>
+              <a:rPr lang="en-US" dirty="0" smtClean="0"/>
+              <a:t> </a:t>
+            </a:r>
+            <a:r>
+              <a:rPr lang="en-US" dirty="0" err="1" smtClean="0"/>
+              <a:t>essere</a:t>
+            </a:r>
+            <a:r>
+              <a:rPr lang="en-US" dirty="0" smtClean="0"/>
+              <a:t> </a:t>
+            </a:r>
+            <a:r>
+              <a:rPr lang="en-US" dirty="0" err="1" smtClean="0"/>
+              <a:t>analizzare</a:t>
+            </a:r>
+            <a:r>
+              <a:rPr lang="en-US" dirty="0" smtClean="0"/>
+              <a:t> un dump di un crash, per </a:t>
+            </a:r>
+            <a:r>
+              <a:rPr lang="en-US" dirty="0" err="1" smtClean="0"/>
+              <a:t>il</a:t>
+            </a:r>
+            <a:r>
+              <a:rPr lang="en-US" dirty="0" smtClean="0"/>
+              <a:t> quale </a:t>
+            </a:r>
+            <a:r>
+              <a:rPr lang="en-US" dirty="0" err="1" smtClean="0"/>
+              <a:t>necessitiamo</a:t>
+            </a:r>
+            <a:r>
+              <a:rPr lang="en-US" dirty="0" smtClean="0"/>
+              <a:t> </a:t>
+            </a:r>
+            <a:r>
+              <a:rPr lang="en-US" dirty="0" err="1" smtClean="0"/>
+              <a:t>dei</a:t>
+            </a:r>
+            <a:r>
+              <a:rPr lang="en-US" dirty="0" smtClean="0"/>
+              <a:t> </a:t>
+            </a:r>
+            <a:r>
+              <a:rPr lang="en-US" dirty="0" err="1" smtClean="0"/>
+              <a:t>simboli</a:t>
+            </a:r>
+            <a:r>
+              <a:rPr lang="en-US" dirty="0" smtClean="0"/>
+              <a:t> </a:t>
+            </a:r>
+            <a:r>
+              <a:rPr lang="en-US" dirty="0" err="1" smtClean="0"/>
+              <a:t>dell’applicazione</a:t>
+            </a:r>
+            <a:endParaRPr lang="en-US" dirty="0" smtClean="0"/>
+          </a:p>
+          <a:p>
+            <a:pPr lvl="0" algn="just"/>
+            <a:endParaRPr lang="en-US" dirty="0" smtClean="0"/>
+          </a:p>
+          <a:p>
+            <a:pPr lvl="0" algn="just"/>
+            <a:endParaRPr lang="en-US" dirty="0" smtClean="0"/>
           </a:p>
         </p:txBody>
       </p:sp>
     </p:spTree>
     <p:extLst>
       <p:ext uri="{BB962C8B-B14F-4D97-AF65-F5344CB8AC3E}">
-        <p14:creationId xmlns:p14="http://schemas.microsoft.com/office/powerpoint/2010/main" val="178878209"/>
+        <p14:creationId xmlns:p14="http://schemas.microsoft.com/office/powerpoint/2010/main" val="3272081784"/>
       </p:ext>
     </p:extLst>
   </p:cSld>
@@ -17724,7 +18461,7 @@
           <a:p>
             <a:r>
               <a:rPr lang="en-US" dirty="0" smtClean="0"/>
-              <a:t>Debugger</a:t>
+              <a:t>Debugger – just my code</a:t>
             </a:r>
             <a:endParaRPr lang="it-IT" dirty="0"/>
           </a:p>
@@ -17750,511 +18487,127 @@
             <a:pPr lvl="0" algn="just"/>
             <a:r>
               <a:rPr lang="en-US" dirty="0" smtClean="0"/>
-              <a:t>Il debugger di Visual Studio 2013 è </a:t>
-            </a:r>
-            <a:r>
-              <a:rPr lang="en-US" dirty="0" err="1" smtClean="0"/>
-              <a:t>senza</a:t>
-            </a:r>
-            <a:r>
-              <a:rPr lang="en-US" dirty="0" smtClean="0"/>
-              <a:t> </a:t>
-            </a:r>
-            <a:r>
-              <a:rPr lang="en-US" dirty="0" err="1" smtClean="0"/>
-              <a:t>dubbio</a:t>
-            </a:r>
-            <a:r>
-              <a:rPr lang="en-US" dirty="0" smtClean="0"/>
-              <a:t> </a:t>
-            </a:r>
-            <a:r>
-              <a:rPr lang="en-US" dirty="0" err="1" smtClean="0"/>
-              <a:t>uno</a:t>
-            </a:r>
-            <a:r>
-              <a:rPr lang="en-US" dirty="0" smtClean="0"/>
-              <a:t> </a:t>
-            </a:r>
-            <a:r>
-              <a:rPr lang="en-US" dirty="0" err="1" smtClean="0"/>
-              <a:t>strumento</a:t>
-            </a:r>
-            <a:r>
-              <a:rPr lang="en-US" dirty="0" smtClean="0"/>
-              <a:t> </a:t>
-            </a:r>
-            <a:r>
-              <a:rPr lang="en-US" dirty="0" err="1" smtClean="0"/>
-              <a:t>piuttosto</a:t>
-            </a:r>
-            <a:r>
-              <a:rPr lang="en-US" dirty="0" smtClean="0"/>
-              <a:t> </a:t>
-            </a:r>
-            <a:r>
-              <a:rPr lang="en-US" dirty="0" err="1" smtClean="0"/>
-              <a:t>evoluto</a:t>
+              <a:t>A </a:t>
+            </a:r>
+            <a:r>
+              <a:rPr lang="en-US" dirty="0" err="1" smtClean="0"/>
+              <a:t>partire</a:t>
+            </a:r>
+            <a:r>
+              <a:rPr lang="en-US" dirty="0" smtClean="0"/>
+              <a:t> da Visual Studio 2013 è </a:t>
+            </a:r>
+            <a:r>
+              <a:rPr lang="en-US" dirty="0" err="1" smtClean="0"/>
+              <a:t>possibile</a:t>
+            </a:r>
+            <a:r>
+              <a:rPr lang="en-US" dirty="0" smtClean="0"/>
+              <a:t> </a:t>
+            </a:r>
+            <a:r>
+              <a:rPr lang="en-US" dirty="0" err="1" smtClean="0"/>
+              <a:t>abilitare</a:t>
+            </a:r>
+            <a:r>
+              <a:rPr lang="en-US" dirty="0" smtClean="0"/>
+              <a:t> </a:t>
+            </a:r>
+            <a:r>
+              <a:rPr lang="en-US" dirty="0" err="1" smtClean="0"/>
+              <a:t>un’utile</a:t>
+            </a:r>
+            <a:r>
+              <a:rPr lang="en-US" dirty="0" smtClean="0"/>
+              <a:t> </a:t>
+            </a:r>
+            <a:r>
+              <a:rPr lang="en-US" dirty="0" err="1" smtClean="0"/>
+              <a:t>opzione</a:t>
+            </a:r>
+            <a:r>
+              <a:rPr lang="en-US" dirty="0" smtClean="0"/>
+              <a:t> </a:t>
+            </a:r>
+            <a:r>
+              <a:rPr lang="en-US" dirty="0" err="1" smtClean="0"/>
+              <a:t>fra</a:t>
+            </a:r>
+            <a:r>
+              <a:rPr lang="en-US" dirty="0" smtClean="0"/>
+              <a:t> </a:t>
+            </a:r>
+            <a:r>
+              <a:rPr lang="en-US" dirty="0" err="1" smtClean="0"/>
+              <a:t>quelle</a:t>
+            </a:r>
+            <a:r>
+              <a:rPr lang="en-US" dirty="0" smtClean="0"/>
+              <a:t> di debug, </a:t>
+            </a:r>
+            <a:r>
+              <a:rPr lang="en-US" dirty="0" err="1" smtClean="0"/>
+              <a:t>ovvero</a:t>
+            </a:r>
+            <a:r>
+              <a:rPr lang="en-US" dirty="0" smtClean="0"/>
+              <a:t> “enable just my code” (di default on) </a:t>
+            </a:r>
+            <a:r>
+              <a:rPr lang="en-US" dirty="0" err="1" smtClean="0"/>
+              <a:t>che</a:t>
+            </a:r>
+            <a:r>
+              <a:rPr lang="en-US" dirty="0" smtClean="0"/>
+              <a:t> </a:t>
+            </a:r>
+            <a:r>
+              <a:rPr lang="en-US" dirty="0" err="1" smtClean="0"/>
+              <a:t>agisce</a:t>
+            </a:r>
+            <a:r>
+              <a:rPr lang="en-US" dirty="0" smtClean="0"/>
+              <a:t> </a:t>
+            </a:r>
+            <a:r>
+              <a:rPr lang="en-US" dirty="0" err="1" smtClean="0"/>
+              <a:t>anche</a:t>
+            </a:r>
+            <a:r>
+              <a:rPr lang="en-US" dirty="0" smtClean="0"/>
+              <a:t> per </a:t>
+            </a:r>
+            <a:r>
+              <a:rPr lang="en-US" dirty="0" err="1" smtClean="0"/>
+              <a:t>il</a:t>
+            </a:r>
+            <a:r>
+              <a:rPr lang="en-US" dirty="0" smtClean="0"/>
+              <a:t> </a:t>
+            </a:r>
+            <a:r>
+              <a:rPr lang="en-US" dirty="0" err="1" smtClean="0"/>
+              <a:t>codice</a:t>
+            </a:r>
+            <a:r>
+              <a:rPr lang="en-US" dirty="0" smtClean="0"/>
+              <a:t> </a:t>
+            </a:r>
+            <a:r>
+              <a:rPr lang="en-US" dirty="0" err="1" smtClean="0"/>
+              <a:t>nativo</a:t>
             </a:r>
             <a:endParaRPr lang="en-US" dirty="0" smtClean="0"/>
           </a:p>
           <a:p>
             <a:pPr lvl="0" algn="just"/>
-            <a:r>
-              <a:rPr lang="en-US" dirty="0" err="1" smtClean="0"/>
-              <a:t>Filosoficamente</a:t>
-            </a:r>
-            <a:r>
-              <a:rPr lang="en-US" dirty="0" smtClean="0"/>
-              <a:t> </a:t>
-            </a:r>
-            <a:r>
-              <a:rPr lang="en-US" dirty="0" err="1" smtClean="0"/>
-              <a:t>si</a:t>
-            </a:r>
-            <a:r>
-              <a:rPr lang="en-US" dirty="0" smtClean="0"/>
-              <a:t> </a:t>
-            </a:r>
-            <a:r>
-              <a:rPr lang="en-US" dirty="0" err="1" smtClean="0"/>
-              <a:t>potrebbe</a:t>
-            </a:r>
-            <a:r>
-              <a:rPr lang="en-US" dirty="0" smtClean="0"/>
-              <a:t> </a:t>
-            </a:r>
-            <a:r>
-              <a:rPr lang="en-US" dirty="0" err="1" smtClean="0"/>
-              <a:t>pensare</a:t>
-            </a:r>
-            <a:r>
-              <a:rPr lang="en-US" dirty="0" smtClean="0"/>
-              <a:t> </a:t>
-            </a:r>
-            <a:r>
-              <a:rPr lang="en-US" dirty="0" err="1" smtClean="0"/>
-              <a:t>che</a:t>
-            </a:r>
-            <a:r>
-              <a:rPr lang="en-US" dirty="0" smtClean="0"/>
-              <a:t> </a:t>
-            </a:r>
-            <a:r>
-              <a:rPr lang="en-US" dirty="0" err="1" smtClean="0"/>
-              <a:t>il</a:t>
-            </a:r>
-            <a:r>
-              <a:rPr lang="en-US" dirty="0" smtClean="0"/>
-              <a:t> debugger </a:t>
-            </a:r>
-            <a:r>
-              <a:rPr lang="en-US" dirty="0" err="1" smtClean="0"/>
-              <a:t>sia</a:t>
-            </a:r>
-            <a:r>
-              <a:rPr lang="en-US" dirty="0" smtClean="0"/>
-              <a:t> un </a:t>
-            </a:r>
-            <a:r>
-              <a:rPr lang="en-US" dirty="0" err="1" smtClean="0"/>
-              <a:t>po</a:t>
-            </a:r>
-            <a:r>
-              <a:rPr lang="en-US" dirty="0" smtClean="0"/>
-              <a:t>’ “</a:t>
-            </a:r>
-            <a:r>
-              <a:rPr lang="en-US" dirty="0" err="1" smtClean="0"/>
-              <a:t>l’ultima</a:t>
-            </a:r>
-            <a:r>
-              <a:rPr lang="en-US" dirty="0" smtClean="0"/>
-              <a:t> </a:t>
-            </a:r>
-            <a:r>
-              <a:rPr lang="en-US" dirty="0" err="1" smtClean="0"/>
-              <a:t>spiaggia</a:t>
-            </a:r>
-            <a:r>
-              <a:rPr lang="en-US" dirty="0" smtClean="0"/>
-              <a:t>” </a:t>
-            </a:r>
-            <a:r>
-              <a:rPr lang="en-US" dirty="0" err="1" smtClean="0"/>
-              <a:t>nel</a:t>
-            </a:r>
-            <a:r>
-              <a:rPr lang="en-US" dirty="0" smtClean="0"/>
-              <a:t> </a:t>
-            </a:r>
-            <a:r>
-              <a:rPr lang="en-US" dirty="0" err="1" smtClean="0"/>
-              <a:t>senso</a:t>
-            </a:r>
-            <a:r>
-              <a:rPr lang="en-US" dirty="0" smtClean="0"/>
-              <a:t> </a:t>
-            </a:r>
-            <a:r>
-              <a:rPr lang="en-US" dirty="0" err="1" smtClean="0"/>
-              <a:t>che</a:t>
-            </a:r>
-            <a:r>
-              <a:rPr lang="en-US" dirty="0" smtClean="0"/>
-              <a:t> se un </a:t>
-            </a:r>
-            <a:r>
-              <a:rPr lang="en-US" dirty="0" err="1" smtClean="0"/>
-              <a:t>codice</a:t>
-            </a:r>
-            <a:r>
-              <a:rPr lang="en-US" dirty="0" smtClean="0"/>
-              <a:t> </a:t>
-            </a:r>
-            <a:r>
-              <a:rPr lang="en-US" dirty="0" err="1" smtClean="0"/>
-              <a:t>viene</a:t>
-            </a:r>
-            <a:r>
-              <a:rPr lang="en-US" dirty="0" smtClean="0"/>
-              <a:t> </a:t>
-            </a:r>
-            <a:r>
-              <a:rPr lang="en-US" dirty="0" err="1" smtClean="0"/>
-              <a:t>scritto</a:t>
-            </a:r>
-            <a:r>
-              <a:rPr lang="en-US" dirty="0" smtClean="0"/>
-              <a:t> </a:t>
-            </a:r>
-            <a:r>
-              <a:rPr lang="en-US" dirty="0" err="1" smtClean="0"/>
-              <a:t>correttamente</a:t>
-            </a:r>
-            <a:r>
-              <a:rPr lang="en-US" dirty="0" smtClean="0"/>
-              <a:t>, ne </a:t>
-            </a:r>
-            <a:r>
-              <a:rPr lang="en-US" dirty="0" err="1" smtClean="0"/>
-              <a:t>vengono</a:t>
-            </a:r>
-            <a:r>
-              <a:rPr lang="en-US" dirty="0" smtClean="0"/>
-              <a:t> </a:t>
-            </a:r>
-            <a:r>
-              <a:rPr lang="en-US" dirty="0" err="1" smtClean="0"/>
-              <a:t>fatti</a:t>
-            </a:r>
-            <a:r>
-              <a:rPr lang="en-US" dirty="0" smtClean="0"/>
-              <a:t> </a:t>
-            </a:r>
-            <a:r>
-              <a:rPr lang="en-US" dirty="0" err="1" smtClean="0"/>
-              <a:t>gli</a:t>
-            </a:r>
-            <a:r>
-              <a:rPr lang="en-US" dirty="0" smtClean="0"/>
-              <a:t> </a:t>
-            </a:r>
-            <a:r>
-              <a:rPr lang="en-US" dirty="0" err="1" smtClean="0"/>
-              <a:t>opportuni</a:t>
-            </a:r>
-            <a:r>
-              <a:rPr lang="en-US" dirty="0" smtClean="0"/>
-              <a:t> test (</a:t>
-            </a:r>
-            <a:r>
-              <a:rPr lang="en-US" dirty="0" err="1" smtClean="0"/>
-              <a:t>siano</a:t>
-            </a:r>
-            <a:r>
-              <a:rPr lang="en-US" dirty="0" smtClean="0"/>
-              <a:t> </a:t>
-            </a:r>
-            <a:r>
-              <a:rPr lang="en-US" dirty="0" err="1" smtClean="0"/>
-              <a:t>essi</a:t>
-            </a:r>
-            <a:r>
-              <a:rPr lang="en-US" dirty="0" smtClean="0"/>
-              <a:t> </a:t>
-            </a:r>
-            <a:r>
-              <a:rPr lang="en-US" dirty="0" err="1" smtClean="0"/>
-              <a:t>unitari</a:t>
-            </a:r>
-            <a:r>
-              <a:rPr lang="en-US" dirty="0" smtClean="0"/>
-              <a:t> , di non </a:t>
-            </a:r>
-            <a:r>
-              <a:rPr lang="en-US" dirty="0" err="1" smtClean="0"/>
-              <a:t>regressione</a:t>
-            </a:r>
-            <a:r>
-              <a:rPr lang="en-US" dirty="0" smtClean="0"/>
-              <a:t>, di performances) e </a:t>
-            </a:r>
-            <a:r>
-              <a:rPr lang="en-US" dirty="0" err="1" smtClean="0"/>
-              <a:t>viene</a:t>
-            </a:r>
-            <a:r>
-              <a:rPr lang="en-US" dirty="0" smtClean="0"/>
-              <a:t> </a:t>
-            </a:r>
-            <a:r>
-              <a:rPr lang="en-US" dirty="0" err="1" smtClean="0"/>
-              <a:t>utilizzato</a:t>
-            </a:r>
-            <a:r>
-              <a:rPr lang="en-US" dirty="0" smtClean="0"/>
-              <a:t> in </a:t>
-            </a:r>
-            <a:r>
-              <a:rPr lang="en-US" dirty="0" err="1" smtClean="0"/>
-              <a:t>produzione</a:t>
-            </a:r>
-            <a:r>
-              <a:rPr lang="en-US" dirty="0" smtClean="0"/>
-              <a:t>, </a:t>
-            </a:r>
-            <a:r>
-              <a:rPr lang="en-US" dirty="0" err="1" smtClean="0"/>
-              <a:t>dovremmo</a:t>
-            </a:r>
-            <a:r>
-              <a:rPr lang="en-US" dirty="0" smtClean="0"/>
-              <a:t> </a:t>
-            </a:r>
-            <a:r>
-              <a:rPr lang="en-US" dirty="0" err="1" smtClean="0"/>
-              <a:t>essere</a:t>
-            </a:r>
-            <a:r>
-              <a:rPr lang="en-US" dirty="0" smtClean="0"/>
-              <a:t> </a:t>
-            </a:r>
-            <a:r>
-              <a:rPr lang="en-US" dirty="0" err="1" smtClean="0"/>
-              <a:t>ragionevolmente</a:t>
-            </a:r>
-            <a:r>
-              <a:rPr lang="en-US" dirty="0" smtClean="0"/>
-              <a:t> </a:t>
-            </a:r>
-            <a:r>
-              <a:rPr lang="en-US" dirty="0" err="1" smtClean="0"/>
-              <a:t>sicuri</a:t>
-            </a:r>
-            <a:r>
-              <a:rPr lang="en-US" dirty="0" smtClean="0"/>
-              <a:t> </a:t>
-            </a:r>
-            <a:r>
-              <a:rPr lang="en-US" dirty="0" err="1" smtClean="0"/>
-              <a:t>che</a:t>
-            </a:r>
-            <a:r>
-              <a:rPr lang="en-US" dirty="0" smtClean="0"/>
-              <a:t> </a:t>
-            </a:r>
-            <a:r>
-              <a:rPr lang="en-US" dirty="0" err="1" smtClean="0"/>
-              <a:t>tutto</a:t>
-            </a:r>
-            <a:r>
-              <a:rPr lang="en-US" dirty="0" smtClean="0"/>
-              <a:t> </a:t>
-            </a:r>
-            <a:r>
-              <a:rPr lang="en-US" dirty="0" err="1" smtClean="0"/>
-              <a:t>funzioni</a:t>
-            </a:r>
             <a:endParaRPr lang="en-US" dirty="0" smtClean="0"/>
           </a:p>
           <a:p>
-            <a:pPr lvl="0" algn="just"/>
-            <a:r>
-              <a:rPr lang="en-US" dirty="0" err="1" smtClean="0"/>
-              <a:t>Questo</a:t>
-            </a:r>
-            <a:r>
-              <a:rPr lang="en-US" dirty="0" smtClean="0"/>
-              <a:t> </a:t>
-            </a:r>
-            <a:r>
-              <a:rPr lang="en-US" dirty="0" err="1" smtClean="0"/>
-              <a:t>potrebbe</a:t>
-            </a:r>
-            <a:r>
-              <a:rPr lang="en-US" dirty="0" smtClean="0"/>
-              <a:t> </a:t>
-            </a:r>
-            <a:r>
-              <a:rPr lang="en-US" dirty="0" err="1" smtClean="0"/>
-              <a:t>essere</a:t>
-            </a:r>
-            <a:r>
-              <a:rPr lang="en-US" dirty="0" smtClean="0"/>
-              <a:t> </a:t>
-            </a:r>
-            <a:r>
-              <a:rPr lang="en-US" dirty="0" err="1" smtClean="0"/>
-              <a:t>vero</a:t>
-            </a:r>
-            <a:r>
-              <a:rPr lang="en-US" dirty="0" smtClean="0"/>
-              <a:t> per </a:t>
-            </a:r>
-            <a:r>
-              <a:rPr lang="en-US" dirty="0" err="1" smtClean="0"/>
-              <a:t>applicazioni</a:t>
-            </a:r>
-            <a:r>
-              <a:rPr lang="en-US" dirty="0" smtClean="0"/>
-              <a:t> </a:t>
-            </a:r>
-            <a:r>
-              <a:rPr lang="en-US" dirty="0" err="1" smtClean="0"/>
-              <a:t>nuove</a:t>
-            </a:r>
-            <a:r>
-              <a:rPr lang="en-US" dirty="0"/>
-              <a:t> </a:t>
-            </a:r>
-            <a:r>
-              <a:rPr lang="en-US" dirty="0" smtClean="0"/>
-              <a:t>e </a:t>
-            </a:r>
-            <a:r>
-              <a:rPr lang="en-US" dirty="0" err="1" smtClean="0"/>
-              <a:t>sufficentemente</a:t>
-            </a:r>
-            <a:r>
-              <a:rPr lang="en-US" dirty="0" smtClean="0"/>
-              <a:t> </a:t>
-            </a:r>
-            <a:r>
-              <a:rPr lang="en-US" dirty="0" err="1" smtClean="0"/>
-              <a:t>modulari</a:t>
-            </a:r>
-            <a:endParaRPr lang="en-US" dirty="0" smtClean="0"/>
-          </a:p>
-          <a:p>
-            <a:pPr lvl="0" algn="just"/>
-            <a:r>
-              <a:rPr lang="en-US" dirty="0" smtClean="0"/>
-              <a:t>Ci </a:t>
-            </a:r>
-            <a:r>
-              <a:rPr lang="en-US" dirty="0" err="1" smtClean="0"/>
-              <a:t>sono</a:t>
-            </a:r>
-            <a:r>
-              <a:rPr lang="en-US" dirty="0" smtClean="0"/>
-              <a:t> </a:t>
-            </a:r>
-            <a:r>
-              <a:rPr lang="en-US" dirty="0" err="1" smtClean="0"/>
-              <a:t>però</a:t>
-            </a:r>
-            <a:r>
-              <a:rPr lang="en-US" dirty="0" smtClean="0"/>
-              <a:t> </a:t>
-            </a:r>
-            <a:r>
-              <a:rPr lang="en-US" dirty="0" err="1" smtClean="0"/>
-              <a:t>una</a:t>
-            </a:r>
-            <a:r>
-              <a:rPr lang="en-US" dirty="0" smtClean="0"/>
-              <a:t> </a:t>
-            </a:r>
-            <a:r>
-              <a:rPr lang="en-US" dirty="0" err="1" smtClean="0"/>
-              <a:t>mriade</a:t>
-            </a:r>
-            <a:r>
-              <a:rPr lang="en-US" dirty="0" smtClean="0"/>
-              <a:t> di </a:t>
-            </a:r>
-            <a:r>
-              <a:rPr lang="en-US" dirty="0" err="1" smtClean="0"/>
-              <a:t>casi</a:t>
-            </a:r>
-            <a:r>
-              <a:rPr lang="en-US" dirty="0"/>
-              <a:t> </a:t>
-            </a:r>
-            <a:r>
-              <a:rPr lang="en-US" dirty="0" smtClean="0"/>
-              <a:t>per </a:t>
-            </a:r>
-            <a:r>
-              <a:rPr lang="en-US" dirty="0" err="1" smtClean="0"/>
-              <a:t>i</a:t>
-            </a:r>
-            <a:r>
-              <a:rPr lang="en-US" dirty="0" smtClean="0"/>
-              <a:t> </a:t>
-            </a:r>
-            <a:r>
-              <a:rPr lang="en-US" dirty="0" err="1" smtClean="0"/>
-              <a:t>quali</a:t>
-            </a:r>
-            <a:r>
-              <a:rPr lang="en-US" dirty="0" smtClean="0"/>
-              <a:t> </a:t>
-            </a:r>
-            <a:r>
-              <a:rPr lang="en-US" dirty="0" err="1" smtClean="0"/>
-              <a:t>il</a:t>
-            </a:r>
-            <a:r>
-              <a:rPr lang="en-US" dirty="0" smtClean="0"/>
-              <a:t> debugger </a:t>
-            </a:r>
-            <a:r>
-              <a:rPr lang="en-US" dirty="0" err="1" smtClean="0"/>
-              <a:t>diventa</a:t>
-            </a:r>
-            <a:r>
-              <a:rPr lang="en-US" dirty="0" smtClean="0"/>
-              <a:t> </a:t>
-            </a:r>
-            <a:r>
-              <a:rPr lang="en-US" dirty="0" err="1" smtClean="0"/>
-              <a:t>l’unica</a:t>
-            </a:r>
-            <a:r>
-              <a:rPr lang="en-US" dirty="0" smtClean="0"/>
-              <a:t> </a:t>
-            </a:r>
-            <a:r>
-              <a:rPr lang="en-US" dirty="0" err="1" smtClean="0"/>
-              <a:t>risorsa</a:t>
-            </a:r>
-            <a:r>
-              <a:rPr lang="en-US" dirty="0" smtClean="0"/>
-              <a:t>.</a:t>
-            </a:r>
-            <a:endParaRPr lang="en-US" dirty="0"/>
-          </a:p>
-          <a:p>
-            <a:pPr lvl="1" algn="just"/>
-            <a:endParaRPr lang="en-US" dirty="0"/>
-          </a:p>
-          <a:p>
-            <a:pPr marL="274320" lvl="1" indent="0" algn="just">
+            <a:pPr marL="0" lvl="0" indent="0" algn="just">
               <a:buNone/>
             </a:pPr>
-            <a:endParaRPr lang="en-US" dirty="0"/>
+            <a:endParaRPr lang="en-US" dirty="0" smtClean="0"/>
           </a:p>
           <a:p>
             <a:pPr marL="0" lvl="0" indent="0" algn="just">
@@ -18263,21 +18616,240 @@
             <a:endParaRPr lang="en-US" dirty="0"/>
           </a:p>
           <a:p>
+            <a:pPr lvl="0" algn="just"/>
+            <a:r>
+              <a:rPr lang="en-US" dirty="0" err="1" smtClean="0"/>
+              <a:t>Viene</a:t>
+            </a:r>
+            <a:r>
+              <a:rPr lang="en-US" dirty="0" smtClean="0"/>
+              <a:t> </a:t>
+            </a:r>
+            <a:r>
+              <a:rPr lang="en-US" dirty="0" err="1" smtClean="0"/>
+              <a:t>considerato</a:t>
+            </a:r>
+            <a:r>
+              <a:rPr lang="en-US" dirty="0" smtClean="0"/>
+              <a:t> “not my code”:</a:t>
+            </a:r>
+          </a:p>
+          <a:p>
             <a:pPr lvl="1" algn="just"/>
-            <a:endParaRPr lang="en-US" dirty="0"/>
-          </a:p>
-          <a:p>
-            <a:pPr marL="274320" lvl="1" indent="0" algn="just">
-              <a:buNone/>
-            </a:pPr>
+            <a:r>
+              <a:rPr lang="en-US" dirty="0" err="1" smtClean="0"/>
+              <a:t>Funzioni</a:t>
+            </a:r>
+            <a:r>
+              <a:rPr lang="en-US" dirty="0" smtClean="0"/>
+              <a:t> </a:t>
+            </a:r>
+            <a:r>
+              <a:rPr lang="en-US" dirty="0" err="1" smtClean="0"/>
+              <a:t>che</a:t>
+            </a:r>
+            <a:r>
+              <a:rPr lang="en-US" dirty="0" smtClean="0"/>
+              <a:t> </a:t>
+            </a:r>
+            <a:r>
+              <a:rPr lang="en-US" dirty="0" err="1" smtClean="0"/>
+              <a:t>hanno</a:t>
+            </a:r>
+            <a:r>
+              <a:rPr lang="en-US" dirty="0" smtClean="0"/>
+              <a:t> </a:t>
+            </a:r>
+            <a:r>
+              <a:rPr lang="en-US" dirty="0" err="1" smtClean="0"/>
+              <a:t>il</a:t>
+            </a:r>
+            <a:r>
+              <a:rPr lang="en-US" dirty="0" smtClean="0"/>
+              <a:t> .</a:t>
+            </a:r>
+            <a:r>
+              <a:rPr lang="en-US" dirty="0" err="1" smtClean="0"/>
+              <a:t>pdb</a:t>
+            </a:r>
+            <a:r>
+              <a:rPr lang="en-US" dirty="0" smtClean="0"/>
+              <a:t> </a:t>
+            </a:r>
+            <a:r>
+              <a:rPr lang="en-US" dirty="0" err="1" smtClean="0"/>
+              <a:t>associato</a:t>
+            </a:r>
+            <a:r>
+              <a:rPr lang="en-US" dirty="0" smtClean="0"/>
+              <a:t> ma con </a:t>
+            </a:r>
+            <a:r>
+              <a:rPr lang="en-US" dirty="0" err="1" smtClean="0"/>
+              <a:t>l’informazione</a:t>
+            </a:r>
+            <a:r>
+              <a:rPr lang="en-US" dirty="0" smtClean="0"/>
+              <a:t> stripped</a:t>
+            </a:r>
+          </a:p>
+          <a:p>
+            <a:pPr lvl="1" algn="just"/>
+            <a:r>
+              <a:rPr lang="en-US" dirty="0" err="1" smtClean="0"/>
+              <a:t>Funzioni</a:t>
+            </a:r>
+            <a:r>
+              <a:rPr lang="en-US" dirty="0" smtClean="0"/>
+              <a:t> per le </a:t>
+            </a:r>
+            <a:r>
+              <a:rPr lang="en-US" dirty="0" err="1" smtClean="0"/>
+              <a:t>quali</a:t>
+            </a:r>
+            <a:r>
+              <a:rPr lang="en-US" dirty="0" smtClean="0"/>
+              <a:t> </a:t>
+            </a:r>
+            <a:r>
+              <a:rPr lang="en-US" dirty="0" err="1" smtClean="0"/>
+              <a:t>il</a:t>
+            </a:r>
+            <a:r>
+              <a:rPr lang="en-US" dirty="0" smtClean="0"/>
+              <a:t> .</a:t>
+            </a:r>
+            <a:r>
+              <a:rPr lang="en-US" dirty="0" err="1" smtClean="0"/>
+              <a:t>pdb</a:t>
+            </a:r>
+            <a:r>
+              <a:rPr lang="en-US" dirty="0" smtClean="0"/>
+              <a:t> </a:t>
+            </a:r>
+            <a:r>
+              <a:rPr lang="en-US" dirty="0" err="1" smtClean="0"/>
+              <a:t>indica</a:t>
+            </a:r>
+            <a:r>
+              <a:rPr lang="en-US" dirty="0" smtClean="0"/>
+              <a:t> </a:t>
+            </a:r>
+            <a:r>
+              <a:rPr lang="en-US" dirty="0" err="1" smtClean="0"/>
+              <a:t>che</a:t>
+            </a:r>
+            <a:r>
+              <a:rPr lang="en-US" dirty="0" smtClean="0"/>
+              <a:t> non è </a:t>
+            </a:r>
+            <a:r>
+              <a:rPr lang="en-US" dirty="0" err="1" smtClean="0"/>
+              <a:t>presente</a:t>
+            </a:r>
+            <a:r>
+              <a:rPr lang="en-US" dirty="0" smtClean="0"/>
+              <a:t> </a:t>
+            </a:r>
+            <a:r>
+              <a:rPr lang="en-US" dirty="0" err="1" smtClean="0"/>
+              <a:t>il</a:t>
+            </a:r>
+            <a:r>
+              <a:rPr lang="en-US" dirty="0" smtClean="0"/>
+              <a:t> </a:t>
+            </a:r>
+            <a:r>
+              <a:rPr lang="en-US" dirty="0" err="1" smtClean="0"/>
+              <a:t>sorgente</a:t>
+            </a:r>
+            <a:r>
+              <a:rPr lang="en-US" dirty="0" smtClean="0"/>
+              <a:t> </a:t>
+            </a:r>
+            <a:r>
+              <a:rPr lang="en-US" dirty="0" err="1" smtClean="0"/>
+              <a:t>associato</a:t>
+            </a:r>
+            <a:endParaRPr lang="en-US" dirty="0" smtClean="0"/>
+          </a:p>
+          <a:p>
+            <a:pPr lvl="1" algn="just"/>
+            <a:r>
+              <a:rPr lang="en-US" dirty="0" err="1" smtClean="0"/>
+              <a:t>Funzioni</a:t>
+            </a:r>
+            <a:r>
+              <a:rPr lang="en-US" dirty="0" smtClean="0"/>
+              <a:t> </a:t>
+            </a:r>
+            <a:r>
+              <a:rPr lang="en-US" dirty="0" err="1" smtClean="0"/>
+              <a:t>specificate</a:t>
+            </a:r>
+            <a:r>
+              <a:rPr lang="en-US" dirty="0" smtClean="0"/>
+              <a:t> </a:t>
+            </a:r>
+            <a:r>
+              <a:rPr lang="en-US" dirty="0" err="1" smtClean="0"/>
+              <a:t>nei</a:t>
+            </a:r>
+            <a:r>
+              <a:rPr lang="en-US" dirty="0" smtClean="0"/>
+              <a:t> files .</a:t>
+            </a:r>
+            <a:r>
+              <a:rPr lang="en-US" dirty="0" err="1" smtClean="0"/>
+              <a:t>natjmc</a:t>
+            </a:r>
+            <a:r>
+              <a:rPr lang="en-US" dirty="0" smtClean="0"/>
+              <a:t> :</a:t>
+            </a:r>
+          </a:p>
+          <a:p>
+            <a:pPr lvl="2" algn="just"/>
+            <a:r>
+              <a:rPr lang="it-IT" dirty="0" smtClean="0"/>
+              <a:t>%</a:t>
+            </a:r>
+            <a:r>
+              <a:rPr lang="it-IT" dirty="0"/>
+              <a:t>VsInstallDirectory%\Common7\Packages\Debugger\Visualizer</a:t>
+            </a:r>
             <a:endParaRPr lang="en-US" dirty="0" smtClean="0"/>
           </a:p>
         </p:txBody>
       </p:sp>
+      <p:pic>
+        <p:nvPicPr>
+          <p:cNvPr id="4" name="Picture 3"/>
+          <p:cNvPicPr>
+            <a:picLocks noChangeAspect="1"/>
+          </p:cNvPicPr>
+          <p:nvPr/>
+        </p:nvPicPr>
+        <p:blipFill>
+          <a:blip r:embed="rId2"/>
+          <a:stretch>
+            <a:fillRect/>
+          </a:stretch>
+        </p:blipFill>
+        <p:spPr>
+          <a:xfrm>
+            <a:off x="1261872" y="2984991"/>
+            <a:ext cx="6905625" cy="1028700"/>
+          </a:xfrm>
+          <a:prstGeom prst="rect">
+            <a:avLst/>
+          </a:prstGeom>
+        </p:spPr>
+      </p:pic>
     </p:spTree>
     <p:extLst>
       <p:ext uri="{BB962C8B-B14F-4D97-AF65-F5344CB8AC3E}">
-        <p14:creationId xmlns:p14="http://schemas.microsoft.com/office/powerpoint/2010/main" val="62380396"/>
+        <p14:creationId xmlns:p14="http://schemas.microsoft.com/office/powerpoint/2010/main" val="4040920646"/>
       </p:ext>
     </p:extLst>
   </p:cSld>
@@ -18335,8 +18907,20 @@
           <a:lstStyle/>
           <a:p>
             <a:r>
-              <a:rPr lang="en-US" dirty="0" smtClean="0"/>
-              <a:t>Debugger – use cases</a:t>
+              <a:rPr lang="en-US" dirty="0" err="1" smtClean="0"/>
+              <a:t>Customizzare</a:t>
+            </a:r>
+            <a:r>
+              <a:rPr lang="en-US" dirty="0" smtClean="0"/>
+              <a:t> </a:t>
+            </a:r>
+            <a:r>
+              <a:rPr lang="en-US" dirty="0" err="1" smtClean="0"/>
+              <a:t>il</a:t>
+            </a:r>
+            <a:r>
+              <a:rPr lang="en-US" dirty="0" smtClean="0"/>
+              <a:t> “just my code”	</a:t>
             </a:r>
             <a:endParaRPr lang="it-IT" dirty="0"/>
           </a:p>
@@ -18361,36 +18945,99 @@
           <a:p>
             <a:pPr lvl="0" algn="just"/>
             <a:r>
-              <a:rPr lang="en-US" dirty="0" smtClean="0"/>
-              <a:t>Un </a:t>
-            </a:r>
-            <a:r>
-              <a:rPr lang="en-US" dirty="0" err="1" smtClean="0"/>
-              <a:t>caso</a:t>
-            </a:r>
-            <a:r>
-              <a:rPr lang="en-US" dirty="0" smtClean="0"/>
-              <a:t> </a:t>
-            </a:r>
-            <a:r>
-              <a:rPr lang="en-US" dirty="0" err="1" smtClean="0"/>
-              <a:t>potrebbe</a:t>
-            </a:r>
-            <a:r>
-              <a:rPr lang="en-US" dirty="0" smtClean="0"/>
-              <a:t> </a:t>
-            </a:r>
-            <a:r>
-              <a:rPr lang="en-US" dirty="0" err="1" smtClean="0"/>
-              <a:t>essere</a:t>
-            </a:r>
-            <a:r>
-              <a:rPr lang="en-US" dirty="0" smtClean="0"/>
-              <a:t> </a:t>
-            </a:r>
-            <a:r>
-              <a:rPr lang="en-US" dirty="0" err="1" smtClean="0"/>
-              <a:t>quello</a:t>
+              <a:rPr lang="it-IT" dirty="0" smtClean="0"/>
+              <a:t>All’interno del folder </a:t>
+            </a:r>
+            <a:r>
+              <a:rPr lang="it-IT" b="1" dirty="0" smtClean="0"/>
+              <a:t>..\Common7\Packages\Debugger\Visualizers </a:t>
+            </a:r>
+            <a:r>
+              <a:rPr lang="it-IT" dirty="0" smtClean="0"/>
+              <a:t>troviamo alcuni file con i quali possiamo customizzare il comportamento:</a:t>
+            </a:r>
+          </a:p>
+          <a:p>
+            <a:pPr lvl="1" algn="just"/>
+            <a:r>
+              <a:rPr lang="it-IT" b="1" dirty="0" smtClean="0"/>
+              <a:t>*.natjmc: </a:t>
+            </a:r>
+            <a:r>
+              <a:rPr lang="it-IT" dirty="0" smtClean="0"/>
+              <a:t>contiene le informazioni di ciò che non è considerato </a:t>
+            </a:r>
+            <a:r>
+              <a:rPr lang="en-US" dirty="0" smtClean="0"/>
+              <a:t>“my code” in termini di files (</a:t>
+            </a:r>
+            <a:r>
+              <a:rPr lang="en-US" dirty="0" err="1" smtClean="0"/>
+              <a:t>quindi</a:t>
+            </a:r>
+            <a:r>
+              <a:rPr lang="en-US" dirty="0" smtClean="0"/>
+              <a:t> ad </a:t>
+            </a:r>
+            <a:r>
+              <a:rPr lang="en-US" dirty="0" err="1" smtClean="0"/>
+              <a:t>esempio</a:t>
+            </a:r>
+            <a:r>
+              <a:rPr lang="en-US" dirty="0" smtClean="0"/>
+              <a:t> </a:t>
+            </a:r>
+            <a:r>
+              <a:rPr lang="en-US" dirty="0" err="1" smtClean="0"/>
+              <a:t>locazioni</a:t>
+            </a:r>
+            <a:r>
+              <a:rPr lang="en-US" dirty="0" smtClean="0"/>
+              <a:t> di .</a:t>
+            </a:r>
+            <a:r>
+              <a:rPr lang="en-US" dirty="0" err="1" smtClean="0"/>
+              <a:t>dll</a:t>
+            </a:r>
+            <a:r>
+              <a:rPr lang="en-US" dirty="0" smtClean="0"/>
+              <a:t> o di </a:t>
+            </a:r>
+            <a:r>
+              <a:rPr lang="en-US" dirty="0" err="1" smtClean="0"/>
+              <a:t>sorgenti</a:t>
+            </a:r>
+            <a:r>
+              <a:rPr lang="en-US" dirty="0" smtClean="0"/>
+              <a:t>)</a:t>
+            </a:r>
+            <a:endParaRPr lang="en-US" dirty="0" smtClean="0"/>
+          </a:p>
+          <a:p>
+            <a:pPr lvl="1" algn="just"/>
+            <a:r>
+              <a:rPr lang="en-US" b="1" dirty="0" smtClean="0"/>
+              <a:t>*.</a:t>
+            </a:r>
+            <a:r>
+              <a:rPr lang="en-US" b="1" dirty="0" err="1" smtClean="0"/>
+              <a:t>natstepfilter</a:t>
+            </a:r>
+            <a:r>
+              <a:rPr lang="en-US" b="1" dirty="0" smtClean="0"/>
+              <a:t>: </a:t>
+            </a:r>
+            <a:r>
+              <a:rPr lang="en-US" dirty="0" err="1" smtClean="0"/>
+              <a:t>contiene</a:t>
+            </a:r>
+            <a:r>
+              <a:rPr lang="en-US" dirty="0" smtClean="0"/>
+              <a:t> le </a:t>
+            </a:r>
+            <a:r>
+              <a:rPr lang="en-US" dirty="0" err="1" smtClean="0"/>
+              <a:t>informazioni</a:t>
             </a:r>
             <a:r>
               <a:rPr lang="en-US" dirty="0" smtClean="0"/>
@@ -18398,70 +19045,7 @@
             </a:r>
             <a:r>
               <a:rPr lang="en-US" dirty="0" err="1" smtClean="0"/>
-              <a:t>un’applicazione</a:t>
-            </a:r>
-            <a:r>
-              <a:rPr lang="en-US" dirty="0" smtClean="0"/>
-              <a:t> legacy, in cui </a:t>
-            </a:r>
-            <a:r>
-              <a:rPr lang="en-US" dirty="0" err="1" smtClean="0"/>
-              <a:t>molte</a:t>
-            </a:r>
-            <a:r>
-              <a:rPr lang="en-US" dirty="0" smtClean="0"/>
-              <a:t> </a:t>
-            </a:r>
-            <a:r>
-              <a:rPr lang="en-US" dirty="0" err="1" smtClean="0"/>
-              <a:t>parti</a:t>
-            </a:r>
-            <a:r>
-              <a:rPr lang="en-US" dirty="0" smtClean="0"/>
-              <a:t> non </a:t>
-            </a:r>
-            <a:r>
-              <a:rPr lang="en-US" dirty="0" err="1" smtClean="0"/>
-              <a:t>sono</a:t>
-            </a:r>
-            <a:r>
-              <a:rPr lang="en-US" dirty="0" smtClean="0"/>
-              <a:t> </a:t>
-            </a:r>
-            <a:r>
-              <a:rPr lang="en-US" dirty="0" err="1" smtClean="0"/>
-              <a:t>conosciute</a:t>
-            </a:r>
-            <a:r>
-              <a:rPr lang="en-US" dirty="0" smtClean="0"/>
-              <a:t> </a:t>
-            </a:r>
-          </a:p>
-          <a:p>
-            <a:pPr lvl="0" algn="just"/>
-            <a:r>
-              <a:rPr lang="en-US" dirty="0" smtClean="0"/>
-              <a:t>Un </a:t>
-            </a:r>
-            <a:r>
-              <a:rPr lang="en-US" dirty="0" err="1" smtClean="0"/>
-              <a:t>caso</a:t>
-            </a:r>
-            <a:r>
-              <a:rPr lang="en-US" dirty="0" smtClean="0"/>
-              <a:t> </a:t>
-            </a:r>
-            <a:r>
-              <a:rPr lang="en-US" dirty="0" err="1" smtClean="0"/>
-              <a:t>potrebbe</a:t>
-            </a:r>
-            <a:r>
-              <a:rPr lang="en-US" dirty="0" smtClean="0"/>
-              <a:t> </a:t>
-            </a:r>
-            <a:r>
-              <a:rPr lang="en-US" dirty="0" err="1" smtClean="0"/>
-              <a:t>essere</a:t>
+              <a:t>ciò</a:t>
             </a:r>
             <a:r>
               <a:rPr lang="en-US" dirty="0" smtClean="0"/>
@@ -18473,366 +19057,74 @@
             </a:r>
             <a:r>
               <a:rPr lang="en-US" dirty="0" smtClean="0"/>
-              <a:t> </a:t>
-            </a:r>
-            <a:r>
-              <a:rPr lang="en-US" dirty="0" err="1" smtClean="0"/>
-              <a:t>alcune</a:t>
-            </a:r>
-            <a:r>
-              <a:rPr lang="en-US" dirty="0" smtClean="0"/>
-              <a:t> </a:t>
-            </a:r>
-            <a:r>
-              <a:rPr lang="en-US" dirty="0" err="1" smtClean="0"/>
-              <a:t>parti</a:t>
-            </a:r>
-            <a:r>
-              <a:rPr lang="en-US" dirty="0" smtClean="0"/>
-              <a:t> di </a:t>
-            </a:r>
-            <a:r>
-              <a:rPr lang="en-US" dirty="0" err="1" smtClean="0"/>
-              <a:t>codice</a:t>
-            </a:r>
-            <a:r>
-              <a:rPr lang="en-US" dirty="0" smtClean="0"/>
-              <a:t> </a:t>
-            </a:r>
-            <a:r>
-              <a:rPr lang="en-US" dirty="0" err="1" smtClean="0"/>
-              <a:t>girano</a:t>
-            </a:r>
-            <a:r>
-              <a:rPr lang="en-US" dirty="0" smtClean="0"/>
-              <a:t> in </a:t>
-            </a:r>
-            <a:r>
-              <a:rPr lang="en-US" dirty="0" err="1" smtClean="0"/>
-              <a:t>altri</a:t>
-            </a:r>
-            <a:r>
-              <a:rPr lang="en-US" dirty="0" smtClean="0"/>
-              <a:t> </a:t>
-            </a:r>
-            <a:r>
-              <a:rPr lang="en-US" dirty="0" err="1" smtClean="0"/>
-              <a:t>processi</a:t>
-            </a:r>
-            <a:r>
-              <a:rPr lang="en-US" dirty="0" smtClean="0"/>
-              <a:t> (</a:t>
-            </a:r>
-            <a:r>
-              <a:rPr lang="en-US" dirty="0" err="1" smtClean="0"/>
-              <a:t>quindi</a:t>
-            </a:r>
-            <a:r>
-              <a:rPr lang="en-US" dirty="0" smtClean="0"/>
-              <a:t> </a:t>
-            </a:r>
-            <a:r>
-              <a:rPr lang="en-US" dirty="0" err="1" smtClean="0"/>
-              <a:t>applicazione</a:t>
-            </a:r>
-            <a:r>
-              <a:rPr lang="en-US" dirty="0" smtClean="0"/>
-              <a:t> </a:t>
-            </a:r>
-            <a:r>
-              <a:rPr lang="en-US" dirty="0" err="1" smtClean="0"/>
-              <a:t>fortemente</a:t>
-            </a:r>
-            <a:r>
-              <a:rPr lang="en-US" dirty="0" smtClean="0"/>
-              <a:t> integrate)</a:t>
-            </a:r>
-          </a:p>
-          <a:p>
-            <a:pPr lvl="0" algn="just"/>
-            <a:r>
-              <a:rPr lang="en-US" dirty="0" smtClean="0"/>
-              <a:t>Un </a:t>
-            </a:r>
-            <a:r>
-              <a:rPr lang="en-US" dirty="0" err="1" smtClean="0"/>
-              <a:t>caso</a:t>
-            </a:r>
-            <a:r>
-              <a:rPr lang="en-US" dirty="0" smtClean="0"/>
-              <a:t> </a:t>
-            </a:r>
-            <a:r>
-              <a:rPr lang="en-US" dirty="0" err="1" smtClean="0"/>
-              <a:t>potrebbe</a:t>
-            </a:r>
-            <a:r>
-              <a:rPr lang="en-US" dirty="0" smtClean="0"/>
-              <a:t> </a:t>
-            </a:r>
-            <a:r>
-              <a:rPr lang="en-US" dirty="0" err="1" smtClean="0"/>
-              <a:t>essere</a:t>
-            </a:r>
-            <a:r>
-              <a:rPr lang="en-US" dirty="0" smtClean="0"/>
-              <a:t> in </a:t>
-            </a:r>
-            <a:r>
-              <a:rPr lang="en-US" dirty="0" err="1" smtClean="0"/>
-              <a:t>generale</a:t>
-            </a:r>
-            <a:r>
-              <a:rPr lang="en-US" dirty="0" smtClean="0"/>
-              <a:t> </a:t>
-            </a:r>
-            <a:r>
-              <a:rPr lang="en-US" dirty="0" err="1" smtClean="0"/>
-              <a:t>un’applicazione</a:t>
-            </a:r>
-            <a:r>
-              <a:rPr lang="en-US" dirty="0" smtClean="0"/>
-              <a:t> </a:t>
-            </a:r>
-            <a:r>
-              <a:rPr lang="en-US" dirty="0" err="1" smtClean="0"/>
-              <a:t>scarsamente</a:t>
-            </a:r>
-            <a:r>
-              <a:rPr lang="en-US" dirty="0" smtClean="0"/>
-              <a:t> </a:t>
-            </a:r>
-            <a:r>
-              <a:rPr lang="en-US" dirty="0" err="1" smtClean="0"/>
-              <a:t>osservabile</a:t>
-            </a:r>
-            <a:r>
-              <a:rPr lang="en-US" dirty="0" smtClean="0"/>
-              <a:t>, come </a:t>
-            </a:r>
-            <a:r>
-              <a:rPr lang="en-US" dirty="0" err="1" smtClean="0"/>
-              <a:t>potrebbe</a:t>
-            </a:r>
-            <a:r>
-              <a:rPr lang="en-US" dirty="0" smtClean="0"/>
-              <a:t> </a:t>
-            </a:r>
-            <a:r>
-              <a:rPr lang="en-US" dirty="0" err="1" smtClean="0"/>
-              <a:t>essere</a:t>
-            </a:r>
-            <a:r>
-              <a:rPr lang="en-US" dirty="0"/>
-              <a:t> </a:t>
-            </a:r>
-            <a:r>
-              <a:rPr lang="en-US" dirty="0" smtClean="0"/>
-              <a:t>dover </a:t>
-            </a:r>
-            <a:r>
-              <a:rPr lang="en-US" dirty="0" err="1" smtClean="0"/>
-              <a:t>verificare</a:t>
-            </a:r>
-            <a:r>
-              <a:rPr lang="en-US" dirty="0" smtClean="0"/>
-              <a:t> le </a:t>
-            </a:r>
-            <a:r>
-              <a:rPr lang="en-US" dirty="0" err="1" smtClean="0"/>
-              <a:t>condizioni</a:t>
-            </a:r>
-            <a:r>
-              <a:rPr lang="en-US" dirty="0" smtClean="0"/>
-              <a:t> </a:t>
-            </a:r>
-            <a:r>
-              <a:rPr lang="en-US" dirty="0" err="1" smtClean="0"/>
-              <a:t>limite</a:t>
-            </a:r>
-            <a:r>
-              <a:rPr lang="en-US" dirty="0" smtClean="0"/>
-              <a:t> di un </a:t>
-            </a:r>
-            <a:r>
-              <a:rPr lang="en-US" dirty="0" err="1" smtClean="0"/>
-              <a:t>algoritmo</a:t>
-            </a:r>
-            <a:r>
-              <a:rPr lang="en-US" dirty="0" smtClean="0"/>
-              <a:t> </a:t>
-            </a:r>
-            <a:r>
-              <a:rPr lang="en-US" dirty="0" err="1" smtClean="0"/>
-              <a:t>che</a:t>
-            </a:r>
-            <a:r>
-              <a:rPr lang="en-US" dirty="0" smtClean="0"/>
-              <a:t> </a:t>
-            </a:r>
-            <a:r>
-              <a:rPr lang="en-US" dirty="0" err="1" smtClean="0"/>
-              <a:t>magari</a:t>
-            </a:r>
-            <a:r>
-              <a:rPr lang="en-US" dirty="0" smtClean="0"/>
-              <a:t> ha </a:t>
-            </a:r>
-            <a:r>
-              <a:rPr lang="en-US" dirty="0" err="1" smtClean="0"/>
-              <a:t>una</a:t>
-            </a:r>
-            <a:r>
-              <a:rPr lang="en-US" dirty="0" smtClean="0"/>
-              <a:t> </a:t>
-            </a:r>
-            <a:r>
-              <a:rPr lang="en-US" dirty="0" err="1" smtClean="0"/>
-              <a:t>serie</a:t>
-            </a:r>
-            <a:r>
-              <a:rPr lang="en-US" dirty="0" smtClean="0"/>
-              <a:t> di </a:t>
-            </a:r>
-            <a:r>
-              <a:rPr lang="en-US" dirty="0" err="1" smtClean="0"/>
-              <a:t>risultati</a:t>
-            </a:r>
-            <a:r>
-              <a:rPr lang="en-US" dirty="0" smtClean="0"/>
-              <a:t> </a:t>
-            </a:r>
-            <a:r>
-              <a:rPr lang="en-US" dirty="0" err="1" smtClean="0"/>
-              <a:t>intermedi</a:t>
-            </a:r>
-            <a:r>
-              <a:rPr lang="en-US" dirty="0" smtClean="0"/>
-              <a:t> </a:t>
-            </a:r>
-            <a:r>
-              <a:rPr lang="en-US" dirty="0" err="1" smtClean="0"/>
-              <a:t>che</a:t>
-            </a:r>
-            <a:r>
-              <a:rPr lang="en-US" dirty="0" smtClean="0"/>
-              <a:t> </a:t>
-            </a:r>
-            <a:r>
-              <a:rPr lang="en-US" dirty="0" err="1" smtClean="0"/>
-              <a:t>inficiano</a:t>
-            </a:r>
-            <a:r>
-              <a:rPr lang="en-US" dirty="0" smtClean="0"/>
-              <a:t> </a:t>
-            </a:r>
-            <a:r>
-              <a:rPr lang="en-US" dirty="0" err="1" smtClean="0"/>
-              <a:t>il</a:t>
-            </a:r>
-            <a:r>
-              <a:rPr lang="en-US" dirty="0" smtClean="0"/>
-              <a:t> </a:t>
-            </a:r>
-            <a:r>
-              <a:rPr lang="en-US" dirty="0" err="1" smtClean="0"/>
-              <a:t>risultato</a:t>
-            </a:r>
-            <a:r>
-              <a:rPr lang="en-US" dirty="0" smtClean="0"/>
-              <a:t> finale. </a:t>
-            </a:r>
-          </a:p>
-          <a:p>
-            <a:pPr lvl="0" algn="just"/>
-            <a:r>
-              <a:rPr lang="en-US" dirty="0" smtClean="0"/>
-              <a:t>Un </a:t>
-            </a:r>
-            <a:r>
-              <a:rPr lang="en-US" dirty="0" err="1" smtClean="0"/>
-              <a:t>caso</a:t>
-            </a:r>
-            <a:r>
-              <a:rPr lang="en-US" dirty="0" smtClean="0"/>
-              <a:t> </a:t>
-            </a:r>
-            <a:r>
-              <a:rPr lang="en-US" dirty="0" err="1" smtClean="0"/>
-              <a:t>potrebbe</a:t>
-            </a:r>
-            <a:r>
-              <a:rPr lang="en-US" dirty="0" smtClean="0"/>
-              <a:t> </a:t>
-            </a:r>
-            <a:r>
-              <a:rPr lang="en-US" dirty="0" err="1" smtClean="0"/>
-              <a:t>essere</a:t>
-            </a:r>
-            <a:r>
-              <a:rPr lang="en-US" dirty="0" smtClean="0"/>
-              <a:t> </a:t>
-            </a:r>
-            <a:r>
-              <a:rPr lang="en-US" dirty="0" err="1" smtClean="0"/>
-              <a:t>analizzare</a:t>
-            </a:r>
-            <a:r>
-              <a:rPr lang="en-US" dirty="0" smtClean="0"/>
-              <a:t> un dump di un crash, per </a:t>
-            </a:r>
-            <a:r>
-              <a:rPr lang="en-US" dirty="0" err="1" smtClean="0"/>
-              <a:t>il</a:t>
-            </a:r>
-            <a:r>
-              <a:rPr lang="en-US" dirty="0" smtClean="0"/>
-              <a:t> quale </a:t>
-            </a:r>
-            <a:r>
-              <a:rPr lang="en-US" dirty="0" err="1" smtClean="0"/>
-              <a:t>necessitiamo</a:t>
-            </a:r>
-            <a:r>
-              <a:rPr lang="en-US" dirty="0" smtClean="0"/>
-              <a:t> </a:t>
-            </a:r>
-            <a:r>
-              <a:rPr lang="en-US" dirty="0" err="1" smtClean="0"/>
-              <a:t>dei</a:t>
-            </a:r>
-            <a:r>
-              <a:rPr lang="en-US" dirty="0" smtClean="0"/>
-              <a:t> </a:t>
-            </a:r>
-            <a:r>
-              <a:rPr lang="en-US" dirty="0" err="1" smtClean="0"/>
-              <a:t>simboli</a:t>
-            </a:r>
-            <a:r>
-              <a:rPr lang="en-US" dirty="0" smtClean="0"/>
-              <a:t> </a:t>
-            </a:r>
-            <a:r>
-              <a:rPr lang="en-US" dirty="0" err="1" smtClean="0"/>
-              <a:t>dell’applicazione</a:t>
-            </a:r>
-            <a:endParaRPr lang="en-US" dirty="0" smtClean="0"/>
-          </a:p>
-          <a:p>
-            <a:pPr lvl="0" algn="just"/>
-            <a:endParaRPr lang="en-US" dirty="0" smtClean="0"/>
-          </a:p>
-          <a:p>
-            <a:pPr lvl="0" algn="just"/>
-            <a:endParaRPr lang="en-US" dirty="0" smtClean="0"/>
+              <a:t> , </a:t>
+            </a:r>
+            <a:r>
+              <a:rPr lang="en-US" dirty="0" err="1" smtClean="0"/>
+              <a:t>durante</a:t>
+            </a:r>
+            <a:r>
+              <a:rPr lang="en-US" dirty="0" smtClean="0"/>
+              <a:t> lo stepping, non è </a:t>
+            </a:r>
+            <a:r>
+              <a:rPr lang="en-US" dirty="0" err="1" smtClean="0"/>
+              <a:t>considerato</a:t>
+            </a:r>
+            <a:r>
+              <a:rPr lang="en-US" dirty="0" smtClean="0"/>
+              <a:t> “my code”</a:t>
+            </a:r>
+            <a:endParaRPr lang="en-US" b="1" dirty="0"/>
+          </a:p>
+          <a:p>
+            <a:pPr algn="just"/>
+            <a:r>
+              <a:rPr lang="it-IT" dirty="0" smtClean="0"/>
+              <a:t>Seguendo un’opportuna sintasssi xml, possiamo:</a:t>
+            </a:r>
+          </a:p>
+          <a:p>
+            <a:pPr lvl="1" algn="just"/>
+            <a:r>
+              <a:rPr lang="it-IT" dirty="0" smtClean="0"/>
+              <a:t>Cambiare il comportamento del call stack aggiungendo regole del primo tipo</a:t>
+            </a:r>
+          </a:p>
+          <a:p>
+            <a:pPr lvl="1" algn="just"/>
+            <a:r>
+              <a:rPr lang="it-IT" dirty="0" smtClean="0"/>
+              <a:t>Cambiare il comportamento dello stepping, aggiungendo regole del secondo tipo</a:t>
+            </a:r>
+          </a:p>
+          <a:p>
+            <a:pPr lvl="1" algn="just"/>
+            <a:r>
+              <a:rPr lang="it-IT" dirty="0" smtClean="0"/>
+              <a:t>Tutto questo sia a livello macchina che a livello di singolo utente (in questo caso i file vanno aggiunti in ..\My </a:t>
+            </a:r>
+            <a:r>
+              <a:rPr lang="it-IT" dirty="0"/>
+              <a:t>Documents\Visual Studio </a:t>
+            </a:r>
+            <a:r>
+              <a:rPr lang="it-IT" dirty="0" smtClean="0"/>
+              <a:t>2013\Visualizers)</a:t>
+            </a:r>
+          </a:p>
+          <a:p>
+            <a:pPr marL="274320" lvl="1" indent="0" algn="just">
+              <a:buNone/>
+            </a:pPr>
+            <a:endParaRPr lang="it-IT" dirty="0" smtClean="0"/>
           </a:p>
         </p:txBody>
       </p:sp>
     </p:spTree>
     <p:extLst>
       <p:ext uri="{BB962C8B-B14F-4D97-AF65-F5344CB8AC3E}">
-        <p14:creationId xmlns:p14="http://schemas.microsoft.com/office/powerpoint/2010/main" val="3272081784"/>
+        <p14:creationId xmlns:p14="http://schemas.microsoft.com/office/powerpoint/2010/main" val="3553576382"/>
       </p:ext>
     </p:extLst>
   </p:cSld>
@@ -18890,8 +19182,12 @@
           <a:lstStyle/>
           <a:p>
             <a:r>
-              <a:rPr lang="en-US" dirty="0" smtClean="0"/>
-              <a:t>Debugger – just my code</a:t>
+              <a:rPr lang="en-US" dirty="0" err="1" smtClean="0"/>
+              <a:t>Esempi</a:t>
+            </a:r>
+            <a:r>
+              <a:rPr lang="en-US" dirty="0" smtClean="0"/>
+              <a:t>	</a:t>
             </a:r>
             <a:endParaRPr lang="it-IT" dirty="0"/>
           </a:p>
@@ -18910,371 +19206,141 @@
         <p:spPr/>
         <p:txBody>
           <a:bodyPr>
-            <a:normAutofit/>
+            <a:normAutofit fontScale="92500" lnSpcReduction="10000"/>
           </a:bodyPr>
           <a:lstStyle/>
           <a:p>
             <a:pPr lvl="0" algn="just"/>
             <a:r>
-              <a:rPr lang="en-US" dirty="0" smtClean="0"/>
-              <a:t>A </a:t>
-            </a:r>
-            <a:r>
-              <a:rPr lang="en-US" dirty="0" err="1" smtClean="0"/>
-              <a:t>partire</a:t>
-            </a:r>
-            <a:r>
-              <a:rPr lang="en-US" dirty="0" smtClean="0"/>
-              <a:t> da Visual Studio 2013 è </a:t>
-            </a:r>
-            <a:r>
-              <a:rPr lang="en-US" dirty="0" err="1" smtClean="0"/>
-              <a:t>possibile</a:t>
-            </a:r>
-            <a:r>
-              <a:rPr lang="en-US" dirty="0" smtClean="0"/>
-              <a:t> </a:t>
-            </a:r>
-            <a:r>
-              <a:rPr lang="en-US" dirty="0" err="1" smtClean="0"/>
-              <a:t>abilitare</a:t>
-            </a:r>
-            <a:r>
-              <a:rPr lang="en-US" dirty="0" smtClean="0"/>
-              <a:t> </a:t>
-            </a:r>
-            <a:r>
-              <a:rPr lang="en-US" dirty="0" err="1" smtClean="0"/>
-              <a:t>un’utile</a:t>
-            </a:r>
-            <a:r>
-              <a:rPr lang="en-US" dirty="0" smtClean="0"/>
-              <a:t> </a:t>
-            </a:r>
-            <a:r>
-              <a:rPr lang="en-US" dirty="0" err="1" smtClean="0"/>
-              <a:t>opzione</a:t>
-            </a:r>
-            <a:r>
-              <a:rPr lang="en-US" dirty="0" smtClean="0"/>
-              <a:t> </a:t>
-            </a:r>
-            <a:r>
-              <a:rPr lang="en-US" dirty="0" err="1" smtClean="0"/>
-              <a:t>fra</a:t>
-            </a:r>
-            <a:r>
-              <a:rPr lang="en-US" dirty="0" smtClean="0"/>
-              <a:t> </a:t>
-            </a:r>
-            <a:r>
-              <a:rPr lang="en-US" dirty="0" err="1" smtClean="0"/>
-              <a:t>quelle</a:t>
-            </a:r>
-            <a:r>
-              <a:rPr lang="en-US" dirty="0" smtClean="0"/>
-              <a:t> di debug, </a:t>
-            </a:r>
-            <a:r>
-              <a:rPr lang="en-US" dirty="0" err="1" smtClean="0"/>
-              <a:t>ovvero</a:t>
-            </a:r>
-            <a:r>
-              <a:rPr lang="en-US" dirty="0" smtClean="0"/>
-              <a:t> “enable just my code” (di default on) </a:t>
-            </a:r>
-            <a:r>
-              <a:rPr lang="en-US" dirty="0" err="1" smtClean="0"/>
-              <a:t>che</a:t>
-            </a:r>
-            <a:r>
-              <a:rPr lang="en-US" dirty="0" smtClean="0"/>
-              <a:t> </a:t>
-            </a:r>
-            <a:r>
-              <a:rPr lang="en-US" dirty="0" err="1" smtClean="0"/>
-              <a:t>agisce</a:t>
-            </a:r>
-            <a:r>
-              <a:rPr lang="en-US" dirty="0" smtClean="0"/>
-              <a:t> </a:t>
-            </a:r>
-            <a:r>
-              <a:rPr lang="en-US" dirty="0" err="1" smtClean="0"/>
-              <a:t>anche</a:t>
-            </a:r>
-            <a:r>
-              <a:rPr lang="en-US" dirty="0" smtClean="0"/>
-              <a:t> per </a:t>
-            </a:r>
-            <a:r>
-              <a:rPr lang="en-US" dirty="0" err="1" smtClean="0"/>
-              <a:t>il</a:t>
-            </a:r>
-            <a:r>
-              <a:rPr lang="en-US" dirty="0" smtClean="0"/>
-              <a:t> </a:t>
-            </a:r>
-            <a:r>
-              <a:rPr lang="en-US" dirty="0" err="1" smtClean="0"/>
-              <a:t>codice</a:t>
-            </a:r>
-            <a:r>
-              <a:rPr lang="en-US" dirty="0" smtClean="0"/>
-              <a:t> native</a:t>
-            </a:r>
-          </a:p>
-          <a:p>
-            <a:pPr lvl="0" algn="just"/>
-            <a:endParaRPr lang="en-US" dirty="0" smtClean="0"/>
-          </a:p>
-          <a:p>
-            <a:pPr marL="0" lvl="0" indent="0" algn="just">
+              <a:rPr lang="it-IT" dirty="0" smtClean="0"/>
+              <a:t>Se vogliamo evitare di fare stepping nelle librerie dello standard, creiamo un file </a:t>
+            </a:r>
+            <a:r>
+              <a:rPr lang="it-IT" b="1" dirty="0" smtClean="0"/>
+              <a:t>.natstepfilter</a:t>
+            </a:r>
+            <a:r>
+              <a:rPr lang="it-IT" dirty="0"/>
+              <a:t> </a:t>
+            </a:r>
+            <a:r>
+              <a:rPr lang="it-IT" dirty="0" smtClean="0"/>
+              <a:t>di questo tipo</a:t>
+            </a:r>
+          </a:p>
+          <a:p>
+            <a:pPr marL="274320" lvl="1" indent="0" algn="just">
               <a:buNone/>
             </a:pPr>
-            <a:endParaRPr lang="en-US" dirty="0" smtClean="0"/>
-          </a:p>
-          <a:p>
-            <a:pPr marL="0" lvl="0" indent="0" algn="just">
+            <a:r>
+              <a:rPr lang="it-IT" dirty="0"/>
+              <a:t>&lt;?xml version="1.0" encoding="utf-8"?&gt;</a:t>
+            </a:r>
+          </a:p>
+          <a:p>
+            <a:pPr marL="274320" lvl="1" indent="0" algn="just">
               <a:buNone/>
             </a:pPr>
-            <a:endParaRPr lang="en-US" dirty="0"/>
-          </a:p>
-          <a:p>
-            <a:pPr lvl="0" algn="just"/>
-            <a:r>
-              <a:rPr lang="en-US" dirty="0" err="1" smtClean="0"/>
-              <a:t>Viene</a:t>
-            </a:r>
-            <a:r>
-              <a:rPr lang="en-US" dirty="0" smtClean="0"/>
-              <a:t> </a:t>
-            </a:r>
-            <a:r>
-              <a:rPr lang="en-US" dirty="0" err="1" smtClean="0"/>
-              <a:t>considerato</a:t>
-            </a:r>
-            <a:r>
-              <a:rPr lang="en-US" dirty="0" smtClean="0"/>
-              <a:t> “not my code”:</a:t>
-            </a:r>
-          </a:p>
-          <a:p>
-            <a:pPr lvl="1" algn="just"/>
-            <a:r>
-              <a:rPr lang="en-US" dirty="0" err="1" smtClean="0"/>
-              <a:t>Funzioni</a:t>
-            </a:r>
-            <a:r>
-              <a:rPr lang="en-US" dirty="0" smtClean="0"/>
-              <a:t> </a:t>
-            </a:r>
-            <a:r>
-              <a:rPr lang="en-US" dirty="0" err="1" smtClean="0"/>
-              <a:t>che</a:t>
-            </a:r>
-            <a:r>
-              <a:rPr lang="en-US" dirty="0" smtClean="0"/>
-              <a:t> </a:t>
-            </a:r>
-            <a:r>
-              <a:rPr lang="en-US" dirty="0" err="1" smtClean="0"/>
-              <a:t>hanno</a:t>
-            </a:r>
-            <a:r>
-              <a:rPr lang="en-US" dirty="0" smtClean="0"/>
-              <a:t> </a:t>
-            </a:r>
-            <a:r>
-              <a:rPr lang="en-US" dirty="0" err="1" smtClean="0"/>
-              <a:t>il</a:t>
-            </a:r>
-            <a:r>
-              <a:rPr lang="en-US" dirty="0" smtClean="0"/>
-              <a:t> .</a:t>
-            </a:r>
-            <a:r>
-              <a:rPr lang="en-US" dirty="0" err="1" smtClean="0"/>
-              <a:t>pdb</a:t>
-            </a:r>
-            <a:r>
-              <a:rPr lang="en-US" dirty="0" smtClean="0"/>
-              <a:t> </a:t>
-            </a:r>
-            <a:r>
-              <a:rPr lang="en-US" dirty="0" err="1" smtClean="0"/>
-              <a:t>associato</a:t>
-            </a:r>
-            <a:r>
-              <a:rPr lang="en-US" dirty="0" smtClean="0"/>
-              <a:t> ma con </a:t>
-            </a:r>
-            <a:r>
-              <a:rPr lang="en-US" dirty="0" err="1" smtClean="0"/>
-              <a:t>l’informazione</a:t>
-            </a:r>
-            <a:r>
-              <a:rPr lang="en-US" dirty="0" smtClean="0"/>
-              <a:t> stripped</a:t>
-            </a:r>
-          </a:p>
-          <a:p>
-            <a:pPr lvl="1" algn="just"/>
-            <a:r>
-              <a:rPr lang="en-US" dirty="0" err="1" smtClean="0"/>
-              <a:t>Funzioni</a:t>
-            </a:r>
-            <a:r>
-              <a:rPr lang="en-US" dirty="0" smtClean="0"/>
-              <a:t> per le </a:t>
-            </a:r>
-            <a:r>
-              <a:rPr lang="en-US" dirty="0" err="1" smtClean="0"/>
-              <a:t>quali</a:t>
-            </a:r>
-            <a:r>
-              <a:rPr lang="en-US" dirty="0" smtClean="0"/>
-              <a:t> </a:t>
-            </a:r>
-            <a:r>
-              <a:rPr lang="en-US" dirty="0" err="1" smtClean="0"/>
-              <a:t>il</a:t>
-            </a:r>
-            <a:r>
-              <a:rPr lang="en-US" dirty="0" smtClean="0"/>
-              <a:t> .</a:t>
-            </a:r>
-            <a:r>
-              <a:rPr lang="en-US" dirty="0" err="1" smtClean="0"/>
-              <a:t>pdb</a:t>
-            </a:r>
-            <a:r>
-              <a:rPr lang="en-US" dirty="0" smtClean="0"/>
-              <a:t> </a:t>
-            </a:r>
-            <a:r>
-              <a:rPr lang="en-US" dirty="0" err="1" smtClean="0"/>
-              <a:t>indica</a:t>
-            </a:r>
-            <a:r>
-              <a:rPr lang="en-US" dirty="0" smtClean="0"/>
-              <a:t> </a:t>
-            </a:r>
-            <a:r>
-              <a:rPr lang="en-US" dirty="0" err="1" smtClean="0"/>
-              <a:t>che</a:t>
-            </a:r>
-            <a:r>
-              <a:rPr lang="en-US" dirty="0" smtClean="0"/>
-              <a:t> non è </a:t>
-            </a:r>
-            <a:r>
-              <a:rPr lang="en-US" dirty="0" err="1" smtClean="0"/>
-              <a:t>presente</a:t>
-            </a:r>
-            <a:r>
-              <a:rPr lang="en-US" dirty="0" smtClean="0"/>
-              <a:t> </a:t>
-            </a:r>
-            <a:r>
-              <a:rPr lang="en-US" dirty="0" err="1" smtClean="0"/>
-              <a:t>il</a:t>
-            </a:r>
-            <a:r>
-              <a:rPr lang="en-US" dirty="0" smtClean="0"/>
-              <a:t> </a:t>
-            </a:r>
-            <a:r>
-              <a:rPr lang="en-US" dirty="0" err="1" smtClean="0"/>
-              <a:t>sorgente</a:t>
-            </a:r>
-            <a:r>
-              <a:rPr lang="en-US" dirty="0" smtClean="0"/>
-              <a:t> </a:t>
-            </a:r>
-            <a:r>
-              <a:rPr lang="en-US" dirty="0" err="1" smtClean="0"/>
-              <a:t>associato</a:t>
-            </a:r>
-            <a:endParaRPr lang="en-US" dirty="0" smtClean="0"/>
-          </a:p>
-          <a:p>
-            <a:pPr lvl="1" algn="just"/>
-            <a:r>
-              <a:rPr lang="en-US" dirty="0" err="1" smtClean="0"/>
-              <a:t>Funzioni</a:t>
-            </a:r>
-            <a:r>
-              <a:rPr lang="en-US" dirty="0" smtClean="0"/>
-              <a:t> </a:t>
-            </a:r>
-            <a:r>
-              <a:rPr lang="en-US" dirty="0" err="1" smtClean="0"/>
-              <a:t>specificate</a:t>
-            </a:r>
-            <a:r>
-              <a:rPr lang="en-US" dirty="0" smtClean="0"/>
-              <a:t> </a:t>
-            </a:r>
-            <a:r>
-              <a:rPr lang="en-US" dirty="0" err="1" smtClean="0"/>
-              <a:t>nei</a:t>
-            </a:r>
-            <a:r>
-              <a:rPr lang="en-US" dirty="0" smtClean="0"/>
-              <a:t> files .</a:t>
-            </a:r>
-            <a:r>
-              <a:rPr lang="en-US" dirty="0" err="1" smtClean="0"/>
-              <a:t>natjmc</a:t>
-            </a:r>
-            <a:r>
-              <a:rPr lang="en-US" dirty="0" smtClean="0"/>
-              <a:t> :</a:t>
-            </a:r>
-          </a:p>
-          <a:p>
-            <a:pPr lvl="2" algn="just"/>
+            <a:r>
+              <a:rPr lang="it-IT" dirty="0"/>
+              <a:t>&lt;StepFilter xmlns="http://schemas.microsoft.com/vstudio/debugger/natstepfilter/2010"&gt;</a:t>
+            </a:r>
+          </a:p>
+          <a:p>
+            <a:pPr marL="274320" lvl="1" indent="0" algn="just">
+              <a:buNone/>
+            </a:pPr>
             <a:r>
               <a:rPr lang="it-IT" dirty="0" smtClean="0"/>
-              <a:t>%</a:t>
+              <a:t>&lt;</a:t>
             </a:r>
             <a:r>
               <a:rPr lang="it-IT" dirty="0"/>
-              <a:t>VsInstallDirectory%\Common7\Packages\Debugger\Visualizer</a:t>
-            </a:r>
-            <a:endParaRPr lang="en-US" dirty="0" smtClean="0"/>
+              <a:t>Function&gt;&lt;Name&gt;std::.*&lt;/Name&gt;&lt;Action&gt;NoStepInto&lt;/Action&gt;&lt;/Function&gt;</a:t>
+            </a:r>
+          </a:p>
+          <a:p>
+            <a:pPr marL="274320" lvl="1" indent="0" algn="just">
+              <a:buNone/>
+            </a:pPr>
+            <a:r>
+              <a:rPr lang="it-IT" dirty="0"/>
+              <a:t>&lt;/StepFilter</a:t>
+            </a:r>
+            <a:r>
+              <a:rPr lang="it-IT" dirty="0" smtClean="0"/>
+              <a:t>&gt;</a:t>
+            </a:r>
+            <a:endParaRPr lang="it-IT" dirty="0"/>
+          </a:p>
+          <a:p>
+            <a:pPr marL="274320" lvl="1" indent="0" algn="just">
+              <a:buNone/>
+            </a:pPr>
+            <a:endParaRPr lang="it-IT" dirty="0" smtClean="0"/>
+          </a:p>
+          <a:p>
+            <a:pPr algn="just"/>
+            <a:r>
+              <a:rPr lang="it-IT" dirty="0"/>
+              <a:t>Se vogliamo </a:t>
+            </a:r>
+            <a:r>
+              <a:rPr lang="it-IT" dirty="0" smtClean="0"/>
+              <a:t>non far apparire nel call stack il nostro codice, creiamo un file </a:t>
+            </a:r>
+            <a:r>
+              <a:rPr lang="it-IT" b="1" dirty="0" smtClean="0"/>
+              <a:t>.natjmc</a:t>
+            </a:r>
+            <a:r>
+              <a:rPr lang="it-IT" dirty="0" smtClean="0"/>
+              <a:t> di questo tipo</a:t>
+            </a:r>
+            <a:endParaRPr lang="it-IT" dirty="0"/>
+          </a:p>
+          <a:p>
+            <a:pPr marL="274320" lvl="1" indent="0" algn="just">
+              <a:buNone/>
+            </a:pPr>
+            <a:r>
+              <a:rPr lang="it-IT" dirty="0"/>
+              <a:t>&lt;?xml version="1.0" encoding="utf-8"?&gt;</a:t>
+            </a:r>
+          </a:p>
+          <a:p>
+            <a:pPr marL="274320" lvl="1" indent="0" algn="just">
+              <a:buNone/>
+            </a:pPr>
+            <a:r>
+              <a:rPr lang="it-IT" dirty="0"/>
+              <a:t>&lt;NonUserCode xmlns="http://schemas.microsoft.com/vstudio/debugger/jmc/2013"&gt;</a:t>
+            </a:r>
+          </a:p>
+          <a:p>
+            <a:pPr marL="274320" lvl="1" indent="0" algn="just">
+              <a:buNone/>
+            </a:pPr>
+            <a:r>
+              <a:rPr lang="it-IT" dirty="0"/>
+              <a:t>    &lt;File Name="C:\Users\guido_2\Documents\GitHub\Repo\CNG\*.cpp"/&gt;</a:t>
+            </a:r>
+          </a:p>
+          <a:p>
+            <a:pPr marL="274320" lvl="1" indent="0" algn="just">
+              <a:buNone/>
+            </a:pPr>
+            <a:r>
+              <a:rPr lang="it-IT" dirty="0"/>
+              <a:t>&lt;/NonUserCode&gt;</a:t>
+            </a:r>
           </a:p>
         </p:txBody>
       </p:sp>
-      <p:pic>
-        <p:nvPicPr>
-          <p:cNvPr id="4" name="Picture 3"/>
-          <p:cNvPicPr>
-            <a:picLocks noChangeAspect="1"/>
-          </p:cNvPicPr>
-          <p:nvPr/>
-        </p:nvPicPr>
-        <p:blipFill>
-          <a:blip r:embed="rId2"/>
-          <a:stretch>
-            <a:fillRect/>
-          </a:stretch>
-        </p:blipFill>
-        <p:spPr>
-          <a:xfrm>
-            <a:off x="1261872" y="2984991"/>
-            <a:ext cx="6905625" cy="1028700"/>
-          </a:xfrm>
-          <a:prstGeom prst="rect">
-            <a:avLst/>
-          </a:prstGeom>
-        </p:spPr>
-      </p:pic>
     </p:spTree>
     <p:extLst>
       <p:ext uri="{BB962C8B-B14F-4D97-AF65-F5344CB8AC3E}">
-        <p14:creationId xmlns:p14="http://schemas.microsoft.com/office/powerpoint/2010/main" val="4040920646"/>
+        <p14:creationId xmlns:p14="http://schemas.microsoft.com/office/powerpoint/2010/main" val="694614985"/>
       </p:ext>
     </p:extLst>
   </p:cSld>
@@ -19332,20 +19398,8 @@
           <a:lstStyle/>
           <a:p>
             <a:r>
-              <a:rPr lang="en-US" dirty="0" err="1" smtClean="0"/>
-              <a:t>Customizzare</a:t>
-            </a:r>
-            <a:r>
-              <a:rPr lang="en-US" dirty="0" smtClean="0"/>
-              <a:t> </a:t>
-            </a:r>
-            <a:r>
-              <a:rPr lang="en-US" dirty="0" err="1" smtClean="0"/>
-              <a:t>il</a:t>
-            </a:r>
-            <a:r>
-              <a:rPr lang="en-US" dirty="0" smtClean="0"/>
-              <a:t> “just my code”	</a:t>
+              <a:rPr lang="en-US" dirty="0" smtClean="0"/>
+              <a:t>Debugger – menu settings	</a:t>
             </a:r>
             <a:endParaRPr lang="it-IT" dirty="0"/>
           </a:p>
@@ -19371,184 +19425,92 @@
             <a:pPr lvl="0" algn="just"/>
             <a:r>
               <a:rPr lang="it-IT" dirty="0" smtClean="0"/>
-              <a:t>All’interno del folder </a:t>
-            </a:r>
-            <a:r>
-              <a:rPr lang="it-IT" b="1" dirty="0" smtClean="0"/>
-              <a:t>..\Common7\Packages\Debugger\Visualizers </a:t>
+              <a:t>Il debugger si customizza in Visual Studio sulla base del profilo di sviluppo </a:t>
             </a:r>
             <a:r>
               <a:rPr lang="it-IT" dirty="0" smtClean="0"/>
-              <a:t>troviamo alcuni file con i quali possiamo customizzare il comportamento:</a:t>
-            </a:r>
-          </a:p>
-          <a:p>
-            <a:pPr lvl="1" algn="just"/>
-            <a:r>
-              <a:rPr lang="it-IT" b="1" dirty="0" smtClean="0"/>
-              <a:t>*.natjmc: </a:t>
-            </a:r>
+              <a:t>scelto</a:t>
+            </a:r>
+            <a:endParaRPr lang="it-IT" dirty="0"/>
+          </a:p>
+          <a:p>
+            <a:pPr lvl="0" algn="just"/>
             <a:r>
               <a:rPr lang="it-IT" dirty="0" smtClean="0"/>
-              <a:t>contiene le informazioni di ciò che non è considerato </a:t>
-            </a:r>
-            <a:r>
-              <a:rPr lang="en-US" dirty="0" smtClean="0"/>
-              <a:t>“my code” in termini di files (</a:t>
-            </a:r>
-            <a:r>
-              <a:rPr lang="en-US" dirty="0" err="1" smtClean="0"/>
-              <a:t>quindi</a:t>
-            </a:r>
-            <a:r>
-              <a:rPr lang="en-US" dirty="0" smtClean="0"/>
-              <a:t> ad </a:t>
-            </a:r>
-            <a:r>
-              <a:rPr lang="en-US" dirty="0" err="1" smtClean="0"/>
-              <a:t>esempio</a:t>
-            </a:r>
-            <a:r>
-              <a:rPr lang="en-US" dirty="0" smtClean="0"/>
-              <a:t> </a:t>
-            </a:r>
-            <a:r>
-              <a:rPr lang="en-US" dirty="0" err="1" smtClean="0"/>
-              <a:t>locazioni</a:t>
-            </a:r>
-            <a:r>
-              <a:rPr lang="en-US" dirty="0" smtClean="0"/>
-              <a:t> di .</a:t>
-            </a:r>
-            <a:r>
-              <a:rPr lang="en-US" dirty="0" err="1" smtClean="0"/>
-              <a:t>dll</a:t>
-            </a:r>
-            <a:r>
-              <a:rPr lang="en-US" dirty="0" smtClean="0"/>
-              <a:t> o di </a:t>
-            </a:r>
-            <a:r>
-              <a:rPr lang="en-US" dirty="0" err="1" smtClean="0"/>
-              <a:t>sorgenti</a:t>
-            </a:r>
-            <a:r>
-              <a:rPr lang="en-US" dirty="0" smtClean="0"/>
-              <a:t>). </a:t>
-            </a:r>
-          </a:p>
-          <a:p>
-            <a:pPr lvl="1" algn="just"/>
-            <a:r>
-              <a:rPr lang="en-US" b="1" dirty="0" smtClean="0"/>
-              <a:t>*.</a:t>
-            </a:r>
-            <a:r>
-              <a:rPr lang="en-US" b="1" dirty="0" err="1" smtClean="0"/>
-              <a:t>natstepfilter</a:t>
-            </a:r>
-            <a:r>
-              <a:rPr lang="en-US" b="1" dirty="0" smtClean="0"/>
-              <a:t>: </a:t>
-            </a:r>
-            <a:r>
-              <a:rPr lang="en-US" dirty="0" err="1" smtClean="0"/>
-              <a:t>contiene</a:t>
-            </a:r>
-            <a:r>
-              <a:rPr lang="en-US" dirty="0" smtClean="0"/>
-              <a:t> le </a:t>
-            </a:r>
-            <a:r>
-              <a:rPr lang="en-US" dirty="0" err="1" smtClean="0"/>
-              <a:t>informazioni</a:t>
-            </a:r>
-            <a:r>
-              <a:rPr lang="en-US" dirty="0" smtClean="0"/>
-              <a:t> di </a:t>
-            </a:r>
-            <a:r>
-              <a:rPr lang="en-US" dirty="0" err="1" smtClean="0"/>
-              <a:t>ciò</a:t>
-            </a:r>
-            <a:r>
-              <a:rPr lang="en-US" dirty="0" smtClean="0"/>
-              <a:t> </a:t>
-            </a:r>
-            <a:r>
-              <a:rPr lang="en-US" dirty="0" err="1" smtClean="0"/>
-              <a:t>che</a:t>
-            </a:r>
-            <a:r>
-              <a:rPr lang="en-US" dirty="0" smtClean="0"/>
-              <a:t> , </a:t>
-            </a:r>
-            <a:r>
-              <a:rPr lang="en-US" dirty="0" err="1" smtClean="0"/>
-              <a:t>durante</a:t>
-            </a:r>
-            <a:r>
-              <a:rPr lang="en-US" dirty="0" smtClean="0"/>
-              <a:t> lo stepping, non è </a:t>
-            </a:r>
-            <a:r>
-              <a:rPr lang="en-US" dirty="0" err="1" smtClean="0"/>
-              <a:t>considerato</a:t>
-            </a:r>
-            <a:r>
-              <a:rPr lang="en-US" dirty="0" smtClean="0"/>
-              <a:t> “my code”</a:t>
-            </a:r>
-            <a:endParaRPr lang="en-US" b="1" dirty="0"/>
-          </a:p>
-          <a:p>
-            <a:pPr algn="just"/>
-            <a:r>
-              <a:rPr lang="it-IT" dirty="0" smtClean="0"/>
-              <a:t>Seguendo un’opportuna sintasssi xml, possiamo:</a:t>
-            </a:r>
-          </a:p>
-          <a:p>
-            <a:pPr lvl="1" algn="just"/>
-            <a:r>
-              <a:rPr lang="it-IT" dirty="0" smtClean="0"/>
-              <a:t>Cambiare il comportamento del call stack aggiungendo regole del primo tipo</a:t>
-            </a:r>
-          </a:p>
-          <a:p>
-            <a:pPr lvl="1" algn="just"/>
-            <a:r>
-              <a:rPr lang="it-IT" dirty="0" smtClean="0"/>
-              <a:t>Cambiare il comportamento dello stepping, aggiungendo regole del secondo tipo</a:t>
-            </a:r>
-          </a:p>
-          <a:p>
-            <a:pPr lvl="1" algn="just"/>
-            <a:r>
-              <a:rPr lang="it-IT" dirty="0" smtClean="0"/>
-              <a:t>Tutto questo sia a livello macchina che a livello di singolo utente (in questo caso i file vanno aggiunti in ..\My </a:t>
-            </a:r>
-            <a:r>
-              <a:rPr lang="it-IT" dirty="0"/>
-              <a:t>Documents\Visual Studio </a:t>
-            </a:r>
-            <a:r>
-              <a:rPr lang="it-IT" dirty="0" smtClean="0"/>
-              <a:t>2013\Visualizers)</a:t>
-            </a:r>
-          </a:p>
-          <a:p>
-            <a:pPr marL="274320" lvl="1" indent="0" algn="just">
-              <a:buNone/>
-            </a:pPr>
+              <a:t>Qualora non siano presenti alcune impostazioni nel menù è possibile ripristinarle agendo in Tool</a:t>
+            </a:r>
+            <a:r>
+              <a:rPr lang="it-IT" dirty="0" smtClean="0">
+                <a:sym typeface="Wingdings" panose="05000000000000000000" pitchFamily="2" charset="2"/>
+              </a:rPr>
+              <a:t>Customize, verificando che la voce </a:t>
+            </a:r>
+            <a:r>
+              <a:rPr lang="en-US" dirty="0" smtClean="0"/>
+              <a:t>”Menu bar” </a:t>
+            </a:r>
+            <a:r>
+              <a:rPr lang="en-US" dirty="0" err="1" smtClean="0"/>
+              <a:t>sia</a:t>
+            </a:r>
+            <a:r>
+              <a:rPr lang="en-US" dirty="0" smtClean="0"/>
+              <a:t> </a:t>
+            </a:r>
+            <a:r>
+              <a:rPr lang="en-US" dirty="0" err="1" smtClean="0"/>
+              <a:t>impostata</a:t>
+            </a:r>
+            <a:r>
+              <a:rPr lang="en-US" dirty="0" smtClean="0"/>
+              <a:t> </a:t>
+            </a:r>
+            <a:r>
+              <a:rPr lang="en-US" dirty="0" err="1" smtClean="0"/>
+              <a:t>su</a:t>
+            </a:r>
+            <a:r>
+              <a:rPr lang="en-US" dirty="0" smtClean="0"/>
+              <a:t> ”Debug”</a:t>
+            </a:r>
+            <a:endParaRPr lang="it-IT" dirty="0" smtClean="0">
+              <a:sym typeface="Wingdings" panose="05000000000000000000" pitchFamily="2" charset="2"/>
+            </a:endParaRPr>
+          </a:p>
+          <a:p>
+            <a:pPr lvl="0" algn="just"/>
             <a:endParaRPr lang="it-IT" dirty="0" smtClean="0"/>
           </a:p>
         </p:txBody>
       </p:sp>
+      <p:pic>
+        <p:nvPicPr>
+          <p:cNvPr id="4" name="Picture 3"/>
+          <p:cNvPicPr>
+            <a:picLocks noChangeAspect="1"/>
+          </p:cNvPicPr>
+          <p:nvPr/>
+        </p:nvPicPr>
+        <p:blipFill>
+          <a:blip r:embed="rId2"/>
+          <a:stretch>
+            <a:fillRect/>
+          </a:stretch>
+        </p:blipFill>
+        <p:spPr>
+          <a:xfrm>
+            <a:off x="1562027" y="3659431"/>
+            <a:ext cx="3811831" cy="2134971"/>
+          </a:xfrm>
+          <a:prstGeom prst="rect">
+            <a:avLst/>
+          </a:prstGeom>
+        </p:spPr>
+      </p:pic>
     </p:spTree>
     <p:extLst>
       <p:ext uri="{BB962C8B-B14F-4D97-AF65-F5344CB8AC3E}">
-        <p14:creationId xmlns:p14="http://schemas.microsoft.com/office/powerpoint/2010/main" val="3553576382"/>
+        <p14:creationId xmlns:p14="http://schemas.microsoft.com/office/powerpoint/2010/main" val="303899561"/>
       </p:ext>
     </p:extLst>
   </p:cSld>
@@ -19832,12 +19794,16 @@
           <a:lstStyle/>
           <a:p>
             <a:r>
-              <a:rPr lang="en-US" dirty="0" err="1" smtClean="0"/>
-              <a:t>Esempi</a:t>
-            </a:r>
-            <a:r>
-              <a:rPr lang="en-US" dirty="0" smtClean="0"/>
-              <a:t>	</a:t>
+              <a:rPr lang="en-US" dirty="0" smtClean="0"/>
+              <a:t>Debugger – menu settings</a:t>
+            </a:r>
+            <a:r>
+              <a:rPr lang="en-US" dirty="0"/>
+              <a:t> </a:t>
+            </a:r>
+            <a:r>
+              <a:rPr lang="en-US" dirty="0" smtClean="0"/>
+              <a:t>(2)</a:t>
             </a:r>
             <a:endParaRPr lang="it-IT" dirty="0"/>
           </a:p>
@@ -19856,129 +19822,194 @@
         <p:spPr/>
         <p:txBody>
           <a:bodyPr>
-            <a:normAutofit fontScale="92500" lnSpcReduction="10000"/>
+            <a:normAutofit/>
           </a:bodyPr>
           <a:lstStyle/>
           <a:p>
             <a:pPr lvl="0" algn="just"/>
             <a:r>
-              <a:rPr lang="it-IT" dirty="0" smtClean="0"/>
-              <a:t>Se vogliamo evitare di fare stepping nelle librerie dello standard, creiamo un file .natstepfilter</a:t>
-            </a:r>
-            <a:r>
-              <a:rPr lang="it-IT" dirty="0"/>
-              <a:t> </a:t>
-            </a:r>
-            <a:r>
-              <a:rPr lang="it-IT" dirty="0" smtClean="0"/>
-              <a:t>di questo tipo</a:t>
-            </a:r>
-          </a:p>
-          <a:p>
-            <a:pPr marL="274320" lvl="1" indent="0" algn="just">
-              <a:buNone/>
+              <a:rPr lang="it-IT" dirty="0" smtClean="0">
+                <a:sym typeface="Wingdings" panose="05000000000000000000" pitchFamily="2" charset="2"/>
+              </a:rPr>
+              <a:t>Alcune voci di menù non sono ripristinabili con il metodo </a:t>
+            </a:r>
+            <a:r>
+              <a:rPr lang="it-IT" dirty="0" smtClean="0">
+                <a:sym typeface="Wingdings" panose="05000000000000000000" pitchFamily="2" charset="2"/>
+              </a:rPr>
+              <a:t>precedente </a:t>
+            </a:r>
+            <a:endParaRPr lang="it-IT" dirty="0">
+              <a:sym typeface="Wingdings" panose="05000000000000000000" pitchFamily="2" charset="2"/>
+            </a:endParaRPr>
+          </a:p>
+          <a:p>
+            <a:pPr lvl="0" algn="just"/>
+            <a:r>
+              <a:rPr lang="it-IT" dirty="0" smtClean="0">
+                <a:sym typeface="Wingdings" panose="05000000000000000000" pitchFamily="2" charset="2"/>
+              </a:rPr>
+              <a:t>Possiamo quindi resettare le nostre impostazioni da quelle di default, o utilizzare un profilo condiviso nel team. In tal caso è sufficiente utilizzare il wizard in Tools  Import and Export Settings</a:t>
+            </a:r>
+          </a:p>
+        </p:txBody>
+      </p:sp>
+      <p:pic>
+        <p:nvPicPr>
+          <p:cNvPr id="5" name="Picture 4"/>
+          <p:cNvPicPr>
+            <a:picLocks noChangeAspect="1"/>
+          </p:cNvPicPr>
+          <p:nvPr/>
+        </p:nvPicPr>
+        <p:blipFill>
+          <a:blip r:embed="rId2"/>
+          <a:stretch>
+            <a:fillRect/>
+          </a:stretch>
+        </p:blipFill>
+        <p:spPr>
+          <a:xfrm>
+            <a:off x="1420118" y="3294404"/>
+            <a:ext cx="3243212" cy="2885733"/>
+          </a:xfrm>
+          <a:prstGeom prst="rect">
+            <a:avLst/>
+          </a:prstGeom>
+        </p:spPr>
+      </p:pic>
+      <p:sp>
+        <p:nvSpPr>
+          <p:cNvPr id="7" name="TextBox 6"/>
+          <p:cNvSpPr txBox="1"/>
+          <p:nvPr/>
+        </p:nvSpPr>
+        <p:spPr>
+          <a:xfrm>
+            <a:off x="4853351" y="3896751"/>
+            <a:ext cx="5641144" cy="2031325"/>
+          </a:xfrm>
+          <a:prstGeom prst="rect">
+            <a:avLst/>
+          </a:prstGeom>
+          <a:noFill/>
+        </p:spPr>
+        <p:txBody>
+          <a:bodyPr wrap="square" rtlCol="0">
+            <a:spAutoFit/>
+          </a:bodyPr>
+          <a:lstStyle/>
+          <a:p>
+            <a:pPr marL="285750" indent="-285750">
+              <a:buFont typeface="Arial" panose="020B0604020202020204" pitchFamily="34" charset="0"/>
+              <a:buChar char="•"/>
             </a:pPr>
             <a:r>
-              <a:rPr lang="it-IT" dirty="0"/>
-              <a:t>&lt;?xml version="1.0" encoding="utf-8"?&gt;</a:t>
-            </a:r>
-          </a:p>
-          <a:p>
-            <a:pPr marL="274320" lvl="1" indent="0" algn="just">
-              <a:buNone/>
+              <a:rPr lang="it-IT" dirty="0" smtClean="0">
+                <a:latin typeface="Segoe UI" panose="020B0502040204020203" pitchFamily="34" charset="0"/>
+                <a:cs typeface="Segoe UI" panose="020B0502040204020203" pitchFamily="34" charset="0"/>
+              </a:rPr>
+              <a:t>General development settings o Visual C++ Development settings contengono il maggior numero di opzioni pre-configurate</a:t>
+            </a:r>
+          </a:p>
+          <a:p>
+            <a:endParaRPr lang="it-IT" dirty="0" smtClean="0">
+              <a:latin typeface="Segoe UI" panose="020B0502040204020203" pitchFamily="34" charset="0"/>
+              <a:cs typeface="Segoe UI" panose="020B0502040204020203" pitchFamily="34" charset="0"/>
+            </a:endParaRPr>
+          </a:p>
+          <a:p>
+            <a:pPr marL="285750" indent="-285750">
+              <a:buFont typeface="Arial" panose="020B0604020202020204" pitchFamily="34" charset="0"/>
+              <a:buChar char="•"/>
             </a:pPr>
             <a:r>
-              <a:rPr lang="it-IT" dirty="0"/>
-              <a:t>&lt;StepFilter xmlns="http://schemas.microsoft.com/vstudio/debugger/natstepfilter/2010"&gt;</a:t>
-            </a:r>
-          </a:p>
-          <a:p>
-            <a:pPr marL="274320" lvl="1" indent="0" algn="just">
-              <a:buNone/>
-            </a:pPr>
-            <a:r>
-              <a:rPr lang="it-IT" dirty="0" smtClean="0"/>
-              <a:t>&lt;</a:t>
-            </a:r>
-            <a:r>
-              <a:rPr lang="it-IT" dirty="0"/>
-              <a:t>Function&gt;&lt;Name&gt;std::.*&lt;/Name&gt;&lt;Action&gt;NoStepInto&lt;/Action&gt;&lt;/Function&gt;</a:t>
-            </a:r>
-          </a:p>
-          <a:p>
-            <a:pPr marL="274320" lvl="1" indent="0" algn="just">
-              <a:buNone/>
-            </a:pPr>
-            <a:r>
-              <a:rPr lang="it-IT" dirty="0"/>
-              <a:t>&lt;/StepFilter</a:t>
-            </a:r>
-            <a:r>
-              <a:rPr lang="it-IT" dirty="0" smtClean="0"/>
-              <a:t>&gt;</a:t>
-            </a:r>
-            <a:endParaRPr lang="it-IT" dirty="0"/>
-          </a:p>
-          <a:p>
-            <a:pPr marL="274320" lvl="1" indent="0" algn="just">
-              <a:buNone/>
-            </a:pPr>
-            <a:endParaRPr lang="it-IT" dirty="0" smtClean="0"/>
-          </a:p>
-          <a:p>
-            <a:pPr algn="just"/>
-            <a:r>
-              <a:rPr lang="it-IT" dirty="0"/>
-              <a:t>Se vogliamo </a:t>
-            </a:r>
-            <a:r>
-              <a:rPr lang="it-IT" dirty="0" smtClean="0"/>
-              <a:t>non far apparire nel call stack il nostro codice, creiamo un file .natjmc di questo tipo</a:t>
-            </a:r>
-            <a:endParaRPr lang="it-IT" dirty="0"/>
-          </a:p>
-          <a:p>
-            <a:pPr marL="274320" lvl="1" indent="0" algn="just">
-              <a:buNone/>
-            </a:pPr>
-            <a:r>
-              <a:rPr lang="it-IT" dirty="0"/>
-              <a:t>&lt;?xml version="1.0" encoding="utf-8"?&gt;</a:t>
-            </a:r>
-          </a:p>
-          <a:p>
-            <a:pPr marL="274320" lvl="1" indent="0" algn="just">
-              <a:buNone/>
-            </a:pPr>
-            <a:r>
-              <a:rPr lang="it-IT" dirty="0"/>
-              <a:t>&lt;NonUserCode xmlns="http://schemas.microsoft.com/vstudio/debugger/jmc/2013"&gt;</a:t>
-            </a:r>
-          </a:p>
-          <a:p>
-            <a:pPr marL="274320" lvl="1" indent="0" algn="just">
-              <a:buNone/>
-            </a:pPr>
-            <a:r>
-              <a:rPr lang="it-IT" dirty="0"/>
-              <a:t>    &lt;File Name="C:\Users\guido_2\Documents\GitHub\Repo\CNG\*.cpp"/&gt;</a:t>
-            </a:r>
-          </a:p>
-          <a:p>
-            <a:pPr marL="274320" lvl="1" indent="0" algn="just">
-              <a:buNone/>
-            </a:pPr>
-            <a:r>
-              <a:rPr lang="it-IT" dirty="0"/>
-              <a:t>&lt;/NonUserCode&gt;</a:t>
-            </a:r>
+              <a:rPr lang="it-IT" dirty="0" smtClean="0">
+                <a:latin typeface="Segoe UI" panose="020B0502040204020203" pitchFamily="34" charset="0"/>
+                <a:cs typeface="Segoe UI" panose="020B0502040204020203" pitchFamily="34" charset="0"/>
+              </a:rPr>
+              <a:t>Nello step finale del wizard, alla voce </a:t>
+            </a:r>
+            <a:r>
+              <a:rPr lang="en-US" dirty="0" smtClean="0">
+                <a:latin typeface="Segoe UI" panose="020B0502040204020203" pitchFamily="34" charset="0"/>
+                <a:cs typeface="Segoe UI" panose="020B0502040204020203" pitchFamily="34" charset="0"/>
+              </a:rPr>
+              <a:t>“Option” </a:t>
+            </a:r>
+            <a:r>
+              <a:rPr lang="en-US" dirty="0" err="1" smtClean="0">
+                <a:latin typeface="Segoe UI" panose="020B0502040204020203" pitchFamily="34" charset="0"/>
+                <a:cs typeface="Segoe UI" panose="020B0502040204020203" pitchFamily="34" charset="0"/>
+              </a:rPr>
+              <a:t>verificare</a:t>
+            </a:r>
+            <a:r>
+              <a:rPr lang="en-US" dirty="0" smtClean="0">
+                <a:latin typeface="Segoe UI" panose="020B0502040204020203" pitchFamily="34" charset="0"/>
+                <a:cs typeface="Segoe UI" panose="020B0502040204020203" pitchFamily="34" charset="0"/>
+              </a:rPr>
+              <a:t> </a:t>
+            </a:r>
+            <a:r>
+              <a:rPr lang="en-US" dirty="0" err="1" smtClean="0">
+                <a:latin typeface="Segoe UI" panose="020B0502040204020203" pitchFamily="34" charset="0"/>
+                <a:cs typeface="Segoe UI" panose="020B0502040204020203" pitchFamily="34" charset="0"/>
+              </a:rPr>
+              <a:t>che</a:t>
+            </a:r>
+            <a:r>
+              <a:rPr lang="en-US" dirty="0" smtClean="0">
+                <a:latin typeface="Segoe UI" panose="020B0502040204020203" pitchFamily="34" charset="0"/>
+                <a:cs typeface="Segoe UI" panose="020B0502040204020203" pitchFamily="34" charset="0"/>
+              </a:rPr>
+              <a:t> </a:t>
+            </a:r>
+            <a:r>
+              <a:rPr lang="en-US" dirty="0" err="1" smtClean="0">
+                <a:latin typeface="Segoe UI" panose="020B0502040204020203" pitchFamily="34" charset="0"/>
+                <a:cs typeface="Segoe UI" panose="020B0502040204020203" pitchFamily="34" charset="0"/>
+              </a:rPr>
+              <a:t>sia</a:t>
+            </a:r>
+            <a:r>
+              <a:rPr lang="en-US" dirty="0" smtClean="0">
+                <a:latin typeface="Segoe UI" panose="020B0502040204020203" pitchFamily="34" charset="0"/>
+                <a:cs typeface="Segoe UI" panose="020B0502040204020203" pitchFamily="34" charset="0"/>
+              </a:rPr>
+              <a:t> </a:t>
+            </a:r>
+            <a:r>
+              <a:rPr lang="en-US" dirty="0" err="1" smtClean="0">
+                <a:latin typeface="Segoe UI" panose="020B0502040204020203" pitchFamily="34" charset="0"/>
+                <a:cs typeface="Segoe UI" panose="020B0502040204020203" pitchFamily="34" charset="0"/>
+              </a:rPr>
+              <a:t>spuntata</a:t>
+            </a:r>
+            <a:r>
+              <a:rPr lang="en-US" dirty="0" smtClean="0">
+                <a:latin typeface="Segoe UI" panose="020B0502040204020203" pitchFamily="34" charset="0"/>
+                <a:cs typeface="Segoe UI" panose="020B0502040204020203" pitchFamily="34" charset="0"/>
+              </a:rPr>
+              <a:t> la voce “Debugging”</a:t>
+            </a:r>
+            <a:endParaRPr lang="it-IT" dirty="0" smtClean="0">
+              <a:latin typeface="Segoe UI" panose="020B0502040204020203" pitchFamily="34" charset="0"/>
+              <a:cs typeface="Segoe UI" panose="020B0502040204020203" pitchFamily="34" charset="0"/>
+            </a:endParaRPr>
+          </a:p>
+          <a:p>
+            <a:endParaRPr lang="it-IT" dirty="0">
+              <a:latin typeface="Segoe UI" panose="020B0502040204020203" pitchFamily="34" charset="0"/>
+              <a:cs typeface="Segoe UI" panose="020B0502040204020203" pitchFamily="34" charset="0"/>
+            </a:endParaRPr>
           </a:p>
         </p:txBody>
       </p:sp>
     </p:spTree>
     <p:extLst>
       <p:ext uri="{BB962C8B-B14F-4D97-AF65-F5344CB8AC3E}">
-        <p14:creationId xmlns:p14="http://schemas.microsoft.com/office/powerpoint/2010/main" val="694614985"/>
+        <p14:creationId xmlns:p14="http://schemas.microsoft.com/office/powerpoint/2010/main" val="1596394095"/>
       </p:ext>
     </p:extLst>
   </p:cSld>
@@ -20037,7 +20068,15 @@
           <a:p>
             <a:r>
               <a:rPr lang="en-US" dirty="0" smtClean="0"/>
-              <a:t>Debugger – menu settings	</a:t>
+              <a:t>Debugger – </a:t>
+            </a:r>
+            <a:r>
+              <a:rPr lang="en-US" dirty="0" err="1" smtClean="0"/>
+              <a:t>configurazioni</a:t>
+            </a:r>
+            <a:r>
+              <a:rPr lang="en-US" dirty="0" smtClean="0"/>
+              <a:t>	</a:t>
             </a:r>
             <a:endParaRPr lang="it-IT" dirty="0"/>
           </a:p>
@@ -20063,407 +20102,13 @@
             <a:pPr lvl="0" algn="just"/>
             <a:r>
               <a:rPr lang="it-IT" dirty="0" smtClean="0"/>
-              <a:t>Il debugger si customizza in Visual Studio sulla base del profilo di sviluppo scelto. </a:t>
-            </a:r>
-            <a:endParaRPr lang="it-IT" dirty="0"/>
-          </a:p>
-          <a:p>
-            <a:pPr lvl="0" algn="just"/>
+              <a:t>Le configurazoni di default di Visual Studio per la compilazione in debug sono tipicamente più che sufficienti a impostare una sessione di </a:t>
+            </a:r>
             <a:r>
               <a:rPr lang="it-IT" dirty="0" smtClean="0"/>
-              <a:t>Qualora non siano presenti alcune impostazioni nel menù è possibile ripristinarle agendo in Tool</a:t>
-            </a:r>
-            <a:r>
-              <a:rPr lang="it-IT" dirty="0" smtClean="0">
-                <a:sym typeface="Wingdings" panose="05000000000000000000" pitchFamily="2" charset="2"/>
-              </a:rPr>
-              <a:t>Customize, verificando che la voce </a:t>
-            </a:r>
-            <a:r>
-              <a:rPr lang="en-US" dirty="0" smtClean="0"/>
-              <a:t>”Menu bar” </a:t>
-            </a:r>
-            <a:r>
-              <a:rPr lang="en-US" dirty="0" err="1" smtClean="0"/>
-              <a:t>sia</a:t>
-            </a:r>
-            <a:r>
-              <a:rPr lang="en-US" dirty="0" smtClean="0"/>
-              <a:t> </a:t>
-            </a:r>
-            <a:r>
-              <a:rPr lang="en-US" dirty="0" err="1" smtClean="0"/>
-              <a:t>impostata</a:t>
-            </a:r>
-            <a:r>
-              <a:rPr lang="en-US" dirty="0" smtClean="0"/>
-              <a:t> </a:t>
-            </a:r>
-            <a:r>
-              <a:rPr lang="en-US" dirty="0" err="1" smtClean="0"/>
-              <a:t>su</a:t>
-            </a:r>
-            <a:r>
-              <a:rPr lang="en-US" dirty="0" smtClean="0"/>
-              <a:t> ”Debug”</a:t>
-            </a:r>
-            <a:endParaRPr lang="it-IT" dirty="0" smtClean="0">
-              <a:sym typeface="Wingdings" panose="05000000000000000000" pitchFamily="2" charset="2"/>
-            </a:endParaRPr>
-          </a:p>
-          <a:p>
-            <a:pPr lvl="0" algn="just"/>
+              <a:t>debug </a:t>
+            </a:r>
             <a:endParaRPr lang="it-IT" dirty="0" smtClean="0"/>
-          </a:p>
-        </p:txBody>
-      </p:sp>
-      <p:pic>
-        <p:nvPicPr>
-          <p:cNvPr id="4" name="Picture 3"/>
-          <p:cNvPicPr>
-            <a:picLocks noChangeAspect="1"/>
-          </p:cNvPicPr>
-          <p:nvPr/>
-        </p:nvPicPr>
-        <p:blipFill>
-          <a:blip r:embed="rId2"/>
-          <a:stretch>
-            <a:fillRect/>
-          </a:stretch>
-        </p:blipFill>
-        <p:spPr>
-          <a:xfrm>
-            <a:off x="1562027" y="3659431"/>
-            <a:ext cx="3811831" cy="2134971"/>
-          </a:xfrm>
-          <a:prstGeom prst="rect">
-            <a:avLst/>
-          </a:prstGeom>
-        </p:spPr>
-      </p:pic>
-    </p:spTree>
-    <p:extLst>
-      <p:ext uri="{BB962C8B-B14F-4D97-AF65-F5344CB8AC3E}">
-        <p14:creationId xmlns:p14="http://schemas.microsoft.com/office/powerpoint/2010/main" val="303899561"/>
-      </p:ext>
-    </p:extLst>
-  </p:cSld>
-  <p:clrMapOvr>
-    <a:masterClrMapping/>
-  </p:clrMapOvr>
-  <mc:AlternateContent xmlns:mc="http://schemas.openxmlformats.org/markup-compatibility/2006" xmlns:p14="http://schemas.microsoft.com/office/powerpoint/2010/main">
-    <mc:Choice Requires="p14">
-      <p:transition spd="slow" p14:dur="2000"/>
-    </mc:Choice>
-    <mc:Fallback xmlns="">
-      <p:transition spd="slow"/>
-    </mc:Fallback>
-  </mc:AlternateContent>
-  <p:timing>
-    <p:tnLst>
-      <p:par>
-        <p:cTn id="1" dur="indefinite" restart="never" nodeType="tmRoot"/>
-      </p:par>
-    </p:tnLst>
-  </p:timing>
-</p:sld>
-</file>
-
-<file path=ppt/slides/slide42.xml><?xml version="1.0" encoding="utf-8"?>
-<p:sld xmlns:a="http://schemas.openxmlformats.org/drawingml/2006/main" xmlns:r="http://schemas.openxmlformats.org/officeDocument/2006/relationships" xmlns:p="http://schemas.openxmlformats.org/presentationml/2006/main">
-  <p:cSld>
-    <p:spTree>
-      <p:nvGrpSpPr>
-        <p:cNvPr id="1" name=""/>
-        <p:cNvGrpSpPr/>
-        <p:nvPr/>
-      </p:nvGrpSpPr>
-      <p:grpSpPr>
-        <a:xfrm>
-          <a:off x="0" y="0"/>
-          <a:ext cx="0" cy="0"/>
-          <a:chOff x="0" y="0"/>
-          <a:chExt cx="0" cy="0"/>
-        </a:xfrm>
-      </p:grpSpPr>
-      <p:sp>
-        <p:nvSpPr>
-          <p:cNvPr id="2" name="Title 1"/>
-          <p:cNvSpPr>
-            <a:spLocks noGrp="1"/>
-          </p:cNvSpPr>
-          <p:nvPr>
-            <p:ph type="title"/>
-          </p:nvPr>
-        </p:nvSpPr>
-        <p:spPr/>
-        <p:txBody>
-          <a:bodyPr/>
-          <a:lstStyle/>
-          <a:p>
-            <a:r>
-              <a:rPr lang="en-US" dirty="0" smtClean="0"/>
-              <a:t>Debugger – menu settings</a:t>
-            </a:r>
-            <a:r>
-              <a:rPr lang="en-US" dirty="0"/>
-              <a:t> </a:t>
-            </a:r>
-            <a:r>
-              <a:rPr lang="en-US" dirty="0" smtClean="0"/>
-              <a:t>(2)</a:t>
-            </a:r>
-            <a:endParaRPr lang="it-IT" dirty="0"/>
-          </a:p>
-        </p:txBody>
-      </p:sp>
-      <p:sp>
-        <p:nvSpPr>
-          <p:cNvPr id="3" name="Content Placeholder 2"/>
-          <p:cNvSpPr>
-            <a:spLocks noGrp="1"/>
-          </p:cNvSpPr>
-          <p:nvPr>
-            <p:ph idx="1"/>
-          </p:nvPr>
-        </p:nvSpPr>
-        <p:spPr/>
-        <p:txBody>
-          <a:bodyPr>
-            <a:normAutofit/>
-          </a:bodyPr>
-          <a:lstStyle/>
-          <a:p>
-            <a:pPr lvl="0" algn="just"/>
-            <a:r>
-              <a:rPr lang="it-IT" dirty="0" smtClean="0">
-                <a:sym typeface="Wingdings" panose="05000000000000000000" pitchFamily="2" charset="2"/>
-              </a:rPr>
-              <a:t>Alcune voci di menù non sono ripristinabili con il metodo precedente. </a:t>
-            </a:r>
-            <a:endParaRPr lang="it-IT" dirty="0">
-              <a:sym typeface="Wingdings" panose="05000000000000000000" pitchFamily="2" charset="2"/>
-            </a:endParaRPr>
-          </a:p>
-          <a:p>
-            <a:pPr lvl="0" algn="just"/>
-            <a:r>
-              <a:rPr lang="it-IT" dirty="0" smtClean="0">
-                <a:sym typeface="Wingdings" panose="05000000000000000000" pitchFamily="2" charset="2"/>
-              </a:rPr>
-              <a:t>Possiamo quindi resettare le nostre impostazioni da quelle di default, o utilizzare un profilo condiviso nel team. In tal caso è sufficiente utilizzare il wizard in Tools  Import and Export Settings</a:t>
-            </a:r>
-          </a:p>
-        </p:txBody>
-      </p:sp>
-      <p:pic>
-        <p:nvPicPr>
-          <p:cNvPr id="5" name="Picture 4"/>
-          <p:cNvPicPr>
-            <a:picLocks noChangeAspect="1"/>
-          </p:cNvPicPr>
-          <p:nvPr/>
-        </p:nvPicPr>
-        <p:blipFill>
-          <a:blip r:embed="rId2"/>
-          <a:stretch>
-            <a:fillRect/>
-          </a:stretch>
-        </p:blipFill>
-        <p:spPr>
-          <a:xfrm>
-            <a:off x="1420118" y="3294404"/>
-            <a:ext cx="3243212" cy="2885733"/>
-          </a:xfrm>
-          <a:prstGeom prst="rect">
-            <a:avLst/>
-          </a:prstGeom>
-        </p:spPr>
-      </p:pic>
-      <p:sp>
-        <p:nvSpPr>
-          <p:cNvPr id="7" name="TextBox 6"/>
-          <p:cNvSpPr txBox="1"/>
-          <p:nvPr/>
-        </p:nvSpPr>
-        <p:spPr>
-          <a:xfrm>
-            <a:off x="4994031" y="3896751"/>
-            <a:ext cx="5641144" cy="2031325"/>
-          </a:xfrm>
-          <a:prstGeom prst="rect">
-            <a:avLst/>
-          </a:prstGeom>
-          <a:noFill/>
-        </p:spPr>
-        <p:txBody>
-          <a:bodyPr wrap="square" rtlCol="0">
-            <a:spAutoFit/>
-          </a:bodyPr>
-          <a:lstStyle/>
-          <a:p>
-            <a:pPr marL="285750" indent="-285750">
-              <a:buFont typeface="Arial" panose="020B0604020202020204" pitchFamily="34" charset="0"/>
-              <a:buChar char="•"/>
-            </a:pPr>
-            <a:r>
-              <a:rPr lang="it-IT" dirty="0" smtClean="0"/>
-              <a:t>General development settings o Visual C++ Development settings contengono il maggior numero di opzioni pre-configurate</a:t>
-            </a:r>
-          </a:p>
-          <a:p>
-            <a:endParaRPr lang="it-IT" dirty="0" smtClean="0"/>
-          </a:p>
-          <a:p>
-            <a:pPr marL="285750" indent="-285750">
-              <a:buFont typeface="Arial" panose="020B0604020202020204" pitchFamily="34" charset="0"/>
-              <a:buChar char="•"/>
-            </a:pPr>
-            <a:r>
-              <a:rPr lang="it-IT" dirty="0" smtClean="0"/>
-              <a:t>Nello step finale del wizard, alla voce </a:t>
-            </a:r>
-            <a:r>
-              <a:rPr lang="en-US" dirty="0" smtClean="0"/>
-              <a:t>“Option” </a:t>
-            </a:r>
-            <a:r>
-              <a:rPr lang="en-US" dirty="0" err="1" smtClean="0"/>
-              <a:t>verificare</a:t>
-            </a:r>
-            <a:r>
-              <a:rPr lang="en-US" dirty="0" smtClean="0"/>
-              <a:t> </a:t>
-            </a:r>
-            <a:r>
-              <a:rPr lang="en-US" dirty="0" err="1" smtClean="0"/>
-              <a:t>che</a:t>
-            </a:r>
-            <a:r>
-              <a:rPr lang="en-US" dirty="0" smtClean="0"/>
-              <a:t> </a:t>
-            </a:r>
-            <a:r>
-              <a:rPr lang="en-US" dirty="0" err="1" smtClean="0"/>
-              <a:t>sia</a:t>
-            </a:r>
-            <a:r>
-              <a:rPr lang="en-US" dirty="0" smtClean="0"/>
-              <a:t> </a:t>
-            </a:r>
-            <a:r>
-              <a:rPr lang="en-US" dirty="0" err="1" smtClean="0"/>
-              <a:t>spuntata</a:t>
-            </a:r>
-            <a:r>
-              <a:rPr lang="en-US" dirty="0" smtClean="0"/>
-              <a:t> la voce “Debugging”</a:t>
-            </a:r>
-            <a:endParaRPr lang="it-IT" dirty="0" smtClean="0"/>
-          </a:p>
-          <a:p>
-            <a:endParaRPr lang="it-IT" dirty="0"/>
-          </a:p>
-        </p:txBody>
-      </p:sp>
-    </p:spTree>
-    <p:extLst>
-      <p:ext uri="{BB962C8B-B14F-4D97-AF65-F5344CB8AC3E}">
-        <p14:creationId xmlns:p14="http://schemas.microsoft.com/office/powerpoint/2010/main" val="1596394095"/>
-      </p:ext>
-    </p:extLst>
-  </p:cSld>
-  <p:clrMapOvr>
-    <a:masterClrMapping/>
-  </p:clrMapOvr>
-  <mc:AlternateContent xmlns:mc="http://schemas.openxmlformats.org/markup-compatibility/2006" xmlns:p14="http://schemas.microsoft.com/office/powerpoint/2010/main">
-    <mc:Choice Requires="p14">
-      <p:transition spd="slow" p14:dur="2000"/>
-    </mc:Choice>
-    <mc:Fallback xmlns="">
-      <p:transition spd="slow"/>
-    </mc:Fallback>
-  </mc:AlternateContent>
-  <p:timing>
-    <p:tnLst>
-      <p:par>
-        <p:cTn id="1" dur="indefinite" restart="never" nodeType="tmRoot"/>
-      </p:par>
-    </p:tnLst>
-  </p:timing>
-</p:sld>
-</file>
-
-<file path=ppt/slides/slide43.xml><?xml version="1.0" encoding="utf-8"?>
-<p:sld xmlns:a="http://schemas.openxmlformats.org/drawingml/2006/main" xmlns:r="http://schemas.openxmlformats.org/officeDocument/2006/relationships" xmlns:p="http://schemas.openxmlformats.org/presentationml/2006/main">
-  <p:cSld>
-    <p:spTree>
-      <p:nvGrpSpPr>
-        <p:cNvPr id="1" name=""/>
-        <p:cNvGrpSpPr/>
-        <p:nvPr/>
-      </p:nvGrpSpPr>
-      <p:grpSpPr>
-        <a:xfrm>
-          <a:off x="0" y="0"/>
-          <a:ext cx="0" cy="0"/>
-          <a:chOff x="0" y="0"/>
-          <a:chExt cx="0" cy="0"/>
-        </a:xfrm>
-      </p:grpSpPr>
-      <p:sp>
-        <p:nvSpPr>
-          <p:cNvPr id="2" name="Title 1"/>
-          <p:cNvSpPr>
-            <a:spLocks noGrp="1"/>
-          </p:cNvSpPr>
-          <p:nvPr>
-            <p:ph type="title"/>
-          </p:nvPr>
-        </p:nvSpPr>
-        <p:spPr/>
-        <p:txBody>
-          <a:bodyPr/>
-          <a:lstStyle/>
-          <a:p>
-            <a:r>
-              <a:rPr lang="en-US" dirty="0" smtClean="0"/>
-              <a:t>Debugger – </a:t>
-            </a:r>
-            <a:r>
-              <a:rPr lang="en-US" dirty="0" err="1" smtClean="0"/>
-              <a:t>configurazioni</a:t>
-            </a:r>
-            <a:r>
-              <a:rPr lang="en-US" dirty="0" smtClean="0"/>
-              <a:t>	</a:t>
-            </a:r>
-            <a:endParaRPr lang="it-IT" dirty="0"/>
-          </a:p>
-        </p:txBody>
-      </p:sp>
-      <p:sp>
-        <p:nvSpPr>
-          <p:cNvPr id="3" name="Content Placeholder 2"/>
-          <p:cNvSpPr>
-            <a:spLocks noGrp="1"/>
-          </p:cNvSpPr>
-          <p:nvPr>
-            <p:ph idx="1"/>
-          </p:nvPr>
-        </p:nvSpPr>
-        <p:spPr/>
-        <p:txBody>
-          <a:bodyPr>
-            <a:normAutofit/>
-          </a:bodyPr>
-          <a:lstStyle/>
-          <a:p>
-            <a:pPr lvl="0" algn="just"/>
-            <a:r>
-              <a:rPr lang="it-IT" dirty="0" smtClean="0"/>
-              <a:t>Le configurazoni di default di Visual Studio per la compilazione in debug sono tipicamente più che sufficienti a impostare una sessione di debug. </a:t>
-            </a:r>
           </a:p>
           <a:p>
             <a:pPr lvl="0" algn="just"/>
@@ -20607,7 +20252,7 @@
 </p:sld>
 </file>
 
-<file path=ppt/slides/slide44.xml><?xml version="1.0" encoding="utf-8"?>
+<file path=ppt/slides/slide42.xml><?xml version="1.0" encoding="utf-8"?>
 <p:sld xmlns:a="http://schemas.openxmlformats.org/drawingml/2006/main" xmlns:r="http://schemas.openxmlformats.org/officeDocument/2006/relationships" xmlns:p="http://schemas.openxmlformats.org/presentationml/2006/main">
   <p:cSld>
     <p:spTree>
@@ -20763,6 +20408,281 @@
 </p:sld>
 </file>
 
+<file path=ppt/slides/slide43.xml><?xml version="1.0" encoding="utf-8"?>
+<p:sld xmlns:a="http://schemas.openxmlformats.org/drawingml/2006/main" xmlns:r="http://schemas.openxmlformats.org/officeDocument/2006/relationships" xmlns:p="http://schemas.openxmlformats.org/presentationml/2006/main">
+  <p:cSld>
+    <p:spTree>
+      <p:nvGrpSpPr>
+        <p:cNvPr id="1" name=""/>
+        <p:cNvGrpSpPr/>
+        <p:nvPr/>
+      </p:nvGrpSpPr>
+      <p:grpSpPr>
+        <a:xfrm>
+          <a:off x="0" y="0"/>
+          <a:ext cx="0" cy="0"/>
+          <a:chOff x="0" y="0"/>
+          <a:chExt cx="0" cy="0"/>
+        </a:xfrm>
+      </p:grpSpPr>
+      <p:sp>
+        <p:nvSpPr>
+          <p:cNvPr id="2" name="Title 1"/>
+          <p:cNvSpPr>
+            <a:spLocks noGrp="1"/>
+          </p:cNvSpPr>
+          <p:nvPr>
+            <p:ph type="title"/>
+          </p:nvPr>
+        </p:nvSpPr>
+        <p:spPr/>
+        <p:txBody>
+          <a:bodyPr/>
+          <a:lstStyle/>
+          <a:p>
+            <a:r>
+              <a:rPr lang="en-US" dirty="0" smtClean="0"/>
+              <a:t>Debugger – attach to process (2)</a:t>
+            </a:r>
+            <a:endParaRPr lang="it-IT" dirty="0"/>
+          </a:p>
+        </p:txBody>
+      </p:sp>
+      <p:sp>
+        <p:nvSpPr>
+          <p:cNvPr id="3" name="Content Placeholder 2"/>
+          <p:cNvSpPr>
+            <a:spLocks noGrp="1"/>
+          </p:cNvSpPr>
+          <p:nvPr>
+            <p:ph idx="1"/>
+          </p:nvPr>
+        </p:nvSpPr>
+        <p:spPr/>
+        <p:txBody>
+          <a:bodyPr>
+            <a:normAutofit/>
+          </a:bodyPr>
+          <a:lstStyle/>
+          <a:p>
+            <a:pPr lvl="0" algn="just"/>
+            <a:r>
+              <a:rPr lang="it-IT" dirty="0" smtClean="0"/>
+              <a:t>Caso molto utilizzato nel nostro ambiente di lavoro, quando vogliamo debuggare il comportamento di DLL native che vengono utilizzate in ambienti esterni a Visual </a:t>
+            </a:r>
+            <a:r>
+              <a:rPr lang="it-IT" dirty="0" smtClean="0"/>
+              <a:t>Studio</a:t>
+            </a:r>
+            <a:endParaRPr lang="it-IT" dirty="0" smtClean="0"/>
+          </a:p>
+          <a:p>
+            <a:pPr lvl="0" algn="just"/>
+            <a:r>
+              <a:rPr lang="it-IT" dirty="0" smtClean="0"/>
+              <a:t>Il debug in questo caso si chiude sulla macchina stessa, ma è supportato:</a:t>
+            </a:r>
+          </a:p>
+          <a:p>
+            <a:pPr lvl="1" algn="just"/>
+            <a:r>
+              <a:rPr lang="it-IT" dirty="0" smtClean="0"/>
+              <a:t>Debug di processi che non girano con l’utente corrente (show process of all users)</a:t>
+            </a:r>
+          </a:p>
+          <a:p>
+            <a:pPr lvl="1" algn="just"/>
+            <a:r>
+              <a:rPr lang="it-IT" dirty="0" smtClean="0"/>
+              <a:t>Debug di processi su pc remoti (Qualifier)</a:t>
+            </a:r>
+          </a:p>
+          <a:p>
+            <a:pPr algn="just"/>
+            <a:r>
+              <a:rPr lang="it-IT" dirty="0" smtClean="0"/>
+              <a:t>Il debug su macchine remote è possibile avendo gli opportuni privilegi e installando i Remote Tools e avendo connessione diretta ethernet</a:t>
+            </a:r>
+          </a:p>
+          <a:p>
+            <a:pPr algn="just"/>
+            <a:r>
+              <a:rPr lang="it-IT" dirty="0" smtClean="0"/>
+              <a:t>E’ possibile attaccarsi a più processi, ma solo uno alla volta è quello debuggabile (CTRL + ALT + Z per fare switch nella finestra dei processi)</a:t>
+            </a:r>
+          </a:p>
+          <a:p>
+            <a:pPr lvl="0" algn="just"/>
+            <a:endParaRPr lang="it-IT" dirty="0" smtClean="0"/>
+          </a:p>
+          <a:p>
+            <a:pPr lvl="0" algn="just"/>
+            <a:endParaRPr lang="it-IT" dirty="0"/>
+          </a:p>
+        </p:txBody>
+      </p:sp>
+    </p:spTree>
+    <p:extLst>
+      <p:ext uri="{BB962C8B-B14F-4D97-AF65-F5344CB8AC3E}">
+        <p14:creationId xmlns:p14="http://schemas.microsoft.com/office/powerpoint/2010/main" val="2437025893"/>
+      </p:ext>
+    </p:extLst>
+  </p:cSld>
+  <p:clrMapOvr>
+    <a:masterClrMapping/>
+  </p:clrMapOvr>
+  <mc:AlternateContent xmlns:mc="http://schemas.openxmlformats.org/markup-compatibility/2006" xmlns:p14="http://schemas.microsoft.com/office/powerpoint/2010/main">
+    <mc:Choice Requires="p14">
+      <p:transition spd="slow" p14:dur="2000"/>
+    </mc:Choice>
+    <mc:Fallback xmlns="">
+      <p:transition spd="slow"/>
+    </mc:Fallback>
+  </mc:AlternateContent>
+  <p:timing>
+    <p:tnLst>
+      <p:par>
+        <p:cTn id="1" dur="indefinite" restart="never" nodeType="tmRoot"/>
+      </p:par>
+    </p:tnLst>
+  </p:timing>
+</p:sld>
+</file>
+
+<file path=ppt/slides/slide44.xml><?xml version="1.0" encoding="utf-8"?>
+<p:sld xmlns:a="http://schemas.openxmlformats.org/drawingml/2006/main" xmlns:r="http://schemas.openxmlformats.org/officeDocument/2006/relationships" xmlns:p="http://schemas.openxmlformats.org/presentationml/2006/main">
+  <p:cSld>
+    <p:spTree>
+      <p:nvGrpSpPr>
+        <p:cNvPr id="1" name=""/>
+        <p:cNvGrpSpPr/>
+        <p:nvPr/>
+      </p:nvGrpSpPr>
+      <p:grpSpPr>
+        <a:xfrm>
+          <a:off x="0" y="0"/>
+          <a:ext cx="0" cy="0"/>
+          <a:chOff x="0" y="0"/>
+          <a:chExt cx="0" cy="0"/>
+        </a:xfrm>
+      </p:grpSpPr>
+      <p:sp>
+        <p:nvSpPr>
+          <p:cNvPr id="2" name="Title 1"/>
+          <p:cNvSpPr>
+            <a:spLocks noGrp="1"/>
+          </p:cNvSpPr>
+          <p:nvPr>
+            <p:ph type="title"/>
+          </p:nvPr>
+        </p:nvSpPr>
+        <p:spPr/>
+        <p:txBody>
+          <a:bodyPr/>
+          <a:lstStyle/>
+          <a:p>
+            <a:r>
+              <a:rPr lang="en-US" dirty="0" smtClean="0"/>
+              <a:t>Debugger – multithread 	</a:t>
+            </a:r>
+            <a:endParaRPr lang="it-IT" dirty="0"/>
+          </a:p>
+        </p:txBody>
+      </p:sp>
+      <p:sp>
+        <p:nvSpPr>
+          <p:cNvPr id="3" name="Content Placeholder 2"/>
+          <p:cNvSpPr>
+            <a:spLocks noGrp="1"/>
+          </p:cNvSpPr>
+          <p:nvPr>
+            <p:ph idx="1"/>
+          </p:nvPr>
+        </p:nvSpPr>
+        <p:spPr/>
+        <p:txBody>
+          <a:bodyPr>
+            <a:normAutofit/>
+          </a:bodyPr>
+          <a:lstStyle/>
+          <a:p>
+            <a:pPr lvl="0" algn="just"/>
+            <a:r>
+              <a:rPr lang="it-IT" dirty="0" smtClean="0"/>
+              <a:t>Supponiamo di avere un’applicazione piuttosto semplice nella quale 2 thread ricevono un set di dati dal padre che rappresenta una retta y=2x definita nel dominio [1,5</a:t>
+            </a:r>
+            <a:r>
+              <a:rPr lang="it-IT" dirty="0" smtClean="0"/>
+              <a:t>]</a:t>
+            </a:r>
+            <a:endParaRPr lang="it-IT" dirty="0" smtClean="0"/>
+          </a:p>
+          <a:p>
+            <a:pPr lvl="0" algn="just"/>
+            <a:r>
+              <a:rPr lang="it-IT" dirty="0" smtClean="0"/>
+              <a:t>Per semplicità non gestiamo estrapolazioni e assumiamo che la retta sia monotona </a:t>
+            </a:r>
+            <a:r>
+              <a:rPr lang="it-IT" dirty="0" smtClean="0"/>
+              <a:t>crescente</a:t>
+            </a:r>
+            <a:endParaRPr lang="it-IT" dirty="0" smtClean="0"/>
+          </a:p>
+          <a:p>
+            <a:pPr lvl="0" algn="just"/>
+            <a:r>
+              <a:rPr lang="it-IT" dirty="0" smtClean="0"/>
+              <a:t>Ognuno di questi thread effettua 1mln di interpolazioni lineari, restituendo i risultati al padre all’interno di un vettore passato per </a:t>
+            </a:r>
+            <a:r>
+              <a:rPr lang="it-IT" dirty="0" smtClean="0"/>
+              <a:t>riferimento</a:t>
+            </a:r>
+            <a:endParaRPr lang="it-IT" dirty="0" smtClean="0"/>
+          </a:p>
+          <a:p>
+            <a:pPr lvl="0" algn="just"/>
+            <a:r>
+              <a:rPr lang="it-IT" dirty="0" smtClean="0"/>
+              <a:t>Visual Studio ci consente di debuggare l’applicazione, ispezionando il codice esguito dai singoli </a:t>
+            </a:r>
+            <a:r>
+              <a:rPr lang="it-IT" dirty="0" smtClean="0"/>
+              <a:t>thread</a:t>
+            </a:r>
+            <a:endParaRPr lang="en-US" dirty="0" smtClean="0"/>
+          </a:p>
+        </p:txBody>
+      </p:sp>
+    </p:spTree>
+    <p:extLst>
+      <p:ext uri="{BB962C8B-B14F-4D97-AF65-F5344CB8AC3E}">
+        <p14:creationId xmlns:p14="http://schemas.microsoft.com/office/powerpoint/2010/main" val="527247380"/>
+      </p:ext>
+    </p:extLst>
+  </p:cSld>
+  <p:clrMapOvr>
+    <a:masterClrMapping/>
+  </p:clrMapOvr>
+  <mc:AlternateContent xmlns:mc="http://schemas.openxmlformats.org/markup-compatibility/2006" xmlns:p14="http://schemas.microsoft.com/office/powerpoint/2010/main">
+    <mc:Choice Requires="p14">
+      <p:transition spd="slow" p14:dur="2000"/>
+    </mc:Choice>
+    <mc:Fallback xmlns="">
+      <p:transition spd="slow"/>
+    </mc:Fallback>
+  </mc:AlternateContent>
+  <p:timing>
+    <p:tnLst>
+      <p:par>
+        <p:cTn id="1" dur="indefinite" restart="never" nodeType="tmRoot"/>
+      </p:par>
+    </p:tnLst>
+  </p:timing>
+</p:sld>
+</file>
+
 <file path=ppt/slides/slide45.xml><?xml version="1.0" encoding="utf-8"?>
 <p:sld xmlns:a="http://schemas.openxmlformats.org/drawingml/2006/main" xmlns:r="http://schemas.openxmlformats.org/officeDocument/2006/relationships" xmlns:p="http://schemas.openxmlformats.org/presentationml/2006/main">
   <p:cSld>
@@ -20797,7 +20717,7 @@
           <a:p>
             <a:r>
               <a:rPr lang="en-US" dirty="0" smtClean="0"/>
-              <a:t>Debugger – attach to process (2)</a:t>
+              <a:t>Debugger – Threads Window 	</a:t>
             </a:r>
             <a:endParaRPr lang="it-IT" dirty="0"/>
           </a:p>
@@ -20816,72 +20736,442 @@
         <p:spPr/>
         <p:txBody>
           <a:bodyPr>
-            <a:normAutofit lnSpcReduction="10000"/>
+            <a:normAutofit/>
           </a:bodyPr>
           <a:lstStyle/>
           <a:p>
             <a:pPr lvl="0" algn="just"/>
-            <a:r>
-              <a:rPr lang="it-IT" dirty="0" smtClean="0"/>
-              <a:t>Caso molto utilizzato nel nostro ambiente di lavoro, quando vogliamo debuggare il comportamento di DLL native che vengono utilizzate in ambienti esterni a Visual Studio.</a:t>
-            </a:r>
+            <a:endParaRPr lang="en-US" dirty="0"/>
           </a:p>
           <a:p>
             <a:pPr lvl="0" algn="just"/>
-            <a:r>
-              <a:rPr lang="it-IT" dirty="0" smtClean="0"/>
-              <a:t>Il debug in questo caso si chiude sulla macchina stessa, ma è supportato:</a:t>
-            </a:r>
+            <a:endParaRPr lang="en-US" dirty="0" smtClean="0"/>
+          </a:p>
+          <a:p>
+            <a:pPr marL="0" lvl="0" indent="0" algn="just">
+              <a:buNone/>
+            </a:pPr>
+            <a:endParaRPr lang="en-US" dirty="0" smtClean="0"/>
+          </a:p>
+          <a:p>
+            <a:pPr algn="just"/>
+            <a:r>
+              <a:rPr lang="en-US" dirty="0" err="1" smtClean="0"/>
+              <a:t>Selezionabile</a:t>
+            </a:r>
+            <a:r>
+              <a:rPr lang="en-US" dirty="0" smtClean="0"/>
+              <a:t> dal menu “</a:t>
+            </a:r>
+            <a:r>
+              <a:rPr lang="en-US" dirty="0" err="1" smtClean="0"/>
+              <a:t>Debug</a:t>
+            </a:r>
+            <a:r>
+              <a:rPr lang="en-US" dirty="0" err="1" smtClean="0">
+                <a:sym typeface="Wingdings" panose="05000000000000000000" pitchFamily="2" charset="2"/>
+              </a:rPr>
+              <a:t>Windows</a:t>
+            </a:r>
+            <a:r>
+              <a:rPr lang="en-US" dirty="0" smtClean="0">
+                <a:sym typeface="Wingdings" panose="05000000000000000000" pitchFamily="2" charset="2"/>
+              </a:rPr>
+              <a:t>” </a:t>
+            </a:r>
+            <a:r>
+              <a:rPr lang="en-US" dirty="0" err="1" smtClean="0">
+                <a:sym typeface="Wingdings" panose="05000000000000000000" pitchFamily="2" charset="2"/>
+              </a:rPr>
+              <a:t>consente</a:t>
+            </a:r>
+            <a:r>
+              <a:rPr lang="en-US" dirty="0" smtClean="0">
+                <a:sym typeface="Wingdings" panose="05000000000000000000" pitchFamily="2" charset="2"/>
+              </a:rPr>
+              <a:t> di </a:t>
+            </a:r>
+            <a:r>
+              <a:rPr lang="en-US" dirty="0" err="1" smtClean="0">
+                <a:sym typeface="Wingdings" panose="05000000000000000000" pitchFamily="2" charset="2"/>
+              </a:rPr>
+              <a:t>controllare</a:t>
+            </a:r>
+            <a:r>
+              <a:rPr lang="en-US" dirty="0" smtClean="0">
+                <a:sym typeface="Wingdings" panose="05000000000000000000" pitchFamily="2" charset="2"/>
+              </a:rPr>
+              <a:t> </a:t>
+            </a:r>
+            <a:r>
+              <a:rPr lang="en-US" dirty="0" err="1" smtClean="0">
+                <a:sym typeface="Wingdings" panose="05000000000000000000" pitchFamily="2" charset="2"/>
+              </a:rPr>
+              <a:t>l’andamento</a:t>
+            </a:r>
+            <a:r>
+              <a:rPr lang="en-US" dirty="0" smtClean="0">
+                <a:sym typeface="Wingdings" panose="05000000000000000000" pitchFamily="2" charset="2"/>
+              </a:rPr>
+              <a:t> </a:t>
+            </a:r>
+            <a:r>
+              <a:rPr lang="en-US" dirty="0" err="1" smtClean="0">
+                <a:sym typeface="Wingdings" panose="05000000000000000000" pitchFamily="2" charset="2"/>
+              </a:rPr>
+              <a:t>dei</a:t>
+            </a:r>
+            <a:r>
+              <a:rPr lang="en-US" dirty="0" smtClean="0">
+                <a:sym typeface="Wingdings" panose="05000000000000000000" pitchFamily="2" charset="2"/>
+              </a:rPr>
+              <a:t> thread, in </a:t>
+            </a:r>
+            <a:r>
+              <a:rPr lang="en-US" dirty="0" err="1" smtClean="0">
+                <a:sym typeface="Wingdings" panose="05000000000000000000" pitchFamily="2" charset="2"/>
+              </a:rPr>
+              <a:t>particolare</a:t>
+            </a:r>
+            <a:endParaRPr lang="en-US" dirty="0" smtClean="0">
+              <a:sym typeface="Wingdings" panose="05000000000000000000" pitchFamily="2" charset="2"/>
+            </a:endParaRPr>
           </a:p>
           <a:p>
             <a:pPr lvl="1" algn="just"/>
             <a:r>
-              <a:rPr lang="it-IT" dirty="0" smtClean="0"/>
-              <a:t>Debug di processi che non girano con l’utente corrente (show process of all users)</a:t>
+              <a:rPr lang="en-US" dirty="0" err="1" smtClean="0">
+                <a:sym typeface="Wingdings" panose="05000000000000000000" pitchFamily="2" charset="2"/>
+              </a:rPr>
+              <a:t>Indicazione</a:t>
+            </a:r>
+            <a:r>
+              <a:rPr lang="en-US" dirty="0" smtClean="0">
+                <a:sym typeface="Wingdings" panose="05000000000000000000" pitchFamily="2" charset="2"/>
+              </a:rPr>
+              <a:t> del thread </a:t>
+            </a:r>
+            <a:r>
+              <a:rPr lang="en-US" dirty="0" err="1" smtClean="0">
+                <a:sym typeface="Wingdings" panose="05000000000000000000" pitchFamily="2" charset="2"/>
+              </a:rPr>
+              <a:t>corrente</a:t>
+            </a:r>
+            <a:r>
+              <a:rPr lang="en-US" dirty="0" smtClean="0">
+                <a:sym typeface="Wingdings" panose="05000000000000000000" pitchFamily="2" charset="2"/>
+              </a:rPr>
+              <a:t> e </a:t>
+            </a:r>
+            <a:r>
+              <a:rPr lang="en-US" dirty="0" err="1" smtClean="0">
+                <a:sym typeface="Wingdings" panose="05000000000000000000" pitchFamily="2" charset="2"/>
+              </a:rPr>
+              <a:t>possibiltà</a:t>
+            </a:r>
+            <a:r>
+              <a:rPr lang="en-US" dirty="0" smtClean="0">
+                <a:sym typeface="Wingdings" panose="05000000000000000000" pitchFamily="2" charset="2"/>
+              </a:rPr>
+              <a:t> di </a:t>
+            </a:r>
+            <a:r>
+              <a:rPr lang="en-US" dirty="0" err="1" smtClean="0">
+                <a:sym typeface="Wingdings" panose="05000000000000000000" pitchFamily="2" charset="2"/>
+              </a:rPr>
+              <a:t>switchare</a:t>
+            </a:r>
+            <a:r>
+              <a:rPr lang="en-US" dirty="0">
+                <a:sym typeface="Wingdings" panose="05000000000000000000" pitchFamily="2" charset="2"/>
+              </a:rPr>
+              <a:t> </a:t>
+            </a:r>
+            <a:r>
+              <a:rPr lang="en-US" dirty="0" smtClean="0">
+                <a:sym typeface="Wingdings" panose="05000000000000000000" pitchFamily="2" charset="2"/>
+              </a:rPr>
+              <a:t>con </a:t>
+            </a:r>
+            <a:r>
+              <a:rPr lang="en-US" dirty="0" err="1" smtClean="0">
+                <a:sym typeface="Wingdings" panose="05000000000000000000" pitchFamily="2" charset="2"/>
+              </a:rPr>
+              <a:t>doppio</a:t>
+            </a:r>
+            <a:r>
+              <a:rPr lang="en-US" dirty="0" smtClean="0">
+                <a:sym typeface="Wingdings" panose="05000000000000000000" pitchFamily="2" charset="2"/>
+              </a:rPr>
+              <a:t> click</a:t>
             </a:r>
           </a:p>
           <a:p>
             <a:pPr lvl="1" algn="just"/>
             <a:r>
-              <a:rPr lang="it-IT" dirty="0" smtClean="0"/>
-              <a:t>Debug di processi su pc remoti (Qualifier)</a:t>
+              <a:rPr lang="en-US" dirty="0" err="1" smtClean="0">
+                <a:sym typeface="Wingdings" panose="05000000000000000000" pitchFamily="2" charset="2"/>
+              </a:rPr>
+              <a:t>Visualizzazione</a:t>
+            </a:r>
+            <a:r>
+              <a:rPr lang="en-US" dirty="0" smtClean="0">
+                <a:sym typeface="Wingdings" panose="05000000000000000000" pitchFamily="2" charset="2"/>
+              </a:rPr>
+              <a:t> di </a:t>
+            </a:r>
+            <a:r>
+              <a:rPr lang="en-US" dirty="0" err="1" smtClean="0">
+                <a:sym typeface="Wingdings" panose="05000000000000000000" pitchFamily="2" charset="2"/>
+              </a:rPr>
+              <a:t>categoria</a:t>
+            </a:r>
+            <a:r>
+              <a:rPr lang="en-US" dirty="0" smtClean="0">
+                <a:sym typeface="Wingdings" panose="05000000000000000000" pitchFamily="2" charset="2"/>
+              </a:rPr>
+              <a:t> (UI, RPC handlers, worker </a:t>
+            </a:r>
+            <a:r>
+              <a:rPr lang="en-US" dirty="0" err="1" smtClean="0">
+                <a:sym typeface="Wingdings" panose="05000000000000000000" pitchFamily="2" charset="2"/>
+              </a:rPr>
+              <a:t>thred</a:t>
+            </a:r>
+            <a:r>
+              <a:rPr lang="en-US" dirty="0" smtClean="0">
+                <a:sym typeface="Wingdings" panose="05000000000000000000" pitchFamily="2" charset="2"/>
+              </a:rPr>
+              <a:t>, main thread)</a:t>
             </a:r>
           </a:p>
           <a:p>
             <a:pPr lvl="1" algn="just"/>
             <a:r>
-              <a:rPr lang="it-IT" dirty="0" smtClean="0"/>
-              <a:t>Debug se connessi via RDP (show process in all sessions)</a:t>
+              <a:rPr lang="en-US" dirty="0" smtClean="0">
+                <a:sym typeface="Wingdings" panose="05000000000000000000" pitchFamily="2" charset="2"/>
+              </a:rPr>
+              <a:t>Nome, Location, </a:t>
+            </a:r>
+            <a:r>
+              <a:rPr lang="en-US" dirty="0" err="1" smtClean="0">
+                <a:sym typeface="Wingdings" panose="05000000000000000000" pitchFamily="2" charset="2"/>
+              </a:rPr>
+              <a:t>Priorità</a:t>
+            </a:r>
+            <a:r>
+              <a:rPr lang="en-US" dirty="0" smtClean="0">
+                <a:sym typeface="Wingdings" panose="05000000000000000000" pitchFamily="2" charset="2"/>
+              </a:rPr>
+              <a:t> </a:t>
             </a:r>
           </a:p>
           <a:p>
             <a:pPr algn="just"/>
             <a:r>
-              <a:rPr lang="it-IT" dirty="0" smtClean="0"/>
-              <a:t>Il debug su macchine remote è possibile avendo gli opportuni privilegi e installando i Remote Tools e avendo connessione diretta ethernet</a:t>
-            </a:r>
-          </a:p>
-          <a:p>
-            <a:pPr algn="just"/>
-            <a:r>
-              <a:rPr lang="it-IT" dirty="0" smtClean="0"/>
-              <a:t>E’ possibile attaccarsi a più processi, ma solo uno alla volta è quello debuggabile (CTRL + ALT + Z per fare switch nella finestra dei processi)</a:t>
-            </a:r>
+              <a:rPr lang="en-US" dirty="0" smtClean="0">
+                <a:sym typeface="Wingdings" panose="05000000000000000000" pitchFamily="2" charset="2"/>
+              </a:rPr>
+              <a:t>Grouping: </a:t>
+            </a:r>
+            <a:r>
+              <a:rPr lang="en-US" dirty="0" err="1" smtClean="0">
+                <a:sym typeface="Wingdings" panose="05000000000000000000" pitchFamily="2" charset="2"/>
+              </a:rPr>
+              <a:t>raggruppiamo</a:t>
+            </a:r>
+            <a:r>
+              <a:rPr lang="en-US" dirty="0" smtClean="0">
+                <a:sym typeface="Wingdings" panose="05000000000000000000" pitchFamily="2" charset="2"/>
+              </a:rPr>
+              <a:t> in base ad un </a:t>
+            </a:r>
+            <a:r>
+              <a:rPr lang="en-US" dirty="0" err="1" smtClean="0">
+                <a:sym typeface="Wingdings" panose="05000000000000000000" pitchFamily="2" charset="2"/>
+              </a:rPr>
+              <a:t>criterio</a:t>
+            </a:r>
+            <a:r>
+              <a:rPr lang="en-US" dirty="0">
+                <a:sym typeface="Wingdings" panose="05000000000000000000" pitchFamily="2" charset="2"/>
+              </a:rPr>
+              <a:t> </a:t>
+            </a:r>
+            <a:r>
+              <a:rPr lang="en-US" dirty="0" err="1" smtClean="0">
+                <a:sym typeface="Wingdings" panose="05000000000000000000" pitchFamily="2" charset="2"/>
+              </a:rPr>
+              <a:t>fra</a:t>
+            </a:r>
+            <a:r>
+              <a:rPr lang="en-US" dirty="0" smtClean="0">
+                <a:sym typeface="Wingdings" panose="05000000000000000000" pitchFamily="2" charset="2"/>
+              </a:rPr>
+              <a:t> </a:t>
+            </a:r>
+            <a:r>
+              <a:rPr lang="en-US" dirty="0" err="1" smtClean="0">
+                <a:sym typeface="Wingdings" panose="05000000000000000000" pitchFamily="2" charset="2"/>
+              </a:rPr>
+              <a:t>quelli</a:t>
+            </a:r>
+            <a:r>
+              <a:rPr lang="en-US" dirty="0" smtClean="0">
+                <a:sym typeface="Wingdings" panose="05000000000000000000" pitchFamily="2" charset="2"/>
+              </a:rPr>
+              <a:t> </a:t>
+            </a:r>
+            <a:r>
+              <a:rPr lang="en-US" dirty="0" err="1" smtClean="0">
+                <a:sym typeface="Wingdings" panose="05000000000000000000" pitchFamily="2" charset="2"/>
+              </a:rPr>
+              <a:t>presenti</a:t>
+            </a:r>
+            <a:r>
+              <a:rPr lang="en-US" dirty="0" smtClean="0">
+                <a:sym typeface="Wingdings" panose="05000000000000000000" pitchFamily="2" charset="2"/>
+              </a:rPr>
+              <a:t> </a:t>
+            </a:r>
+            <a:r>
+              <a:rPr lang="en-US" dirty="0" err="1" smtClean="0">
+                <a:sym typeface="Wingdings" panose="05000000000000000000" pitchFamily="2" charset="2"/>
+              </a:rPr>
+              <a:t>fra</a:t>
+            </a:r>
+            <a:r>
+              <a:rPr lang="en-US" dirty="0" smtClean="0">
+                <a:sym typeface="Wingdings" panose="05000000000000000000" pitchFamily="2" charset="2"/>
+              </a:rPr>
+              <a:t> le </a:t>
+            </a:r>
+            <a:r>
+              <a:rPr lang="en-US" dirty="0" err="1" smtClean="0">
+                <a:sym typeface="Wingdings" panose="05000000000000000000" pitchFamily="2" charset="2"/>
+              </a:rPr>
+              <a:t>colonne</a:t>
+            </a:r>
+            <a:r>
+              <a:rPr lang="en-US" dirty="0" smtClean="0">
+                <a:sym typeface="Wingdings" panose="05000000000000000000" pitchFamily="2" charset="2"/>
+              </a:rPr>
+              <a:t> </a:t>
+            </a:r>
+            <a:r>
+              <a:rPr lang="en-US" dirty="0" err="1" smtClean="0">
+                <a:sym typeface="Wingdings" panose="05000000000000000000" pitchFamily="2" charset="2"/>
+              </a:rPr>
+              <a:t>selezionabili</a:t>
+            </a:r>
+            <a:r>
+              <a:rPr lang="en-US" dirty="0" smtClean="0">
+                <a:sym typeface="Wingdings" panose="05000000000000000000" pitchFamily="2" charset="2"/>
+              </a:rPr>
+              <a:t> </a:t>
+            </a:r>
+            <a:r>
+              <a:rPr lang="en-US" dirty="0" err="1" smtClean="0">
+                <a:sym typeface="Wingdings" panose="05000000000000000000" pitchFamily="2" charset="2"/>
+              </a:rPr>
+              <a:t>della</a:t>
+            </a:r>
+            <a:r>
+              <a:rPr lang="en-US" dirty="0" smtClean="0">
+                <a:sym typeface="Wingdings" panose="05000000000000000000" pitchFamily="2" charset="2"/>
+              </a:rPr>
+              <a:t> </a:t>
+            </a:r>
+            <a:r>
+              <a:rPr lang="en-US" dirty="0" err="1" smtClean="0">
+                <a:sym typeface="Wingdings" panose="05000000000000000000" pitchFamily="2" charset="2"/>
+              </a:rPr>
+              <a:t>finestra</a:t>
+            </a:r>
+            <a:endParaRPr lang="en-US" dirty="0" smtClean="0"/>
           </a:p>
           <a:p>
             <a:pPr lvl="0" algn="just"/>
-            <a:endParaRPr lang="it-IT" dirty="0" smtClean="0"/>
+            <a:endParaRPr lang="en-US" dirty="0"/>
           </a:p>
           <a:p>
             <a:pPr lvl="0" algn="just"/>
-            <a:endParaRPr lang="it-IT" dirty="0"/>
+            <a:endParaRPr lang="en-US" dirty="0" smtClean="0"/>
+          </a:p>
+          <a:p>
+            <a:pPr lvl="0" algn="just"/>
+            <a:endParaRPr lang="en-US" dirty="0"/>
+          </a:p>
+          <a:p>
+            <a:pPr lvl="0" algn="just"/>
+            <a:endParaRPr lang="en-US" dirty="0" smtClean="0"/>
+          </a:p>
+          <a:p>
+            <a:pPr lvl="0" algn="just"/>
+            <a:endParaRPr lang="en-US" dirty="0"/>
+          </a:p>
+          <a:p>
+            <a:pPr lvl="0" algn="just"/>
+            <a:endParaRPr lang="en-US" dirty="0" smtClean="0"/>
+          </a:p>
+          <a:p>
+            <a:pPr lvl="0" algn="just"/>
+            <a:endParaRPr lang="en-US" dirty="0" smtClean="0"/>
+          </a:p>
+          <a:p>
+            <a:pPr lvl="0" algn="just"/>
+            <a:endParaRPr lang="en-US" dirty="0"/>
+          </a:p>
+          <a:p>
+            <a:pPr lvl="0" algn="just"/>
+            <a:endParaRPr lang="en-US" dirty="0" smtClean="0"/>
+          </a:p>
+          <a:p>
+            <a:pPr lvl="0" algn="just"/>
+            <a:endParaRPr lang="en-US" dirty="0"/>
+          </a:p>
+          <a:p>
+            <a:pPr lvl="0" algn="just"/>
+            <a:endParaRPr lang="en-US" dirty="0" smtClean="0"/>
+          </a:p>
+          <a:p>
+            <a:pPr lvl="0" algn="just"/>
+            <a:endParaRPr lang="en-US" dirty="0"/>
+          </a:p>
+          <a:p>
+            <a:pPr lvl="0" algn="just"/>
+            <a:endParaRPr lang="en-US" dirty="0" smtClean="0"/>
           </a:p>
         </p:txBody>
       </p:sp>
+      <p:pic>
+        <p:nvPicPr>
+          <p:cNvPr id="5" name="Picture 4"/>
+          <p:cNvPicPr>
+            <a:picLocks noChangeAspect="1"/>
+          </p:cNvPicPr>
+          <p:nvPr/>
+        </p:nvPicPr>
+        <p:blipFill>
+          <a:blip r:embed="rId3"/>
+          <a:stretch>
+            <a:fillRect/>
+          </a:stretch>
+        </p:blipFill>
+        <p:spPr>
+          <a:xfrm>
+            <a:off x="1261872" y="1691322"/>
+            <a:ext cx="6867525" cy="1590675"/>
+          </a:xfrm>
+          <a:prstGeom prst="rect">
+            <a:avLst/>
+          </a:prstGeom>
+        </p:spPr>
+      </p:pic>
     </p:spTree>
     <p:extLst>
       <p:ext uri="{BB962C8B-B14F-4D97-AF65-F5344CB8AC3E}">
-        <p14:creationId xmlns:p14="http://schemas.microsoft.com/office/powerpoint/2010/main" val="2437025893"/>
+        <p14:creationId xmlns:p14="http://schemas.microsoft.com/office/powerpoint/2010/main" val="4012476189"/>
       </p:ext>
     </p:extLst>
   </p:cSld>
@@ -20940,634 +21230,6 @@
           <a:p>
             <a:r>
               <a:rPr lang="en-US" dirty="0" smtClean="0"/>
-              <a:t>Debugger – multithread 	</a:t>
-            </a:r>
-            <a:endParaRPr lang="it-IT" dirty="0"/>
-          </a:p>
-        </p:txBody>
-      </p:sp>
-      <p:sp>
-        <p:nvSpPr>
-          <p:cNvPr id="3" name="Content Placeholder 2"/>
-          <p:cNvSpPr>
-            <a:spLocks noGrp="1"/>
-          </p:cNvSpPr>
-          <p:nvPr>
-            <p:ph idx="1"/>
-          </p:nvPr>
-        </p:nvSpPr>
-        <p:spPr/>
-        <p:txBody>
-          <a:bodyPr>
-            <a:normAutofit/>
-          </a:bodyPr>
-          <a:lstStyle/>
-          <a:p>
-            <a:pPr lvl="0" algn="just"/>
-            <a:r>
-              <a:rPr lang="it-IT" dirty="0" smtClean="0"/>
-              <a:t>Supponiamo di avere un’applicazione piuttosto semplice nella quale 2 thread ricevono un set di dati dal padre che rappresenta una retta y=2x definita nel dominio [1,5]. </a:t>
-            </a:r>
-          </a:p>
-          <a:p>
-            <a:pPr lvl="0" algn="just"/>
-            <a:r>
-              <a:rPr lang="it-IT" dirty="0" smtClean="0"/>
-              <a:t>Per semplicità non gestiamo estrapolazioni e assumiamo che la retta sia monotona crescente.</a:t>
-            </a:r>
-          </a:p>
-          <a:p>
-            <a:pPr lvl="0" algn="just"/>
-            <a:r>
-              <a:rPr lang="it-IT" dirty="0" smtClean="0"/>
-              <a:t>Ognuno di questi thread effettua 1mln di interpolazioni lineari, restituendo i risultati al padre all’interno di un vettore passato per riferimento.</a:t>
-            </a:r>
-          </a:p>
-          <a:p>
-            <a:pPr lvl="0" algn="just"/>
-            <a:r>
-              <a:rPr lang="it-IT" dirty="0" smtClean="0"/>
-              <a:t>Visual Studio ci consente di deuggare l’applicazione, ispezionando il codice esguito dai singoli thread.</a:t>
-            </a:r>
-            <a:endParaRPr lang="en-US" dirty="0" smtClean="0"/>
-          </a:p>
-        </p:txBody>
-      </p:sp>
-    </p:spTree>
-    <p:extLst>
-      <p:ext uri="{BB962C8B-B14F-4D97-AF65-F5344CB8AC3E}">
-        <p14:creationId xmlns:p14="http://schemas.microsoft.com/office/powerpoint/2010/main" val="527247380"/>
-      </p:ext>
-    </p:extLst>
-  </p:cSld>
-  <p:clrMapOvr>
-    <a:masterClrMapping/>
-  </p:clrMapOvr>
-  <mc:AlternateContent xmlns:mc="http://schemas.openxmlformats.org/markup-compatibility/2006" xmlns:p14="http://schemas.microsoft.com/office/powerpoint/2010/main">
-    <mc:Choice Requires="p14">
-      <p:transition spd="slow" p14:dur="2000"/>
-    </mc:Choice>
-    <mc:Fallback xmlns="">
-      <p:transition spd="slow"/>
-    </mc:Fallback>
-  </mc:AlternateContent>
-  <p:timing>
-    <p:tnLst>
-      <p:par>
-        <p:cTn id="1" dur="indefinite" restart="never" nodeType="tmRoot"/>
-      </p:par>
-    </p:tnLst>
-  </p:timing>
-</p:sld>
-</file>
-
-<file path=ppt/slides/slide47.xml><?xml version="1.0" encoding="utf-8"?>
-<p:sld xmlns:a="http://schemas.openxmlformats.org/drawingml/2006/main" xmlns:r="http://schemas.openxmlformats.org/officeDocument/2006/relationships" xmlns:p="http://schemas.openxmlformats.org/presentationml/2006/main">
-  <p:cSld>
-    <p:spTree>
-      <p:nvGrpSpPr>
-        <p:cNvPr id="1" name=""/>
-        <p:cNvGrpSpPr/>
-        <p:nvPr/>
-      </p:nvGrpSpPr>
-      <p:grpSpPr>
-        <a:xfrm>
-          <a:off x="0" y="0"/>
-          <a:ext cx="0" cy="0"/>
-          <a:chOff x="0" y="0"/>
-          <a:chExt cx="0" cy="0"/>
-        </a:xfrm>
-      </p:grpSpPr>
-      <p:sp>
-        <p:nvSpPr>
-          <p:cNvPr id="2" name="Title 1"/>
-          <p:cNvSpPr>
-            <a:spLocks noGrp="1"/>
-          </p:cNvSpPr>
-          <p:nvPr>
-            <p:ph type="title"/>
-          </p:nvPr>
-        </p:nvSpPr>
-        <p:spPr/>
-        <p:txBody>
-          <a:bodyPr/>
-          <a:lstStyle/>
-          <a:p>
-            <a:r>
-              <a:rPr lang="en-US" dirty="0" smtClean="0"/>
-              <a:t>Debugger – Threads Window 	</a:t>
-            </a:r>
-            <a:endParaRPr lang="it-IT" dirty="0"/>
-          </a:p>
-        </p:txBody>
-      </p:sp>
-      <p:sp>
-        <p:nvSpPr>
-          <p:cNvPr id="3" name="Content Placeholder 2"/>
-          <p:cNvSpPr>
-            <a:spLocks noGrp="1"/>
-          </p:cNvSpPr>
-          <p:nvPr>
-            <p:ph idx="1"/>
-          </p:nvPr>
-        </p:nvSpPr>
-        <p:spPr/>
-        <p:txBody>
-          <a:bodyPr>
-            <a:normAutofit/>
-          </a:bodyPr>
-          <a:lstStyle/>
-          <a:p>
-            <a:pPr lvl="0" algn="just"/>
-            <a:endParaRPr lang="en-US" dirty="0"/>
-          </a:p>
-          <a:p>
-            <a:pPr lvl="0" algn="just"/>
-            <a:endParaRPr lang="en-US" dirty="0" smtClean="0"/>
-          </a:p>
-          <a:p>
-            <a:pPr marL="0" lvl="0" indent="0" algn="just">
-              <a:buNone/>
-            </a:pPr>
-            <a:endParaRPr lang="en-US" dirty="0" smtClean="0"/>
-          </a:p>
-          <a:p>
-            <a:pPr algn="just"/>
-            <a:r>
-              <a:rPr lang="en-US" dirty="0" err="1" smtClean="0"/>
-              <a:t>Selezionabile</a:t>
-            </a:r>
-            <a:r>
-              <a:rPr lang="en-US" dirty="0" smtClean="0"/>
-              <a:t> dal menu “</a:t>
-            </a:r>
-            <a:r>
-              <a:rPr lang="en-US" dirty="0" err="1" smtClean="0"/>
-              <a:t>Debug</a:t>
-            </a:r>
-            <a:r>
-              <a:rPr lang="en-US" dirty="0" err="1" smtClean="0">
-                <a:sym typeface="Wingdings" panose="05000000000000000000" pitchFamily="2" charset="2"/>
-              </a:rPr>
-              <a:t>Windows</a:t>
-            </a:r>
-            <a:r>
-              <a:rPr lang="en-US" dirty="0" smtClean="0">
-                <a:sym typeface="Wingdings" panose="05000000000000000000" pitchFamily="2" charset="2"/>
-              </a:rPr>
-              <a:t>” </a:t>
-            </a:r>
-            <a:r>
-              <a:rPr lang="en-US" dirty="0" err="1" smtClean="0">
-                <a:sym typeface="Wingdings" panose="05000000000000000000" pitchFamily="2" charset="2"/>
-              </a:rPr>
-              <a:t>consente</a:t>
-            </a:r>
-            <a:r>
-              <a:rPr lang="en-US" dirty="0" smtClean="0">
-                <a:sym typeface="Wingdings" panose="05000000000000000000" pitchFamily="2" charset="2"/>
-              </a:rPr>
-              <a:t> di </a:t>
-            </a:r>
-            <a:r>
-              <a:rPr lang="en-US" dirty="0" err="1" smtClean="0">
-                <a:sym typeface="Wingdings" panose="05000000000000000000" pitchFamily="2" charset="2"/>
-              </a:rPr>
-              <a:t>controllare</a:t>
-            </a:r>
-            <a:r>
-              <a:rPr lang="en-US" dirty="0" smtClean="0">
-                <a:sym typeface="Wingdings" panose="05000000000000000000" pitchFamily="2" charset="2"/>
-              </a:rPr>
-              <a:t> </a:t>
-            </a:r>
-            <a:r>
-              <a:rPr lang="en-US" dirty="0" err="1" smtClean="0">
-                <a:sym typeface="Wingdings" panose="05000000000000000000" pitchFamily="2" charset="2"/>
-              </a:rPr>
-              <a:t>l’andamento</a:t>
-            </a:r>
-            <a:r>
-              <a:rPr lang="en-US" dirty="0" smtClean="0">
-                <a:sym typeface="Wingdings" panose="05000000000000000000" pitchFamily="2" charset="2"/>
-              </a:rPr>
-              <a:t> </a:t>
-            </a:r>
-            <a:r>
-              <a:rPr lang="en-US" dirty="0" err="1" smtClean="0">
-                <a:sym typeface="Wingdings" panose="05000000000000000000" pitchFamily="2" charset="2"/>
-              </a:rPr>
-              <a:t>dei</a:t>
-            </a:r>
-            <a:r>
-              <a:rPr lang="en-US" dirty="0" smtClean="0">
-                <a:sym typeface="Wingdings" panose="05000000000000000000" pitchFamily="2" charset="2"/>
-              </a:rPr>
-              <a:t> thread, in </a:t>
-            </a:r>
-            <a:r>
-              <a:rPr lang="en-US" dirty="0" err="1" smtClean="0">
-                <a:sym typeface="Wingdings" panose="05000000000000000000" pitchFamily="2" charset="2"/>
-              </a:rPr>
-              <a:t>particolare</a:t>
-            </a:r>
-            <a:endParaRPr lang="en-US" dirty="0" smtClean="0">
-              <a:sym typeface="Wingdings" panose="05000000000000000000" pitchFamily="2" charset="2"/>
-            </a:endParaRPr>
-          </a:p>
-          <a:p>
-            <a:pPr lvl="1" algn="just"/>
-            <a:r>
-              <a:rPr lang="en-US" dirty="0" err="1" smtClean="0">
-                <a:sym typeface="Wingdings" panose="05000000000000000000" pitchFamily="2" charset="2"/>
-              </a:rPr>
-              <a:t>Indicazione</a:t>
-            </a:r>
-            <a:r>
-              <a:rPr lang="en-US" dirty="0" smtClean="0">
-                <a:sym typeface="Wingdings" panose="05000000000000000000" pitchFamily="2" charset="2"/>
-              </a:rPr>
-              <a:t> del thread </a:t>
-            </a:r>
-            <a:r>
-              <a:rPr lang="en-US" dirty="0" err="1" smtClean="0">
-                <a:sym typeface="Wingdings" panose="05000000000000000000" pitchFamily="2" charset="2"/>
-              </a:rPr>
-              <a:t>corrente</a:t>
-            </a:r>
-            <a:r>
-              <a:rPr lang="en-US" dirty="0" smtClean="0">
-                <a:sym typeface="Wingdings" panose="05000000000000000000" pitchFamily="2" charset="2"/>
-              </a:rPr>
-              <a:t> e </a:t>
-            </a:r>
-            <a:r>
-              <a:rPr lang="en-US" dirty="0" err="1" smtClean="0">
-                <a:sym typeface="Wingdings" panose="05000000000000000000" pitchFamily="2" charset="2"/>
-              </a:rPr>
-              <a:t>possibiltà</a:t>
-            </a:r>
-            <a:r>
-              <a:rPr lang="en-US" dirty="0" smtClean="0">
-                <a:sym typeface="Wingdings" panose="05000000000000000000" pitchFamily="2" charset="2"/>
-              </a:rPr>
-              <a:t> di </a:t>
-            </a:r>
-            <a:r>
-              <a:rPr lang="en-US" dirty="0" err="1" smtClean="0">
-                <a:sym typeface="Wingdings" panose="05000000000000000000" pitchFamily="2" charset="2"/>
-              </a:rPr>
-              <a:t>switchare</a:t>
-            </a:r>
-            <a:r>
-              <a:rPr lang="en-US" dirty="0">
-                <a:sym typeface="Wingdings" panose="05000000000000000000" pitchFamily="2" charset="2"/>
-              </a:rPr>
-              <a:t> </a:t>
-            </a:r>
-            <a:r>
-              <a:rPr lang="en-US" dirty="0" smtClean="0">
-                <a:sym typeface="Wingdings" panose="05000000000000000000" pitchFamily="2" charset="2"/>
-              </a:rPr>
-              <a:t>con </a:t>
-            </a:r>
-            <a:r>
-              <a:rPr lang="en-US" dirty="0" err="1" smtClean="0">
-                <a:sym typeface="Wingdings" panose="05000000000000000000" pitchFamily="2" charset="2"/>
-              </a:rPr>
-              <a:t>doppio</a:t>
-            </a:r>
-            <a:r>
-              <a:rPr lang="en-US" dirty="0" smtClean="0">
-                <a:sym typeface="Wingdings" panose="05000000000000000000" pitchFamily="2" charset="2"/>
-              </a:rPr>
-              <a:t> click</a:t>
-            </a:r>
-          </a:p>
-          <a:p>
-            <a:pPr lvl="1" algn="just"/>
-            <a:r>
-              <a:rPr lang="en-US" dirty="0" err="1" smtClean="0">
-                <a:sym typeface="Wingdings" panose="05000000000000000000" pitchFamily="2" charset="2"/>
-              </a:rPr>
-              <a:t>Visualizzazione</a:t>
-            </a:r>
-            <a:r>
-              <a:rPr lang="en-US" dirty="0" smtClean="0">
-                <a:sym typeface="Wingdings" panose="05000000000000000000" pitchFamily="2" charset="2"/>
-              </a:rPr>
-              <a:t> di </a:t>
-            </a:r>
-            <a:r>
-              <a:rPr lang="en-US" dirty="0" err="1" smtClean="0">
-                <a:sym typeface="Wingdings" panose="05000000000000000000" pitchFamily="2" charset="2"/>
-              </a:rPr>
-              <a:t>categoria</a:t>
-            </a:r>
-            <a:r>
-              <a:rPr lang="en-US" dirty="0" smtClean="0">
-                <a:sym typeface="Wingdings" panose="05000000000000000000" pitchFamily="2" charset="2"/>
-              </a:rPr>
-              <a:t> (UI, RPC handlers, worker </a:t>
-            </a:r>
-            <a:r>
-              <a:rPr lang="en-US" dirty="0" err="1" smtClean="0">
-                <a:sym typeface="Wingdings" panose="05000000000000000000" pitchFamily="2" charset="2"/>
-              </a:rPr>
-              <a:t>thred</a:t>
-            </a:r>
-            <a:r>
-              <a:rPr lang="en-US" dirty="0" smtClean="0">
-                <a:sym typeface="Wingdings" panose="05000000000000000000" pitchFamily="2" charset="2"/>
-              </a:rPr>
-              <a:t>, main thread)</a:t>
-            </a:r>
-          </a:p>
-          <a:p>
-            <a:pPr lvl="1" algn="just"/>
-            <a:r>
-              <a:rPr lang="en-US" dirty="0" smtClean="0">
-                <a:sym typeface="Wingdings" panose="05000000000000000000" pitchFamily="2" charset="2"/>
-              </a:rPr>
-              <a:t>Nome, Location, </a:t>
-            </a:r>
-            <a:r>
-              <a:rPr lang="en-US" dirty="0" err="1" smtClean="0">
-                <a:sym typeface="Wingdings" panose="05000000000000000000" pitchFamily="2" charset="2"/>
-              </a:rPr>
-              <a:t>Priorità</a:t>
-            </a:r>
-            <a:r>
-              <a:rPr lang="en-US" dirty="0" smtClean="0">
-                <a:sym typeface="Wingdings" panose="05000000000000000000" pitchFamily="2" charset="2"/>
-              </a:rPr>
-              <a:t> </a:t>
-            </a:r>
-          </a:p>
-          <a:p>
-            <a:pPr algn="just"/>
-            <a:r>
-              <a:rPr lang="en-US" dirty="0" smtClean="0">
-                <a:sym typeface="Wingdings" panose="05000000000000000000" pitchFamily="2" charset="2"/>
-              </a:rPr>
-              <a:t>Grouping: </a:t>
-            </a:r>
-            <a:r>
-              <a:rPr lang="en-US" dirty="0" err="1" smtClean="0">
-                <a:sym typeface="Wingdings" panose="05000000000000000000" pitchFamily="2" charset="2"/>
-              </a:rPr>
-              <a:t>raggruppiamo</a:t>
-            </a:r>
-            <a:r>
-              <a:rPr lang="en-US" dirty="0" smtClean="0">
-                <a:sym typeface="Wingdings" panose="05000000000000000000" pitchFamily="2" charset="2"/>
-              </a:rPr>
-              <a:t> in base ad un </a:t>
-            </a:r>
-            <a:r>
-              <a:rPr lang="en-US" dirty="0" err="1" smtClean="0">
-                <a:sym typeface="Wingdings" panose="05000000000000000000" pitchFamily="2" charset="2"/>
-              </a:rPr>
-              <a:t>criterio</a:t>
-            </a:r>
-            <a:r>
-              <a:rPr lang="en-US" dirty="0">
-                <a:sym typeface="Wingdings" panose="05000000000000000000" pitchFamily="2" charset="2"/>
-              </a:rPr>
-              <a:t> </a:t>
-            </a:r>
-            <a:r>
-              <a:rPr lang="en-US" dirty="0" err="1" smtClean="0">
-                <a:sym typeface="Wingdings" panose="05000000000000000000" pitchFamily="2" charset="2"/>
-              </a:rPr>
-              <a:t>fra</a:t>
-            </a:r>
-            <a:r>
-              <a:rPr lang="en-US" dirty="0" smtClean="0">
-                <a:sym typeface="Wingdings" panose="05000000000000000000" pitchFamily="2" charset="2"/>
-              </a:rPr>
-              <a:t> </a:t>
-            </a:r>
-            <a:r>
-              <a:rPr lang="en-US" dirty="0" err="1" smtClean="0">
-                <a:sym typeface="Wingdings" panose="05000000000000000000" pitchFamily="2" charset="2"/>
-              </a:rPr>
-              <a:t>quelli</a:t>
-            </a:r>
-            <a:r>
-              <a:rPr lang="en-US" dirty="0" smtClean="0">
-                <a:sym typeface="Wingdings" panose="05000000000000000000" pitchFamily="2" charset="2"/>
-              </a:rPr>
-              <a:t> </a:t>
-            </a:r>
-            <a:r>
-              <a:rPr lang="en-US" dirty="0" err="1" smtClean="0">
-                <a:sym typeface="Wingdings" panose="05000000000000000000" pitchFamily="2" charset="2"/>
-              </a:rPr>
-              <a:t>presenti</a:t>
-            </a:r>
-            <a:r>
-              <a:rPr lang="en-US" dirty="0" smtClean="0">
-                <a:sym typeface="Wingdings" panose="05000000000000000000" pitchFamily="2" charset="2"/>
-              </a:rPr>
-              <a:t> </a:t>
-            </a:r>
-            <a:r>
-              <a:rPr lang="en-US" dirty="0" err="1" smtClean="0">
-                <a:sym typeface="Wingdings" panose="05000000000000000000" pitchFamily="2" charset="2"/>
-              </a:rPr>
-              <a:t>fra</a:t>
-            </a:r>
-            <a:r>
-              <a:rPr lang="en-US" dirty="0" smtClean="0">
-                <a:sym typeface="Wingdings" panose="05000000000000000000" pitchFamily="2" charset="2"/>
-              </a:rPr>
-              <a:t> le </a:t>
-            </a:r>
-            <a:r>
-              <a:rPr lang="en-US" dirty="0" err="1" smtClean="0">
-                <a:sym typeface="Wingdings" panose="05000000000000000000" pitchFamily="2" charset="2"/>
-              </a:rPr>
-              <a:t>colonne</a:t>
-            </a:r>
-            <a:r>
-              <a:rPr lang="en-US" dirty="0" smtClean="0">
-                <a:sym typeface="Wingdings" panose="05000000000000000000" pitchFamily="2" charset="2"/>
-              </a:rPr>
-              <a:t> </a:t>
-            </a:r>
-            <a:r>
-              <a:rPr lang="en-US" dirty="0" err="1" smtClean="0">
-                <a:sym typeface="Wingdings" panose="05000000000000000000" pitchFamily="2" charset="2"/>
-              </a:rPr>
-              <a:t>selezionabili</a:t>
-            </a:r>
-            <a:r>
-              <a:rPr lang="en-US" dirty="0" smtClean="0">
-                <a:sym typeface="Wingdings" panose="05000000000000000000" pitchFamily="2" charset="2"/>
-              </a:rPr>
-              <a:t> </a:t>
-            </a:r>
-            <a:r>
-              <a:rPr lang="en-US" dirty="0" err="1" smtClean="0">
-                <a:sym typeface="Wingdings" panose="05000000000000000000" pitchFamily="2" charset="2"/>
-              </a:rPr>
-              <a:t>della</a:t>
-            </a:r>
-            <a:r>
-              <a:rPr lang="en-US" dirty="0" smtClean="0">
-                <a:sym typeface="Wingdings" panose="05000000000000000000" pitchFamily="2" charset="2"/>
-              </a:rPr>
-              <a:t> </a:t>
-            </a:r>
-            <a:r>
-              <a:rPr lang="en-US" dirty="0" err="1" smtClean="0">
-                <a:sym typeface="Wingdings" panose="05000000000000000000" pitchFamily="2" charset="2"/>
-              </a:rPr>
-              <a:t>finestra</a:t>
-            </a:r>
-            <a:endParaRPr lang="en-US" dirty="0" smtClean="0"/>
-          </a:p>
-          <a:p>
-            <a:pPr lvl="0" algn="just"/>
-            <a:endParaRPr lang="en-US" dirty="0"/>
-          </a:p>
-          <a:p>
-            <a:pPr lvl="0" algn="just"/>
-            <a:endParaRPr lang="en-US" dirty="0" smtClean="0"/>
-          </a:p>
-          <a:p>
-            <a:pPr lvl="0" algn="just"/>
-            <a:endParaRPr lang="en-US" dirty="0"/>
-          </a:p>
-          <a:p>
-            <a:pPr lvl="0" algn="just"/>
-            <a:endParaRPr lang="en-US" dirty="0" smtClean="0"/>
-          </a:p>
-          <a:p>
-            <a:pPr lvl="0" algn="just"/>
-            <a:endParaRPr lang="en-US" dirty="0"/>
-          </a:p>
-          <a:p>
-            <a:pPr lvl="0" algn="just"/>
-            <a:endParaRPr lang="en-US" dirty="0" smtClean="0"/>
-          </a:p>
-          <a:p>
-            <a:pPr lvl="0" algn="just"/>
-            <a:endParaRPr lang="en-US" dirty="0" smtClean="0"/>
-          </a:p>
-          <a:p>
-            <a:pPr lvl="0" algn="just"/>
-            <a:endParaRPr lang="en-US" dirty="0"/>
-          </a:p>
-          <a:p>
-            <a:pPr lvl="0" algn="just"/>
-            <a:endParaRPr lang="en-US" dirty="0" smtClean="0"/>
-          </a:p>
-          <a:p>
-            <a:pPr lvl="0" algn="just"/>
-            <a:endParaRPr lang="en-US" dirty="0"/>
-          </a:p>
-          <a:p>
-            <a:pPr lvl="0" algn="just"/>
-            <a:endParaRPr lang="en-US" dirty="0" smtClean="0"/>
-          </a:p>
-          <a:p>
-            <a:pPr lvl="0" algn="just"/>
-            <a:endParaRPr lang="en-US" dirty="0"/>
-          </a:p>
-          <a:p>
-            <a:pPr lvl="0" algn="just"/>
-            <a:endParaRPr lang="en-US" dirty="0" smtClean="0"/>
-          </a:p>
-        </p:txBody>
-      </p:sp>
-      <p:pic>
-        <p:nvPicPr>
-          <p:cNvPr id="5" name="Picture 4"/>
-          <p:cNvPicPr>
-            <a:picLocks noChangeAspect="1"/>
-          </p:cNvPicPr>
-          <p:nvPr/>
-        </p:nvPicPr>
-        <p:blipFill>
-          <a:blip r:embed="rId3"/>
-          <a:stretch>
-            <a:fillRect/>
-          </a:stretch>
-        </p:blipFill>
-        <p:spPr>
-          <a:xfrm>
-            <a:off x="1261872" y="1691322"/>
-            <a:ext cx="6867525" cy="1590675"/>
-          </a:xfrm>
-          <a:prstGeom prst="rect">
-            <a:avLst/>
-          </a:prstGeom>
-        </p:spPr>
-      </p:pic>
-    </p:spTree>
-    <p:extLst>
-      <p:ext uri="{BB962C8B-B14F-4D97-AF65-F5344CB8AC3E}">
-        <p14:creationId xmlns:p14="http://schemas.microsoft.com/office/powerpoint/2010/main" val="4012476189"/>
-      </p:ext>
-    </p:extLst>
-  </p:cSld>
-  <p:clrMapOvr>
-    <a:masterClrMapping/>
-  </p:clrMapOvr>
-  <mc:AlternateContent xmlns:mc="http://schemas.openxmlformats.org/markup-compatibility/2006" xmlns:p14="http://schemas.microsoft.com/office/powerpoint/2010/main">
-    <mc:Choice Requires="p14">
-      <p:transition spd="slow" p14:dur="2000"/>
-    </mc:Choice>
-    <mc:Fallback xmlns="">
-      <p:transition spd="slow"/>
-    </mc:Fallback>
-  </mc:AlternateContent>
-  <p:timing>
-    <p:tnLst>
-      <p:par>
-        <p:cTn id="1" dur="indefinite" restart="never" nodeType="tmRoot"/>
-      </p:par>
-    </p:tnLst>
-  </p:timing>
-</p:sld>
-</file>
-
-<file path=ppt/slides/slide48.xml><?xml version="1.0" encoding="utf-8"?>
-<p:sld xmlns:a="http://schemas.openxmlformats.org/drawingml/2006/main" xmlns:r="http://schemas.openxmlformats.org/officeDocument/2006/relationships" xmlns:p="http://schemas.openxmlformats.org/presentationml/2006/main">
-  <p:cSld>
-    <p:spTree>
-      <p:nvGrpSpPr>
-        <p:cNvPr id="1" name=""/>
-        <p:cNvGrpSpPr/>
-        <p:nvPr/>
-      </p:nvGrpSpPr>
-      <p:grpSpPr>
-        <a:xfrm>
-          <a:off x="0" y="0"/>
-          <a:ext cx="0" cy="0"/>
-          <a:chOff x="0" y="0"/>
-          <a:chExt cx="0" cy="0"/>
-        </a:xfrm>
-      </p:grpSpPr>
-      <p:sp>
-        <p:nvSpPr>
-          <p:cNvPr id="2" name="Title 1"/>
-          <p:cNvSpPr>
-            <a:spLocks noGrp="1"/>
-          </p:cNvSpPr>
-          <p:nvPr>
-            <p:ph type="title"/>
-          </p:nvPr>
-        </p:nvSpPr>
-        <p:spPr/>
-        <p:txBody>
-          <a:bodyPr/>
-          <a:lstStyle/>
-          <a:p>
-            <a:r>
-              <a:rPr lang="en-US" dirty="0" smtClean="0"/>
               <a:t>Debugger – Threads Window (2)	</a:t>
             </a:r>
             <a:endParaRPr lang="it-IT" dirty="0"/>
@@ -21853,7 +21515,7 @@
 </p:sld>
 </file>
 
-<file path=ppt/slides/slide49.xml><?xml version="1.0" encoding="utf-8"?>
+<file path=ppt/slides/slide47.xml><?xml version="1.0" encoding="utf-8"?>
 <p:sld xmlns:a="http://schemas.openxmlformats.org/drawingml/2006/main" xmlns:r="http://schemas.openxmlformats.org/officeDocument/2006/relationships" xmlns:p="http://schemas.openxmlformats.org/presentationml/2006/main">
   <p:cSld>
     <p:spTree>
@@ -21932,15 +21594,33 @@
               <a:rPr lang="it-IT" dirty="0" smtClean="0">
                 <a:sym typeface="Wingdings" panose="05000000000000000000" pitchFamily="2" charset="2"/>
               </a:rPr>
-              <a:t>Strumenti di analisi statica e controllo dei warning aiutano a produrre codice nativo in modo più guidato</a:t>
-            </a:r>
-          </a:p>
-          <a:p>
+              <a:t>Strumenti di analisi statica e controllo </a:t>
+            </a:r>
+            <a:r>
+              <a:rPr lang="it-IT" smtClean="0">
+                <a:sym typeface="Wingdings" panose="05000000000000000000" pitchFamily="2" charset="2"/>
+              </a:rPr>
+              <a:t>dei </a:t>
+            </a:r>
+            <a:r>
+              <a:rPr lang="it-IT" smtClean="0">
+                <a:sym typeface="Wingdings" panose="05000000000000000000" pitchFamily="2" charset="2"/>
+              </a:rPr>
+              <a:t>warnings </a:t>
+            </a:r>
             <a:r>
               <a:rPr lang="it-IT" dirty="0" smtClean="0">
                 <a:sym typeface="Wingdings" panose="05000000000000000000" pitchFamily="2" charset="2"/>
               </a:rPr>
-              <a:t>Strumenti di profilazione consentono di dare un quadro piuttosto preciso su eventuali bottleneck nella nostra applicazione, anche in ambito multithread</a:t>
+              <a:t>aiutano a produrre codice nativo in modo più guidato</a:t>
+            </a:r>
+          </a:p>
+          <a:p>
+            <a:r>
+              <a:rPr lang="it-IT" dirty="0" smtClean="0">
+                <a:sym typeface="Wingdings" panose="05000000000000000000" pitchFamily="2" charset="2"/>
+              </a:rPr>
+              <a:t>Strumenti di profilazione consentono di dare un quadro piuttosto preciso su eventuali bottlenecks nella nostra applicazione, anche in ambito multithread</a:t>
             </a:r>
           </a:p>
           <a:p>
@@ -21960,6 +21640,298 @@
     <p:extLst>
       <p:ext uri="{BB962C8B-B14F-4D97-AF65-F5344CB8AC3E}">
         <p14:creationId xmlns:p14="http://schemas.microsoft.com/office/powerpoint/2010/main" val="2553623974"/>
+      </p:ext>
+    </p:extLst>
+  </p:cSld>
+  <p:clrMapOvr>
+    <a:masterClrMapping/>
+  </p:clrMapOvr>
+  <p:timing>
+    <p:tnLst>
+      <p:par>
+        <p:cTn id="1" dur="indefinite" restart="never" nodeType="tmRoot"/>
+      </p:par>
+    </p:tnLst>
+  </p:timing>
+</p:sld>
+</file>
+
+<file path=ppt/slides/slide48.xml><?xml version="1.0" encoding="utf-8"?>
+<p:sld xmlns:a="http://schemas.openxmlformats.org/drawingml/2006/main" xmlns:r="http://schemas.openxmlformats.org/officeDocument/2006/relationships" xmlns:p="http://schemas.openxmlformats.org/presentationml/2006/main">
+  <p:cSld>
+    <p:spTree>
+      <p:nvGrpSpPr>
+        <p:cNvPr id="1" name=""/>
+        <p:cNvGrpSpPr/>
+        <p:nvPr/>
+      </p:nvGrpSpPr>
+      <p:grpSpPr>
+        <a:xfrm>
+          <a:off x="0" y="0"/>
+          <a:ext cx="0" cy="0"/>
+          <a:chOff x="0" y="0"/>
+          <a:chExt cx="0" cy="0"/>
+        </a:xfrm>
+      </p:grpSpPr>
+      <p:sp>
+        <p:nvSpPr>
+          <p:cNvPr id="4" name="Title 3"/>
+          <p:cNvSpPr>
+            <a:spLocks noGrp="1"/>
+          </p:cNvSpPr>
+          <p:nvPr>
+            <p:ph type="title"/>
+          </p:nvPr>
+        </p:nvSpPr>
+        <p:spPr>
+          <a:xfrm>
+            <a:off x="877544" y="2522993"/>
+            <a:ext cx="9692640" cy="1428929"/>
+          </a:xfrm>
+        </p:spPr>
+        <p:txBody>
+          <a:bodyPr/>
+          <a:lstStyle/>
+          <a:p>
+            <a:pPr algn="ctr"/>
+            <a:r>
+              <a:rPr lang="it-IT" dirty="0" smtClean="0"/>
+              <a:t>Grazie a tutti !</a:t>
+            </a:r>
+            <a:endParaRPr lang="it-IT" dirty="0"/>
+          </a:p>
+        </p:txBody>
+      </p:sp>
+    </p:spTree>
+    <p:extLst>
+      <p:ext uri="{BB962C8B-B14F-4D97-AF65-F5344CB8AC3E}">
+        <p14:creationId xmlns:p14="http://schemas.microsoft.com/office/powerpoint/2010/main" val="3190968883"/>
+      </p:ext>
+    </p:extLst>
+  </p:cSld>
+  <p:clrMapOvr>
+    <a:masterClrMapping/>
+  </p:clrMapOvr>
+  <p:timing>
+    <p:tnLst>
+      <p:par>
+        <p:cTn id="1" dur="indefinite" restart="never" nodeType="tmRoot"/>
+      </p:par>
+    </p:tnLst>
+  </p:timing>
+</p:sld>
+</file>
+
+<file path=ppt/slides/slide49.xml><?xml version="1.0" encoding="utf-8"?>
+<p:sld xmlns:a="http://schemas.openxmlformats.org/drawingml/2006/main" xmlns:r="http://schemas.openxmlformats.org/officeDocument/2006/relationships" xmlns:p="http://schemas.openxmlformats.org/presentationml/2006/main">
+  <p:cSld>
+    <p:spTree>
+      <p:nvGrpSpPr>
+        <p:cNvPr id="1" name=""/>
+        <p:cNvGrpSpPr/>
+        <p:nvPr/>
+      </p:nvGrpSpPr>
+      <p:grpSpPr>
+        <a:xfrm>
+          <a:off x="0" y="0"/>
+          <a:ext cx="0" cy="0"/>
+          <a:chOff x="0" y="0"/>
+          <a:chExt cx="0" cy="0"/>
+        </a:xfrm>
+      </p:grpSpPr>
+      <p:sp>
+        <p:nvSpPr>
+          <p:cNvPr id="3" name="Title 2"/>
+          <p:cNvSpPr>
+            <a:spLocks noGrp="1"/>
+          </p:cNvSpPr>
+          <p:nvPr>
+            <p:ph type="title"/>
+          </p:nvPr>
+        </p:nvSpPr>
+        <p:spPr/>
+        <p:txBody>
+          <a:bodyPr/>
+          <a:lstStyle/>
+          <a:p>
+            <a:r>
+              <a:rPr lang="it-IT" dirty="0" smtClean="0"/>
+              <a:t>Q&amp;A</a:t>
+            </a:r>
+            <a:endParaRPr lang="it-IT" dirty="0"/>
+          </a:p>
+        </p:txBody>
+      </p:sp>
+      <p:sp>
+        <p:nvSpPr>
+          <p:cNvPr id="4" name="Content Placeholder 3"/>
+          <p:cNvSpPr>
+            <a:spLocks noGrp="1"/>
+          </p:cNvSpPr>
+          <p:nvPr>
+            <p:ph idx="1"/>
+          </p:nvPr>
+        </p:nvSpPr>
+        <p:spPr/>
+        <p:txBody>
+          <a:bodyPr>
+            <a:normAutofit fontScale="92500" lnSpcReduction="20000"/>
+          </a:bodyPr>
+          <a:lstStyle/>
+          <a:p>
+            <a:pPr marL="0" indent="0">
+              <a:buNone/>
+            </a:pPr>
+            <a:r>
+              <a:rPr lang="it-IT" dirty="0" smtClean="0"/>
+              <a:t>Tutto il </a:t>
+            </a:r>
+            <a:r>
+              <a:rPr lang="it-IT" dirty="0"/>
+              <a:t>m</a:t>
+            </a:r>
+            <a:r>
+              <a:rPr lang="it-IT" dirty="0" smtClean="0"/>
+              <a:t>ateriale di questa sessione su</a:t>
+            </a:r>
+          </a:p>
+          <a:p>
+            <a:pPr marL="0" indent="0">
+              <a:buNone/>
+            </a:pPr>
+            <a:r>
+              <a:rPr lang="it-IT" dirty="0" smtClean="0">
+                <a:hlinkClick r:id="rId3"/>
+              </a:rPr>
+              <a:t>http://www.communitydays.it/</a:t>
+            </a:r>
+            <a:r>
+              <a:rPr lang="it-IT" dirty="0" smtClean="0"/>
+              <a:t> </a:t>
+            </a:r>
+          </a:p>
+          <a:p>
+            <a:pPr marL="0" indent="0">
+              <a:buNone/>
+            </a:pPr>
+            <a:endParaRPr lang="it-IT" dirty="0"/>
+          </a:p>
+          <a:p>
+            <a:pPr marL="0" indent="0">
+              <a:buNone/>
+            </a:pPr>
+            <a:r>
+              <a:rPr lang="it-IT" dirty="0" smtClean="0"/>
+              <a:t>Lascia il feedback su questa sessione,</a:t>
+            </a:r>
+          </a:p>
+          <a:p>
+            <a:pPr marL="0" indent="0">
+              <a:buNone/>
+            </a:pPr>
+            <a:r>
+              <a:rPr lang="it-IT" dirty="0" smtClean="0"/>
+              <a:t>potrai essere estratto per i nostri premi!</a:t>
+            </a:r>
+          </a:p>
+          <a:p>
+            <a:pPr marL="0" indent="0">
+              <a:buNone/>
+            </a:pPr>
+            <a:endParaRPr lang="it-IT" dirty="0"/>
+          </a:p>
+          <a:p>
+            <a:pPr marL="0" indent="0">
+              <a:buNone/>
+            </a:pPr>
+            <a:r>
+              <a:rPr lang="it-IT" dirty="0" smtClean="0"/>
+              <a:t>Seguici su</a:t>
+            </a:r>
+          </a:p>
+          <a:p>
+            <a:pPr marL="0" indent="0">
+              <a:buNone/>
+            </a:pPr>
+            <a:r>
+              <a:rPr lang="it-IT" dirty="0"/>
+              <a:t>	</a:t>
+            </a:r>
+            <a:r>
+              <a:rPr lang="it-IT" dirty="0" err="1" smtClean="0"/>
+              <a:t>Twitter</a:t>
+            </a:r>
+            <a:r>
+              <a:rPr lang="it-IT" dirty="0" smtClean="0"/>
+              <a:t> @</a:t>
+            </a:r>
+            <a:r>
+              <a:rPr lang="it-IT" dirty="0" err="1" smtClean="0"/>
+              <a:t>CommunityDaysIT</a:t>
+            </a:r>
+            <a:endParaRPr lang="it-IT" dirty="0" smtClean="0"/>
+          </a:p>
+          <a:p>
+            <a:pPr marL="0" indent="0">
+              <a:buNone/>
+            </a:pPr>
+            <a:r>
+              <a:rPr lang="it-IT" dirty="0"/>
+              <a:t>	</a:t>
+            </a:r>
+            <a:r>
+              <a:rPr lang="it-IT" dirty="0" smtClean="0"/>
+              <a:t>Facebook http://facebook.com/cdaysit</a:t>
+            </a:r>
+          </a:p>
+          <a:p>
+            <a:pPr marL="0" indent="0">
+              <a:buNone/>
+            </a:pPr>
+            <a:r>
+              <a:rPr lang="it-IT" dirty="0" smtClean="0"/>
+              <a:t>	#CDays14</a:t>
+            </a:r>
+          </a:p>
+          <a:p>
+            <a:endParaRPr lang="it-IT" dirty="0"/>
+          </a:p>
+        </p:txBody>
+      </p:sp>
+      <p:pic>
+        <p:nvPicPr>
+          <p:cNvPr id="2" name="Picture 1"/>
+          <p:cNvPicPr>
+            <a:picLocks noChangeAspect="1"/>
+          </p:cNvPicPr>
+          <p:nvPr/>
+        </p:nvPicPr>
+        <p:blipFill>
+          <a:blip r:embed="rId4">
+            <a:extLst>
+              <a:ext uri="{28A0092B-C50C-407E-A947-70E740481C1C}">
+                <a14:useLocalDpi xmlns:a14="http://schemas.microsoft.com/office/drawing/2010/main" val="0"/>
+              </a:ext>
+            </a:extLst>
+          </a:blip>
+          <a:stretch>
+            <a:fillRect/>
+          </a:stretch>
+        </p:blipFill>
+        <p:spPr>
+          <a:xfrm>
+            <a:off x="7908325" y="1942440"/>
+            <a:ext cx="2847862" cy="2847862"/>
+          </a:xfrm>
+          <a:prstGeom prst="rect">
+            <a:avLst/>
+          </a:prstGeom>
+        </p:spPr>
+      </p:pic>
+    </p:spTree>
+    <p:extLst>
+      <p:ext uri="{BB962C8B-B14F-4D97-AF65-F5344CB8AC3E}">
+        <p14:creationId xmlns:p14="http://schemas.microsoft.com/office/powerpoint/2010/main" val="2926518474"/>
       </p:ext>
     </p:extLst>
   </p:cSld>
@@ -22126,261 +22098,68 @@
             <p:ph type="title"/>
           </p:nvPr>
         </p:nvSpPr>
-        <p:spPr>
-          <a:xfrm>
-            <a:off x="877544" y="2522993"/>
-            <a:ext cx="9692640" cy="1428929"/>
-          </a:xfrm>
-        </p:spPr>
+        <p:spPr/>
         <p:txBody>
           <a:bodyPr/>
           <a:lstStyle/>
           <a:p>
-            <a:pPr algn="ctr"/>
             <a:r>
               <a:rPr lang="it-IT" dirty="0" smtClean="0"/>
-              <a:t>Grazie a tutti !</a:t>
+              <a:t>Demo</a:t>
             </a:r>
             <a:endParaRPr lang="it-IT" dirty="0"/>
+          </a:p>
+        </p:txBody>
+      </p:sp>
+      <p:sp>
+        <p:nvSpPr>
+          <p:cNvPr id="5" name="Text Placeholder 4"/>
+          <p:cNvSpPr>
+            <a:spLocks noGrp="1"/>
+          </p:cNvSpPr>
+          <p:nvPr>
+            <p:ph type="body" idx="1"/>
+          </p:nvPr>
+        </p:nvSpPr>
+        <p:spPr/>
+        <p:txBody>
+          <a:bodyPr/>
+          <a:lstStyle/>
+          <a:p>
+            <a:r>
+              <a:rPr lang="fr-FR" dirty="0" err="1" smtClean="0"/>
+              <a:t>Sampling</a:t>
+            </a:r>
+            <a:r>
+              <a:rPr lang="fr-FR" dirty="0" smtClean="0"/>
+              <a:t> – Instrumentation - </a:t>
+            </a:r>
+            <a:r>
+              <a:rPr lang="fr-FR" dirty="0" err="1" smtClean="0"/>
+              <a:t>Concurrency</a:t>
+            </a:r>
+            <a:endParaRPr lang="fr-FR" dirty="0"/>
           </a:p>
         </p:txBody>
       </p:sp>
     </p:spTree>
     <p:extLst>
       <p:ext uri="{BB962C8B-B14F-4D97-AF65-F5344CB8AC3E}">
-        <p14:creationId xmlns:p14="http://schemas.microsoft.com/office/powerpoint/2010/main" val="3190968883"/>
+        <p14:creationId xmlns:p14="http://schemas.microsoft.com/office/powerpoint/2010/main" val="1022858300"/>
       </p:ext>
     </p:extLst>
   </p:cSld>
   <p:clrMapOvr>
     <a:masterClrMapping/>
   </p:clrMapOvr>
-  <p:timing>
-    <p:tnLst>
-      <p:par>
-        <p:cTn id="1" dur="indefinite" restart="never" nodeType="tmRoot"/>
-      </p:par>
-    </p:tnLst>
-  </p:timing>
-</p:sld>
-</file>
-
-<file path=ppt/slides/slide51.xml><?xml version="1.0" encoding="utf-8"?>
-<p:sld xmlns:a="http://schemas.openxmlformats.org/drawingml/2006/main" xmlns:r="http://schemas.openxmlformats.org/officeDocument/2006/relationships" xmlns:p="http://schemas.openxmlformats.org/presentationml/2006/main">
-  <p:cSld>
-    <p:spTree>
-      <p:nvGrpSpPr>
-        <p:cNvPr id="1" name=""/>
-        <p:cNvGrpSpPr/>
-        <p:nvPr/>
-      </p:nvGrpSpPr>
-      <p:grpSpPr>
-        <a:xfrm>
-          <a:off x="0" y="0"/>
-          <a:ext cx="0" cy="0"/>
-          <a:chOff x="0" y="0"/>
-          <a:chExt cx="0" cy="0"/>
-        </a:xfrm>
-      </p:grpSpPr>
-      <p:sp>
-        <p:nvSpPr>
-          <p:cNvPr id="3" name="Title 2"/>
-          <p:cNvSpPr>
-            <a:spLocks noGrp="1"/>
-          </p:cNvSpPr>
-          <p:nvPr>
-            <p:ph type="title"/>
-          </p:nvPr>
-        </p:nvSpPr>
-        <p:spPr/>
-        <p:txBody>
-          <a:bodyPr/>
-          <a:lstStyle/>
-          <a:p>
-            <a:r>
-              <a:rPr lang="it-IT" dirty="0" smtClean="0"/>
-              <a:t>Q&amp;A</a:t>
-            </a:r>
-            <a:endParaRPr lang="it-IT" dirty="0"/>
-          </a:p>
-        </p:txBody>
-      </p:sp>
-      <p:sp>
-        <p:nvSpPr>
-          <p:cNvPr id="4" name="Content Placeholder 3"/>
-          <p:cNvSpPr>
-            <a:spLocks noGrp="1"/>
-          </p:cNvSpPr>
-          <p:nvPr>
-            <p:ph idx="1"/>
-          </p:nvPr>
-        </p:nvSpPr>
-        <p:spPr/>
-        <p:txBody>
-          <a:bodyPr>
-            <a:normAutofit fontScale="92500" lnSpcReduction="20000"/>
-          </a:bodyPr>
-          <a:lstStyle/>
-          <a:p>
-            <a:pPr marL="0" indent="0">
-              <a:buNone/>
-            </a:pPr>
-            <a:r>
-              <a:rPr lang="it-IT" dirty="0" smtClean="0"/>
-              <a:t>Tutto il </a:t>
-            </a:r>
-            <a:r>
-              <a:rPr lang="it-IT" dirty="0"/>
-              <a:t>m</a:t>
-            </a:r>
-            <a:r>
-              <a:rPr lang="it-IT" dirty="0" smtClean="0"/>
-              <a:t>ateriale di questa sessione su</a:t>
-            </a:r>
-          </a:p>
-          <a:p>
-            <a:pPr marL="0" indent="0">
-              <a:buNone/>
-            </a:pPr>
-            <a:r>
-              <a:rPr lang="it-IT" dirty="0" smtClean="0">
-                <a:hlinkClick r:id="rId3"/>
-              </a:rPr>
-              <a:t>http://www.communitydays.it/</a:t>
-            </a:r>
-            <a:r>
-              <a:rPr lang="it-IT" dirty="0" smtClean="0"/>
-              <a:t> </a:t>
-            </a:r>
-          </a:p>
-          <a:p>
-            <a:pPr marL="0" indent="0">
-              <a:buNone/>
-            </a:pPr>
-            <a:endParaRPr lang="it-IT" dirty="0"/>
-          </a:p>
-          <a:p>
-            <a:pPr marL="0" indent="0">
-              <a:buNone/>
-            </a:pPr>
-            <a:r>
-              <a:rPr lang="it-IT" dirty="0" smtClean="0"/>
-              <a:t>Lascia il feedback su questa sessione,</a:t>
-            </a:r>
-          </a:p>
-          <a:p>
-            <a:pPr marL="0" indent="0">
-              <a:buNone/>
-            </a:pPr>
-            <a:r>
-              <a:rPr lang="it-IT" dirty="0" smtClean="0"/>
-              <a:t>potrai essere estratto per i nostri premi!</a:t>
-            </a:r>
-          </a:p>
-          <a:p>
-            <a:pPr marL="0" indent="0">
-              <a:buNone/>
-            </a:pPr>
-            <a:endParaRPr lang="it-IT" dirty="0"/>
-          </a:p>
-          <a:p>
-            <a:pPr marL="0" indent="0">
-              <a:buNone/>
-            </a:pPr>
-            <a:r>
-              <a:rPr lang="it-IT" dirty="0" smtClean="0"/>
-              <a:t>Seguici su</a:t>
-            </a:r>
-          </a:p>
-          <a:p>
-            <a:pPr marL="0" indent="0">
-              <a:buNone/>
-            </a:pPr>
-            <a:r>
-              <a:rPr lang="it-IT" dirty="0"/>
-              <a:t>	</a:t>
-            </a:r>
-            <a:r>
-              <a:rPr lang="it-IT" dirty="0" err="1" smtClean="0"/>
-              <a:t>Twitter</a:t>
-            </a:r>
-            <a:r>
-              <a:rPr lang="it-IT" dirty="0" smtClean="0"/>
-              <a:t> @</a:t>
-            </a:r>
-            <a:r>
-              <a:rPr lang="it-IT" dirty="0" err="1" smtClean="0"/>
-              <a:t>CommunityDaysIT</a:t>
-            </a:r>
-            <a:endParaRPr lang="it-IT" dirty="0" smtClean="0"/>
-          </a:p>
-          <a:p>
-            <a:pPr marL="0" indent="0">
-              <a:buNone/>
-            </a:pPr>
-            <a:r>
-              <a:rPr lang="it-IT" dirty="0"/>
-              <a:t>	</a:t>
-            </a:r>
-            <a:r>
-              <a:rPr lang="it-IT" dirty="0" smtClean="0"/>
-              <a:t>Facebook http://facebook.com/cdaysit</a:t>
-            </a:r>
-          </a:p>
-          <a:p>
-            <a:pPr marL="0" indent="0">
-              <a:buNone/>
-            </a:pPr>
-            <a:r>
-              <a:rPr lang="it-IT" dirty="0" smtClean="0"/>
-              <a:t>	#CDays14</a:t>
-            </a:r>
-          </a:p>
-          <a:p>
-            <a:endParaRPr lang="it-IT" dirty="0"/>
-          </a:p>
-        </p:txBody>
-      </p:sp>
-      <p:pic>
-        <p:nvPicPr>
-          <p:cNvPr id="2" name="Picture 1"/>
-          <p:cNvPicPr>
-            <a:picLocks noChangeAspect="1"/>
-          </p:cNvPicPr>
-          <p:nvPr/>
-        </p:nvPicPr>
-        <p:blipFill>
-          <a:blip r:embed="rId4">
-            <a:extLst>
-              <a:ext uri="{28A0092B-C50C-407E-A947-70E740481C1C}">
-                <a14:useLocalDpi xmlns:a14="http://schemas.microsoft.com/office/drawing/2010/main" val="0"/>
-              </a:ext>
-            </a:extLst>
-          </a:blip>
-          <a:stretch>
-            <a:fillRect/>
-          </a:stretch>
-        </p:blipFill>
-        <p:spPr>
-          <a:xfrm>
-            <a:off x="7908325" y="1942440"/>
-            <a:ext cx="2847862" cy="2847862"/>
-          </a:xfrm>
-          <a:prstGeom prst="rect">
-            <a:avLst/>
-          </a:prstGeom>
-        </p:spPr>
-      </p:pic>
-    </p:spTree>
-    <p:extLst>
-      <p:ext uri="{BB962C8B-B14F-4D97-AF65-F5344CB8AC3E}">
-        <p14:creationId xmlns:p14="http://schemas.microsoft.com/office/powerpoint/2010/main" val="2926518474"/>
-      </p:ext>
-    </p:extLst>
-  </p:cSld>
-  <p:clrMapOvr>
-    <a:masterClrMapping/>
-  </p:clrMapOvr>
+  <mc:AlternateContent xmlns:mc="http://schemas.openxmlformats.org/markup-compatibility/2006" xmlns:p14="http://schemas.microsoft.com/office/powerpoint/2010/main">
+    <mc:Choice Requires="p14">
+      <p:transition spd="slow" p14:dur="2000"/>
+    </mc:Choice>
+    <mc:Fallback xmlns="">
+      <p:transition spd="slow"/>
+    </mc:Fallback>
+  </mc:AlternateContent>
   <p:timing>
     <p:tnLst>
       <p:par>
@@ -22515,10 +22294,15 @@
               <a:rPr lang="en-US" dirty="0" smtClean="0"/>
               <a:t>SDL</a:t>
             </a:r>
-            <a:br>
-              <a:rPr lang="en-US" dirty="0" smtClean="0"/>
-            </a:br>
-            <a:endParaRPr lang="en-US" dirty="0"/>
+          </a:p>
+          <a:p>
+            <a:pPr marL="0" lvl="0" indent="0">
+              <a:spcBef>
+                <a:spcPts val="638"/>
+              </a:spcBef>
+              <a:buNone/>
+            </a:pPr>
+            <a:endParaRPr lang="en-US" dirty="0" smtClean="0"/>
           </a:p>
           <a:p>
             <a:pPr lvl="0">
@@ -22527,8 +22311,12 @@
               </a:spcBef>
             </a:pPr>
             <a:r>
-              <a:rPr lang="en-US" dirty="0" smtClean="0"/>
-              <a:t>Debugger</a:t>
+              <a:rPr lang="en-US" dirty="0"/>
+              <a:t>Profiler e performances</a:t>
+            </a:r>
+            <a:r>
+              <a:rPr lang="en-US" dirty="0" smtClean="0"/>
+              <a:t/>
             </a:r>
             <a:br>
               <a:rPr lang="en-US" dirty="0" smtClean="0"/>
@@ -22543,7 +22331,7 @@
             </a:pPr>
             <a:r>
               <a:rPr lang="en-US" dirty="0" smtClean="0"/>
-              <a:t>Profiler e performances</a:t>
+              <a:t>Debugger</a:t>
             </a:r>
             <a:br>
               <a:rPr lang="en-US" dirty="0" smtClean="0"/>
@@ -23794,7 +23582,15 @@
             </a:r>
             <a:r>
               <a:rPr lang="en-US" dirty="0" smtClean="0"/>
-              <a:t> I </a:t>
+              <a:t> </a:t>
+            </a:r>
+            <a:r>
+              <a:rPr lang="en-US" dirty="0" err="1" smtClean="0"/>
+              <a:t>i</a:t>
+            </a:r>
+            <a:r>
+              <a:rPr lang="en-US" dirty="0" smtClean="0"/>
+              <a:t> </a:t>
             </a:r>
             <a:r>
               <a:rPr lang="en-US" dirty="0" err="1" smtClean="0"/>

--- a/presentazioneCDAYS2014.pptx
+++ b/presentazioneCDAYS2014.pptx
@@ -9587,11 +9587,7 @@
             </a:r>
             <a:r>
               <a:rPr lang="en-US" dirty="0" smtClean="0"/>
-              <a:t> </a:t>
-            </a:r>
-            <a:r>
-              <a:rPr lang="en-US" dirty="0" smtClean="0"/>
-              <a:t>da </a:t>
+              <a:t> da </a:t>
             </a:r>
             <a:r>
               <a:rPr lang="en-US" dirty="0" err="1" smtClean="0"/>
@@ -9710,11 +9706,7 @@
             </a:r>
             <a:r>
               <a:rPr lang="en-US" dirty="0" smtClean="0"/>
-              <a:t> </a:t>
-            </a:r>
-            <a:r>
-              <a:rPr lang="en-US" dirty="0" smtClean="0"/>
-              <a:t>on demand</a:t>
+              <a:t> on demand</a:t>
             </a:r>
           </a:p>
           <a:p>
@@ -11154,13 +11146,10 @@
               <a:t> </a:t>
             </a:r>
             <a:r>
-              <a:rPr lang="en-US" dirty="0" err="1"/>
+              <a:rPr lang="en-US" dirty="0" err="1" smtClean="0"/>
               <a:t>performante</a:t>
             </a:r>
-            <a:r>
-              <a:rPr lang="en-US" dirty="0"/>
-              <a:t>.</a:t>
-            </a:r>
+            <a:endParaRPr lang="en-US" dirty="0"/>
           </a:p>
           <a:p>
             <a:pPr lvl="0" algn="just"/>
@@ -11948,106 +11937,103 @@
               <a:t> </a:t>
             </a:r>
             <a:r>
-              <a:rPr lang="en-US" dirty="0" err="1"/>
+              <a:rPr lang="en-US" dirty="0" err="1" smtClean="0"/>
               <a:t>qualitativa</a:t>
             </a:r>
-            <a:r>
-              <a:rPr lang="en-US" dirty="0"/>
-              <a:t>.</a:t>
-            </a:r>
+            <a:endParaRPr lang="en-US" dirty="0" smtClean="0"/>
           </a:p>
           <a:p>
             <a:pPr lvl="0" algn="just"/>
             <a:r>
-              <a:rPr lang="en-US" dirty="0"/>
+              <a:rPr lang="en-US" dirty="0" smtClean="0"/>
               <a:t>Le performances </a:t>
             </a:r>
             <a:r>
-              <a:rPr lang="en-US" dirty="0" err="1"/>
+              <a:rPr lang="en-US" dirty="0" err="1" smtClean="0"/>
               <a:t>si</a:t>
             </a:r>
             <a:r>
-              <a:rPr lang="en-US" dirty="0"/>
-              <a:t> </a:t>
-            </a:r>
-            <a:r>
-              <a:rPr lang="en-US" dirty="0" err="1"/>
+              <a:rPr lang="en-US" dirty="0" smtClean="0"/>
+              <a:t> </a:t>
+            </a:r>
+            <a:r>
+              <a:rPr lang="en-US" dirty="0" err="1" smtClean="0"/>
               <a:t>possono</a:t>
             </a:r>
             <a:r>
-              <a:rPr lang="en-US" dirty="0"/>
-              <a:t> </a:t>
-            </a:r>
-            <a:r>
-              <a:rPr lang="en-US" dirty="0" err="1"/>
+              <a:rPr lang="en-US" dirty="0" smtClean="0"/>
+              <a:t> </a:t>
+            </a:r>
+            <a:r>
+              <a:rPr lang="en-US" dirty="0" err="1" smtClean="0"/>
               <a:t>migliorare</a:t>
             </a:r>
             <a:r>
-              <a:rPr lang="en-US" dirty="0"/>
-              <a:t> </a:t>
-            </a:r>
-            <a:r>
-              <a:rPr lang="en-US" dirty="0" err="1"/>
+              <a:rPr lang="en-US" dirty="0" smtClean="0"/>
+              <a:t> </a:t>
+            </a:r>
+            <a:r>
+              <a:rPr lang="en-US" dirty="0" err="1" smtClean="0"/>
               <a:t>costantemente</a:t>
             </a:r>
             <a:r>
-              <a:rPr lang="en-US" dirty="0"/>
+              <a:rPr lang="en-US" dirty="0" smtClean="0"/>
               <a:t>, </a:t>
             </a:r>
             <a:r>
-              <a:rPr lang="en-US" dirty="0" err="1"/>
+              <a:rPr lang="en-US" dirty="0" err="1" smtClean="0"/>
               <a:t>ottimizzando</a:t>
             </a:r>
             <a:r>
-              <a:rPr lang="en-US" dirty="0"/>
-              <a:t> </a:t>
-            </a:r>
-            <a:r>
-              <a:rPr lang="en-US" dirty="0" err="1"/>
+              <a:rPr lang="en-US" dirty="0" smtClean="0"/>
+              <a:t> </a:t>
+            </a:r>
+            <a:r>
+              <a:rPr lang="en-US" dirty="0" err="1" smtClean="0"/>
               <a:t>il</a:t>
             </a:r>
             <a:r>
-              <a:rPr lang="en-US" dirty="0"/>
-              <a:t> </a:t>
-            </a:r>
-            <a:r>
-              <a:rPr lang="en-US" dirty="0" err="1"/>
+              <a:rPr lang="en-US" dirty="0" smtClean="0"/>
+              <a:t> </a:t>
+            </a:r>
+            <a:r>
+              <a:rPr lang="en-US" dirty="0" err="1" smtClean="0"/>
               <a:t>codice</a:t>
             </a:r>
             <a:r>
-              <a:rPr lang="en-US" dirty="0"/>
+              <a:rPr lang="en-US" dirty="0" smtClean="0"/>
               <a:t>, </a:t>
             </a:r>
             <a:r>
-              <a:rPr lang="en-US" dirty="0" err="1"/>
+              <a:rPr lang="en-US" dirty="0" err="1" smtClean="0"/>
               <a:t>scalando</a:t>
             </a:r>
             <a:r>
-              <a:rPr lang="en-US" dirty="0"/>
-              <a:t> </a:t>
-            </a:r>
-            <a:r>
-              <a:rPr lang="en-US" dirty="0" err="1"/>
+              <a:rPr lang="en-US" dirty="0" smtClean="0"/>
+              <a:t> </a:t>
+            </a:r>
+            <a:r>
+              <a:rPr lang="en-US" dirty="0" err="1" smtClean="0"/>
               <a:t>l'hardware</a:t>
             </a:r>
             <a:r>
-              <a:rPr lang="en-US" dirty="0"/>
+              <a:rPr lang="en-US" dirty="0" smtClean="0"/>
               <a:t>, ma da </a:t>
             </a:r>
             <a:r>
-              <a:rPr lang="en-US" dirty="0" err="1"/>
+              <a:rPr lang="en-US" dirty="0" err="1" smtClean="0"/>
               <a:t>esperienza</a:t>
             </a:r>
             <a:r>
-              <a:rPr lang="en-US" dirty="0"/>
+              <a:rPr lang="en-US" dirty="0" smtClean="0"/>
               <a:t> è </a:t>
             </a:r>
             <a:r>
-              <a:rPr lang="en-US" dirty="0" err="1"/>
+              <a:rPr lang="en-US" dirty="0" err="1" smtClean="0"/>
               <a:t>bene</a:t>
             </a:r>
             <a:r>
-              <a:rPr lang="en-US" dirty="0"/>
+              <a:rPr lang="en-US" dirty="0" smtClean="0"/>
               <a:t> </a:t>
             </a:r>
             <a:r>
@@ -12059,61 +12045,58 @@
               <a:t> lo </a:t>
             </a:r>
             <a:r>
-              <a:rPr lang="en-US" dirty="0" err="1"/>
+              <a:rPr lang="en-US" dirty="0" err="1" smtClean="0"/>
               <a:t>sforzo</a:t>
             </a:r>
             <a:r>
-              <a:rPr lang="en-US" dirty="0"/>
-              <a:t> </a:t>
-            </a:r>
-            <a:r>
-              <a:rPr lang="en-US" dirty="0" err="1"/>
+              <a:rPr lang="en-US" dirty="0" smtClean="0"/>
+              <a:t> </a:t>
+            </a:r>
+            <a:r>
+              <a:rPr lang="en-US" dirty="0" err="1" smtClean="0"/>
               <a:t>profuso</a:t>
             </a:r>
             <a:r>
-              <a:rPr lang="en-US" dirty="0"/>
+              <a:rPr lang="en-US" dirty="0" smtClean="0"/>
               <a:t> con </a:t>
             </a:r>
             <a:r>
-              <a:rPr lang="en-US" dirty="0" err="1"/>
+              <a:rPr lang="en-US" dirty="0" err="1" smtClean="0"/>
               <a:t>il</a:t>
             </a:r>
             <a:r>
-              <a:rPr lang="en-US" dirty="0"/>
-              <a:t> </a:t>
-            </a:r>
-            <a:r>
-              <a:rPr lang="en-US" dirty="0" err="1"/>
+              <a:rPr lang="en-US" dirty="0" smtClean="0"/>
+              <a:t> </a:t>
+            </a:r>
+            <a:r>
+              <a:rPr lang="en-US" dirty="0" err="1" smtClean="0"/>
               <a:t>guadagno</a:t>
             </a:r>
             <a:r>
-              <a:rPr lang="en-US" dirty="0"/>
-              <a:t> </a:t>
-            </a:r>
-            <a:r>
-              <a:rPr lang="en-US" dirty="0" err="1"/>
+              <a:rPr lang="en-US" dirty="0" smtClean="0"/>
+              <a:t> </a:t>
+            </a:r>
+            <a:r>
+              <a:rPr lang="en-US" dirty="0" err="1" smtClean="0"/>
               <a:t>ottenuto</a:t>
             </a:r>
             <a:r>
-              <a:rPr lang="en-US" dirty="0"/>
+              <a:rPr lang="en-US" dirty="0" smtClean="0"/>
               <a:t> e la </a:t>
             </a:r>
             <a:r>
-              <a:rPr lang="en-US" dirty="0" err="1"/>
+              <a:rPr lang="en-US" dirty="0" err="1" smtClean="0"/>
               <a:t>percezione</a:t>
             </a:r>
             <a:r>
-              <a:rPr lang="en-US" dirty="0"/>
-              <a:t> </a:t>
-            </a:r>
-            <a:r>
-              <a:rPr lang="en-US" dirty="0" err="1"/>
+              <a:rPr lang="en-US" dirty="0" smtClean="0"/>
+              <a:t> </a:t>
+            </a:r>
+            <a:r>
+              <a:rPr lang="en-US" dirty="0" err="1" smtClean="0"/>
               <a:t>dell'utilizzatore</a:t>
             </a:r>
-            <a:r>
-              <a:rPr lang="en-US" dirty="0"/>
-              <a:t>.</a:t>
-            </a:r>
+            <a:endParaRPr lang="en-US" dirty="0" smtClean="0"/>
           </a:p>
           <a:p>
             <a:pPr lvl="0" algn="just"/>
@@ -12795,15 +12778,7 @@
           <a:p>
             <a:r>
               <a:rPr lang="it-IT" dirty="0" smtClean="0"/>
-              <a:t>E’ possibile </a:t>
-            </a:r>
-            <a:r>
-              <a:rPr lang="it-IT" dirty="0" smtClean="0"/>
-              <a:t>utilizzare </a:t>
-            </a:r>
-            <a:r>
-              <a:rPr lang="it-IT" dirty="0" smtClean="0"/>
-              <a:t>un set di rules che determinano alcune diagnostiche sulla sessione di profiling. Tipicamente sono warning o informazioni (sono rari gli errori), ma può esssere configurata la severity. Riportate nella finestra di errori</a:t>
+              <a:t>E’ possibile utilizzare un set di rules che determinano alcune diagnostiche sulla sessione di profiling. Tipicamente sono warning o informazioni (sono rari gli errori), ma può esssere configurata la severity. Riportate nella finestra di errori</a:t>
             </a:r>
           </a:p>
           <a:p>
@@ -12827,7 +12802,7 @@
         </p:blipFill>
         <p:spPr>
           <a:xfrm>
-            <a:off x="1261872" y="3299428"/>
+            <a:off x="1543232" y="3299428"/>
             <a:ext cx="6391033" cy="2880709"/>
           </a:xfrm>
           <a:prstGeom prst="rect">
@@ -13808,7 +13783,6 @@
               <a:rPr lang="en-US" dirty="0" smtClean="0"/>
               <a:t>)</a:t>
             </a:r>
-            <a:endParaRPr lang="en-US" dirty="0" smtClean="0"/>
           </a:p>
           <a:p>
             <a:pPr lvl="0" algn="just"/>
@@ -14330,7 +14304,6 @@
               <a:rPr lang="en-US" dirty="0" smtClean="0"/>
               <a:t>performances</a:t>
             </a:r>
-            <a:endParaRPr lang="en-US" dirty="0" smtClean="0"/>
           </a:p>
           <a:p>
             <a:pPr algn="just"/>
@@ -14873,7 +14846,47 @@
             </a:r>
             <a:r>
               <a:rPr lang="en-US" dirty="0" smtClean="0"/>
-              <a:t> di instrumentation</a:t>
+              <a:t> di </a:t>
+            </a:r>
+            <a:r>
+              <a:rPr lang="en-US" dirty="0" smtClean="0"/>
+              <a:t>instrumentation, </a:t>
+            </a:r>
+            <a:r>
+              <a:rPr lang="en-US" dirty="0" err="1" smtClean="0"/>
+              <a:t>che</a:t>
+            </a:r>
+            <a:r>
+              <a:rPr lang="en-US" dirty="0" smtClean="0"/>
+              <a:t> </a:t>
+            </a:r>
+            <a:r>
+              <a:rPr lang="en-US" dirty="0" err="1" smtClean="0"/>
+              <a:t>sono</a:t>
+            </a:r>
+            <a:r>
+              <a:rPr lang="en-US" dirty="0" smtClean="0"/>
+              <a:t> </a:t>
+            </a:r>
+            <a:r>
+              <a:rPr lang="en-US" dirty="0" err="1" smtClean="0"/>
+              <a:t>quelli</a:t>
+            </a:r>
+            <a:r>
+              <a:rPr lang="en-US" dirty="0" smtClean="0"/>
+              <a:t> </a:t>
+            </a:r>
+            <a:r>
+              <a:rPr lang="en-US" dirty="0" err="1" smtClean="0"/>
+              <a:t>più</a:t>
+            </a:r>
+            <a:r>
+              <a:rPr lang="en-US" dirty="0" smtClean="0"/>
+              <a:t> </a:t>
+            </a:r>
+            <a:r>
+              <a:rPr lang="en-US" dirty="0" err="1" smtClean="0"/>
+              <a:t>utilizzati</a:t>
             </a:r>
             <a:r>
               <a:rPr lang="en-US" sz="2300" dirty="0" smtClean="0"/>
@@ -15297,7 +15310,15 @@
             </a:r>
             <a:r>
               <a:rPr lang="en-US" dirty="0" smtClean="0"/>
-              <a:t> bottleneck in </a:t>
+              <a:t> </a:t>
+            </a:r>
+            <a:r>
+              <a:rPr lang="en-US" dirty="0" smtClean="0"/>
+              <a:t>bottlenecks </a:t>
+            </a:r>
+            <a:r>
+              <a:rPr lang="en-US" dirty="0" smtClean="0"/>
+              <a:t>in </a:t>
             </a:r>
             <a:r>
               <a:rPr lang="en-US" dirty="0" err="1" smtClean="0"/>
@@ -15766,13 +15787,8 @@
             </a:r>
             <a:r>
               <a:rPr lang="en-US" dirty="0" smtClean="0"/>
-              <a:t> </a:t>
-            </a:r>
-            <a:r>
-              <a:rPr lang="en-US" dirty="0" smtClean="0"/>
-              <a:t>sleep</a:t>
-            </a:r>
-            <a:endParaRPr lang="en-US" dirty="0" smtClean="0"/>
+              <a:t> sleep</a:t>
+            </a:r>
           </a:p>
         </p:txBody>
       </p:sp>
@@ -18305,13 +18321,8 @@
             </a:r>
             <a:r>
               <a:rPr lang="en-US" dirty="0" smtClean="0"/>
-              <a:t> </a:t>
-            </a:r>
-            <a:r>
-              <a:rPr lang="en-US" dirty="0" smtClean="0"/>
-              <a:t>finale</a:t>
-            </a:r>
-            <a:endParaRPr lang="en-US" dirty="0" smtClean="0"/>
+              <a:t> finale</a:t>
+            </a:r>
           </a:p>
           <a:p>
             <a:pPr lvl="0" algn="just"/>
@@ -18805,8 +18816,9 @@
             </a:r>
             <a:r>
               <a:rPr lang="en-US" dirty="0" smtClean="0"/>
-              <a:t> :</a:t>
-            </a:r>
+              <a:t>:</a:t>
+            </a:r>
+            <a:endParaRPr lang="en-US" dirty="0" smtClean="0"/>
           </a:p>
           <a:p>
             <a:pPr lvl="2" algn="just"/>
@@ -19011,7 +19023,6 @@
               <a:rPr lang="en-US" dirty="0" smtClean="0"/>
               <a:t>)</a:t>
             </a:r>
-            <a:endParaRPr lang="en-US" dirty="0" smtClean="0"/>
           </a:p>
           <a:p>
             <a:pPr lvl="1" algn="just"/>
@@ -19425,11 +19436,7 @@
             <a:pPr lvl="0" algn="just"/>
             <a:r>
               <a:rPr lang="it-IT" dirty="0" smtClean="0"/>
-              <a:t>Il debugger si customizza in Visual Studio sulla base del profilo di sviluppo </a:t>
-            </a:r>
-            <a:r>
-              <a:rPr lang="it-IT" dirty="0" smtClean="0"/>
-              <a:t>scelto</a:t>
+              <a:t>Il debugger si customizza in Visual Studio sulla base del profilo di sviluppo scelto</a:t>
             </a:r>
             <a:endParaRPr lang="it-IT" dirty="0"/>
           </a:p>
@@ -19831,13 +19838,7 @@
               <a:rPr lang="it-IT" dirty="0" smtClean="0">
                 <a:sym typeface="Wingdings" panose="05000000000000000000" pitchFamily="2" charset="2"/>
               </a:rPr>
-              <a:t>Alcune voci di menù non sono ripristinabili con il metodo </a:t>
-            </a:r>
-            <a:r>
-              <a:rPr lang="it-IT" dirty="0" smtClean="0">
-                <a:sym typeface="Wingdings" panose="05000000000000000000" pitchFamily="2" charset="2"/>
-              </a:rPr>
-              <a:t>precedente </a:t>
+              <a:t>Alcune voci di menù non sono ripristinabili con il metodo precedente </a:t>
             </a:r>
             <a:endParaRPr lang="it-IT" dirty="0">
               <a:sym typeface="Wingdings" panose="05000000000000000000" pitchFamily="2" charset="2"/>
@@ -20095,20 +20096,23 @@
         <p:spPr/>
         <p:txBody>
           <a:bodyPr>
-            <a:normAutofit/>
+            <a:normAutofit lnSpcReduction="10000"/>
           </a:bodyPr>
           <a:lstStyle/>
           <a:p>
             <a:pPr lvl="0" algn="just"/>
             <a:r>
+              <a:rPr lang="it-IT" smtClean="0"/>
+              <a:t>Le </a:t>
+            </a:r>
+            <a:r>
+              <a:rPr lang="it-IT" smtClean="0"/>
+              <a:t>configurazioni </a:t>
+            </a:r>
+            <a:r>
               <a:rPr lang="it-IT" dirty="0" smtClean="0"/>
-              <a:t>Le configurazoni di default di Visual Studio per la compilazione in debug sono tipicamente più che sufficienti a impostare una sessione di </a:t>
-            </a:r>
-            <a:r>
-              <a:rPr lang="it-IT" dirty="0" smtClean="0"/>
-              <a:t>debug </a:t>
-            </a:r>
-            <a:endParaRPr lang="it-IT" dirty="0" smtClean="0"/>
+              <a:t>di default di Visual Studio per la compilazione in debug sono tipicamente più che sufficienti a impostare una sessione di debug </a:t>
+            </a:r>
           </a:p>
           <a:p>
             <a:pPr lvl="0" algn="just"/>
@@ -20468,13 +20472,8 @@
             <a:pPr lvl="0" algn="just"/>
             <a:r>
               <a:rPr lang="it-IT" dirty="0" smtClean="0"/>
-              <a:t>Caso molto utilizzato nel nostro ambiente di lavoro, quando vogliamo debuggare il comportamento di DLL native che vengono utilizzate in ambienti esterni a Visual </a:t>
-            </a:r>
-            <a:r>
-              <a:rPr lang="it-IT" dirty="0" smtClean="0"/>
-              <a:t>Studio</a:t>
-            </a:r>
-            <a:endParaRPr lang="it-IT" dirty="0" smtClean="0"/>
+              <a:t>Caso molto utilizzato nel nostro ambiente di lavoro, quando vogliamo debuggare il comportamento di DLL native che vengono utilizzate in ambienti esterni a Visual Studio</a:t>
+            </a:r>
           </a:p>
           <a:p>
             <a:pPr lvl="0" algn="just"/>
@@ -20609,47 +20608,28 @@
             <a:pPr lvl="0" algn="just"/>
             <a:r>
               <a:rPr lang="it-IT" dirty="0" smtClean="0"/>
-              <a:t>Supponiamo di avere un’applicazione piuttosto semplice nella quale 2 thread ricevono un set di dati dal padre che rappresenta una retta y=2x definita nel dominio [1,5</a:t>
-            </a:r>
+              <a:t>Supponiamo di avere un’applicazione piuttosto semplice nella quale 2 thread ricevono un set di dati dal padre che rappresenta una retta y=2x definita nel dominio [1,5]</a:t>
+            </a:r>
+          </a:p>
+          <a:p>
+            <a:pPr lvl="0" algn="just"/>
             <a:r>
               <a:rPr lang="it-IT" dirty="0" smtClean="0"/>
-              <a:t>]</a:t>
-            </a:r>
-            <a:endParaRPr lang="it-IT" dirty="0" smtClean="0"/>
+              <a:t>Per semplicità non gestiamo estrapolazioni e assumiamo che la retta sia monotona crescente</a:t>
+            </a:r>
           </a:p>
           <a:p>
             <a:pPr lvl="0" algn="just"/>
             <a:r>
               <a:rPr lang="it-IT" dirty="0" smtClean="0"/>
-              <a:t>Per semplicità non gestiamo estrapolazioni e assumiamo che la retta sia monotona </a:t>
-            </a:r>
+              <a:t>Ognuno di questi thread effettua 1mln di interpolazioni lineari, restituendo i risultati al padre all’interno di un vettore passato per riferimento</a:t>
+            </a:r>
+          </a:p>
+          <a:p>
+            <a:pPr lvl="0" algn="just"/>
             <a:r>
               <a:rPr lang="it-IT" dirty="0" smtClean="0"/>
-              <a:t>crescente</a:t>
-            </a:r>
-            <a:endParaRPr lang="it-IT" dirty="0" smtClean="0"/>
-          </a:p>
-          <a:p>
-            <a:pPr lvl="0" algn="just"/>
-            <a:r>
-              <a:rPr lang="it-IT" dirty="0" smtClean="0"/>
-              <a:t>Ognuno di questi thread effettua 1mln di interpolazioni lineari, restituendo i risultati al padre all’interno di un vettore passato per </a:t>
-            </a:r>
-            <a:r>
-              <a:rPr lang="it-IT" dirty="0" smtClean="0"/>
-              <a:t>riferimento</a:t>
-            </a:r>
-            <a:endParaRPr lang="it-IT" dirty="0" smtClean="0"/>
-          </a:p>
-          <a:p>
-            <a:pPr lvl="0" algn="just"/>
-            <a:r>
-              <a:rPr lang="it-IT" dirty="0" smtClean="0"/>
-              <a:t>Visual Studio ci consente di debuggare l’applicazione, ispezionando il codice esguito dai singoli </a:t>
-            </a:r>
-            <a:r>
-              <a:rPr lang="it-IT" dirty="0" smtClean="0"/>
-              <a:t>thread</a:t>
+              <a:t>Visual Studio ci consente di debuggare l’applicazione, ispezionando il codice esguito dai singoli thread</a:t>
             </a:r>
             <a:endParaRPr lang="en-US" dirty="0" smtClean="0"/>
           </a:p>
@@ -21600,13 +21580,7 @@
               <a:rPr lang="it-IT" smtClean="0">
                 <a:sym typeface="Wingdings" panose="05000000000000000000" pitchFamily="2" charset="2"/>
               </a:rPr>
-              <a:t>dei </a:t>
-            </a:r>
-            <a:r>
-              <a:rPr lang="it-IT" smtClean="0">
-                <a:sym typeface="Wingdings" panose="05000000000000000000" pitchFamily="2" charset="2"/>
-              </a:rPr>
-              <a:t>warnings </a:t>
+              <a:t>dei warnings </a:t>
             </a:r>
             <a:r>
               <a:rPr lang="it-IT" dirty="0" smtClean="0">
@@ -22666,12 +22640,12 @@
               <a:t> è solo </a:t>
             </a:r>
             <a:r>
-              <a:rPr lang="en-US" dirty="0" err="1"/>
+              <a:rPr lang="en-US" dirty="0" err="1" smtClean="0"/>
               <a:t>una</a:t>
             </a:r>
             <a:r>
-              <a:rPr lang="en-US" dirty="0"/>
-              <a:t> : </a:t>
+              <a:rPr lang="en-US" dirty="0" smtClean="0"/>
+              <a:t>: </a:t>
             </a:r>
             <a:r>
               <a:rPr lang="en-US" dirty="0" err="1" smtClean="0"/>
@@ -22955,8 +22929,13 @@
             </a:r>
             <a:r>
               <a:rPr lang="en-US" dirty="0"/>
-              <a:t> software.</a:t>
-            </a:r>
+              <a:t> </a:t>
+            </a:r>
+            <a:r>
+              <a:rPr lang="en-US" dirty="0" smtClean="0"/>
+              <a:t>software</a:t>
+            </a:r>
+            <a:endParaRPr lang="en-US" dirty="0"/>
           </a:p>
           <a:p>
             <a:pPr marL="0" lvl="0" indent="0">
@@ -23468,13 +23447,10 @@
               <a:t> </a:t>
             </a:r>
             <a:r>
-              <a:rPr lang="en-US" dirty="0" err="1"/>
+              <a:rPr lang="en-US" dirty="0" err="1" smtClean="0"/>
               <a:t>nativo</a:t>
             </a:r>
-            <a:r>
-              <a:rPr lang="en-US" dirty="0"/>
-              <a:t>.</a:t>
-            </a:r>
+            <a:endParaRPr lang="en-US" dirty="0"/>
           </a:p>
         </p:txBody>
       </p:sp>

--- a/presentazioneCDAYS2014.pptx
+++ b/presentazioneCDAYS2014.pptx
@@ -322,7 +322,7 @@
           <a:p>
             <a:fld id="{7541E3AA-7BE5-4B59-82F5-30F2E5FF0CD3}" type="datetimeFigureOut">
               <a:rPr lang="it-IT" smtClean="0"/>
-              <a:t>24/02/2014</a:t>
+              <a:t>25/02/2014</a:t>
             </a:fld>
             <a:endParaRPr lang="it-IT"/>
           </a:p>
@@ -487,7 +487,7 @@
           <a:p>
             <a:fld id="{1634FCDD-F444-4746-A037-762098AD364A}" type="datetimeFigureOut">
               <a:rPr lang="it-IT" smtClean="0"/>
-              <a:t>24/02/2014</a:t>
+              <a:t>25/02/2014</a:t>
             </a:fld>
             <a:endParaRPr lang="it-IT"/>
           </a:p>
@@ -1710,7 +1710,7 @@
           <a:p>
             <a:fld id="{06D8BB37-67E1-420F-B488-3DE93FA3DF1F}" type="datetimeFigureOut">
               <a:rPr lang="en-US" dirty="0"/>
-              <a:t>2/24/2014</a:t>
+              <a:t>2/25/2014</a:t>
             </a:fld>
             <a:endParaRPr lang="en-US" dirty="0"/>
           </a:p>
@@ -1914,7 +1914,7 @@
           <a:p>
             <a:fld id="{E4B96382-B15D-466F-9E7D-0603461872B7}" type="datetimeFigureOut">
               <a:rPr lang="en-US" dirty="0"/>
-              <a:t>2/24/2014</a:t>
+              <a:t>2/25/2014</a:t>
             </a:fld>
             <a:endParaRPr lang="en-US" dirty="0"/>
           </a:p>
@@ -2170,7 +2170,7 @@
           <a:p>
             <a:fld id="{218672AE-FC7B-40BA-8844-0693A2434617}" type="datetimeFigureOut">
               <a:rPr lang="en-US" dirty="0"/>
-              <a:t>2/24/2014</a:t>
+              <a:t>2/25/2014</a:t>
             </a:fld>
             <a:endParaRPr lang="en-US" dirty="0"/>
           </a:p>
@@ -2414,7 +2414,7 @@
           <a:p>
             <a:fld id="{3568EC8D-9508-4A2C-8FBC-4C089BA52EE5}" type="datetimeFigureOut">
               <a:rPr lang="en-US" dirty="0"/>
-              <a:t>2/24/2014</a:t>
+              <a:t>2/25/2014</a:t>
             </a:fld>
             <a:endParaRPr lang="en-US" dirty="0"/>
           </a:p>
@@ -2739,7 +2739,7 @@
           <a:p>
             <a:fld id="{DB7A1C89-C29A-4D79-B5A1-1F424905E9A1}" type="datetimeFigureOut">
               <a:rPr lang="en-US" dirty="0"/>
-              <a:t>2/24/2014</a:t>
+              <a:t>2/25/2014</a:t>
             </a:fld>
             <a:endParaRPr lang="en-US" dirty="0"/>
           </a:p>
@@ -3103,7 +3103,7 @@
           <a:p>
             <a:fld id="{57ECC248-0691-4AB1-BB8B-882D656FF160}" type="datetimeFigureOut">
               <a:rPr lang="en-US" dirty="0"/>
-              <a:t>2/24/2014</a:t>
+              <a:t>2/25/2014</a:t>
             </a:fld>
             <a:endParaRPr lang="en-US" dirty="0"/>
           </a:p>
@@ -3630,7 +3630,7 @@
           <a:p>
             <a:fld id="{D4E54B09-E178-460F-B46D-023FA9745608}" type="datetimeFigureOut">
               <a:rPr lang="en-US" dirty="0"/>
-              <a:t>2/24/2014</a:t>
+              <a:t>2/25/2014</a:t>
             </a:fld>
             <a:endParaRPr lang="en-US" dirty="0"/>
           </a:p>
@@ -3824,7 +3824,7 @@
           <a:p>
             <a:fld id="{6CD62E06-21B3-4A3D-A6C8-F0DFEB8AB04D}" type="datetimeFigureOut">
               <a:rPr lang="en-US" dirty="0"/>
-              <a:t>2/24/2014</a:t>
+              <a:t>2/25/2014</a:t>
             </a:fld>
             <a:endParaRPr lang="en-US" dirty="0"/>
           </a:p>
@@ -3985,7 +3985,7 @@
           <a:p>
             <a:fld id="{2CC7CC01-41FD-4607-B8B1-976991065B2D}" type="datetimeFigureOut">
               <a:rPr lang="en-US" dirty="0"/>
-              <a:t>2/24/2014</a:t>
+              <a:t>2/25/2014</a:t>
             </a:fld>
             <a:endParaRPr lang="en-US" dirty="0"/>
           </a:p>
@@ -4349,7 +4349,7 @@
           <a:p>
             <a:fld id="{6D6740A7-C153-476A-BA27-5BE657EA7C21}" type="datetimeFigureOut">
               <a:rPr lang="en-US" dirty="0"/>
-              <a:t>2/24/2014</a:t>
+              <a:t>2/25/2014</a:t>
             </a:fld>
             <a:endParaRPr lang="en-US" dirty="0"/>
           </a:p>
@@ -4615,7 +4615,7 @@
           <a:p>
             <a:fld id="{1C86C2EC-F3EA-4AFE-88D7-51A6BBFDBA8B}" type="datetimeFigureOut">
               <a:rPr lang="en-US" dirty="0"/>
-              <a:t>2/24/2014</a:t>
+              <a:t>2/25/2014</a:t>
             </a:fld>
             <a:endParaRPr lang="en-US" dirty="0"/>
           </a:p>
@@ -5009,7 +5009,7 @@
           <a:p>
             <a:fld id="{BF2EAB5F-78EB-45CA-9E26-D1BAA0AA6EEC}" type="datetimeFigureOut">
               <a:rPr lang="en-US" dirty="0"/>
-              <a:t>2/24/2014</a:t>
+              <a:t>2/25/2014</a:t>
             </a:fld>
             <a:endParaRPr lang="en-US" dirty="0"/>
           </a:p>
@@ -14846,11 +14846,7 @@
             </a:r>
             <a:r>
               <a:rPr lang="en-US" dirty="0" smtClean="0"/>
-              <a:t> di </a:t>
-            </a:r>
-            <a:r>
-              <a:rPr lang="en-US" dirty="0" smtClean="0"/>
-              <a:t>instrumentation, </a:t>
+              <a:t> di instrumentation, </a:t>
             </a:r>
             <a:r>
               <a:rPr lang="en-US" dirty="0" err="1" smtClean="0"/>
@@ -15310,15 +15306,7 @@
             </a:r>
             <a:r>
               <a:rPr lang="en-US" dirty="0" smtClean="0"/>
-              <a:t> </a:t>
-            </a:r>
-            <a:r>
-              <a:rPr lang="en-US" dirty="0" smtClean="0"/>
-              <a:t>bottlenecks </a:t>
-            </a:r>
-            <a:r>
-              <a:rPr lang="en-US" dirty="0" smtClean="0"/>
-              <a:t>in </a:t>
+              <a:t> bottlenecks in </a:t>
             </a:r>
             <a:r>
               <a:rPr lang="en-US" dirty="0" err="1" smtClean="0"/>
@@ -18818,7 +18806,6 @@
               <a:rPr lang="en-US" dirty="0" smtClean="0"/>
               <a:t>:</a:t>
             </a:r>
-            <a:endParaRPr lang="en-US" dirty="0" smtClean="0"/>
           </a:p>
           <a:p>
             <a:pPr lvl="2" algn="just"/>
@@ -18931,8 +18918,16 @@
               <a:t>il</a:t>
             </a:r>
             <a:r>
-              <a:rPr lang="en-US" dirty="0" smtClean="0"/>
-              <a:t> “just my code”	</a:t>
+              <a:rPr lang="en-US" smtClean="0"/>
+              <a:t> </a:t>
+            </a:r>
+            <a:r>
+              <a:rPr lang="en-US" smtClean="0"/>
+              <a:t>“my </a:t>
+            </a:r>
+            <a:r>
+              <a:rPr lang="en-US" dirty="0" smtClean="0"/>
+              <a:t>code”	</a:t>
             </a:r>
             <a:endParaRPr lang="it-IT" dirty="0"/>
           </a:p>
@@ -20103,11 +20098,7 @@
             <a:pPr lvl="0" algn="just"/>
             <a:r>
               <a:rPr lang="it-IT" smtClean="0"/>
-              <a:t>Le </a:t>
-            </a:r>
-            <a:r>
-              <a:rPr lang="it-IT" smtClean="0"/>
-              <a:t>configurazioni </a:t>
+              <a:t>Le configurazioni </a:t>
             </a:r>
             <a:r>
               <a:rPr lang="it-IT" dirty="0" smtClean="0"/>
